--- a/back_up_images/矢量图片.pptx
+++ b/back_up_images/矢量图片.pptx
@@ -5,7 +5,7 @@
     <p:sldMasterId id="2147483648" r:id="rId1"/>
   </p:sldMasterIdLst>
   <p:notesMasterIdLst>
-    <p:notesMasterId r:id="rId9"/>
+    <p:notesMasterId r:id="rId11"/>
   </p:notesMasterIdLst>
   <p:sldIdLst>
     <p:sldId id="256" r:id="rId2"/>
@@ -15,6 +15,8 @@
     <p:sldId id="260" r:id="rId6"/>
     <p:sldId id="261" r:id="rId7"/>
     <p:sldId id="262" r:id="rId8"/>
+    <p:sldId id="263" r:id="rId9"/>
+    <p:sldId id="264" r:id="rId10"/>
   </p:sldIdLst>
   <p:sldSz cx="12192000" cy="6858000"/>
   <p:notesSz cx="6858000" cy="9144000"/>
@@ -215,7 +217,7 @@
           <a:p>
             <a:fld id="{3C7B4C04-3ED7-48CA-BB0C-33AE8D501C43}" type="datetimeFigureOut">
               <a:rPr lang="zh-CN" altLang="en-US" smtClean="0"/>
-              <a:t>2019/12/3</a:t>
+              <a:t>2019/12/15</a:t>
             </a:fld>
             <a:endParaRPr lang="zh-CN" altLang="en-US"/>
           </a:p>
@@ -1008,6 +1010,184 @@
 </p:notes>
 </file>
 
+<file path=ppt/notesSlides/notesSlide7.xml><?xml version="1.0" encoding="utf-8"?>
+<p:notes xmlns:a="http://schemas.openxmlformats.org/drawingml/2006/main" xmlns:r="http://schemas.openxmlformats.org/officeDocument/2006/relationships" xmlns:p="http://schemas.openxmlformats.org/presentationml/2006/main">
+  <p:cSld>
+    <p:spTree>
+      <p:nvGrpSpPr>
+        <p:cNvPr id="1" name=""/>
+        <p:cNvGrpSpPr/>
+        <p:nvPr/>
+      </p:nvGrpSpPr>
+      <p:grpSpPr>
+        <a:xfrm>
+          <a:off x="0" y="0"/>
+          <a:ext cx="0" cy="0"/>
+          <a:chOff x="0" y="0"/>
+          <a:chExt cx="0" cy="0"/>
+        </a:xfrm>
+      </p:grpSpPr>
+      <p:sp>
+        <p:nvSpPr>
+          <p:cNvPr id="2" name="幻灯片图像占位符 1"/>
+          <p:cNvSpPr>
+            <a:spLocks noGrp="1" noRot="1" noChangeAspect="1"/>
+          </p:cNvSpPr>
+          <p:nvPr>
+            <p:ph type="sldImg"/>
+          </p:nvPr>
+        </p:nvSpPr>
+        <p:spPr/>
+      </p:sp>
+      <p:sp>
+        <p:nvSpPr>
+          <p:cNvPr id="3" name="备注占位符 2"/>
+          <p:cNvSpPr>
+            <a:spLocks noGrp="1"/>
+          </p:cNvSpPr>
+          <p:nvPr>
+            <p:ph type="body" idx="1"/>
+          </p:nvPr>
+        </p:nvSpPr>
+        <p:spPr/>
+        <p:txBody>
+          <a:bodyPr/>
+          <a:lstStyle/>
+          <a:p>
+            <a:r>
+              <a:rPr lang="zh-CN" altLang="en-US" dirty="0"/>
+              <a:t>计算图</a:t>
+            </a:r>
+            <a:endParaRPr lang="en-US" altLang="zh-CN" dirty="0"/>
+          </a:p>
+          <a:p>
+            <a:endParaRPr lang="zh-CN" altLang="en-US" dirty="0"/>
+          </a:p>
+        </p:txBody>
+      </p:sp>
+      <p:sp>
+        <p:nvSpPr>
+          <p:cNvPr id="4" name="灯片编号占位符 3"/>
+          <p:cNvSpPr>
+            <a:spLocks noGrp="1"/>
+          </p:cNvSpPr>
+          <p:nvPr>
+            <p:ph type="sldNum" sz="quarter" idx="5"/>
+          </p:nvPr>
+        </p:nvSpPr>
+        <p:spPr/>
+        <p:txBody>
+          <a:bodyPr/>
+          <a:lstStyle/>
+          <a:p>
+            <a:fld id="{E4007852-6C40-4984-A056-F399EDC19CB2}" type="slidenum">
+              <a:rPr lang="zh-CN" altLang="en-US" smtClean="0"/>
+              <a:t>8</a:t>
+            </a:fld>
+            <a:endParaRPr lang="zh-CN" altLang="en-US"/>
+          </a:p>
+        </p:txBody>
+      </p:sp>
+    </p:spTree>
+    <p:extLst>
+      <p:ext uri="{BB962C8B-B14F-4D97-AF65-F5344CB8AC3E}">
+        <p14:creationId xmlns:p14="http://schemas.microsoft.com/office/powerpoint/2010/main" val="3021946300"/>
+      </p:ext>
+    </p:extLst>
+  </p:cSld>
+  <p:clrMapOvr>
+    <a:masterClrMapping/>
+  </p:clrMapOvr>
+</p:notes>
+</file>
+
+<file path=ppt/notesSlides/notesSlide8.xml><?xml version="1.0" encoding="utf-8"?>
+<p:notes xmlns:a="http://schemas.openxmlformats.org/drawingml/2006/main" xmlns:r="http://schemas.openxmlformats.org/officeDocument/2006/relationships" xmlns:p="http://schemas.openxmlformats.org/presentationml/2006/main">
+  <p:cSld>
+    <p:spTree>
+      <p:nvGrpSpPr>
+        <p:cNvPr id="1" name=""/>
+        <p:cNvGrpSpPr/>
+        <p:nvPr/>
+      </p:nvGrpSpPr>
+      <p:grpSpPr>
+        <a:xfrm>
+          <a:off x="0" y="0"/>
+          <a:ext cx="0" cy="0"/>
+          <a:chOff x="0" y="0"/>
+          <a:chExt cx="0" cy="0"/>
+        </a:xfrm>
+      </p:grpSpPr>
+      <p:sp>
+        <p:nvSpPr>
+          <p:cNvPr id="2" name="幻灯片图像占位符 1"/>
+          <p:cNvSpPr>
+            <a:spLocks noGrp="1" noRot="1" noChangeAspect="1"/>
+          </p:cNvSpPr>
+          <p:nvPr>
+            <p:ph type="sldImg"/>
+          </p:nvPr>
+        </p:nvSpPr>
+        <p:spPr/>
+      </p:sp>
+      <p:sp>
+        <p:nvSpPr>
+          <p:cNvPr id="3" name="备注占位符 2"/>
+          <p:cNvSpPr>
+            <a:spLocks noGrp="1"/>
+          </p:cNvSpPr>
+          <p:nvPr>
+            <p:ph type="body" idx="1"/>
+          </p:nvPr>
+        </p:nvSpPr>
+        <p:spPr/>
+        <p:txBody>
+          <a:bodyPr/>
+          <a:lstStyle/>
+          <a:p>
+            <a:r>
+              <a:rPr lang="zh-CN" altLang="en-US"/>
+              <a:t>链式法则</a:t>
+            </a:r>
+          </a:p>
+        </p:txBody>
+      </p:sp>
+      <p:sp>
+        <p:nvSpPr>
+          <p:cNvPr id="4" name="灯片编号占位符 3"/>
+          <p:cNvSpPr>
+            <a:spLocks noGrp="1"/>
+          </p:cNvSpPr>
+          <p:nvPr>
+            <p:ph type="sldNum" sz="quarter" idx="5"/>
+          </p:nvPr>
+        </p:nvSpPr>
+        <p:spPr/>
+        <p:txBody>
+          <a:bodyPr/>
+          <a:lstStyle/>
+          <a:p>
+            <a:fld id="{E4007852-6C40-4984-A056-F399EDC19CB2}" type="slidenum">
+              <a:rPr lang="zh-CN" altLang="en-US" smtClean="0"/>
+              <a:t>9</a:t>
+            </a:fld>
+            <a:endParaRPr lang="zh-CN" altLang="en-US"/>
+          </a:p>
+        </p:txBody>
+      </p:sp>
+    </p:spTree>
+    <p:extLst>
+      <p:ext uri="{BB962C8B-B14F-4D97-AF65-F5344CB8AC3E}">
+        <p14:creationId xmlns:p14="http://schemas.microsoft.com/office/powerpoint/2010/main" val="4239007176"/>
+      </p:ext>
+    </p:extLst>
+  </p:cSld>
+  <p:clrMapOvr>
+    <a:masterClrMapping/>
+  </p:clrMapOvr>
+</p:notes>
+</file>
+
 <file path=ppt/slideLayouts/slideLayout1.xml><?xml version="1.0" encoding="utf-8"?>
 <p:sldLayout xmlns:a="http://schemas.openxmlformats.org/drawingml/2006/main" xmlns:r="http://schemas.openxmlformats.org/officeDocument/2006/relationships" xmlns:p="http://schemas.openxmlformats.org/presentationml/2006/main" type="title" preserve="1">
   <p:cSld name="标题幻灯片">
@@ -1155,7 +1335,7 @@
           <a:p>
             <a:fld id="{DBC79F21-86C7-4C96-8B86-0DACC1911D43}" type="datetimeFigureOut">
               <a:rPr lang="zh-CN" altLang="en-US" smtClean="0"/>
-              <a:t>2019/12/3</a:t>
+              <a:t>2019/12/15</a:t>
             </a:fld>
             <a:endParaRPr lang="zh-CN" altLang="en-US"/>
           </a:p>
@@ -1353,7 +1533,7 @@
           <a:p>
             <a:fld id="{DBC79F21-86C7-4C96-8B86-0DACC1911D43}" type="datetimeFigureOut">
               <a:rPr lang="zh-CN" altLang="en-US" smtClean="0"/>
-              <a:t>2019/12/3</a:t>
+              <a:t>2019/12/15</a:t>
             </a:fld>
             <a:endParaRPr lang="zh-CN" altLang="en-US"/>
           </a:p>
@@ -1561,7 +1741,7 @@
           <a:p>
             <a:fld id="{DBC79F21-86C7-4C96-8B86-0DACC1911D43}" type="datetimeFigureOut">
               <a:rPr lang="zh-CN" altLang="en-US" smtClean="0"/>
-              <a:t>2019/12/3</a:t>
+              <a:t>2019/12/15</a:t>
             </a:fld>
             <a:endParaRPr lang="zh-CN" altLang="en-US"/>
           </a:p>
@@ -1759,7 +1939,7 @@
           <a:p>
             <a:fld id="{DBC79F21-86C7-4C96-8B86-0DACC1911D43}" type="datetimeFigureOut">
               <a:rPr lang="zh-CN" altLang="en-US" smtClean="0"/>
-              <a:t>2019/12/3</a:t>
+              <a:t>2019/12/15</a:t>
             </a:fld>
             <a:endParaRPr lang="zh-CN" altLang="en-US"/>
           </a:p>
@@ -2034,7 +2214,7 @@
           <a:p>
             <a:fld id="{DBC79F21-86C7-4C96-8B86-0DACC1911D43}" type="datetimeFigureOut">
               <a:rPr lang="zh-CN" altLang="en-US" smtClean="0"/>
-              <a:t>2019/12/3</a:t>
+              <a:t>2019/12/15</a:t>
             </a:fld>
             <a:endParaRPr lang="zh-CN" altLang="en-US"/>
           </a:p>
@@ -2299,7 +2479,7 @@
           <a:p>
             <a:fld id="{DBC79F21-86C7-4C96-8B86-0DACC1911D43}" type="datetimeFigureOut">
               <a:rPr lang="zh-CN" altLang="en-US" smtClean="0"/>
-              <a:t>2019/12/3</a:t>
+              <a:t>2019/12/15</a:t>
             </a:fld>
             <a:endParaRPr lang="zh-CN" altLang="en-US"/>
           </a:p>
@@ -2711,7 +2891,7 @@
           <a:p>
             <a:fld id="{DBC79F21-86C7-4C96-8B86-0DACC1911D43}" type="datetimeFigureOut">
               <a:rPr lang="zh-CN" altLang="en-US" smtClean="0"/>
-              <a:t>2019/12/3</a:t>
+              <a:t>2019/12/15</a:t>
             </a:fld>
             <a:endParaRPr lang="zh-CN" altLang="en-US"/>
           </a:p>
@@ -2852,7 +3032,7 @@
           <a:p>
             <a:fld id="{DBC79F21-86C7-4C96-8B86-0DACC1911D43}" type="datetimeFigureOut">
               <a:rPr lang="zh-CN" altLang="en-US" smtClean="0"/>
-              <a:t>2019/12/3</a:t>
+              <a:t>2019/12/15</a:t>
             </a:fld>
             <a:endParaRPr lang="zh-CN" altLang="en-US"/>
           </a:p>
@@ -2965,7 +3145,7 @@
           <a:p>
             <a:fld id="{DBC79F21-86C7-4C96-8B86-0DACC1911D43}" type="datetimeFigureOut">
               <a:rPr lang="zh-CN" altLang="en-US" smtClean="0"/>
-              <a:t>2019/12/3</a:t>
+              <a:t>2019/12/15</a:t>
             </a:fld>
             <a:endParaRPr lang="zh-CN" altLang="en-US"/>
           </a:p>
@@ -3276,7 +3456,7 @@
           <a:p>
             <a:fld id="{DBC79F21-86C7-4C96-8B86-0DACC1911D43}" type="datetimeFigureOut">
               <a:rPr lang="zh-CN" altLang="en-US" smtClean="0"/>
-              <a:t>2019/12/3</a:t>
+              <a:t>2019/12/15</a:t>
             </a:fld>
             <a:endParaRPr lang="zh-CN" altLang="en-US"/>
           </a:p>
@@ -3564,7 +3744,7 @@
           <a:p>
             <a:fld id="{DBC79F21-86C7-4C96-8B86-0DACC1911D43}" type="datetimeFigureOut">
               <a:rPr lang="zh-CN" altLang="en-US" smtClean="0"/>
-              <a:t>2019/12/3</a:t>
+              <a:t>2019/12/15</a:t>
             </a:fld>
             <a:endParaRPr lang="zh-CN" altLang="en-US"/>
           </a:p>
@@ -3805,7 +3985,7 @@
           <a:p>
             <a:fld id="{DBC79F21-86C7-4C96-8B86-0DACC1911D43}" type="datetimeFigureOut">
               <a:rPr lang="zh-CN" altLang="en-US" smtClean="0"/>
-              <a:t>2019/12/3</a:t>
+              <a:t>2019/12/15</a:t>
             </a:fld>
             <a:endParaRPr lang="zh-CN" altLang="en-US"/>
           </a:p>
@@ -8667,8 +8847,8 @@
           </a:p>
         </p:txBody>
       </p:sp>
-      <mc:AlternateContent xmlns:mc="http://schemas.openxmlformats.org/markup-compatibility/2006">
-        <mc:Choice xmlns:a14="http://schemas.microsoft.com/office/drawing/2010/main" Requires="a14">
+      <mc:AlternateContent xmlns:mc="http://schemas.openxmlformats.org/markup-compatibility/2006" xmlns:a14="http://schemas.microsoft.com/office/drawing/2010/main">
+        <mc:Choice Requires="a14">
           <p:sp>
             <p:nvSpPr>
               <p:cNvPr id="96" name="文本框 95">
@@ -8737,7 +8917,7 @@
             </p:txBody>
           </p:sp>
         </mc:Choice>
-        <mc:Fallback>
+        <mc:Fallback xmlns="">
           <p:sp>
             <p:nvSpPr>
               <p:cNvPr id="96" name="文本框 95">
@@ -8782,8 +8962,8 @@
           </p:sp>
         </mc:Fallback>
       </mc:AlternateContent>
-      <mc:AlternateContent xmlns:mc="http://schemas.openxmlformats.org/markup-compatibility/2006">
-        <mc:Choice xmlns:a14="http://schemas.microsoft.com/office/drawing/2010/main" Requires="a14">
+      <mc:AlternateContent xmlns:mc="http://schemas.openxmlformats.org/markup-compatibility/2006" xmlns:a14="http://schemas.microsoft.com/office/drawing/2010/main">
+        <mc:Choice Requires="a14">
           <p:sp>
             <p:nvSpPr>
               <p:cNvPr id="104" name="文本框 103">
@@ -8852,7 +9032,7 @@
             </p:txBody>
           </p:sp>
         </mc:Choice>
-        <mc:Fallback>
+        <mc:Fallback xmlns="">
           <p:sp>
             <p:nvSpPr>
               <p:cNvPr id="104" name="文本框 103">
@@ -8897,8 +9077,8 @@
           </p:sp>
         </mc:Fallback>
       </mc:AlternateContent>
-      <mc:AlternateContent xmlns:mc="http://schemas.openxmlformats.org/markup-compatibility/2006">
-        <mc:Choice xmlns:a14="http://schemas.microsoft.com/office/drawing/2010/main" Requires="a14">
+      <mc:AlternateContent xmlns:mc="http://schemas.openxmlformats.org/markup-compatibility/2006" xmlns:a14="http://schemas.microsoft.com/office/drawing/2010/main">
+        <mc:Choice Requires="a14">
           <p:sp>
             <p:nvSpPr>
               <p:cNvPr id="105" name="文本框 104">
@@ -8967,7 +9147,7 @@
             </p:txBody>
           </p:sp>
         </mc:Choice>
-        <mc:Fallback>
+        <mc:Fallback xmlns="">
           <p:sp>
             <p:nvSpPr>
               <p:cNvPr id="105" name="文本框 104">
@@ -9012,8 +9192,8 @@
           </p:sp>
         </mc:Fallback>
       </mc:AlternateContent>
-      <mc:AlternateContent xmlns:mc="http://schemas.openxmlformats.org/markup-compatibility/2006">
-        <mc:Choice xmlns:a14="http://schemas.microsoft.com/office/drawing/2010/main" Requires="a14">
+      <mc:AlternateContent xmlns:mc="http://schemas.openxmlformats.org/markup-compatibility/2006" xmlns:a14="http://schemas.microsoft.com/office/drawing/2010/main">
+        <mc:Choice Requires="a14">
           <p:sp>
             <p:nvSpPr>
               <p:cNvPr id="106" name="文本框 105">
@@ -9082,7 +9262,7 @@
             </p:txBody>
           </p:sp>
         </mc:Choice>
-        <mc:Fallback>
+        <mc:Fallback xmlns="">
           <p:sp>
             <p:nvSpPr>
               <p:cNvPr id="106" name="文本框 105">
@@ -9127,8 +9307,8 @@
           </p:sp>
         </mc:Fallback>
       </mc:AlternateContent>
-      <mc:AlternateContent xmlns:mc="http://schemas.openxmlformats.org/markup-compatibility/2006">
-        <mc:Choice xmlns:a14="http://schemas.microsoft.com/office/drawing/2010/main" Requires="a14">
+      <mc:AlternateContent xmlns:mc="http://schemas.openxmlformats.org/markup-compatibility/2006" xmlns:a14="http://schemas.microsoft.com/office/drawing/2010/main">
+        <mc:Choice Requires="a14">
           <p:sp>
             <p:nvSpPr>
               <p:cNvPr id="108" name="文本框 107">
@@ -9197,7 +9377,7 @@
             </p:txBody>
           </p:sp>
         </mc:Choice>
-        <mc:Fallback>
+        <mc:Fallback xmlns="">
           <p:sp>
             <p:nvSpPr>
               <p:cNvPr id="108" name="文本框 107">
@@ -9458,8 +9638,8 @@
           </a:p>
         </p:txBody>
       </p:sp>
-      <mc:AlternateContent xmlns:mc="http://schemas.openxmlformats.org/markup-compatibility/2006">
-        <mc:Choice xmlns:a14="http://schemas.microsoft.com/office/drawing/2010/main" Requires="a14">
+      <mc:AlternateContent xmlns:mc="http://schemas.openxmlformats.org/markup-compatibility/2006" xmlns:a14="http://schemas.microsoft.com/office/drawing/2010/main">
+        <mc:Choice Requires="a14">
           <p:sp>
             <p:nvSpPr>
               <p:cNvPr id="31" name="文本框 30">
@@ -9488,6 +9668,7 @@
               </a:bodyPr>
               <a:lstStyle/>
               <a:p>
+                <a:pPr/>
                 <a14:m>
                   <m:oMathPara xmlns:m="http://schemas.openxmlformats.org/officeDocument/2006/math">
                     <m:oMathParaPr>
@@ -9585,7 +9766,7 @@
             </p:txBody>
           </p:sp>
         </mc:Choice>
-        <mc:Fallback>
+        <mc:Fallback xmlns="">
           <p:sp>
             <p:nvSpPr>
               <p:cNvPr id="31" name="文本框 30">
@@ -9630,8 +9811,8 @@
           </p:sp>
         </mc:Fallback>
       </mc:AlternateContent>
-      <mc:AlternateContent xmlns:mc="http://schemas.openxmlformats.org/markup-compatibility/2006">
-        <mc:Choice xmlns:a14="http://schemas.microsoft.com/office/drawing/2010/main" Requires="a14">
+      <mc:AlternateContent xmlns:mc="http://schemas.openxmlformats.org/markup-compatibility/2006" xmlns:a14="http://schemas.microsoft.com/office/drawing/2010/main">
+        <mc:Choice Requires="a14">
           <p:sp>
             <p:nvSpPr>
               <p:cNvPr id="32" name="文本框 31">
@@ -9660,6 +9841,7 @@
               </a:bodyPr>
               <a:lstStyle/>
               <a:p>
+                <a:pPr/>
                 <a14:m>
                   <m:oMathPara xmlns:m="http://schemas.openxmlformats.org/officeDocument/2006/math">
                     <m:oMathParaPr>
@@ -9680,7 +9862,7 @@
             </p:txBody>
           </p:sp>
         </mc:Choice>
-        <mc:Fallback>
+        <mc:Fallback xmlns="">
           <p:sp>
             <p:nvSpPr>
               <p:cNvPr id="32" name="文本框 31">
@@ -9725,8 +9907,8 @@
           </p:sp>
         </mc:Fallback>
       </mc:AlternateContent>
-      <mc:AlternateContent xmlns:mc="http://schemas.openxmlformats.org/markup-compatibility/2006">
-        <mc:Choice xmlns:a14="http://schemas.microsoft.com/office/drawing/2010/main" Requires="a14">
+      <mc:AlternateContent xmlns:mc="http://schemas.openxmlformats.org/markup-compatibility/2006" xmlns:a14="http://schemas.microsoft.com/office/drawing/2010/main">
+        <mc:Choice Requires="a14">
           <p:sp>
             <p:nvSpPr>
               <p:cNvPr id="133" name="文本框 132">
@@ -9755,6 +9937,7 @@
               </a:bodyPr>
               <a:lstStyle/>
               <a:p>
+                <a:pPr/>
                 <a14:m>
                   <m:oMathPara xmlns:m="http://schemas.openxmlformats.org/officeDocument/2006/math">
                     <m:oMathParaPr>
@@ -9775,7 +9958,7 @@
             </p:txBody>
           </p:sp>
         </mc:Choice>
-        <mc:Fallback>
+        <mc:Fallback xmlns="">
           <p:sp>
             <p:nvSpPr>
               <p:cNvPr id="133" name="文本框 132">
@@ -9820,8 +10003,8 @@
           </p:sp>
         </mc:Fallback>
       </mc:AlternateContent>
-      <mc:AlternateContent xmlns:mc="http://schemas.openxmlformats.org/markup-compatibility/2006">
-        <mc:Choice xmlns:a14="http://schemas.microsoft.com/office/drawing/2010/main" Requires="a14">
+      <mc:AlternateContent xmlns:mc="http://schemas.openxmlformats.org/markup-compatibility/2006" xmlns:a14="http://schemas.microsoft.com/office/drawing/2010/main">
+        <mc:Choice Requires="a14">
           <p:sp>
             <p:nvSpPr>
               <p:cNvPr id="134" name="文本框 133">
@@ -9850,6 +10033,7 @@
               </a:bodyPr>
               <a:lstStyle/>
               <a:p>
+                <a:pPr/>
                 <a14:m>
                   <m:oMathPara xmlns:m="http://schemas.openxmlformats.org/officeDocument/2006/math">
                     <m:oMathParaPr>
@@ -9876,7 +10060,7 @@
             </p:txBody>
           </p:sp>
         </mc:Choice>
-        <mc:Fallback>
+        <mc:Fallback xmlns="">
           <p:sp>
             <p:nvSpPr>
               <p:cNvPr id="134" name="文本框 133">
@@ -9921,8 +10105,8 @@
           </p:sp>
         </mc:Fallback>
       </mc:AlternateContent>
-      <mc:AlternateContent xmlns:mc="http://schemas.openxmlformats.org/markup-compatibility/2006">
-        <mc:Choice xmlns:a14="http://schemas.microsoft.com/office/drawing/2010/main" Requires="a14">
+      <mc:AlternateContent xmlns:mc="http://schemas.openxmlformats.org/markup-compatibility/2006" xmlns:a14="http://schemas.microsoft.com/office/drawing/2010/main">
+        <mc:Choice Requires="a14">
           <p:sp>
             <p:nvSpPr>
               <p:cNvPr id="33" name="文本框 32">
@@ -9951,6 +10135,7 @@
               </a:bodyPr>
               <a:lstStyle/>
               <a:p>
+                <a:pPr/>
                 <a14:m>
                   <m:oMathPara xmlns:m="http://schemas.openxmlformats.org/officeDocument/2006/math">
                     <m:oMathParaPr>
@@ -9971,7 +10156,7 @@
             </p:txBody>
           </p:sp>
         </mc:Choice>
-        <mc:Fallback>
+        <mc:Fallback xmlns="">
           <p:sp>
             <p:nvSpPr>
               <p:cNvPr id="33" name="文本框 32">
@@ -10016,8 +10201,8 @@
           </p:sp>
         </mc:Fallback>
       </mc:AlternateContent>
-      <mc:AlternateContent xmlns:mc="http://schemas.openxmlformats.org/markup-compatibility/2006">
-        <mc:Choice xmlns:a14="http://schemas.microsoft.com/office/drawing/2010/main" Requires="a14">
+      <mc:AlternateContent xmlns:mc="http://schemas.openxmlformats.org/markup-compatibility/2006" xmlns:a14="http://schemas.microsoft.com/office/drawing/2010/main">
+        <mc:Choice Requires="a14">
           <p:sp>
             <p:nvSpPr>
               <p:cNvPr id="136" name="文本框 135">
@@ -10046,6 +10231,7 @@
               </a:bodyPr>
               <a:lstStyle/>
               <a:p>
+                <a:pPr/>
                 <a14:m>
                   <m:oMathPara xmlns:m="http://schemas.openxmlformats.org/officeDocument/2006/math">
                     <m:oMathParaPr>
@@ -10073,7 +10259,7 @@
             </p:txBody>
           </p:sp>
         </mc:Choice>
-        <mc:Fallback>
+        <mc:Fallback xmlns="">
           <p:sp>
             <p:nvSpPr>
               <p:cNvPr id="136" name="文本框 135">
@@ -10118,8 +10304,8 @@
           </p:sp>
         </mc:Fallback>
       </mc:AlternateContent>
-      <mc:AlternateContent xmlns:mc="http://schemas.openxmlformats.org/markup-compatibility/2006">
-        <mc:Choice xmlns:a14="http://schemas.microsoft.com/office/drawing/2010/main" Requires="a14">
+      <mc:AlternateContent xmlns:mc="http://schemas.openxmlformats.org/markup-compatibility/2006" xmlns:a14="http://schemas.microsoft.com/office/drawing/2010/main">
+        <mc:Choice Requires="a14">
           <p:sp>
             <p:nvSpPr>
               <p:cNvPr id="137" name="文本框 136">
@@ -10148,6 +10334,7 @@
               </a:bodyPr>
               <a:lstStyle/>
               <a:p>
+                <a:pPr/>
                 <a14:m>
                   <m:oMathPara xmlns:m="http://schemas.openxmlformats.org/officeDocument/2006/math">
                     <m:oMathParaPr>
@@ -10168,7 +10355,7 @@
             </p:txBody>
           </p:sp>
         </mc:Choice>
-        <mc:Fallback>
+        <mc:Fallback xmlns="">
           <p:sp>
             <p:nvSpPr>
               <p:cNvPr id="137" name="文本框 136">
@@ -10807,8 +10994,8 @@
           </a:p>
         </p:txBody>
       </p:sp>
-      <mc:AlternateContent xmlns:mc="http://schemas.openxmlformats.org/markup-compatibility/2006">
-        <mc:Choice xmlns:a14="http://schemas.microsoft.com/office/drawing/2010/main" Requires="a14">
+      <mc:AlternateContent xmlns:mc="http://schemas.openxmlformats.org/markup-compatibility/2006" xmlns:a14="http://schemas.microsoft.com/office/drawing/2010/main">
+        <mc:Choice Requires="a14">
           <p:sp>
             <p:nvSpPr>
               <p:cNvPr id="13" name="文本框 12">
@@ -10877,7 +11064,7 @@
             </p:txBody>
           </p:sp>
         </mc:Choice>
-        <mc:Fallback>
+        <mc:Fallback xmlns="">
           <p:sp>
             <p:nvSpPr>
               <p:cNvPr id="13" name="文本框 12">
@@ -10922,8 +11109,8 @@
           </p:sp>
         </mc:Fallback>
       </mc:AlternateContent>
-      <mc:AlternateContent xmlns:mc="http://schemas.openxmlformats.org/markup-compatibility/2006">
-        <mc:Choice xmlns:a14="http://schemas.microsoft.com/office/drawing/2010/main" Requires="a14">
+      <mc:AlternateContent xmlns:mc="http://schemas.openxmlformats.org/markup-compatibility/2006" xmlns:a14="http://schemas.microsoft.com/office/drawing/2010/main">
+        <mc:Choice Requires="a14">
           <p:sp>
             <p:nvSpPr>
               <p:cNvPr id="14" name="文本框 13">
@@ -10992,7 +11179,7 @@
             </p:txBody>
           </p:sp>
         </mc:Choice>
-        <mc:Fallback>
+        <mc:Fallback xmlns="">
           <p:sp>
             <p:nvSpPr>
               <p:cNvPr id="14" name="文本框 13">
@@ -11743,8 +11930,8 @@
           </a:fontRef>
         </p:style>
       </p:cxnSp>
-      <mc:AlternateContent xmlns:mc="http://schemas.openxmlformats.org/markup-compatibility/2006">
-        <mc:Choice xmlns:a14="http://schemas.microsoft.com/office/drawing/2010/main" Requires="a14">
+      <mc:AlternateContent xmlns:mc="http://schemas.openxmlformats.org/markup-compatibility/2006" xmlns:a14="http://schemas.microsoft.com/office/drawing/2010/main">
+        <mc:Choice Requires="a14">
           <p:sp>
             <p:nvSpPr>
               <p:cNvPr id="68" name="文本框 67">
@@ -11813,7 +12000,7 @@
             </p:txBody>
           </p:sp>
         </mc:Choice>
-        <mc:Fallback>
+        <mc:Fallback xmlns="">
           <p:sp>
             <p:nvSpPr>
               <p:cNvPr id="68" name="文本框 67">
@@ -11858,8 +12045,8 @@
           </p:sp>
         </mc:Fallback>
       </mc:AlternateContent>
-      <mc:AlternateContent xmlns:mc="http://schemas.openxmlformats.org/markup-compatibility/2006">
-        <mc:Choice xmlns:a14="http://schemas.microsoft.com/office/drawing/2010/main" Requires="a14">
+      <mc:AlternateContent xmlns:mc="http://schemas.openxmlformats.org/markup-compatibility/2006" xmlns:a14="http://schemas.microsoft.com/office/drawing/2010/main">
+        <mc:Choice Requires="a14">
           <p:sp>
             <p:nvSpPr>
               <p:cNvPr id="69" name="文本框 68">
@@ -11928,7 +12115,7 @@
             </p:txBody>
           </p:sp>
         </mc:Choice>
-        <mc:Fallback>
+        <mc:Fallback xmlns="">
           <p:sp>
             <p:nvSpPr>
               <p:cNvPr id="69" name="文本框 68">
@@ -12553,8 +12740,8 @@
           </a:p>
         </p:txBody>
       </p:sp>
-      <mc:AlternateContent xmlns:mc="http://schemas.openxmlformats.org/markup-compatibility/2006">
-        <mc:Choice xmlns:a14="http://schemas.microsoft.com/office/drawing/2010/main" Requires="a14">
+      <mc:AlternateContent xmlns:mc="http://schemas.openxmlformats.org/markup-compatibility/2006" xmlns:a14="http://schemas.microsoft.com/office/drawing/2010/main">
+        <mc:Choice Requires="a14">
           <p:sp>
             <p:nvSpPr>
               <p:cNvPr id="81" name="文本框 80">
@@ -12641,7 +12828,7 @@
             </p:txBody>
           </p:sp>
         </mc:Choice>
-        <mc:Fallback>
+        <mc:Fallback xmlns="">
           <p:sp>
             <p:nvSpPr>
               <p:cNvPr id="81" name="文本框 80">
@@ -12689,8 +12876,8 @@
           </p:sp>
         </mc:Fallback>
       </mc:AlternateContent>
-      <mc:AlternateContent xmlns:mc="http://schemas.openxmlformats.org/markup-compatibility/2006">
-        <mc:Choice xmlns:a14="http://schemas.microsoft.com/office/drawing/2010/main" Requires="a14">
+      <mc:AlternateContent xmlns:mc="http://schemas.openxmlformats.org/markup-compatibility/2006" xmlns:a14="http://schemas.microsoft.com/office/drawing/2010/main">
+        <mc:Choice Requires="a14">
           <p:sp>
             <p:nvSpPr>
               <p:cNvPr id="82" name="文本框 81">
@@ -12759,7 +12946,7 @@
             </p:txBody>
           </p:sp>
         </mc:Choice>
-        <mc:Fallback>
+        <mc:Fallback xmlns="">
           <p:sp>
             <p:nvSpPr>
               <p:cNvPr id="82" name="文本框 81">
@@ -12804,8 +12991,8 @@
           </p:sp>
         </mc:Fallback>
       </mc:AlternateContent>
-      <mc:AlternateContent xmlns:mc="http://schemas.openxmlformats.org/markup-compatibility/2006">
-        <mc:Choice xmlns:a14="http://schemas.microsoft.com/office/drawing/2010/main" Requires="a14">
+      <mc:AlternateContent xmlns:mc="http://schemas.openxmlformats.org/markup-compatibility/2006" xmlns:a14="http://schemas.microsoft.com/office/drawing/2010/main">
+        <mc:Choice Requires="a14">
           <p:sp>
             <p:nvSpPr>
               <p:cNvPr id="83" name="文本框 82">
@@ -12834,6 +13021,7 @@
               </a:bodyPr>
               <a:lstStyle/>
               <a:p>
+                <a:pPr/>
                 <a14:m>
                   <m:oMathPara xmlns:m="http://schemas.openxmlformats.org/officeDocument/2006/math">
                     <m:oMathParaPr>
@@ -12881,7 +13069,7 @@
             </p:txBody>
           </p:sp>
         </mc:Choice>
-        <mc:Fallback>
+        <mc:Fallback xmlns="">
           <p:sp>
             <p:nvSpPr>
               <p:cNvPr id="83" name="文本框 82">
@@ -12926,8 +13114,8 @@
           </p:sp>
         </mc:Fallback>
       </mc:AlternateContent>
-      <mc:AlternateContent xmlns:mc="http://schemas.openxmlformats.org/markup-compatibility/2006">
-        <mc:Choice xmlns:a14="http://schemas.microsoft.com/office/drawing/2010/main" Requires="a14">
+      <mc:AlternateContent xmlns:mc="http://schemas.openxmlformats.org/markup-compatibility/2006" xmlns:a14="http://schemas.microsoft.com/office/drawing/2010/main">
+        <mc:Choice Requires="a14">
           <p:sp>
             <p:nvSpPr>
               <p:cNvPr id="97" name="文本框 96">
@@ -12956,6 +13144,7 @@
               </a:bodyPr>
               <a:lstStyle/>
               <a:p>
+                <a:pPr/>
                 <a14:m>
                   <m:oMathPara xmlns:m="http://schemas.openxmlformats.org/officeDocument/2006/math">
                     <m:oMathParaPr>
@@ -13023,7 +13212,7 @@
             </p:txBody>
           </p:sp>
         </mc:Choice>
-        <mc:Fallback>
+        <mc:Fallback xmlns="">
           <p:sp>
             <p:nvSpPr>
               <p:cNvPr id="97" name="文本框 96">
@@ -13068,8 +13257,8 @@
           </p:sp>
         </mc:Fallback>
       </mc:AlternateContent>
-      <mc:AlternateContent xmlns:mc="http://schemas.openxmlformats.org/markup-compatibility/2006">
-        <mc:Choice xmlns:a14="http://schemas.microsoft.com/office/drawing/2010/main" Requires="a14">
+      <mc:AlternateContent xmlns:mc="http://schemas.openxmlformats.org/markup-compatibility/2006" xmlns:a14="http://schemas.microsoft.com/office/drawing/2010/main">
+        <mc:Choice Requires="a14">
           <p:sp>
             <p:nvSpPr>
               <p:cNvPr id="98" name="文本框 97">
@@ -13098,6 +13287,7 @@
               </a:bodyPr>
               <a:lstStyle/>
               <a:p>
+                <a:pPr/>
                 <a14:m>
                   <m:oMathPara xmlns:m="http://schemas.openxmlformats.org/officeDocument/2006/math">
                     <m:oMathParaPr>
@@ -13165,7 +13355,7 @@
             </p:txBody>
           </p:sp>
         </mc:Choice>
-        <mc:Fallback>
+        <mc:Fallback xmlns="">
           <p:sp>
             <p:nvSpPr>
               <p:cNvPr id="98" name="文本框 97">
@@ -13210,8 +13400,8 @@
           </p:sp>
         </mc:Fallback>
       </mc:AlternateContent>
-      <mc:AlternateContent xmlns:mc="http://schemas.openxmlformats.org/markup-compatibility/2006">
-        <mc:Choice xmlns:a14="http://schemas.microsoft.com/office/drawing/2010/main" Requires="a14">
+      <mc:AlternateContent xmlns:mc="http://schemas.openxmlformats.org/markup-compatibility/2006" xmlns:a14="http://schemas.microsoft.com/office/drawing/2010/main">
+        <mc:Choice Requires="a14">
           <p:sp>
             <p:nvSpPr>
               <p:cNvPr id="99" name="文本框 98">
@@ -13240,6 +13430,7 @@
               </a:bodyPr>
               <a:lstStyle/>
               <a:p>
+                <a:pPr/>
                 <a14:m>
                   <m:oMathPara xmlns:m="http://schemas.openxmlformats.org/officeDocument/2006/math">
                     <m:oMathParaPr>
@@ -13287,7 +13478,7 @@
             </p:txBody>
           </p:sp>
         </mc:Choice>
-        <mc:Fallback>
+        <mc:Fallback xmlns="">
           <p:sp>
             <p:nvSpPr>
               <p:cNvPr id="99" name="文本框 98">
@@ -13579,8 +13770,8 @@
           </a:p>
         </p:txBody>
       </p:sp>
-      <mc:AlternateContent xmlns:mc="http://schemas.openxmlformats.org/markup-compatibility/2006">
-        <mc:Choice xmlns:a14="http://schemas.microsoft.com/office/drawing/2010/main" Requires="a14">
+      <mc:AlternateContent xmlns:mc="http://schemas.openxmlformats.org/markup-compatibility/2006" xmlns:a14="http://schemas.microsoft.com/office/drawing/2010/main">
+        <mc:Choice Requires="a14">
           <p:sp>
             <p:nvSpPr>
               <p:cNvPr id="118" name="文本框 117">
@@ -13609,6 +13800,7 @@
               </a:bodyPr>
               <a:lstStyle/>
               <a:p>
+                <a:pPr/>
                 <a14:m>
                   <m:oMathPara xmlns:m="http://schemas.openxmlformats.org/officeDocument/2006/math">
                     <m:oMathParaPr>
@@ -13656,7 +13848,7 @@
             </p:txBody>
           </p:sp>
         </mc:Choice>
-        <mc:Fallback>
+        <mc:Fallback xmlns="">
           <p:sp>
             <p:nvSpPr>
               <p:cNvPr id="118" name="文本框 117">
@@ -14375,8 +14567,8 @@
           </a:p>
         </p:txBody>
       </p:sp>
-      <mc:AlternateContent xmlns:mc="http://schemas.openxmlformats.org/markup-compatibility/2006">
-        <mc:Choice xmlns:a14="http://schemas.microsoft.com/office/drawing/2010/main" Requires="a14">
+      <mc:AlternateContent xmlns:mc="http://schemas.openxmlformats.org/markup-compatibility/2006" xmlns:a14="http://schemas.microsoft.com/office/drawing/2010/main">
+        <mc:Choice Requires="a14">
           <p:sp>
             <p:nvSpPr>
               <p:cNvPr id="13" name="文本框 12">
@@ -14445,7 +14637,7 @@
             </p:txBody>
           </p:sp>
         </mc:Choice>
-        <mc:Fallback>
+        <mc:Fallback xmlns="">
           <p:sp>
             <p:nvSpPr>
               <p:cNvPr id="13" name="文本框 12">
@@ -14490,8 +14682,8 @@
           </p:sp>
         </mc:Fallback>
       </mc:AlternateContent>
-      <mc:AlternateContent xmlns:mc="http://schemas.openxmlformats.org/markup-compatibility/2006">
-        <mc:Choice xmlns:a14="http://schemas.microsoft.com/office/drawing/2010/main" Requires="a14">
+      <mc:AlternateContent xmlns:mc="http://schemas.openxmlformats.org/markup-compatibility/2006" xmlns:a14="http://schemas.microsoft.com/office/drawing/2010/main">
+        <mc:Choice Requires="a14">
           <p:sp>
             <p:nvSpPr>
               <p:cNvPr id="14" name="文本框 13">
@@ -14560,7 +14752,7 @@
             </p:txBody>
           </p:sp>
         </mc:Choice>
-        <mc:Fallback>
+        <mc:Fallback xmlns="">
           <p:sp>
             <p:nvSpPr>
               <p:cNvPr id="14" name="文本框 13">
@@ -15339,8 +15531,8 @@
           </a:fontRef>
         </p:style>
       </p:cxnSp>
-      <mc:AlternateContent xmlns:mc="http://schemas.openxmlformats.org/markup-compatibility/2006">
-        <mc:Choice xmlns:a14="http://schemas.microsoft.com/office/drawing/2010/main" Requires="a14">
+      <mc:AlternateContent xmlns:mc="http://schemas.openxmlformats.org/markup-compatibility/2006" xmlns:a14="http://schemas.microsoft.com/office/drawing/2010/main">
+        <mc:Choice Requires="a14">
           <p:sp>
             <p:nvSpPr>
               <p:cNvPr id="29" name="文本框 28">
@@ -15409,7 +15601,7 @@
             </p:txBody>
           </p:sp>
         </mc:Choice>
-        <mc:Fallback>
+        <mc:Fallback xmlns="">
           <p:sp>
             <p:nvSpPr>
               <p:cNvPr id="29" name="文本框 28">
@@ -15454,8 +15646,8 @@
           </p:sp>
         </mc:Fallback>
       </mc:AlternateContent>
-      <mc:AlternateContent xmlns:mc="http://schemas.openxmlformats.org/markup-compatibility/2006">
-        <mc:Choice xmlns:a14="http://schemas.microsoft.com/office/drawing/2010/main" Requires="a14">
+      <mc:AlternateContent xmlns:mc="http://schemas.openxmlformats.org/markup-compatibility/2006" xmlns:a14="http://schemas.microsoft.com/office/drawing/2010/main">
+        <mc:Choice Requires="a14">
           <p:sp>
             <p:nvSpPr>
               <p:cNvPr id="30" name="文本框 29">
@@ -15527,7 +15719,7 @@
             </p:txBody>
           </p:sp>
         </mc:Choice>
-        <mc:Fallback>
+        <mc:Fallback xmlns="">
           <p:sp>
             <p:nvSpPr>
               <p:cNvPr id="30" name="文本框 29">
@@ -15632,8 +15824,8 @@
           </a:p>
         </p:txBody>
       </p:sp>
-      <mc:AlternateContent xmlns:mc="http://schemas.openxmlformats.org/markup-compatibility/2006">
-        <mc:Choice xmlns:a14="http://schemas.microsoft.com/office/drawing/2010/main" Requires="a14">
+      <mc:AlternateContent xmlns:mc="http://schemas.openxmlformats.org/markup-compatibility/2006" xmlns:a14="http://schemas.microsoft.com/office/drawing/2010/main">
+        <mc:Choice Requires="a14">
           <p:sp>
             <p:nvSpPr>
               <p:cNvPr id="32" name="文本框 31">
@@ -15683,7 +15875,7 @@
             </p:txBody>
           </p:sp>
         </mc:Choice>
-        <mc:Fallback>
+        <mc:Fallback xmlns="">
           <p:sp>
             <p:nvSpPr>
               <p:cNvPr id="32" name="文本框 31">
@@ -15977,8 +16169,8 @@
           </a:fontRef>
         </p:style>
       </p:cxnSp>
-      <mc:AlternateContent xmlns:mc="http://schemas.openxmlformats.org/markup-compatibility/2006">
-        <mc:Choice xmlns:a14="http://schemas.microsoft.com/office/drawing/2010/main" Requires="a14">
+      <mc:AlternateContent xmlns:mc="http://schemas.openxmlformats.org/markup-compatibility/2006" xmlns:a14="http://schemas.microsoft.com/office/drawing/2010/main">
+        <mc:Choice Requires="a14">
           <p:sp>
             <p:nvSpPr>
               <p:cNvPr id="46" name="矩形 45">
@@ -16006,6 +16198,7 @@
               </a:bodyPr>
               <a:lstStyle/>
               <a:p>
+                <a:pPr/>
                 <a14:m>
                   <m:oMathPara xmlns:m="http://schemas.openxmlformats.org/officeDocument/2006/math">
                     <m:oMathParaPr>
@@ -16053,7 +16246,7 @@
             </p:txBody>
           </p:sp>
         </mc:Choice>
-        <mc:Fallback>
+        <mc:Fallback xmlns="">
           <p:sp>
             <p:nvSpPr>
               <p:cNvPr id="46" name="矩形 45">
@@ -16098,8 +16291,8 @@
           </p:sp>
         </mc:Fallback>
       </mc:AlternateContent>
-      <mc:AlternateContent xmlns:mc="http://schemas.openxmlformats.org/markup-compatibility/2006">
-        <mc:Choice xmlns:a14="http://schemas.microsoft.com/office/drawing/2010/main" Requires="a14">
+      <mc:AlternateContent xmlns:mc="http://schemas.openxmlformats.org/markup-compatibility/2006" xmlns:a14="http://schemas.microsoft.com/office/drawing/2010/main">
+        <mc:Choice Requires="a14">
           <p:sp>
             <p:nvSpPr>
               <p:cNvPr id="47" name="文本框 46">
@@ -16128,6 +16321,7 @@
               </a:bodyPr>
               <a:lstStyle/>
               <a:p>
+                <a:pPr/>
                 <a14:m>
                   <m:oMathPara xmlns:m="http://schemas.openxmlformats.org/officeDocument/2006/math">
                     <m:oMathParaPr>
@@ -16175,7 +16369,7 @@
             </p:txBody>
           </p:sp>
         </mc:Choice>
-        <mc:Fallback>
+        <mc:Fallback xmlns="">
           <p:sp>
             <p:nvSpPr>
               <p:cNvPr id="47" name="文本框 46">
@@ -16220,8 +16414,8 @@
           </p:sp>
         </mc:Fallback>
       </mc:AlternateContent>
-      <mc:AlternateContent xmlns:mc="http://schemas.openxmlformats.org/markup-compatibility/2006">
-        <mc:Choice xmlns:a14="http://schemas.microsoft.com/office/drawing/2010/main" Requires="a14">
+      <mc:AlternateContent xmlns:mc="http://schemas.openxmlformats.org/markup-compatibility/2006" xmlns:a14="http://schemas.microsoft.com/office/drawing/2010/main">
+        <mc:Choice Requires="a14">
           <p:sp>
             <p:nvSpPr>
               <p:cNvPr id="48" name="文本框 47">
@@ -16250,6 +16444,7 @@
               </a:bodyPr>
               <a:lstStyle/>
               <a:p>
+                <a:pPr/>
                 <a14:m>
                   <m:oMathPara xmlns:m="http://schemas.openxmlformats.org/officeDocument/2006/math">
                     <m:oMathParaPr>
@@ -16297,7 +16492,7 @@
             </p:txBody>
           </p:sp>
         </mc:Choice>
-        <mc:Fallback>
+        <mc:Fallback xmlns="">
           <p:sp>
             <p:nvSpPr>
               <p:cNvPr id="48" name="文本框 47">
@@ -16342,8 +16537,8 @@
           </p:sp>
         </mc:Fallback>
       </mc:AlternateContent>
-      <mc:AlternateContent xmlns:mc="http://schemas.openxmlformats.org/markup-compatibility/2006">
-        <mc:Choice xmlns:a14="http://schemas.microsoft.com/office/drawing/2010/main" Requires="a14">
+      <mc:AlternateContent xmlns:mc="http://schemas.openxmlformats.org/markup-compatibility/2006" xmlns:a14="http://schemas.microsoft.com/office/drawing/2010/main">
+        <mc:Choice Requires="a14">
           <p:sp>
             <p:nvSpPr>
               <p:cNvPr id="49" name="文本框 48">
@@ -16372,6 +16567,7 @@
               </a:bodyPr>
               <a:lstStyle/>
               <a:p>
+                <a:pPr/>
                 <a14:m>
                   <m:oMathPara xmlns:m="http://schemas.openxmlformats.org/officeDocument/2006/math">
                     <m:oMathParaPr>
@@ -16419,7 +16615,7 @@
             </p:txBody>
           </p:sp>
         </mc:Choice>
-        <mc:Fallback>
+        <mc:Fallback xmlns="">
           <p:sp>
             <p:nvSpPr>
               <p:cNvPr id="49" name="文本框 48">
@@ -16464,8 +16660,8 @@
           </p:sp>
         </mc:Fallback>
       </mc:AlternateContent>
-      <mc:AlternateContent xmlns:mc="http://schemas.openxmlformats.org/markup-compatibility/2006">
-        <mc:Choice xmlns:a14="http://schemas.microsoft.com/office/drawing/2010/main" Requires="a14">
+      <mc:AlternateContent xmlns:mc="http://schemas.openxmlformats.org/markup-compatibility/2006" xmlns:a14="http://schemas.microsoft.com/office/drawing/2010/main">
+        <mc:Choice Requires="a14">
           <p:sp>
             <p:nvSpPr>
               <p:cNvPr id="50" name="文本框 49">
@@ -16494,6 +16690,7 @@
               </a:bodyPr>
               <a:lstStyle/>
               <a:p>
+                <a:pPr/>
                 <a14:m>
                   <m:oMathPara xmlns:m="http://schemas.openxmlformats.org/officeDocument/2006/math">
                     <m:oMathParaPr>
@@ -16561,7 +16758,7 @@
             </p:txBody>
           </p:sp>
         </mc:Choice>
-        <mc:Fallback>
+        <mc:Fallback xmlns="">
           <p:sp>
             <p:nvSpPr>
               <p:cNvPr id="50" name="文本框 49">
@@ -16606,8 +16803,8 @@
           </p:sp>
         </mc:Fallback>
       </mc:AlternateContent>
-      <mc:AlternateContent xmlns:mc="http://schemas.openxmlformats.org/markup-compatibility/2006">
-        <mc:Choice xmlns:a14="http://schemas.microsoft.com/office/drawing/2010/main" Requires="a14">
+      <mc:AlternateContent xmlns:mc="http://schemas.openxmlformats.org/markup-compatibility/2006" xmlns:a14="http://schemas.microsoft.com/office/drawing/2010/main">
+        <mc:Choice Requires="a14">
           <p:sp>
             <p:nvSpPr>
               <p:cNvPr id="51" name="文本框 50">
@@ -16636,6 +16833,7 @@
               </a:bodyPr>
               <a:lstStyle/>
               <a:p>
+                <a:pPr/>
                 <a14:m>
                   <m:oMathPara xmlns:m="http://schemas.openxmlformats.org/officeDocument/2006/math">
                     <m:oMathParaPr>
@@ -16703,7 +16901,7 @@
             </p:txBody>
           </p:sp>
         </mc:Choice>
-        <mc:Fallback>
+        <mc:Fallback xmlns="">
           <p:sp>
             <p:nvSpPr>
               <p:cNvPr id="51" name="文本框 50">
@@ -16956,8 +17154,8 @@
           </a:fontRef>
         </p:style>
       </p:cxnSp>
-      <mc:AlternateContent xmlns:mc="http://schemas.openxmlformats.org/markup-compatibility/2006">
-        <mc:Choice xmlns:a14="http://schemas.microsoft.com/office/drawing/2010/main" Requires="a14">
+      <mc:AlternateContent xmlns:mc="http://schemas.openxmlformats.org/markup-compatibility/2006" xmlns:a14="http://schemas.microsoft.com/office/drawing/2010/main">
+        <mc:Choice Requires="a14">
           <p:sp>
             <p:nvSpPr>
               <p:cNvPr id="90" name="文本框 89">
@@ -17013,7 +17211,7 @@
             </p:txBody>
           </p:sp>
         </mc:Choice>
-        <mc:Fallback>
+        <mc:Fallback xmlns="">
           <p:sp>
             <p:nvSpPr>
               <p:cNvPr id="90" name="文本框 89">
@@ -17058,8 +17256,8 @@
           </p:sp>
         </mc:Fallback>
       </mc:AlternateContent>
-      <mc:AlternateContent xmlns:mc="http://schemas.openxmlformats.org/markup-compatibility/2006">
-        <mc:Choice xmlns:a14="http://schemas.microsoft.com/office/drawing/2010/main" Requires="a14">
+      <mc:AlternateContent xmlns:mc="http://schemas.openxmlformats.org/markup-compatibility/2006" xmlns:a14="http://schemas.microsoft.com/office/drawing/2010/main">
+        <mc:Choice Requires="a14">
           <p:sp>
             <p:nvSpPr>
               <p:cNvPr id="91" name="文本框 90">
@@ -17088,6 +17286,7 @@
               </a:bodyPr>
               <a:lstStyle/>
               <a:p>
+                <a:pPr/>
                 <a14:m>
                   <m:oMathPara xmlns:m="http://schemas.openxmlformats.org/officeDocument/2006/math">
                     <m:oMathParaPr>
@@ -17135,7 +17334,7 @@
             </p:txBody>
           </p:sp>
         </mc:Choice>
-        <mc:Fallback>
+        <mc:Fallback xmlns="">
           <p:sp>
             <p:nvSpPr>
               <p:cNvPr id="91" name="文本框 90">
@@ -17275,8 +17474,8 @@
           </a:fontRef>
         </p:style>
       </p:cxnSp>
-      <mc:AlternateContent xmlns:mc="http://schemas.openxmlformats.org/markup-compatibility/2006">
-        <mc:Choice xmlns:a14="http://schemas.microsoft.com/office/drawing/2010/main" Requires="a14">
+      <mc:AlternateContent xmlns:mc="http://schemas.openxmlformats.org/markup-compatibility/2006" xmlns:a14="http://schemas.microsoft.com/office/drawing/2010/main">
+        <mc:Choice Requires="a14">
           <p:sp>
             <p:nvSpPr>
               <p:cNvPr id="99" name="文本框 98">
@@ -17348,7 +17547,7 @@
             </p:txBody>
           </p:sp>
         </mc:Choice>
-        <mc:Fallback>
+        <mc:Fallback xmlns="">
           <p:sp>
             <p:nvSpPr>
               <p:cNvPr id="99" name="文本框 98">
@@ -17393,8 +17592,8 @@
           </p:sp>
         </mc:Fallback>
       </mc:AlternateContent>
-      <mc:AlternateContent xmlns:mc="http://schemas.openxmlformats.org/markup-compatibility/2006">
-        <mc:Choice xmlns:a14="http://schemas.microsoft.com/office/drawing/2010/main" Requires="a14">
+      <mc:AlternateContent xmlns:mc="http://schemas.openxmlformats.org/markup-compatibility/2006" xmlns:a14="http://schemas.microsoft.com/office/drawing/2010/main">
+        <mc:Choice Requires="a14">
           <p:sp>
             <p:nvSpPr>
               <p:cNvPr id="100" name="文本框 99">
@@ -17466,7 +17665,7 @@
             </p:txBody>
           </p:sp>
         </mc:Choice>
-        <mc:Fallback>
+        <mc:Fallback xmlns="">
           <p:sp>
             <p:nvSpPr>
               <p:cNvPr id="100" name="文本框 99">
@@ -17511,8 +17710,8 @@
           </p:sp>
         </mc:Fallback>
       </mc:AlternateContent>
-      <mc:AlternateContent xmlns:mc="http://schemas.openxmlformats.org/markup-compatibility/2006">
-        <mc:Choice xmlns:a14="http://schemas.microsoft.com/office/drawing/2010/main" Requires="a14">
+      <mc:AlternateContent xmlns:mc="http://schemas.openxmlformats.org/markup-compatibility/2006" xmlns:a14="http://schemas.microsoft.com/office/drawing/2010/main">
+        <mc:Choice Requires="a14">
           <p:sp>
             <p:nvSpPr>
               <p:cNvPr id="101" name="文本框 100">
@@ -17541,6 +17740,7 @@
               </a:bodyPr>
               <a:lstStyle/>
               <a:p>
+                <a:pPr/>
                 <a14:m>
                   <m:oMathPara xmlns:m="http://schemas.openxmlformats.org/officeDocument/2006/math">
                     <m:oMathParaPr>
@@ -17608,7 +17808,7 @@
             </p:txBody>
           </p:sp>
         </mc:Choice>
-        <mc:Fallback>
+        <mc:Fallback xmlns="">
           <p:sp>
             <p:nvSpPr>
               <p:cNvPr id="101" name="文本框 100">
@@ -17653,8 +17853,8 @@
           </p:sp>
         </mc:Fallback>
       </mc:AlternateContent>
-      <mc:AlternateContent xmlns:mc="http://schemas.openxmlformats.org/markup-compatibility/2006">
-        <mc:Choice xmlns:a14="http://schemas.microsoft.com/office/drawing/2010/main" Requires="a14">
+      <mc:AlternateContent xmlns:mc="http://schemas.openxmlformats.org/markup-compatibility/2006" xmlns:a14="http://schemas.microsoft.com/office/drawing/2010/main">
+        <mc:Choice Requires="a14">
           <p:sp>
             <p:nvSpPr>
               <p:cNvPr id="102" name="文本框 101">
@@ -17683,6 +17883,7 @@
               </a:bodyPr>
               <a:lstStyle/>
               <a:p>
+                <a:pPr/>
                 <a14:m>
                   <m:oMathPara xmlns:m="http://schemas.openxmlformats.org/officeDocument/2006/math">
                     <m:oMathParaPr>
@@ -17750,7 +17951,7 @@
             </p:txBody>
           </p:sp>
         </mc:Choice>
-        <mc:Fallback>
+        <mc:Fallback xmlns="">
           <p:sp>
             <p:nvSpPr>
               <p:cNvPr id="102" name="文本框 101">
@@ -17852,8 +18053,8 @@
           </a:p>
         </p:txBody>
       </p:sp>
-      <mc:AlternateContent xmlns:mc="http://schemas.openxmlformats.org/markup-compatibility/2006">
-        <mc:Choice xmlns:a14="http://schemas.microsoft.com/office/drawing/2010/main" Requires="a14">
+      <mc:AlternateContent xmlns:mc="http://schemas.openxmlformats.org/markup-compatibility/2006" xmlns:a14="http://schemas.microsoft.com/office/drawing/2010/main">
+        <mc:Choice Requires="a14">
           <p:sp>
             <p:nvSpPr>
               <p:cNvPr id="105" name="文本框 104">
@@ -17903,7 +18104,7 @@
             </p:txBody>
           </p:sp>
         </mc:Choice>
-        <mc:Fallback>
+        <mc:Fallback xmlns="">
           <p:sp>
             <p:nvSpPr>
               <p:cNvPr id="105" name="文本框 104">
@@ -18005,8 +18206,8 @@
           </a:p>
         </p:txBody>
       </p:sp>
-      <mc:AlternateContent xmlns:mc="http://schemas.openxmlformats.org/markup-compatibility/2006">
-        <mc:Choice xmlns:a14="http://schemas.microsoft.com/office/drawing/2010/main" Requires="a14">
+      <mc:AlternateContent xmlns:mc="http://schemas.openxmlformats.org/markup-compatibility/2006" xmlns:a14="http://schemas.microsoft.com/office/drawing/2010/main">
+        <mc:Choice Requires="a14">
           <p:sp>
             <p:nvSpPr>
               <p:cNvPr id="107" name="文本框 106">
@@ -18056,7 +18257,7 @@
             </p:txBody>
           </p:sp>
         </mc:Choice>
-        <mc:Fallback>
+        <mc:Fallback xmlns="">
           <p:sp>
             <p:nvSpPr>
               <p:cNvPr id="107" name="文本框 106">
@@ -19089,8 +19290,8 @@
           </a:p>
         </p:txBody>
       </p:sp>
-      <mc:AlternateContent xmlns:mc="http://schemas.openxmlformats.org/markup-compatibility/2006">
-        <mc:Choice xmlns:a14="http://schemas.microsoft.com/office/drawing/2010/main" Requires="a14">
+      <mc:AlternateContent xmlns:mc="http://schemas.openxmlformats.org/markup-compatibility/2006" xmlns:a14="http://schemas.microsoft.com/office/drawing/2010/main">
+        <mc:Choice Requires="a14">
           <p:sp>
             <p:nvSpPr>
               <p:cNvPr id="14" name="文本框 13">
@@ -19174,7 +19375,7 @@
             </p:txBody>
           </p:sp>
         </mc:Choice>
-        <mc:Fallback>
+        <mc:Fallback xmlns="">
           <p:sp>
             <p:nvSpPr>
               <p:cNvPr id="14" name="文本框 13">
@@ -19219,8 +19420,8 @@
           </p:sp>
         </mc:Fallback>
       </mc:AlternateContent>
-      <mc:AlternateContent xmlns:mc="http://schemas.openxmlformats.org/markup-compatibility/2006">
-        <mc:Choice xmlns:a14="http://schemas.microsoft.com/office/drawing/2010/main" Requires="a14">
+      <mc:AlternateContent xmlns:mc="http://schemas.openxmlformats.org/markup-compatibility/2006" xmlns:a14="http://schemas.microsoft.com/office/drawing/2010/main">
+        <mc:Choice Requires="a14">
           <p:sp>
             <p:nvSpPr>
               <p:cNvPr id="15" name="文本框 14">
@@ -19304,7 +19505,7 @@
             </p:txBody>
           </p:sp>
         </mc:Choice>
-        <mc:Fallback>
+        <mc:Fallback xmlns="">
           <p:sp>
             <p:nvSpPr>
               <p:cNvPr id="15" name="文本框 14">
@@ -19818,8 +20019,8 @@
           </a:fontRef>
         </p:style>
       </p:cxnSp>
-      <mc:AlternateContent xmlns:mc="http://schemas.openxmlformats.org/markup-compatibility/2006">
-        <mc:Choice xmlns:a14="http://schemas.microsoft.com/office/drawing/2010/main" Requires="a14">
+      <mc:AlternateContent xmlns:mc="http://schemas.openxmlformats.org/markup-compatibility/2006" xmlns:a14="http://schemas.microsoft.com/office/drawing/2010/main">
+        <mc:Choice Requires="a14">
           <p:sp>
             <p:nvSpPr>
               <p:cNvPr id="30" name="文本框 29">
@@ -19888,7 +20089,7 @@
             </p:txBody>
           </p:sp>
         </mc:Choice>
-        <mc:Fallback>
+        <mc:Fallback xmlns="">
           <p:sp>
             <p:nvSpPr>
               <p:cNvPr id="30" name="文本框 29">
@@ -19933,8 +20134,8 @@
           </p:sp>
         </mc:Fallback>
       </mc:AlternateContent>
-      <mc:AlternateContent xmlns:mc="http://schemas.openxmlformats.org/markup-compatibility/2006">
-        <mc:Choice xmlns:a14="http://schemas.microsoft.com/office/drawing/2010/main" Requires="a14">
+      <mc:AlternateContent xmlns:mc="http://schemas.openxmlformats.org/markup-compatibility/2006" xmlns:a14="http://schemas.microsoft.com/office/drawing/2010/main">
+        <mc:Choice Requires="a14">
           <p:sp>
             <p:nvSpPr>
               <p:cNvPr id="31" name="文本框 30">
@@ -20006,7 +20207,7 @@
             </p:txBody>
           </p:sp>
         </mc:Choice>
-        <mc:Fallback>
+        <mc:Fallback xmlns="">
           <p:sp>
             <p:nvSpPr>
               <p:cNvPr id="31" name="文本框 30">
@@ -20112,8 +20313,8 @@
           </a:p>
         </p:txBody>
       </p:sp>
-      <mc:AlternateContent xmlns:mc="http://schemas.openxmlformats.org/markup-compatibility/2006">
-        <mc:Choice xmlns:a14="http://schemas.microsoft.com/office/drawing/2010/main" Requires="a14">
+      <mc:AlternateContent xmlns:mc="http://schemas.openxmlformats.org/markup-compatibility/2006" xmlns:a14="http://schemas.microsoft.com/office/drawing/2010/main">
+        <mc:Choice Requires="a14">
           <p:sp>
             <p:nvSpPr>
               <p:cNvPr id="33" name="文本框 32">
@@ -20163,7 +20364,7 @@
             </p:txBody>
           </p:sp>
         </mc:Choice>
-        <mc:Fallback>
+        <mc:Fallback xmlns="">
           <p:sp>
             <p:nvSpPr>
               <p:cNvPr id="33" name="文本框 32">
@@ -20361,8 +20562,8 @@
           </a:fontRef>
         </p:style>
       </p:cxnSp>
-      <mc:AlternateContent xmlns:mc="http://schemas.openxmlformats.org/markup-compatibility/2006">
-        <mc:Choice xmlns:a14="http://schemas.microsoft.com/office/drawing/2010/main" Requires="a14">
+      <mc:AlternateContent xmlns:mc="http://schemas.openxmlformats.org/markup-compatibility/2006" xmlns:a14="http://schemas.microsoft.com/office/drawing/2010/main">
+        <mc:Choice Requires="a14">
           <p:sp>
             <p:nvSpPr>
               <p:cNvPr id="39" name="矩形 38">
@@ -20390,6 +20591,7 @@
               </a:bodyPr>
               <a:lstStyle/>
               <a:p>
+                <a:pPr/>
                 <a14:m>
                   <m:oMathPara xmlns:m="http://schemas.openxmlformats.org/officeDocument/2006/math">
                     <m:oMathParaPr>
@@ -20437,7 +20639,7 @@
             </p:txBody>
           </p:sp>
         </mc:Choice>
-        <mc:Fallback>
+        <mc:Fallback xmlns="">
           <p:sp>
             <p:nvSpPr>
               <p:cNvPr id="39" name="矩形 38">
@@ -20482,8 +20684,8 @@
           </p:sp>
         </mc:Fallback>
       </mc:AlternateContent>
-      <mc:AlternateContent xmlns:mc="http://schemas.openxmlformats.org/markup-compatibility/2006">
-        <mc:Choice xmlns:a14="http://schemas.microsoft.com/office/drawing/2010/main" Requires="a14">
+      <mc:AlternateContent xmlns:mc="http://schemas.openxmlformats.org/markup-compatibility/2006" xmlns:a14="http://schemas.microsoft.com/office/drawing/2010/main">
+        <mc:Choice Requires="a14">
           <p:sp>
             <p:nvSpPr>
               <p:cNvPr id="42" name="文本框 41">
@@ -20512,6 +20714,7 @@
               </a:bodyPr>
               <a:lstStyle/>
               <a:p>
+                <a:pPr/>
                 <a14:m>
                   <m:oMathPara xmlns:m="http://schemas.openxmlformats.org/officeDocument/2006/math">
                     <m:oMathParaPr>
@@ -20579,7 +20782,7 @@
             </p:txBody>
           </p:sp>
         </mc:Choice>
-        <mc:Fallback>
+        <mc:Fallback xmlns="">
           <p:sp>
             <p:nvSpPr>
               <p:cNvPr id="42" name="文本框 41">
@@ -20624,8 +20827,8 @@
           </p:sp>
         </mc:Fallback>
       </mc:AlternateContent>
-      <mc:AlternateContent xmlns:mc="http://schemas.openxmlformats.org/markup-compatibility/2006">
-        <mc:Choice xmlns:a14="http://schemas.microsoft.com/office/drawing/2010/main" Requires="a14">
+      <mc:AlternateContent xmlns:mc="http://schemas.openxmlformats.org/markup-compatibility/2006" xmlns:a14="http://schemas.microsoft.com/office/drawing/2010/main">
+        <mc:Choice Requires="a14">
           <p:sp>
             <p:nvSpPr>
               <p:cNvPr id="43" name="文本框 42">
@@ -20654,6 +20857,7 @@
               </a:bodyPr>
               <a:lstStyle/>
               <a:p>
+                <a:pPr/>
                 <a14:m>
                   <m:oMathPara xmlns:m="http://schemas.openxmlformats.org/officeDocument/2006/math">
                     <m:oMathParaPr>
@@ -20721,7 +20925,7 @@
             </p:txBody>
           </p:sp>
         </mc:Choice>
-        <mc:Fallback>
+        <mc:Fallback xmlns="">
           <p:sp>
             <p:nvSpPr>
               <p:cNvPr id="43" name="文本框 42">
@@ -20766,8 +20970,8 @@
           </p:sp>
         </mc:Fallback>
       </mc:AlternateContent>
-      <mc:AlternateContent xmlns:mc="http://schemas.openxmlformats.org/markup-compatibility/2006">
-        <mc:Choice xmlns:a14="http://schemas.microsoft.com/office/drawing/2010/main" Requires="a14">
+      <mc:AlternateContent xmlns:mc="http://schemas.openxmlformats.org/markup-compatibility/2006" xmlns:a14="http://schemas.microsoft.com/office/drawing/2010/main">
+        <mc:Choice Requires="a14">
           <p:sp>
             <p:nvSpPr>
               <p:cNvPr id="44" name="文本框 43">
@@ -20796,6 +21000,7 @@
               </a:bodyPr>
               <a:lstStyle/>
               <a:p>
+                <a:pPr/>
                 <a14:m>
                   <m:oMathPara xmlns:m="http://schemas.openxmlformats.org/officeDocument/2006/math">
                     <m:oMathParaPr>
@@ -20863,7 +21068,7 @@
             </p:txBody>
           </p:sp>
         </mc:Choice>
-        <mc:Fallback>
+        <mc:Fallback xmlns="">
           <p:sp>
             <p:nvSpPr>
               <p:cNvPr id="44" name="文本框 43">
@@ -21117,8 +21322,8 @@
           </a:fontRef>
         </p:style>
       </p:cxnSp>
-      <mc:AlternateContent xmlns:mc="http://schemas.openxmlformats.org/markup-compatibility/2006">
-        <mc:Choice xmlns:a14="http://schemas.microsoft.com/office/drawing/2010/main" Requires="a14">
+      <mc:AlternateContent xmlns:mc="http://schemas.openxmlformats.org/markup-compatibility/2006" xmlns:a14="http://schemas.microsoft.com/office/drawing/2010/main">
+        <mc:Choice Requires="a14">
           <p:sp>
             <p:nvSpPr>
               <p:cNvPr id="49" name="文本框 48">
@@ -21190,7 +21395,7 @@
             </p:txBody>
           </p:sp>
         </mc:Choice>
-        <mc:Fallback>
+        <mc:Fallback xmlns="">
           <p:sp>
             <p:nvSpPr>
               <p:cNvPr id="49" name="文本框 48">
@@ -21235,8 +21440,8 @@
           </p:sp>
         </mc:Fallback>
       </mc:AlternateContent>
-      <mc:AlternateContent xmlns:mc="http://schemas.openxmlformats.org/markup-compatibility/2006">
-        <mc:Choice xmlns:a14="http://schemas.microsoft.com/office/drawing/2010/main" Requires="a14">
+      <mc:AlternateContent xmlns:mc="http://schemas.openxmlformats.org/markup-compatibility/2006" xmlns:a14="http://schemas.microsoft.com/office/drawing/2010/main">
+        <mc:Choice Requires="a14">
           <p:sp>
             <p:nvSpPr>
               <p:cNvPr id="50" name="文本框 49">
@@ -21265,6 +21470,7 @@
               </a:bodyPr>
               <a:lstStyle/>
               <a:p>
+                <a:pPr/>
                 <a14:m>
                   <m:oMathPara xmlns:m="http://schemas.openxmlformats.org/officeDocument/2006/math">
                     <m:oMathParaPr>
@@ -21312,7 +21518,7 @@
             </p:txBody>
           </p:sp>
         </mc:Choice>
-        <mc:Fallback>
+        <mc:Fallback xmlns="">
           <p:sp>
             <p:nvSpPr>
               <p:cNvPr id="50" name="文本框 49">
@@ -21452,8 +21658,8 @@
           </a:fontRef>
         </p:style>
       </p:cxnSp>
-      <mc:AlternateContent xmlns:mc="http://schemas.openxmlformats.org/markup-compatibility/2006">
-        <mc:Choice xmlns:a14="http://schemas.microsoft.com/office/drawing/2010/main" Requires="a14">
+      <mc:AlternateContent xmlns:mc="http://schemas.openxmlformats.org/markup-compatibility/2006" xmlns:a14="http://schemas.microsoft.com/office/drawing/2010/main">
+        <mc:Choice Requires="a14">
           <p:sp>
             <p:nvSpPr>
               <p:cNvPr id="53" name="文本框 52">
@@ -21525,7 +21731,7 @@
             </p:txBody>
           </p:sp>
         </mc:Choice>
-        <mc:Fallback>
+        <mc:Fallback xmlns="">
           <p:sp>
             <p:nvSpPr>
               <p:cNvPr id="53" name="文本框 52">
@@ -21570,8 +21776,8 @@
           </p:sp>
         </mc:Fallback>
       </mc:AlternateContent>
-      <mc:AlternateContent xmlns:mc="http://schemas.openxmlformats.org/markup-compatibility/2006">
-        <mc:Choice xmlns:a14="http://schemas.microsoft.com/office/drawing/2010/main" Requires="a14">
+      <mc:AlternateContent xmlns:mc="http://schemas.openxmlformats.org/markup-compatibility/2006" xmlns:a14="http://schemas.microsoft.com/office/drawing/2010/main">
+        <mc:Choice Requires="a14">
           <p:sp>
             <p:nvSpPr>
               <p:cNvPr id="54" name="文本框 53">
@@ -21643,7 +21849,7 @@
             </p:txBody>
           </p:sp>
         </mc:Choice>
-        <mc:Fallback>
+        <mc:Fallback xmlns="">
           <p:sp>
             <p:nvSpPr>
               <p:cNvPr id="54" name="文本框 53">
@@ -21688,8 +21894,8 @@
           </p:sp>
         </mc:Fallback>
       </mc:AlternateContent>
-      <mc:AlternateContent xmlns:mc="http://schemas.openxmlformats.org/markup-compatibility/2006">
-        <mc:Choice xmlns:a14="http://schemas.microsoft.com/office/drawing/2010/main" Requires="a14">
+      <mc:AlternateContent xmlns:mc="http://schemas.openxmlformats.org/markup-compatibility/2006" xmlns:a14="http://schemas.microsoft.com/office/drawing/2010/main">
+        <mc:Choice Requires="a14">
           <p:sp>
             <p:nvSpPr>
               <p:cNvPr id="55" name="文本框 54">
@@ -21718,6 +21924,7 @@
               </a:bodyPr>
               <a:lstStyle/>
               <a:p>
+                <a:pPr/>
                 <a14:m>
                   <m:oMathPara xmlns:m="http://schemas.openxmlformats.org/officeDocument/2006/math">
                     <m:oMathParaPr>
@@ -21777,7 +21984,7 @@
             </p:txBody>
           </p:sp>
         </mc:Choice>
-        <mc:Fallback>
+        <mc:Fallback xmlns="">
           <p:sp>
             <p:nvSpPr>
               <p:cNvPr id="55" name="文本框 54">
@@ -21822,8 +22029,8 @@
           </p:sp>
         </mc:Fallback>
       </mc:AlternateContent>
-      <mc:AlternateContent xmlns:mc="http://schemas.openxmlformats.org/markup-compatibility/2006">
-        <mc:Choice xmlns:a14="http://schemas.microsoft.com/office/drawing/2010/main" Requires="a14">
+      <mc:AlternateContent xmlns:mc="http://schemas.openxmlformats.org/markup-compatibility/2006" xmlns:a14="http://schemas.microsoft.com/office/drawing/2010/main">
+        <mc:Choice Requires="a14">
           <p:sp>
             <p:nvSpPr>
               <p:cNvPr id="56" name="文本框 55">
@@ -21852,6 +22059,7 @@
               </a:bodyPr>
               <a:lstStyle/>
               <a:p>
+                <a:pPr/>
                 <a14:m>
                   <m:oMathPara xmlns:m="http://schemas.openxmlformats.org/officeDocument/2006/math">
                     <m:oMathParaPr>
@@ -21911,7 +22119,7 @@
             </p:txBody>
           </p:sp>
         </mc:Choice>
-        <mc:Fallback>
+        <mc:Fallback xmlns="">
           <p:sp>
             <p:nvSpPr>
               <p:cNvPr id="56" name="文本框 55">
@@ -22013,8 +22221,8 @@
           </a:p>
         </p:txBody>
       </p:sp>
-      <mc:AlternateContent xmlns:mc="http://schemas.openxmlformats.org/markup-compatibility/2006">
-        <mc:Choice xmlns:a14="http://schemas.microsoft.com/office/drawing/2010/main" Requires="a14">
+      <mc:AlternateContent xmlns:mc="http://schemas.openxmlformats.org/markup-compatibility/2006" xmlns:a14="http://schemas.microsoft.com/office/drawing/2010/main">
+        <mc:Choice Requires="a14">
           <p:sp>
             <p:nvSpPr>
               <p:cNvPr id="58" name="文本框 57">
@@ -22064,7 +22272,7 @@
             </p:txBody>
           </p:sp>
         </mc:Choice>
-        <mc:Fallback>
+        <mc:Fallback xmlns="">
           <p:sp>
             <p:nvSpPr>
               <p:cNvPr id="58" name="文本框 57">
@@ -22421,8 +22629,8 @@
           </a:p>
         </p:txBody>
       </p:sp>
-      <mc:AlternateContent xmlns:mc="http://schemas.openxmlformats.org/markup-compatibility/2006">
-        <mc:Choice xmlns:a14="http://schemas.microsoft.com/office/drawing/2010/main" Requires="a14">
+      <mc:AlternateContent xmlns:mc="http://schemas.openxmlformats.org/markup-compatibility/2006" xmlns:a14="http://schemas.microsoft.com/office/drawing/2010/main">
+        <mc:Choice Requires="a14">
           <p:sp>
             <p:nvSpPr>
               <p:cNvPr id="67" name="文本框 66">
@@ -22451,6 +22659,7 @@
               </a:bodyPr>
               <a:lstStyle/>
               <a:p>
+                <a:pPr/>
                 <a14:m>
                   <m:oMathPara xmlns:m="http://schemas.openxmlformats.org/officeDocument/2006/math">
                     <m:oMathParaPr>
@@ -22498,7 +22707,7 @@
             </p:txBody>
           </p:sp>
         </mc:Choice>
-        <mc:Fallback>
+        <mc:Fallback xmlns="">
           <p:sp>
             <p:nvSpPr>
               <p:cNvPr id="67" name="文本框 66">
@@ -22639,8 +22848,8 @@
           </a:fontRef>
         </p:style>
       </p:cxnSp>
-      <mc:AlternateContent xmlns:mc="http://schemas.openxmlformats.org/markup-compatibility/2006">
-        <mc:Choice xmlns:a14="http://schemas.microsoft.com/office/drawing/2010/main" Requires="a14">
+      <mc:AlternateContent xmlns:mc="http://schemas.openxmlformats.org/markup-compatibility/2006" xmlns:a14="http://schemas.microsoft.com/office/drawing/2010/main">
+        <mc:Choice Requires="a14">
           <p:sp>
             <p:nvSpPr>
               <p:cNvPr id="70" name="文本框 69">
@@ -22696,7 +22905,7 @@
             </p:txBody>
           </p:sp>
         </mc:Choice>
-        <mc:Fallback>
+        <mc:Fallback xmlns="">
           <p:sp>
             <p:nvSpPr>
               <p:cNvPr id="70" name="文本框 69">
@@ -22741,8 +22950,8 @@
           </p:sp>
         </mc:Fallback>
       </mc:AlternateContent>
-      <mc:AlternateContent xmlns:mc="http://schemas.openxmlformats.org/markup-compatibility/2006">
-        <mc:Choice xmlns:a14="http://schemas.microsoft.com/office/drawing/2010/main" Requires="a14">
+      <mc:AlternateContent xmlns:mc="http://schemas.openxmlformats.org/markup-compatibility/2006" xmlns:a14="http://schemas.microsoft.com/office/drawing/2010/main">
+        <mc:Choice Requires="a14">
           <p:sp>
             <p:nvSpPr>
               <p:cNvPr id="71" name="文本框 70">
@@ -22771,6 +22980,7 @@
               </a:bodyPr>
               <a:lstStyle/>
               <a:p>
+                <a:pPr/>
                 <a14:m>
                   <m:oMathPara xmlns:m="http://schemas.openxmlformats.org/officeDocument/2006/math">
                     <m:oMathParaPr>
@@ -22818,7 +23028,7 @@
             </p:txBody>
           </p:sp>
         </mc:Choice>
-        <mc:Fallback>
+        <mc:Fallback xmlns="">
           <p:sp>
             <p:nvSpPr>
               <p:cNvPr id="71" name="文本框 70">
@@ -22975,8 +23185,8 @@
           </a:p>
         </p:txBody>
       </p:sp>
-      <mc:AlternateContent xmlns:mc="http://schemas.openxmlformats.org/markup-compatibility/2006">
-        <mc:Choice xmlns:a14="http://schemas.microsoft.com/office/drawing/2010/main" Requires="a14">
+      <mc:AlternateContent xmlns:mc="http://schemas.openxmlformats.org/markup-compatibility/2006" xmlns:a14="http://schemas.microsoft.com/office/drawing/2010/main">
+        <mc:Choice Requires="a14">
           <p:sp>
             <p:nvSpPr>
               <p:cNvPr id="79" name="文本框 78">
@@ -23005,6 +23215,7 @@
               </a:bodyPr>
               <a:lstStyle/>
               <a:p>
+                <a:pPr/>
                 <a14:m>
                   <m:oMathPara xmlns:m="http://schemas.openxmlformats.org/officeDocument/2006/math">
                     <m:oMathParaPr>
@@ -23072,7 +23283,7 @@
             </p:txBody>
           </p:sp>
         </mc:Choice>
-        <mc:Fallback>
+        <mc:Fallback xmlns="">
           <p:sp>
             <p:nvSpPr>
               <p:cNvPr id="79" name="文本框 78">
@@ -23220,8 +23431,8 @@
           </a:fontRef>
         </p:style>
       </p:cxnSp>
-      <mc:AlternateContent xmlns:mc="http://schemas.openxmlformats.org/markup-compatibility/2006">
-        <mc:Choice xmlns:a14="http://schemas.microsoft.com/office/drawing/2010/main" Requires="a14">
+      <mc:AlternateContent xmlns:mc="http://schemas.openxmlformats.org/markup-compatibility/2006" xmlns:a14="http://schemas.microsoft.com/office/drawing/2010/main">
+        <mc:Choice Requires="a14">
           <p:sp>
             <p:nvSpPr>
               <p:cNvPr id="82" name="文本框 81">
@@ -23293,7 +23504,7 @@
             </p:txBody>
           </p:sp>
         </mc:Choice>
-        <mc:Fallback>
+        <mc:Fallback xmlns="">
           <p:sp>
             <p:nvSpPr>
               <p:cNvPr id="82" name="文本框 81">
@@ -23338,8 +23549,8 @@
           </p:sp>
         </mc:Fallback>
       </mc:AlternateContent>
-      <mc:AlternateContent xmlns:mc="http://schemas.openxmlformats.org/markup-compatibility/2006">
-        <mc:Choice xmlns:a14="http://schemas.microsoft.com/office/drawing/2010/main" Requires="a14">
+      <mc:AlternateContent xmlns:mc="http://schemas.openxmlformats.org/markup-compatibility/2006" xmlns:a14="http://schemas.microsoft.com/office/drawing/2010/main">
+        <mc:Choice Requires="a14">
           <p:sp>
             <p:nvSpPr>
               <p:cNvPr id="83" name="文本框 82">
@@ -23368,6 +23579,7 @@
               </a:bodyPr>
               <a:lstStyle/>
               <a:p>
+                <a:pPr/>
                 <a14:m>
                   <m:oMathPara xmlns:m="http://schemas.openxmlformats.org/officeDocument/2006/math">
                     <m:oMathParaPr>
@@ -23435,7 +23647,7 @@
             </p:txBody>
           </p:sp>
         </mc:Choice>
-        <mc:Fallback>
+        <mc:Fallback xmlns="">
           <p:sp>
             <p:nvSpPr>
               <p:cNvPr id="83" name="文本框 82">
@@ -23626,8 +23838,8 @@
           </a:fontRef>
         </p:style>
       </p:cxnSp>
-      <mc:AlternateContent xmlns:mc="http://schemas.openxmlformats.org/markup-compatibility/2006">
-        <mc:Choice xmlns:a14="http://schemas.microsoft.com/office/drawing/2010/main" Requires="a14">
+      <mc:AlternateContent xmlns:mc="http://schemas.openxmlformats.org/markup-compatibility/2006" xmlns:a14="http://schemas.microsoft.com/office/drawing/2010/main">
+        <mc:Choice Requires="a14">
           <p:sp>
             <p:nvSpPr>
               <p:cNvPr id="41" name="文本框 40">
@@ -23656,6 +23868,7 @@
               </a:bodyPr>
               <a:lstStyle/>
               <a:p>
+                <a:pPr/>
                 <a14:m>
                   <m:oMathPara xmlns:m="http://schemas.openxmlformats.org/officeDocument/2006/math">
                     <m:oMathParaPr>
@@ -23703,7 +23916,7 @@
             </p:txBody>
           </p:sp>
         </mc:Choice>
-        <mc:Fallback>
+        <mc:Fallback xmlns="">
           <p:sp>
             <p:nvSpPr>
               <p:cNvPr id="41" name="文本框 40">
@@ -23748,8 +23961,8 @@
           </p:sp>
         </mc:Fallback>
       </mc:AlternateContent>
-      <mc:AlternateContent xmlns:mc="http://schemas.openxmlformats.org/markup-compatibility/2006">
-        <mc:Choice xmlns:a14="http://schemas.microsoft.com/office/drawing/2010/main" Requires="a14">
+      <mc:AlternateContent xmlns:mc="http://schemas.openxmlformats.org/markup-compatibility/2006" xmlns:a14="http://schemas.microsoft.com/office/drawing/2010/main">
+        <mc:Choice Requires="a14">
           <p:sp>
             <p:nvSpPr>
               <p:cNvPr id="92" name="文本框 91">
@@ -23778,6 +23991,7 @@
               </a:bodyPr>
               <a:lstStyle/>
               <a:p>
+                <a:pPr/>
                 <a14:m>
                   <m:oMathPara xmlns:m="http://schemas.openxmlformats.org/officeDocument/2006/math">
                     <m:oMathParaPr>
@@ -23825,7 +24039,7 @@
             </p:txBody>
           </p:sp>
         </mc:Choice>
-        <mc:Fallback>
+        <mc:Fallback xmlns="">
           <p:sp>
             <p:nvSpPr>
               <p:cNvPr id="92" name="文本框 91">
@@ -23870,8 +24084,8 @@
           </p:sp>
         </mc:Fallback>
       </mc:AlternateContent>
-      <mc:AlternateContent xmlns:mc="http://schemas.openxmlformats.org/markup-compatibility/2006">
-        <mc:Choice xmlns:a14="http://schemas.microsoft.com/office/drawing/2010/main" Requires="a14">
+      <mc:AlternateContent xmlns:mc="http://schemas.openxmlformats.org/markup-compatibility/2006" xmlns:a14="http://schemas.microsoft.com/office/drawing/2010/main">
+        <mc:Choice Requires="a14">
           <p:sp>
             <p:nvSpPr>
               <p:cNvPr id="93" name="文本框 92">
@@ -23900,6 +24114,7 @@
               </a:bodyPr>
               <a:lstStyle/>
               <a:p>
+                <a:pPr/>
                 <a14:m>
                   <m:oMathPara xmlns:m="http://schemas.openxmlformats.org/officeDocument/2006/math">
                     <m:oMathParaPr>
@@ -23947,7 +24162,7 @@
             </p:txBody>
           </p:sp>
         </mc:Choice>
-        <mc:Fallback>
+        <mc:Fallback xmlns="">
           <p:sp>
             <p:nvSpPr>
               <p:cNvPr id="93" name="文本框 92">
@@ -24050,8 +24265,8 @@
           </a:p>
         </p:txBody>
       </p:sp>
-      <mc:AlternateContent xmlns:mc="http://schemas.openxmlformats.org/markup-compatibility/2006">
-        <mc:Choice xmlns:a14="http://schemas.microsoft.com/office/drawing/2010/main" Requires="a14">
+      <mc:AlternateContent xmlns:mc="http://schemas.openxmlformats.org/markup-compatibility/2006" xmlns:a14="http://schemas.microsoft.com/office/drawing/2010/main">
+        <mc:Choice Requires="a14">
           <p:sp>
             <p:nvSpPr>
               <p:cNvPr id="95" name="文本框 94">
@@ -24101,7 +24316,7 @@
             </p:txBody>
           </p:sp>
         </mc:Choice>
-        <mc:Fallback>
+        <mc:Fallback xmlns="">
           <p:sp>
             <p:nvSpPr>
               <p:cNvPr id="95" name="文本框 94">
@@ -24981,8 +25196,8 @@
           </a:p>
         </p:txBody>
       </p:sp>
-      <mc:AlternateContent xmlns:mc="http://schemas.openxmlformats.org/markup-compatibility/2006">
-        <mc:Choice xmlns:a14="http://schemas.microsoft.com/office/drawing/2010/main" Requires="a14">
+      <mc:AlternateContent xmlns:mc="http://schemas.openxmlformats.org/markup-compatibility/2006" xmlns:a14="http://schemas.microsoft.com/office/drawing/2010/main">
+        <mc:Choice Requires="a14">
           <p:sp>
             <p:nvSpPr>
               <p:cNvPr id="16" name="文本框 15">
@@ -25066,7 +25281,7 @@
             </p:txBody>
           </p:sp>
         </mc:Choice>
-        <mc:Fallback>
+        <mc:Fallback xmlns="">
           <p:sp>
             <p:nvSpPr>
               <p:cNvPr id="16" name="文本框 15">
@@ -25111,8 +25326,8 @@
           </p:sp>
         </mc:Fallback>
       </mc:AlternateContent>
-      <mc:AlternateContent xmlns:mc="http://schemas.openxmlformats.org/markup-compatibility/2006">
-        <mc:Choice xmlns:a14="http://schemas.microsoft.com/office/drawing/2010/main" Requires="a14">
+      <mc:AlternateContent xmlns:mc="http://schemas.openxmlformats.org/markup-compatibility/2006" xmlns:a14="http://schemas.microsoft.com/office/drawing/2010/main">
+        <mc:Choice Requires="a14">
           <p:sp>
             <p:nvSpPr>
               <p:cNvPr id="17" name="文本框 16">
@@ -25196,7 +25411,7 @@
             </p:txBody>
           </p:sp>
         </mc:Choice>
-        <mc:Fallback>
+        <mc:Fallback xmlns="">
           <p:sp>
             <p:nvSpPr>
               <p:cNvPr id="17" name="文本框 16">
@@ -25652,8 +25867,8 @@
           </a:p>
         </p:txBody>
       </p:sp>
-      <mc:AlternateContent xmlns:mc="http://schemas.openxmlformats.org/markup-compatibility/2006">
-        <mc:Choice xmlns:a14="http://schemas.microsoft.com/office/drawing/2010/main" Requires="a14">
+      <mc:AlternateContent xmlns:mc="http://schemas.openxmlformats.org/markup-compatibility/2006" xmlns:a14="http://schemas.microsoft.com/office/drawing/2010/main">
+        <mc:Choice Requires="a14">
           <p:sp>
             <p:nvSpPr>
               <p:cNvPr id="30" name="文本框 29">
@@ -25703,7 +25918,7 @@
             </p:txBody>
           </p:sp>
         </mc:Choice>
-        <mc:Fallback>
+        <mc:Fallback xmlns="">
           <p:sp>
             <p:nvSpPr>
               <p:cNvPr id="30" name="文本框 29">
@@ -25901,8 +26116,8 @@
           </a:fontRef>
         </p:style>
       </p:cxnSp>
-      <mc:AlternateContent xmlns:mc="http://schemas.openxmlformats.org/markup-compatibility/2006">
-        <mc:Choice xmlns:a14="http://schemas.microsoft.com/office/drawing/2010/main" Requires="a14">
+      <mc:AlternateContent xmlns:mc="http://schemas.openxmlformats.org/markup-compatibility/2006" xmlns:a14="http://schemas.microsoft.com/office/drawing/2010/main">
+        <mc:Choice Requires="a14">
           <p:sp>
             <p:nvSpPr>
               <p:cNvPr id="34" name="矩形 33">
@@ -25930,6 +26145,7 @@
               </a:bodyPr>
               <a:lstStyle/>
               <a:p>
+                <a:pPr/>
                 <a14:m>
                   <m:oMathPara xmlns:m="http://schemas.openxmlformats.org/officeDocument/2006/math">
                     <m:oMathParaPr>
@@ -25977,7 +26193,7 @@
             </p:txBody>
           </p:sp>
         </mc:Choice>
-        <mc:Fallback>
+        <mc:Fallback xmlns="">
           <p:sp>
             <p:nvSpPr>
               <p:cNvPr id="34" name="矩形 33">
@@ -26022,8 +26238,8 @@
           </p:sp>
         </mc:Fallback>
       </mc:AlternateContent>
-      <mc:AlternateContent xmlns:mc="http://schemas.openxmlformats.org/markup-compatibility/2006">
-        <mc:Choice xmlns:a14="http://schemas.microsoft.com/office/drawing/2010/main" Requires="a14">
+      <mc:AlternateContent xmlns:mc="http://schemas.openxmlformats.org/markup-compatibility/2006" xmlns:a14="http://schemas.microsoft.com/office/drawing/2010/main">
+        <mc:Choice Requires="a14">
           <p:sp>
             <p:nvSpPr>
               <p:cNvPr id="35" name="文本框 34">
@@ -26052,6 +26268,7 @@
               </a:bodyPr>
               <a:lstStyle/>
               <a:p>
+                <a:pPr/>
                 <a14:m>
                   <m:oMathPara xmlns:m="http://schemas.openxmlformats.org/officeDocument/2006/math">
                     <m:oMathParaPr>
@@ -26119,7 +26336,7 @@
             </p:txBody>
           </p:sp>
         </mc:Choice>
-        <mc:Fallback>
+        <mc:Fallback xmlns="">
           <p:sp>
             <p:nvSpPr>
               <p:cNvPr id="35" name="文本框 34">
@@ -26164,8 +26381,8 @@
           </p:sp>
         </mc:Fallback>
       </mc:AlternateContent>
-      <mc:AlternateContent xmlns:mc="http://schemas.openxmlformats.org/markup-compatibility/2006">
-        <mc:Choice xmlns:a14="http://schemas.microsoft.com/office/drawing/2010/main" Requires="a14">
+      <mc:AlternateContent xmlns:mc="http://schemas.openxmlformats.org/markup-compatibility/2006" xmlns:a14="http://schemas.microsoft.com/office/drawing/2010/main">
+        <mc:Choice Requires="a14">
           <p:sp>
             <p:nvSpPr>
               <p:cNvPr id="36" name="文本框 35">
@@ -26194,6 +26411,7 @@
               </a:bodyPr>
               <a:lstStyle/>
               <a:p>
+                <a:pPr/>
                 <a14:m>
                   <m:oMathPara xmlns:m="http://schemas.openxmlformats.org/officeDocument/2006/math">
                     <m:oMathParaPr>
@@ -26261,7 +26479,7 @@
             </p:txBody>
           </p:sp>
         </mc:Choice>
-        <mc:Fallback>
+        <mc:Fallback xmlns="">
           <p:sp>
             <p:nvSpPr>
               <p:cNvPr id="36" name="文本框 35">
@@ -26306,8 +26524,8 @@
           </p:sp>
         </mc:Fallback>
       </mc:AlternateContent>
-      <mc:AlternateContent xmlns:mc="http://schemas.openxmlformats.org/markup-compatibility/2006">
-        <mc:Choice xmlns:a14="http://schemas.microsoft.com/office/drawing/2010/main" Requires="a14">
+      <mc:AlternateContent xmlns:mc="http://schemas.openxmlformats.org/markup-compatibility/2006" xmlns:a14="http://schemas.microsoft.com/office/drawing/2010/main">
+        <mc:Choice Requires="a14">
           <p:sp>
             <p:nvSpPr>
               <p:cNvPr id="37" name="文本框 36">
@@ -26336,6 +26554,7 @@
               </a:bodyPr>
               <a:lstStyle/>
               <a:p>
+                <a:pPr/>
                 <a14:m>
                   <m:oMathPara xmlns:m="http://schemas.openxmlformats.org/officeDocument/2006/math">
                     <m:oMathParaPr>
@@ -26403,7 +26622,7 @@
             </p:txBody>
           </p:sp>
         </mc:Choice>
-        <mc:Fallback>
+        <mc:Fallback xmlns="">
           <p:sp>
             <p:nvSpPr>
               <p:cNvPr id="37" name="文本框 36">
@@ -26663,8 +26882,8 @@
           </a:fontRef>
         </p:style>
       </p:cxnSp>
-      <mc:AlternateContent xmlns:mc="http://schemas.openxmlformats.org/markup-compatibility/2006">
-        <mc:Choice xmlns:a14="http://schemas.microsoft.com/office/drawing/2010/main" Requires="a14">
+      <mc:AlternateContent xmlns:mc="http://schemas.openxmlformats.org/markup-compatibility/2006" xmlns:a14="http://schemas.microsoft.com/office/drawing/2010/main">
+        <mc:Choice Requires="a14">
           <p:sp>
             <p:nvSpPr>
               <p:cNvPr id="42" name="文本框 41">
@@ -26736,7 +26955,7 @@
             </p:txBody>
           </p:sp>
         </mc:Choice>
-        <mc:Fallback>
+        <mc:Fallback xmlns="">
           <p:sp>
             <p:nvSpPr>
               <p:cNvPr id="42" name="文本框 41">
@@ -26781,8 +27000,8 @@
           </p:sp>
         </mc:Fallback>
       </mc:AlternateContent>
-      <mc:AlternateContent xmlns:mc="http://schemas.openxmlformats.org/markup-compatibility/2006">
-        <mc:Choice xmlns:a14="http://schemas.microsoft.com/office/drawing/2010/main" Requires="a14">
+      <mc:AlternateContent xmlns:mc="http://schemas.openxmlformats.org/markup-compatibility/2006" xmlns:a14="http://schemas.microsoft.com/office/drawing/2010/main">
+        <mc:Choice Requires="a14">
           <p:sp>
             <p:nvSpPr>
               <p:cNvPr id="43" name="文本框 42">
@@ -26811,6 +27030,7 @@
               </a:bodyPr>
               <a:lstStyle/>
               <a:p>
+                <a:pPr/>
                 <a14:m>
                   <m:oMathPara xmlns:m="http://schemas.openxmlformats.org/officeDocument/2006/math">
                     <m:oMathParaPr>
@@ -26878,7 +27098,7 @@
             </p:txBody>
           </p:sp>
         </mc:Choice>
-        <mc:Fallback>
+        <mc:Fallback xmlns="">
           <p:sp>
             <p:nvSpPr>
               <p:cNvPr id="43" name="文本框 42">
@@ -27018,8 +27238,8 @@
           </a:fontRef>
         </p:style>
       </p:cxnSp>
-      <mc:AlternateContent xmlns:mc="http://schemas.openxmlformats.org/markup-compatibility/2006">
-        <mc:Choice xmlns:a14="http://schemas.microsoft.com/office/drawing/2010/main" Requires="a14">
+      <mc:AlternateContent xmlns:mc="http://schemas.openxmlformats.org/markup-compatibility/2006" xmlns:a14="http://schemas.microsoft.com/office/drawing/2010/main">
+        <mc:Choice Requires="a14">
           <p:sp>
             <p:nvSpPr>
               <p:cNvPr id="46" name="文本框 45">
@@ -27091,7 +27311,7 @@
             </p:txBody>
           </p:sp>
         </mc:Choice>
-        <mc:Fallback>
+        <mc:Fallback xmlns="">
           <p:sp>
             <p:nvSpPr>
               <p:cNvPr id="46" name="文本框 45">
@@ -27136,8 +27356,8 @@
           </p:sp>
         </mc:Fallback>
       </mc:AlternateContent>
-      <mc:AlternateContent xmlns:mc="http://schemas.openxmlformats.org/markup-compatibility/2006">
-        <mc:Choice xmlns:a14="http://schemas.microsoft.com/office/drawing/2010/main" Requires="a14">
+      <mc:AlternateContent xmlns:mc="http://schemas.openxmlformats.org/markup-compatibility/2006" xmlns:a14="http://schemas.microsoft.com/office/drawing/2010/main">
+        <mc:Choice Requires="a14">
           <p:sp>
             <p:nvSpPr>
               <p:cNvPr id="47" name="文本框 46">
@@ -27209,7 +27429,7 @@
             </p:txBody>
           </p:sp>
         </mc:Choice>
-        <mc:Fallback>
+        <mc:Fallback xmlns="">
           <p:sp>
             <p:nvSpPr>
               <p:cNvPr id="47" name="文本框 46">
@@ -27254,8 +27474,8 @@
           </p:sp>
         </mc:Fallback>
       </mc:AlternateContent>
-      <mc:AlternateContent xmlns:mc="http://schemas.openxmlformats.org/markup-compatibility/2006">
-        <mc:Choice xmlns:a14="http://schemas.microsoft.com/office/drawing/2010/main" Requires="a14">
+      <mc:AlternateContent xmlns:mc="http://schemas.openxmlformats.org/markup-compatibility/2006" xmlns:a14="http://schemas.microsoft.com/office/drawing/2010/main">
+        <mc:Choice Requires="a14">
           <p:sp>
             <p:nvSpPr>
               <p:cNvPr id="48" name="文本框 47">
@@ -27284,6 +27504,7 @@
               </a:bodyPr>
               <a:lstStyle/>
               <a:p>
+                <a:pPr/>
                 <a14:m>
                   <m:oMathPara xmlns:m="http://schemas.openxmlformats.org/officeDocument/2006/math">
                     <m:oMathParaPr>
@@ -27351,7 +27572,7 @@
             </p:txBody>
           </p:sp>
         </mc:Choice>
-        <mc:Fallback>
+        <mc:Fallback xmlns="">
           <p:sp>
             <p:nvSpPr>
               <p:cNvPr id="48" name="文本框 47">
@@ -27396,8 +27617,8 @@
           </p:sp>
         </mc:Fallback>
       </mc:AlternateContent>
-      <mc:AlternateContent xmlns:mc="http://schemas.openxmlformats.org/markup-compatibility/2006">
-        <mc:Choice xmlns:a14="http://schemas.microsoft.com/office/drawing/2010/main" Requires="a14">
+      <mc:AlternateContent xmlns:mc="http://schemas.openxmlformats.org/markup-compatibility/2006" xmlns:a14="http://schemas.microsoft.com/office/drawing/2010/main">
+        <mc:Choice Requires="a14">
           <p:sp>
             <p:nvSpPr>
               <p:cNvPr id="49" name="文本框 48">
@@ -27426,6 +27647,7 @@
               </a:bodyPr>
               <a:lstStyle/>
               <a:p>
+                <a:pPr/>
                 <a14:m>
                   <m:oMathPara xmlns:m="http://schemas.openxmlformats.org/officeDocument/2006/math">
                     <m:oMathParaPr>
@@ -27493,7 +27715,7 @@
             </p:txBody>
           </p:sp>
         </mc:Choice>
-        <mc:Fallback>
+        <mc:Fallback xmlns="">
           <p:sp>
             <p:nvSpPr>
               <p:cNvPr id="49" name="文本框 48">
@@ -27752,8 +27974,8 @@
           </a:p>
         </p:txBody>
       </p:sp>
-      <mc:AlternateContent xmlns:mc="http://schemas.openxmlformats.org/markup-compatibility/2006">
-        <mc:Choice xmlns:a14="http://schemas.microsoft.com/office/drawing/2010/main" Requires="a14">
+      <mc:AlternateContent xmlns:mc="http://schemas.openxmlformats.org/markup-compatibility/2006" xmlns:a14="http://schemas.microsoft.com/office/drawing/2010/main">
+        <mc:Choice Requires="a14">
           <p:sp>
             <p:nvSpPr>
               <p:cNvPr id="58" name="文本框 57">
@@ -27782,6 +28004,7 @@
               </a:bodyPr>
               <a:lstStyle/>
               <a:p>
+                <a:pPr/>
                 <a14:m>
                   <m:oMathPara xmlns:m="http://schemas.openxmlformats.org/officeDocument/2006/math">
                     <m:oMathParaPr>
@@ -27849,7 +28072,7 @@
             </p:txBody>
           </p:sp>
         </mc:Choice>
-        <mc:Fallback>
+        <mc:Fallback xmlns="">
           <p:sp>
             <p:nvSpPr>
               <p:cNvPr id="58" name="文本框 57">
@@ -27995,8 +28218,8 @@
           </a:fontRef>
         </p:style>
       </p:cxnSp>
-      <mc:AlternateContent xmlns:mc="http://schemas.openxmlformats.org/markup-compatibility/2006">
-        <mc:Choice xmlns:a14="http://schemas.microsoft.com/office/drawing/2010/main" Requires="a14">
+      <mc:AlternateContent xmlns:mc="http://schemas.openxmlformats.org/markup-compatibility/2006" xmlns:a14="http://schemas.microsoft.com/office/drawing/2010/main">
+        <mc:Choice Requires="a14">
           <p:sp>
             <p:nvSpPr>
               <p:cNvPr id="61" name="文本框 60">
@@ -28068,7 +28291,7 @@
             </p:txBody>
           </p:sp>
         </mc:Choice>
-        <mc:Fallback>
+        <mc:Fallback xmlns="">
           <p:sp>
             <p:nvSpPr>
               <p:cNvPr id="61" name="文本框 60">
@@ -28113,8 +28336,8 @@
           </p:sp>
         </mc:Fallback>
       </mc:AlternateContent>
-      <mc:AlternateContent xmlns:mc="http://schemas.openxmlformats.org/markup-compatibility/2006">
-        <mc:Choice xmlns:a14="http://schemas.microsoft.com/office/drawing/2010/main" Requires="a14">
+      <mc:AlternateContent xmlns:mc="http://schemas.openxmlformats.org/markup-compatibility/2006" xmlns:a14="http://schemas.microsoft.com/office/drawing/2010/main">
+        <mc:Choice Requires="a14">
           <p:sp>
             <p:nvSpPr>
               <p:cNvPr id="62" name="文本框 61">
@@ -28143,6 +28366,7 @@
               </a:bodyPr>
               <a:lstStyle/>
               <a:p>
+                <a:pPr/>
                 <a14:m>
                   <m:oMathPara xmlns:m="http://schemas.openxmlformats.org/officeDocument/2006/math">
                     <m:oMathParaPr>
@@ -28190,7 +28414,7 @@
             </p:txBody>
           </p:sp>
         </mc:Choice>
-        <mc:Fallback>
+        <mc:Fallback xmlns="">
           <p:sp>
             <p:nvSpPr>
               <p:cNvPr id="62" name="文本框 61">
@@ -28347,8 +28571,8 @@
           </a:p>
         </p:txBody>
       </p:sp>
-      <mc:AlternateContent xmlns:mc="http://schemas.openxmlformats.org/markup-compatibility/2006">
-        <mc:Choice xmlns:a14="http://schemas.microsoft.com/office/drawing/2010/main" Requires="a14">
+      <mc:AlternateContent xmlns:mc="http://schemas.openxmlformats.org/markup-compatibility/2006" xmlns:a14="http://schemas.microsoft.com/office/drawing/2010/main">
+        <mc:Choice Requires="a14">
           <p:sp>
             <p:nvSpPr>
               <p:cNvPr id="65" name="文本框 64">
@@ -28377,6 +28601,7 @@
               </a:bodyPr>
               <a:lstStyle/>
               <a:p>
+                <a:pPr/>
                 <a14:m>
                   <m:oMathPara xmlns:m="http://schemas.openxmlformats.org/officeDocument/2006/math">
                     <m:oMathParaPr>
@@ -28444,7 +28669,7 @@
             </p:txBody>
           </p:sp>
         </mc:Choice>
-        <mc:Fallback>
+        <mc:Fallback xmlns="">
           <p:sp>
             <p:nvSpPr>
               <p:cNvPr id="65" name="文本框 64">
@@ -28590,8 +28815,8 @@
           </a:fontRef>
         </p:style>
       </p:cxnSp>
-      <mc:AlternateContent xmlns:mc="http://schemas.openxmlformats.org/markup-compatibility/2006">
-        <mc:Choice xmlns:a14="http://schemas.microsoft.com/office/drawing/2010/main" Requires="a14">
+      <mc:AlternateContent xmlns:mc="http://schemas.openxmlformats.org/markup-compatibility/2006" xmlns:a14="http://schemas.microsoft.com/office/drawing/2010/main">
+        <mc:Choice Requires="a14">
           <p:sp>
             <p:nvSpPr>
               <p:cNvPr id="68" name="文本框 67">
@@ -28663,7 +28888,7 @@
             </p:txBody>
           </p:sp>
         </mc:Choice>
-        <mc:Fallback>
+        <mc:Fallback xmlns="">
           <p:sp>
             <p:nvSpPr>
               <p:cNvPr id="68" name="文本框 67">
@@ -28708,8 +28933,8 @@
           </p:sp>
         </mc:Fallback>
       </mc:AlternateContent>
-      <mc:AlternateContent xmlns:mc="http://schemas.openxmlformats.org/markup-compatibility/2006">
-        <mc:Choice xmlns:a14="http://schemas.microsoft.com/office/drawing/2010/main" Requires="a14">
+      <mc:AlternateContent xmlns:mc="http://schemas.openxmlformats.org/markup-compatibility/2006" xmlns:a14="http://schemas.microsoft.com/office/drawing/2010/main">
+        <mc:Choice Requires="a14">
           <p:sp>
             <p:nvSpPr>
               <p:cNvPr id="69" name="文本框 68">
@@ -28738,6 +28963,7 @@
               </a:bodyPr>
               <a:lstStyle/>
               <a:p>
+                <a:pPr/>
                 <a14:m>
                   <m:oMathPara xmlns:m="http://schemas.openxmlformats.org/officeDocument/2006/math">
                     <m:oMathParaPr>
@@ -28797,7 +29023,7 @@
             </p:txBody>
           </p:sp>
         </mc:Choice>
-        <mc:Fallback>
+        <mc:Fallback xmlns="">
           <p:sp>
             <p:nvSpPr>
               <p:cNvPr id="69" name="文本框 68">
@@ -28994,8 +29220,8 @@
           </a:fontRef>
         </p:style>
       </p:cxnSp>
-      <mc:AlternateContent xmlns:mc="http://schemas.openxmlformats.org/markup-compatibility/2006">
-        <mc:Choice xmlns:a14="http://schemas.microsoft.com/office/drawing/2010/main" Requires="a14">
+      <mc:AlternateContent xmlns:mc="http://schemas.openxmlformats.org/markup-compatibility/2006" xmlns:a14="http://schemas.microsoft.com/office/drawing/2010/main">
+        <mc:Choice Requires="a14">
           <p:sp>
             <p:nvSpPr>
               <p:cNvPr id="73" name="文本框 72">
@@ -29024,6 +29250,7 @@
               </a:bodyPr>
               <a:lstStyle/>
               <a:p>
+                <a:pPr/>
                 <a14:m>
                   <m:oMathPara xmlns:m="http://schemas.openxmlformats.org/officeDocument/2006/math">
                     <m:oMathParaPr>
@@ -29071,7 +29298,7 @@
             </p:txBody>
           </p:sp>
         </mc:Choice>
-        <mc:Fallback>
+        <mc:Fallback xmlns="">
           <p:sp>
             <p:nvSpPr>
               <p:cNvPr id="73" name="文本框 72">
@@ -29116,8 +29343,8 @@
           </p:sp>
         </mc:Fallback>
       </mc:AlternateContent>
-      <mc:AlternateContent xmlns:mc="http://schemas.openxmlformats.org/markup-compatibility/2006">
-        <mc:Choice xmlns:a14="http://schemas.microsoft.com/office/drawing/2010/main" Requires="a14">
+      <mc:AlternateContent xmlns:mc="http://schemas.openxmlformats.org/markup-compatibility/2006" xmlns:a14="http://schemas.microsoft.com/office/drawing/2010/main">
+        <mc:Choice Requires="a14">
           <p:sp>
             <p:nvSpPr>
               <p:cNvPr id="74" name="文本框 73">
@@ -29146,6 +29373,7 @@
               </a:bodyPr>
               <a:lstStyle/>
               <a:p>
+                <a:pPr/>
                 <a14:m>
                   <m:oMathPara xmlns:m="http://schemas.openxmlformats.org/officeDocument/2006/math">
                     <m:oMathParaPr>
@@ -29193,7 +29421,7 @@
             </p:txBody>
           </p:sp>
         </mc:Choice>
-        <mc:Fallback>
+        <mc:Fallback xmlns="">
           <p:sp>
             <p:nvSpPr>
               <p:cNvPr id="74" name="文本框 73">
@@ -29295,8 +29523,8 @@
           </a:p>
         </p:txBody>
       </p:sp>
-      <mc:AlternateContent xmlns:mc="http://schemas.openxmlformats.org/markup-compatibility/2006">
-        <mc:Choice xmlns:a14="http://schemas.microsoft.com/office/drawing/2010/main" Requires="a14">
+      <mc:AlternateContent xmlns:mc="http://schemas.openxmlformats.org/markup-compatibility/2006" xmlns:a14="http://schemas.microsoft.com/office/drawing/2010/main">
+        <mc:Choice Requires="a14">
           <p:sp>
             <p:nvSpPr>
               <p:cNvPr id="77" name="文本框 76">
@@ -29346,7 +29574,7 @@
             </p:txBody>
           </p:sp>
         </mc:Choice>
-        <mc:Fallback>
+        <mc:Fallback xmlns="">
           <p:sp>
             <p:nvSpPr>
               <p:cNvPr id="77" name="文本框 76">
@@ -29449,8 +29677,8 @@
           </a:p>
         </p:txBody>
       </p:sp>
-      <mc:AlternateContent xmlns:mc="http://schemas.openxmlformats.org/markup-compatibility/2006">
-        <mc:Choice xmlns:a14="http://schemas.microsoft.com/office/drawing/2010/main" Requires="a14">
+      <mc:AlternateContent xmlns:mc="http://schemas.openxmlformats.org/markup-compatibility/2006" xmlns:a14="http://schemas.microsoft.com/office/drawing/2010/main">
+        <mc:Choice Requires="a14">
           <p:sp>
             <p:nvSpPr>
               <p:cNvPr id="51" name="文本框 50">
@@ -29500,7 +29728,7 @@
             </p:txBody>
           </p:sp>
         </mc:Choice>
-        <mc:Fallback>
+        <mc:Fallback xmlns="">
           <p:sp>
             <p:nvSpPr>
               <p:cNvPr id="51" name="文本框 50">
@@ -29704,8 +29932,8 @@
           </a:p>
         </p:txBody>
       </p:sp>
-      <mc:AlternateContent xmlns:mc="http://schemas.openxmlformats.org/markup-compatibility/2006">
-        <mc:Choice xmlns:a14="http://schemas.microsoft.com/office/drawing/2010/main" Requires="a14">
+      <mc:AlternateContent xmlns:mc="http://schemas.openxmlformats.org/markup-compatibility/2006" xmlns:a14="http://schemas.microsoft.com/office/drawing/2010/main">
+        <mc:Choice Requires="a14">
           <p:sp>
             <p:nvSpPr>
               <p:cNvPr id="96" name="文本框 95">
@@ -29734,6 +29962,7 @@
               </a:bodyPr>
               <a:lstStyle/>
               <a:p>
+                <a:pPr/>
                 <a14:m>
                   <m:oMathPara xmlns:m="http://schemas.openxmlformats.org/officeDocument/2006/math">
                     <m:oMathParaPr>
@@ -29793,7 +30022,7 @@
             </p:txBody>
           </p:sp>
         </mc:Choice>
-        <mc:Fallback>
+        <mc:Fallback xmlns="">
           <p:sp>
             <p:nvSpPr>
               <p:cNvPr id="96" name="文本框 95">
@@ -29937,8 +30166,8 @@
           </a:fontRef>
         </p:style>
       </p:cxnSp>
-      <mc:AlternateContent xmlns:mc="http://schemas.openxmlformats.org/markup-compatibility/2006">
-        <mc:Choice xmlns:a14="http://schemas.microsoft.com/office/drawing/2010/main" Requires="a14">
+      <mc:AlternateContent xmlns:mc="http://schemas.openxmlformats.org/markup-compatibility/2006" xmlns:a14="http://schemas.microsoft.com/office/drawing/2010/main">
+        <mc:Choice Requires="a14">
           <p:sp>
             <p:nvSpPr>
               <p:cNvPr id="99" name="文本框 98">
@@ -30007,7 +30236,7 @@
             </p:txBody>
           </p:sp>
         </mc:Choice>
-        <mc:Fallback>
+        <mc:Fallback xmlns="">
           <p:sp>
             <p:nvSpPr>
               <p:cNvPr id="99" name="文本框 98">
@@ -30164,8 +30393,8 @@
           </a:p>
         </p:txBody>
       </p:sp>
-      <mc:AlternateContent xmlns:mc="http://schemas.openxmlformats.org/markup-compatibility/2006">
-        <mc:Choice xmlns:a14="http://schemas.microsoft.com/office/drawing/2010/main" Requires="a14">
+      <mc:AlternateContent xmlns:mc="http://schemas.openxmlformats.org/markup-compatibility/2006" xmlns:a14="http://schemas.microsoft.com/office/drawing/2010/main">
+        <mc:Choice Requires="a14">
           <p:sp>
             <p:nvSpPr>
               <p:cNvPr id="103" name="文本框 102">
@@ -30194,6 +30423,7 @@
               </a:bodyPr>
               <a:lstStyle/>
               <a:p>
+                <a:pPr/>
                 <a14:m>
                   <m:oMathPara xmlns:m="http://schemas.openxmlformats.org/officeDocument/2006/math">
                     <m:oMathParaPr>
@@ -30253,7 +30483,7 @@
             </p:txBody>
           </p:sp>
         </mc:Choice>
-        <mc:Fallback>
+        <mc:Fallback xmlns="">
           <p:sp>
             <p:nvSpPr>
               <p:cNvPr id="103" name="文本框 102">
@@ -30401,8 +30631,8 @@
           </a:fontRef>
         </p:style>
       </p:cxnSp>
-      <mc:AlternateContent xmlns:mc="http://schemas.openxmlformats.org/markup-compatibility/2006">
-        <mc:Choice xmlns:a14="http://schemas.microsoft.com/office/drawing/2010/main" Requires="a14">
+      <mc:AlternateContent xmlns:mc="http://schemas.openxmlformats.org/markup-compatibility/2006" xmlns:a14="http://schemas.microsoft.com/office/drawing/2010/main">
+        <mc:Choice Requires="a14">
           <p:sp>
             <p:nvSpPr>
               <p:cNvPr id="106" name="文本框 105">
@@ -30471,7 +30701,7 @@
             </p:txBody>
           </p:sp>
         </mc:Choice>
-        <mc:Fallback>
+        <mc:Fallback xmlns="">
           <p:sp>
             <p:nvSpPr>
               <p:cNvPr id="106" name="文本框 105">
@@ -30516,8 +30746,8 @@
           </p:sp>
         </mc:Fallback>
       </mc:AlternateContent>
-      <mc:AlternateContent xmlns:mc="http://schemas.openxmlformats.org/markup-compatibility/2006">
-        <mc:Choice xmlns:a14="http://schemas.microsoft.com/office/drawing/2010/main" Requires="a14">
+      <mc:AlternateContent xmlns:mc="http://schemas.openxmlformats.org/markup-compatibility/2006" xmlns:a14="http://schemas.microsoft.com/office/drawing/2010/main">
+        <mc:Choice Requires="a14">
           <p:sp>
             <p:nvSpPr>
               <p:cNvPr id="27" name="文本框 26">
@@ -30586,7 +30816,7 @@
             </p:txBody>
           </p:sp>
         </mc:Choice>
-        <mc:Fallback>
+        <mc:Fallback xmlns="">
           <p:sp>
             <p:nvSpPr>
               <p:cNvPr id="27" name="文本框 26">
@@ -30631,8 +30861,8 @@
           </p:sp>
         </mc:Fallback>
       </mc:AlternateContent>
-      <mc:AlternateContent xmlns:mc="http://schemas.openxmlformats.org/markup-compatibility/2006">
-        <mc:Choice xmlns:a14="http://schemas.microsoft.com/office/drawing/2010/main" Requires="a14">
+      <mc:AlternateContent xmlns:mc="http://schemas.openxmlformats.org/markup-compatibility/2006" xmlns:a14="http://schemas.microsoft.com/office/drawing/2010/main">
+        <mc:Choice Requires="a14">
           <p:sp>
             <p:nvSpPr>
               <p:cNvPr id="28" name="文本框 27">
@@ -30704,7 +30934,7 @@
             </p:txBody>
           </p:sp>
         </mc:Choice>
-        <mc:Fallback>
+        <mc:Fallback xmlns="">
           <p:sp>
             <p:nvSpPr>
               <p:cNvPr id="28" name="文本框 27">
@@ -30836,8 +31066,8 @@
           </a:p>
         </p:txBody>
       </p:sp>
-      <mc:AlternateContent xmlns:mc="http://schemas.openxmlformats.org/markup-compatibility/2006">
-        <mc:Choice xmlns:a14="http://schemas.microsoft.com/office/drawing/2010/main" Requires="a14">
+      <mc:AlternateContent xmlns:mc="http://schemas.openxmlformats.org/markup-compatibility/2006" xmlns:a14="http://schemas.microsoft.com/office/drawing/2010/main">
+        <mc:Choice Requires="a14">
           <p:sp>
             <p:nvSpPr>
               <p:cNvPr id="3" name="文本框 2">
@@ -30906,7 +31136,7 @@
             </p:txBody>
           </p:sp>
         </mc:Choice>
-        <mc:Fallback>
+        <mc:Fallback xmlns="">
           <p:sp>
             <p:nvSpPr>
               <p:cNvPr id="3" name="文本框 2">
@@ -31005,8 +31235,8 @@
           </a:p>
         </p:txBody>
       </p:sp>
-      <mc:AlternateContent xmlns:mc="http://schemas.openxmlformats.org/markup-compatibility/2006">
-        <mc:Choice xmlns:a14="http://schemas.microsoft.com/office/drawing/2010/main" Requires="a14">
+      <mc:AlternateContent xmlns:mc="http://schemas.openxmlformats.org/markup-compatibility/2006" xmlns:a14="http://schemas.microsoft.com/office/drawing/2010/main">
+        <mc:Choice Requires="a14">
           <p:sp>
             <p:nvSpPr>
               <p:cNvPr id="5" name="文本框 4">
@@ -31075,7 +31305,7 @@
             </p:txBody>
           </p:sp>
         </mc:Choice>
-        <mc:Fallback>
+        <mc:Fallback xmlns="">
           <p:sp>
             <p:nvSpPr>
               <p:cNvPr id="5" name="文本框 4">
@@ -31174,8 +31404,8 @@
           </a:p>
         </p:txBody>
       </p:sp>
-      <mc:AlternateContent xmlns:mc="http://schemas.openxmlformats.org/markup-compatibility/2006">
-        <mc:Choice xmlns:a14="http://schemas.microsoft.com/office/drawing/2010/main" Requires="a14">
+      <mc:AlternateContent xmlns:mc="http://schemas.openxmlformats.org/markup-compatibility/2006" xmlns:a14="http://schemas.microsoft.com/office/drawing/2010/main">
+        <mc:Choice Requires="a14">
           <p:sp>
             <p:nvSpPr>
               <p:cNvPr id="11" name="文本框 10">
@@ -31244,7 +31474,7 @@
             </p:txBody>
           </p:sp>
         </mc:Choice>
-        <mc:Fallback>
+        <mc:Fallback xmlns="">
           <p:sp>
             <p:nvSpPr>
               <p:cNvPr id="11" name="文本框 10">
@@ -31343,8 +31573,8 @@
           </a:p>
         </p:txBody>
       </p:sp>
-      <mc:AlternateContent xmlns:mc="http://schemas.openxmlformats.org/markup-compatibility/2006">
-        <mc:Choice xmlns:a14="http://schemas.microsoft.com/office/drawing/2010/main" Requires="a14">
+      <mc:AlternateContent xmlns:mc="http://schemas.openxmlformats.org/markup-compatibility/2006" xmlns:a14="http://schemas.microsoft.com/office/drawing/2010/main">
+        <mc:Choice Requires="a14">
           <p:sp>
             <p:nvSpPr>
               <p:cNvPr id="13" name="文本框 12">
@@ -31416,7 +31646,7 @@
             </p:txBody>
           </p:sp>
         </mc:Choice>
-        <mc:Fallback>
+        <mc:Fallback xmlns="">
           <p:sp>
             <p:nvSpPr>
               <p:cNvPr id="13" name="文本框 12">
@@ -31518,8 +31748,8 @@
           </a:p>
         </p:txBody>
       </p:sp>
-      <mc:AlternateContent xmlns:mc="http://schemas.openxmlformats.org/markup-compatibility/2006">
-        <mc:Choice xmlns:a14="http://schemas.microsoft.com/office/drawing/2010/main" Requires="a14">
+      <mc:AlternateContent xmlns:mc="http://schemas.openxmlformats.org/markup-compatibility/2006" xmlns:a14="http://schemas.microsoft.com/office/drawing/2010/main">
+        <mc:Choice Requires="a14">
           <p:sp>
             <p:nvSpPr>
               <p:cNvPr id="15" name="文本框 14">
@@ -31588,7 +31818,7 @@
             </p:txBody>
           </p:sp>
         </mc:Choice>
-        <mc:Fallback>
+        <mc:Fallback xmlns="">
           <p:sp>
             <p:nvSpPr>
               <p:cNvPr id="15" name="文本框 14">
@@ -32189,8 +32419,8 @@
           </a:fontRef>
         </p:style>
       </p:cxnSp>
-      <mc:AlternateContent xmlns:mc="http://schemas.openxmlformats.org/markup-compatibility/2006">
-        <mc:Choice xmlns:a14="http://schemas.microsoft.com/office/drawing/2010/main" Requires="a14">
+      <mc:AlternateContent xmlns:mc="http://schemas.openxmlformats.org/markup-compatibility/2006" xmlns:a14="http://schemas.microsoft.com/office/drawing/2010/main">
+        <mc:Choice Requires="a14">
           <p:sp>
             <p:nvSpPr>
               <p:cNvPr id="66" name="文本框 65">
@@ -32259,7 +32489,7 @@
             </p:txBody>
           </p:sp>
         </mc:Choice>
-        <mc:Fallback>
+        <mc:Fallback xmlns="">
           <p:sp>
             <p:nvSpPr>
               <p:cNvPr id="66" name="文本框 65">
@@ -32308,6 +32538,5558 @@
     <p:extLst>
       <p:ext uri="{BB962C8B-B14F-4D97-AF65-F5344CB8AC3E}">
         <p14:creationId xmlns:p14="http://schemas.microsoft.com/office/powerpoint/2010/main" val="1190694493"/>
+      </p:ext>
+    </p:extLst>
+  </p:cSld>
+  <p:clrMapOvr>
+    <a:masterClrMapping/>
+  </p:clrMapOvr>
+</p:sld>
+</file>
+
+<file path=ppt/slides/slide8.xml><?xml version="1.0" encoding="utf-8"?>
+<p:sld xmlns:a="http://schemas.openxmlformats.org/drawingml/2006/main" xmlns:r="http://schemas.openxmlformats.org/officeDocument/2006/relationships" xmlns:p="http://schemas.openxmlformats.org/presentationml/2006/main">
+  <p:cSld>
+    <p:spTree>
+      <p:nvGrpSpPr>
+        <p:cNvPr id="1" name=""/>
+        <p:cNvGrpSpPr/>
+        <p:nvPr/>
+      </p:nvGrpSpPr>
+      <p:grpSpPr>
+        <a:xfrm>
+          <a:off x="0" y="0"/>
+          <a:ext cx="0" cy="0"/>
+          <a:chOff x="0" y="0"/>
+          <a:chExt cx="0" cy="0"/>
+        </a:xfrm>
+      </p:grpSpPr>
+      <p:sp>
+        <p:nvSpPr>
+          <p:cNvPr id="55" name="椭圆 54">
+            <a:extLst>
+              <a:ext uri="{FF2B5EF4-FFF2-40B4-BE49-F238E27FC236}">
+                <a16:creationId xmlns:a16="http://schemas.microsoft.com/office/drawing/2014/main" id="{BA0B476A-9A8A-478E-B864-DB50E7C75C4F}"/>
+              </a:ext>
+            </a:extLst>
+          </p:cNvPr>
+          <p:cNvSpPr/>
+          <p:nvPr/>
+        </p:nvSpPr>
+        <p:spPr>
+          <a:xfrm>
+            <a:off x="6073360" y="4803195"/>
+            <a:ext cx="168118" cy="168118"/>
+          </a:xfrm>
+          <a:prstGeom prst="ellipse">
+            <a:avLst/>
+          </a:prstGeom>
+          <a:solidFill>
+            <a:schemeClr val="bg1"/>
+          </a:solidFill>
+          <a:ln>
+            <a:solidFill>
+              <a:schemeClr val="tx1"/>
+            </a:solidFill>
+          </a:ln>
+        </p:spPr>
+        <p:style>
+          <a:lnRef idx="2">
+            <a:schemeClr val="accent1">
+              <a:shade val="50000"/>
+            </a:schemeClr>
+          </a:lnRef>
+          <a:fillRef idx="1">
+            <a:schemeClr val="accent1"/>
+          </a:fillRef>
+          <a:effectRef idx="0">
+            <a:schemeClr val="accent1"/>
+          </a:effectRef>
+          <a:fontRef idx="minor">
+            <a:schemeClr val="lt1"/>
+          </a:fontRef>
+        </p:style>
+        <p:txBody>
+          <a:bodyPr rtlCol="0" anchor="ctr"/>
+          <a:lstStyle/>
+          <a:p>
+            <a:pPr algn="ctr"/>
+            <a:endParaRPr lang="zh-CN" altLang="en-US"/>
+          </a:p>
+        </p:txBody>
+      </p:sp>
+      <mc:AlternateContent xmlns:mc="http://schemas.openxmlformats.org/markup-compatibility/2006">
+        <mc:Choice xmlns:a14="http://schemas.microsoft.com/office/drawing/2010/main" Requires="a14">
+          <p:sp>
+            <p:nvSpPr>
+              <p:cNvPr id="65" name="文本框 64">
+                <a:extLst>
+                  <a:ext uri="{FF2B5EF4-FFF2-40B4-BE49-F238E27FC236}">
+                    <a16:creationId xmlns:a16="http://schemas.microsoft.com/office/drawing/2014/main" id="{E7F71E83-C2A1-4E5B-B601-232EBE8E07DD}"/>
+                  </a:ext>
+                </a:extLst>
+              </p:cNvPr>
+              <p:cNvSpPr txBox="1"/>
+              <p:nvPr/>
+            </p:nvSpPr>
+            <p:spPr>
+              <a:xfrm>
+                <a:off x="5956053" y="4844347"/>
+                <a:ext cx="396876" cy="76944"/>
+              </a:xfrm>
+              <a:prstGeom prst="rect">
+                <a:avLst/>
+              </a:prstGeom>
+              <a:noFill/>
+            </p:spPr>
+            <p:txBody>
+              <a:bodyPr wrap="square" lIns="0" tIns="0" rIns="0" bIns="0" rtlCol="0">
+                <a:spAutoFit/>
+              </a:bodyPr>
+              <a:lstStyle/>
+              <a:p>
+                <a14:m>
+                  <m:oMathPara xmlns:m="http://schemas.openxmlformats.org/officeDocument/2006/math">
+                    <m:oMathParaPr>
+                      <m:jc m:val="centerGroup"/>
+                    </m:oMathParaPr>
+                    <m:oMath xmlns:m="http://schemas.openxmlformats.org/officeDocument/2006/math">
+                      <m:r>
+                        <a:rPr lang="en-US" altLang="zh-CN" sz="500" i="1" smtClean="0">
+                          <a:latin typeface="Cambria Math" panose="02040503050406030204" pitchFamily="18" charset="0"/>
+                          <a:ea typeface="Cambria Math" panose="02040503050406030204" pitchFamily="18" charset="0"/>
+                        </a:rPr>
+                        <m:t>×</m:t>
+                      </m:r>
+                    </m:oMath>
+                  </m:oMathPara>
+                </a14:m>
+                <a:endParaRPr lang="zh-CN" altLang="en-US" sz="1400" dirty="0"/>
+              </a:p>
+            </p:txBody>
+          </p:sp>
+        </mc:Choice>
+        <mc:Fallback>
+          <p:sp>
+            <p:nvSpPr>
+              <p:cNvPr id="65" name="文本框 64">
+                <a:extLst>
+                  <a:ext uri="{FF2B5EF4-FFF2-40B4-BE49-F238E27FC236}">
+                    <a16:creationId xmlns:a16="http://schemas.microsoft.com/office/drawing/2014/main" id="{E7F71E83-C2A1-4E5B-B601-232EBE8E07DD}"/>
+                  </a:ext>
+                </a:extLst>
+              </p:cNvPr>
+              <p:cNvSpPr txBox="1">
+                <a:spLocks noRot="1" noChangeAspect="1" noMove="1" noResize="1" noEditPoints="1" noAdjustHandles="1" noChangeArrowheads="1" noChangeShapeType="1" noTextEdit="1"/>
+              </p:cNvSpPr>
+              <p:nvPr/>
+            </p:nvSpPr>
+            <p:spPr>
+              <a:xfrm>
+                <a:off x="5956053" y="4844347"/>
+                <a:ext cx="396876" cy="76944"/>
+              </a:xfrm>
+              <a:prstGeom prst="rect">
+                <a:avLst/>
+              </a:prstGeom>
+              <a:blipFill>
+                <a:blip r:embed="rId3"/>
+                <a:stretch>
+                  <a:fillRect b="-8333"/>
+                </a:stretch>
+              </a:blipFill>
+            </p:spPr>
+            <p:txBody>
+              <a:bodyPr/>
+              <a:lstStyle/>
+              <a:p>
+                <a:r>
+                  <a:rPr lang="zh-CN" altLang="en-US">
+                    <a:noFill/>
+                  </a:rPr>
+                  <a:t> </a:t>
+                </a:r>
+              </a:p>
+            </p:txBody>
+          </p:sp>
+        </mc:Fallback>
+      </mc:AlternateContent>
+      <p:pic>
+        <p:nvPicPr>
+          <p:cNvPr id="1028" name="Picture 4">
+            <a:extLst>
+              <a:ext uri="{FF2B5EF4-FFF2-40B4-BE49-F238E27FC236}">
+                <a16:creationId xmlns:a16="http://schemas.microsoft.com/office/drawing/2014/main" id="{7AEC126B-D02E-44BC-9F0B-F753233D2414}"/>
+              </a:ext>
+            </a:extLst>
+          </p:cNvPr>
+          <p:cNvPicPr>
+            <a:picLocks noChangeAspect="1" noChangeArrowheads="1"/>
+          </p:cNvPicPr>
+          <p:nvPr/>
+        </p:nvPicPr>
+        <p:blipFill>
+          <a:blip r:embed="rId4">
+            <a:extLst>
+              <a:ext uri="{28A0092B-C50C-407E-A947-70E740481C1C}">
+                <a14:useLocalDpi xmlns:a14="http://schemas.microsoft.com/office/drawing/2010/main" val="0"/>
+              </a:ext>
+            </a:extLst>
+          </a:blip>
+          <a:srcRect/>
+          <a:stretch>
+            <a:fillRect/>
+          </a:stretch>
+        </p:blipFill>
+        <p:spPr bwMode="auto">
+          <a:xfrm>
+            <a:off x="5357352" y="4262900"/>
+            <a:ext cx="255852" cy="255852"/>
+          </a:xfrm>
+          <a:prstGeom prst="rect">
+            <a:avLst/>
+          </a:prstGeom>
+          <a:noFill/>
+          <a:extLst>
+            <a:ext uri="{909E8E84-426E-40DD-AFC4-6F175D3DCCD1}">
+              <a14:hiddenFill xmlns:a14="http://schemas.microsoft.com/office/drawing/2010/main">
+                <a:solidFill>
+                  <a:srgbClr val="FFFFFF"/>
+                </a:solidFill>
+              </a14:hiddenFill>
+            </a:ext>
+          </a:extLst>
+        </p:spPr>
+      </p:pic>
+      <p:sp>
+        <p:nvSpPr>
+          <p:cNvPr id="2" name="椭圆 1">
+            <a:extLst>
+              <a:ext uri="{FF2B5EF4-FFF2-40B4-BE49-F238E27FC236}">
+                <a16:creationId xmlns:a16="http://schemas.microsoft.com/office/drawing/2014/main" id="{C479C399-DBA9-440D-B5ED-49495A5E8DC0}"/>
+              </a:ext>
+            </a:extLst>
+          </p:cNvPr>
+          <p:cNvSpPr/>
+          <p:nvPr/>
+        </p:nvSpPr>
+        <p:spPr>
+          <a:xfrm>
+            <a:off x="2955510" y="3893269"/>
+            <a:ext cx="168118" cy="168118"/>
+          </a:xfrm>
+          <a:prstGeom prst="ellipse">
+            <a:avLst/>
+          </a:prstGeom>
+          <a:solidFill>
+            <a:schemeClr val="bg1"/>
+          </a:solidFill>
+          <a:ln>
+            <a:solidFill>
+              <a:schemeClr val="tx1"/>
+            </a:solidFill>
+          </a:ln>
+        </p:spPr>
+        <p:style>
+          <a:lnRef idx="2">
+            <a:schemeClr val="accent1">
+              <a:shade val="50000"/>
+            </a:schemeClr>
+          </a:lnRef>
+          <a:fillRef idx="1">
+            <a:schemeClr val="accent1"/>
+          </a:fillRef>
+          <a:effectRef idx="0">
+            <a:schemeClr val="accent1"/>
+          </a:effectRef>
+          <a:fontRef idx="minor">
+            <a:schemeClr val="lt1"/>
+          </a:fontRef>
+        </p:style>
+        <p:txBody>
+          <a:bodyPr rtlCol="0" anchor="ctr"/>
+          <a:lstStyle/>
+          <a:p>
+            <a:pPr algn="ctr"/>
+            <a:endParaRPr lang="zh-CN" altLang="en-US"/>
+          </a:p>
+        </p:txBody>
+      </p:sp>
+      <p:pic>
+        <p:nvPicPr>
+          <p:cNvPr id="4" name="图片 3" descr="图片包含 游戏机, 画, 食物&#10;&#10;描述已自动生成">
+            <a:extLst>
+              <a:ext uri="{FF2B5EF4-FFF2-40B4-BE49-F238E27FC236}">
+                <a16:creationId xmlns:a16="http://schemas.microsoft.com/office/drawing/2014/main" id="{AAD9FF99-6D01-4098-A627-8C36E613D97B}"/>
+              </a:ext>
+            </a:extLst>
+          </p:cNvPr>
+          <p:cNvPicPr>
+            <a:picLocks noChangeAspect="1"/>
+          </p:cNvPicPr>
+          <p:nvPr/>
+        </p:nvPicPr>
+        <p:blipFill>
+          <a:blip r:embed="rId5">
+            <a:extLst>
+              <a:ext uri="{28A0092B-C50C-407E-A947-70E740481C1C}">
+                <a14:useLocalDpi xmlns:a14="http://schemas.microsoft.com/office/drawing/2010/main" val="0"/>
+              </a:ext>
+            </a:extLst>
+          </a:blip>
+          <a:stretch>
+            <a:fillRect/>
+          </a:stretch>
+        </p:blipFill>
+        <p:spPr>
+          <a:xfrm>
+            <a:off x="2275418" y="3850189"/>
+            <a:ext cx="198966" cy="254279"/>
+          </a:xfrm>
+          <a:prstGeom prst="rect">
+            <a:avLst/>
+          </a:prstGeom>
+        </p:spPr>
+      </p:pic>
+      <p:cxnSp>
+        <p:nvCxnSpPr>
+          <p:cNvPr id="6" name="直接箭头连接符 5">
+            <a:extLst>
+              <a:ext uri="{FF2B5EF4-FFF2-40B4-BE49-F238E27FC236}">
+                <a16:creationId xmlns:a16="http://schemas.microsoft.com/office/drawing/2014/main" id="{CB8A8398-0EC7-48BF-BE4E-1161DCB7FD2B}"/>
+              </a:ext>
+            </a:extLst>
+          </p:cNvPr>
+          <p:cNvCxnSpPr>
+            <a:cxnSpLocks/>
+            <a:stCxn id="4" idx="3"/>
+            <a:endCxn id="2" idx="2"/>
+          </p:cNvCxnSpPr>
+          <p:nvPr/>
+        </p:nvCxnSpPr>
+        <p:spPr>
+          <a:xfrm flipV="1">
+            <a:off x="2474384" y="3977328"/>
+            <a:ext cx="481126" cy="1"/>
+          </a:xfrm>
+          <a:prstGeom prst="straightConnector1">
+            <a:avLst/>
+          </a:prstGeom>
+          <a:ln w="9525" cap="flat" cmpd="sng" algn="ctr">
+            <a:solidFill>
+              <a:schemeClr val="accent3"/>
+            </a:solidFill>
+            <a:prstDash val="solid"/>
+            <a:round/>
+            <a:headEnd type="none" w="med" len="med"/>
+            <a:tailEnd type="arrow" w="med" len="med"/>
+          </a:ln>
+        </p:spPr>
+        <p:style>
+          <a:lnRef idx="0">
+            <a:scrgbClr r="0" g="0" b="0"/>
+          </a:lnRef>
+          <a:fillRef idx="0">
+            <a:scrgbClr r="0" g="0" b="0"/>
+          </a:fillRef>
+          <a:effectRef idx="0">
+            <a:scrgbClr r="0" g="0" b="0"/>
+          </a:effectRef>
+          <a:fontRef idx="minor">
+            <a:schemeClr val="tx1"/>
+          </a:fontRef>
+        </p:style>
+      </p:cxnSp>
+      <p:sp>
+        <p:nvSpPr>
+          <p:cNvPr id="8" name="椭圆 7">
+            <a:extLst>
+              <a:ext uri="{FF2B5EF4-FFF2-40B4-BE49-F238E27FC236}">
+                <a16:creationId xmlns:a16="http://schemas.microsoft.com/office/drawing/2014/main" id="{3D02CFEA-819E-45E5-8FF4-C417F530C1AA}"/>
+              </a:ext>
+            </a:extLst>
+          </p:cNvPr>
+          <p:cNvSpPr/>
+          <p:nvPr/>
+        </p:nvSpPr>
+        <p:spPr>
+          <a:xfrm>
+            <a:off x="3604754" y="3893269"/>
+            <a:ext cx="168118" cy="168118"/>
+          </a:xfrm>
+          <a:prstGeom prst="ellipse">
+            <a:avLst/>
+          </a:prstGeom>
+          <a:solidFill>
+            <a:schemeClr val="bg1"/>
+          </a:solidFill>
+          <a:ln>
+            <a:solidFill>
+              <a:schemeClr val="tx1"/>
+            </a:solidFill>
+          </a:ln>
+        </p:spPr>
+        <p:style>
+          <a:lnRef idx="2">
+            <a:schemeClr val="accent1">
+              <a:shade val="50000"/>
+            </a:schemeClr>
+          </a:lnRef>
+          <a:fillRef idx="1">
+            <a:schemeClr val="accent1"/>
+          </a:fillRef>
+          <a:effectRef idx="0">
+            <a:schemeClr val="accent1"/>
+          </a:effectRef>
+          <a:fontRef idx="minor">
+            <a:schemeClr val="lt1"/>
+          </a:fontRef>
+        </p:style>
+        <p:txBody>
+          <a:bodyPr rtlCol="0" anchor="ctr"/>
+          <a:lstStyle/>
+          <a:p>
+            <a:pPr algn="ctr"/>
+            <a:endParaRPr lang="zh-CN" altLang="en-US"/>
+          </a:p>
+        </p:txBody>
+      </p:sp>
+      <p:cxnSp>
+        <p:nvCxnSpPr>
+          <p:cNvPr id="10" name="直接箭头连接符 9">
+            <a:extLst>
+              <a:ext uri="{FF2B5EF4-FFF2-40B4-BE49-F238E27FC236}">
+                <a16:creationId xmlns:a16="http://schemas.microsoft.com/office/drawing/2014/main" id="{908A610A-4BC0-4E61-A19A-5C6E6CB01394}"/>
+              </a:ext>
+            </a:extLst>
+          </p:cNvPr>
+          <p:cNvCxnSpPr>
+            <a:cxnSpLocks/>
+            <a:stCxn id="2" idx="6"/>
+            <a:endCxn id="8" idx="2"/>
+          </p:cNvCxnSpPr>
+          <p:nvPr/>
+        </p:nvCxnSpPr>
+        <p:spPr>
+          <a:xfrm>
+            <a:off x="3123628" y="3977328"/>
+            <a:ext cx="481126" cy="0"/>
+          </a:xfrm>
+          <a:prstGeom prst="straightConnector1">
+            <a:avLst/>
+          </a:prstGeom>
+          <a:ln w="9525" cap="flat" cmpd="sng" algn="ctr">
+            <a:solidFill>
+              <a:schemeClr val="accent3"/>
+            </a:solidFill>
+            <a:prstDash val="solid"/>
+            <a:round/>
+            <a:headEnd type="none" w="med" len="med"/>
+            <a:tailEnd type="arrow" w="med" len="med"/>
+          </a:ln>
+        </p:spPr>
+        <p:style>
+          <a:lnRef idx="0">
+            <a:scrgbClr r="0" g="0" b="0"/>
+          </a:lnRef>
+          <a:fillRef idx="0">
+            <a:scrgbClr r="0" g="0" b="0"/>
+          </a:fillRef>
+          <a:effectRef idx="0">
+            <a:scrgbClr r="0" g="0" b="0"/>
+          </a:effectRef>
+          <a:fontRef idx="minor">
+            <a:schemeClr val="tx1"/>
+          </a:fontRef>
+        </p:style>
+      </p:cxnSp>
+      <p:cxnSp>
+        <p:nvCxnSpPr>
+          <p:cNvPr id="13" name="直接箭头连接符 12">
+            <a:extLst>
+              <a:ext uri="{FF2B5EF4-FFF2-40B4-BE49-F238E27FC236}">
+                <a16:creationId xmlns:a16="http://schemas.microsoft.com/office/drawing/2014/main" id="{B9CB491A-39EC-4A7F-BAC3-B1E15004359D}"/>
+              </a:ext>
+            </a:extLst>
+          </p:cNvPr>
+          <p:cNvCxnSpPr>
+            <a:cxnSpLocks/>
+            <a:stCxn id="8" idx="6"/>
+          </p:cNvCxnSpPr>
+          <p:nvPr/>
+        </p:nvCxnSpPr>
+        <p:spPr>
+          <a:xfrm>
+            <a:off x="3772872" y="3977328"/>
+            <a:ext cx="481126" cy="0"/>
+          </a:xfrm>
+          <a:prstGeom prst="straightConnector1">
+            <a:avLst/>
+          </a:prstGeom>
+          <a:ln w="9525" cap="flat" cmpd="sng" algn="ctr">
+            <a:solidFill>
+              <a:schemeClr val="accent3"/>
+            </a:solidFill>
+            <a:prstDash val="solid"/>
+            <a:round/>
+            <a:headEnd type="none" w="med" len="med"/>
+            <a:tailEnd type="arrow" w="med" len="med"/>
+          </a:ln>
+        </p:spPr>
+        <p:style>
+          <a:lnRef idx="0">
+            <a:scrgbClr r="0" g="0" b="0"/>
+          </a:lnRef>
+          <a:fillRef idx="0">
+            <a:scrgbClr r="0" g="0" b="0"/>
+          </a:fillRef>
+          <a:effectRef idx="0">
+            <a:scrgbClr r="0" g="0" b="0"/>
+          </a:effectRef>
+          <a:fontRef idx="minor">
+            <a:schemeClr val="tx1"/>
+          </a:fontRef>
+        </p:style>
+      </p:cxnSp>
+      <p:pic>
+        <p:nvPicPr>
+          <p:cNvPr id="1026" name="Picture 2">
+            <a:extLst>
+              <a:ext uri="{FF2B5EF4-FFF2-40B4-BE49-F238E27FC236}">
+                <a16:creationId xmlns:a16="http://schemas.microsoft.com/office/drawing/2014/main" id="{E855D6DB-8E26-4EA8-9F7C-07CBCE3FB4EC}"/>
+              </a:ext>
+            </a:extLst>
+          </p:cNvPr>
+          <p:cNvPicPr>
+            <a:picLocks noChangeAspect="1" noChangeArrowheads="1"/>
+          </p:cNvPicPr>
+          <p:nvPr/>
+        </p:nvPicPr>
+        <p:blipFill>
+          <a:blip r:embed="rId6">
+            <a:extLst>
+              <a:ext uri="{28A0092B-C50C-407E-A947-70E740481C1C}">
+                <a14:useLocalDpi xmlns:a14="http://schemas.microsoft.com/office/drawing/2010/main" val="0"/>
+              </a:ext>
+            </a:extLst>
+          </a:blip>
+          <a:srcRect/>
+          <a:stretch>
+            <a:fillRect/>
+          </a:stretch>
+        </p:blipFill>
+        <p:spPr bwMode="auto">
+          <a:xfrm>
+            <a:off x="4254397" y="3865145"/>
+            <a:ext cx="213783" cy="213783"/>
+          </a:xfrm>
+          <a:prstGeom prst="rect">
+            <a:avLst/>
+          </a:prstGeom>
+          <a:noFill/>
+          <a:extLst>
+            <a:ext uri="{909E8E84-426E-40DD-AFC4-6F175D3DCCD1}">
+              <a14:hiddenFill xmlns:a14="http://schemas.microsoft.com/office/drawing/2010/main">
+                <a:solidFill>
+                  <a:srgbClr val="FFFFFF"/>
+                </a:solidFill>
+              </a14:hiddenFill>
+            </a:ext>
+          </a:extLst>
+        </p:spPr>
+      </p:pic>
+      <p:sp>
+        <p:nvSpPr>
+          <p:cNvPr id="17" name="文本框 16">
+            <a:extLst>
+              <a:ext uri="{FF2B5EF4-FFF2-40B4-BE49-F238E27FC236}">
+                <a16:creationId xmlns:a16="http://schemas.microsoft.com/office/drawing/2014/main" id="{3C75B50F-349E-47B7-BC45-34FACE9B4F44}"/>
+              </a:ext>
+            </a:extLst>
+          </p:cNvPr>
+          <p:cNvSpPr txBox="1"/>
+          <p:nvPr/>
+        </p:nvSpPr>
+        <p:spPr>
+          <a:xfrm>
+            <a:off x="2502023" y="3742467"/>
+            <a:ext cx="351244" cy="215444"/>
+          </a:xfrm>
+          <a:prstGeom prst="rect">
+            <a:avLst/>
+          </a:prstGeom>
+          <a:noFill/>
+        </p:spPr>
+        <p:txBody>
+          <a:bodyPr wrap="square" rtlCol="0">
+            <a:spAutoFit/>
+          </a:bodyPr>
+          <a:lstStyle/>
+          <a:p>
+            <a:r>
+              <a:rPr lang="en-US" altLang="zh-CN" sz="800" dirty="0"/>
+              <a:t>100</a:t>
+            </a:r>
+            <a:endParaRPr lang="zh-CN" altLang="en-US" sz="800" dirty="0"/>
+          </a:p>
+        </p:txBody>
+      </p:sp>
+      <p:sp>
+        <p:nvSpPr>
+          <p:cNvPr id="19" name="文本框 18">
+            <a:extLst>
+              <a:ext uri="{FF2B5EF4-FFF2-40B4-BE49-F238E27FC236}">
+                <a16:creationId xmlns:a16="http://schemas.microsoft.com/office/drawing/2014/main" id="{255F99F3-4641-4B43-A07B-8C0211668EA0}"/>
+              </a:ext>
+            </a:extLst>
+          </p:cNvPr>
+          <p:cNvSpPr txBox="1"/>
+          <p:nvPr/>
+        </p:nvSpPr>
+        <p:spPr>
+          <a:xfrm>
+            <a:off x="3202588" y="3742467"/>
+            <a:ext cx="351244" cy="215444"/>
+          </a:xfrm>
+          <a:prstGeom prst="rect">
+            <a:avLst/>
+          </a:prstGeom>
+          <a:noFill/>
+        </p:spPr>
+        <p:txBody>
+          <a:bodyPr wrap="square" rtlCol="0">
+            <a:spAutoFit/>
+          </a:bodyPr>
+          <a:lstStyle/>
+          <a:p>
+            <a:r>
+              <a:rPr lang="en-US" altLang="zh-CN" sz="800" dirty="0"/>
+              <a:t>200</a:t>
+            </a:r>
+            <a:endParaRPr lang="zh-CN" altLang="en-US" sz="800" dirty="0"/>
+          </a:p>
+        </p:txBody>
+      </p:sp>
+      <p:sp>
+        <p:nvSpPr>
+          <p:cNvPr id="20" name="文本框 19">
+            <a:extLst>
+              <a:ext uri="{FF2B5EF4-FFF2-40B4-BE49-F238E27FC236}">
+                <a16:creationId xmlns:a16="http://schemas.microsoft.com/office/drawing/2014/main" id="{E6C07621-37EA-4A70-AD99-04032D494BE7}"/>
+              </a:ext>
+            </a:extLst>
+          </p:cNvPr>
+          <p:cNvSpPr txBox="1"/>
+          <p:nvPr/>
+        </p:nvSpPr>
+        <p:spPr>
+          <a:xfrm>
+            <a:off x="3840522" y="3742467"/>
+            <a:ext cx="351244" cy="215444"/>
+          </a:xfrm>
+          <a:prstGeom prst="rect">
+            <a:avLst/>
+          </a:prstGeom>
+          <a:noFill/>
+        </p:spPr>
+        <p:txBody>
+          <a:bodyPr wrap="square" rtlCol="0">
+            <a:spAutoFit/>
+          </a:bodyPr>
+          <a:lstStyle/>
+          <a:p>
+            <a:r>
+              <a:rPr lang="en-US" altLang="zh-CN" sz="800" dirty="0"/>
+              <a:t>220</a:t>
+            </a:r>
+            <a:endParaRPr lang="zh-CN" altLang="en-US" sz="800" dirty="0"/>
+          </a:p>
+        </p:txBody>
+      </p:sp>
+      <mc:AlternateContent xmlns:mc="http://schemas.openxmlformats.org/markup-compatibility/2006">
+        <mc:Choice xmlns:a14="http://schemas.microsoft.com/office/drawing/2010/main" Requires="a14">
+          <p:sp>
+            <p:nvSpPr>
+              <p:cNvPr id="21" name="文本框 20">
+                <a:extLst>
+                  <a:ext uri="{FF2B5EF4-FFF2-40B4-BE49-F238E27FC236}">
+                    <a16:creationId xmlns:a16="http://schemas.microsoft.com/office/drawing/2014/main" id="{4252AC0B-11C3-491C-8771-1A0463205F71}"/>
+                  </a:ext>
+                </a:extLst>
+              </p:cNvPr>
+              <p:cNvSpPr txBox="1"/>
+              <p:nvPr/>
+            </p:nvSpPr>
+            <p:spPr>
+              <a:xfrm>
+                <a:off x="2838203" y="3934421"/>
+                <a:ext cx="396876" cy="76944"/>
+              </a:xfrm>
+              <a:prstGeom prst="rect">
+                <a:avLst/>
+              </a:prstGeom>
+              <a:noFill/>
+            </p:spPr>
+            <p:txBody>
+              <a:bodyPr wrap="square" lIns="0" tIns="0" rIns="0" bIns="0" rtlCol="0">
+                <a:spAutoFit/>
+              </a:bodyPr>
+              <a:lstStyle/>
+              <a:p>
+                <a14:m>
+                  <m:oMathPara xmlns:m="http://schemas.openxmlformats.org/officeDocument/2006/math">
+                    <m:oMathParaPr>
+                      <m:jc m:val="centerGroup"/>
+                    </m:oMathParaPr>
+                    <m:oMath xmlns:m="http://schemas.openxmlformats.org/officeDocument/2006/math">
+                      <m:r>
+                        <a:rPr lang="en-US" altLang="zh-CN" sz="500" i="1" smtClean="0">
+                          <a:latin typeface="Cambria Math" panose="02040503050406030204" pitchFamily="18" charset="0"/>
+                          <a:ea typeface="Cambria Math" panose="02040503050406030204" pitchFamily="18" charset="0"/>
+                        </a:rPr>
+                        <m:t>×</m:t>
+                      </m:r>
+                      <m:r>
+                        <a:rPr lang="en-US" altLang="zh-CN" sz="500" b="0" i="1" smtClean="0">
+                          <a:latin typeface="Cambria Math" panose="02040503050406030204" pitchFamily="18" charset="0"/>
+                          <a:ea typeface="Cambria Math" panose="02040503050406030204" pitchFamily="18" charset="0"/>
+                        </a:rPr>
+                        <m:t>2</m:t>
+                      </m:r>
+                    </m:oMath>
+                  </m:oMathPara>
+                </a14:m>
+                <a:endParaRPr lang="zh-CN" altLang="en-US" sz="1400" dirty="0"/>
+              </a:p>
+            </p:txBody>
+          </p:sp>
+        </mc:Choice>
+        <mc:Fallback>
+          <p:sp>
+            <p:nvSpPr>
+              <p:cNvPr id="21" name="文本框 20">
+                <a:extLst>
+                  <a:ext uri="{FF2B5EF4-FFF2-40B4-BE49-F238E27FC236}">
+                    <a16:creationId xmlns:a16="http://schemas.microsoft.com/office/drawing/2014/main" id="{4252AC0B-11C3-491C-8771-1A0463205F71}"/>
+                  </a:ext>
+                </a:extLst>
+              </p:cNvPr>
+              <p:cNvSpPr txBox="1">
+                <a:spLocks noRot="1" noChangeAspect="1" noMove="1" noResize="1" noEditPoints="1" noAdjustHandles="1" noChangeArrowheads="1" noChangeShapeType="1" noTextEdit="1"/>
+              </p:cNvSpPr>
+              <p:nvPr/>
+            </p:nvSpPr>
+            <p:spPr>
+              <a:xfrm>
+                <a:off x="2838203" y="3934421"/>
+                <a:ext cx="396876" cy="76944"/>
+              </a:xfrm>
+              <a:prstGeom prst="rect">
+                <a:avLst/>
+              </a:prstGeom>
+              <a:blipFill>
+                <a:blip r:embed="rId7"/>
+                <a:stretch>
+                  <a:fillRect b="-7692"/>
+                </a:stretch>
+              </a:blipFill>
+            </p:spPr>
+            <p:txBody>
+              <a:bodyPr/>
+              <a:lstStyle/>
+              <a:p>
+                <a:r>
+                  <a:rPr lang="zh-CN" altLang="en-US">
+                    <a:noFill/>
+                  </a:rPr>
+                  <a:t> </a:t>
+                </a:r>
+              </a:p>
+            </p:txBody>
+          </p:sp>
+        </mc:Fallback>
+      </mc:AlternateContent>
+      <mc:AlternateContent xmlns:mc="http://schemas.openxmlformats.org/markup-compatibility/2006">
+        <mc:Choice xmlns:a14="http://schemas.microsoft.com/office/drawing/2010/main" Requires="a14">
+          <p:sp>
+            <p:nvSpPr>
+              <p:cNvPr id="23" name="文本框 22">
+                <a:extLst>
+                  <a:ext uri="{FF2B5EF4-FFF2-40B4-BE49-F238E27FC236}">
+                    <a16:creationId xmlns:a16="http://schemas.microsoft.com/office/drawing/2014/main" id="{4B5BBD49-A980-4C09-980E-6B29A1DB4780}"/>
+                  </a:ext>
+                </a:extLst>
+              </p:cNvPr>
+              <p:cNvSpPr txBox="1"/>
+              <p:nvPr/>
+            </p:nvSpPr>
+            <p:spPr>
+              <a:xfrm>
+                <a:off x="3490375" y="3933564"/>
+                <a:ext cx="396876" cy="76944"/>
+              </a:xfrm>
+              <a:prstGeom prst="rect">
+                <a:avLst/>
+              </a:prstGeom>
+              <a:noFill/>
+            </p:spPr>
+            <p:txBody>
+              <a:bodyPr wrap="square" lIns="0" tIns="0" rIns="0" bIns="0" rtlCol="0">
+                <a:spAutoFit/>
+              </a:bodyPr>
+              <a:lstStyle/>
+              <a:p>
+                <a14:m>
+                  <m:oMathPara xmlns:m="http://schemas.openxmlformats.org/officeDocument/2006/math">
+                    <m:oMathParaPr>
+                      <m:jc m:val="centerGroup"/>
+                    </m:oMathParaPr>
+                    <m:oMath xmlns:m="http://schemas.openxmlformats.org/officeDocument/2006/math">
+                      <m:r>
+                        <a:rPr lang="en-US" altLang="zh-CN" sz="500" i="1" smtClean="0">
+                          <a:latin typeface="Cambria Math" panose="02040503050406030204" pitchFamily="18" charset="0"/>
+                          <a:ea typeface="Cambria Math" panose="02040503050406030204" pitchFamily="18" charset="0"/>
+                        </a:rPr>
+                        <m:t>×</m:t>
+                      </m:r>
+                      <m:r>
+                        <a:rPr lang="en-US" altLang="zh-CN" sz="500" b="0" i="1" smtClean="0">
+                          <a:latin typeface="Cambria Math" panose="02040503050406030204" pitchFamily="18" charset="0"/>
+                          <a:ea typeface="Cambria Math" panose="02040503050406030204" pitchFamily="18" charset="0"/>
+                        </a:rPr>
+                        <m:t>1.1</m:t>
+                      </m:r>
+                    </m:oMath>
+                  </m:oMathPara>
+                </a14:m>
+                <a:endParaRPr lang="zh-CN" altLang="en-US" sz="1200" dirty="0"/>
+              </a:p>
+            </p:txBody>
+          </p:sp>
+        </mc:Choice>
+        <mc:Fallback>
+          <p:sp>
+            <p:nvSpPr>
+              <p:cNvPr id="23" name="文本框 22">
+                <a:extLst>
+                  <a:ext uri="{FF2B5EF4-FFF2-40B4-BE49-F238E27FC236}">
+                    <a16:creationId xmlns:a16="http://schemas.microsoft.com/office/drawing/2014/main" id="{4B5BBD49-A980-4C09-980E-6B29A1DB4780}"/>
+                  </a:ext>
+                </a:extLst>
+              </p:cNvPr>
+              <p:cNvSpPr txBox="1">
+                <a:spLocks noRot="1" noChangeAspect="1" noMove="1" noResize="1" noEditPoints="1" noAdjustHandles="1" noChangeArrowheads="1" noChangeShapeType="1" noTextEdit="1"/>
+              </p:cNvSpPr>
+              <p:nvPr/>
+            </p:nvSpPr>
+            <p:spPr>
+              <a:xfrm>
+                <a:off x="3490375" y="3933564"/>
+                <a:ext cx="396876" cy="76944"/>
+              </a:xfrm>
+              <a:prstGeom prst="rect">
+                <a:avLst/>
+              </a:prstGeom>
+              <a:blipFill>
+                <a:blip r:embed="rId8"/>
+                <a:stretch>
+                  <a:fillRect b="-7692"/>
+                </a:stretch>
+              </a:blipFill>
+            </p:spPr>
+            <p:txBody>
+              <a:bodyPr/>
+              <a:lstStyle/>
+              <a:p>
+                <a:r>
+                  <a:rPr lang="zh-CN" altLang="en-US">
+                    <a:noFill/>
+                  </a:rPr>
+                  <a:t> </a:t>
+                </a:r>
+              </a:p>
+            </p:txBody>
+          </p:sp>
+        </mc:Fallback>
+      </mc:AlternateContent>
+      <p:sp>
+        <p:nvSpPr>
+          <p:cNvPr id="24" name="椭圆 23">
+            <a:extLst>
+              <a:ext uri="{FF2B5EF4-FFF2-40B4-BE49-F238E27FC236}">
+                <a16:creationId xmlns:a16="http://schemas.microsoft.com/office/drawing/2014/main" id="{920C7EA8-5D46-490B-82F2-5CA3419012F2}"/>
+              </a:ext>
+            </a:extLst>
+          </p:cNvPr>
+          <p:cNvSpPr/>
+          <p:nvPr/>
+        </p:nvSpPr>
+        <p:spPr>
+          <a:xfrm>
+            <a:off x="2955510" y="4699719"/>
+            <a:ext cx="168118" cy="168118"/>
+          </a:xfrm>
+          <a:prstGeom prst="ellipse">
+            <a:avLst/>
+          </a:prstGeom>
+          <a:solidFill>
+            <a:schemeClr val="bg1"/>
+          </a:solidFill>
+          <a:ln>
+            <a:solidFill>
+              <a:schemeClr val="tx1"/>
+            </a:solidFill>
+          </a:ln>
+        </p:spPr>
+        <p:style>
+          <a:lnRef idx="2">
+            <a:schemeClr val="accent1">
+              <a:shade val="50000"/>
+            </a:schemeClr>
+          </a:lnRef>
+          <a:fillRef idx="1">
+            <a:schemeClr val="accent1"/>
+          </a:fillRef>
+          <a:effectRef idx="0">
+            <a:schemeClr val="accent1"/>
+          </a:effectRef>
+          <a:fontRef idx="minor">
+            <a:schemeClr val="lt1"/>
+          </a:fontRef>
+        </p:style>
+        <p:txBody>
+          <a:bodyPr rtlCol="0" anchor="ctr"/>
+          <a:lstStyle/>
+          <a:p>
+            <a:pPr algn="ctr"/>
+            <a:endParaRPr lang="zh-CN" altLang="en-US"/>
+          </a:p>
+        </p:txBody>
+      </p:sp>
+      <p:pic>
+        <p:nvPicPr>
+          <p:cNvPr id="25" name="图片 24" descr="图片包含 游戏机, 画, 食物&#10;&#10;描述已自动生成">
+            <a:extLst>
+              <a:ext uri="{FF2B5EF4-FFF2-40B4-BE49-F238E27FC236}">
+                <a16:creationId xmlns:a16="http://schemas.microsoft.com/office/drawing/2014/main" id="{F58A1D2A-803D-4D01-907B-397B0AA0790F}"/>
+              </a:ext>
+            </a:extLst>
+          </p:cNvPr>
+          <p:cNvPicPr>
+            <a:picLocks noChangeAspect="1"/>
+          </p:cNvPicPr>
+          <p:nvPr/>
+        </p:nvPicPr>
+        <p:blipFill>
+          <a:blip r:embed="rId5">
+            <a:extLst>
+              <a:ext uri="{28A0092B-C50C-407E-A947-70E740481C1C}">
+                <a14:useLocalDpi xmlns:a14="http://schemas.microsoft.com/office/drawing/2010/main" val="0"/>
+              </a:ext>
+            </a:extLst>
+          </a:blip>
+          <a:stretch>
+            <a:fillRect/>
+          </a:stretch>
+        </p:blipFill>
+        <p:spPr>
+          <a:xfrm>
+            <a:off x="2275418" y="4656639"/>
+            <a:ext cx="198966" cy="254279"/>
+          </a:xfrm>
+          <a:prstGeom prst="rect">
+            <a:avLst/>
+          </a:prstGeom>
+        </p:spPr>
+      </p:pic>
+      <p:cxnSp>
+        <p:nvCxnSpPr>
+          <p:cNvPr id="26" name="直接箭头连接符 25">
+            <a:extLst>
+              <a:ext uri="{FF2B5EF4-FFF2-40B4-BE49-F238E27FC236}">
+                <a16:creationId xmlns:a16="http://schemas.microsoft.com/office/drawing/2014/main" id="{AD0ABB1C-710C-47CE-AC83-BB038617CC09}"/>
+              </a:ext>
+            </a:extLst>
+          </p:cNvPr>
+          <p:cNvCxnSpPr>
+            <a:cxnSpLocks/>
+            <a:stCxn id="25" idx="3"/>
+            <a:endCxn id="24" idx="2"/>
+          </p:cNvCxnSpPr>
+          <p:nvPr/>
+        </p:nvCxnSpPr>
+        <p:spPr>
+          <a:xfrm flipV="1">
+            <a:off x="2474384" y="4783778"/>
+            <a:ext cx="481126" cy="1"/>
+          </a:xfrm>
+          <a:prstGeom prst="straightConnector1">
+            <a:avLst/>
+          </a:prstGeom>
+          <a:ln w="9525" cap="flat" cmpd="sng" algn="ctr">
+            <a:solidFill>
+              <a:schemeClr val="accent3"/>
+            </a:solidFill>
+            <a:prstDash val="solid"/>
+            <a:round/>
+            <a:headEnd type="none" w="med" len="med"/>
+            <a:tailEnd type="arrow" w="med" len="med"/>
+          </a:ln>
+        </p:spPr>
+        <p:style>
+          <a:lnRef idx="0">
+            <a:scrgbClr r="0" g="0" b="0"/>
+          </a:lnRef>
+          <a:fillRef idx="0">
+            <a:scrgbClr r="0" g="0" b="0"/>
+          </a:fillRef>
+          <a:effectRef idx="0">
+            <a:scrgbClr r="0" g="0" b="0"/>
+          </a:effectRef>
+          <a:fontRef idx="minor">
+            <a:schemeClr val="tx1"/>
+          </a:fontRef>
+        </p:style>
+      </p:cxnSp>
+      <p:sp>
+        <p:nvSpPr>
+          <p:cNvPr id="27" name="椭圆 26">
+            <a:extLst>
+              <a:ext uri="{FF2B5EF4-FFF2-40B4-BE49-F238E27FC236}">
+                <a16:creationId xmlns:a16="http://schemas.microsoft.com/office/drawing/2014/main" id="{C8593F51-B97F-4DE5-9BC1-35CAF94DD114}"/>
+              </a:ext>
+            </a:extLst>
+          </p:cNvPr>
+          <p:cNvSpPr/>
+          <p:nvPr/>
+        </p:nvSpPr>
+        <p:spPr>
+          <a:xfrm>
+            <a:off x="3604754" y="4699719"/>
+            <a:ext cx="168118" cy="168118"/>
+          </a:xfrm>
+          <a:prstGeom prst="ellipse">
+            <a:avLst/>
+          </a:prstGeom>
+          <a:solidFill>
+            <a:schemeClr val="bg1"/>
+          </a:solidFill>
+          <a:ln>
+            <a:solidFill>
+              <a:schemeClr val="tx1"/>
+            </a:solidFill>
+          </a:ln>
+        </p:spPr>
+        <p:style>
+          <a:lnRef idx="2">
+            <a:schemeClr val="accent1">
+              <a:shade val="50000"/>
+            </a:schemeClr>
+          </a:lnRef>
+          <a:fillRef idx="1">
+            <a:schemeClr val="accent1"/>
+          </a:fillRef>
+          <a:effectRef idx="0">
+            <a:schemeClr val="accent1"/>
+          </a:effectRef>
+          <a:fontRef idx="minor">
+            <a:schemeClr val="lt1"/>
+          </a:fontRef>
+        </p:style>
+        <p:txBody>
+          <a:bodyPr rtlCol="0" anchor="ctr"/>
+          <a:lstStyle/>
+          <a:p>
+            <a:pPr algn="ctr"/>
+            <a:endParaRPr lang="zh-CN" altLang="en-US"/>
+          </a:p>
+        </p:txBody>
+      </p:sp>
+      <p:cxnSp>
+        <p:nvCxnSpPr>
+          <p:cNvPr id="28" name="直接箭头连接符 27">
+            <a:extLst>
+              <a:ext uri="{FF2B5EF4-FFF2-40B4-BE49-F238E27FC236}">
+                <a16:creationId xmlns:a16="http://schemas.microsoft.com/office/drawing/2014/main" id="{B041391A-72D2-419B-B12D-7152510ADC2B}"/>
+              </a:ext>
+            </a:extLst>
+          </p:cNvPr>
+          <p:cNvCxnSpPr>
+            <a:cxnSpLocks/>
+            <a:stCxn id="24" idx="6"/>
+            <a:endCxn id="27" idx="2"/>
+          </p:cNvCxnSpPr>
+          <p:nvPr/>
+        </p:nvCxnSpPr>
+        <p:spPr>
+          <a:xfrm>
+            <a:off x="3123628" y="4783778"/>
+            <a:ext cx="481126" cy="0"/>
+          </a:xfrm>
+          <a:prstGeom prst="straightConnector1">
+            <a:avLst/>
+          </a:prstGeom>
+          <a:ln w="9525" cap="flat" cmpd="sng" algn="ctr">
+            <a:solidFill>
+              <a:schemeClr val="accent3"/>
+            </a:solidFill>
+            <a:prstDash val="solid"/>
+            <a:round/>
+            <a:headEnd type="none" w="med" len="med"/>
+            <a:tailEnd type="arrow" w="med" len="med"/>
+          </a:ln>
+        </p:spPr>
+        <p:style>
+          <a:lnRef idx="0">
+            <a:scrgbClr r="0" g="0" b="0"/>
+          </a:lnRef>
+          <a:fillRef idx="0">
+            <a:scrgbClr r="0" g="0" b="0"/>
+          </a:fillRef>
+          <a:effectRef idx="0">
+            <a:scrgbClr r="0" g="0" b="0"/>
+          </a:effectRef>
+          <a:fontRef idx="minor">
+            <a:schemeClr val="tx1"/>
+          </a:fontRef>
+        </p:style>
+      </p:cxnSp>
+      <p:cxnSp>
+        <p:nvCxnSpPr>
+          <p:cNvPr id="29" name="直接箭头连接符 28">
+            <a:extLst>
+              <a:ext uri="{FF2B5EF4-FFF2-40B4-BE49-F238E27FC236}">
+                <a16:creationId xmlns:a16="http://schemas.microsoft.com/office/drawing/2014/main" id="{05F62346-AB1E-4860-85BC-D27E6295D77F}"/>
+              </a:ext>
+            </a:extLst>
+          </p:cNvPr>
+          <p:cNvCxnSpPr>
+            <a:cxnSpLocks/>
+            <a:stCxn id="27" idx="6"/>
+          </p:cNvCxnSpPr>
+          <p:nvPr/>
+        </p:nvCxnSpPr>
+        <p:spPr>
+          <a:xfrm>
+            <a:off x="3772872" y="4783778"/>
+            <a:ext cx="481126" cy="0"/>
+          </a:xfrm>
+          <a:prstGeom prst="straightConnector1">
+            <a:avLst/>
+          </a:prstGeom>
+          <a:ln w="9525" cap="flat" cmpd="sng" algn="ctr">
+            <a:solidFill>
+              <a:schemeClr val="accent3"/>
+            </a:solidFill>
+            <a:prstDash val="solid"/>
+            <a:round/>
+            <a:headEnd type="none" w="med" len="med"/>
+            <a:tailEnd type="arrow" w="med" len="med"/>
+          </a:ln>
+        </p:spPr>
+        <p:style>
+          <a:lnRef idx="0">
+            <a:scrgbClr r="0" g="0" b="0"/>
+          </a:lnRef>
+          <a:fillRef idx="0">
+            <a:scrgbClr r="0" g="0" b="0"/>
+          </a:fillRef>
+          <a:effectRef idx="0">
+            <a:scrgbClr r="0" g="0" b="0"/>
+          </a:effectRef>
+          <a:fontRef idx="minor">
+            <a:schemeClr val="tx1"/>
+          </a:fontRef>
+        </p:style>
+      </p:cxnSp>
+      <p:pic>
+        <p:nvPicPr>
+          <p:cNvPr id="30" name="Picture 2">
+            <a:extLst>
+              <a:ext uri="{FF2B5EF4-FFF2-40B4-BE49-F238E27FC236}">
+                <a16:creationId xmlns:a16="http://schemas.microsoft.com/office/drawing/2014/main" id="{EFB5BAC1-17EB-4999-B8D5-DD07266FCC55}"/>
+              </a:ext>
+            </a:extLst>
+          </p:cNvPr>
+          <p:cNvPicPr>
+            <a:picLocks noChangeAspect="1" noChangeArrowheads="1"/>
+          </p:cNvPicPr>
+          <p:nvPr/>
+        </p:nvPicPr>
+        <p:blipFill>
+          <a:blip r:embed="rId6">
+            <a:extLst>
+              <a:ext uri="{28A0092B-C50C-407E-A947-70E740481C1C}">
+                <a14:useLocalDpi xmlns:a14="http://schemas.microsoft.com/office/drawing/2010/main" val="0"/>
+              </a:ext>
+            </a:extLst>
+          </a:blip>
+          <a:srcRect/>
+          <a:stretch>
+            <a:fillRect/>
+          </a:stretch>
+        </p:blipFill>
+        <p:spPr bwMode="auto">
+          <a:xfrm>
+            <a:off x="4254397" y="4671595"/>
+            <a:ext cx="213783" cy="213783"/>
+          </a:xfrm>
+          <a:prstGeom prst="rect">
+            <a:avLst/>
+          </a:prstGeom>
+          <a:noFill/>
+          <a:extLst>
+            <a:ext uri="{909E8E84-426E-40DD-AFC4-6F175D3DCCD1}">
+              <a14:hiddenFill xmlns:a14="http://schemas.microsoft.com/office/drawing/2010/main">
+                <a:solidFill>
+                  <a:srgbClr val="FFFFFF"/>
+                </a:solidFill>
+              </a14:hiddenFill>
+            </a:ext>
+          </a:extLst>
+        </p:spPr>
+      </p:pic>
+      <p:sp>
+        <p:nvSpPr>
+          <p:cNvPr id="31" name="文本框 30">
+            <a:extLst>
+              <a:ext uri="{FF2B5EF4-FFF2-40B4-BE49-F238E27FC236}">
+                <a16:creationId xmlns:a16="http://schemas.microsoft.com/office/drawing/2014/main" id="{0DD174D5-D090-4D03-A565-056368868CB5}"/>
+              </a:ext>
+            </a:extLst>
+          </p:cNvPr>
+          <p:cNvSpPr txBox="1"/>
+          <p:nvPr/>
+        </p:nvSpPr>
+        <p:spPr>
+          <a:xfrm>
+            <a:off x="2502023" y="4548917"/>
+            <a:ext cx="351244" cy="215444"/>
+          </a:xfrm>
+          <a:prstGeom prst="rect">
+            <a:avLst/>
+          </a:prstGeom>
+          <a:noFill/>
+        </p:spPr>
+        <p:txBody>
+          <a:bodyPr wrap="square" rtlCol="0">
+            <a:spAutoFit/>
+          </a:bodyPr>
+          <a:lstStyle/>
+          <a:p>
+            <a:r>
+              <a:rPr lang="en-US" altLang="zh-CN" sz="800" dirty="0"/>
+              <a:t>100</a:t>
+            </a:r>
+            <a:endParaRPr lang="zh-CN" altLang="en-US" sz="800" dirty="0"/>
+          </a:p>
+        </p:txBody>
+      </p:sp>
+      <p:sp>
+        <p:nvSpPr>
+          <p:cNvPr id="32" name="文本框 31">
+            <a:extLst>
+              <a:ext uri="{FF2B5EF4-FFF2-40B4-BE49-F238E27FC236}">
+                <a16:creationId xmlns:a16="http://schemas.microsoft.com/office/drawing/2014/main" id="{CEFD0335-4D05-4B52-ADBE-A1C59C8C5A4C}"/>
+              </a:ext>
+            </a:extLst>
+          </p:cNvPr>
+          <p:cNvSpPr txBox="1"/>
+          <p:nvPr/>
+        </p:nvSpPr>
+        <p:spPr>
+          <a:xfrm>
+            <a:off x="3202588" y="4548917"/>
+            <a:ext cx="351244" cy="215444"/>
+          </a:xfrm>
+          <a:prstGeom prst="rect">
+            <a:avLst/>
+          </a:prstGeom>
+          <a:noFill/>
+        </p:spPr>
+        <p:txBody>
+          <a:bodyPr wrap="square" rtlCol="0">
+            <a:spAutoFit/>
+          </a:bodyPr>
+          <a:lstStyle/>
+          <a:p>
+            <a:r>
+              <a:rPr lang="en-US" altLang="zh-CN" sz="800" dirty="0"/>
+              <a:t>200</a:t>
+            </a:r>
+            <a:endParaRPr lang="zh-CN" altLang="en-US" sz="800" dirty="0"/>
+          </a:p>
+        </p:txBody>
+      </p:sp>
+      <p:sp>
+        <p:nvSpPr>
+          <p:cNvPr id="33" name="文本框 32">
+            <a:extLst>
+              <a:ext uri="{FF2B5EF4-FFF2-40B4-BE49-F238E27FC236}">
+                <a16:creationId xmlns:a16="http://schemas.microsoft.com/office/drawing/2014/main" id="{5AF09E3C-F8A4-4C79-80A0-557E20AE15C6}"/>
+              </a:ext>
+            </a:extLst>
+          </p:cNvPr>
+          <p:cNvSpPr txBox="1"/>
+          <p:nvPr/>
+        </p:nvSpPr>
+        <p:spPr>
+          <a:xfrm>
+            <a:off x="3840522" y="4548917"/>
+            <a:ext cx="351244" cy="215444"/>
+          </a:xfrm>
+          <a:prstGeom prst="rect">
+            <a:avLst/>
+          </a:prstGeom>
+          <a:noFill/>
+        </p:spPr>
+        <p:txBody>
+          <a:bodyPr wrap="square" rtlCol="0">
+            <a:spAutoFit/>
+          </a:bodyPr>
+          <a:lstStyle/>
+          <a:p>
+            <a:r>
+              <a:rPr lang="en-US" altLang="zh-CN" sz="800" dirty="0"/>
+              <a:t>220</a:t>
+            </a:r>
+            <a:endParaRPr lang="zh-CN" altLang="en-US" sz="800" dirty="0"/>
+          </a:p>
+        </p:txBody>
+      </p:sp>
+      <mc:AlternateContent xmlns:mc="http://schemas.openxmlformats.org/markup-compatibility/2006">
+        <mc:Choice xmlns:a14="http://schemas.microsoft.com/office/drawing/2010/main" Requires="a14">
+          <p:sp>
+            <p:nvSpPr>
+              <p:cNvPr id="34" name="文本框 33">
+                <a:extLst>
+                  <a:ext uri="{FF2B5EF4-FFF2-40B4-BE49-F238E27FC236}">
+                    <a16:creationId xmlns:a16="http://schemas.microsoft.com/office/drawing/2014/main" id="{75A66380-8531-4F84-A8FB-489F35A7F649}"/>
+                  </a:ext>
+                </a:extLst>
+              </p:cNvPr>
+              <p:cNvSpPr txBox="1"/>
+              <p:nvPr/>
+            </p:nvSpPr>
+            <p:spPr>
+              <a:xfrm>
+                <a:off x="2838203" y="4740871"/>
+                <a:ext cx="396876" cy="76944"/>
+              </a:xfrm>
+              <a:prstGeom prst="rect">
+                <a:avLst/>
+              </a:prstGeom>
+              <a:noFill/>
+            </p:spPr>
+            <p:txBody>
+              <a:bodyPr wrap="square" lIns="0" tIns="0" rIns="0" bIns="0" rtlCol="0">
+                <a:spAutoFit/>
+              </a:bodyPr>
+              <a:lstStyle/>
+              <a:p>
+                <a14:m>
+                  <m:oMathPara xmlns:m="http://schemas.openxmlformats.org/officeDocument/2006/math">
+                    <m:oMathParaPr>
+                      <m:jc m:val="centerGroup"/>
+                    </m:oMathParaPr>
+                    <m:oMath xmlns:m="http://schemas.openxmlformats.org/officeDocument/2006/math">
+                      <m:r>
+                        <a:rPr lang="en-US" altLang="zh-CN" sz="500" i="1" smtClean="0">
+                          <a:latin typeface="Cambria Math" panose="02040503050406030204" pitchFamily="18" charset="0"/>
+                          <a:ea typeface="Cambria Math" panose="02040503050406030204" pitchFamily="18" charset="0"/>
+                        </a:rPr>
+                        <m:t>×</m:t>
+                      </m:r>
+                    </m:oMath>
+                  </m:oMathPara>
+                </a14:m>
+                <a:endParaRPr lang="zh-CN" altLang="en-US" sz="1400" dirty="0"/>
+              </a:p>
+            </p:txBody>
+          </p:sp>
+        </mc:Choice>
+        <mc:Fallback>
+          <p:sp>
+            <p:nvSpPr>
+              <p:cNvPr id="34" name="文本框 33">
+                <a:extLst>
+                  <a:ext uri="{FF2B5EF4-FFF2-40B4-BE49-F238E27FC236}">
+                    <a16:creationId xmlns:a16="http://schemas.microsoft.com/office/drawing/2014/main" id="{75A66380-8531-4F84-A8FB-489F35A7F649}"/>
+                  </a:ext>
+                </a:extLst>
+              </p:cNvPr>
+              <p:cNvSpPr txBox="1">
+                <a:spLocks noRot="1" noChangeAspect="1" noMove="1" noResize="1" noEditPoints="1" noAdjustHandles="1" noChangeArrowheads="1" noChangeShapeType="1" noTextEdit="1"/>
+              </p:cNvSpPr>
+              <p:nvPr/>
+            </p:nvSpPr>
+            <p:spPr>
+              <a:xfrm>
+                <a:off x="2838203" y="4740871"/>
+                <a:ext cx="396876" cy="76944"/>
+              </a:xfrm>
+              <a:prstGeom prst="rect">
+                <a:avLst/>
+              </a:prstGeom>
+              <a:blipFill>
+                <a:blip r:embed="rId3"/>
+                <a:stretch>
+                  <a:fillRect b="-8333"/>
+                </a:stretch>
+              </a:blipFill>
+            </p:spPr>
+            <p:txBody>
+              <a:bodyPr/>
+              <a:lstStyle/>
+              <a:p>
+                <a:r>
+                  <a:rPr lang="zh-CN" altLang="en-US">
+                    <a:noFill/>
+                  </a:rPr>
+                  <a:t> </a:t>
+                </a:r>
+              </a:p>
+            </p:txBody>
+          </p:sp>
+        </mc:Fallback>
+      </mc:AlternateContent>
+      <mc:AlternateContent xmlns:mc="http://schemas.openxmlformats.org/markup-compatibility/2006">
+        <mc:Choice xmlns:a14="http://schemas.microsoft.com/office/drawing/2010/main" Requires="a14">
+          <p:sp>
+            <p:nvSpPr>
+              <p:cNvPr id="35" name="文本框 34">
+                <a:extLst>
+                  <a:ext uri="{FF2B5EF4-FFF2-40B4-BE49-F238E27FC236}">
+                    <a16:creationId xmlns:a16="http://schemas.microsoft.com/office/drawing/2014/main" id="{7F645426-90AF-40B1-8B53-AC2815FDFDC7}"/>
+                  </a:ext>
+                </a:extLst>
+              </p:cNvPr>
+              <p:cNvSpPr txBox="1"/>
+              <p:nvPr/>
+            </p:nvSpPr>
+            <p:spPr>
+              <a:xfrm>
+                <a:off x="3490375" y="4740014"/>
+                <a:ext cx="396876" cy="76944"/>
+              </a:xfrm>
+              <a:prstGeom prst="rect">
+                <a:avLst/>
+              </a:prstGeom>
+              <a:noFill/>
+            </p:spPr>
+            <p:txBody>
+              <a:bodyPr wrap="square" lIns="0" tIns="0" rIns="0" bIns="0" rtlCol="0">
+                <a:spAutoFit/>
+              </a:bodyPr>
+              <a:lstStyle/>
+              <a:p>
+                <a14:m>
+                  <m:oMathPara xmlns:m="http://schemas.openxmlformats.org/officeDocument/2006/math">
+                    <m:oMathParaPr>
+                      <m:jc m:val="centerGroup"/>
+                    </m:oMathParaPr>
+                    <m:oMath xmlns:m="http://schemas.openxmlformats.org/officeDocument/2006/math">
+                      <m:r>
+                        <a:rPr lang="en-US" altLang="zh-CN" sz="500" i="1" smtClean="0">
+                          <a:latin typeface="Cambria Math" panose="02040503050406030204" pitchFamily="18" charset="0"/>
+                          <a:ea typeface="Cambria Math" panose="02040503050406030204" pitchFamily="18" charset="0"/>
+                        </a:rPr>
+                        <m:t>×</m:t>
+                      </m:r>
+                    </m:oMath>
+                  </m:oMathPara>
+                </a14:m>
+                <a:endParaRPr lang="zh-CN" altLang="en-US" sz="1200" dirty="0"/>
+              </a:p>
+            </p:txBody>
+          </p:sp>
+        </mc:Choice>
+        <mc:Fallback>
+          <p:sp>
+            <p:nvSpPr>
+              <p:cNvPr id="35" name="文本框 34">
+                <a:extLst>
+                  <a:ext uri="{FF2B5EF4-FFF2-40B4-BE49-F238E27FC236}">
+                    <a16:creationId xmlns:a16="http://schemas.microsoft.com/office/drawing/2014/main" id="{7F645426-90AF-40B1-8B53-AC2815FDFDC7}"/>
+                  </a:ext>
+                </a:extLst>
+              </p:cNvPr>
+              <p:cNvSpPr txBox="1">
+                <a:spLocks noRot="1" noChangeAspect="1" noMove="1" noResize="1" noEditPoints="1" noAdjustHandles="1" noChangeArrowheads="1" noChangeShapeType="1" noTextEdit="1"/>
+              </p:cNvSpPr>
+              <p:nvPr/>
+            </p:nvSpPr>
+            <p:spPr>
+              <a:xfrm>
+                <a:off x="3490375" y="4740014"/>
+                <a:ext cx="396876" cy="76944"/>
+              </a:xfrm>
+              <a:prstGeom prst="rect">
+                <a:avLst/>
+              </a:prstGeom>
+              <a:blipFill>
+                <a:blip r:embed="rId3"/>
+                <a:stretch>
+                  <a:fillRect b="-8333"/>
+                </a:stretch>
+              </a:blipFill>
+            </p:spPr>
+            <p:txBody>
+              <a:bodyPr/>
+              <a:lstStyle/>
+              <a:p>
+                <a:r>
+                  <a:rPr lang="zh-CN" altLang="en-US">
+                    <a:noFill/>
+                  </a:rPr>
+                  <a:t> </a:t>
+                </a:r>
+              </a:p>
+            </p:txBody>
+          </p:sp>
+        </mc:Fallback>
+      </mc:AlternateContent>
+      <p:sp>
+        <p:nvSpPr>
+          <p:cNvPr id="22" name="文本框 21">
+            <a:extLst>
+              <a:ext uri="{FF2B5EF4-FFF2-40B4-BE49-F238E27FC236}">
+                <a16:creationId xmlns:a16="http://schemas.microsoft.com/office/drawing/2014/main" id="{F12DCFE7-B5D2-45B2-97FD-1083668D0726}"/>
+              </a:ext>
+            </a:extLst>
+          </p:cNvPr>
+          <p:cNvSpPr txBox="1"/>
+          <p:nvPr/>
+        </p:nvSpPr>
+        <p:spPr>
+          <a:xfrm>
+            <a:off x="2112296" y="5030357"/>
+            <a:ext cx="602651" cy="215444"/>
+          </a:xfrm>
+          <a:prstGeom prst="rect">
+            <a:avLst/>
+          </a:prstGeom>
+          <a:noFill/>
+        </p:spPr>
+        <p:txBody>
+          <a:bodyPr wrap="square" rtlCol="0">
+            <a:spAutoFit/>
+          </a:bodyPr>
+          <a:lstStyle/>
+          <a:p>
+            <a:r>
+              <a:rPr lang="zh-CN" altLang="en-US" sz="800" dirty="0"/>
+              <a:t>苹果个数</a:t>
+            </a:r>
+          </a:p>
+        </p:txBody>
+      </p:sp>
+      <p:cxnSp>
+        <p:nvCxnSpPr>
+          <p:cNvPr id="37" name="连接符: 肘形 36">
+            <a:extLst>
+              <a:ext uri="{FF2B5EF4-FFF2-40B4-BE49-F238E27FC236}">
+                <a16:creationId xmlns:a16="http://schemas.microsoft.com/office/drawing/2014/main" id="{644EBD56-2417-467C-9447-DDC6003108E7}"/>
+              </a:ext>
+            </a:extLst>
+          </p:cNvPr>
+          <p:cNvCxnSpPr>
+            <a:cxnSpLocks/>
+            <a:stCxn id="22" idx="3"/>
+            <a:endCxn id="24" idx="4"/>
+          </p:cNvCxnSpPr>
+          <p:nvPr/>
+        </p:nvCxnSpPr>
+        <p:spPr>
+          <a:xfrm flipV="1">
+            <a:off x="2714947" y="4867837"/>
+            <a:ext cx="324622" cy="270242"/>
+          </a:xfrm>
+          <a:prstGeom prst="bentConnector2">
+            <a:avLst/>
+          </a:prstGeom>
+          <a:ln w="9525" cap="flat" cmpd="sng" algn="ctr">
+            <a:solidFill>
+              <a:schemeClr val="accent3"/>
+            </a:solidFill>
+            <a:prstDash val="solid"/>
+            <a:round/>
+            <a:headEnd type="none" w="med" len="med"/>
+            <a:tailEnd type="arrow" w="med" len="med"/>
+          </a:ln>
+        </p:spPr>
+        <p:style>
+          <a:lnRef idx="0">
+            <a:scrgbClr r="0" g="0" b="0"/>
+          </a:lnRef>
+          <a:fillRef idx="0">
+            <a:scrgbClr r="0" g="0" b="0"/>
+          </a:fillRef>
+          <a:effectRef idx="0">
+            <a:scrgbClr r="0" g="0" b="0"/>
+          </a:effectRef>
+          <a:fontRef idx="minor">
+            <a:schemeClr val="tx1"/>
+          </a:fontRef>
+        </p:style>
+      </p:cxnSp>
+      <p:sp>
+        <p:nvSpPr>
+          <p:cNvPr id="46" name="文本框 45">
+            <a:extLst>
+              <a:ext uri="{FF2B5EF4-FFF2-40B4-BE49-F238E27FC236}">
+                <a16:creationId xmlns:a16="http://schemas.microsoft.com/office/drawing/2014/main" id="{F911FBF6-C9C7-4A41-AD4A-250FA01E88B7}"/>
+              </a:ext>
+            </a:extLst>
+          </p:cNvPr>
+          <p:cNvSpPr txBox="1"/>
+          <p:nvPr/>
+        </p:nvSpPr>
+        <p:spPr>
+          <a:xfrm>
+            <a:off x="2751460" y="4962587"/>
+            <a:ext cx="351244" cy="215444"/>
+          </a:xfrm>
+          <a:prstGeom prst="rect">
+            <a:avLst/>
+          </a:prstGeom>
+          <a:noFill/>
+        </p:spPr>
+        <p:txBody>
+          <a:bodyPr wrap="square" rtlCol="0">
+            <a:spAutoFit/>
+          </a:bodyPr>
+          <a:lstStyle/>
+          <a:p>
+            <a:r>
+              <a:rPr lang="en-US" altLang="zh-CN" sz="800" dirty="0"/>
+              <a:t>2</a:t>
+            </a:r>
+            <a:endParaRPr lang="zh-CN" altLang="en-US" sz="800" dirty="0"/>
+          </a:p>
+        </p:txBody>
+      </p:sp>
+      <p:sp>
+        <p:nvSpPr>
+          <p:cNvPr id="48" name="文本框 47">
+            <a:extLst>
+              <a:ext uri="{FF2B5EF4-FFF2-40B4-BE49-F238E27FC236}">
+                <a16:creationId xmlns:a16="http://schemas.microsoft.com/office/drawing/2014/main" id="{C453483C-050C-4DF3-B06C-4159BE885BAD}"/>
+              </a:ext>
+            </a:extLst>
+          </p:cNvPr>
+          <p:cNvSpPr txBox="1"/>
+          <p:nvPr/>
+        </p:nvSpPr>
+        <p:spPr>
+          <a:xfrm>
+            <a:off x="2112295" y="5365240"/>
+            <a:ext cx="602651" cy="215444"/>
+          </a:xfrm>
+          <a:prstGeom prst="rect">
+            <a:avLst/>
+          </a:prstGeom>
+          <a:noFill/>
+        </p:spPr>
+        <p:txBody>
+          <a:bodyPr wrap="square" rtlCol="0">
+            <a:spAutoFit/>
+          </a:bodyPr>
+          <a:lstStyle/>
+          <a:p>
+            <a:r>
+              <a:rPr lang="zh-CN" altLang="en-US" sz="800" dirty="0"/>
+              <a:t>增值税</a:t>
+            </a:r>
+          </a:p>
+        </p:txBody>
+      </p:sp>
+      <p:cxnSp>
+        <p:nvCxnSpPr>
+          <p:cNvPr id="49" name="连接符: 肘形 48">
+            <a:extLst>
+              <a:ext uri="{FF2B5EF4-FFF2-40B4-BE49-F238E27FC236}">
+                <a16:creationId xmlns:a16="http://schemas.microsoft.com/office/drawing/2014/main" id="{6C9703AD-B3A4-45E9-94D3-356E193A59D5}"/>
+              </a:ext>
+            </a:extLst>
+          </p:cNvPr>
+          <p:cNvCxnSpPr>
+            <a:cxnSpLocks/>
+            <a:stCxn id="48" idx="3"/>
+            <a:endCxn id="27" idx="4"/>
+          </p:cNvCxnSpPr>
+          <p:nvPr/>
+        </p:nvCxnSpPr>
+        <p:spPr>
+          <a:xfrm flipV="1">
+            <a:off x="2714946" y="4867837"/>
+            <a:ext cx="973867" cy="605125"/>
+          </a:xfrm>
+          <a:prstGeom prst="bentConnector2">
+            <a:avLst/>
+          </a:prstGeom>
+          <a:ln w="9525" cap="flat" cmpd="sng" algn="ctr">
+            <a:solidFill>
+              <a:schemeClr val="accent3"/>
+            </a:solidFill>
+            <a:prstDash val="solid"/>
+            <a:round/>
+            <a:headEnd type="none" w="med" len="med"/>
+            <a:tailEnd type="arrow" w="med" len="med"/>
+          </a:ln>
+        </p:spPr>
+        <p:style>
+          <a:lnRef idx="0">
+            <a:scrgbClr r="0" g="0" b="0"/>
+          </a:lnRef>
+          <a:fillRef idx="0">
+            <a:scrgbClr r="0" g="0" b="0"/>
+          </a:fillRef>
+          <a:effectRef idx="0">
+            <a:scrgbClr r="0" g="0" b="0"/>
+          </a:effectRef>
+          <a:fontRef idx="minor">
+            <a:schemeClr val="tx1"/>
+          </a:fontRef>
+        </p:style>
+      </p:cxnSp>
+      <p:sp>
+        <p:nvSpPr>
+          <p:cNvPr id="52" name="文本框 51">
+            <a:extLst>
+              <a:ext uri="{FF2B5EF4-FFF2-40B4-BE49-F238E27FC236}">
+                <a16:creationId xmlns:a16="http://schemas.microsoft.com/office/drawing/2014/main" id="{A404DF6D-CAE9-4E26-887E-4E5C727B3840}"/>
+              </a:ext>
+            </a:extLst>
+          </p:cNvPr>
+          <p:cNvSpPr txBox="1"/>
+          <p:nvPr/>
+        </p:nvSpPr>
+        <p:spPr>
+          <a:xfrm>
+            <a:off x="3059457" y="5289255"/>
+            <a:ext cx="351244" cy="215444"/>
+          </a:xfrm>
+          <a:prstGeom prst="rect">
+            <a:avLst/>
+          </a:prstGeom>
+          <a:noFill/>
+        </p:spPr>
+        <p:txBody>
+          <a:bodyPr wrap="square" rtlCol="0">
+            <a:spAutoFit/>
+          </a:bodyPr>
+          <a:lstStyle/>
+          <a:p>
+            <a:r>
+              <a:rPr lang="en-US" altLang="zh-CN" sz="800" dirty="0"/>
+              <a:t>1.1</a:t>
+            </a:r>
+            <a:endParaRPr lang="zh-CN" altLang="en-US" sz="800" dirty="0"/>
+          </a:p>
+        </p:txBody>
+      </p:sp>
+      <p:pic>
+        <p:nvPicPr>
+          <p:cNvPr id="56" name="图片 55" descr="图片包含 游戏机, 画, 食物&#10;&#10;描述已自动生成">
+            <a:extLst>
+              <a:ext uri="{FF2B5EF4-FFF2-40B4-BE49-F238E27FC236}">
+                <a16:creationId xmlns:a16="http://schemas.microsoft.com/office/drawing/2014/main" id="{25655127-762A-496E-86D3-E00653FDE7F2}"/>
+              </a:ext>
+            </a:extLst>
+          </p:cNvPr>
+          <p:cNvPicPr>
+            <a:picLocks noChangeAspect="1"/>
+          </p:cNvPicPr>
+          <p:nvPr/>
+        </p:nvPicPr>
+        <p:blipFill>
+          <a:blip r:embed="rId5">
+            <a:extLst>
+              <a:ext uri="{28A0092B-C50C-407E-A947-70E740481C1C}">
+                <a14:useLocalDpi xmlns:a14="http://schemas.microsoft.com/office/drawing/2010/main" val="0"/>
+              </a:ext>
+            </a:extLst>
+          </a:blip>
+          <a:stretch>
+            <a:fillRect/>
+          </a:stretch>
+        </p:blipFill>
+        <p:spPr>
+          <a:xfrm>
+            <a:off x="5393268" y="4760115"/>
+            <a:ext cx="198966" cy="254279"/>
+          </a:xfrm>
+          <a:prstGeom prst="rect">
+            <a:avLst/>
+          </a:prstGeom>
+        </p:spPr>
+      </p:pic>
+      <p:cxnSp>
+        <p:nvCxnSpPr>
+          <p:cNvPr id="57" name="直接箭头连接符 56">
+            <a:extLst>
+              <a:ext uri="{FF2B5EF4-FFF2-40B4-BE49-F238E27FC236}">
+                <a16:creationId xmlns:a16="http://schemas.microsoft.com/office/drawing/2014/main" id="{C8A8191A-DEC7-4203-9745-CEBEB2F4FC5A}"/>
+              </a:ext>
+            </a:extLst>
+          </p:cNvPr>
+          <p:cNvCxnSpPr>
+            <a:cxnSpLocks/>
+            <a:stCxn id="56" idx="3"/>
+            <a:endCxn id="55" idx="2"/>
+          </p:cNvCxnSpPr>
+          <p:nvPr/>
+        </p:nvCxnSpPr>
+        <p:spPr>
+          <a:xfrm flipV="1">
+            <a:off x="5592234" y="4887254"/>
+            <a:ext cx="481126" cy="1"/>
+          </a:xfrm>
+          <a:prstGeom prst="straightConnector1">
+            <a:avLst/>
+          </a:prstGeom>
+          <a:ln w="9525" cap="flat" cmpd="sng" algn="ctr">
+            <a:solidFill>
+              <a:schemeClr val="accent3"/>
+            </a:solidFill>
+            <a:prstDash val="solid"/>
+            <a:round/>
+            <a:headEnd type="none" w="med" len="med"/>
+            <a:tailEnd type="arrow" w="med" len="med"/>
+          </a:ln>
+        </p:spPr>
+        <p:style>
+          <a:lnRef idx="0">
+            <a:scrgbClr r="0" g="0" b="0"/>
+          </a:lnRef>
+          <a:fillRef idx="0">
+            <a:scrgbClr r="0" g="0" b="0"/>
+          </a:fillRef>
+          <a:effectRef idx="0">
+            <a:scrgbClr r="0" g="0" b="0"/>
+          </a:effectRef>
+          <a:fontRef idx="minor">
+            <a:schemeClr val="tx1"/>
+          </a:fontRef>
+        </p:style>
+      </p:cxnSp>
+      <p:sp>
+        <p:nvSpPr>
+          <p:cNvPr id="58" name="椭圆 57">
+            <a:extLst>
+              <a:ext uri="{FF2B5EF4-FFF2-40B4-BE49-F238E27FC236}">
+                <a16:creationId xmlns:a16="http://schemas.microsoft.com/office/drawing/2014/main" id="{1A09DEF2-F9BF-4328-AC71-263F6F90C018}"/>
+              </a:ext>
+            </a:extLst>
+          </p:cNvPr>
+          <p:cNvSpPr/>
+          <p:nvPr/>
+        </p:nvSpPr>
+        <p:spPr>
+          <a:xfrm>
+            <a:off x="6638545" y="4531601"/>
+            <a:ext cx="168118" cy="168118"/>
+          </a:xfrm>
+          <a:prstGeom prst="ellipse">
+            <a:avLst/>
+          </a:prstGeom>
+          <a:solidFill>
+            <a:schemeClr val="bg1"/>
+          </a:solidFill>
+          <a:ln>
+            <a:solidFill>
+              <a:schemeClr val="tx1"/>
+            </a:solidFill>
+          </a:ln>
+        </p:spPr>
+        <p:style>
+          <a:lnRef idx="2">
+            <a:schemeClr val="accent1">
+              <a:shade val="50000"/>
+            </a:schemeClr>
+          </a:lnRef>
+          <a:fillRef idx="1">
+            <a:schemeClr val="accent1"/>
+          </a:fillRef>
+          <a:effectRef idx="0">
+            <a:schemeClr val="accent1"/>
+          </a:effectRef>
+          <a:fontRef idx="minor">
+            <a:schemeClr val="lt1"/>
+          </a:fontRef>
+        </p:style>
+        <p:txBody>
+          <a:bodyPr rtlCol="0" anchor="ctr"/>
+          <a:lstStyle/>
+          <a:p>
+            <a:pPr algn="ctr"/>
+            <a:endParaRPr lang="zh-CN" altLang="en-US"/>
+          </a:p>
+        </p:txBody>
+      </p:sp>
+      <p:cxnSp>
+        <p:nvCxnSpPr>
+          <p:cNvPr id="60" name="直接箭头连接符 59">
+            <a:extLst>
+              <a:ext uri="{FF2B5EF4-FFF2-40B4-BE49-F238E27FC236}">
+                <a16:creationId xmlns:a16="http://schemas.microsoft.com/office/drawing/2014/main" id="{BF3C0CED-73E1-44E6-BAD9-0580714926FA}"/>
+              </a:ext>
+            </a:extLst>
+          </p:cNvPr>
+          <p:cNvCxnSpPr>
+            <a:cxnSpLocks/>
+            <a:stCxn id="58" idx="6"/>
+            <a:endCxn id="103" idx="2"/>
+          </p:cNvCxnSpPr>
+          <p:nvPr/>
+        </p:nvCxnSpPr>
+        <p:spPr>
+          <a:xfrm flipV="1">
+            <a:off x="6806663" y="4611758"/>
+            <a:ext cx="353019" cy="3902"/>
+          </a:xfrm>
+          <a:prstGeom prst="straightConnector1">
+            <a:avLst/>
+          </a:prstGeom>
+          <a:ln w="9525" cap="flat" cmpd="sng" algn="ctr">
+            <a:solidFill>
+              <a:schemeClr val="accent3"/>
+            </a:solidFill>
+            <a:prstDash val="solid"/>
+            <a:round/>
+            <a:headEnd type="none" w="med" len="med"/>
+            <a:tailEnd type="arrow" w="med" len="med"/>
+          </a:ln>
+        </p:spPr>
+        <p:style>
+          <a:lnRef idx="0">
+            <a:scrgbClr r="0" g="0" b="0"/>
+          </a:lnRef>
+          <a:fillRef idx="0">
+            <a:scrgbClr r="0" g="0" b="0"/>
+          </a:fillRef>
+          <a:effectRef idx="0">
+            <a:scrgbClr r="0" g="0" b="0"/>
+          </a:effectRef>
+          <a:fontRef idx="minor">
+            <a:schemeClr val="tx1"/>
+          </a:fontRef>
+        </p:style>
+      </p:cxnSp>
+      <p:pic>
+        <p:nvPicPr>
+          <p:cNvPr id="61" name="Picture 2">
+            <a:extLst>
+              <a:ext uri="{FF2B5EF4-FFF2-40B4-BE49-F238E27FC236}">
+                <a16:creationId xmlns:a16="http://schemas.microsoft.com/office/drawing/2014/main" id="{46CC275D-4F12-43B5-80AD-55D70721DABF}"/>
+              </a:ext>
+            </a:extLst>
+          </p:cNvPr>
+          <p:cNvPicPr>
+            <a:picLocks noChangeAspect="1" noChangeArrowheads="1"/>
+          </p:cNvPicPr>
+          <p:nvPr/>
+        </p:nvPicPr>
+        <p:blipFill>
+          <a:blip r:embed="rId6">
+            <a:extLst>
+              <a:ext uri="{28A0092B-C50C-407E-A947-70E740481C1C}">
+                <a14:useLocalDpi xmlns:a14="http://schemas.microsoft.com/office/drawing/2010/main" val="0"/>
+              </a:ext>
+            </a:extLst>
+          </a:blip>
+          <a:srcRect/>
+          <a:stretch>
+            <a:fillRect/>
+          </a:stretch>
+        </p:blipFill>
+        <p:spPr bwMode="auto">
+          <a:xfrm>
+            <a:off x="7662635" y="4504866"/>
+            <a:ext cx="213783" cy="213783"/>
+          </a:xfrm>
+          <a:prstGeom prst="rect">
+            <a:avLst/>
+          </a:prstGeom>
+          <a:noFill/>
+          <a:extLst>
+            <a:ext uri="{909E8E84-426E-40DD-AFC4-6F175D3DCCD1}">
+              <a14:hiddenFill xmlns:a14="http://schemas.microsoft.com/office/drawing/2010/main">
+                <a:solidFill>
+                  <a:srgbClr val="FFFFFF"/>
+                </a:solidFill>
+              </a14:hiddenFill>
+            </a:ext>
+          </a:extLst>
+        </p:spPr>
+      </p:pic>
+      <p:sp>
+        <p:nvSpPr>
+          <p:cNvPr id="62" name="文本框 61">
+            <a:extLst>
+              <a:ext uri="{FF2B5EF4-FFF2-40B4-BE49-F238E27FC236}">
+                <a16:creationId xmlns:a16="http://schemas.microsoft.com/office/drawing/2014/main" id="{8BA25B0C-04A1-408B-BFE0-2679BC9C93D7}"/>
+              </a:ext>
+            </a:extLst>
+          </p:cNvPr>
+          <p:cNvSpPr txBox="1"/>
+          <p:nvPr/>
+        </p:nvSpPr>
+        <p:spPr>
+          <a:xfrm>
+            <a:off x="5619873" y="4652393"/>
+            <a:ext cx="351244" cy="215444"/>
+          </a:xfrm>
+          <a:prstGeom prst="rect">
+            <a:avLst/>
+          </a:prstGeom>
+          <a:noFill/>
+        </p:spPr>
+        <p:txBody>
+          <a:bodyPr wrap="square" rtlCol="0">
+            <a:spAutoFit/>
+          </a:bodyPr>
+          <a:lstStyle/>
+          <a:p>
+            <a:r>
+              <a:rPr lang="en-US" altLang="zh-CN" sz="800" dirty="0"/>
+              <a:t>100</a:t>
+            </a:r>
+            <a:endParaRPr lang="zh-CN" altLang="en-US" sz="800" dirty="0"/>
+          </a:p>
+        </p:txBody>
+      </p:sp>
+      <p:sp>
+        <p:nvSpPr>
+          <p:cNvPr id="63" name="文本框 62">
+            <a:extLst>
+              <a:ext uri="{FF2B5EF4-FFF2-40B4-BE49-F238E27FC236}">
+                <a16:creationId xmlns:a16="http://schemas.microsoft.com/office/drawing/2014/main" id="{E7BDECAD-1131-4218-B216-59FAC57E0065}"/>
+              </a:ext>
+            </a:extLst>
+          </p:cNvPr>
+          <p:cNvSpPr txBox="1"/>
+          <p:nvPr/>
+        </p:nvSpPr>
+        <p:spPr>
+          <a:xfrm>
+            <a:off x="6289011" y="4184839"/>
+            <a:ext cx="351244" cy="215444"/>
+          </a:xfrm>
+          <a:prstGeom prst="rect">
+            <a:avLst/>
+          </a:prstGeom>
+          <a:noFill/>
+        </p:spPr>
+        <p:txBody>
+          <a:bodyPr wrap="square" rtlCol="0">
+            <a:spAutoFit/>
+          </a:bodyPr>
+          <a:lstStyle/>
+          <a:p>
+            <a:r>
+              <a:rPr lang="en-US" altLang="zh-CN" sz="800" dirty="0"/>
+              <a:t>450</a:t>
+            </a:r>
+            <a:endParaRPr lang="zh-CN" altLang="en-US" sz="800" dirty="0"/>
+          </a:p>
+        </p:txBody>
+      </p:sp>
+      <p:sp>
+        <p:nvSpPr>
+          <p:cNvPr id="64" name="文本框 63">
+            <a:extLst>
+              <a:ext uri="{FF2B5EF4-FFF2-40B4-BE49-F238E27FC236}">
+                <a16:creationId xmlns:a16="http://schemas.microsoft.com/office/drawing/2014/main" id="{56EF494F-CD7A-49B2-B457-6D66CE2994E5}"/>
+              </a:ext>
+            </a:extLst>
+          </p:cNvPr>
+          <p:cNvSpPr txBox="1"/>
+          <p:nvPr/>
+        </p:nvSpPr>
+        <p:spPr>
+          <a:xfrm>
+            <a:off x="6800234" y="4426662"/>
+            <a:ext cx="351244" cy="215444"/>
+          </a:xfrm>
+          <a:prstGeom prst="rect">
+            <a:avLst/>
+          </a:prstGeom>
+          <a:noFill/>
+        </p:spPr>
+        <p:txBody>
+          <a:bodyPr wrap="square" rtlCol="0">
+            <a:spAutoFit/>
+          </a:bodyPr>
+          <a:lstStyle/>
+          <a:p>
+            <a:r>
+              <a:rPr lang="en-US" altLang="zh-CN" sz="800" dirty="0"/>
+              <a:t>650</a:t>
+            </a:r>
+            <a:endParaRPr lang="zh-CN" altLang="en-US" sz="800" dirty="0"/>
+          </a:p>
+        </p:txBody>
+      </p:sp>
+      <mc:AlternateContent xmlns:mc="http://schemas.openxmlformats.org/markup-compatibility/2006">
+        <mc:Choice xmlns:a14="http://schemas.microsoft.com/office/drawing/2010/main" Requires="a14">
+          <p:sp>
+            <p:nvSpPr>
+              <p:cNvPr id="66" name="文本框 65">
+                <a:extLst>
+                  <a:ext uri="{FF2B5EF4-FFF2-40B4-BE49-F238E27FC236}">
+                    <a16:creationId xmlns:a16="http://schemas.microsoft.com/office/drawing/2014/main" id="{1A2366D4-E73C-45A0-AD57-B8C2FC0EB930}"/>
+                  </a:ext>
+                </a:extLst>
+              </p:cNvPr>
+              <p:cNvSpPr txBox="1"/>
+              <p:nvPr/>
+            </p:nvSpPr>
+            <p:spPr>
+              <a:xfrm>
+                <a:off x="6524166" y="4574462"/>
+                <a:ext cx="396876" cy="76944"/>
+              </a:xfrm>
+              <a:prstGeom prst="rect">
+                <a:avLst/>
+              </a:prstGeom>
+              <a:noFill/>
+            </p:spPr>
+            <p:txBody>
+              <a:bodyPr wrap="square" lIns="0" tIns="0" rIns="0" bIns="0" rtlCol="0">
+                <a:spAutoFit/>
+              </a:bodyPr>
+              <a:lstStyle/>
+              <a:p>
+                <a14:m>
+                  <m:oMathPara xmlns:m="http://schemas.openxmlformats.org/officeDocument/2006/math">
+                    <m:oMathParaPr>
+                      <m:jc m:val="centerGroup"/>
+                    </m:oMathParaPr>
+                    <m:oMath xmlns:m="http://schemas.openxmlformats.org/officeDocument/2006/math">
+                      <m:r>
+                        <a:rPr lang="en-US" altLang="zh-CN" sz="500" b="0" i="1" smtClean="0">
+                          <a:latin typeface="Cambria Math" panose="02040503050406030204" pitchFamily="18" charset="0"/>
+                          <a:ea typeface="Cambria Math" panose="02040503050406030204" pitchFamily="18" charset="0"/>
+                        </a:rPr>
+                        <m:t>+</m:t>
+                      </m:r>
+                    </m:oMath>
+                  </m:oMathPara>
+                </a14:m>
+                <a:endParaRPr lang="zh-CN" altLang="en-US" sz="1200" dirty="0"/>
+              </a:p>
+            </p:txBody>
+          </p:sp>
+        </mc:Choice>
+        <mc:Fallback>
+          <p:sp>
+            <p:nvSpPr>
+              <p:cNvPr id="66" name="文本框 65">
+                <a:extLst>
+                  <a:ext uri="{FF2B5EF4-FFF2-40B4-BE49-F238E27FC236}">
+                    <a16:creationId xmlns:a16="http://schemas.microsoft.com/office/drawing/2014/main" id="{1A2366D4-E73C-45A0-AD57-B8C2FC0EB930}"/>
+                  </a:ext>
+                </a:extLst>
+              </p:cNvPr>
+              <p:cNvSpPr txBox="1">
+                <a:spLocks noRot="1" noChangeAspect="1" noMove="1" noResize="1" noEditPoints="1" noAdjustHandles="1" noChangeArrowheads="1" noChangeShapeType="1" noTextEdit="1"/>
+              </p:cNvSpPr>
+              <p:nvPr/>
+            </p:nvSpPr>
+            <p:spPr>
+              <a:xfrm>
+                <a:off x="6524166" y="4574462"/>
+                <a:ext cx="396876" cy="76944"/>
+              </a:xfrm>
+              <a:prstGeom prst="rect">
+                <a:avLst/>
+              </a:prstGeom>
+              <a:blipFill>
+                <a:blip r:embed="rId9"/>
+                <a:stretch>
+                  <a:fillRect b="-7692"/>
+                </a:stretch>
+              </a:blipFill>
+            </p:spPr>
+            <p:txBody>
+              <a:bodyPr/>
+              <a:lstStyle/>
+              <a:p>
+                <a:r>
+                  <a:rPr lang="zh-CN" altLang="en-US">
+                    <a:noFill/>
+                  </a:rPr>
+                  <a:t> </a:t>
+                </a:r>
+              </a:p>
+            </p:txBody>
+          </p:sp>
+        </mc:Fallback>
+      </mc:AlternateContent>
+      <p:sp>
+        <p:nvSpPr>
+          <p:cNvPr id="67" name="文本框 66">
+            <a:extLst>
+              <a:ext uri="{FF2B5EF4-FFF2-40B4-BE49-F238E27FC236}">
+                <a16:creationId xmlns:a16="http://schemas.microsoft.com/office/drawing/2014/main" id="{AB30A8F6-1BEE-4B9D-9826-6B12AB59F5EA}"/>
+              </a:ext>
+            </a:extLst>
+          </p:cNvPr>
+          <p:cNvSpPr txBox="1"/>
+          <p:nvPr/>
+        </p:nvSpPr>
+        <p:spPr>
+          <a:xfrm>
+            <a:off x="5223477" y="5055372"/>
+            <a:ext cx="602651" cy="215444"/>
+          </a:xfrm>
+          <a:prstGeom prst="rect">
+            <a:avLst/>
+          </a:prstGeom>
+          <a:noFill/>
+        </p:spPr>
+        <p:txBody>
+          <a:bodyPr wrap="square" rtlCol="0">
+            <a:spAutoFit/>
+          </a:bodyPr>
+          <a:lstStyle/>
+          <a:p>
+            <a:r>
+              <a:rPr lang="zh-CN" altLang="en-US" sz="800" dirty="0"/>
+              <a:t>苹果个数</a:t>
+            </a:r>
+          </a:p>
+        </p:txBody>
+      </p:sp>
+      <p:cxnSp>
+        <p:nvCxnSpPr>
+          <p:cNvPr id="68" name="连接符: 肘形 67">
+            <a:extLst>
+              <a:ext uri="{FF2B5EF4-FFF2-40B4-BE49-F238E27FC236}">
+                <a16:creationId xmlns:a16="http://schemas.microsoft.com/office/drawing/2014/main" id="{4800A4A5-A2A5-494F-B43E-21ABE88EFB07}"/>
+              </a:ext>
+            </a:extLst>
+          </p:cNvPr>
+          <p:cNvCxnSpPr>
+            <a:cxnSpLocks/>
+            <a:stCxn id="67" idx="3"/>
+            <a:endCxn id="55" idx="4"/>
+          </p:cNvCxnSpPr>
+          <p:nvPr/>
+        </p:nvCxnSpPr>
+        <p:spPr>
+          <a:xfrm flipV="1">
+            <a:off x="5826128" y="4971313"/>
+            <a:ext cx="331291" cy="191781"/>
+          </a:xfrm>
+          <a:prstGeom prst="bentConnector2">
+            <a:avLst/>
+          </a:prstGeom>
+          <a:ln w="9525" cap="flat" cmpd="sng" algn="ctr">
+            <a:solidFill>
+              <a:schemeClr val="accent3"/>
+            </a:solidFill>
+            <a:prstDash val="solid"/>
+            <a:round/>
+            <a:headEnd type="none" w="med" len="med"/>
+            <a:tailEnd type="arrow" w="med" len="med"/>
+          </a:ln>
+        </p:spPr>
+        <p:style>
+          <a:lnRef idx="0">
+            <a:scrgbClr r="0" g="0" b="0"/>
+          </a:lnRef>
+          <a:fillRef idx="0">
+            <a:scrgbClr r="0" g="0" b="0"/>
+          </a:fillRef>
+          <a:effectRef idx="0">
+            <a:scrgbClr r="0" g="0" b="0"/>
+          </a:effectRef>
+          <a:fontRef idx="minor">
+            <a:schemeClr val="tx1"/>
+          </a:fontRef>
+        </p:style>
+      </p:cxnSp>
+      <p:sp>
+        <p:nvSpPr>
+          <p:cNvPr id="69" name="文本框 68">
+            <a:extLst>
+              <a:ext uri="{FF2B5EF4-FFF2-40B4-BE49-F238E27FC236}">
+                <a16:creationId xmlns:a16="http://schemas.microsoft.com/office/drawing/2014/main" id="{DB6C4EDD-BF9C-498B-BEBD-0FEB7AC68E2B}"/>
+              </a:ext>
+            </a:extLst>
+          </p:cNvPr>
+          <p:cNvSpPr txBox="1"/>
+          <p:nvPr/>
+        </p:nvSpPr>
+        <p:spPr>
+          <a:xfrm>
+            <a:off x="5862641" y="4987602"/>
+            <a:ext cx="351244" cy="215444"/>
+          </a:xfrm>
+          <a:prstGeom prst="rect">
+            <a:avLst/>
+          </a:prstGeom>
+          <a:noFill/>
+        </p:spPr>
+        <p:txBody>
+          <a:bodyPr wrap="square" rtlCol="0">
+            <a:spAutoFit/>
+          </a:bodyPr>
+          <a:lstStyle/>
+          <a:p>
+            <a:r>
+              <a:rPr lang="en-US" altLang="zh-CN" sz="800" dirty="0"/>
+              <a:t>2</a:t>
+            </a:r>
+            <a:endParaRPr lang="zh-CN" altLang="en-US" sz="800" dirty="0"/>
+          </a:p>
+        </p:txBody>
+      </p:sp>
+      <p:sp>
+        <p:nvSpPr>
+          <p:cNvPr id="70" name="文本框 69">
+            <a:extLst>
+              <a:ext uri="{FF2B5EF4-FFF2-40B4-BE49-F238E27FC236}">
+                <a16:creationId xmlns:a16="http://schemas.microsoft.com/office/drawing/2014/main" id="{5E5566D3-6CD7-48B7-A5E9-EFF9D3330A8D}"/>
+              </a:ext>
+            </a:extLst>
+          </p:cNvPr>
+          <p:cNvSpPr txBox="1"/>
+          <p:nvPr/>
+        </p:nvSpPr>
+        <p:spPr>
+          <a:xfrm>
+            <a:off x="5223477" y="5248955"/>
+            <a:ext cx="602651" cy="215444"/>
+          </a:xfrm>
+          <a:prstGeom prst="rect">
+            <a:avLst/>
+          </a:prstGeom>
+          <a:noFill/>
+        </p:spPr>
+        <p:txBody>
+          <a:bodyPr wrap="square" rtlCol="0">
+            <a:spAutoFit/>
+          </a:bodyPr>
+          <a:lstStyle/>
+          <a:p>
+            <a:r>
+              <a:rPr lang="zh-CN" altLang="en-US" sz="800" dirty="0"/>
+              <a:t>增值税</a:t>
+            </a:r>
+          </a:p>
+        </p:txBody>
+      </p:sp>
+      <p:cxnSp>
+        <p:nvCxnSpPr>
+          <p:cNvPr id="71" name="连接符: 肘形 70">
+            <a:extLst>
+              <a:ext uri="{FF2B5EF4-FFF2-40B4-BE49-F238E27FC236}">
+                <a16:creationId xmlns:a16="http://schemas.microsoft.com/office/drawing/2014/main" id="{F53DE16A-0CCA-4208-AB09-203860B119AC}"/>
+              </a:ext>
+            </a:extLst>
+          </p:cNvPr>
+          <p:cNvCxnSpPr>
+            <a:cxnSpLocks/>
+            <a:stCxn id="70" idx="3"/>
+            <a:endCxn id="103" idx="4"/>
+          </p:cNvCxnSpPr>
+          <p:nvPr/>
+        </p:nvCxnSpPr>
+        <p:spPr>
+          <a:xfrm flipV="1">
+            <a:off x="5826128" y="4695817"/>
+            <a:ext cx="1417613" cy="660860"/>
+          </a:xfrm>
+          <a:prstGeom prst="bentConnector2">
+            <a:avLst/>
+          </a:prstGeom>
+          <a:ln w="9525" cap="flat" cmpd="sng" algn="ctr">
+            <a:solidFill>
+              <a:schemeClr val="accent3"/>
+            </a:solidFill>
+            <a:prstDash val="solid"/>
+            <a:round/>
+            <a:headEnd type="none" w="med" len="med"/>
+            <a:tailEnd type="arrow" w="med" len="med"/>
+          </a:ln>
+        </p:spPr>
+        <p:style>
+          <a:lnRef idx="0">
+            <a:scrgbClr r="0" g="0" b="0"/>
+          </a:lnRef>
+          <a:fillRef idx="0">
+            <a:scrgbClr r="0" g="0" b="0"/>
+          </a:fillRef>
+          <a:effectRef idx="0">
+            <a:scrgbClr r="0" g="0" b="0"/>
+          </a:effectRef>
+          <a:fontRef idx="minor">
+            <a:schemeClr val="tx1"/>
+          </a:fontRef>
+        </p:style>
+      </p:cxnSp>
+      <p:sp>
+        <p:nvSpPr>
+          <p:cNvPr id="72" name="文本框 71">
+            <a:extLst>
+              <a:ext uri="{FF2B5EF4-FFF2-40B4-BE49-F238E27FC236}">
+                <a16:creationId xmlns:a16="http://schemas.microsoft.com/office/drawing/2014/main" id="{BFEA3056-E5CD-4A20-B48F-9343F0C605C7}"/>
+              </a:ext>
+            </a:extLst>
+          </p:cNvPr>
+          <p:cNvSpPr txBox="1"/>
+          <p:nvPr/>
+        </p:nvSpPr>
+        <p:spPr>
+          <a:xfrm>
+            <a:off x="6453544" y="5168164"/>
+            <a:ext cx="351244" cy="215444"/>
+          </a:xfrm>
+          <a:prstGeom prst="rect">
+            <a:avLst/>
+          </a:prstGeom>
+          <a:noFill/>
+        </p:spPr>
+        <p:txBody>
+          <a:bodyPr wrap="square" rtlCol="0">
+            <a:spAutoFit/>
+          </a:bodyPr>
+          <a:lstStyle/>
+          <a:p>
+            <a:r>
+              <a:rPr lang="en-US" altLang="zh-CN" sz="800" dirty="0"/>
+              <a:t>1.1</a:t>
+            </a:r>
+            <a:endParaRPr lang="zh-CN" altLang="en-US" sz="800" dirty="0"/>
+          </a:p>
+        </p:txBody>
+      </p:sp>
+      <p:cxnSp>
+        <p:nvCxnSpPr>
+          <p:cNvPr id="74" name="直接箭头连接符 73">
+            <a:extLst>
+              <a:ext uri="{FF2B5EF4-FFF2-40B4-BE49-F238E27FC236}">
+                <a16:creationId xmlns:a16="http://schemas.microsoft.com/office/drawing/2014/main" id="{672209B1-6CE6-495B-935B-14A52478BA11}"/>
+              </a:ext>
+            </a:extLst>
+          </p:cNvPr>
+          <p:cNvCxnSpPr>
+            <a:cxnSpLocks/>
+            <a:stCxn id="1028" idx="3"/>
+            <a:endCxn id="77" idx="2"/>
+          </p:cNvCxnSpPr>
+          <p:nvPr/>
+        </p:nvCxnSpPr>
+        <p:spPr>
+          <a:xfrm>
+            <a:off x="5613204" y="4390826"/>
+            <a:ext cx="418068" cy="697"/>
+          </a:xfrm>
+          <a:prstGeom prst="straightConnector1">
+            <a:avLst/>
+          </a:prstGeom>
+          <a:ln w="9525" cap="flat" cmpd="sng" algn="ctr">
+            <a:solidFill>
+              <a:schemeClr val="accent3"/>
+            </a:solidFill>
+            <a:prstDash val="solid"/>
+            <a:round/>
+            <a:headEnd type="none" w="med" len="med"/>
+            <a:tailEnd type="arrow" w="med" len="med"/>
+          </a:ln>
+        </p:spPr>
+        <p:style>
+          <a:lnRef idx="0">
+            <a:scrgbClr r="0" g="0" b="0"/>
+          </a:lnRef>
+          <a:fillRef idx="0">
+            <a:scrgbClr r="0" g="0" b="0"/>
+          </a:fillRef>
+          <a:effectRef idx="0">
+            <a:scrgbClr r="0" g="0" b="0"/>
+          </a:effectRef>
+          <a:fontRef idx="minor">
+            <a:schemeClr val="tx1"/>
+          </a:fontRef>
+        </p:style>
+      </p:cxnSp>
+      <p:sp>
+        <p:nvSpPr>
+          <p:cNvPr id="77" name="椭圆 76">
+            <a:extLst>
+              <a:ext uri="{FF2B5EF4-FFF2-40B4-BE49-F238E27FC236}">
+                <a16:creationId xmlns:a16="http://schemas.microsoft.com/office/drawing/2014/main" id="{50469D74-BA9D-4429-AD3E-37D05144A4FE}"/>
+              </a:ext>
+            </a:extLst>
+          </p:cNvPr>
+          <p:cNvSpPr/>
+          <p:nvPr/>
+        </p:nvSpPr>
+        <p:spPr>
+          <a:xfrm>
+            <a:off x="6031272" y="4307464"/>
+            <a:ext cx="168118" cy="168118"/>
+          </a:xfrm>
+          <a:prstGeom prst="ellipse">
+            <a:avLst/>
+          </a:prstGeom>
+          <a:solidFill>
+            <a:schemeClr val="bg1"/>
+          </a:solidFill>
+          <a:ln>
+            <a:solidFill>
+              <a:schemeClr val="tx1"/>
+            </a:solidFill>
+          </a:ln>
+        </p:spPr>
+        <p:style>
+          <a:lnRef idx="2">
+            <a:schemeClr val="accent1">
+              <a:shade val="50000"/>
+            </a:schemeClr>
+          </a:lnRef>
+          <a:fillRef idx="1">
+            <a:schemeClr val="accent1"/>
+          </a:fillRef>
+          <a:effectRef idx="0">
+            <a:schemeClr val="accent1"/>
+          </a:effectRef>
+          <a:fontRef idx="minor">
+            <a:schemeClr val="lt1"/>
+          </a:fontRef>
+        </p:style>
+        <p:txBody>
+          <a:bodyPr rtlCol="0" anchor="ctr"/>
+          <a:lstStyle/>
+          <a:p>
+            <a:pPr algn="ctr"/>
+            <a:endParaRPr lang="zh-CN" altLang="en-US"/>
+          </a:p>
+        </p:txBody>
+      </p:sp>
+      <mc:AlternateContent xmlns:mc="http://schemas.openxmlformats.org/markup-compatibility/2006">
+        <mc:Choice xmlns:a14="http://schemas.microsoft.com/office/drawing/2010/main" Requires="a14">
+          <p:sp>
+            <p:nvSpPr>
+              <p:cNvPr id="79" name="文本框 78">
+                <a:extLst>
+                  <a:ext uri="{FF2B5EF4-FFF2-40B4-BE49-F238E27FC236}">
+                    <a16:creationId xmlns:a16="http://schemas.microsoft.com/office/drawing/2014/main" id="{6ACC27E9-244D-4E9B-9F8B-D213659BACDC}"/>
+                  </a:ext>
+                </a:extLst>
+              </p:cNvPr>
+              <p:cNvSpPr txBox="1"/>
+              <p:nvPr/>
+            </p:nvSpPr>
+            <p:spPr>
+              <a:xfrm>
+                <a:off x="5917943" y="4350083"/>
+                <a:ext cx="396876" cy="76944"/>
+              </a:xfrm>
+              <a:prstGeom prst="rect">
+                <a:avLst/>
+              </a:prstGeom>
+              <a:noFill/>
+            </p:spPr>
+            <p:txBody>
+              <a:bodyPr wrap="square" lIns="0" tIns="0" rIns="0" bIns="0" rtlCol="0">
+                <a:spAutoFit/>
+              </a:bodyPr>
+              <a:lstStyle/>
+              <a:p>
+                <a14:m>
+                  <m:oMathPara xmlns:m="http://schemas.openxmlformats.org/officeDocument/2006/math">
+                    <m:oMathParaPr>
+                      <m:jc m:val="centerGroup"/>
+                    </m:oMathParaPr>
+                    <m:oMath xmlns:m="http://schemas.openxmlformats.org/officeDocument/2006/math">
+                      <m:r>
+                        <a:rPr lang="en-US" altLang="zh-CN" sz="500" i="1" smtClean="0">
+                          <a:latin typeface="Cambria Math" panose="02040503050406030204" pitchFamily="18" charset="0"/>
+                          <a:ea typeface="Cambria Math" panose="02040503050406030204" pitchFamily="18" charset="0"/>
+                        </a:rPr>
+                        <m:t>×</m:t>
+                      </m:r>
+                    </m:oMath>
+                  </m:oMathPara>
+                </a14:m>
+                <a:endParaRPr lang="zh-CN" altLang="en-US" sz="1400" dirty="0"/>
+              </a:p>
+            </p:txBody>
+          </p:sp>
+        </mc:Choice>
+        <mc:Fallback>
+          <p:sp>
+            <p:nvSpPr>
+              <p:cNvPr id="79" name="文本框 78">
+                <a:extLst>
+                  <a:ext uri="{FF2B5EF4-FFF2-40B4-BE49-F238E27FC236}">
+                    <a16:creationId xmlns:a16="http://schemas.microsoft.com/office/drawing/2014/main" id="{6ACC27E9-244D-4E9B-9F8B-D213659BACDC}"/>
+                  </a:ext>
+                </a:extLst>
+              </p:cNvPr>
+              <p:cNvSpPr txBox="1">
+                <a:spLocks noRot="1" noChangeAspect="1" noMove="1" noResize="1" noEditPoints="1" noAdjustHandles="1" noChangeArrowheads="1" noChangeShapeType="1" noTextEdit="1"/>
+              </p:cNvSpPr>
+              <p:nvPr/>
+            </p:nvSpPr>
+            <p:spPr>
+              <a:xfrm>
+                <a:off x="5917943" y="4350083"/>
+                <a:ext cx="396876" cy="76944"/>
+              </a:xfrm>
+              <a:prstGeom prst="rect">
+                <a:avLst/>
+              </a:prstGeom>
+              <a:blipFill>
+                <a:blip r:embed="rId3"/>
+                <a:stretch>
+                  <a:fillRect b="-8333"/>
+                </a:stretch>
+              </a:blipFill>
+            </p:spPr>
+            <p:txBody>
+              <a:bodyPr/>
+              <a:lstStyle/>
+              <a:p>
+                <a:r>
+                  <a:rPr lang="zh-CN" altLang="en-US">
+                    <a:noFill/>
+                  </a:rPr>
+                  <a:t> </a:t>
+                </a:r>
+              </a:p>
+            </p:txBody>
+          </p:sp>
+        </mc:Fallback>
+      </mc:AlternateContent>
+      <p:sp>
+        <p:nvSpPr>
+          <p:cNvPr id="81" name="文本框 80">
+            <a:extLst>
+              <a:ext uri="{FF2B5EF4-FFF2-40B4-BE49-F238E27FC236}">
+                <a16:creationId xmlns:a16="http://schemas.microsoft.com/office/drawing/2014/main" id="{D541B569-F33F-433F-AF85-2A105A455F7A}"/>
+              </a:ext>
+            </a:extLst>
+          </p:cNvPr>
+          <p:cNvSpPr txBox="1"/>
+          <p:nvPr/>
+        </p:nvSpPr>
+        <p:spPr>
+          <a:xfrm>
+            <a:off x="5598140" y="4181774"/>
+            <a:ext cx="351244" cy="215444"/>
+          </a:xfrm>
+          <a:prstGeom prst="rect">
+            <a:avLst/>
+          </a:prstGeom>
+          <a:noFill/>
+        </p:spPr>
+        <p:txBody>
+          <a:bodyPr wrap="square" rtlCol="0">
+            <a:spAutoFit/>
+          </a:bodyPr>
+          <a:lstStyle/>
+          <a:p>
+            <a:r>
+              <a:rPr lang="en-US" altLang="zh-CN" sz="800" dirty="0"/>
+              <a:t>150</a:t>
+            </a:r>
+            <a:endParaRPr lang="zh-CN" altLang="en-US" sz="800" dirty="0"/>
+          </a:p>
+        </p:txBody>
+      </p:sp>
+      <p:sp>
+        <p:nvSpPr>
+          <p:cNvPr id="83" name="文本框 82">
+            <a:extLst>
+              <a:ext uri="{FF2B5EF4-FFF2-40B4-BE49-F238E27FC236}">
+                <a16:creationId xmlns:a16="http://schemas.microsoft.com/office/drawing/2014/main" id="{E6ABEC81-EAE8-400A-96F8-88EFCD79FE33}"/>
+              </a:ext>
+            </a:extLst>
+          </p:cNvPr>
+          <p:cNvSpPr txBox="1"/>
+          <p:nvPr/>
+        </p:nvSpPr>
+        <p:spPr>
+          <a:xfrm>
+            <a:off x="5223477" y="3994905"/>
+            <a:ext cx="602651" cy="215444"/>
+          </a:xfrm>
+          <a:prstGeom prst="rect">
+            <a:avLst/>
+          </a:prstGeom>
+          <a:noFill/>
+        </p:spPr>
+        <p:txBody>
+          <a:bodyPr wrap="square" rtlCol="0">
+            <a:spAutoFit/>
+          </a:bodyPr>
+          <a:lstStyle/>
+          <a:p>
+            <a:r>
+              <a:rPr lang="zh-CN" altLang="en-US" sz="800" dirty="0"/>
+              <a:t>橘子个数</a:t>
+            </a:r>
+          </a:p>
+        </p:txBody>
+      </p:sp>
+      <p:sp>
+        <p:nvSpPr>
+          <p:cNvPr id="84" name="文本框 83">
+            <a:extLst>
+              <a:ext uri="{FF2B5EF4-FFF2-40B4-BE49-F238E27FC236}">
+                <a16:creationId xmlns:a16="http://schemas.microsoft.com/office/drawing/2014/main" id="{C2CDE44F-50B6-422F-8EC9-613FD2853F5C}"/>
+              </a:ext>
+            </a:extLst>
+          </p:cNvPr>
+          <p:cNvSpPr txBox="1"/>
+          <p:nvPr/>
+        </p:nvSpPr>
+        <p:spPr>
+          <a:xfrm>
+            <a:off x="5862641" y="3927135"/>
+            <a:ext cx="351244" cy="215444"/>
+          </a:xfrm>
+          <a:prstGeom prst="rect">
+            <a:avLst/>
+          </a:prstGeom>
+          <a:noFill/>
+        </p:spPr>
+        <p:txBody>
+          <a:bodyPr wrap="square" rtlCol="0">
+            <a:spAutoFit/>
+          </a:bodyPr>
+          <a:lstStyle/>
+          <a:p>
+            <a:r>
+              <a:rPr lang="en-US" altLang="zh-CN" sz="800" dirty="0"/>
+              <a:t>3</a:t>
+            </a:r>
+            <a:endParaRPr lang="zh-CN" altLang="en-US" sz="800" dirty="0"/>
+          </a:p>
+        </p:txBody>
+      </p:sp>
+      <p:cxnSp>
+        <p:nvCxnSpPr>
+          <p:cNvPr id="85" name="连接符: 肘形 84">
+            <a:extLst>
+              <a:ext uri="{FF2B5EF4-FFF2-40B4-BE49-F238E27FC236}">
+                <a16:creationId xmlns:a16="http://schemas.microsoft.com/office/drawing/2014/main" id="{8809F59D-5714-4D55-A8EC-7D305B91589A}"/>
+              </a:ext>
+            </a:extLst>
+          </p:cNvPr>
+          <p:cNvCxnSpPr>
+            <a:cxnSpLocks/>
+            <a:stCxn id="83" idx="3"/>
+            <a:endCxn id="77" idx="0"/>
+          </p:cNvCxnSpPr>
+          <p:nvPr/>
+        </p:nvCxnSpPr>
+        <p:spPr>
+          <a:xfrm>
+            <a:off x="5826128" y="4102627"/>
+            <a:ext cx="289203" cy="204837"/>
+          </a:xfrm>
+          <a:prstGeom prst="bentConnector2">
+            <a:avLst/>
+          </a:prstGeom>
+          <a:ln w="9525" cap="flat" cmpd="sng" algn="ctr">
+            <a:solidFill>
+              <a:schemeClr val="accent3"/>
+            </a:solidFill>
+            <a:prstDash val="solid"/>
+            <a:round/>
+            <a:headEnd type="none" w="med" len="med"/>
+            <a:tailEnd type="arrow" w="med" len="med"/>
+          </a:ln>
+        </p:spPr>
+        <p:style>
+          <a:lnRef idx="0">
+            <a:scrgbClr r="0" g="0" b="0"/>
+          </a:lnRef>
+          <a:fillRef idx="0">
+            <a:scrgbClr r="0" g="0" b="0"/>
+          </a:fillRef>
+          <a:effectRef idx="0">
+            <a:scrgbClr r="0" g="0" b="0"/>
+          </a:effectRef>
+          <a:fontRef idx="minor">
+            <a:schemeClr val="tx1"/>
+          </a:fontRef>
+        </p:style>
+      </p:cxnSp>
+      <p:cxnSp>
+        <p:nvCxnSpPr>
+          <p:cNvPr id="90" name="连接符: 肘形 89">
+            <a:extLst>
+              <a:ext uri="{FF2B5EF4-FFF2-40B4-BE49-F238E27FC236}">
+                <a16:creationId xmlns:a16="http://schemas.microsoft.com/office/drawing/2014/main" id="{6243C0A6-1F87-4316-98CF-A347130157BF}"/>
+              </a:ext>
+            </a:extLst>
+          </p:cNvPr>
+          <p:cNvCxnSpPr>
+            <a:cxnSpLocks/>
+            <a:stCxn id="55" idx="6"/>
+            <a:endCxn id="58" idx="4"/>
+          </p:cNvCxnSpPr>
+          <p:nvPr/>
+        </p:nvCxnSpPr>
+        <p:spPr>
+          <a:xfrm flipV="1">
+            <a:off x="6241478" y="4699719"/>
+            <a:ext cx="481126" cy="187535"/>
+          </a:xfrm>
+          <a:prstGeom prst="bentConnector2">
+            <a:avLst/>
+          </a:prstGeom>
+          <a:ln w="9525" cap="flat" cmpd="sng" algn="ctr">
+            <a:solidFill>
+              <a:schemeClr val="accent3"/>
+            </a:solidFill>
+            <a:prstDash val="solid"/>
+            <a:round/>
+            <a:headEnd type="none" w="med" len="med"/>
+            <a:tailEnd type="arrow" w="med" len="med"/>
+          </a:ln>
+        </p:spPr>
+        <p:style>
+          <a:lnRef idx="0">
+            <a:scrgbClr r="0" g="0" b="0"/>
+          </a:lnRef>
+          <a:fillRef idx="0">
+            <a:scrgbClr r="0" g="0" b="0"/>
+          </a:fillRef>
+          <a:effectRef idx="0">
+            <a:scrgbClr r="0" g="0" b="0"/>
+          </a:effectRef>
+          <a:fontRef idx="minor">
+            <a:schemeClr val="tx1"/>
+          </a:fontRef>
+        </p:style>
+      </p:cxnSp>
+      <p:cxnSp>
+        <p:nvCxnSpPr>
+          <p:cNvPr id="98" name="连接符: 肘形 97">
+            <a:extLst>
+              <a:ext uri="{FF2B5EF4-FFF2-40B4-BE49-F238E27FC236}">
+                <a16:creationId xmlns:a16="http://schemas.microsoft.com/office/drawing/2014/main" id="{B1F7C04B-4845-49C8-8540-6B34A7C4DAE1}"/>
+              </a:ext>
+            </a:extLst>
+          </p:cNvPr>
+          <p:cNvCxnSpPr>
+            <a:cxnSpLocks/>
+            <a:stCxn id="77" idx="6"/>
+            <a:endCxn id="58" idx="0"/>
+          </p:cNvCxnSpPr>
+          <p:nvPr/>
+        </p:nvCxnSpPr>
+        <p:spPr>
+          <a:xfrm>
+            <a:off x="6199390" y="4391523"/>
+            <a:ext cx="523214" cy="140078"/>
+          </a:xfrm>
+          <a:prstGeom prst="bentConnector2">
+            <a:avLst/>
+          </a:prstGeom>
+          <a:ln w="9525" cap="flat" cmpd="sng" algn="ctr">
+            <a:solidFill>
+              <a:schemeClr val="accent3"/>
+            </a:solidFill>
+            <a:prstDash val="solid"/>
+            <a:round/>
+            <a:headEnd type="none" w="med" len="med"/>
+            <a:tailEnd type="arrow" w="med" len="med"/>
+          </a:ln>
+        </p:spPr>
+        <p:style>
+          <a:lnRef idx="0">
+            <a:scrgbClr r="0" g="0" b="0"/>
+          </a:lnRef>
+          <a:fillRef idx="0">
+            <a:scrgbClr r="0" g="0" b="0"/>
+          </a:fillRef>
+          <a:effectRef idx="0">
+            <a:scrgbClr r="0" g="0" b="0"/>
+          </a:effectRef>
+          <a:fontRef idx="minor">
+            <a:schemeClr val="tx1"/>
+          </a:fontRef>
+        </p:style>
+      </p:cxnSp>
+      <p:sp>
+        <p:nvSpPr>
+          <p:cNvPr id="102" name="文本框 101">
+            <a:extLst>
+              <a:ext uri="{FF2B5EF4-FFF2-40B4-BE49-F238E27FC236}">
+                <a16:creationId xmlns:a16="http://schemas.microsoft.com/office/drawing/2014/main" id="{A5F0AEE1-7CCC-49B2-A358-0786F008ED4A}"/>
+              </a:ext>
+            </a:extLst>
+          </p:cNvPr>
+          <p:cNvSpPr txBox="1"/>
+          <p:nvPr/>
+        </p:nvSpPr>
+        <p:spPr>
+          <a:xfrm>
+            <a:off x="6296462" y="4725671"/>
+            <a:ext cx="351244" cy="215444"/>
+          </a:xfrm>
+          <a:prstGeom prst="rect">
+            <a:avLst/>
+          </a:prstGeom>
+          <a:noFill/>
+        </p:spPr>
+        <p:txBody>
+          <a:bodyPr wrap="square" rtlCol="0">
+            <a:spAutoFit/>
+          </a:bodyPr>
+          <a:lstStyle/>
+          <a:p>
+            <a:r>
+              <a:rPr lang="en-US" altLang="zh-CN" sz="800" dirty="0"/>
+              <a:t>200</a:t>
+            </a:r>
+            <a:endParaRPr lang="zh-CN" altLang="en-US" sz="800" dirty="0"/>
+          </a:p>
+        </p:txBody>
+      </p:sp>
+      <p:sp>
+        <p:nvSpPr>
+          <p:cNvPr id="103" name="椭圆 102">
+            <a:extLst>
+              <a:ext uri="{FF2B5EF4-FFF2-40B4-BE49-F238E27FC236}">
+                <a16:creationId xmlns:a16="http://schemas.microsoft.com/office/drawing/2014/main" id="{978220A3-F37D-4CFC-8BA0-C88EC1CC3DBA}"/>
+              </a:ext>
+            </a:extLst>
+          </p:cNvPr>
+          <p:cNvSpPr/>
+          <p:nvPr/>
+        </p:nvSpPr>
+        <p:spPr>
+          <a:xfrm>
+            <a:off x="7159682" y="4527699"/>
+            <a:ext cx="168118" cy="168118"/>
+          </a:xfrm>
+          <a:prstGeom prst="ellipse">
+            <a:avLst/>
+          </a:prstGeom>
+          <a:solidFill>
+            <a:schemeClr val="bg1"/>
+          </a:solidFill>
+          <a:ln>
+            <a:solidFill>
+              <a:schemeClr val="tx1"/>
+            </a:solidFill>
+          </a:ln>
+        </p:spPr>
+        <p:style>
+          <a:lnRef idx="2">
+            <a:schemeClr val="accent1">
+              <a:shade val="50000"/>
+            </a:schemeClr>
+          </a:lnRef>
+          <a:fillRef idx="1">
+            <a:schemeClr val="accent1"/>
+          </a:fillRef>
+          <a:effectRef idx="0">
+            <a:schemeClr val="accent1"/>
+          </a:effectRef>
+          <a:fontRef idx="minor">
+            <a:schemeClr val="lt1"/>
+          </a:fontRef>
+        </p:style>
+        <p:txBody>
+          <a:bodyPr rtlCol="0" anchor="ctr"/>
+          <a:lstStyle/>
+          <a:p>
+            <a:pPr algn="ctr"/>
+            <a:endParaRPr lang="zh-CN" altLang="en-US"/>
+          </a:p>
+        </p:txBody>
+      </p:sp>
+      <mc:AlternateContent xmlns:mc="http://schemas.openxmlformats.org/markup-compatibility/2006">
+        <mc:Choice xmlns:a14="http://schemas.microsoft.com/office/drawing/2010/main" Requires="a14">
+          <p:sp>
+            <p:nvSpPr>
+              <p:cNvPr id="104" name="文本框 103">
+                <a:extLst>
+                  <a:ext uri="{FF2B5EF4-FFF2-40B4-BE49-F238E27FC236}">
+                    <a16:creationId xmlns:a16="http://schemas.microsoft.com/office/drawing/2014/main" id="{21D894FC-8483-4A89-A049-AABC970A78DE}"/>
+                  </a:ext>
+                </a:extLst>
+              </p:cNvPr>
+              <p:cNvSpPr txBox="1"/>
+              <p:nvPr/>
+            </p:nvSpPr>
+            <p:spPr>
+              <a:xfrm>
+                <a:off x="7045303" y="4569812"/>
+                <a:ext cx="396876" cy="76944"/>
+              </a:xfrm>
+              <a:prstGeom prst="rect">
+                <a:avLst/>
+              </a:prstGeom>
+              <a:noFill/>
+            </p:spPr>
+            <p:txBody>
+              <a:bodyPr wrap="square" lIns="0" tIns="0" rIns="0" bIns="0" rtlCol="0">
+                <a:spAutoFit/>
+              </a:bodyPr>
+              <a:lstStyle/>
+              <a:p>
+                <a14:m>
+                  <m:oMathPara xmlns:m="http://schemas.openxmlformats.org/officeDocument/2006/math">
+                    <m:oMathParaPr>
+                      <m:jc m:val="centerGroup"/>
+                    </m:oMathParaPr>
+                    <m:oMath xmlns:m="http://schemas.openxmlformats.org/officeDocument/2006/math">
+                      <m:r>
+                        <a:rPr lang="en-US" altLang="zh-CN" sz="500" i="1" smtClean="0">
+                          <a:latin typeface="Cambria Math" panose="02040503050406030204" pitchFamily="18" charset="0"/>
+                          <a:ea typeface="Cambria Math" panose="02040503050406030204" pitchFamily="18" charset="0"/>
+                        </a:rPr>
+                        <m:t>×</m:t>
+                      </m:r>
+                    </m:oMath>
+                  </m:oMathPara>
+                </a14:m>
+                <a:endParaRPr lang="zh-CN" altLang="en-US" sz="1400" dirty="0"/>
+              </a:p>
+            </p:txBody>
+          </p:sp>
+        </mc:Choice>
+        <mc:Fallback>
+          <p:sp>
+            <p:nvSpPr>
+              <p:cNvPr id="104" name="文本框 103">
+                <a:extLst>
+                  <a:ext uri="{FF2B5EF4-FFF2-40B4-BE49-F238E27FC236}">
+                    <a16:creationId xmlns:a16="http://schemas.microsoft.com/office/drawing/2014/main" id="{21D894FC-8483-4A89-A049-AABC970A78DE}"/>
+                  </a:ext>
+                </a:extLst>
+              </p:cNvPr>
+              <p:cNvSpPr txBox="1">
+                <a:spLocks noRot="1" noChangeAspect="1" noMove="1" noResize="1" noEditPoints="1" noAdjustHandles="1" noChangeArrowheads="1" noChangeShapeType="1" noTextEdit="1"/>
+              </p:cNvSpPr>
+              <p:nvPr/>
+            </p:nvSpPr>
+            <p:spPr>
+              <a:xfrm>
+                <a:off x="7045303" y="4569812"/>
+                <a:ext cx="396876" cy="76944"/>
+              </a:xfrm>
+              <a:prstGeom prst="rect">
+                <a:avLst/>
+              </a:prstGeom>
+              <a:blipFill>
+                <a:blip r:embed="rId3"/>
+                <a:stretch>
+                  <a:fillRect b="-8333"/>
+                </a:stretch>
+              </a:blipFill>
+            </p:spPr>
+            <p:txBody>
+              <a:bodyPr/>
+              <a:lstStyle/>
+              <a:p>
+                <a:r>
+                  <a:rPr lang="zh-CN" altLang="en-US">
+                    <a:noFill/>
+                  </a:rPr>
+                  <a:t> </a:t>
+                </a:r>
+              </a:p>
+            </p:txBody>
+          </p:sp>
+        </mc:Fallback>
+      </mc:AlternateContent>
+      <p:cxnSp>
+        <p:nvCxnSpPr>
+          <p:cNvPr id="118" name="直接箭头连接符 117">
+            <a:extLst>
+              <a:ext uri="{FF2B5EF4-FFF2-40B4-BE49-F238E27FC236}">
+                <a16:creationId xmlns:a16="http://schemas.microsoft.com/office/drawing/2014/main" id="{2B3A725A-5B68-4E13-81A7-EBA91B1A6BDA}"/>
+              </a:ext>
+            </a:extLst>
+          </p:cNvPr>
+          <p:cNvCxnSpPr>
+            <a:cxnSpLocks/>
+            <a:stCxn id="103" idx="6"/>
+            <a:endCxn id="61" idx="1"/>
+          </p:cNvCxnSpPr>
+          <p:nvPr/>
+        </p:nvCxnSpPr>
+        <p:spPr>
+          <a:xfrm>
+            <a:off x="7327800" y="4611758"/>
+            <a:ext cx="334835" cy="0"/>
+          </a:xfrm>
+          <a:prstGeom prst="straightConnector1">
+            <a:avLst/>
+          </a:prstGeom>
+          <a:ln w="9525" cap="flat" cmpd="sng" algn="ctr">
+            <a:solidFill>
+              <a:schemeClr val="accent3"/>
+            </a:solidFill>
+            <a:prstDash val="solid"/>
+            <a:round/>
+            <a:headEnd type="none" w="med" len="med"/>
+            <a:tailEnd type="arrow" w="med" len="med"/>
+          </a:ln>
+        </p:spPr>
+        <p:style>
+          <a:lnRef idx="0">
+            <a:scrgbClr r="0" g="0" b="0"/>
+          </a:lnRef>
+          <a:fillRef idx="0">
+            <a:scrgbClr r="0" g="0" b="0"/>
+          </a:fillRef>
+          <a:effectRef idx="0">
+            <a:scrgbClr r="0" g="0" b="0"/>
+          </a:effectRef>
+          <a:fontRef idx="minor">
+            <a:schemeClr val="tx1"/>
+          </a:fontRef>
+        </p:style>
+      </p:cxnSp>
+      <p:sp>
+        <p:nvSpPr>
+          <p:cNvPr id="124" name="文本框 123">
+            <a:extLst>
+              <a:ext uri="{FF2B5EF4-FFF2-40B4-BE49-F238E27FC236}">
+                <a16:creationId xmlns:a16="http://schemas.microsoft.com/office/drawing/2014/main" id="{7A375A49-E9D0-4A84-9019-BBA513977258}"/>
+              </a:ext>
+            </a:extLst>
+          </p:cNvPr>
+          <p:cNvSpPr txBox="1"/>
+          <p:nvPr/>
+        </p:nvSpPr>
+        <p:spPr>
+          <a:xfrm>
+            <a:off x="7298469" y="4426662"/>
+            <a:ext cx="351244" cy="215444"/>
+          </a:xfrm>
+          <a:prstGeom prst="rect">
+            <a:avLst/>
+          </a:prstGeom>
+          <a:noFill/>
+        </p:spPr>
+        <p:txBody>
+          <a:bodyPr wrap="square" rtlCol="0">
+            <a:spAutoFit/>
+          </a:bodyPr>
+          <a:lstStyle/>
+          <a:p>
+            <a:r>
+              <a:rPr lang="en-US" altLang="zh-CN" sz="800" dirty="0"/>
+              <a:t>715</a:t>
+            </a:r>
+            <a:endParaRPr lang="zh-CN" altLang="en-US" sz="800" dirty="0"/>
+          </a:p>
+        </p:txBody>
+      </p:sp>
+      <p:sp>
+        <p:nvSpPr>
+          <p:cNvPr id="125" name="椭圆 124">
+            <a:extLst>
+              <a:ext uri="{FF2B5EF4-FFF2-40B4-BE49-F238E27FC236}">
+                <a16:creationId xmlns:a16="http://schemas.microsoft.com/office/drawing/2014/main" id="{A235B7A5-9BF4-464A-8B47-5656BEB4C0ED}"/>
+              </a:ext>
+            </a:extLst>
+          </p:cNvPr>
+          <p:cNvSpPr/>
+          <p:nvPr/>
+        </p:nvSpPr>
+        <p:spPr>
+          <a:xfrm>
+            <a:off x="6073360" y="2938777"/>
+            <a:ext cx="168118" cy="168118"/>
+          </a:xfrm>
+          <a:prstGeom prst="ellipse">
+            <a:avLst/>
+          </a:prstGeom>
+          <a:solidFill>
+            <a:schemeClr val="bg1"/>
+          </a:solidFill>
+          <a:ln>
+            <a:solidFill>
+              <a:schemeClr val="tx1"/>
+            </a:solidFill>
+          </a:ln>
+        </p:spPr>
+        <p:style>
+          <a:lnRef idx="2">
+            <a:schemeClr val="accent1">
+              <a:shade val="50000"/>
+            </a:schemeClr>
+          </a:lnRef>
+          <a:fillRef idx="1">
+            <a:schemeClr val="accent1"/>
+          </a:fillRef>
+          <a:effectRef idx="0">
+            <a:schemeClr val="accent1"/>
+          </a:effectRef>
+          <a:fontRef idx="minor">
+            <a:schemeClr val="lt1"/>
+          </a:fontRef>
+        </p:style>
+        <p:txBody>
+          <a:bodyPr rtlCol="0" anchor="ctr"/>
+          <a:lstStyle/>
+          <a:p>
+            <a:pPr algn="ctr"/>
+            <a:endParaRPr lang="zh-CN" altLang="en-US"/>
+          </a:p>
+        </p:txBody>
+      </p:sp>
+      <mc:AlternateContent xmlns:mc="http://schemas.openxmlformats.org/markup-compatibility/2006">
+        <mc:Choice xmlns:a14="http://schemas.microsoft.com/office/drawing/2010/main" Requires="a14">
+          <p:sp>
+            <p:nvSpPr>
+              <p:cNvPr id="126" name="文本框 125">
+                <a:extLst>
+                  <a:ext uri="{FF2B5EF4-FFF2-40B4-BE49-F238E27FC236}">
+                    <a16:creationId xmlns:a16="http://schemas.microsoft.com/office/drawing/2014/main" id="{FABEA079-807E-4F33-A30B-7CEF61C9CAB1}"/>
+                  </a:ext>
+                </a:extLst>
+              </p:cNvPr>
+              <p:cNvSpPr txBox="1"/>
+              <p:nvPr/>
+            </p:nvSpPr>
+            <p:spPr>
+              <a:xfrm>
+                <a:off x="5956053" y="2979929"/>
+                <a:ext cx="396876" cy="76944"/>
+              </a:xfrm>
+              <a:prstGeom prst="rect">
+                <a:avLst/>
+              </a:prstGeom>
+              <a:noFill/>
+            </p:spPr>
+            <p:txBody>
+              <a:bodyPr wrap="square" lIns="0" tIns="0" rIns="0" bIns="0" rtlCol="0">
+                <a:spAutoFit/>
+              </a:bodyPr>
+              <a:lstStyle/>
+              <a:p>
+                <a14:m>
+                  <m:oMathPara xmlns:m="http://schemas.openxmlformats.org/officeDocument/2006/math">
+                    <m:oMathParaPr>
+                      <m:jc m:val="centerGroup"/>
+                    </m:oMathParaPr>
+                    <m:oMath xmlns:m="http://schemas.openxmlformats.org/officeDocument/2006/math">
+                      <m:r>
+                        <a:rPr lang="en-US" altLang="zh-CN" sz="500" i="1" smtClean="0">
+                          <a:latin typeface="Cambria Math" panose="02040503050406030204" pitchFamily="18" charset="0"/>
+                          <a:ea typeface="Cambria Math" panose="02040503050406030204" pitchFamily="18" charset="0"/>
+                        </a:rPr>
+                        <m:t>×</m:t>
+                      </m:r>
+                    </m:oMath>
+                  </m:oMathPara>
+                </a14:m>
+                <a:endParaRPr lang="zh-CN" altLang="en-US" sz="1400" dirty="0"/>
+              </a:p>
+            </p:txBody>
+          </p:sp>
+        </mc:Choice>
+        <mc:Fallback>
+          <p:sp>
+            <p:nvSpPr>
+              <p:cNvPr id="126" name="文本框 125">
+                <a:extLst>
+                  <a:ext uri="{FF2B5EF4-FFF2-40B4-BE49-F238E27FC236}">
+                    <a16:creationId xmlns:a16="http://schemas.microsoft.com/office/drawing/2014/main" id="{FABEA079-807E-4F33-A30B-7CEF61C9CAB1}"/>
+                  </a:ext>
+                </a:extLst>
+              </p:cNvPr>
+              <p:cNvSpPr txBox="1">
+                <a:spLocks noRot="1" noChangeAspect="1" noMove="1" noResize="1" noEditPoints="1" noAdjustHandles="1" noChangeArrowheads="1" noChangeShapeType="1" noTextEdit="1"/>
+              </p:cNvSpPr>
+              <p:nvPr/>
+            </p:nvSpPr>
+            <p:spPr>
+              <a:xfrm>
+                <a:off x="5956053" y="2979929"/>
+                <a:ext cx="396876" cy="76944"/>
+              </a:xfrm>
+              <a:prstGeom prst="rect">
+                <a:avLst/>
+              </a:prstGeom>
+              <a:blipFill>
+                <a:blip r:embed="rId3"/>
+                <a:stretch>
+                  <a:fillRect b="-8333"/>
+                </a:stretch>
+              </a:blipFill>
+            </p:spPr>
+            <p:txBody>
+              <a:bodyPr/>
+              <a:lstStyle/>
+              <a:p>
+                <a:r>
+                  <a:rPr lang="zh-CN" altLang="en-US">
+                    <a:noFill/>
+                  </a:rPr>
+                  <a:t> </a:t>
+                </a:r>
+              </a:p>
+            </p:txBody>
+          </p:sp>
+        </mc:Fallback>
+      </mc:AlternateContent>
+      <p:pic>
+        <p:nvPicPr>
+          <p:cNvPr id="128" name="图片 127" descr="图片包含 游戏机, 画, 食物&#10;&#10;描述已自动生成">
+            <a:extLst>
+              <a:ext uri="{FF2B5EF4-FFF2-40B4-BE49-F238E27FC236}">
+                <a16:creationId xmlns:a16="http://schemas.microsoft.com/office/drawing/2014/main" id="{54B45642-6037-472E-83F0-FD52CF271A47}"/>
+              </a:ext>
+            </a:extLst>
+          </p:cNvPr>
+          <p:cNvPicPr>
+            <a:picLocks noChangeAspect="1"/>
+          </p:cNvPicPr>
+          <p:nvPr/>
+        </p:nvPicPr>
+        <p:blipFill>
+          <a:blip r:embed="rId5">
+            <a:extLst>
+              <a:ext uri="{28A0092B-C50C-407E-A947-70E740481C1C}">
+                <a14:useLocalDpi xmlns:a14="http://schemas.microsoft.com/office/drawing/2010/main" val="0"/>
+              </a:ext>
+            </a:extLst>
+          </a:blip>
+          <a:stretch>
+            <a:fillRect/>
+          </a:stretch>
+        </p:blipFill>
+        <p:spPr>
+          <a:xfrm>
+            <a:off x="5393268" y="2895697"/>
+            <a:ext cx="198966" cy="254279"/>
+          </a:xfrm>
+          <a:prstGeom prst="rect">
+            <a:avLst/>
+          </a:prstGeom>
+        </p:spPr>
+      </p:pic>
+      <p:cxnSp>
+        <p:nvCxnSpPr>
+          <p:cNvPr id="129" name="直接箭头连接符 128">
+            <a:extLst>
+              <a:ext uri="{FF2B5EF4-FFF2-40B4-BE49-F238E27FC236}">
+                <a16:creationId xmlns:a16="http://schemas.microsoft.com/office/drawing/2014/main" id="{218EF21B-296E-45E9-A284-61079E399AC1}"/>
+              </a:ext>
+            </a:extLst>
+          </p:cNvPr>
+          <p:cNvCxnSpPr>
+            <a:cxnSpLocks/>
+            <a:stCxn id="128" idx="3"/>
+            <a:endCxn id="125" idx="2"/>
+          </p:cNvCxnSpPr>
+          <p:nvPr/>
+        </p:nvCxnSpPr>
+        <p:spPr>
+          <a:xfrm flipV="1">
+            <a:off x="5592234" y="3022836"/>
+            <a:ext cx="481126" cy="1"/>
+          </a:xfrm>
+          <a:prstGeom prst="straightConnector1">
+            <a:avLst/>
+          </a:prstGeom>
+          <a:ln w="9525" cap="flat" cmpd="sng" algn="ctr">
+            <a:solidFill>
+              <a:schemeClr val="accent3"/>
+            </a:solidFill>
+            <a:prstDash val="solid"/>
+            <a:round/>
+            <a:headEnd type="none" w="med" len="med"/>
+            <a:tailEnd type="arrow" w="med" len="med"/>
+          </a:ln>
+        </p:spPr>
+        <p:style>
+          <a:lnRef idx="0">
+            <a:scrgbClr r="0" g="0" b="0"/>
+          </a:lnRef>
+          <a:fillRef idx="0">
+            <a:scrgbClr r="0" g="0" b="0"/>
+          </a:fillRef>
+          <a:effectRef idx="0">
+            <a:scrgbClr r="0" g="0" b="0"/>
+          </a:effectRef>
+          <a:fontRef idx="minor">
+            <a:schemeClr val="tx1"/>
+          </a:fontRef>
+        </p:style>
+      </p:cxnSp>
+      <p:sp>
+        <p:nvSpPr>
+          <p:cNvPr id="130" name="椭圆 129">
+            <a:extLst>
+              <a:ext uri="{FF2B5EF4-FFF2-40B4-BE49-F238E27FC236}">
+                <a16:creationId xmlns:a16="http://schemas.microsoft.com/office/drawing/2014/main" id="{F901E46E-4110-455F-8317-EC9700F5A18D}"/>
+              </a:ext>
+            </a:extLst>
+          </p:cNvPr>
+          <p:cNvSpPr/>
+          <p:nvPr/>
+        </p:nvSpPr>
+        <p:spPr>
+          <a:xfrm>
+            <a:off x="6638545" y="2667183"/>
+            <a:ext cx="168118" cy="168118"/>
+          </a:xfrm>
+          <a:prstGeom prst="ellipse">
+            <a:avLst/>
+          </a:prstGeom>
+          <a:solidFill>
+            <a:schemeClr val="bg1"/>
+          </a:solidFill>
+          <a:ln>
+            <a:solidFill>
+              <a:schemeClr val="tx1"/>
+            </a:solidFill>
+          </a:ln>
+        </p:spPr>
+        <p:style>
+          <a:lnRef idx="2">
+            <a:schemeClr val="accent1">
+              <a:shade val="50000"/>
+            </a:schemeClr>
+          </a:lnRef>
+          <a:fillRef idx="1">
+            <a:schemeClr val="accent1"/>
+          </a:fillRef>
+          <a:effectRef idx="0">
+            <a:schemeClr val="accent1"/>
+          </a:effectRef>
+          <a:fontRef idx="minor">
+            <a:schemeClr val="lt1"/>
+          </a:fontRef>
+        </p:style>
+        <p:txBody>
+          <a:bodyPr rtlCol="0" anchor="ctr"/>
+          <a:lstStyle/>
+          <a:p>
+            <a:pPr algn="ctr"/>
+            <a:endParaRPr lang="zh-CN" altLang="en-US"/>
+          </a:p>
+        </p:txBody>
+      </p:sp>
+      <p:cxnSp>
+        <p:nvCxnSpPr>
+          <p:cNvPr id="131" name="直接箭头连接符 130">
+            <a:extLst>
+              <a:ext uri="{FF2B5EF4-FFF2-40B4-BE49-F238E27FC236}">
+                <a16:creationId xmlns:a16="http://schemas.microsoft.com/office/drawing/2014/main" id="{9046F7DB-727F-4269-BC2B-D63476C5A08A}"/>
+              </a:ext>
+            </a:extLst>
+          </p:cNvPr>
+          <p:cNvCxnSpPr>
+            <a:cxnSpLocks/>
+            <a:stCxn id="130" idx="6"/>
+            <a:endCxn id="153" idx="2"/>
+          </p:cNvCxnSpPr>
+          <p:nvPr/>
+        </p:nvCxnSpPr>
+        <p:spPr>
+          <a:xfrm flipV="1">
+            <a:off x="6806663" y="2747340"/>
+            <a:ext cx="353019" cy="3902"/>
+          </a:xfrm>
+          <a:prstGeom prst="straightConnector1">
+            <a:avLst/>
+          </a:prstGeom>
+          <a:ln w="9525" cap="flat" cmpd="sng" algn="ctr">
+            <a:solidFill>
+              <a:schemeClr val="accent3"/>
+            </a:solidFill>
+            <a:prstDash val="solid"/>
+            <a:round/>
+            <a:headEnd type="none" w="med" len="med"/>
+            <a:tailEnd type="arrow" w="med" len="med"/>
+          </a:ln>
+        </p:spPr>
+        <p:style>
+          <a:lnRef idx="0">
+            <a:scrgbClr r="0" g="0" b="0"/>
+          </a:lnRef>
+          <a:fillRef idx="0">
+            <a:scrgbClr r="0" g="0" b="0"/>
+          </a:fillRef>
+          <a:effectRef idx="0">
+            <a:scrgbClr r="0" g="0" b="0"/>
+          </a:effectRef>
+          <a:fontRef idx="minor">
+            <a:schemeClr val="tx1"/>
+          </a:fontRef>
+        </p:style>
+      </p:cxnSp>
+      <p:pic>
+        <p:nvPicPr>
+          <p:cNvPr id="132" name="Picture 2">
+            <a:extLst>
+              <a:ext uri="{FF2B5EF4-FFF2-40B4-BE49-F238E27FC236}">
+                <a16:creationId xmlns:a16="http://schemas.microsoft.com/office/drawing/2014/main" id="{2F95A9EF-B210-4EB2-BB53-7B01F0CA2BD8}"/>
+              </a:ext>
+            </a:extLst>
+          </p:cNvPr>
+          <p:cNvPicPr>
+            <a:picLocks noChangeAspect="1" noChangeArrowheads="1"/>
+          </p:cNvPicPr>
+          <p:nvPr/>
+        </p:nvPicPr>
+        <p:blipFill>
+          <a:blip r:embed="rId6">
+            <a:extLst>
+              <a:ext uri="{28A0092B-C50C-407E-A947-70E740481C1C}">
+                <a14:useLocalDpi xmlns:a14="http://schemas.microsoft.com/office/drawing/2010/main" val="0"/>
+              </a:ext>
+            </a:extLst>
+          </a:blip>
+          <a:srcRect/>
+          <a:stretch>
+            <a:fillRect/>
+          </a:stretch>
+        </p:blipFill>
+        <p:spPr bwMode="auto">
+          <a:xfrm>
+            <a:off x="7662635" y="2640448"/>
+            <a:ext cx="213783" cy="213783"/>
+          </a:xfrm>
+          <a:prstGeom prst="rect">
+            <a:avLst/>
+          </a:prstGeom>
+          <a:noFill/>
+          <a:extLst>
+            <a:ext uri="{909E8E84-426E-40DD-AFC4-6F175D3DCCD1}">
+              <a14:hiddenFill xmlns:a14="http://schemas.microsoft.com/office/drawing/2010/main">
+                <a:solidFill>
+                  <a:srgbClr val="FFFFFF"/>
+                </a:solidFill>
+              </a14:hiddenFill>
+            </a:ext>
+          </a:extLst>
+        </p:spPr>
+      </p:pic>
+      <p:sp>
+        <p:nvSpPr>
+          <p:cNvPr id="133" name="文本框 132">
+            <a:extLst>
+              <a:ext uri="{FF2B5EF4-FFF2-40B4-BE49-F238E27FC236}">
+                <a16:creationId xmlns:a16="http://schemas.microsoft.com/office/drawing/2014/main" id="{C7CDB15A-B28E-422A-AFCE-662BA7522BE8}"/>
+              </a:ext>
+            </a:extLst>
+          </p:cNvPr>
+          <p:cNvSpPr txBox="1"/>
+          <p:nvPr/>
+        </p:nvSpPr>
+        <p:spPr>
+          <a:xfrm>
+            <a:off x="5621882" y="2834288"/>
+            <a:ext cx="351244" cy="215444"/>
+          </a:xfrm>
+          <a:prstGeom prst="rect">
+            <a:avLst/>
+          </a:prstGeom>
+          <a:noFill/>
+        </p:spPr>
+        <p:txBody>
+          <a:bodyPr wrap="square" rtlCol="0">
+            <a:spAutoFit/>
+          </a:bodyPr>
+          <a:lstStyle/>
+          <a:p>
+            <a:r>
+              <a:rPr lang="en-US" altLang="zh-CN" sz="800" dirty="0"/>
+              <a:t>100</a:t>
+            </a:r>
+            <a:endParaRPr lang="zh-CN" altLang="en-US" sz="800" dirty="0"/>
+          </a:p>
+        </p:txBody>
+      </p:sp>
+      <p:sp>
+        <p:nvSpPr>
+          <p:cNvPr id="134" name="文本框 133">
+            <a:extLst>
+              <a:ext uri="{FF2B5EF4-FFF2-40B4-BE49-F238E27FC236}">
+                <a16:creationId xmlns:a16="http://schemas.microsoft.com/office/drawing/2014/main" id="{2857E5DB-4E64-482A-A863-A3033925116F}"/>
+              </a:ext>
+            </a:extLst>
+          </p:cNvPr>
+          <p:cNvSpPr txBox="1"/>
+          <p:nvPr/>
+        </p:nvSpPr>
+        <p:spPr>
+          <a:xfrm>
+            <a:off x="6073359" y="2251213"/>
+            <a:ext cx="419515" cy="215444"/>
+          </a:xfrm>
+          <a:prstGeom prst="rect">
+            <a:avLst/>
+          </a:prstGeom>
+          <a:noFill/>
+        </p:spPr>
+        <p:txBody>
+          <a:bodyPr wrap="square" rtlCol="0">
+            <a:spAutoFit/>
+          </a:bodyPr>
+          <a:lstStyle/>
+          <a:p>
+            <a:r>
+              <a:rPr lang="en-US" altLang="zh-CN" sz="800" dirty="0"/>
+              <a:t>4000</a:t>
+            </a:r>
+            <a:endParaRPr lang="zh-CN" altLang="en-US" sz="800" dirty="0"/>
+          </a:p>
+        </p:txBody>
+      </p:sp>
+      <p:sp>
+        <p:nvSpPr>
+          <p:cNvPr id="135" name="文本框 134">
+            <a:extLst>
+              <a:ext uri="{FF2B5EF4-FFF2-40B4-BE49-F238E27FC236}">
+                <a16:creationId xmlns:a16="http://schemas.microsoft.com/office/drawing/2014/main" id="{A91A7A7F-B600-4BA9-9695-D24BDAA108B2}"/>
+              </a:ext>
+            </a:extLst>
+          </p:cNvPr>
+          <p:cNvSpPr txBox="1"/>
+          <p:nvPr/>
+        </p:nvSpPr>
+        <p:spPr>
+          <a:xfrm>
+            <a:off x="6754576" y="2568322"/>
+            <a:ext cx="403496" cy="215444"/>
+          </a:xfrm>
+          <a:prstGeom prst="rect">
+            <a:avLst/>
+          </a:prstGeom>
+          <a:noFill/>
+        </p:spPr>
+        <p:txBody>
+          <a:bodyPr wrap="square" rtlCol="0">
+            <a:spAutoFit/>
+          </a:bodyPr>
+          <a:lstStyle/>
+          <a:p>
+            <a:r>
+              <a:rPr lang="en-US" altLang="zh-CN" sz="800" dirty="0"/>
+              <a:t>4200</a:t>
+            </a:r>
+            <a:endParaRPr lang="zh-CN" altLang="en-US" sz="800" dirty="0"/>
+          </a:p>
+        </p:txBody>
+      </p:sp>
+      <mc:AlternateContent xmlns:mc="http://schemas.openxmlformats.org/markup-compatibility/2006">
+        <mc:Choice xmlns:a14="http://schemas.microsoft.com/office/drawing/2010/main" Requires="a14">
+          <p:sp>
+            <p:nvSpPr>
+              <p:cNvPr id="136" name="文本框 135">
+                <a:extLst>
+                  <a:ext uri="{FF2B5EF4-FFF2-40B4-BE49-F238E27FC236}">
+                    <a16:creationId xmlns:a16="http://schemas.microsoft.com/office/drawing/2014/main" id="{0E36845B-2676-4422-A599-278B5A01E762}"/>
+                  </a:ext>
+                </a:extLst>
+              </p:cNvPr>
+              <p:cNvSpPr txBox="1"/>
+              <p:nvPr/>
+            </p:nvSpPr>
+            <p:spPr>
+              <a:xfrm>
+                <a:off x="6524166" y="2710044"/>
+                <a:ext cx="396876" cy="76944"/>
+              </a:xfrm>
+              <a:prstGeom prst="rect">
+                <a:avLst/>
+              </a:prstGeom>
+              <a:noFill/>
+            </p:spPr>
+            <p:txBody>
+              <a:bodyPr wrap="square" lIns="0" tIns="0" rIns="0" bIns="0" rtlCol="0">
+                <a:spAutoFit/>
+              </a:bodyPr>
+              <a:lstStyle/>
+              <a:p>
+                <a14:m>
+                  <m:oMathPara xmlns:m="http://schemas.openxmlformats.org/officeDocument/2006/math">
+                    <m:oMathParaPr>
+                      <m:jc m:val="centerGroup"/>
+                    </m:oMathParaPr>
+                    <m:oMath xmlns:m="http://schemas.openxmlformats.org/officeDocument/2006/math">
+                      <m:r>
+                        <a:rPr lang="en-US" altLang="zh-CN" sz="500" b="0" i="1" smtClean="0">
+                          <a:latin typeface="Cambria Math" panose="02040503050406030204" pitchFamily="18" charset="0"/>
+                          <a:ea typeface="Cambria Math" panose="02040503050406030204" pitchFamily="18" charset="0"/>
+                        </a:rPr>
+                        <m:t>+</m:t>
+                      </m:r>
+                    </m:oMath>
+                  </m:oMathPara>
+                </a14:m>
+                <a:endParaRPr lang="zh-CN" altLang="en-US" sz="1200" dirty="0"/>
+              </a:p>
+            </p:txBody>
+          </p:sp>
+        </mc:Choice>
+        <mc:Fallback>
+          <p:sp>
+            <p:nvSpPr>
+              <p:cNvPr id="136" name="文本框 135">
+                <a:extLst>
+                  <a:ext uri="{FF2B5EF4-FFF2-40B4-BE49-F238E27FC236}">
+                    <a16:creationId xmlns:a16="http://schemas.microsoft.com/office/drawing/2014/main" id="{0E36845B-2676-4422-A599-278B5A01E762}"/>
+                  </a:ext>
+                </a:extLst>
+              </p:cNvPr>
+              <p:cNvSpPr txBox="1">
+                <a:spLocks noRot="1" noChangeAspect="1" noMove="1" noResize="1" noEditPoints="1" noAdjustHandles="1" noChangeArrowheads="1" noChangeShapeType="1" noTextEdit="1"/>
+              </p:cNvSpPr>
+              <p:nvPr/>
+            </p:nvSpPr>
+            <p:spPr>
+              <a:xfrm>
+                <a:off x="6524166" y="2710044"/>
+                <a:ext cx="396876" cy="76944"/>
+              </a:xfrm>
+              <a:prstGeom prst="rect">
+                <a:avLst/>
+              </a:prstGeom>
+              <a:blipFill>
+                <a:blip r:embed="rId9"/>
+                <a:stretch>
+                  <a:fillRect b="-16667"/>
+                </a:stretch>
+              </a:blipFill>
+            </p:spPr>
+            <p:txBody>
+              <a:bodyPr/>
+              <a:lstStyle/>
+              <a:p>
+                <a:r>
+                  <a:rPr lang="zh-CN" altLang="en-US">
+                    <a:noFill/>
+                  </a:rPr>
+                  <a:t> </a:t>
+                </a:r>
+              </a:p>
+            </p:txBody>
+          </p:sp>
+        </mc:Fallback>
+      </mc:AlternateContent>
+      <p:sp>
+        <p:nvSpPr>
+          <p:cNvPr id="137" name="文本框 136">
+            <a:extLst>
+              <a:ext uri="{FF2B5EF4-FFF2-40B4-BE49-F238E27FC236}">
+                <a16:creationId xmlns:a16="http://schemas.microsoft.com/office/drawing/2014/main" id="{8DF002CB-25ED-4985-8193-F0369D306198}"/>
+              </a:ext>
+            </a:extLst>
+          </p:cNvPr>
+          <p:cNvSpPr txBox="1"/>
+          <p:nvPr/>
+        </p:nvSpPr>
+        <p:spPr>
+          <a:xfrm>
+            <a:off x="5223477" y="3190954"/>
+            <a:ext cx="602651" cy="215444"/>
+          </a:xfrm>
+          <a:prstGeom prst="rect">
+            <a:avLst/>
+          </a:prstGeom>
+          <a:noFill/>
+        </p:spPr>
+        <p:txBody>
+          <a:bodyPr wrap="square" rtlCol="0">
+            <a:spAutoFit/>
+          </a:bodyPr>
+          <a:lstStyle/>
+          <a:p>
+            <a:r>
+              <a:rPr lang="zh-CN" altLang="en-US" sz="800" dirty="0"/>
+              <a:t>苹果个数</a:t>
+            </a:r>
+          </a:p>
+        </p:txBody>
+      </p:sp>
+      <p:cxnSp>
+        <p:nvCxnSpPr>
+          <p:cNvPr id="138" name="连接符: 肘形 137">
+            <a:extLst>
+              <a:ext uri="{FF2B5EF4-FFF2-40B4-BE49-F238E27FC236}">
+                <a16:creationId xmlns:a16="http://schemas.microsoft.com/office/drawing/2014/main" id="{F35454A5-C0C5-4D1A-9AC8-6BEC1ECAAE0B}"/>
+              </a:ext>
+            </a:extLst>
+          </p:cNvPr>
+          <p:cNvCxnSpPr>
+            <a:cxnSpLocks/>
+            <a:stCxn id="137" idx="3"/>
+            <a:endCxn id="125" idx="4"/>
+          </p:cNvCxnSpPr>
+          <p:nvPr/>
+        </p:nvCxnSpPr>
+        <p:spPr>
+          <a:xfrm flipV="1">
+            <a:off x="5826128" y="3106895"/>
+            <a:ext cx="331291" cy="191781"/>
+          </a:xfrm>
+          <a:prstGeom prst="bentConnector2">
+            <a:avLst/>
+          </a:prstGeom>
+          <a:ln w="9525" cap="flat" cmpd="sng" algn="ctr">
+            <a:solidFill>
+              <a:schemeClr val="accent3"/>
+            </a:solidFill>
+            <a:prstDash val="solid"/>
+            <a:round/>
+            <a:headEnd type="none" w="med" len="med"/>
+            <a:tailEnd type="arrow" w="med" len="med"/>
+          </a:ln>
+        </p:spPr>
+        <p:style>
+          <a:lnRef idx="0">
+            <a:scrgbClr r="0" g="0" b="0"/>
+          </a:lnRef>
+          <a:fillRef idx="0">
+            <a:scrgbClr r="0" g="0" b="0"/>
+          </a:fillRef>
+          <a:effectRef idx="0">
+            <a:scrgbClr r="0" g="0" b="0"/>
+          </a:effectRef>
+          <a:fontRef idx="minor">
+            <a:schemeClr val="tx1"/>
+          </a:fontRef>
+        </p:style>
+      </p:cxnSp>
+      <p:sp>
+        <p:nvSpPr>
+          <p:cNvPr id="139" name="文本框 138">
+            <a:extLst>
+              <a:ext uri="{FF2B5EF4-FFF2-40B4-BE49-F238E27FC236}">
+                <a16:creationId xmlns:a16="http://schemas.microsoft.com/office/drawing/2014/main" id="{132EAA78-057A-4DB9-9C41-54BD2EFCD4A1}"/>
+              </a:ext>
+            </a:extLst>
+          </p:cNvPr>
+          <p:cNvSpPr txBox="1"/>
+          <p:nvPr/>
+        </p:nvSpPr>
+        <p:spPr>
+          <a:xfrm>
+            <a:off x="5862641" y="3123184"/>
+            <a:ext cx="351244" cy="215444"/>
+          </a:xfrm>
+          <a:prstGeom prst="rect">
+            <a:avLst/>
+          </a:prstGeom>
+          <a:noFill/>
+        </p:spPr>
+        <p:txBody>
+          <a:bodyPr wrap="square" rtlCol="0">
+            <a:spAutoFit/>
+          </a:bodyPr>
+          <a:lstStyle/>
+          <a:p>
+            <a:r>
+              <a:rPr lang="en-US" altLang="zh-CN" sz="800" dirty="0"/>
+              <a:t>2</a:t>
+            </a:r>
+            <a:endParaRPr lang="zh-CN" altLang="en-US" sz="800" dirty="0"/>
+          </a:p>
+        </p:txBody>
+      </p:sp>
+      <p:sp>
+        <p:nvSpPr>
+          <p:cNvPr id="140" name="文本框 139">
+            <a:extLst>
+              <a:ext uri="{FF2B5EF4-FFF2-40B4-BE49-F238E27FC236}">
+                <a16:creationId xmlns:a16="http://schemas.microsoft.com/office/drawing/2014/main" id="{D04C7336-8528-4EF4-ADF3-C6D3007B5C43}"/>
+              </a:ext>
+            </a:extLst>
+          </p:cNvPr>
+          <p:cNvSpPr txBox="1"/>
+          <p:nvPr/>
+        </p:nvSpPr>
+        <p:spPr>
+          <a:xfrm>
+            <a:off x="5223477" y="3384537"/>
+            <a:ext cx="602651" cy="215444"/>
+          </a:xfrm>
+          <a:prstGeom prst="rect">
+            <a:avLst/>
+          </a:prstGeom>
+          <a:noFill/>
+        </p:spPr>
+        <p:txBody>
+          <a:bodyPr wrap="square" rtlCol="0">
+            <a:spAutoFit/>
+          </a:bodyPr>
+          <a:lstStyle/>
+          <a:p>
+            <a:r>
+              <a:rPr lang="zh-CN" altLang="en-US" sz="800" dirty="0"/>
+              <a:t>增值税</a:t>
+            </a:r>
+          </a:p>
+        </p:txBody>
+      </p:sp>
+      <p:cxnSp>
+        <p:nvCxnSpPr>
+          <p:cNvPr id="141" name="连接符: 肘形 140">
+            <a:extLst>
+              <a:ext uri="{FF2B5EF4-FFF2-40B4-BE49-F238E27FC236}">
+                <a16:creationId xmlns:a16="http://schemas.microsoft.com/office/drawing/2014/main" id="{B16B24C2-F680-4C95-A97F-FA0B9F65A45A}"/>
+              </a:ext>
+            </a:extLst>
+          </p:cNvPr>
+          <p:cNvCxnSpPr>
+            <a:cxnSpLocks/>
+            <a:stCxn id="140" idx="3"/>
+            <a:endCxn id="153" idx="4"/>
+          </p:cNvCxnSpPr>
+          <p:nvPr/>
+        </p:nvCxnSpPr>
+        <p:spPr>
+          <a:xfrm flipV="1">
+            <a:off x="5826128" y="2831399"/>
+            <a:ext cx="1417613" cy="660860"/>
+          </a:xfrm>
+          <a:prstGeom prst="bentConnector2">
+            <a:avLst/>
+          </a:prstGeom>
+          <a:ln w="9525" cap="flat" cmpd="sng" algn="ctr">
+            <a:solidFill>
+              <a:schemeClr val="accent3"/>
+            </a:solidFill>
+            <a:prstDash val="solid"/>
+            <a:round/>
+            <a:headEnd type="none" w="med" len="med"/>
+            <a:tailEnd type="arrow" w="med" len="med"/>
+          </a:ln>
+        </p:spPr>
+        <p:style>
+          <a:lnRef idx="0">
+            <a:scrgbClr r="0" g="0" b="0"/>
+          </a:lnRef>
+          <a:fillRef idx="0">
+            <a:scrgbClr r="0" g="0" b="0"/>
+          </a:fillRef>
+          <a:effectRef idx="0">
+            <a:scrgbClr r="0" g="0" b="0"/>
+          </a:effectRef>
+          <a:fontRef idx="minor">
+            <a:schemeClr val="tx1"/>
+          </a:fontRef>
+        </p:style>
+      </p:cxnSp>
+      <p:sp>
+        <p:nvSpPr>
+          <p:cNvPr id="142" name="文本框 141">
+            <a:extLst>
+              <a:ext uri="{FF2B5EF4-FFF2-40B4-BE49-F238E27FC236}">
+                <a16:creationId xmlns:a16="http://schemas.microsoft.com/office/drawing/2014/main" id="{78CBD3F4-A6FB-45B6-85BA-AFC9ADF2F42A}"/>
+              </a:ext>
+            </a:extLst>
+          </p:cNvPr>
+          <p:cNvSpPr txBox="1"/>
+          <p:nvPr/>
+        </p:nvSpPr>
+        <p:spPr>
+          <a:xfrm>
+            <a:off x="6453544" y="3303746"/>
+            <a:ext cx="351244" cy="215444"/>
+          </a:xfrm>
+          <a:prstGeom prst="rect">
+            <a:avLst/>
+          </a:prstGeom>
+          <a:noFill/>
+        </p:spPr>
+        <p:txBody>
+          <a:bodyPr wrap="square" rtlCol="0">
+            <a:spAutoFit/>
+          </a:bodyPr>
+          <a:lstStyle/>
+          <a:p>
+            <a:r>
+              <a:rPr lang="en-US" altLang="zh-CN" sz="800" dirty="0"/>
+              <a:t>1.1</a:t>
+            </a:r>
+            <a:endParaRPr lang="zh-CN" altLang="en-US" sz="800" dirty="0"/>
+          </a:p>
+        </p:txBody>
+      </p:sp>
+      <p:cxnSp>
+        <p:nvCxnSpPr>
+          <p:cNvPr id="150" name="连接符: 肘形 149">
+            <a:extLst>
+              <a:ext uri="{FF2B5EF4-FFF2-40B4-BE49-F238E27FC236}">
+                <a16:creationId xmlns:a16="http://schemas.microsoft.com/office/drawing/2014/main" id="{356887FE-7829-46B0-9EC6-850DDBEE8CD0}"/>
+              </a:ext>
+            </a:extLst>
+          </p:cNvPr>
+          <p:cNvCxnSpPr>
+            <a:cxnSpLocks/>
+            <a:stCxn id="125" idx="6"/>
+            <a:endCxn id="130" idx="4"/>
+          </p:cNvCxnSpPr>
+          <p:nvPr/>
+        </p:nvCxnSpPr>
+        <p:spPr>
+          <a:xfrm flipV="1">
+            <a:off x="6241478" y="2835301"/>
+            <a:ext cx="481126" cy="187535"/>
+          </a:xfrm>
+          <a:prstGeom prst="bentConnector2">
+            <a:avLst/>
+          </a:prstGeom>
+          <a:ln w="9525" cap="flat" cmpd="sng" algn="ctr">
+            <a:solidFill>
+              <a:schemeClr val="accent3"/>
+            </a:solidFill>
+            <a:prstDash val="solid"/>
+            <a:round/>
+            <a:headEnd type="none" w="med" len="med"/>
+            <a:tailEnd type="arrow" w="med" len="med"/>
+          </a:ln>
+        </p:spPr>
+        <p:style>
+          <a:lnRef idx="0">
+            <a:scrgbClr r="0" g="0" b="0"/>
+          </a:lnRef>
+          <a:fillRef idx="0">
+            <a:scrgbClr r="0" g="0" b="0"/>
+          </a:fillRef>
+          <a:effectRef idx="0">
+            <a:scrgbClr r="0" g="0" b="0"/>
+          </a:effectRef>
+          <a:fontRef idx="minor">
+            <a:schemeClr val="tx1"/>
+          </a:fontRef>
+        </p:style>
+      </p:cxnSp>
+      <p:cxnSp>
+        <p:nvCxnSpPr>
+          <p:cNvPr id="151" name="连接符: 肘形 150">
+            <a:extLst>
+              <a:ext uri="{FF2B5EF4-FFF2-40B4-BE49-F238E27FC236}">
+                <a16:creationId xmlns:a16="http://schemas.microsoft.com/office/drawing/2014/main" id="{0371BCAE-F7EB-421B-945B-8A113BDE8983}"/>
+              </a:ext>
+            </a:extLst>
+          </p:cNvPr>
+          <p:cNvCxnSpPr>
+            <a:cxnSpLocks/>
+            <a:stCxn id="123" idx="3"/>
+            <a:endCxn id="130" idx="0"/>
+          </p:cNvCxnSpPr>
+          <p:nvPr/>
+        </p:nvCxnSpPr>
+        <p:spPr>
+          <a:xfrm>
+            <a:off x="5902979" y="2469461"/>
+            <a:ext cx="819625" cy="197722"/>
+          </a:xfrm>
+          <a:prstGeom prst="bentConnector2">
+            <a:avLst/>
+          </a:prstGeom>
+          <a:ln w="9525" cap="flat" cmpd="sng" algn="ctr">
+            <a:solidFill>
+              <a:schemeClr val="accent3"/>
+            </a:solidFill>
+            <a:prstDash val="solid"/>
+            <a:round/>
+            <a:headEnd type="none" w="med" len="med"/>
+            <a:tailEnd type="arrow" w="med" len="med"/>
+          </a:ln>
+        </p:spPr>
+        <p:style>
+          <a:lnRef idx="0">
+            <a:scrgbClr r="0" g="0" b="0"/>
+          </a:lnRef>
+          <a:fillRef idx="0">
+            <a:scrgbClr r="0" g="0" b="0"/>
+          </a:fillRef>
+          <a:effectRef idx="0">
+            <a:scrgbClr r="0" g="0" b="0"/>
+          </a:effectRef>
+          <a:fontRef idx="minor">
+            <a:schemeClr val="tx1"/>
+          </a:fontRef>
+        </p:style>
+      </p:cxnSp>
+      <p:sp>
+        <p:nvSpPr>
+          <p:cNvPr id="152" name="文本框 151">
+            <a:extLst>
+              <a:ext uri="{FF2B5EF4-FFF2-40B4-BE49-F238E27FC236}">
+                <a16:creationId xmlns:a16="http://schemas.microsoft.com/office/drawing/2014/main" id="{D0D40828-E859-4875-AEE9-C8FFF5C385AF}"/>
+              </a:ext>
+            </a:extLst>
+          </p:cNvPr>
+          <p:cNvSpPr txBox="1"/>
+          <p:nvPr/>
+        </p:nvSpPr>
+        <p:spPr>
+          <a:xfrm>
+            <a:off x="6297262" y="2834288"/>
+            <a:ext cx="351244" cy="215444"/>
+          </a:xfrm>
+          <a:prstGeom prst="rect">
+            <a:avLst/>
+          </a:prstGeom>
+          <a:noFill/>
+        </p:spPr>
+        <p:txBody>
+          <a:bodyPr wrap="square" rtlCol="0">
+            <a:spAutoFit/>
+          </a:bodyPr>
+          <a:lstStyle/>
+          <a:p>
+            <a:r>
+              <a:rPr lang="en-US" altLang="zh-CN" sz="800" dirty="0"/>
+              <a:t>200</a:t>
+            </a:r>
+            <a:endParaRPr lang="zh-CN" altLang="en-US" sz="800" dirty="0"/>
+          </a:p>
+        </p:txBody>
+      </p:sp>
+      <p:sp>
+        <p:nvSpPr>
+          <p:cNvPr id="153" name="椭圆 152">
+            <a:extLst>
+              <a:ext uri="{FF2B5EF4-FFF2-40B4-BE49-F238E27FC236}">
+                <a16:creationId xmlns:a16="http://schemas.microsoft.com/office/drawing/2014/main" id="{536D6AE7-F25F-4B38-84A4-313AD463ACE2}"/>
+              </a:ext>
+            </a:extLst>
+          </p:cNvPr>
+          <p:cNvSpPr/>
+          <p:nvPr/>
+        </p:nvSpPr>
+        <p:spPr>
+          <a:xfrm>
+            <a:off x="7159682" y="2663281"/>
+            <a:ext cx="168118" cy="168118"/>
+          </a:xfrm>
+          <a:prstGeom prst="ellipse">
+            <a:avLst/>
+          </a:prstGeom>
+          <a:solidFill>
+            <a:schemeClr val="bg1"/>
+          </a:solidFill>
+          <a:ln>
+            <a:solidFill>
+              <a:schemeClr val="tx1"/>
+            </a:solidFill>
+          </a:ln>
+        </p:spPr>
+        <p:style>
+          <a:lnRef idx="2">
+            <a:schemeClr val="accent1">
+              <a:shade val="50000"/>
+            </a:schemeClr>
+          </a:lnRef>
+          <a:fillRef idx="1">
+            <a:schemeClr val="accent1"/>
+          </a:fillRef>
+          <a:effectRef idx="0">
+            <a:schemeClr val="accent1"/>
+          </a:effectRef>
+          <a:fontRef idx="minor">
+            <a:schemeClr val="lt1"/>
+          </a:fontRef>
+        </p:style>
+        <p:txBody>
+          <a:bodyPr rtlCol="0" anchor="ctr"/>
+          <a:lstStyle/>
+          <a:p>
+            <a:pPr algn="ctr"/>
+            <a:endParaRPr lang="zh-CN" altLang="en-US"/>
+          </a:p>
+        </p:txBody>
+      </p:sp>
+      <mc:AlternateContent xmlns:mc="http://schemas.openxmlformats.org/markup-compatibility/2006">
+        <mc:Choice xmlns:a14="http://schemas.microsoft.com/office/drawing/2010/main" Requires="a14">
+          <p:sp>
+            <p:nvSpPr>
+              <p:cNvPr id="154" name="文本框 153">
+                <a:extLst>
+                  <a:ext uri="{FF2B5EF4-FFF2-40B4-BE49-F238E27FC236}">
+                    <a16:creationId xmlns:a16="http://schemas.microsoft.com/office/drawing/2014/main" id="{1279796D-B259-4E49-8A54-A860D0DD123B}"/>
+                  </a:ext>
+                </a:extLst>
+              </p:cNvPr>
+              <p:cNvSpPr txBox="1"/>
+              <p:nvPr/>
+            </p:nvSpPr>
+            <p:spPr>
+              <a:xfrm>
+                <a:off x="7045303" y="2705394"/>
+                <a:ext cx="396876" cy="76944"/>
+              </a:xfrm>
+              <a:prstGeom prst="rect">
+                <a:avLst/>
+              </a:prstGeom>
+              <a:noFill/>
+            </p:spPr>
+            <p:txBody>
+              <a:bodyPr wrap="square" lIns="0" tIns="0" rIns="0" bIns="0" rtlCol="0">
+                <a:spAutoFit/>
+              </a:bodyPr>
+              <a:lstStyle/>
+              <a:p>
+                <a14:m>
+                  <m:oMathPara xmlns:m="http://schemas.openxmlformats.org/officeDocument/2006/math">
+                    <m:oMathParaPr>
+                      <m:jc m:val="centerGroup"/>
+                    </m:oMathParaPr>
+                    <m:oMath xmlns:m="http://schemas.openxmlformats.org/officeDocument/2006/math">
+                      <m:r>
+                        <a:rPr lang="en-US" altLang="zh-CN" sz="500" i="1" smtClean="0">
+                          <a:latin typeface="Cambria Math" panose="02040503050406030204" pitchFamily="18" charset="0"/>
+                          <a:ea typeface="Cambria Math" panose="02040503050406030204" pitchFamily="18" charset="0"/>
+                        </a:rPr>
+                        <m:t>×</m:t>
+                      </m:r>
+                    </m:oMath>
+                  </m:oMathPara>
+                </a14:m>
+                <a:endParaRPr lang="zh-CN" altLang="en-US" sz="1400" dirty="0"/>
+              </a:p>
+            </p:txBody>
+          </p:sp>
+        </mc:Choice>
+        <mc:Fallback>
+          <p:sp>
+            <p:nvSpPr>
+              <p:cNvPr id="154" name="文本框 153">
+                <a:extLst>
+                  <a:ext uri="{FF2B5EF4-FFF2-40B4-BE49-F238E27FC236}">
+                    <a16:creationId xmlns:a16="http://schemas.microsoft.com/office/drawing/2014/main" id="{1279796D-B259-4E49-8A54-A860D0DD123B}"/>
+                  </a:ext>
+                </a:extLst>
+              </p:cNvPr>
+              <p:cNvSpPr txBox="1">
+                <a:spLocks noRot="1" noChangeAspect="1" noMove="1" noResize="1" noEditPoints="1" noAdjustHandles="1" noChangeArrowheads="1" noChangeShapeType="1" noTextEdit="1"/>
+              </p:cNvSpPr>
+              <p:nvPr/>
+            </p:nvSpPr>
+            <p:spPr>
+              <a:xfrm>
+                <a:off x="7045303" y="2705394"/>
+                <a:ext cx="396876" cy="76944"/>
+              </a:xfrm>
+              <a:prstGeom prst="rect">
+                <a:avLst/>
+              </a:prstGeom>
+              <a:blipFill>
+                <a:blip r:embed="rId3"/>
+                <a:stretch>
+                  <a:fillRect b="-8333"/>
+                </a:stretch>
+              </a:blipFill>
+            </p:spPr>
+            <p:txBody>
+              <a:bodyPr/>
+              <a:lstStyle/>
+              <a:p>
+                <a:r>
+                  <a:rPr lang="zh-CN" altLang="en-US">
+                    <a:noFill/>
+                  </a:rPr>
+                  <a:t> </a:t>
+                </a:r>
+              </a:p>
+            </p:txBody>
+          </p:sp>
+        </mc:Fallback>
+      </mc:AlternateContent>
+      <p:cxnSp>
+        <p:nvCxnSpPr>
+          <p:cNvPr id="155" name="直接箭头连接符 154">
+            <a:extLst>
+              <a:ext uri="{FF2B5EF4-FFF2-40B4-BE49-F238E27FC236}">
+                <a16:creationId xmlns:a16="http://schemas.microsoft.com/office/drawing/2014/main" id="{A5CC0C8E-2A97-4D9E-97FA-4AF507C6122A}"/>
+              </a:ext>
+            </a:extLst>
+          </p:cNvPr>
+          <p:cNvCxnSpPr>
+            <a:cxnSpLocks/>
+            <a:stCxn id="153" idx="6"/>
+            <a:endCxn id="132" idx="1"/>
+          </p:cNvCxnSpPr>
+          <p:nvPr/>
+        </p:nvCxnSpPr>
+        <p:spPr>
+          <a:xfrm>
+            <a:off x="7327800" y="2747340"/>
+            <a:ext cx="334835" cy="0"/>
+          </a:xfrm>
+          <a:prstGeom prst="straightConnector1">
+            <a:avLst/>
+          </a:prstGeom>
+          <a:ln w="9525" cap="flat" cmpd="sng" algn="ctr">
+            <a:solidFill>
+              <a:schemeClr val="accent3"/>
+            </a:solidFill>
+            <a:prstDash val="solid"/>
+            <a:round/>
+            <a:headEnd type="none" w="med" len="med"/>
+            <a:tailEnd type="arrow" w="med" len="med"/>
+          </a:ln>
+        </p:spPr>
+        <p:style>
+          <a:lnRef idx="0">
+            <a:scrgbClr r="0" g="0" b="0"/>
+          </a:lnRef>
+          <a:fillRef idx="0">
+            <a:scrgbClr r="0" g="0" b="0"/>
+          </a:fillRef>
+          <a:effectRef idx="0">
+            <a:scrgbClr r="0" g="0" b="0"/>
+          </a:effectRef>
+          <a:fontRef idx="minor">
+            <a:schemeClr val="tx1"/>
+          </a:fontRef>
+        </p:style>
+      </p:cxnSp>
+      <p:sp>
+        <p:nvSpPr>
+          <p:cNvPr id="156" name="文本框 155">
+            <a:extLst>
+              <a:ext uri="{FF2B5EF4-FFF2-40B4-BE49-F238E27FC236}">
+                <a16:creationId xmlns:a16="http://schemas.microsoft.com/office/drawing/2014/main" id="{5CC8DB9D-883F-47E3-940B-DA9ADFAD8568}"/>
+              </a:ext>
+            </a:extLst>
+          </p:cNvPr>
+          <p:cNvSpPr txBox="1"/>
+          <p:nvPr/>
+        </p:nvSpPr>
+        <p:spPr>
+          <a:xfrm>
+            <a:off x="7255877" y="2550909"/>
+            <a:ext cx="462819" cy="215444"/>
+          </a:xfrm>
+          <a:prstGeom prst="rect">
+            <a:avLst/>
+          </a:prstGeom>
+          <a:noFill/>
+        </p:spPr>
+        <p:txBody>
+          <a:bodyPr wrap="square" rtlCol="0">
+            <a:spAutoFit/>
+          </a:bodyPr>
+          <a:lstStyle/>
+          <a:p>
+            <a:r>
+              <a:rPr lang="en-US" altLang="zh-CN" sz="800" dirty="0"/>
+              <a:t>4620</a:t>
+            </a:r>
+            <a:endParaRPr lang="zh-CN" altLang="en-US" sz="800" dirty="0"/>
+          </a:p>
+        </p:txBody>
+      </p:sp>
+      <p:pic>
+        <p:nvPicPr>
+          <p:cNvPr id="123" name="图片 122" descr="图片包含 容器, 篮子, 室内, 盒子&#10;&#10;描述已自动生成">
+            <a:extLst>
+              <a:ext uri="{FF2B5EF4-FFF2-40B4-BE49-F238E27FC236}">
+                <a16:creationId xmlns:a16="http://schemas.microsoft.com/office/drawing/2014/main" id="{1B529E0C-098E-4239-BE3D-0F05A1F296F8}"/>
+              </a:ext>
+            </a:extLst>
+          </p:cNvPr>
+          <p:cNvPicPr>
+            <a:picLocks noChangeAspect="1"/>
+          </p:cNvPicPr>
+          <p:nvPr/>
+        </p:nvPicPr>
+        <p:blipFill>
+          <a:blip r:embed="rId10">
+            <a:extLst>
+              <a:ext uri="{28A0092B-C50C-407E-A947-70E740481C1C}">
+                <a14:useLocalDpi xmlns:a14="http://schemas.microsoft.com/office/drawing/2010/main" val="0"/>
+              </a:ext>
+            </a:extLst>
+          </a:blip>
+          <a:stretch>
+            <a:fillRect/>
+          </a:stretch>
+        </p:blipFill>
+        <p:spPr>
+          <a:xfrm>
+            <a:off x="5099275" y="2193972"/>
+            <a:ext cx="803704" cy="550977"/>
+          </a:xfrm>
+          <a:prstGeom prst="rect">
+            <a:avLst/>
+          </a:prstGeom>
+        </p:spPr>
+      </p:pic>
+      <p:sp>
+        <p:nvSpPr>
+          <p:cNvPr id="161" name="椭圆 160">
+            <a:extLst>
+              <a:ext uri="{FF2B5EF4-FFF2-40B4-BE49-F238E27FC236}">
+                <a16:creationId xmlns:a16="http://schemas.microsoft.com/office/drawing/2014/main" id="{E8C3D61B-A82E-4DD4-B52D-0DA11309F287}"/>
+              </a:ext>
+            </a:extLst>
+          </p:cNvPr>
+          <p:cNvSpPr/>
+          <p:nvPr/>
+        </p:nvSpPr>
+        <p:spPr>
+          <a:xfrm>
+            <a:off x="2955510" y="2311275"/>
+            <a:ext cx="168118" cy="168118"/>
+          </a:xfrm>
+          <a:prstGeom prst="ellipse">
+            <a:avLst/>
+          </a:prstGeom>
+          <a:solidFill>
+            <a:schemeClr val="bg1"/>
+          </a:solidFill>
+          <a:ln>
+            <a:solidFill>
+              <a:schemeClr val="tx1"/>
+            </a:solidFill>
+          </a:ln>
+        </p:spPr>
+        <p:style>
+          <a:lnRef idx="2">
+            <a:schemeClr val="accent1">
+              <a:shade val="50000"/>
+            </a:schemeClr>
+          </a:lnRef>
+          <a:fillRef idx="1">
+            <a:schemeClr val="accent1"/>
+          </a:fillRef>
+          <a:effectRef idx="0">
+            <a:schemeClr val="accent1"/>
+          </a:effectRef>
+          <a:fontRef idx="minor">
+            <a:schemeClr val="lt1"/>
+          </a:fontRef>
+        </p:style>
+        <p:txBody>
+          <a:bodyPr rtlCol="0" anchor="ctr"/>
+          <a:lstStyle/>
+          <a:p>
+            <a:pPr algn="ctr"/>
+            <a:endParaRPr lang="zh-CN" altLang="en-US"/>
+          </a:p>
+        </p:txBody>
+      </p:sp>
+      <p:pic>
+        <p:nvPicPr>
+          <p:cNvPr id="162" name="图片 161" descr="图片包含 游戏机, 画, 食物&#10;&#10;描述已自动生成">
+            <a:extLst>
+              <a:ext uri="{FF2B5EF4-FFF2-40B4-BE49-F238E27FC236}">
+                <a16:creationId xmlns:a16="http://schemas.microsoft.com/office/drawing/2014/main" id="{ACE9A6D9-5D89-4943-B248-F9CB3E038CCB}"/>
+              </a:ext>
+            </a:extLst>
+          </p:cNvPr>
+          <p:cNvPicPr>
+            <a:picLocks noChangeAspect="1"/>
+          </p:cNvPicPr>
+          <p:nvPr/>
+        </p:nvPicPr>
+        <p:blipFill>
+          <a:blip r:embed="rId5">
+            <a:extLst>
+              <a:ext uri="{28A0092B-C50C-407E-A947-70E740481C1C}">
+                <a14:useLocalDpi xmlns:a14="http://schemas.microsoft.com/office/drawing/2010/main" val="0"/>
+              </a:ext>
+            </a:extLst>
+          </a:blip>
+          <a:stretch>
+            <a:fillRect/>
+          </a:stretch>
+        </p:blipFill>
+        <p:spPr>
+          <a:xfrm>
+            <a:off x="2275418" y="2268195"/>
+            <a:ext cx="198966" cy="254279"/>
+          </a:xfrm>
+          <a:prstGeom prst="rect">
+            <a:avLst/>
+          </a:prstGeom>
+        </p:spPr>
+      </p:pic>
+      <p:cxnSp>
+        <p:nvCxnSpPr>
+          <p:cNvPr id="163" name="直接箭头连接符 162">
+            <a:extLst>
+              <a:ext uri="{FF2B5EF4-FFF2-40B4-BE49-F238E27FC236}">
+                <a16:creationId xmlns:a16="http://schemas.microsoft.com/office/drawing/2014/main" id="{FB21C77E-1AC6-4C7F-AF1D-F756AD47126A}"/>
+              </a:ext>
+            </a:extLst>
+          </p:cNvPr>
+          <p:cNvCxnSpPr>
+            <a:cxnSpLocks/>
+            <a:stCxn id="162" idx="3"/>
+            <a:endCxn id="161" idx="2"/>
+          </p:cNvCxnSpPr>
+          <p:nvPr/>
+        </p:nvCxnSpPr>
+        <p:spPr>
+          <a:xfrm flipV="1">
+            <a:off x="2474384" y="2395334"/>
+            <a:ext cx="481126" cy="1"/>
+          </a:xfrm>
+          <a:prstGeom prst="straightConnector1">
+            <a:avLst/>
+          </a:prstGeom>
+          <a:ln w="9525" cap="flat" cmpd="sng" algn="ctr">
+            <a:solidFill>
+              <a:schemeClr val="accent3"/>
+            </a:solidFill>
+            <a:prstDash val="solid"/>
+            <a:round/>
+            <a:headEnd type="none" w="med" len="med"/>
+            <a:tailEnd type="arrow" w="med" len="med"/>
+          </a:ln>
+        </p:spPr>
+        <p:style>
+          <a:lnRef idx="0">
+            <a:scrgbClr r="0" g="0" b="0"/>
+          </a:lnRef>
+          <a:fillRef idx="0">
+            <a:scrgbClr r="0" g="0" b="0"/>
+          </a:fillRef>
+          <a:effectRef idx="0">
+            <a:scrgbClr r="0" g="0" b="0"/>
+          </a:effectRef>
+          <a:fontRef idx="minor">
+            <a:schemeClr val="tx1"/>
+          </a:fontRef>
+        </p:style>
+      </p:cxnSp>
+      <p:sp>
+        <p:nvSpPr>
+          <p:cNvPr id="164" name="椭圆 163">
+            <a:extLst>
+              <a:ext uri="{FF2B5EF4-FFF2-40B4-BE49-F238E27FC236}">
+                <a16:creationId xmlns:a16="http://schemas.microsoft.com/office/drawing/2014/main" id="{1B22FB54-9B1F-48EE-B85E-2A15B4546A41}"/>
+              </a:ext>
+            </a:extLst>
+          </p:cNvPr>
+          <p:cNvSpPr/>
+          <p:nvPr/>
+        </p:nvSpPr>
+        <p:spPr>
+          <a:xfrm>
+            <a:off x="3604754" y="2311275"/>
+            <a:ext cx="168118" cy="168118"/>
+          </a:xfrm>
+          <a:prstGeom prst="ellipse">
+            <a:avLst/>
+          </a:prstGeom>
+          <a:solidFill>
+            <a:schemeClr val="bg1"/>
+          </a:solidFill>
+          <a:ln>
+            <a:solidFill>
+              <a:schemeClr val="tx1"/>
+            </a:solidFill>
+          </a:ln>
+        </p:spPr>
+        <p:style>
+          <a:lnRef idx="2">
+            <a:schemeClr val="accent1">
+              <a:shade val="50000"/>
+            </a:schemeClr>
+          </a:lnRef>
+          <a:fillRef idx="1">
+            <a:schemeClr val="accent1"/>
+          </a:fillRef>
+          <a:effectRef idx="0">
+            <a:schemeClr val="accent1"/>
+          </a:effectRef>
+          <a:fontRef idx="minor">
+            <a:schemeClr val="lt1"/>
+          </a:fontRef>
+        </p:style>
+        <p:txBody>
+          <a:bodyPr rtlCol="0" anchor="ctr"/>
+          <a:lstStyle/>
+          <a:p>
+            <a:pPr algn="ctr"/>
+            <a:endParaRPr lang="zh-CN" altLang="en-US"/>
+          </a:p>
+        </p:txBody>
+      </p:sp>
+      <p:cxnSp>
+        <p:nvCxnSpPr>
+          <p:cNvPr id="165" name="直接箭头连接符 164">
+            <a:extLst>
+              <a:ext uri="{FF2B5EF4-FFF2-40B4-BE49-F238E27FC236}">
+                <a16:creationId xmlns:a16="http://schemas.microsoft.com/office/drawing/2014/main" id="{FC3953FD-F1E8-4758-AD2F-8E29BDA77FB9}"/>
+              </a:ext>
+            </a:extLst>
+          </p:cNvPr>
+          <p:cNvCxnSpPr>
+            <a:cxnSpLocks/>
+            <a:stCxn id="161" idx="6"/>
+            <a:endCxn id="164" idx="2"/>
+          </p:cNvCxnSpPr>
+          <p:nvPr/>
+        </p:nvCxnSpPr>
+        <p:spPr>
+          <a:xfrm>
+            <a:off x="3123628" y="2395334"/>
+            <a:ext cx="481126" cy="0"/>
+          </a:xfrm>
+          <a:prstGeom prst="straightConnector1">
+            <a:avLst/>
+          </a:prstGeom>
+          <a:ln w="9525" cap="flat" cmpd="sng" algn="ctr">
+            <a:solidFill>
+              <a:schemeClr val="accent3"/>
+            </a:solidFill>
+            <a:prstDash val="solid"/>
+            <a:round/>
+            <a:headEnd type="none" w="med" len="med"/>
+            <a:tailEnd type="arrow" w="med" len="med"/>
+          </a:ln>
+        </p:spPr>
+        <p:style>
+          <a:lnRef idx="0">
+            <a:scrgbClr r="0" g="0" b="0"/>
+          </a:lnRef>
+          <a:fillRef idx="0">
+            <a:scrgbClr r="0" g="0" b="0"/>
+          </a:fillRef>
+          <a:effectRef idx="0">
+            <a:scrgbClr r="0" g="0" b="0"/>
+          </a:effectRef>
+          <a:fontRef idx="minor">
+            <a:schemeClr val="tx1"/>
+          </a:fontRef>
+        </p:style>
+      </p:cxnSp>
+      <p:cxnSp>
+        <p:nvCxnSpPr>
+          <p:cNvPr id="166" name="直接箭头连接符 165">
+            <a:extLst>
+              <a:ext uri="{FF2B5EF4-FFF2-40B4-BE49-F238E27FC236}">
+                <a16:creationId xmlns:a16="http://schemas.microsoft.com/office/drawing/2014/main" id="{12FA09F3-56EF-40EB-BC9B-EB2906C59909}"/>
+              </a:ext>
+            </a:extLst>
+          </p:cNvPr>
+          <p:cNvCxnSpPr>
+            <a:cxnSpLocks/>
+            <a:stCxn id="164" idx="6"/>
+          </p:cNvCxnSpPr>
+          <p:nvPr/>
+        </p:nvCxnSpPr>
+        <p:spPr>
+          <a:xfrm>
+            <a:off x="3772872" y="2395334"/>
+            <a:ext cx="481126" cy="0"/>
+          </a:xfrm>
+          <a:prstGeom prst="straightConnector1">
+            <a:avLst/>
+          </a:prstGeom>
+          <a:ln w="9525" cap="flat" cmpd="sng" algn="ctr">
+            <a:solidFill>
+              <a:schemeClr val="accent3"/>
+            </a:solidFill>
+            <a:prstDash val="solid"/>
+            <a:round/>
+            <a:headEnd type="none" w="med" len="med"/>
+            <a:tailEnd type="arrow" w="med" len="med"/>
+          </a:ln>
+        </p:spPr>
+        <p:style>
+          <a:lnRef idx="0">
+            <a:scrgbClr r="0" g="0" b="0"/>
+          </a:lnRef>
+          <a:fillRef idx="0">
+            <a:scrgbClr r="0" g="0" b="0"/>
+          </a:fillRef>
+          <a:effectRef idx="0">
+            <a:scrgbClr r="0" g="0" b="0"/>
+          </a:effectRef>
+          <a:fontRef idx="minor">
+            <a:schemeClr val="tx1"/>
+          </a:fontRef>
+        </p:style>
+      </p:cxnSp>
+      <p:pic>
+        <p:nvPicPr>
+          <p:cNvPr id="167" name="Picture 2">
+            <a:extLst>
+              <a:ext uri="{FF2B5EF4-FFF2-40B4-BE49-F238E27FC236}">
+                <a16:creationId xmlns:a16="http://schemas.microsoft.com/office/drawing/2014/main" id="{EFE5F219-253F-422F-9193-5E1EECD2BBAD}"/>
+              </a:ext>
+            </a:extLst>
+          </p:cNvPr>
+          <p:cNvPicPr>
+            <a:picLocks noChangeAspect="1" noChangeArrowheads="1"/>
+          </p:cNvPicPr>
+          <p:nvPr/>
+        </p:nvPicPr>
+        <p:blipFill>
+          <a:blip r:embed="rId6">
+            <a:extLst>
+              <a:ext uri="{28A0092B-C50C-407E-A947-70E740481C1C}">
+                <a14:useLocalDpi xmlns:a14="http://schemas.microsoft.com/office/drawing/2010/main" val="0"/>
+              </a:ext>
+            </a:extLst>
+          </a:blip>
+          <a:srcRect/>
+          <a:stretch>
+            <a:fillRect/>
+          </a:stretch>
+        </p:blipFill>
+        <p:spPr bwMode="auto">
+          <a:xfrm>
+            <a:off x="4254397" y="2283151"/>
+            <a:ext cx="213783" cy="213783"/>
+          </a:xfrm>
+          <a:prstGeom prst="rect">
+            <a:avLst/>
+          </a:prstGeom>
+          <a:noFill/>
+          <a:extLst>
+            <a:ext uri="{909E8E84-426E-40DD-AFC4-6F175D3DCCD1}">
+              <a14:hiddenFill xmlns:a14="http://schemas.microsoft.com/office/drawing/2010/main">
+                <a:solidFill>
+                  <a:srgbClr val="FFFFFF"/>
+                </a:solidFill>
+              </a14:hiddenFill>
+            </a:ext>
+          </a:extLst>
+        </p:spPr>
+      </p:pic>
+      <p:sp>
+        <p:nvSpPr>
+          <p:cNvPr id="168" name="文本框 167">
+            <a:extLst>
+              <a:ext uri="{FF2B5EF4-FFF2-40B4-BE49-F238E27FC236}">
+                <a16:creationId xmlns:a16="http://schemas.microsoft.com/office/drawing/2014/main" id="{3CC1C3AF-FC6E-43BC-8E61-3F64E8609D7D}"/>
+              </a:ext>
+            </a:extLst>
+          </p:cNvPr>
+          <p:cNvSpPr txBox="1"/>
+          <p:nvPr/>
+        </p:nvSpPr>
+        <p:spPr>
+          <a:xfrm>
+            <a:off x="2502023" y="2160473"/>
+            <a:ext cx="351244" cy="215444"/>
+          </a:xfrm>
+          <a:prstGeom prst="rect">
+            <a:avLst/>
+          </a:prstGeom>
+          <a:noFill/>
+        </p:spPr>
+        <p:txBody>
+          <a:bodyPr wrap="square" rtlCol="0">
+            <a:spAutoFit/>
+          </a:bodyPr>
+          <a:lstStyle/>
+          <a:p>
+            <a:r>
+              <a:rPr lang="en-US" altLang="zh-CN" sz="800" dirty="0"/>
+              <a:t>100</a:t>
+            </a:r>
+            <a:endParaRPr lang="zh-CN" altLang="en-US" sz="800" dirty="0"/>
+          </a:p>
+        </p:txBody>
+      </p:sp>
+      <p:sp>
+        <p:nvSpPr>
+          <p:cNvPr id="169" name="文本框 168">
+            <a:extLst>
+              <a:ext uri="{FF2B5EF4-FFF2-40B4-BE49-F238E27FC236}">
+                <a16:creationId xmlns:a16="http://schemas.microsoft.com/office/drawing/2014/main" id="{A93AA3FE-01EC-41BB-9174-B5E0E9D30D8D}"/>
+              </a:ext>
+            </a:extLst>
+          </p:cNvPr>
+          <p:cNvSpPr txBox="1"/>
+          <p:nvPr/>
+        </p:nvSpPr>
+        <p:spPr>
+          <a:xfrm>
+            <a:off x="3202588" y="2160473"/>
+            <a:ext cx="351244" cy="215444"/>
+          </a:xfrm>
+          <a:prstGeom prst="rect">
+            <a:avLst/>
+          </a:prstGeom>
+          <a:noFill/>
+        </p:spPr>
+        <p:txBody>
+          <a:bodyPr wrap="square" rtlCol="0">
+            <a:spAutoFit/>
+          </a:bodyPr>
+          <a:lstStyle/>
+          <a:p>
+            <a:r>
+              <a:rPr lang="en-US" altLang="zh-CN" sz="800" dirty="0"/>
+              <a:t>200</a:t>
+            </a:r>
+            <a:endParaRPr lang="zh-CN" altLang="en-US" sz="800" dirty="0"/>
+          </a:p>
+        </p:txBody>
+      </p:sp>
+      <p:sp>
+        <p:nvSpPr>
+          <p:cNvPr id="170" name="文本框 169">
+            <a:extLst>
+              <a:ext uri="{FF2B5EF4-FFF2-40B4-BE49-F238E27FC236}">
+                <a16:creationId xmlns:a16="http://schemas.microsoft.com/office/drawing/2014/main" id="{5FFDB170-541C-4D65-9B39-D9D3B172BFFB}"/>
+              </a:ext>
+            </a:extLst>
+          </p:cNvPr>
+          <p:cNvSpPr txBox="1"/>
+          <p:nvPr/>
+        </p:nvSpPr>
+        <p:spPr>
+          <a:xfrm>
+            <a:off x="3840522" y="2160473"/>
+            <a:ext cx="351244" cy="215444"/>
+          </a:xfrm>
+          <a:prstGeom prst="rect">
+            <a:avLst/>
+          </a:prstGeom>
+          <a:noFill/>
+        </p:spPr>
+        <p:txBody>
+          <a:bodyPr wrap="square" rtlCol="0">
+            <a:spAutoFit/>
+          </a:bodyPr>
+          <a:lstStyle/>
+          <a:p>
+            <a:r>
+              <a:rPr lang="en-US" altLang="zh-CN" sz="800" dirty="0"/>
+              <a:t>220</a:t>
+            </a:r>
+            <a:endParaRPr lang="zh-CN" altLang="en-US" sz="800" dirty="0"/>
+          </a:p>
+        </p:txBody>
+      </p:sp>
+      <mc:AlternateContent xmlns:mc="http://schemas.openxmlformats.org/markup-compatibility/2006">
+        <mc:Choice xmlns:a14="http://schemas.microsoft.com/office/drawing/2010/main" Requires="a14">
+          <p:sp>
+            <p:nvSpPr>
+              <p:cNvPr id="171" name="文本框 170">
+                <a:extLst>
+                  <a:ext uri="{FF2B5EF4-FFF2-40B4-BE49-F238E27FC236}">
+                    <a16:creationId xmlns:a16="http://schemas.microsoft.com/office/drawing/2014/main" id="{9653EC22-E960-4463-B85D-4F842DF04F52}"/>
+                  </a:ext>
+                </a:extLst>
+              </p:cNvPr>
+              <p:cNvSpPr txBox="1"/>
+              <p:nvPr/>
+            </p:nvSpPr>
+            <p:spPr>
+              <a:xfrm>
+                <a:off x="2838203" y="2352427"/>
+                <a:ext cx="396876" cy="76944"/>
+              </a:xfrm>
+              <a:prstGeom prst="rect">
+                <a:avLst/>
+              </a:prstGeom>
+              <a:noFill/>
+            </p:spPr>
+            <p:txBody>
+              <a:bodyPr wrap="square" lIns="0" tIns="0" rIns="0" bIns="0" rtlCol="0">
+                <a:spAutoFit/>
+              </a:bodyPr>
+              <a:lstStyle/>
+              <a:p>
+                <a14:m>
+                  <m:oMathPara xmlns:m="http://schemas.openxmlformats.org/officeDocument/2006/math">
+                    <m:oMathParaPr>
+                      <m:jc m:val="centerGroup"/>
+                    </m:oMathParaPr>
+                    <m:oMath xmlns:m="http://schemas.openxmlformats.org/officeDocument/2006/math">
+                      <m:r>
+                        <a:rPr lang="en-US" altLang="zh-CN" sz="500" i="1" smtClean="0">
+                          <a:latin typeface="Cambria Math" panose="02040503050406030204" pitchFamily="18" charset="0"/>
+                          <a:ea typeface="Cambria Math" panose="02040503050406030204" pitchFamily="18" charset="0"/>
+                        </a:rPr>
+                        <m:t>×</m:t>
+                      </m:r>
+                    </m:oMath>
+                  </m:oMathPara>
+                </a14:m>
+                <a:endParaRPr lang="zh-CN" altLang="en-US" sz="1400" dirty="0"/>
+              </a:p>
+            </p:txBody>
+          </p:sp>
+        </mc:Choice>
+        <mc:Fallback>
+          <p:sp>
+            <p:nvSpPr>
+              <p:cNvPr id="171" name="文本框 170">
+                <a:extLst>
+                  <a:ext uri="{FF2B5EF4-FFF2-40B4-BE49-F238E27FC236}">
+                    <a16:creationId xmlns:a16="http://schemas.microsoft.com/office/drawing/2014/main" id="{9653EC22-E960-4463-B85D-4F842DF04F52}"/>
+                  </a:ext>
+                </a:extLst>
+              </p:cNvPr>
+              <p:cNvSpPr txBox="1">
+                <a:spLocks noRot="1" noChangeAspect="1" noMove="1" noResize="1" noEditPoints="1" noAdjustHandles="1" noChangeArrowheads="1" noChangeShapeType="1" noTextEdit="1"/>
+              </p:cNvSpPr>
+              <p:nvPr/>
+            </p:nvSpPr>
+            <p:spPr>
+              <a:xfrm>
+                <a:off x="2838203" y="2352427"/>
+                <a:ext cx="396876" cy="76944"/>
+              </a:xfrm>
+              <a:prstGeom prst="rect">
+                <a:avLst/>
+              </a:prstGeom>
+              <a:blipFill>
+                <a:blip r:embed="rId3"/>
+                <a:stretch>
+                  <a:fillRect/>
+                </a:stretch>
+              </a:blipFill>
+            </p:spPr>
+            <p:txBody>
+              <a:bodyPr/>
+              <a:lstStyle/>
+              <a:p>
+                <a:r>
+                  <a:rPr lang="zh-CN" altLang="en-US">
+                    <a:noFill/>
+                  </a:rPr>
+                  <a:t> </a:t>
+                </a:r>
+              </a:p>
+            </p:txBody>
+          </p:sp>
+        </mc:Fallback>
+      </mc:AlternateContent>
+      <mc:AlternateContent xmlns:mc="http://schemas.openxmlformats.org/markup-compatibility/2006">
+        <mc:Choice xmlns:a14="http://schemas.microsoft.com/office/drawing/2010/main" Requires="a14">
+          <p:sp>
+            <p:nvSpPr>
+              <p:cNvPr id="172" name="文本框 171">
+                <a:extLst>
+                  <a:ext uri="{FF2B5EF4-FFF2-40B4-BE49-F238E27FC236}">
+                    <a16:creationId xmlns:a16="http://schemas.microsoft.com/office/drawing/2014/main" id="{3AAA01DF-5C71-4448-B641-87ACF904245A}"/>
+                  </a:ext>
+                </a:extLst>
+              </p:cNvPr>
+              <p:cNvSpPr txBox="1"/>
+              <p:nvPr/>
+            </p:nvSpPr>
+            <p:spPr>
+              <a:xfrm>
+                <a:off x="3490375" y="2351570"/>
+                <a:ext cx="396876" cy="76944"/>
+              </a:xfrm>
+              <a:prstGeom prst="rect">
+                <a:avLst/>
+              </a:prstGeom>
+              <a:noFill/>
+            </p:spPr>
+            <p:txBody>
+              <a:bodyPr wrap="square" lIns="0" tIns="0" rIns="0" bIns="0" rtlCol="0">
+                <a:spAutoFit/>
+              </a:bodyPr>
+              <a:lstStyle/>
+              <a:p>
+                <a14:m>
+                  <m:oMathPara xmlns:m="http://schemas.openxmlformats.org/officeDocument/2006/math">
+                    <m:oMathParaPr>
+                      <m:jc m:val="centerGroup"/>
+                    </m:oMathParaPr>
+                    <m:oMath xmlns:m="http://schemas.openxmlformats.org/officeDocument/2006/math">
+                      <m:r>
+                        <a:rPr lang="en-US" altLang="zh-CN" sz="500" i="1" smtClean="0">
+                          <a:latin typeface="Cambria Math" panose="02040503050406030204" pitchFamily="18" charset="0"/>
+                          <a:ea typeface="Cambria Math" panose="02040503050406030204" pitchFamily="18" charset="0"/>
+                        </a:rPr>
+                        <m:t>×</m:t>
+                      </m:r>
+                    </m:oMath>
+                  </m:oMathPara>
+                </a14:m>
+                <a:endParaRPr lang="zh-CN" altLang="en-US" sz="1200" dirty="0"/>
+              </a:p>
+            </p:txBody>
+          </p:sp>
+        </mc:Choice>
+        <mc:Fallback>
+          <p:sp>
+            <p:nvSpPr>
+              <p:cNvPr id="172" name="文本框 171">
+                <a:extLst>
+                  <a:ext uri="{FF2B5EF4-FFF2-40B4-BE49-F238E27FC236}">
+                    <a16:creationId xmlns:a16="http://schemas.microsoft.com/office/drawing/2014/main" id="{3AAA01DF-5C71-4448-B641-87ACF904245A}"/>
+                  </a:ext>
+                </a:extLst>
+              </p:cNvPr>
+              <p:cNvSpPr txBox="1">
+                <a:spLocks noRot="1" noChangeAspect="1" noMove="1" noResize="1" noEditPoints="1" noAdjustHandles="1" noChangeArrowheads="1" noChangeShapeType="1" noTextEdit="1"/>
+              </p:cNvSpPr>
+              <p:nvPr/>
+            </p:nvSpPr>
+            <p:spPr>
+              <a:xfrm>
+                <a:off x="3490375" y="2351570"/>
+                <a:ext cx="396876" cy="76944"/>
+              </a:xfrm>
+              <a:prstGeom prst="rect">
+                <a:avLst/>
+              </a:prstGeom>
+              <a:blipFill>
+                <a:blip r:embed="rId3"/>
+                <a:stretch>
+                  <a:fillRect b="-8333"/>
+                </a:stretch>
+              </a:blipFill>
+            </p:spPr>
+            <p:txBody>
+              <a:bodyPr/>
+              <a:lstStyle/>
+              <a:p>
+                <a:r>
+                  <a:rPr lang="zh-CN" altLang="en-US">
+                    <a:noFill/>
+                  </a:rPr>
+                  <a:t> </a:t>
+                </a:r>
+              </a:p>
+            </p:txBody>
+          </p:sp>
+        </mc:Fallback>
+      </mc:AlternateContent>
+      <p:sp>
+        <p:nvSpPr>
+          <p:cNvPr id="173" name="文本框 172">
+            <a:extLst>
+              <a:ext uri="{FF2B5EF4-FFF2-40B4-BE49-F238E27FC236}">
+                <a16:creationId xmlns:a16="http://schemas.microsoft.com/office/drawing/2014/main" id="{5F64230D-8813-4E22-A54C-271D217BB0E6}"/>
+              </a:ext>
+            </a:extLst>
+          </p:cNvPr>
+          <p:cNvSpPr txBox="1"/>
+          <p:nvPr/>
+        </p:nvSpPr>
+        <p:spPr>
+          <a:xfrm>
+            <a:off x="2112296" y="2641913"/>
+            <a:ext cx="602651" cy="215444"/>
+          </a:xfrm>
+          <a:prstGeom prst="rect">
+            <a:avLst/>
+          </a:prstGeom>
+          <a:noFill/>
+        </p:spPr>
+        <p:txBody>
+          <a:bodyPr wrap="square" rtlCol="0">
+            <a:spAutoFit/>
+          </a:bodyPr>
+          <a:lstStyle/>
+          <a:p>
+            <a:r>
+              <a:rPr lang="zh-CN" altLang="en-US" sz="800" dirty="0"/>
+              <a:t>苹果个数</a:t>
+            </a:r>
+          </a:p>
+        </p:txBody>
+      </p:sp>
+      <p:cxnSp>
+        <p:nvCxnSpPr>
+          <p:cNvPr id="174" name="连接符: 肘形 173">
+            <a:extLst>
+              <a:ext uri="{FF2B5EF4-FFF2-40B4-BE49-F238E27FC236}">
+                <a16:creationId xmlns:a16="http://schemas.microsoft.com/office/drawing/2014/main" id="{136F2DEF-A106-460B-B5EC-7364BDB5E73B}"/>
+              </a:ext>
+            </a:extLst>
+          </p:cNvPr>
+          <p:cNvCxnSpPr>
+            <a:cxnSpLocks/>
+            <a:stCxn id="173" idx="3"/>
+            <a:endCxn id="161" idx="4"/>
+          </p:cNvCxnSpPr>
+          <p:nvPr/>
+        </p:nvCxnSpPr>
+        <p:spPr>
+          <a:xfrm flipV="1">
+            <a:off x="2714947" y="2479393"/>
+            <a:ext cx="324622" cy="270242"/>
+          </a:xfrm>
+          <a:prstGeom prst="bentConnector2">
+            <a:avLst/>
+          </a:prstGeom>
+          <a:ln w="9525" cap="flat" cmpd="sng" algn="ctr">
+            <a:solidFill>
+              <a:schemeClr val="accent3"/>
+            </a:solidFill>
+            <a:prstDash val="solid"/>
+            <a:round/>
+            <a:headEnd type="none" w="med" len="med"/>
+            <a:tailEnd type="arrow" w="med" len="med"/>
+          </a:ln>
+        </p:spPr>
+        <p:style>
+          <a:lnRef idx="0">
+            <a:scrgbClr r="0" g="0" b="0"/>
+          </a:lnRef>
+          <a:fillRef idx="0">
+            <a:scrgbClr r="0" g="0" b="0"/>
+          </a:fillRef>
+          <a:effectRef idx="0">
+            <a:scrgbClr r="0" g="0" b="0"/>
+          </a:effectRef>
+          <a:fontRef idx="minor">
+            <a:schemeClr val="tx1"/>
+          </a:fontRef>
+        </p:style>
+      </p:cxnSp>
+      <p:sp>
+        <p:nvSpPr>
+          <p:cNvPr id="175" name="文本框 174">
+            <a:extLst>
+              <a:ext uri="{FF2B5EF4-FFF2-40B4-BE49-F238E27FC236}">
+                <a16:creationId xmlns:a16="http://schemas.microsoft.com/office/drawing/2014/main" id="{F9C0DC8C-E8F8-48BA-81BA-E190E0A606C0}"/>
+              </a:ext>
+            </a:extLst>
+          </p:cNvPr>
+          <p:cNvSpPr txBox="1"/>
+          <p:nvPr/>
+        </p:nvSpPr>
+        <p:spPr>
+          <a:xfrm>
+            <a:off x="2751460" y="2574143"/>
+            <a:ext cx="351244" cy="215444"/>
+          </a:xfrm>
+          <a:prstGeom prst="rect">
+            <a:avLst/>
+          </a:prstGeom>
+          <a:noFill/>
+        </p:spPr>
+        <p:txBody>
+          <a:bodyPr wrap="square" rtlCol="0">
+            <a:spAutoFit/>
+          </a:bodyPr>
+          <a:lstStyle/>
+          <a:p>
+            <a:r>
+              <a:rPr lang="en-US" altLang="zh-CN" sz="800" dirty="0"/>
+              <a:t>2</a:t>
+            </a:r>
+            <a:endParaRPr lang="zh-CN" altLang="en-US" sz="800" dirty="0"/>
+          </a:p>
+        </p:txBody>
+      </p:sp>
+      <p:sp>
+        <p:nvSpPr>
+          <p:cNvPr id="176" name="文本框 175">
+            <a:extLst>
+              <a:ext uri="{FF2B5EF4-FFF2-40B4-BE49-F238E27FC236}">
+                <a16:creationId xmlns:a16="http://schemas.microsoft.com/office/drawing/2014/main" id="{FBFF088C-00F9-4AF6-986A-DEEE423E986E}"/>
+              </a:ext>
+            </a:extLst>
+          </p:cNvPr>
+          <p:cNvSpPr txBox="1"/>
+          <p:nvPr/>
+        </p:nvSpPr>
+        <p:spPr>
+          <a:xfrm>
+            <a:off x="2112295" y="2976796"/>
+            <a:ext cx="602651" cy="215444"/>
+          </a:xfrm>
+          <a:prstGeom prst="rect">
+            <a:avLst/>
+          </a:prstGeom>
+          <a:noFill/>
+        </p:spPr>
+        <p:txBody>
+          <a:bodyPr wrap="square" rtlCol="0">
+            <a:spAutoFit/>
+          </a:bodyPr>
+          <a:lstStyle/>
+          <a:p>
+            <a:r>
+              <a:rPr lang="zh-CN" altLang="en-US" sz="800" dirty="0"/>
+              <a:t>增值税</a:t>
+            </a:r>
+          </a:p>
+        </p:txBody>
+      </p:sp>
+      <p:cxnSp>
+        <p:nvCxnSpPr>
+          <p:cNvPr id="177" name="连接符: 肘形 176">
+            <a:extLst>
+              <a:ext uri="{FF2B5EF4-FFF2-40B4-BE49-F238E27FC236}">
+                <a16:creationId xmlns:a16="http://schemas.microsoft.com/office/drawing/2014/main" id="{62B02BDD-F7F5-47CC-A7E6-0F31ED300490}"/>
+              </a:ext>
+            </a:extLst>
+          </p:cNvPr>
+          <p:cNvCxnSpPr>
+            <a:cxnSpLocks/>
+            <a:stCxn id="176" idx="3"/>
+            <a:endCxn id="164" idx="4"/>
+          </p:cNvCxnSpPr>
+          <p:nvPr/>
+        </p:nvCxnSpPr>
+        <p:spPr>
+          <a:xfrm flipV="1">
+            <a:off x="2714946" y="2479393"/>
+            <a:ext cx="973867" cy="605125"/>
+          </a:xfrm>
+          <a:prstGeom prst="bentConnector2">
+            <a:avLst/>
+          </a:prstGeom>
+          <a:ln w="9525" cap="flat" cmpd="sng" algn="ctr">
+            <a:solidFill>
+              <a:schemeClr val="accent3"/>
+            </a:solidFill>
+            <a:prstDash val="solid"/>
+            <a:round/>
+            <a:headEnd type="none" w="med" len="med"/>
+            <a:tailEnd type="arrow" w="med" len="med"/>
+          </a:ln>
+        </p:spPr>
+        <p:style>
+          <a:lnRef idx="0">
+            <a:scrgbClr r="0" g="0" b="0"/>
+          </a:lnRef>
+          <a:fillRef idx="0">
+            <a:scrgbClr r="0" g="0" b="0"/>
+          </a:fillRef>
+          <a:effectRef idx="0">
+            <a:scrgbClr r="0" g="0" b="0"/>
+          </a:effectRef>
+          <a:fontRef idx="minor">
+            <a:schemeClr val="tx1"/>
+          </a:fontRef>
+        </p:style>
+      </p:cxnSp>
+      <p:sp>
+        <p:nvSpPr>
+          <p:cNvPr id="178" name="文本框 177">
+            <a:extLst>
+              <a:ext uri="{FF2B5EF4-FFF2-40B4-BE49-F238E27FC236}">
+                <a16:creationId xmlns:a16="http://schemas.microsoft.com/office/drawing/2014/main" id="{EF00F9D0-3063-477A-9AD5-158BB947587A}"/>
+              </a:ext>
+            </a:extLst>
+          </p:cNvPr>
+          <p:cNvSpPr txBox="1"/>
+          <p:nvPr/>
+        </p:nvSpPr>
+        <p:spPr>
+          <a:xfrm>
+            <a:off x="3059457" y="2900811"/>
+            <a:ext cx="351244" cy="215444"/>
+          </a:xfrm>
+          <a:prstGeom prst="rect">
+            <a:avLst/>
+          </a:prstGeom>
+          <a:noFill/>
+        </p:spPr>
+        <p:txBody>
+          <a:bodyPr wrap="square" rtlCol="0">
+            <a:spAutoFit/>
+          </a:bodyPr>
+          <a:lstStyle/>
+          <a:p>
+            <a:r>
+              <a:rPr lang="en-US" altLang="zh-CN" sz="800" dirty="0"/>
+              <a:t>1.1</a:t>
+            </a:r>
+            <a:endParaRPr lang="zh-CN" altLang="en-US" sz="800" dirty="0"/>
+          </a:p>
+        </p:txBody>
+      </p:sp>
+      <p:cxnSp>
+        <p:nvCxnSpPr>
+          <p:cNvPr id="1029" name="直接箭头连接符 1028">
+            <a:extLst>
+              <a:ext uri="{FF2B5EF4-FFF2-40B4-BE49-F238E27FC236}">
+                <a16:creationId xmlns:a16="http://schemas.microsoft.com/office/drawing/2014/main" id="{2DBAC06E-E646-44DA-B2AD-E4B186CAA10F}"/>
+              </a:ext>
+            </a:extLst>
+          </p:cNvPr>
+          <p:cNvCxnSpPr>
+            <a:cxnSpLocks/>
+            <a:stCxn id="161" idx="3"/>
+          </p:cNvCxnSpPr>
+          <p:nvPr/>
+        </p:nvCxnSpPr>
+        <p:spPr>
+          <a:xfrm flipH="1" flipV="1">
+            <a:off x="2468563" y="2449513"/>
+            <a:ext cx="511567" cy="5260"/>
+          </a:xfrm>
+          <a:prstGeom prst="straightConnector1">
+            <a:avLst/>
+          </a:prstGeom>
+          <a:ln w="9525" cap="flat" cmpd="sng" algn="ctr">
+            <a:solidFill>
+              <a:schemeClr val="accent2"/>
+            </a:solidFill>
+            <a:prstDash val="solid"/>
+            <a:round/>
+            <a:headEnd type="none" w="med" len="med"/>
+            <a:tailEnd type="arrow" w="med" len="med"/>
+          </a:ln>
+        </p:spPr>
+        <p:style>
+          <a:lnRef idx="0">
+            <a:scrgbClr r="0" g="0" b="0"/>
+          </a:lnRef>
+          <a:fillRef idx="0">
+            <a:scrgbClr r="0" g="0" b="0"/>
+          </a:fillRef>
+          <a:effectRef idx="0">
+            <a:scrgbClr r="0" g="0" b="0"/>
+          </a:effectRef>
+          <a:fontRef idx="minor">
+            <a:schemeClr val="tx1"/>
+          </a:fontRef>
+        </p:style>
+      </p:cxnSp>
+      <p:cxnSp>
+        <p:nvCxnSpPr>
+          <p:cNvPr id="183" name="直接箭头连接符 182">
+            <a:extLst>
+              <a:ext uri="{FF2B5EF4-FFF2-40B4-BE49-F238E27FC236}">
+                <a16:creationId xmlns:a16="http://schemas.microsoft.com/office/drawing/2014/main" id="{0C1DC6A9-4C57-4F40-996A-82FE57C59B81}"/>
+              </a:ext>
+            </a:extLst>
+          </p:cNvPr>
+          <p:cNvCxnSpPr>
+            <a:cxnSpLocks/>
+            <a:stCxn id="164" idx="3"/>
+            <a:endCxn id="161" idx="5"/>
+          </p:cNvCxnSpPr>
+          <p:nvPr/>
+        </p:nvCxnSpPr>
+        <p:spPr>
+          <a:xfrm flipH="1">
+            <a:off x="3099008" y="2454773"/>
+            <a:ext cx="530366" cy="0"/>
+          </a:xfrm>
+          <a:prstGeom prst="straightConnector1">
+            <a:avLst/>
+          </a:prstGeom>
+          <a:ln w="9525" cap="flat" cmpd="sng" algn="ctr">
+            <a:solidFill>
+              <a:schemeClr val="accent2"/>
+            </a:solidFill>
+            <a:prstDash val="solid"/>
+            <a:round/>
+            <a:headEnd type="none" w="med" len="med"/>
+            <a:tailEnd type="arrow" w="med" len="med"/>
+          </a:ln>
+        </p:spPr>
+        <p:style>
+          <a:lnRef idx="0">
+            <a:scrgbClr r="0" g="0" b="0"/>
+          </a:lnRef>
+          <a:fillRef idx="0">
+            <a:scrgbClr r="0" g="0" b="0"/>
+          </a:fillRef>
+          <a:effectRef idx="0">
+            <a:scrgbClr r="0" g="0" b="0"/>
+          </a:effectRef>
+          <a:fontRef idx="minor">
+            <a:schemeClr val="tx1"/>
+          </a:fontRef>
+        </p:style>
+      </p:cxnSp>
+      <p:cxnSp>
+        <p:nvCxnSpPr>
+          <p:cNvPr id="186" name="直接箭头连接符 185">
+            <a:extLst>
+              <a:ext uri="{FF2B5EF4-FFF2-40B4-BE49-F238E27FC236}">
+                <a16:creationId xmlns:a16="http://schemas.microsoft.com/office/drawing/2014/main" id="{A0CE80CC-7137-49B8-B7FB-6EA3D5F873A6}"/>
+              </a:ext>
+            </a:extLst>
+          </p:cNvPr>
+          <p:cNvCxnSpPr>
+            <a:cxnSpLocks/>
+            <a:endCxn id="164" idx="5"/>
+          </p:cNvCxnSpPr>
+          <p:nvPr/>
+        </p:nvCxnSpPr>
+        <p:spPr>
+          <a:xfrm flipH="1">
+            <a:off x="3748252" y="2454275"/>
+            <a:ext cx="498311" cy="498"/>
+          </a:xfrm>
+          <a:prstGeom prst="straightConnector1">
+            <a:avLst/>
+          </a:prstGeom>
+          <a:ln w="9525" cap="flat" cmpd="sng" algn="ctr">
+            <a:solidFill>
+              <a:schemeClr val="accent2"/>
+            </a:solidFill>
+            <a:prstDash val="solid"/>
+            <a:round/>
+            <a:headEnd type="none" w="med" len="med"/>
+            <a:tailEnd type="arrow" w="med" len="med"/>
+          </a:ln>
+        </p:spPr>
+        <p:style>
+          <a:lnRef idx="0">
+            <a:scrgbClr r="0" g="0" b="0"/>
+          </a:lnRef>
+          <a:fillRef idx="0">
+            <a:scrgbClr r="0" g="0" b="0"/>
+          </a:fillRef>
+          <a:effectRef idx="0">
+            <a:scrgbClr r="0" g="0" b="0"/>
+          </a:effectRef>
+          <a:fontRef idx="minor">
+            <a:schemeClr val="tx1"/>
+          </a:fontRef>
+        </p:style>
+      </p:cxnSp>
+      <p:sp>
+        <p:nvSpPr>
+          <p:cNvPr id="189" name="文本框 188">
+            <a:extLst>
+              <a:ext uri="{FF2B5EF4-FFF2-40B4-BE49-F238E27FC236}">
+                <a16:creationId xmlns:a16="http://schemas.microsoft.com/office/drawing/2014/main" id="{7BDA10FE-BB73-42A2-B214-22EB30FEBF35}"/>
+              </a:ext>
+            </a:extLst>
+          </p:cNvPr>
+          <p:cNvSpPr txBox="1"/>
+          <p:nvPr/>
+        </p:nvSpPr>
+        <p:spPr>
+          <a:xfrm>
+            <a:off x="2557224" y="2391999"/>
+            <a:ext cx="351244" cy="215444"/>
+          </a:xfrm>
+          <a:prstGeom prst="rect">
+            <a:avLst/>
+          </a:prstGeom>
+          <a:noFill/>
+        </p:spPr>
+        <p:txBody>
+          <a:bodyPr wrap="square" rtlCol="0">
+            <a:spAutoFit/>
+          </a:bodyPr>
+          <a:lstStyle/>
+          <a:p>
+            <a:r>
+              <a:rPr lang="en-US" altLang="zh-CN" sz="800" dirty="0"/>
+              <a:t>2.2</a:t>
+            </a:r>
+            <a:endParaRPr lang="zh-CN" altLang="en-US" sz="800" dirty="0"/>
+          </a:p>
+        </p:txBody>
+      </p:sp>
+      <p:sp>
+        <p:nvSpPr>
+          <p:cNvPr id="190" name="文本框 189">
+            <a:extLst>
+              <a:ext uri="{FF2B5EF4-FFF2-40B4-BE49-F238E27FC236}">
+                <a16:creationId xmlns:a16="http://schemas.microsoft.com/office/drawing/2014/main" id="{1F1D5510-FEA4-4384-B1E2-BCFFD631A32F}"/>
+              </a:ext>
+            </a:extLst>
+          </p:cNvPr>
+          <p:cNvSpPr txBox="1"/>
+          <p:nvPr/>
+        </p:nvSpPr>
+        <p:spPr>
+          <a:xfrm>
+            <a:off x="3233157" y="2390899"/>
+            <a:ext cx="351244" cy="215444"/>
+          </a:xfrm>
+          <a:prstGeom prst="rect">
+            <a:avLst/>
+          </a:prstGeom>
+          <a:noFill/>
+        </p:spPr>
+        <p:txBody>
+          <a:bodyPr wrap="square" rtlCol="0">
+            <a:spAutoFit/>
+          </a:bodyPr>
+          <a:lstStyle/>
+          <a:p>
+            <a:r>
+              <a:rPr lang="en-US" altLang="zh-CN" sz="800" dirty="0"/>
+              <a:t>1.1</a:t>
+            </a:r>
+            <a:endParaRPr lang="zh-CN" altLang="en-US" sz="800" dirty="0"/>
+          </a:p>
+        </p:txBody>
+      </p:sp>
+      <p:sp>
+        <p:nvSpPr>
+          <p:cNvPr id="191" name="文本框 190">
+            <a:extLst>
+              <a:ext uri="{FF2B5EF4-FFF2-40B4-BE49-F238E27FC236}">
+                <a16:creationId xmlns:a16="http://schemas.microsoft.com/office/drawing/2014/main" id="{F6FE7428-2839-4D7B-B5DE-32DEA3ED3423}"/>
+              </a:ext>
+            </a:extLst>
+          </p:cNvPr>
+          <p:cNvSpPr txBox="1"/>
+          <p:nvPr/>
+        </p:nvSpPr>
+        <p:spPr>
+          <a:xfrm>
+            <a:off x="3884605" y="2389212"/>
+            <a:ext cx="351244" cy="215444"/>
+          </a:xfrm>
+          <a:prstGeom prst="rect">
+            <a:avLst/>
+          </a:prstGeom>
+          <a:noFill/>
+        </p:spPr>
+        <p:txBody>
+          <a:bodyPr wrap="square" rtlCol="0">
+            <a:spAutoFit/>
+          </a:bodyPr>
+          <a:lstStyle/>
+          <a:p>
+            <a:r>
+              <a:rPr lang="en-US" altLang="zh-CN" sz="800" dirty="0"/>
+              <a:t>1</a:t>
+            </a:r>
+            <a:endParaRPr lang="zh-CN" altLang="en-US" sz="800" dirty="0"/>
+          </a:p>
+        </p:txBody>
+      </p:sp>
+    </p:spTree>
+    <p:extLst>
+      <p:ext uri="{BB962C8B-B14F-4D97-AF65-F5344CB8AC3E}">
+        <p14:creationId xmlns:p14="http://schemas.microsoft.com/office/powerpoint/2010/main" val="1543070041"/>
+      </p:ext>
+    </p:extLst>
+  </p:cSld>
+  <p:clrMapOvr>
+    <a:masterClrMapping/>
+  </p:clrMapOvr>
+</p:sld>
+</file>
+
+<file path=ppt/slides/slide9.xml><?xml version="1.0" encoding="utf-8"?>
+<p:sld xmlns:a="http://schemas.openxmlformats.org/drawingml/2006/main" xmlns:r="http://schemas.openxmlformats.org/officeDocument/2006/relationships" xmlns:p="http://schemas.openxmlformats.org/presentationml/2006/main">
+  <p:cSld>
+    <p:spTree>
+      <p:nvGrpSpPr>
+        <p:cNvPr id="1" name=""/>
+        <p:cNvGrpSpPr/>
+        <p:nvPr/>
+      </p:nvGrpSpPr>
+      <p:grpSpPr>
+        <a:xfrm>
+          <a:off x="0" y="0"/>
+          <a:ext cx="0" cy="0"/>
+          <a:chOff x="0" y="0"/>
+          <a:chExt cx="0" cy="0"/>
+        </a:xfrm>
+      </p:grpSpPr>
+    </p:spTree>
+    <p:extLst>
+      <p:ext uri="{BB962C8B-B14F-4D97-AF65-F5344CB8AC3E}">
+        <p14:creationId xmlns:p14="http://schemas.microsoft.com/office/powerpoint/2010/main" val="3760717095"/>
       </p:ext>
     </p:extLst>
   </p:cSld>

--- a/back_up_images/矢量图片.pptx
+++ b/back_up_images/矢量图片.pptx
@@ -31917,8 +31917,8 @@
           </a:p>
         </p:txBody>
       </p:sp>
-      <mc:AlternateContent xmlns:mc="http://schemas.openxmlformats.org/markup-compatibility/2006">
-        <mc:Choice xmlns:a14="http://schemas.microsoft.com/office/drawing/2010/main" Requires="a14">
+      <mc:AlternateContent xmlns:mc="http://schemas.openxmlformats.org/markup-compatibility/2006" xmlns:a14="http://schemas.microsoft.com/office/drawing/2010/main">
+        <mc:Choice Requires="a14">
           <p:sp>
             <p:nvSpPr>
               <p:cNvPr id="18" name="文本框 17">
@@ -31987,7 +31987,7 @@
             </p:txBody>
           </p:sp>
         </mc:Choice>
-        <mc:Fallback>
+        <mc:Fallback xmlns="">
           <p:sp>
             <p:nvSpPr>
               <p:cNvPr id="18" name="文本框 17">
@@ -32618,8 +32618,8 @@
           </a:p>
         </p:txBody>
       </p:sp>
-      <mc:AlternateContent xmlns:mc="http://schemas.openxmlformats.org/markup-compatibility/2006">
-        <mc:Choice xmlns:a14="http://schemas.microsoft.com/office/drawing/2010/main" Requires="a14">
+      <mc:AlternateContent xmlns:mc="http://schemas.openxmlformats.org/markup-compatibility/2006" xmlns:a14="http://schemas.microsoft.com/office/drawing/2010/main">
+        <mc:Choice Requires="a14">
           <p:sp>
             <p:nvSpPr>
               <p:cNvPr id="65" name="文本框 64">
@@ -32648,6 +32648,7 @@
               </a:bodyPr>
               <a:lstStyle/>
               <a:p>
+                <a:pPr/>
                 <a14:m>
                   <m:oMathPara xmlns:m="http://schemas.openxmlformats.org/officeDocument/2006/math">
                     <m:oMathParaPr>
@@ -32669,7 +32670,7 @@
             </p:txBody>
           </p:sp>
         </mc:Choice>
-        <mc:Fallback>
+        <mc:Fallback xmlns="">
           <p:sp>
             <p:nvSpPr>
               <p:cNvPr id="65" name="文本框 64">
@@ -33206,8 +33207,8 @@
           </a:p>
         </p:txBody>
       </p:sp>
-      <mc:AlternateContent xmlns:mc="http://schemas.openxmlformats.org/markup-compatibility/2006">
-        <mc:Choice xmlns:a14="http://schemas.microsoft.com/office/drawing/2010/main" Requires="a14">
+      <mc:AlternateContent xmlns:mc="http://schemas.openxmlformats.org/markup-compatibility/2006" xmlns:a14="http://schemas.microsoft.com/office/drawing/2010/main">
+        <mc:Choice Requires="a14">
           <p:sp>
             <p:nvSpPr>
               <p:cNvPr id="21" name="文本框 20">
@@ -33236,6 +33237,7 @@
               </a:bodyPr>
               <a:lstStyle/>
               <a:p>
+                <a:pPr/>
                 <a14:m>
                   <m:oMathPara xmlns:m="http://schemas.openxmlformats.org/officeDocument/2006/math">
                     <m:oMathParaPr>
@@ -33264,7 +33266,7 @@
             </p:txBody>
           </p:sp>
         </mc:Choice>
-        <mc:Fallback>
+        <mc:Fallback xmlns="">
           <p:sp>
             <p:nvSpPr>
               <p:cNvPr id="21" name="文本框 20">
@@ -33309,8 +33311,8 @@
           </p:sp>
         </mc:Fallback>
       </mc:AlternateContent>
-      <mc:AlternateContent xmlns:mc="http://schemas.openxmlformats.org/markup-compatibility/2006">
-        <mc:Choice xmlns:a14="http://schemas.microsoft.com/office/drawing/2010/main" Requires="a14">
+      <mc:AlternateContent xmlns:mc="http://schemas.openxmlformats.org/markup-compatibility/2006" xmlns:a14="http://schemas.microsoft.com/office/drawing/2010/main">
+        <mc:Choice Requires="a14">
           <p:sp>
             <p:nvSpPr>
               <p:cNvPr id="23" name="文本框 22">
@@ -33339,6 +33341,7 @@
               </a:bodyPr>
               <a:lstStyle/>
               <a:p>
+                <a:pPr/>
                 <a14:m>
                   <m:oMathPara xmlns:m="http://schemas.openxmlformats.org/officeDocument/2006/math">
                     <m:oMathParaPr>
@@ -33367,7 +33370,7 @@
             </p:txBody>
           </p:sp>
         </mc:Choice>
-        <mc:Fallback>
+        <mc:Fallback xmlns="">
           <p:sp>
             <p:nvSpPr>
               <p:cNvPr id="23" name="文本框 22">
@@ -33857,8 +33860,8 @@
           </a:p>
         </p:txBody>
       </p:sp>
-      <mc:AlternateContent xmlns:mc="http://schemas.openxmlformats.org/markup-compatibility/2006">
-        <mc:Choice xmlns:a14="http://schemas.microsoft.com/office/drawing/2010/main" Requires="a14">
+      <mc:AlternateContent xmlns:mc="http://schemas.openxmlformats.org/markup-compatibility/2006" xmlns:a14="http://schemas.microsoft.com/office/drawing/2010/main">
+        <mc:Choice Requires="a14">
           <p:sp>
             <p:nvSpPr>
               <p:cNvPr id="34" name="文本框 33">
@@ -33887,6 +33890,7 @@
               </a:bodyPr>
               <a:lstStyle/>
               <a:p>
+                <a:pPr/>
                 <a14:m>
                   <m:oMathPara xmlns:m="http://schemas.openxmlformats.org/officeDocument/2006/math">
                     <m:oMathParaPr>
@@ -33908,7 +33912,7 @@
             </p:txBody>
           </p:sp>
         </mc:Choice>
-        <mc:Fallback>
+        <mc:Fallback xmlns="">
           <p:sp>
             <p:nvSpPr>
               <p:cNvPr id="34" name="文本框 33">
@@ -33953,8 +33957,8 @@
           </p:sp>
         </mc:Fallback>
       </mc:AlternateContent>
-      <mc:AlternateContent xmlns:mc="http://schemas.openxmlformats.org/markup-compatibility/2006">
-        <mc:Choice xmlns:a14="http://schemas.microsoft.com/office/drawing/2010/main" Requires="a14">
+      <mc:AlternateContent xmlns:mc="http://schemas.openxmlformats.org/markup-compatibility/2006" xmlns:a14="http://schemas.microsoft.com/office/drawing/2010/main">
+        <mc:Choice Requires="a14">
           <p:sp>
             <p:nvSpPr>
               <p:cNvPr id="35" name="文本框 34">
@@ -33983,6 +33987,7 @@
               </a:bodyPr>
               <a:lstStyle/>
               <a:p>
+                <a:pPr/>
                 <a14:m>
                   <m:oMathPara xmlns:m="http://schemas.openxmlformats.org/officeDocument/2006/math">
                     <m:oMathParaPr>
@@ -34004,7 +34009,7 @@
             </p:txBody>
           </p:sp>
         </mc:Choice>
-        <mc:Fallback>
+        <mc:Fallback xmlns="">
           <p:sp>
             <p:nvSpPr>
               <p:cNvPr id="35" name="文本框 34">
@@ -34632,8 +34637,8 @@
           </a:p>
         </p:txBody>
       </p:sp>
-      <mc:AlternateContent xmlns:mc="http://schemas.openxmlformats.org/markup-compatibility/2006">
-        <mc:Choice xmlns:a14="http://schemas.microsoft.com/office/drawing/2010/main" Requires="a14">
+      <mc:AlternateContent xmlns:mc="http://schemas.openxmlformats.org/markup-compatibility/2006" xmlns:a14="http://schemas.microsoft.com/office/drawing/2010/main">
+        <mc:Choice Requires="a14">
           <p:sp>
             <p:nvSpPr>
               <p:cNvPr id="66" name="文本框 65">
@@ -34662,6 +34667,7 @@
               </a:bodyPr>
               <a:lstStyle/>
               <a:p>
+                <a:pPr/>
                 <a14:m>
                   <m:oMathPara xmlns:m="http://schemas.openxmlformats.org/officeDocument/2006/math">
                     <m:oMathParaPr>
@@ -34683,7 +34689,7 @@
             </p:txBody>
           </p:sp>
         </mc:Choice>
-        <mc:Fallback>
+        <mc:Fallback xmlns="">
           <p:sp>
             <p:nvSpPr>
               <p:cNvPr id="66" name="文本框 65">
@@ -35071,8 +35077,8 @@
           </a:p>
         </p:txBody>
       </p:sp>
-      <mc:AlternateContent xmlns:mc="http://schemas.openxmlformats.org/markup-compatibility/2006">
-        <mc:Choice xmlns:a14="http://schemas.microsoft.com/office/drawing/2010/main" Requires="a14">
+      <mc:AlternateContent xmlns:mc="http://schemas.openxmlformats.org/markup-compatibility/2006" xmlns:a14="http://schemas.microsoft.com/office/drawing/2010/main">
+        <mc:Choice Requires="a14">
           <p:sp>
             <p:nvSpPr>
               <p:cNvPr id="79" name="文本框 78">
@@ -35101,6 +35107,7 @@
               </a:bodyPr>
               <a:lstStyle/>
               <a:p>
+                <a:pPr/>
                 <a14:m>
                   <m:oMathPara xmlns:m="http://schemas.openxmlformats.org/officeDocument/2006/math">
                     <m:oMathParaPr>
@@ -35122,7 +35129,7 @@
             </p:txBody>
           </p:sp>
         </mc:Choice>
-        <mc:Fallback>
+        <mc:Fallback xmlns="">
           <p:sp>
             <p:nvSpPr>
               <p:cNvPr id="79" name="文本框 78">
@@ -35511,8 +35518,8 @@
           </a:p>
         </p:txBody>
       </p:sp>
-      <mc:AlternateContent xmlns:mc="http://schemas.openxmlformats.org/markup-compatibility/2006">
-        <mc:Choice xmlns:a14="http://schemas.microsoft.com/office/drawing/2010/main" Requires="a14">
+      <mc:AlternateContent xmlns:mc="http://schemas.openxmlformats.org/markup-compatibility/2006" xmlns:a14="http://schemas.microsoft.com/office/drawing/2010/main">
+        <mc:Choice Requires="a14">
           <p:sp>
             <p:nvSpPr>
               <p:cNvPr id="104" name="文本框 103">
@@ -35541,6 +35548,7 @@
               </a:bodyPr>
               <a:lstStyle/>
               <a:p>
+                <a:pPr/>
                 <a14:m>
                   <m:oMathPara xmlns:m="http://schemas.openxmlformats.org/officeDocument/2006/math">
                     <m:oMathParaPr>
@@ -35562,7 +35570,7 @@
             </p:txBody>
           </p:sp>
         </mc:Choice>
-        <mc:Fallback>
+        <mc:Fallback xmlns="">
           <p:sp>
             <p:nvSpPr>
               <p:cNvPr id="104" name="文本框 103">
@@ -35746,8 +35754,8 @@
           </a:p>
         </p:txBody>
       </p:sp>
-      <mc:AlternateContent xmlns:mc="http://schemas.openxmlformats.org/markup-compatibility/2006">
-        <mc:Choice xmlns:a14="http://schemas.microsoft.com/office/drawing/2010/main" Requires="a14">
+      <mc:AlternateContent xmlns:mc="http://schemas.openxmlformats.org/markup-compatibility/2006" xmlns:a14="http://schemas.microsoft.com/office/drawing/2010/main">
+        <mc:Choice Requires="a14">
           <p:sp>
             <p:nvSpPr>
               <p:cNvPr id="126" name="文本框 125">
@@ -35776,6 +35784,7 @@
               </a:bodyPr>
               <a:lstStyle/>
               <a:p>
+                <a:pPr/>
                 <a14:m>
                   <m:oMathPara xmlns:m="http://schemas.openxmlformats.org/officeDocument/2006/math">
                     <m:oMathParaPr>
@@ -35797,7 +35806,7 @@
             </p:txBody>
           </p:sp>
         </mc:Choice>
-        <mc:Fallback>
+        <mc:Fallback xmlns="">
           <p:sp>
             <p:nvSpPr>
               <p:cNvPr id="126" name="文本框 125">
@@ -36185,8 +36194,8 @@
           </a:p>
         </p:txBody>
       </p:sp>
-      <mc:AlternateContent xmlns:mc="http://schemas.openxmlformats.org/markup-compatibility/2006">
-        <mc:Choice xmlns:a14="http://schemas.microsoft.com/office/drawing/2010/main" Requires="a14">
+      <mc:AlternateContent xmlns:mc="http://schemas.openxmlformats.org/markup-compatibility/2006" xmlns:a14="http://schemas.microsoft.com/office/drawing/2010/main">
+        <mc:Choice Requires="a14">
           <p:sp>
             <p:nvSpPr>
               <p:cNvPr id="136" name="文本框 135">
@@ -36215,6 +36224,7 @@
               </a:bodyPr>
               <a:lstStyle/>
               <a:p>
+                <a:pPr/>
                 <a14:m>
                   <m:oMathPara xmlns:m="http://schemas.openxmlformats.org/officeDocument/2006/math">
                     <m:oMathParaPr>
@@ -36236,7 +36246,7 @@
             </p:txBody>
           </p:sp>
         </mc:Choice>
-        <mc:Fallback>
+        <mc:Fallback xmlns="">
           <p:sp>
             <p:nvSpPr>
               <p:cNvPr id="136" name="文本框 135">
@@ -36709,8 +36719,8 @@
           </a:p>
         </p:txBody>
       </p:sp>
-      <mc:AlternateContent xmlns:mc="http://schemas.openxmlformats.org/markup-compatibility/2006">
-        <mc:Choice xmlns:a14="http://schemas.microsoft.com/office/drawing/2010/main" Requires="a14">
+      <mc:AlternateContent xmlns:mc="http://schemas.openxmlformats.org/markup-compatibility/2006" xmlns:a14="http://schemas.microsoft.com/office/drawing/2010/main">
+        <mc:Choice Requires="a14">
           <p:sp>
             <p:nvSpPr>
               <p:cNvPr id="154" name="文本框 153">
@@ -36739,6 +36749,7 @@
               </a:bodyPr>
               <a:lstStyle/>
               <a:p>
+                <a:pPr/>
                 <a14:m>
                   <m:oMathPara xmlns:m="http://schemas.openxmlformats.org/officeDocument/2006/math">
                     <m:oMathParaPr>
@@ -36760,7 +36771,7 @@
             </p:txBody>
           </p:sp>
         </mc:Choice>
-        <mc:Fallback>
+        <mc:Fallback xmlns="">
           <p:sp>
             <p:nvSpPr>
               <p:cNvPr id="154" name="文本框 153">
@@ -37371,8 +37382,8 @@
           </a:p>
         </p:txBody>
       </p:sp>
-      <mc:AlternateContent xmlns:mc="http://schemas.openxmlformats.org/markup-compatibility/2006">
-        <mc:Choice xmlns:a14="http://schemas.microsoft.com/office/drawing/2010/main" Requires="a14">
+      <mc:AlternateContent xmlns:mc="http://schemas.openxmlformats.org/markup-compatibility/2006" xmlns:a14="http://schemas.microsoft.com/office/drawing/2010/main">
+        <mc:Choice Requires="a14">
           <p:sp>
             <p:nvSpPr>
               <p:cNvPr id="171" name="文本框 170">
@@ -37401,6 +37412,7 @@
               </a:bodyPr>
               <a:lstStyle/>
               <a:p>
+                <a:pPr/>
                 <a14:m>
                   <m:oMathPara xmlns:m="http://schemas.openxmlformats.org/officeDocument/2006/math">
                     <m:oMathParaPr>
@@ -37422,7 +37434,7 @@
             </p:txBody>
           </p:sp>
         </mc:Choice>
-        <mc:Fallback>
+        <mc:Fallback xmlns="">
           <p:sp>
             <p:nvSpPr>
               <p:cNvPr id="171" name="文本框 170">
@@ -37467,8 +37479,8 @@
           </p:sp>
         </mc:Fallback>
       </mc:AlternateContent>
-      <mc:AlternateContent xmlns:mc="http://schemas.openxmlformats.org/markup-compatibility/2006">
-        <mc:Choice xmlns:a14="http://schemas.microsoft.com/office/drawing/2010/main" Requires="a14">
+      <mc:AlternateContent xmlns:mc="http://schemas.openxmlformats.org/markup-compatibility/2006" xmlns:a14="http://schemas.microsoft.com/office/drawing/2010/main">
+        <mc:Choice Requires="a14">
           <p:sp>
             <p:nvSpPr>
               <p:cNvPr id="172" name="文本框 171">
@@ -37497,6 +37509,7 @@
               </a:bodyPr>
               <a:lstStyle/>
               <a:p>
+                <a:pPr/>
                 <a14:m>
                   <m:oMathPara xmlns:m="http://schemas.openxmlformats.org/officeDocument/2006/math">
                     <m:oMathParaPr>
@@ -37518,7 +37531,7 @@
             </p:txBody>
           </p:sp>
         </mc:Choice>
-        <mc:Fallback>
+        <mc:Fallback xmlns="">
           <p:sp>
             <p:nvSpPr>
               <p:cNvPr id="172" name="文本框 171">
@@ -38086,6 +38099,2272 @@
           <a:chExt cx="0" cy="0"/>
         </a:xfrm>
       </p:grpSpPr>
+      <p:sp>
+        <p:nvSpPr>
+          <p:cNvPr id="2" name="椭圆 1">
+            <a:extLst>
+              <a:ext uri="{FF2B5EF4-FFF2-40B4-BE49-F238E27FC236}">
+                <a16:creationId xmlns:a16="http://schemas.microsoft.com/office/drawing/2014/main" id="{45801ADB-AF79-4A96-886C-CF682CFFC90F}"/>
+              </a:ext>
+            </a:extLst>
+          </p:cNvPr>
+          <p:cNvSpPr/>
+          <p:nvPr/>
+        </p:nvSpPr>
+        <p:spPr>
+          <a:xfrm>
+            <a:off x="2955510" y="2311275"/>
+            <a:ext cx="168118" cy="168118"/>
+          </a:xfrm>
+          <a:prstGeom prst="ellipse">
+            <a:avLst/>
+          </a:prstGeom>
+          <a:solidFill>
+            <a:schemeClr val="bg1"/>
+          </a:solidFill>
+          <a:ln>
+            <a:solidFill>
+              <a:schemeClr val="tx1"/>
+            </a:solidFill>
+          </a:ln>
+        </p:spPr>
+        <p:style>
+          <a:lnRef idx="2">
+            <a:schemeClr val="accent1">
+              <a:shade val="50000"/>
+            </a:schemeClr>
+          </a:lnRef>
+          <a:fillRef idx="1">
+            <a:schemeClr val="accent1"/>
+          </a:fillRef>
+          <a:effectRef idx="0">
+            <a:schemeClr val="accent1"/>
+          </a:effectRef>
+          <a:fontRef idx="minor">
+            <a:schemeClr val="lt1"/>
+          </a:fontRef>
+        </p:style>
+        <p:txBody>
+          <a:bodyPr rtlCol="0" anchor="ctr"/>
+          <a:lstStyle/>
+          <a:p>
+            <a:pPr algn="ctr"/>
+            <a:endParaRPr lang="zh-CN" altLang="en-US"/>
+          </a:p>
+        </p:txBody>
+      </p:sp>
+      <p:cxnSp>
+        <p:nvCxnSpPr>
+          <p:cNvPr id="4" name="直接箭头连接符 3">
+            <a:extLst>
+              <a:ext uri="{FF2B5EF4-FFF2-40B4-BE49-F238E27FC236}">
+                <a16:creationId xmlns:a16="http://schemas.microsoft.com/office/drawing/2014/main" id="{BC4E1E7A-D23F-4A5C-B2C4-AE867A096F86}"/>
+              </a:ext>
+            </a:extLst>
+          </p:cNvPr>
+          <p:cNvCxnSpPr>
+            <a:cxnSpLocks/>
+            <a:endCxn id="2" idx="2"/>
+          </p:cNvCxnSpPr>
+          <p:nvPr/>
+        </p:nvCxnSpPr>
+        <p:spPr>
+          <a:xfrm flipV="1">
+            <a:off x="2474384" y="2395334"/>
+            <a:ext cx="481126" cy="1"/>
+          </a:xfrm>
+          <a:prstGeom prst="straightConnector1">
+            <a:avLst/>
+          </a:prstGeom>
+          <a:ln w="9525" cap="flat" cmpd="sng" algn="ctr">
+            <a:solidFill>
+              <a:schemeClr val="accent3"/>
+            </a:solidFill>
+            <a:prstDash val="solid"/>
+            <a:round/>
+            <a:headEnd type="none" w="med" len="med"/>
+            <a:tailEnd type="arrow" w="med" len="med"/>
+          </a:ln>
+        </p:spPr>
+        <p:style>
+          <a:lnRef idx="0">
+            <a:scrgbClr r="0" g="0" b="0"/>
+          </a:lnRef>
+          <a:fillRef idx="0">
+            <a:scrgbClr r="0" g="0" b="0"/>
+          </a:fillRef>
+          <a:effectRef idx="0">
+            <a:scrgbClr r="0" g="0" b="0"/>
+          </a:effectRef>
+          <a:fontRef idx="minor">
+            <a:schemeClr val="tx1"/>
+          </a:fontRef>
+        </p:style>
+      </p:cxnSp>
+      <p:cxnSp>
+        <p:nvCxnSpPr>
+          <p:cNvPr id="6" name="直接箭头连接符 5">
+            <a:extLst>
+              <a:ext uri="{FF2B5EF4-FFF2-40B4-BE49-F238E27FC236}">
+                <a16:creationId xmlns:a16="http://schemas.microsoft.com/office/drawing/2014/main" id="{4A693C19-EF1D-4164-B9A2-3D2EE3F6F3D3}"/>
+              </a:ext>
+            </a:extLst>
+          </p:cNvPr>
+          <p:cNvCxnSpPr>
+            <a:cxnSpLocks/>
+            <a:stCxn id="2" idx="6"/>
+          </p:cNvCxnSpPr>
+          <p:nvPr/>
+        </p:nvCxnSpPr>
+        <p:spPr>
+          <a:xfrm>
+            <a:off x="3123628" y="2395334"/>
+            <a:ext cx="481126" cy="0"/>
+          </a:xfrm>
+          <a:prstGeom prst="straightConnector1">
+            <a:avLst/>
+          </a:prstGeom>
+          <a:ln w="9525" cap="flat" cmpd="sng" algn="ctr">
+            <a:solidFill>
+              <a:schemeClr val="accent3"/>
+            </a:solidFill>
+            <a:prstDash val="solid"/>
+            <a:round/>
+            <a:headEnd type="none" w="med" len="med"/>
+            <a:tailEnd type="arrow" w="med" len="med"/>
+          </a:ln>
+        </p:spPr>
+        <p:style>
+          <a:lnRef idx="0">
+            <a:scrgbClr r="0" g="0" b="0"/>
+          </a:lnRef>
+          <a:fillRef idx="0">
+            <a:scrgbClr r="0" g="0" b="0"/>
+          </a:fillRef>
+          <a:effectRef idx="0">
+            <a:scrgbClr r="0" g="0" b="0"/>
+          </a:effectRef>
+          <a:fontRef idx="minor">
+            <a:schemeClr val="tx1"/>
+          </a:fontRef>
+        </p:style>
+      </p:cxnSp>
+      <mc:AlternateContent xmlns:mc="http://schemas.openxmlformats.org/markup-compatibility/2006">
+        <mc:Choice xmlns:a14="http://schemas.microsoft.com/office/drawing/2010/main" Requires="a14">
+          <p:sp>
+            <p:nvSpPr>
+              <p:cNvPr id="12" name="文本框 11">
+                <a:extLst>
+                  <a:ext uri="{FF2B5EF4-FFF2-40B4-BE49-F238E27FC236}">
+                    <a16:creationId xmlns:a16="http://schemas.microsoft.com/office/drawing/2014/main" id="{944F73A2-4A0D-488D-B81D-1D2FAAE88E8C}"/>
+                  </a:ext>
+                </a:extLst>
+              </p:cNvPr>
+              <p:cNvSpPr txBox="1"/>
+              <p:nvPr/>
+            </p:nvSpPr>
+            <p:spPr>
+              <a:xfrm>
+                <a:off x="2847299" y="2326402"/>
+                <a:ext cx="396876" cy="123111"/>
+              </a:xfrm>
+              <a:prstGeom prst="rect">
+                <a:avLst/>
+              </a:prstGeom>
+              <a:noFill/>
+            </p:spPr>
+            <p:txBody>
+              <a:bodyPr wrap="square" lIns="0" tIns="0" rIns="0" bIns="0" rtlCol="0">
+                <a:spAutoFit/>
+              </a:bodyPr>
+              <a:lstStyle/>
+              <a:p>
+                <a:pPr/>
+                <a14:m>
+                  <m:oMathPara xmlns:m="http://schemas.openxmlformats.org/officeDocument/2006/math">
+                    <m:oMathParaPr>
+                      <m:jc m:val="centerGroup"/>
+                    </m:oMathParaPr>
+                    <m:oMath xmlns:m="http://schemas.openxmlformats.org/officeDocument/2006/math">
+                      <m:r>
+                        <a:rPr lang="en-US" altLang="zh-CN" sz="800" b="0" i="1" smtClean="0">
+                          <a:latin typeface="Cambria Math" panose="02040503050406030204" pitchFamily="18" charset="0"/>
+                        </a:rPr>
+                        <m:t>𝑓</m:t>
+                      </m:r>
+                    </m:oMath>
+                  </m:oMathPara>
+                </a14:m>
+                <a:endParaRPr lang="zh-CN" altLang="en-US" sz="1400" dirty="0"/>
+              </a:p>
+            </p:txBody>
+          </p:sp>
+        </mc:Choice>
+        <mc:Fallback>
+          <p:sp>
+            <p:nvSpPr>
+              <p:cNvPr id="12" name="文本框 11">
+                <a:extLst>
+                  <a:ext uri="{FF2B5EF4-FFF2-40B4-BE49-F238E27FC236}">
+                    <a16:creationId xmlns:a16="http://schemas.microsoft.com/office/drawing/2014/main" id="{944F73A2-4A0D-488D-B81D-1D2FAAE88E8C}"/>
+                  </a:ext>
+                </a:extLst>
+              </p:cNvPr>
+              <p:cNvSpPr txBox="1">
+                <a:spLocks noRot="1" noChangeAspect="1" noMove="1" noResize="1" noEditPoints="1" noAdjustHandles="1" noChangeArrowheads="1" noChangeShapeType="1" noTextEdit="1"/>
+              </p:cNvSpPr>
+              <p:nvPr/>
+            </p:nvSpPr>
+            <p:spPr>
+              <a:xfrm>
+                <a:off x="2847299" y="2326402"/>
+                <a:ext cx="396876" cy="123111"/>
+              </a:xfrm>
+              <a:prstGeom prst="rect">
+                <a:avLst/>
+              </a:prstGeom>
+              <a:blipFill>
+                <a:blip r:embed="rId3"/>
+                <a:stretch>
+                  <a:fillRect t="-5000" b="-40000"/>
+                </a:stretch>
+              </a:blipFill>
+            </p:spPr>
+            <p:txBody>
+              <a:bodyPr/>
+              <a:lstStyle/>
+              <a:p>
+                <a:r>
+                  <a:rPr lang="zh-CN" altLang="en-US">
+                    <a:noFill/>
+                  </a:rPr>
+                  <a:t> </a:t>
+                </a:r>
+              </a:p>
+            </p:txBody>
+          </p:sp>
+        </mc:Fallback>
+      </mc:AlternateContent>
+      <p:cxnSp>
+        <p:nvCxnSpPr>
+          <p:cNvPr id="20" name="直接箭头连接符 19">
+            <a:extLst>
+              <a:ext uri="{FF2B5EF4-FFF2-40B4-BE49-F238E27FC236}">
+                <a16:creationId xmlns:a16="http://schemas.microsoft.com/office/drawing/2014/main" id="{4D9F92F3-AA08-4FAA-A268-DBC79B67EF6B}"/>
+              </a:ext>
+            </a:extLst>
+          </p:cNvPr>
+          <p:cNvCxnSpPr>
+            <a:cxnSpLocks/>
+            <a:stCxn id="2" idx="3"/>
+          </p:cNvCxnSpPr>
+          <p:nvPr/>
+        </p:nvCxnSpPr>
+        <p:spPr>
+          <a:xfrm flipH="1" flipV="1">
+            <a:off x="2468563" y="2449513"/>
+            <a:ext cx="511567" cy="5260"/>
+          </a:xfrm>
+          <a:prstGeom prst="straightConnector1">
+            <a:avLst/>
+          </a:prstGeom>
+          <a:ln w="9525" cap="flat" cmpd="sng" algn="ctr">
+            <a:solidFill>
+              <a:schemeClr val="accent2"/>
+            </a:solidFill>
+            <a:prstDash val="solid"/>
+            <a:round/>
+            <a:headEnd type="none" w="med" len="med"/>
+            <a:tailEnd type="arrow" w="med" len="med"/>
+          </a:ln>
+        </p:spPr>
+        <p:style>
+          <a:lnRef idx="0">
+            <a:scrgbClr r="0" g="0" b="0"/>
+          </a:lnRef>
+          <a:fillRef idx="0">
+            <a:scrgbClr r="0" g="0" b="0"/>
+          </a:fillRef>
+          <a:effectRef idx="0">
+            <a:scrgbClr r="0" g="0" b="0"/>
+          </a:effectRef>
+          <a:fontRef idx="minor">
+            <a:schemeClr val="tx1"/>
+          </a:fontRef>
+        </p:style>
+      </p:cxnSp>
+      <p:cxnSp>
+        <p:nvCxnSpPr>
+          <p:cNvPr id="21" name="直接箭头连接符 20">
+            <a:extLst>
+              <a:ext uri="{FF2B5EF4-FFF2-40B4-BE49-F238E27FC236}">
+                <a16:creationId xmlns:a16="http://schemas.microsoft.com/office/drawing/2014/main" id="{EDAB2DF3-F4B9-4683-A398-D12C7849A6D8}"/>
+              </a:ext>
+            </a:extLst>
+          </p:cNvPr>
+          <p:cNvCxnSpPr>
+            <a:cxnSpLocks/>
+            <a:endCxn id="2" idx="5"/>
+          </p:cNvCxnSpPr>
+          <p:nvPr/>
+        </p:nvCxnSpPr>
+        <p:spPr>
+          <a:xfrm flipH="1">
+            <a:off x="3099008" y="2454773"/>
+            <a:ext cx="530366" cy="0"/>
+          </a:xfrm>
+          <a:prstGeom prst="straightConnector1">
+            <a:avLst/>
+          </a:prstGeom>
+          <a:ln w="9525" cap="flat" cmpd="sng" algn="ctr">
+            <a:solidFill>
+              <a:schemeClr val="accent2"/>
+            </a:solidFill>
+            <a:prstDash val="solid"/>
+            <a:round/>
+            <a:headEnd type="none" w="med" len="med"/>
+            <a:tailEnd type="arrow" w="med" len="med"/>
+          </a:ln>
+        </p:spPr>
+        <p:style>
+          <a:lnRef idx="0">
+            <a:scrgbClr r="0" g="0" b="0"/>
+          </a:lnRef>
+          <a:fillRef idx="0">
+            <a:scrgbClr r="0" g="0" b="0"/>
+          </a:fillRef>
+          <a:effectRef idx="0">
+            <a:scrgbClr r="0" g="0" b="0"/>
+          </a:effectRef>
+          <a:fontRef idx="minor">
+            <a:schemeClr val="tx1"/>
+          </a:fontRef>
+        </p:style>
+      </p:cxnSp>
+      <mc:AlternateContent xmlns:mc="http://schemas.openxmlformats.org/markup-compatibility/2006">
+        <mc:Choice xmlns:a14="http://schemas.microsoft.com/office/drawing/2010/main" Requires="a14">
+          <p:sp>
+            <p:nvSpPr>
+              <p:cNvPr id="26" name="文本框 25">
+                <a:extLst>
+                  <a:ext uri="{FF2B5EF4-FFF2-40B4-BE49-F238E27FC236}">
+                    <a16:creationId xmlns:a16="http://schemas.microsoft.com/office/drawing/2014/main" id="{CA0B66E5-0C45-48A6-B45F-F37549D6E631}"/>
+                  </a:ext>
+                </a:extLst>
+              </p:cNvPr>
+              <p:cNvSpPr txBox="1"/>
+              <p:nvPr/>
+            </p:nvSpPr>
+            <p:spPr>
+              <a:xfrm>
+                <a:off x="2681129" y="2267788"/>
+                <a:ext cx="86434" cy="123111"/>
+              </a:xfrm>
+              <a:prstGeom prst="rect">
+                <a:avLst/>
+              </a:prstGeom>
+              <a:noFill/>
+            </p:spPr>
+            <p:txBody>
+              <a:bodyPr wrap="none" lIns="0" tIns="0" rIns="0" bIns="0" rtlCol="0">
+                <a:spAutoFit/>
+              </a:bodyPr>
+              <a:lstStyle/>
+              <a:p>
+                <a14:m>
+                  <m:oMathPara xmlns:m="http://schemas.openxmlformats.org/officeDocument/2006/math">
+                    <m:oMathParaPr>
+                      <m:jc m:val="centerGroup"/>
+                    </m:oMathParaPr>
+                    <m:oMath xmlns:m="http://schemas.openxmlformats.org/officeDocument/2006/math">
+                      <m:r>
+                        <a:rPr lang="en-US" altLang="zh-CN" sz="800" b="0" i="1" smtClean="0">
+                          <a:latin typeface="Cambria Math" panose="02040503050406030204" pitchFamily="18" charset="0"/>
+                        </a:rPr>
+                        <m:t>𝑥</m:t>
+                      </m:r>
+                    </m:oMath>
+                  </m:oMathPara>
+                </a14:m>
+                <a:endParaRPr lang="zh-CN" altLang="en-US" sz="800" dirty="0"/>
+              </a:p>
+            </p:txBody>
+          </p:sp>
+        </mc:Choice>
+        <mc:Fallback>
+          <p:sp>
+            <p:nvSpPr>
+              <p:cNvPr id="26" name="文本框 25">
+                <a:extLst>
+                  <a:ext uri="{FF2B5EF4-FFF2-40B4-BE49-F238E27FC236}">
+                    <a16:creationId xmlns:a16="http://schemas.microsoft.com/office/drawing/2014/main" id="{CA0B66E5-0C45-48A6-B45F-F37549D6E631}"/>
+                  </a:ext>
+                </a:extLst>
+              </p:cNvPr>
+              <p:cNvSpPr txBox="1">
+                <a:spLocks noRot="1" noChangeAspect="1" noMove="1" noResize="1" noEditPoints="1" noAdjustHandles="1" noChangeArrowheads="1" noChangeShapeType="1" noTextEdit="1"/>
+              </p:cNvSpPr>
+              <p:nvPr/>
+            </p:nvSpPr>
+            <p:spPr>
+              <a:xfrm>
+                <a:off x="2681129" y="2267788"/>
+                <a:ext cx="86434" cy="123111"/>
+              </a:xfrm>
+              <a:prstGeom prst="rect">
+                <a:avLst/>
+              </a:prstGeom>
+              <a:blipFill>
+                <a:blip r:embed="rId4"/>
+                <a:stretch>
+                  <a:fillRect l="-21429" r="-7143" b="-5000"/>
+                </a:stretch>
+              </a:blipFill>
+            </p:spPr>
+            <p:txBody>
+              <a:bodyPr/>
+              <a:lstStyle/>
+              <a:p>
+                <a:r>
+                  <a:rPr lang="zh-CN" altLang="en-US">
+                    <a:noFill/>
+                  </a:rPr>
+                  <a:t> </a:t>
+                </a:r>
+              </a:p>
+            </p:txBody>
+          </p:sp>
+        </mc:Fallback>
+      </mc:AlternateContent>
+      <mc:AlternateContent xmlns:mc="http://schemas.openxmlformats.org/markup-compatibility/2006">
+        <mc:Choice xmlns:a14="http://schemas.microsoft.com/office/drawing/2010/main" Requires="a14">
+          <p:sp>
+            <p:nvSpPr>
+              <p:cNvPr id="27" name="文本框 26">
+                <a:extLst>
+                  <a:ext uri="{FF2B5EF4-FFF2-40B4-BE49-F238E27FC236}">
+                    <a16:creationId xmlns:a16="http://schemas.microsoft.com/office/drawing/2014/main" id="{F3798091-5441-4CB8-AEE6-1B62244FE397}"/>
+                  </a:ext>
+                </a:extLst>
+              </p:cNvPr>
+              <p:cNvSpPr txBox="1"/>
+              <p:nvPr/>
+            </p:nvSpPr>
+            <p:spPr>
+              <a:xfrm>
+                <a:off x="2603682" y="2479393"/>
+                <a:ext cx="231281" cy="234103"/>
+              </a:xfrm>
+              <a:prstGeom prst="rect">
+                <a:avLst/>
+              </a:prstGeom>
+              <a:noFill/>
+            </p:spPr>
+            <p:txBody>
+              <a:bodyPr wrap="none" lIns="0" tIns="0" rIns="0" bIns="0" rtlCol="0">
+                <a:spAutoFit/>
+              </a:bodyPr>
+              <a:lstStyle/>
+              <a:p>
+                <a14:m>
+                  <m:oMathPara xmlns:m="http://schemas.openxmlformats.org/officeDocument/2006/math">
+                    <m:oMathParaPr>
+                      <m:jc m:val="centerGroup"/>
+                    </m:oMathParaPr>
+                    <m:oMath xmlns:m="http://schemas.openxmlformats.org/officeDocument/2006/math">
+                      <m:r>
+                        <a:rPr lang="en-US" altLang="zh-CN" sz="800" b="0" i="1" smtClean="0">
+                          <a:latin typeface="Cambria Math" panose="02040503050406030204" pitchFamily="18" charset="0"/>
+                        </a:rPr>
+                        <m:t>𝐸</m:t>
+                      </m:r>
+                      <m:f>
+                        <m:fPr>
+                          <m:ctrlPr>
+                            <a:rPr lang="en-US" altLang="zh-CN" sz="800" b="0" i="1" smtClean="0">
+                              <a:latin typeface="Cambria Math" panose="02040503050406030204" pitchFamily="18" charset="0"/>
+                            </a:rPr>
+                          </m:ctrlPr>
+                        </m:fPr>
+                        <m:num>
+                          <m:r>
+                            <a:rPr lang="en-US" altLang="zh-CN" sz="800" b="0" i="1" smtClean="0">
+                              <a:latin typeface="Cambria Math" panose="02040503050406030204" pitchFamily="18" charset="0"/>
+                            </a:rPr>
+                            <m:t>𝜕</m:t>
+                          </m:r>
+                          <m:r>
+                            <a:rPr lang="en-US" altLang="zh-CN" sz="800" b="0" i="1" smtClean="0">
+                              <a:latin typeface="Cambria Math" panose="02040503050406030204" pitchFamily="18" charset="0"/>
+                            </a:rPr>
+                            <m:t>𝑦</m:t>
+                          </m:r>
+                        </m:num>
+                        <m:den>
+                          <m:r>
+                            <a:rPr lang="en-US" altLang="zh-CN" sz="800" b="0" i="1" smtClean="0">
+                              <a:latin typeface="Cambria Math" panose="02040503050406030204" pitchFamily="18" charset="0"/>
+                            </a:rPr>
+                            <m:t>𝜕</m:t>
+                          </m:r>
+                          <m:r>
+                            <a:rPr lang="en-US" altLang="zh-CN" sz="800" b="0" i="1" smtClean="0">
+                              <a:latin typeface="Cambria Math" panose="02040503050406030204" pitchFamily="18" charset="0"/>
+                            </a:rPr>
+                            <m:t>𝑥</m:t>
+                          </m:r>
+                        </m:den>
+                      </m:f>
+                    </m:oMath>
+                  </m:oMathPara>
+                </a14:m>
+                <a:endParaRPr lang="zh-CN" altLang="en-US" sz="800" dirty="0"/>
+              </a:p>
+            </p:txBody>
+          </p:sp>
+        </mc:Choice>
+        <mc:Fallback>
+          <p:sp>
+            <p:nvSpPr>
+              <p:cNvPr id="27" name="文本框 26">
+                <a:extLst>
+                  <a:ext uri="{FF2B5EF4-FFF2-40B4-BE49-F238E27FC236}">
+                    <a16:creationId xmlns:a16="http://schemas.microsoft.com/office/drawing/2014/main" id="{F3798091-5441-4CB8-AEE6-1B62244FE397}"/>
+                  </a:ext>
+                </a:extLst>
+              </p:cNvPr>
+              <p:cNvSpPr txBox="1">
+                <a:spLocks noRot="1" noChangeAspect="1" noMove="1" noResize="1" noEditPoints="1" noAdjustHandles="1" noChangeArrowheads="1" noChangeShapeType="1" noTextEdit="1"/>
+              </p:cNvSpPr>
+              <p:nvPr/>
+            </p:nvSpPr>
+            <p:spPr>
+              <a:xfrm>
+                <a:off x="2603682" y="2479393"/>
+                <a:ext cx="231281" cy="234103"/>
+              </a:xfrm>
+              <a:prstGeom prst="rect">
+                <a:avLst/>
+              </a:prstGeom>
+              <a:blipFill>
+                <a:blip r:embed="rId5"/>
+                <a:stretch>
+                  <a:fillRect l="-10526" t="-7895" r="-15789" b="-15789"/>
+                </a:stretch>
+              </a:blipFill>
+            </p:spPr>
+            <p:txBody>
+              <a:bodyPr/>
+              <a:lstStyle/>
+              <a:p>
+                <a:r>
+                  <a:rPr lang="zh-CN" altLang="en-US">
+                    <a:noFill/>
+                  </a:rPr>
+                  <a:t> </a:t>
+                </a:r>
+              </a:p>
+            </p:txBody>
+          </p:sp>
+        </mc:Fallback>
+      </mc:AlternateContent>
+      <mc:AlternateContent xmlns:mc="http://schemas.openxmlformats.org/markup-compatibility/2006">
+        <mc:Choice xmlns:a14="http://schemas.microsoft.com/office/drawing/2010/main" Requires="a14">
+          <p:sp>
+            <p:nvSpPr>
+              <p:cNvPr id="28" name="文本框 27">
+                <a:extLst>
+                  <a:ext uri="{FF2B5EF4-FFF2-40B4-BE49-F238E27FC236}">
+                    <a16:creationId xmlns:a16="http://schemas.microsoft.com/office/drawing/2014/main" id="{3F8A572B-7CD1-461F-A049-7D1CD1D134CB}"/>
+                  </a:ext>
+                </a:extLst>
+              </p:cNvPr>
+              <p:cNvSpPr txBox="1"/>
+              <p:nvPr/>
+            </p:nvSpPr>
+            <p:spPr>
+              <a:xfrm>
+                <a:off x="3311575" y="2272223"/>
+                <a:ext cx="88294" cy="123111"/>
+              </a:xfrm>
+              <a:prstGeom prst="rect">
+                <a:avLst/>
+              </a:prstGeom>
+              <a:noFill/>
+            </p:spPr>
+            <p:txBody>
+              <a:bodyPr wrap="none" lIns="0" tIns="0" rIns="0" bIns="0" rtlCol="0">
+                <a:spAutoFit/>
+              </a:bodyPr>
+              <a:lstStyle/>
+              <a:p>
+                <a14:m>
+                  <m:oMathPara xmlns:m="http://schemas.openxmlformats.org/officeDocument/2006/math">
+                    <m:oMathParaPr>
+                      <m:jc m:val="centerGroup"/>
+                    </m:oMathParaPr>
+                    <m:oMath xmlns:m="http://schemas.openxmlformats.org/officeDocument/2006/math">
+                      <m:r>
+                        <a:rPr lang="en-US" altLang="zh-CN" sz="800" b="0" i="1" smtClean="0">
+                          <a:latin typeface="Cambria Math" panose="02040503050406030204" pitchFamily="18" charset="0"/>
+                        </a:rPr>
+                        <m:t>𝑦</m:t>
+                      </m:r>
+                    </m:oMath>
+                  </m:oMathPara>
+                </a14:m>
+                <a:endParaRPr lang="zh-CN" altLang="en-US" sz="800" dirty="0"/>
+              </a:p>
+            </p:txBody>
+          </p:sp>
+        </mc:Choice>
+        <mc:Fallback>
+          <p:sp>
+            <p:nvSpPr>
+              <p:cNvPr id="28" name="文本框 27">
+                <a:extLst>
+                  <a:ext uri="{FF2B5EF4-FFF2-40B4-BE49-F238E27FC236}">
+                    <a16:creationId xmlns:a16="http://schemas.microsoft.com/office/drawing/2014/main" id="{3F8A572B-7CD1-461F-A049-7D1CD1D134CB}"/>
+                  </a:ext>
+                </a:extLst>
+              </p:cNvPr>
+              <p:cNvSpPr txBox="1">
+                <a:spLocks noRot="1" noChangeAspect="1" noMove="1" noResize="1" noEditPoints="1" noAdjustHandles="1" noChangeArrowheads="1" noChangeShapeType="1" noTextEdit="1"/>
+              </p:cNvSpPr>
+              <p:nvPr/>
+            </p:nvSpPr>
+            <p:spPr>
+              <a:xfrm>
+                <a:off x="3311575" y="2272223"/>
+                <a:ext cx="88294" cy="123111"/>
+              </a:xfrm>
+              <a:prstGeom prst="rect">
+                <a:avLst/>
+              </a:prstGeom>
+              <a:blipFill>
+                <a:blip r:embed="rId6"/>
+                <a:stretch>
+                  <a:fillRect l="-26667" r="-26667" b="-30000"/>
+                </a:stretch>
+              </a:blipFill>
+            </p:spPr>
+            <p:txBody>
+              <a:bodyPr/>
+              <a:lstStyle/>
+              <a:p>
+                <a:r>
+                  <a:rPr lang="zh-CN" altLang="en-US">
+                    <a:noFill/>
+                  </a:rPr>
+                  <a:t> </a:t>
+                </a:r>
+              </a:p>
+            </p:txBody>
+          </p:sp>
+        </mc:Fallback>
+      </mc:AlternateContent>
+      <mc:AlternateContent xmlns:mc="http://schemas.openxmlformats.org/markup-compatibility/2006">
+        <mc:Choice xmlns:a14="http://schemas.microsoft.com/office/drawing/2010/main" Requires="a14">
+          <p:sp>
+            <p:nvSpPr>
+              <p:cNvPr id="29" name="文本框 28">
+                <a:extLst>
+                  <a:ext uri="{FF2B5EF4-FFF2-40B4-BE49-F238E27FC236}">
+                    <a16:creationId xmlns:a16="http://schemas.microsoft.com/office/drawing/2014/main" id="{4DBAC8EC-3094-46E6-B973-0DF437B4F648}"/>
+                  </a:ext>
+                </a:extLst>
+              </p:cNvPr>
+              <p:cNvSpPr txBox="1"/>
+              <p:nvPr/>
+            </p:nvSpPr>
+            <p:spPr>
+              <a:xfrm>
+                <a:off x="3315684" y="2534888"/>
+                <a:ext cx="97013" cy="123111"/>
+              </a:xfrm>
+              <a:prstGeom prst="rect">
+                <a:avLst/>
+              </a:prstGeom>
+              <a:noFill/>
+            </p:spPr>
+            <p:txBody>
+              <a:bodyPr wrap="none" lIns="0" tIns="0" rIns="0" bIns="0" rtlCol="0">
+                <a:spAutoFit/>
+              </a:bodyPr>
+              <a:lstStyle/>
+              <a:p>
+                <a14:m>
+                  <m:oMathPara xmlns:m="http://schemas.openxmlformats.org/officeDocument/2006/math">
+                    <m:oMathParaPr>
+                      <m:jc m:val="centerGroup"/>
+                    </m:oMathParaPr>
+                    <m:oMath xmlns:m="http://schemas.openxmlformats.org/officeDocument/2006/math">
+                      <m:r>
+                        <a:rPr lang="en-US" altLang="zh-CN" sz="800" b="0" i="1" smtClean="0">
+                          <a:latin typeface="Cambria Math" panose="02040503050406030204" pitchFamily="18" charset="0"/>
+                        </a:rPr>
+                        <m:t>𝐸</m:t>
+                      </m:r>
+                    </m:oMath>
+                  </m:oMathPara>
+                </a14:m>
+                <a:endParaRPr lang="zh-CN" altLang="en-US" sz="800" dirty="0"/>
+              </a:p>
+            </p:txBody>
+          </p:sp>
+        </mc:Choice>
+        <mc:Fallback>
+          <p:sp>
+            <p:nvSpPr>
+              <p:cNvPr id="29" name="文本框 28">
+                <a:extLst>
+                  <a:ext uri="{FF2B5EF4-FFF2-40B4-BE49-F238E27FC236}">
+                    <a16:creationId xmlns:a16="http://schemas.microsoft.com/office/drawing/2014/main" id="{4DBAC8EC-3094-46E6-B973-0DF437B4F648}"/>
+                  </a:ext>
+                </a:extLst>
+              </p:cNvPr>
+              <p:cNvSpPr txBox="1">
+                <a:spLocks noRot="1" noChangeAspect="1" noMove="1" noResize="1" noEditPoints="1" noAdjustHandles="1" noChangeArrowheads="1" noChangeShapeType="1" noTextEdit="1"/>
+              </p:cNvSpPr>
+              <p:nvPr/>
+            </p:nvSpPr>
+            <p:spPr>
+              <a:xfrm>
+                <a:off x="3315684" y="2534888"/>
+                <a:ext cx="97013" cy="123111"/>
+              </a:xfrm>
+              <a:prstGeom prst="rect">
+                <a:avLst/>
+              </a:prstGeom>
+              <a:blipFill>
+                <a:blip r:embed="rId7"/>
+                <a:stretch>
+                  <a:fillRect l="-25000" r="-18750" b="-10000"/>
+                </a:stretch>
+              </a:blipFill>
+            </p:spPr>
+            <p:txBody>
+              <a:bodyPr/>
+              <a:lstStyle/>
+              <a:p>
+                <a:r>
+                  <a:rPr lang="zh-CN" altLang="en-US">
+                    <a:noFill/>
+                  </a:rPr>
+                  <a:t> </a:t>
+                </a:r>
+              </a:p>
+            </p:txBody>
+          </p:sp>
+        </mc:Fallback>
+      </mc:AlternateContent>
+      <p:sp>
+        <p:nvSpPr>
+          <p:cNvPr id="30" name="椭圆 29">
+            <a:extLst>
+              <a:ext uri="{FF2B5EF4-FFF2-40B4-BE49-F238E27FC236}">
+                <a16:creationId xmlns:a16="http://schemas.microsoft.com/office/drawing/2014/main" id="{11805488-35EF-4377-B937-96ACBABD2EC6}"/>
+              </a:ext>
+            </a:extLst>
+          </p:cNvPr>
+          <p:cNvSpPr/>
+          <p:nvPr/>
+        </p:nvSpPr>
+        <p:spPr>
+          <a:xfrm>
+            <a:off x="2901535" y="1265113"/>
+            <a:ext cx="168118" cy="168118"/>
+          </a:xfrm>
+          <a:prstGeom prst="ellipse">
+            <a:avLst/>
+          </a:prstGeom>
+          <a:solidFill>
+            <a:schemeClr val="bg1"/>
+          </a:solidFill>
+          <a:ln>
+            <a:solidFill>
+              <a:schemeClr val="tx1"/>
+            </a:solidFill>
+          </a:ln>
+        </p:spPr>
+        <p:style>
+          <a:lnRef idx="2">
+            <a:schemeClr val="accent1">
+              <a:shade val="50000"/>
+            </a:schemeClr>
+          </a:lnRef>
+          <a:fillRef idx="1">
+            <a:schemeClr val="accent1"/>
+          </a:fillRef>
+          <a:effectRef idx="0">
+            <a:schemeClr val="accent1"/>
+          </a:effectRef>
+          <a:fontRef idx="minor">
+            <a:schemeClr val="lt1"/>
+          </a:fontRef>
+        </p:style>
+        <p:txBody>
+          <a:bodyPr rtlCol="0" anchor="ctr"/>
+          <a:lstStyle/>
+          <a:p>
+            <a:pPr algn="ctr"/>
+            <a:endParaRPr lang="zh-CN" altLang="en-US"/>
+          </a:p>
+        </p:txBody>
+      </p:sp>
+      <p:cxnSp>
+        <p:nvCxnSpPr>
+          <p:cNvPr id="31" name="直接箭头连接符 30">
+            <a:extLst>
+              <a:ext uri="{FF2B5EF4-FFF2-40B4-BE49-F238E27FC236}">
+                <a16:creationId xmlns:a16="http://schemas.microsoft.com/office/drawing/2014/main" id="{FD937F28-E92B-4E6E-919B-4FF134ECE842}"/>
+              </a:ext>
+            </a:extLst>
+          </p:cNvPr>
+          <p:cNvCxnSpPr>
+            <a:cxnSpLocks/>
+            <a:endCxn id="30" idx="2"/>
+          </p:cNvCxnSpPr>
+          <p:nvPr/>
+        </p:nvCxnSpPr>
+        <p:spPr>
+          <a:xfrm>
+            <a:off x="2514846" y="989295"/>
+            <a:ext cx="386689" cy="359877"/>
+          </a:xfrm>
+          <a:prstGeom prst="straightConnector1">
+            <a:avLst/>
+          </a:prstGeom>
+          <a:ln w="9525" cap="flat" cmpd="sng" algn="ctr">
+            <a:solidFill>
+              <a:schemeClr val="accent3"/>
+            </a:solidFill>
+            <a:prstDash val="solid"/>
+            <a:round/>
+            <a:headEnd type="none" w="med" len="med"/>
+            <a:tailEnd type="arrow" w="med" len="med"/>
+          </a:ln>
+        </p:spPr>
+        <p:style>
+          <a:lnRef idx="0">
+            <a:scrgbClr r="0" g="0" b="0"/>
+          </a:lnRef>
+          <a:fillRef idx="0">
+            <a:scrgbClr r="0" g="0" b="0"/>
+          </a:fillRef>
+          <a:effectRef idx="0">
+            <a:scrgbClr r="0" g="0" b="0"/>
+          </a:effectRef>
+          <a:fontRef idx="minor">
+            <a:schemeClr val="tx1"/>
+          </a:fontRef>
+        </p:style>
+      </p:cxnSp>
+      <p:cxnSp>
+        <p:nvCxnSpPr>
+          <p:cNvPr id="32" name="直接箭头连接符 31">
+            <a:extLst>
+              <a:ext uri="{FF2B5EF4-FFF2-40B4-BE49-F238E27FC236}">
+                <a16:creationId xmlns:a16="http://schemas.microsoft.com/office/drawing/2014/main" id="{89172616-7EEB-4FC7-910B-C7F259715647}"/>
+              </a:ext>
+            </a:extLst>
+          </p:cNvPr>
+          <p:cNvCxnSpPr>
+            <a:cxnSpLocks/>
+            <a:stCxn id="30" idx="6"/>
+            <a:endCxn id="40" idx="2"/>
+          </p:cNvCxnSpPr>
+          <p:nvPr/>
+        </p:nvCxnSpPr>
+        <p:spPr>
+          <a:xfrm>
+            <a:off x="3069653" y="1349172"/>
+            <a:ext cx="496441" cy="3050"/>
+          </a:xfrm>
+          <a:prstGeom prst="straightConnector1">
+            <a:avLst/>
+          </a:prstGeom>
+          <a:ln w="9525" cap="flat" cmpd="sng" algn="ctr">
+            <a:solidFill>
+              <a:schemeClr val="accent3"/>
+            </a:solidFill>
+            <a:prstDash val="solid"/>
+            <a:round/>
+            <a:headEnd type="none" w="med" len="med"/>
+            <a:tailEnd type="arrow" w="med" len="med"/>
+          </a:ln>
+        </p:spPr>
+        <p:style>
+          <a:lnRef idx="0">
+            <a:scrgbClr r="0" g="0" b="0"/>
+          </a:lnRef>
+          <a:fillRef idx="0">
+            <a:scrgbClr r="0" g="0" b="0"/>
+          </a:fillRef>
+          <a:effectRef idx="0">
+            <a:scrgbClr r="0" g="0" b="0"/>
+          </a:effectRef>
+          <a:fontRef idx="minor">
+            <a:schemeClr val="tx1"/>
+          </a:fontRef>
+        </p:style>
+      </p:cxnSp>
+      <mc:AlternateContent xmlns:mc="http://schemas.openxmlformats.org/markup-compatibility/2006">
+        <mc:Choice xmlns:a14="http://schemas.microsoft.com/office/drawing/2010/main" Requires="a14">
+          <p:sp>
+            <p:nvSpPr>
+              <p:cNvPr id="33" name="文本框 32">
+                <a:extLst>
+                  <a:ext uri="{FF2B5EF4-FFF2-40B4-BE49-F238E27FC236}">
+                    <a16:creationId xmlns:a16="http://schemas.microsoft.com/office/drawing/2014/main" id="{7DA47E90-019F-4962-B829-17CA1D7BD13D}"/>
+                  </a:ext>
+                </a:extLst>
+              </p:cNvPr>
+              <p:cNvSpPr txBox="1"/>
+              <p:nvPr/>
+            </p:nvSpPr>
+            <p:spPr>
+              <a:xfrm>
+                <a:off x="2787237" y="1278451"/>
+                <a:ext cx="396876" cy="123111"/>
+              </a:xfrm>
+              <a:prstGeom prst="rect">
+                <a:avLst/>
+              </a:prstGeom>
+              <a:noFill/>
+            </p:spPr>
+            <p:txBody>
+              <a:bodyPr wrap="square" lIns="0" tIns="0" rIns="0" bIns="0" rtlCol="0">
+                <a:spAutoFit/>
+              </a:bodyPr>
+              <a:lstStyle/>
+              <a:p>
+                <a:pPr/>
+                <a14:m>
+                  <m:oMathPara xmlns:m="http://schemas.openxmlformats.org/officeDocument/2006/math">
+                    <m:oMathParaPr>
+                      <m:jc m:val="centerGroup"/>
+                    </m:oMathParaPr>
+                    <m:oMath xmlns:m="http://schemas.openxmlformats.org/officeDocument/2006/math">
+                      <m:r>
+                        <a:rPr lang="en-US" altLang="zh-CN" sz="800" b="0" i="1" smtClean="0">
+                          <a:latin typeface="Cambria Math" panose="02040503050406030204" pitchFamily="18" charset="0"/>
+                        </a:rPr>
+                        <m:t>+</m:t>
+                      </m:r>
+                    </m:oMath>
+                  </m:oMathPara>
+                </a14:m>
+                <a:endParaRPr lang="zh-CN" altLang="en-US" sz="1400" dirty="0"/>
+              </a:p>
+            </p:txBody>
+          </p:sp>
+        </mc:Choice>
+        <mc:Fallback>
+          <p:sp>
+            <p:nvSpPr>
+              <p:cNvPr id="33" name="文本框 32">
+                <a:extLst>
+                  <a:ext uri="{FF2B5EF4-FFF2-40B4-BE49-F238E27FC236}">
+                    <a16:creationId xmlns:a16="http://schemas.microsoft.com/office/drawing/2014/main" id="{7DA47E90-019F-4962-B829-17CA1D7BD13D}"/>
+                  </a:ext>
+                </a:extLst>
+              </p:cNvPr>
+              <p:cNvSpPr txBox="1">
+                <a:spLocks noRot="1" noChangeAspect="1" noMove="1" noResize="1" noEditPoints="1" noAdjustHandles="1" noChangeArrowheads="1" noChangeShapeType="1" noTextEdit="1"/>
+              </p:cNvSpPr>
+              <p:nvPr/>
+            </p:nvSpPr>
+            <p:spPr>
+              <a:xfrm>
+                <a:off x="2787237" y="1278451"/>
+                <a:ext cx="396876" cy="123111"/>
+              </a:xfrm>
+              <a:prstGeom prst="rect">
+                <a:avLst/>
+              </a:prstGeom>
+              <a:blipFill>
+                <a:blip r:embed="rId8"/>
+                <a:stretch>
+                  <a:fillRect b="-15000"/>
+                </a:stretch>
+              </a:blipFill>
+            </p:spPr>
+            <p:txBody>
+              <a:bodyPr/>
+              <a:lstStyle/>
+              <a:p>
+                <a:r>
+                  <a:rPr lang="zh-CN" altLang="en-US">
+                    <a:noFill/>
+                  </a:rPr>
+                  <a:t> </a:t>
+                </a:r>
+              </a:p>
+            </p:txBody>
+          </p:sp>
+        </mc:Fallback>
+      </mc:AlternateContent>
+      <p:cxnSp>
+        <p:nvCxnSpPr>
+          <p:cNvPr id="34" name="直接箭头连接符 33">
+            <a:extLst>
+              <a:ext uri="{FF2B5EF4-FFF2-40B4-BE49-F238E27FC236}">
+                <a16:creationId xmlns:a16="http://schemas.microsoft.com/office/drawing/2014/main" id="{E51E0168-AAE2-416E-8BCE-D68BECB075F0}"/>
+              </a:ext>
+            </a:extLst>
+          </p:cNvPr>
+          <p:cNvCxnSpPr>
+            <a:cxnSpLocks/>
+            <a:stCxn id="30" idx="3"/>
+          </p:cNvCxnSpPr>
+          <p:nvPr/>
+        </p:nvCxnSpPr>
+        <p:spPr>
+          <a:xfrm flipH="1" flipV="1">
+            <a:off x="2474384" y="1019175"/>
+            <a:ext cx="451771" cy="389436"/>
+          </a:xfrm>
+          <a:prstGeom prst="straightConnector1">
+            <a:avLst/>
+          </a:prstGeom>
+          <a:ln w="9525" cap="flat" cmpd="sng" algn="ctr">
+            <a:solidFill>
+              <a:schemeClr val="accent2"/>
+            </a:solidFill>
+            <a:prstDash val="solid"/>
+            <a:round/>
+            <a:headEnd type="none" w="med" len="med"/>
+            <a:tailEnd type="arrow" w="med" len="med"/>
+          </a:ln>
+        </p:spPr>
+        <p:style>
+          <a:lnRef idx="0">
+            <a:scrgbClr r="0" g="0" b="0"/>
+          </a:lnRef>
+          <a:fillRef idx="0">
+            <a:scrgbClr r="0" g="0" b="0"/>
+          </a:fillRef>
+          <a:effectRef idx="0">
+            <a:scrgbClr r="0" g="0" b="0"/>
+          </a:effectRef>
+          <a:fontRef idx="minor">
+            <a:schemeClr val="tx1"/>
+          </a:fontRef>
+        </p:style>
+      </p:cxnSp>
+      <p:cxnSp>
+        <p:nvCxnSpPr>
+          <p:cNvPr id="35" name="直接箭头连接符 34">
+            <a:extLst>
+              <a:ext uri="{FF2B5EF4-FFF2-40B4-BE49-F238E27FC236}">
+                <a16:creationId xmlns:a16="http://schemas.microsoft.com/office/drawing/2014/main" id="{564CBB29-D055-4E18-9070-21CE012CA6C2}"/>
+              </a:ext>
+            </a:extLst>
+          </p:cNvPr>
+          <p:cNvCxnSpPr>
+            <a:cxnSpLocks/>
+            <a:stCxn id="40" idx="3"/>
+            <a:endCxn id="30" idx="5"/>
+          </p:cNvCxnSpPr>
+          <p:nvPr/>
+        </p:nvCxnSpPr>
+        <p:spPr>
+          <a:xfrm flipH="1" flipV="1">
+            <a:off x="3045033" y="1408611"/>
+            <a:ext cx="545681" cy="3050"/>
+          </a:xfrm>
+          <a:prstGeom prst="straightConnector1">
+            <a:avLst/>
+          </a:prstGeom>
+          <a:ln w="9525" cap="flat" cmpd="sng" algn="ctr">
+            <a:solidFill>
+              <a:schemeClr val="accent2"/>
+            </a:solidFill>
+            <a:prstDash val="solid"/>
+            <a:round/>
+            <a:headEnd type="none" w="med" len="med"/>
+            <a:tailEnd type="arrow" w="med" len="med"/>
+          </a:ln>
+        </p:spPr>
+        <p:style>
+          <a:lnRef idx="0">
+            <a:scrgbClr r="0" g="0" b="0"/>
+          </a:lnRef>
+          <a:fillRef idx="0">
+            <a:scrgbClr r="0" g="0" b="0"/>
+          </a:fillRef>
+          <a:effectRef idx="0">
+            <a:scrgbClr r="0" g="0" b="0"/>
+          </a:effectRef>
+          <a:fontRef idx="minor">
+            <a:schemeClr val="tx1"/>
+          </a:fontRef>
+        </p:style>
+      </p:cxnSp>
+      <mc:AlternateContent xmlns:mc="http://schemas.openxmlformats.org/markup-compatibility/2006">
+        <mc:Choice xmlns:a14="http://schemas.microsoft.com/office/drawing/2010/main" Requires="a14">
+          <p:sp>
+            <p:nvSpPr>
+              <p:cNvPr id="36" name="文本框 35">
+                <a:extLst>
+                  <a:ext uri="{FF2B5EF4-FFF2-40B4-BE49-F238E27FC236}">
+                    <a16:creationId xmlns:a16="http://schemas.microsoft.com/office/drawing/2014/main" id="{459975EC-DADE-4AAB-90EC-025373A8B476}"/>
+                  </a:ext>
+                </a:extLst>
+              </p:cNvPr>
+              <p:cNvSpPr txBox="1"/>
+              <p:nvPr/>
+            </p:nvSpPr>
+            <p:spPr>
+              <a:xfrm>
+                <a:off x="2708190" y="1040815"/>
+                <a:ext cx="86434" cy="123111"/>
+              </a:xfrm>
+              <a:prstGeom prst="rect">
+                <a:avLst/>
+              </a:prstGeom>
+              <a:noFill/>
+            </p:spPr>
+            <p:txBody>
+              <a:bodyPr wrap="none" lIns="0" tIns="0" rIns="0" bIns="0" rtlCol="0">
+                <a:spAutoFit/>
+              </a:bodyPr>
+              <a:lstStyle/>
+              <a:p>
+                <a14:m>
+                  <m:oMathPara xmlns:m="http://schemas.openxmlformats.org/officeDocument/2006/math">
+                    <m:oMathParaPr>
+                      <m:jc m:val="centerGroup"/>
+                    </m:oMathParaPr>
+                    <m:oMath xmlns:m="http://schemas.openxmlformats.org/officeDocument/2006/math">
+                      <m:r>
+                        <a:rPr lang="en-US" altLang="zh-CN" sz="800" b="0" i="1" smtClean="0">
+                          <a:latin typeface="Cambria Math" panose="02040503050406030204" pitchFamily="18" charset="0"/>
+                        </a:rPr>
+                        <m:t>𝑥</m:t>
+                      </m:r>
+                    </m:oMath>
+                  </m:oMathPara>
+                </a14:m>
+                <a:endParaRPr lang="zh-CN" altLang="en-US" sz="800" dirty="0"/>
+              </a:p>
+            </p:txBody>
+          </p:sp>
+        </mc:Choice>
+        <mc:Fallback>
+          <p:sp>
+            <p:nvSpPr>
+              <p:cNvPr id="36" name="文本框 35">
+                <a:extLst>
+                  <a:ext uri="{FF2B5EF4-FFF2-40B4-BE49-F238E27FC236}">
+                    <a16:creationId xmlns:a16="http://schemas.microsoft.com/office/drawing/2014/main" id="{459975EC-DADE-4AAB-90EC-025373A8B476}"/>
+                  </a:ext>
+                </a:extLst>
+              </p:cNvPr>
+              <p:cNvSpPr txBox="1">
+                <a:spLocks noRot="1" noChangeAspect="1" noMove="1" noResize="1" noEditPoints="1" noAdjustHandles="1" noChangeArrowheads="1" noChangeShapeType="1" noTextEdit="1"/>
+              </p:cNvSpPr>
+              <p:nvPr/>
+            </p:nvSpPr>
+            <p:spPr>
+              <a:xfrm>
+                <a:off x="2708190" y="1040815"/>
+                <a:ext cx="86434" cy="123111"/>
+              </a:xfrm>
+              <a:prstGeom prst="rect">
+                <a:avLst/>
+              </a:prstGeom>
+              <a:blipFill>
+                <a:blip r:embed="rId9"/>
+                <a:stretch>
+                  <a:fillRect l="-14286" r="-14286"/>
+                </a:stretch>
+              </a:blipFill>
+            </p:spPr>
+            <p:txBody>
+              <a:bodyPr/>
+              <a:lstStyle/>
+              <a:p>
+                <a:r>
+                  <a:rPr lang="zh-CN" altLang="en-US">
+                    <a:noFill/>
+                  </a:rPr>
+                  <a:t> </a:t>
+                </a:r>
+              </a:p>
+            </p:txBody>
+          </p:sp>
+        </mc:Fallback>
+      </mc:AlternateContent>
+      <mc:AlternateContent xmlns:mc="http://schemas.openxmlformats.org/markup-compatibility/2006">
+        <mc:Choice xmlns:a14="http://schemas.microsoft.com/office/drawing/2010/main" Requires="a14">
+          <p:sp>
+            <p:nvSpPr>
+              <p:cNvPr id="37" name="文本框 36">
+                <a:extLst>
+                  <a:ext uri="{FF2B5EF4-FFF2-40B4-BE49-F238E27FC236}">
+                    <a16:creationId xmlns:a16="http://schemas.microsoft.com/office/drawing/2014/main" id="{462E87CC-303A-4FBD-9BB5-5E74E8AA1481}"/>
+                  </a:ext>
+                </a:extLst>
+              </p:cNvPr>
+              <p:cNvSpPr txBox="1"/>
+              <p:nvPr/>
+            </p:nvSpPr>
+            <p:spPr>
+              <a:xfrm rot="1544652">
+                <a:off x="2388830" y="1199300"/>
+                <a:ext cx="398507" cy="234103"/>
+              </a:xfrm>
+              <a:prstGeom prst="rect">
+                <a:avLst/>
+              </a:prstGeom>
+              <a:noFill/>
+            </p:spPr>
+            <p:txBody>
+              <a:bodyPr wrap="none" lIns="0" tIns="0" rIns="0" bIns="0" rtlCol="0">
+                <a:spAutoFit/>
+              </a:bodyPr>
+              <a:lstStyle/>
+              <a:p>
+                <a14:m>
+                  <m:oMathPara xmlns:m="http://schemas.openxmlformats.org/officeDocument/2006/math">
+                    <m:oMathParaPr>
+                      <m:jc m:val="centerGroup"/>
+                    </m:oMathParaPr>
+                    <m:oMath xmlns:m="http://schemas.openxmlformats.org/officeDocument/2006/math">
+                      <m:f>
+                        <m:fPr>
+                          <m:ctrlPr>
+                            <a:rPr lang="en-US" altLang="zh-CN" sz="800" i="1" smtClean="0">
+                              <a:latin typeface="Cambria Math" panose="02040503050406030204" pitchFamily="18" charset="0"/>
+                            </a:rPr>
+                          </m:ctrlPr>
+                        </m:fPr>
+                        <m:num>
+                          <m:r>
+                            <a:rPr lang="en-US" altLang="zh-CN" sz="800" i="1">
+                              <a:latin typeface="Cambria Math" panose="02040503050406030204" pitchFamily="18" charset="0"/>
+                            </a:rPr>
+                            <m:t>𝜕</m:t>
+                          </m:r>
+                          <m:r>
+                            <a:rPr lang="en-US" altLang="zh-CN" sz="800" i="1">
+                              <a:latin typeface="Cambria Math" panose="02040503050406030204" pitchFamily="18" charset="0"/>
+                            </a:rPr>
+                            <m:t>𝑧</m:t>
+                          </m:r>
+                        </m:num>
+                        <m:den>
+                          <m:r>
+                            <a:rPr lang="en-US" altLang="zh-CN" sz="800" i="1">
+                              <a:latin typeface="Cambria Math" panose="02040503050406030204" pitchFamily="18" charset="0"/>
+                            </a:rPr>
+                            <m:t>𝜕</m:t>
+                          </m:r>
+                          <m:r>
+                            <a:rPr lang="en-US" altLang="zh-CN" sz="800" i="1">
+                              <a:latin typeface="Cambria Math" panose="02040503050406030204" pitchFamily="18" charset="0"/>
+                            </a:rPr>
+                            <m:t>𝑧</m:t>
+                          </m:r>
+                        </m:den>
+                      </m:f>
+                      <m:f>
+                        <m:fPr>
+                          <m:ctrlPr>
+                            <a:rPr lang="en-US" altLang="zh-CN" sz="800" i="1">
+                              <a:latin typeface="Cambria Math" panose="02040503050406030204" pitchFamily="18" charset="0"/>
+                            </a:rPr>
+                          </m:ctrlPr>
+                        </m:fPr>
+                        <m:num>
+                          <m:r>
+                            <a:rPr lang="en-US" altLang="zh-CN" sz="800" i="1">
+                              <a:latin typeface="Cambria Math" panose="02040503050406030204" pitchFamily="18" charset="0"/>
+                            </a:rPr>
+                            <m:t>𝜕</m:t>
+                          </m:r>
+                          <m:r>
+                            <a:rPr lang="en-US" altLang="zh-CN" sz="800" i="1">
+                              <a:latin typeface="Cambria Math" panose="02040503050406030204" pitchFamily="18" charset="0"/>
+                            </a:rPr>
+                            <m:t>𝑧</m:t>
+                          </m:r>
+                        </m:num>
+                        <m:den>
+                          <m:r>
+                            <a:rPr lang="en-US" altLang="zh-CN" sz="800" i="1">
+                              <a:latin typeface="Cambria Math" panose="02040503050406030204" pitchFamily="18" charset="0"/>
+                            </a:rPr>
+                            <m:t>𝜕</m:t>
+                          </m:r>
+                          <m:r>
+                            <a:rPr lang="en-US" altLang="zh-CN" sz="800" i="1">
+                              <a:latin typeface="Cambria Math" panose="02040503050406030204" pitchFamily="18" charset="0"/>
+                            </a:rPr>
+                            <m:t>𝑡</m:t>
+                          </m:r>
+                        </m:den>
+                      </m:f>
+                      <m:f>
+                        <m:fPr>
+                          <m:ctrlPr>
+                            <a:rPr lang="en-US" altLang="zh-CN" sz="800" b="0" i="1" smtClean="0">
+                              <a:latin typeface="Cambria Math" panose="02040503050406030204" pitchFamily="18" charset="0"/>
+                            </a:rPr>
+                          </m:ctrlPr>
+                        </m:fPr>
+                        <m:num>
+                          <m:r>
+                            <a:rPr lang="en-US" altLang="zh-CN" sz="800" b="0" i="1" smtClean="0">
+                              <a:latin typeface="Cambria Math" panose="02040503050406030204" pitchFamily="18" charset="0"/>
+                            </a:rPr>
+                            <m:t>𝜕</m:t>
+                          </m:r>
+                          <m:r>
+                            <a:rPr lang="en-US" altLang="zh-CN" sz="800" b="0" i="1" smtClean="0">
+                              <a:latin typeface="Cambria Math" panose="02040503050406030204" pitchFamily="18" charset="0"/>
+                            </a:rPr>
+                            <m:t>𝑡</m:t>
+                          </m:r>
+                        </m:num>
+                        <m:den>
+                          <m:r>
+                            <a:rPr lang="en-US" altLang="zh-CN" sz="800" b="0" i="1" smtClean="0">
+                              <a:latin typeface="Cambria Math" panose="02040503050406030204" pitchFamily="18" charset="0"/>
+                            </a:rPr>
+                            <m:t>𝜕</m:t>
+                          </m:r>
+                          <m:r>
+                            <a:rPr lang="en-US" altLang="zh-CN" sz="800" b="0" i="1" smtClean="0">
+                              <a:latin typeface="Cambria Math" panose="02040503050406030204" pitchFamily="18" charset="0"/>
+                            </a:rPr>
+                            <m:t>𝑥</m:t>
+                          </m:r>
+                        </m:den>
+                      </m:f>
+                    </m:oMath>
+                  </m:oMathPara>
+                </a14:m>
+                <a:endParaRPr lang="zh-CN" altLang="en-US" sz="800" dirty="0"/>
+              </a:p>
+            </p:txBody>
+          </p:sp>
+        </mc:Choice>
+        <mc:Fallback>
+          <p:sp>
+            <p:nvSpPr>
+              <p:cNvPr id="37" name="文本框 36">
+                <a:extLst>
+                  <a:ext uri="{FF2B5EF4-FFF2-40B4-BE49-F238E27FC236}">
+                    <a16:creationId xmlns:a16="http://schemas.microsoft.com/office/drawing/2014/main" id="{462E87CC-303A-4FBD-9BB5-5E74E8AA1481}"/>
+                  </a:ext>
+                </a:extLst>
+              </p:cNvPr>
+              <p:cNvSpPr txBox="1">
+                <a:spLocks noRot="1" noChangeAspect="1" noMove="1" noResize="1" noEditPoints="1" noAdjustHandles="1" noChangeArrowheads="1" noChangeShapeType="1" noTextEdit="1"/>
+              </p:cNvSpPr>
+              <p:nvPr/>
+            </p:nvSpPr>
+            <p:spPr>
+              <a:xfrm rot="1544652">
+                <a:off x="2388830" y="1199300"/>
+                <a:ext cx="398507" cy="234103"/>
+              </a:xfrm>
+              <a:prstGeom prst="rect">
+                <a:avLst/>
+              </a:prstGeom>
+              <a:blipFill>
+                <a:blip r:embed="rId10"/>
+                <a:stretch>
+                  <a:fillRect l="-6494" t="-3125" r="-2597" b="-9375"/>
+                </a:stretch>
+              </a:blipFill>
+            </p:spPr>
+            <p:txBody>
+              <a:bodyPr/>
+              <a:lstStyle/>
+              <a:p>
+                <a:r>
+                  <a:rPr lang="zh-CN" altLang="en-US">
+                    <a:noFill/>
+                  </a:rPr>
+                  <a:t> </a:t>
+                </a:r>
+              </a:p>
+            </p:txBody>
+          </p:sp>
+        </mc:Fallback>
+      </mc:AlternateContent>
+      <mc:AlternateContent xmlns:mc="http://schemas.openxmlformats.org/markup-compatibility/2006">
+        <mc:Choice xmlns:a14="http://schemas.microsoft.com/office/drawing/2010/main" Requires="a14">
+          <p:sp>
+            <p:nvSpPr>
+              <p:cNvPr id="38" name="文本框 37">
+                <a:extLst>
+                  <a:ext uri="{FF2B5EF4-FFF2-40B4-BE49-F238E27FC236}">
+                    <a16:creationId xmlns:a16="http://schemas.microsoft.com/office/drawing/2014/main" id="{28C3F602-D470-4B4E-87C3-860373E168CB}"/>
+                  </a:ext>
+                </a:extLst>
+              </p:cNvPr>
+              <p:cNvSpPr txBox="1"/>
+              <p:nvPr/>
+            </p:nvSpPr>
+            <p:spPr>
+              <a:xfrm>
+                <a:off x="3257600" y="1226061"/>
+                <a:ext cx="71430" cy="123111"/>
+              </a:xfrm>
+              <a:prstGeom prst="rect">
+                <a:avLst/>
+              </a:prstGeom>
+              <a:noFill/>
+            </p:spPr>
+            <p:txBody>
+              <a:bodyPr wrap="none" lIns="0" tIns="0" rIns="0" bIns="0" rtlCol="0">
+                <a:spAutoFit/>
+              </a:bodyPr>
+              <a:lstStyle/>
+              <a:p>
+                <a14:m>
+                  <m:oMathPara xmlns:m="http://schemas.openxmlformats.org/officeDocument/2006/math">
+                    <m:oMathParaPr>
+                      <m:jc m:val="centerGroup"/>
+                    </m:oMathParaPr>
+                    <m:oMath xmlns:m="http://schemas.openxmlformats.org/officeDocument/2006/math">
+                      <m:r>
+                        <a:rPr lang="en-US" altLang="zh-CN" sz="800" b="0" i="1" smtClean="0">
+                          <a:latin typeface="Cambria Math" panose="02040503050406030204" pitchFamily="18" charset="0"/>
+                        </a:rPr>
+                        <m:t>𝑡</m:t>
+                      </m:r>
+                    </m:oMath>
+                  </m:oMathPara>
+                </a14:m>
+                <a:endParaRPr lang="zh-CN" altLang="en-US" sz="800" dirty="0"/>
+              </a:p>
+            </p:txBody>
+          </p:sp>
+        </mc:Choice>
+        <mc:Fallback>
+          <p:sp>
+            <p:nvSpPr>
+              <p:cNvPr id="38" name="文本框 37">
+                <a:extLst>
+                  <a:ext uri="{FF2B5EF4-FFF2-40B4-BE49-F238E27FC236}">
+                    <a16:creationId xmlns:a16="http://schemas.microsoft.com/office/drawing/2014/main" id="{28C3F602-D470-4B4E-87C3-860373E168CB}"/>
+                  </a:ext>
+                </a:extLst>
+              </p:cNvPr>
+              <p:cNvSpPr txBox="1">
+                <a:spLocks noRot="1" noChangeAspect="1" noMove="1" noResize="1" noEditPoints="1" noAdjustHandles="1" noChangeArrowheads="1" noChangeShapeType="1" noTextEdit="1"/>
+              </p:cNvSpPr>
+              <p:nvPr/>
+            </p:nvSpPr>
+            <p:spPr>
+              <a:xfrm>
+                <a:off x="3257600" y="1226061"/>
+                <a:ext cx="71430" cy="123111"/>
+              </a:xfrm>
+              <a:prstGeom prst="rect">
+                <a:avLst/>
+              </a:prstGeom>
+              <a:blipFill>
+                <a:blip r:embed="rId11"/>
+                <a:stretch>
+                  <a:fillRect l="-25000" r="-25000" b="-10000"/>
+                </a:stretch>
+              </a:blipFill>
+            </p:spPr>
+            <p:txBody>
+              <a:bodyPr/>
+              <a:lstStyle/>
+              <a:p>
+                <a:r>
+                  <a:rPr lang="zh-CN" altLang="en-US">
+                    <a:noFill/>
+                  </a:rPr>
+                  <a:t> </a:t>
+                </a:r>
+              </a:p>
+            </p:txBody>
+          </p:sp>
+        </mc:Fallback>
+      </mc:AlternateContent>
+      <mc:AlternateContent xmlns:mc="http://schemas.openxmlformats.org/markup-compatibility/2006">
+        <mc:Choice xmlns:a14="http://schemas.microsoft.com/office/drawing/2010/main" Requires="a14">
+          <p:sp>
+            <p:nvSpPr>
+              <p:cNvPr id="39" name="文本框 38">
+                <a:extLst>
+                  <a:ext uri="{FF2B5EF4-FFF2-40B4-BE49-F238E27FC236}">
+                    <a16:creationId xmlns:a16="http://schemas.microsoft.com/office/drawing/2014/main" id="{177B511D-4209-45D2-9FC8-C51997BA8653}"/>
+                  </a:ext>
+                </a:extLst>
+              </p:cNvPr>
+              <p:cNvSpPr txBox="1"/>
+              <p:nvPr/>
+            </p:nvSpPr>
+            <p:spPr>
+              <a:xfrm>
+                <a:off x="3156882" y="1437650"/>
+                <a:ext cx="272254" cy="234103"/>
+              </a:xfrm>
+              <a:prstGeom prst="rect">
+                <a:avLst/>
+              </a:prstGeom>
+              <a:noFill/>
+            </p:spPr>
+            <p:txBody>
+              <a:bodyPr wrap="none" lIns="0" tIns="0" rIns="0" bIns="0" rtlCol="0">
+                <a:spAutoFit/>
+              </a:bodyPr>
+              <a:lstStyle/>
+              <a:p>
+                <a14:m>
+                  <m:oMathPara xmlns:m="http://schemas.openxmlformats.org/officeDocument/2006/math">
+                    <m:oMathParaPr>
+                      <m:jc m:val="centerGroup"/>
+                    </m:oMathParaPr>
+                    <m:oMath xmlns:m="http://schemas.openxmlformats.org/officeDocument/2006/math">
+                      <m:f>
+                        <m:fPr>
+                          <m:ctrlPr>
+                            <a:rPr lang="en-US" altLang="zh-CN" sz="800" i="1" smtClean="0">
+                              <a:latin typeface="Cambria Math" panose="02040503050406030204" pitchFamily="18" charset="0"/>
+                            </a:rPr>
+                          </m:ctrlPr>
+                        </m:fPr>
+                        <m:num>
+                          <m:r>
+                            <a:rPr lang="en-US" altLang="zh-CN" sz="800" i="1">
+                              <a:latin typeface="Cambria Math" panose="02040503050406030204" pitchFamily="18" charset="0"/>
+                            </a:rPr>
+                            <m:t>𝜕</m:t>
+                          </m:r>
+                          <m:r>
+                            <a:rPr lang="en-US" altLang="zh-CN" sz="800" b="0" i="1" smtClean="0">
+                              <a:latin typeface="Cambria Math" panose="02040503050406030204" pitchFamily="18" charset="0"/>
+                            </a:rPr>
+                            <m:t>𝑧</m:t>
+                          </m:r>
+                        </m:num>
+                        <m:den>
+                          <m:r>
+                            <a:rPr lang="en-US" altLang="zh-CN" sz="800" i="1">
+                              <a:latin typeface="Cambria Math" panose="02040503050406030204" pitchFamily="18" charset="0"/>
+                            </a:rPr>
+                            <m:t>𝜕</m:t>
+                          </m:r>
+                          <m:r>
+                            <a:rPr lang="en-US" altLang="zh-CN" sz="800" b="0" i="1" smtClean="0">
+                              <a:latin typeface="Cambria Math" panose="02040503050406030204" pitchFamily="18" charset="0"/>
+                            </a:rPr>
+                            <m:t>𝑧</m:t>
+                          </m:r>
+                        </m:den>
+                      </m:f>
+                      <m:f>
+                        <m:fPr>
+                          <m:ctrlPr>
+                            <a:rPr lang="en-US" altLang="zh-CN" sz="800" i="1">
+                              <a:latin typeface="Cambria Math" panose="02040503050406030204" pitchFamily="18" charset="0"/>
+                            </a:rPr>
+                          </m:ctrlPr>
+                        </m:fPr>
+                        <m:num>
+                          <m:r>
+                            <a:rPr lang="en-US" altLang="zh-CN" sz="800" i="1" smtClean="0">
+                              <a:latin typeface="Cambria Math" panose="02040503050406030204" pitchFamily="18" charset="0"/>
+                            </a:rPr>
+                            <m:t>𝜕</m:t>
+                          </m:r>
+                          <m:r>
+                            <a:rPr lang="en-US" altLang="zh-CN" sz="800" b="0" i="1" smtClean="0">
+                              <a:latin typeface="Cambria Math" panose="02040503050406030204" pitchFamily="18" charset="0"/>
+                            </a:rPr>
+                            <m:t>𝑧</m:t>
+                          </m:r>
+                        </m:num>
+                        <m:den>
+                          <m:r>
+                            <a:rPr lang="en-US" altLang="zh-CN" sz="800" i="1">
+                              <a:latin typeface="Cambria Math" panose="02040503050406030204" pitchFamily="18" charset="0"/>
+                            </a:rPr>
+                            <m:t>𝜕</m:t>
+                          </m:r>
+                          <m:r>
+                            <a:rPr lang="en-US" altLang="zh-CN" sz="800" b="0" i="1" smtClean="0">
+                              <a:latin typeface="Cambria Math" panose="02040503050406030204" pitchFamily="18" charset="0"/>
+                            </a:rPr>
+                            <m:t>𝑡</m:t>
+                          </m:r>
+                        </m:den>
+                      </m:f>
+                    </m:oMath>
+                  </m:oMathPara>
+                </a14:m>
+                <a:endParaRPr lang="zh-CN" altLang="en-US" sz="800" dirty="0"/>
+              </a:p>
+            </p:txBody>
+          </p:sp>
+        </mc:Choice>
+        <mc:Fallback>
+          <p:sp>
+            <p:nvSpPr>
+              <p:cNvPr id="39" name="文本框 38">
+                <a:extLst>
+                  <a:ext uri="{FF2B5EF4-FFF2-40B4-BE49-F238E27FC236}">
+                    <a16:creationId xmlns:a16="http://schemas.microsoft.com/office/drawing/2014/main" id="{177B511D-4209-45D2-9FC8-C51997BA8653}"/>
+                  </a:ext>
+                </a:extLst>
+              </p:cNvPr>
+              <p:cNvSpPr txBox="1">
+                <a:spLocks noRot="1" noChangeAspect="1" noMove="1" noResize="1" noEditPoints="1" noAdjustHandles="1" noChangeArrowheads="1" noChangeShapeType="1" noTextEdit="1"/>
+              </p:cNvSpPr>
+              <p:nvPr/>
+            </p:nvSpPr>
+            <p:spPr>
+              <a:xfrm>
+                <a:off x="3156882" y="1437650"/>
+                <a:ext cx="272254" cy="234103"/>
+              </a:xfrm>
+              <a:prstGeom prst="rect">
+                <a:avLst/>
+              </a:prstGeom>
+              <a:blipFill>
+                <a:blip r:embed="rId12"/>
+                <a:stretch>
+                  <a:fillRect l="-8889" t="-5263" r="-2222" b="-15789"/>
+                </a:stretch>
+              </a:blipFill>
+            </p:spPr>
+            <p:txBody>
+              <a:bodyPr/>
+              <a:lstStyle/>
+              <a:p>
+                <a:r>
+                  <a:rPr lang="zh-CN" altLang="en-US">
+                    <a:noFill/>
+                  </a:rPr>
+                  <a:t> </a:t>
+                </a:r>
+              </a:p>
+            </p:txBody>
+          </p:sp>
+        </mc:Fallback>
+      </mc:AlternateContent>
+      <p:sp>
+        <p:nvSpPr>
+          <p:cNvPr id="40" name="椭圆 39">
+            <a:extLst>
+              <a:ext uri="{FF2B5EF4-FFF2-40B4-BE49-F238E27FC236}">
+                <a16:creationId xmlns:a16="http://schemas.microsoft.com/office/drawing/2014/main" id="{EC68D1A4-DDB1-419C-BBDE-60123CC62113}"/>
+              </a:ext>
+            </a:extLst>
+          </p:cNvPr>
+          <p:cNvSpPr/>
+          <p:nvPr/>
+        </p:nvSpPr>
+        <p:spPr>
+          <a:xfrm>
+            <a:off x="3566094" y="1268163"/>
+            <a:ext cx="168118" cy="168118"/>
+          </a:xfrm>
+          <a:prstGeom prst="ellipse">
+            <a:avLst/>
+          </a:prstGeom>
+          <a:solidFill>
+            <a:schemeClr val="bg1"/>
+          </a:solidFill>
+          <a:ln>
+            <a:solidFill>
+              <a:schemeClr val="tx1"/>
+            </a:solidFill>
+          </a:ln>
+        </p:spPr>
+        <p:style>
+          <a:lnRef idx="2">
+            <a:schemeClr val="accent1">
+              <a:shade val="50000"/>
+            </a:schemeClr>
+          </a:lnRef>
+          <a:fillRef idx="1">
+            <a:schemeClr val="accent1"/>
+          </a:fillRef>
+          <a:effectRef idx="0">
+            <a:schemeClr val="accent1"/>
+          </a:effectRef>
+          <a:fontRef idx="minor">
+            <a:schemeClr val="lt1"/>
+          </a:fontRef>
+        </p:style>
+        <p:txBody>
+          <a:bodyPr rtlCol="0" anchor="ctr"/>
+          <a:lstStyle/>
+          <a:p>
+            <a:pPr algn="ctr"/>
+            <a:endParaRPr lang="zh-CN" altLang="en-US"/>
+          </a:p>
+        </p:txBody>
+      </p:sp>
+      <p:cxnSp>
+        <p:nvCxnSpPr>
+          <p:cNvPr id="41" name="直接箭头连接符 40">
+            <a:extLst>
+              <a:ext uri="{FF2B5EF4-FFF2-40B4-BE49-F238E27FC236}">
+                <a16:creationId xmlns:a16="http://schemas.microsoft.com/office/drawing/2014/main" id="{E84D7EDD-B60B-4A2C-9F3A-6DD09994F201}"/>
+              </a:ext>
+            </a:extLst>
+          </p:cNvPr>
+          <p:cNvCxnSpPr>
+            <a:cxnSpLocks/>
+            <a:stCxn id="40" idx="6"/>
+          </p:cNvCxnSpPr>
+          <p:nvPr/>
+        </p:nvCxnSpPr>
+        <p:spPr>
+          <a:xfrm>
+            <a:off x="3734212" y="1352222"/>
+            <a:ext cx="481126" cy="0"/>
+          </a:xfrm>
+          <a:prstGeom prst="straightConnector1">
+            <a:avLst/>
+          </a:prstGeom>
+          <a:ln w="9525" cap="flat" cmpd="sng" algn="ctr">
+            <a:solidFill>
+              <a:schemeClr val="accent3"/>
+            </a:solidFill>
+            <a:prstDash val="solid"/>
+            <a:round/>
+            <a:headEnd type="none" w="med" len="med"/>
+            <a:tailEnd type="arrow" w="med" len="med"/>
+          </a:ln>
+        </p:spPr>
+        <p:style>
+          <a:lnRef idx="0">
+            <a:scrgbClr r="0" g="0" b="0"/>
+          </a:lnRef>
+          <a:fillRef idx="0">
+            <a:scrgbClr r="0" g="0" b="0"/>
+          </a:fillRef>
+          <a:effectRef idx="0">
+            <a:scrgbClr r="0" g="0" b="0"/>
+          </a:effectRef>
+          <a:fontRef idx="minor">
+            <a:schemeClr val="tx1"/>
+          </a:fontRef>
+        </p:style>
+      </p:cxnSp>
+      <p:cxnSp>
+        <p:nvCxnSpPr>
+          <p:cNvPr id="42" name="直接箭头连接符 41">
+            <a:extLst>
+              <a:ext uri="{FF2B5EF4-FFF2-40B4-BE49-F238E27FC236}">
+                <a16:creationId xmlns:a16="http://schemas.microsoft.com/office/drawing/2014/main" id="{B3CAE22D-7DF5-43A8-A982-74D5B728C003}"/>
+              </a:ext>
+            </a:extLst>
+          </p:cNvPr>
+          <p:cNvCxnSpPr>
+            <a:cxnSpLocks/>
+            <a:endCxn id="40" idx="5"/>
+          </p:cNvCxnSpPr>
+          <p:nvPr/>
+        </p:nvCxnSpPr>
+        <p:spPr>
+          <a:xfrm flipH="1">
+            <a:off x="3709592" y="1411661"/>
+            <a:ext cx="530366" cy="0"/>
+          </a:xfrm>
+          <a:prstGeom prst="straightConnector1">
+            <a:avLst/>
+          </a:prstGeom>
+          <a:ln w="9525" cap="flat" cmpd="sng" algn="ctr">
+            <a:solidFill>
+              <a:schemeClr val="accent2"/>
+            </a:solidFill>
+            <a:prstDash val="solid"/>
+            <a:round/>
+            <a:headEnd type="none" w="med" len="med"/>
+            <a:tailEnd type="arrow" w="med" len="med"/>
+          </a:ln>
+        </p:spPr>
+        <p:style>
+          <a:lnRef idx="0">
+            <a:scrgbClr r="0" g="0" b="0"/>
+          </a:lnRef>
+          <a:fillRef idx="0">
+            <a:scrgbClr r="0" g="0" b="0"/>
+          </a:fillRef>
+          <a:effectRef idx="0">
+            <a:scrgbClr r="0" g="0" b="0"/>
+          </a:effectRef>
+          <a:fontRef idx="minor">
+            <a:schemeClr val="tx1"/>
+          </a:fontRef>
+        </p:style>
+      </p:cxnSp>
+      <mc:AlternateContent xmlns:mc="http://schemas.openxmlformats.org/markup-compatibility/2006">
+        <mc:Choice xmlns:a14="http://schemas.microsoft.com/office/drawing/2010/main" Requires="a14">
+          <p:sp>
+            <p:nvSpPr>
+              <p:cNvPr id="43" name="文本框 42">
+                <a:extLst>
+                  <a:ext uri="{FF2B5EF4-FFF2-40B4-BE49-F238E27FC236}">
+                    <a16:creationId xmlns:a16="http://schemas.microsoft.com/office/drawing/2014/main" id="{036A9A15-96AE-4C5E-B351-3DAE3866096A}"/>
+                  </a:ext>
+                </a:extLst>
+              </p:cNvPr>
+              <p:cNvSpPr txBox="1"/>
+              <p:nvPr/>
+            </p:nvSpPr>
+            <p:spPr>
+              <a:xfrm>
+                <a:off x="3922159" y="1229111"/>
+                <a:ext cx="80278" cy="123111"/>
+              </a:xfrm>
+              <a:prstGeom prst="rect">
+                <a:avLst/>
+              </a:prstGeom>
+              <a:noFill/>
+            </p:spPr>
+            <p:txBody>
+              <a:bodyPr wrap="none" lIns="0" tIns="0" rIns="0" bIns="0" rtlCol="0">
+                <a:spAutoFit/>
+              </a:bodyPr>
+              <a:lstStyle/>
+              <a:p>
+                <a14:m>
+                  <m:oMathPara xmlns:m="http://schemas.openxmlformats.org/officeDocument/2006/math">
+                    <m:oMathParaPr>
+                      <m:jc m:val="centerGroup"/>
+                    </m:oMathParaPr>
+                    <m:oMath xmlns:m="http://schemas.openxmlformats.org/officeDocument/2006/math">
+                      <m:r>
+                        <a:rPr lang="en-US" altLang="zh-CN" sz="800" b="0" i="1" smtClean="0">
+                          <a:latin typeface="Cambria Math" panose="02040503050406030204" pitchFamily="18" charset="0"/>
+                        </a:rPr>
+                        <m:t>𝑧</m:t>
+                      </m:r>
+                    </m:oMath>
+                  </m:oMathPara>
+                </a14:m>
+                <a:endParaRPr lang="zh-CN" altLang="en-US" sz="800" dirty="0"/>
+              </a:p>
+            </p:txBody>
+          </p:sp>
+        </mc:Choice>
+        <mc:Fallback>
+          <p:sp>
+            <p:nvSpPr>
+              <p:cNvPr id="43" name="文本框 42">
+                <a:extLst>
+                  <a:ext uri="{FF2B5EF4-FFF2-40B4-BE49-F238E27FC236}">
+                    <a16:creationId xmlns:a16="http://schemas.microsoft.com/office/drawing/2014/main" id="{036A9A15-96AE-4C5E-B351-3DAE3866096A}"/>
+                  </a:ext>
+                </a:extLst>
+              </p:cNvPr>
+              <p:cNvSpPr txBox="1">
+                <a:spLocks noRot="1" noChangeAspect="1" noMove="1" noResize="1" noEditPoints="1" noAdjustHandles="1" noChangeArrowheads="1" noChangeShapeType="1" noTextEdit="1"/>
+              </p:cNvSpPr>
+              <p:nvPr/>
+            </p:nvSpPr>
+            <p:spPr>
+              <a:xfrm>
+                <a:off x="3922159" y="1229111"/>
+                <a:ext cx="80278" cy="123111"/>
+              </a:xfrm>
+              <a:prstGeom prst="rect">
+                <a:avLst/>
+              </a:prstGeom>
+              <a:blipFill>
+                <a:blip r:embed="rId13"/>
+                <a:stretch>
+                  <a:fillRect l="-14286" r="-7143"/>
+                </a:stretch>
+              </a:blipFill>
+            </p:spPr>
+            <p:txBody>
+              <a:bodyPr/>
+              <a:lstStyle/>
+              <a:p>
+                <a:r>
+                  <a:rPr lang="zh-CN" altLang="en-US">
+                    <a:noFill/>
+                  </a:rPr>
+                  <a:t> </a:t>
+                </a:r>
+              </a:p>
+            </p:txBody>
+          </p:sp>
+        </mc:Fallback>
+      </mc:AlternateContent>
+      <mc:AlternateContent xmlns:mc="http://schemas.openxmlformats.org/markup-compatibility/2006">
+        <mc:Choice xmlns:a14="http://schemas.microsoft.com/office/drawing/2010/main" Requires="a14">
+          <p:sp>
+            <p:nvSpPr>
+              <p:cNvPr id="44" name="文本框 43">
+                <a:extLst>
+                  <a:ext uri="{FF2B5EF4-FFF2-40B4-BE49-F238E27FC236}">
+                    <a16:creationId xmlns:a16="http://schemas.microsoft.com/office/drawing/2014/main" id="{23A86E21-6FB4-4A34-94C4-A167035A7BC8}"/>
+                  </a:ext>
+                </a:extLst>
+              </p:cNvPr>
+              <p:cNvSpPr txBox="1"/>
+              <p:nvPr/>
+            </p:nvSpPr>
+            <p:spPr>
+              <a:xfrm>
+                <a:off x="3902283" y="1433231"/>
+                <a:ext cx="137986" cy="234038"/>
+              </a:xfrm>
+              <a:prstGeom prst="rect">
+                <a:avLst/>
+              </a:prstGeom>
+              <a:noFill/>
+            </p:spPr>
+            <p:txBody>
+              <a:bodyPr wrap="none" lIns="0" tIns="0" rIns="0" bIns="0" rtlCol="0">
+                <a:spAutoFit/>
+              </a:bodyPr>
+              <a:lstStyle/>
+              <a:p>
+                <a14:m>
+                  <m:oMathPara xmlns:m="http://schemas.openxmlformats.org/officeDocument/2006/math">
+                    <m:oMathParaPr>
+                      <m:jc m:val="centerGroup"/>
+                    </m:oMathParaPr>
+                    <m:oMath xmlns:m="http://schemas.openxmlformats.org/officeDocument/2006/math">
+                      <m:f>
+                        <m:fPr>
+                          <m:ctrlPr>
+                            <a:rPr lang="en-US" altLang="zh-CN" sz="800" i="1">
+                              <a:latin typeface="Cambria Math" panose="02040503050406030204" pitchFamily="18" charset="0"/>
+                            </a:rPr>
+                          </m:ctrlPr>
+                        </m:fPr>
+                        <m:num>
+                          <m:r>
+                            <a:rPr lang="en-US" altLang="zh-CN" sz="800" i="1">
+                              <a:latin typeface="Cambria Math" panose="02040503050406030204" pitchFamily="18" charset="0"/>
+                            </a:rPr>
+                            <m:t>𝜕</m:t>
+                          </m:r>
+                          <m:r>
+                            <a:rPr lang="en-US" altLang="zh-CN" sz="800" i="1">
+                              <a:latin typeface="Cambria Math" panose="02040503050406030204" pitchFamily="18" charset="0"/>
+                            </a:rPr>
+                            <m:t>𝑧</m:t>
+                          </m:r>
+                        </m:num>
+                        <m:den>
+                          <m:r>
+                            <a:rPr lang="en-US" altLang="zh-CN" sz="800" i="1">
+                              <a:latin typeface="Cambria Math" panose="02040503050406030204" pitchFamily="18" charset="0"/>
+                            </a:rPr>
+                            <m:t>𝜕</m:t>
+                          </m:r>
+                          <m:r>
+                            <a:rPr lang="en-US" altLang="zh-CN" sz="800" i="1">
+                              <a:latin typeface="Cambria Math" panose="02040503050406030204" pitchFamily="18" charset="0"/>
+                            </a:rPr>
+                            <m:t>𝑧</m:t>
+                          </m:r>
+                        </m:den>
+                      </m:f>
+                    </m:oMath>
+                  </m:oMathPara>
+                </a14:m>
+                <a:endParaRPr lang="zh-CN" altLang="en-US" sz="800" dirty="0"/>
+              </a:p>
+            </p:txBody>
+          </p:sp>
+        </mc:Choice>
+        <mc:Fallback>
+          <p:sp>
+            <p:nvSpPr>
+              <p:cNvPr id="44" name="文本框 43">
+                <a:extLst>
+                  <a:ext uri="{FF2B5EF4-FFF2-40B4-BE49-F238E27FC236}">
+                    <a16:creationId xmlns:a16="http://schemas.microsoft.com/office/drawing/2014/main" id="{23A86E21-6FB4-4A34-94C4-A167035A7BC8}"/>
+                  </a:ext>
+                </a:extLst>
+              </p:cNvPr>
+              <p:cNvSpPr txBox="1">
+                <a:spLocks noRot="1" noChangeAspect="1" noMove="1" noResize="1" noEditPoints="1" noAdjustHandles="1" noChangeArrowheads="1" noChangeShapeType="1" noTextEdit="1"/>
+              </p:cNvSpPr>
+              <p:nvPr/>
+            </p:nvSpPr>
+            <p:spPr>
+              <a:xfrm>
+                <a:off x="3902283" y="1433231"/>
+                <a:ext cx="137986" cy="234038"/>
+              </a:xfrm>
+              <a:prstGeom prst="rect">
+                <a:avLst/>
+              </a:prstGeom>
+              <a:blipFill>
+                <a:blip r:embed="rId14"/>
+                <a:stretch>
+                  <a:fillRect l="-17391" t="-2564" r="-13043" b="-15385"/>
+                </a:stretch>
+              </a:blipFill>
+            </p:spPr>
+            <p:txBody>
+              <a:bodyPr/>
+              <a:lstStyle/>
+              <a:p>
+                <a:r>
+                  <a:rPr lang="zh-CN" altLang="en-US">
+                    <a:noFill/>
+                  </a:rPr>
+                  <a:t> </a:t>
+                </a:r>
+              </a:p>
+            </p:txBody>
+          </p:sp>
+        </mc:Fallback>
+      </mc:AlternateContent>
+      <p:cxnSp>
+        <p:nvCxnSpPr>
+          <p:cNvPr id="52" name="直接箭头连接符 51">
+            <a:extLst>
+              <a:ext uri="{FF2B5EF4-FFF2-40B4-BE49-F238E27FC236}">
+                <a16:creationId xmlns:a16="http://schemas.microsoft.com/office/drawing/2014/main" id="{9DA27A3D-0747-4DA9-915F-F32FD33A74DF}"/>
+              </a:ext>
+            </a:extLst>
+          </p:cNvPr>
+          <p:cNvCxnSpPr>
+            <a:cxnSpLocks/>
+            <a:endCxn id="30" idx="3"/>
+          </p:cNvCxnSpPr>
+          <p:nvPr/>
+        </p:nvCxnSpPr>
+        <p:spPr>
+          <a:xfrm flipV="1">
+            <a:off x="2525641" y="1408611"/>
+            <a:ext cx="400514" cy="285685"/>
+          </a:xfrm>
+          <a:prstGeom prst="straightConnector1">
+            <a:avLst/>
+          </a:prstGeom>
+          <a:ln w="9525" cap="flat" cmpd="sng" algn="ctr">
+            <a:solidFill>
+              <a:schemeClr val="accent3"/>
+            </a:solidFill>
+            <a:prstDash val="solid"/>
+            <a:round/>
+            <a:headEnd type="none" w="med" len="med"/>
+            <a:tailEnd type="arrow" w="med" len="med"/>
+          </a:ln>
+        </p:spPr>
+        <p:style>
+          <a:lnRef idx="0">
+            <a:scrgbClr r="0" g="0" b="0"/>
+          </a:lnRef>
+          <a:fillRef idx="0">
+            <a:scrgbClr r="0" g="0" b="0"/>
+          </a:fillRef>
+          <a:effectRef idx="0">
+            <a:scrgbClr r="0" g="0" b="0"/>
+          </a:effectRef>
+          <a:fontRef idx="minor">
+            <a:schemeClr val="tx1"/>
+          </a:fontRef>
+        </p:style>
+      </p:cxnSp>
+      <mc:AlternateContent xmlns:mc="http://schemas.openxmlformats.org/markup-compatibility/2006">
+        <mc:Choice xmlns:a14="http://schemas.microsoft.com/office/drawing/2010/main" Requires="a14">
+          <p:sp>
+            <p:nvSpPr>
+              <p:cNvPr id="56" name="文本框 55">
+                <a:extLst>
+                  <a:ext uri="{FF2B5EF4-FFF2-40B4-BE49-F238E27FC236}">
+                    <a16:creationId xmlns:a16="http://schemas.microsoft.com/office/drawing/2014/main" id="{DA376FEC-8978-4CAE-9C73-4DA1692E76D0}"/>
+                  </a:ext>
+                </a:extLst>
+              </p:cNvPr>
+              <p:cNvSpPr txBox="1"/>
+              <p:nvPr/>
+            </p:nvSpPr>
+            <p:spPr>
+              <a:xfrm>
+                <a:off x="2492402" y="1539758"/>
+                <a:ext cx="88294" cy="123111"/>
+              </a:xfrm>
+              <a:prstGeom prst="rect">
+                <a:avLst/>
+              </a:prstGeom>
+              <a:noFill/>
+            </p:spPr>
+            <p:txBody>
+              <a:bodyPr wrap="none" lIns="0" tIns="0" rIns="0" bIns="0" rtlCol="0">
+                <a:spAutoFit/>
+              </a:bodyPr>
+              <a:lstStyle/>
+              <a:p>
+                <a14:m>
+                  <m:oMathPara xmlns:m="http://schemas.openxmlformats.org/officeDocument/2006/math">
+                    <m:oMathParaPr>
+                      <m:jc m:val="centerGroup"/>
+                    </m:oMathParaPr>
+                    <m:oMath xmlns:m="http://schemas.openxmlformats.org/officeDocument/2006/math">
+                      <m:r>
+                        <a:rPr lang="en-US" altLang="zh-CN" sz="800" b="0" i="1" smtClean="0">
+                          <a:latin typeface="Cambria Math" panose="02040503050406030204" pitchFamily="18" charset="0"/>
+                        </a:rPr>
+                        <m:t>𝑦</m:t>
+                      </m:r>
+                    </m:oMath>
+                  </m:oMathPara>
+                </a14:m>
+                <a:endParaRPr lang="zh-CN" altLang="en-US" sz="800" dirty="0"/>
+              </a:p>
+            </p:txBody>
+          </p:sp>
+        </mc:Choice>
+        <mc:Fallback>
+          <p:sp>
+            <p:nvSpPr>
+              <p:cNvPr id="56" name="文本框 55">
+                <a:extLst>
+                  <a:ext uri="{FF2B5EF4-FFF2-40B4-BE49-F238E27FC236}">
+                    <a16:creationId xmlns:a16="http://schemas.microsoft.com/office/drawing/2014/main" id="{DA376FEC-8978-4CAE-9C73-4DA1692E76D0}"/>
+                  </a:ext>
+                </a:extLst>
+              </p:cNvPr>
+              <p:cNvSpPr txBox="1">
+                <a:spLocks noRot="1" noChangeAspect="1" noMove="1" noResize="1" noEditPoints="1" noAdjustHandles="1" noChangeArrowheads="1" noChangeShapeType="1" noTextEdit="1"/>
+              </p:cNvSpPr>
+              <p:nvPr/>
+            </p:nvSpPr>
+            <p:spPr>
+              <a:xfrm>
+                <a:off x="2492402" y="1539758"/>
+                <a:ext cx="88294" cy="123111"/>
+              </a:xfrm>
+              <a:prstGeom prst="rect">
+                <a:avLst/>
+              </a:prstGeom>
+              <a:blipFill>
+                <a:blip r:embed="rId15"/>
+                <a:stretch>
+                  <a:fillRect l="-35714" r="-28571" b="-30000"/>
+                </a:stretch>
+              </a:blipFill>
+            </p:spPr>
+            <p:txBody>
+              <a:bodyPr/>
+              <a:lstStyle/>
+              <a:p>
+                <a:r>
+                  <a:rPr lang="zh-CN" altLang="en-US">
+                    <a:noFill/>
+                  </a:rPr>
+                  <a:t> </a:t>
+                </a:r>
+              </a:p>
+            </p:txBody>
+          </p:sp>
+        </mc:Fallback>
+      </mc:AlternateContent>
+      <mc:AlternateContent xmlns:mc="http://schemas.openxmlformats.org/markup-compatibility/2006">
+        <mc:Choice xmlns:a14="http://schemas.microsoft.com/office/drawing/2010/main" Requires="a14">
+          <p:sp>
+            <p:nvSpPr>
+              <p:cNvPr id="57" name="文本框 56">
+                <a:extLst>
+                  <a:ext uri="{FF2B5EF4-FFF2-40B4-BE49-F238E27FC236}">
+                    <a16:creationId xmlns:a16="http://schemas.microsoft.com/office/drawing/2014/main" id="{8B41F155-4793-436F-9CEE-D10DD5C45DF6}"/>
+                  </a:ext>
+                </a:extLst>
+              </p:cNvPr>
+              <p:cNvSpPr txBox="1"/>
+              <p:nvPr/>
+            </p:nvSpPr>
+            <p:spPr>
+              <a:xfrm>
+                <a:off x="3451715" y="1303005"/>
+                <a:ext cx="396876" cy="92333"/>
+              </a:xfrm>
+              <a:prstGeom prst="rect">
+                <a:avLst/>
+              </a:prstGeom>
+              <a:noFill/>
+            </p:spPr>
+            <p:txBody>
+              <a:bodyPr wrap="square" lIns="0" tIns="0" rIns="0" bIns="0" rtlCol="0">
+                <a:spAutoFit/>
+              </a:bodyPr>
+              <a:lstStyle/>
+              <a:p>
+                <a:pPr/>
+                <a14:m>
+                  <m:oMathPara xmlns:m="http://schemas.openxmlformats.org/officeDocument/2006/math">
+                    <m:oMathParaPr>
+                      <m:jc m:val="centerGroup"/>
+                    </m:oMathParaPr>
+                    <m:oMath xmlns:m="http://schemas.openxmlformats.org/officeDocument/2006/math">
+                      <m:r>
+                        <a:rPr lang="en-US" altLang="zh-CN" sz="600" b="0" i="1" smtClean="0">
+                          <a:latin typeface="Cambria Math" panose="02040503050406030204" pitchFamily="18" charset="0"/>
+                        </a:rPr>
+                        <m:t>∗∗2</m:t>
+                      </m:r>
+                    </m:oMath>
+                  </m:oMathPara>
+                </a14:m>
+                <a:endParaRPr lang="zh-CN" altLang="en-US" sz="1400" dirty="0"/>
+              </a:p>
+            </p:txBody>
+          </p:sp>
+        </mc:Choice>
+        <mc:Fallback>
+          <p:sp>
+            <p:nvSpPr>
+              <p:cNvPr id="57" name="文本框 56">
+                <a:extLst>
+                  <a:ext uri="{FF2B5EF4-FFF2-40B4-BE49-F238E27FC236}">
+                    <a16:creationId xmlns:a16="http://schemas.microsoft.com/office/drawing/2014/main" id="{8B41F155-4793-436F-9CEE-D10DD5C45DF6}"/>
+                  </a:ext>
+                </a:extLst>
+              </p:cNvPr>
+              <p:cNvSpPr txBox="1">
+                <a:spLocks noRot="1" noChangeAspect="1" noMove="1" noResize="1" noEditPoints="1" noAdjustHandles="1" noChangeArrowheads="1" noChangeShapeType="1" noTextEdit="1"/>
+              </p:cNvSpPr>
+              <p:nvPr/>
+            </p:nvSpPr>
+            <p:spPr>
+              <a:xfrm>
+                <a:off x="3451715" y="1303005"/>
+                <a:ext cx="396876" cy="92333"/>
+              </a:xfrm>
+              <a:prstGeom prst="rect">
+                <a:avLst/>
+              </a:prstGeom>
+              <a:blipFill>
+                <a:blip r:embed="rId16"/>
+                <a:stretch>
+                  <a:fillRect b="-13333"/>
+                </a:stretch>
+              </a:blipFill>
+            </p:spPr>
+            <p:txBody>
+              <a:bodyPr/>
+              <a:lstStyle/>
+              <a:p>
+                <a:r>
+                  <a:rPr lang="zh-CN" altLang="en-US">
+                    <a:noFill/>
+                  </a:rPr>
+                  <a:t> </a:t>
+                </a:r>
+              </a:p>
+            </p:txBody>
+          </p:sp>
+        </mc:Fallback>
+      </mc:AlternateContent>
     </p:spTree>
     <p:extLst>
       <p:ext uri="{BB962C8B-B14F-4D97-AF65-F5344CB8AC3E}">

--- a/back_up_images/矢量图片.pptx
+++ b/back_up_images/矢量图片.pptx
@@ -5,7 +5,7 @@
     <p:sldMasterId id="2147483648" r:id="rId1"/>
   </p:sldMasterIdLst>
   <p:notesMasterIdLst>
-    <p:notesMasterId r:id="rId11"/>
+    <p:notesMasterId r:id="rId12"/>
   </p:notesMasterIdLst>
   <p:sldIdLst>
     <p:sldId id="256" r:id="rId2"/>
@@ -17,6 +17,7 @@
     <p:sldId id="262" r:id="rId8"/>
     <p:sldId id="263" r:id="rId9"/>
     <p:sldId id="264" r:id="rId10"/>
+    <p:sldId id="265" r:id="rId11"/>
   </p:sldIdLst>
   <p:sldSz cx="12192000" cy="6858000"/>
   <p:notesSz cx="6858000" cy="9144000"/>
@@ -217,7 +218,7 @@
           <a:p>
             <a:fld id="{3C7B4C04-3ED7-48CA-BB0C-33AE8D501C43}" type="datetimeFigureOut">
               <a:rPr lang="zh-CN" altLang="en-US" smtClean="0"/>
-              <a:t>2019/12/15</a:t>
+              <a:t>2019/12/16</a:t>
             </a:fld>
             <a:endParaRPr lang="zh-CN" altLang="en-US"/>
           </a:p>
@@ -1335,7 +1336,7 @@
           <a:p>
             <a:fld id="{DBC79F21-86C7-4C96-8B86-0DACC1911D43}" type="datetimeFigureOut">
               <a:rPr lang="zh-CN" altLang="en-US" smtClean="0"/>
-              <a:t>2019/12/15</a:t>
+              <a:t>2019/12/16</a:t>
             </a:fld>
             <a:endParaRPr lang="zh-CN" altLang="en-US"/>
           </a:p>
@@ -1533,7 +1534,7 @@
           <a:p>
             <a:fld id="{DBC79F21-86C7-4C96-8B86-0DACC1911D43}" type="datetimeFigureOut">
               <a:rPr lang="zh-CN" altLang="en-US" smtClean="0"/>
-              <a:t>2019/12/15</a:t>
+              <a:t>2019/12/16</a:t>
             </a:fld>
             <a:endParaRPr lang="zh-CN" altLang="en-US"/>
           </a:p>
@@ -1741,7 +1742,7 @@
           <a:p>
             <a:fld id="{DBC79F21-86C7-4C96-8B86-0DACC1911D43}" type="datetimeFigureOut">
               <a:rPr lang="zh-CN" altLang="en-US" smtClean="0"/>
-              <a:t>2019/12/15</a:t>
+              <a:t>2019/12/16</a:t>
             </a:fld>
             <a:endParaRPr lang="zh-CN" altLang="en-US"/>
           </a:p>
@@ -1939,7 +1940,7 @@
           <a:p>
             <a:fld id="{DBC79F21-86C7-4C96-8B86-0DACC1911D43}" type="datetimeFigureOut">
               <a:rPr lang="zh-CN" altLang="en-US" smtClean="0"/>
-              <a:t>2019/12/15</a:t>
+              <a:t>2019/12/16</a:t>
             </a:fld>
             <a:endParaRPr lang="zh-CN" altLang="en-US"/>
           </a:p>
@@ -2214,7 +2215,7 @@
           <a:p>
             <a:fld id="{DBC79F21-86C7-4C96-8B86-0DACC1911D43}" type="datetimeFigureOut">
               <a:rPr lang="zh-CN" altLang="en-US" smtClean="0"/>
-              <a:t>2019/12/15</a:t>
+              <a:t>2019/12/16</a:t>
             </a:fld>
             <a:endParaRPr lang="zh-CN" altLang="en-US"/>
           </a:p>
@@ -2479,7 +2480,7 @@
           <a:p>
             <a:fld id="{DBC79F21-86C7-4C96-8B86-0DACC1911D43}" type="datetimeFigureOut">
               <a:rPr lang="zh-CN" altLang="en-US" smtClean="0"/>
-              <a:t>2019/12/15</a:t>
+              <a:t>2019/12/16</a:t>
             </a:fld>
             <a:endParaRPr lang="zh-CN" altLang="en-US"/>
           </a:p>
@@ -2891,7 +2892,7 @@
           <a:p>
             <a:fld id="{DBC79F21-86C7-4C96-8B86-0DACC1911D43}" type="datetimeFigureOut">
               <a:rPr lang="zh-CN" altLang="en-US" smtClean="0"/>
-              <a:t>2019/12/15</a:t>
+              <a:t>2019/12/16</a:t>
             </a:fld>
             <a:endParaRPr lang="zh-CN" altLang="en-US"/>
           </a:p>
@@ -3032,7 +3033,7 @@
           <a:p>
             <a:fld id="{DBC79F21-86C7-4C96-8B86-0DACC1911D43}" type="datetimeFigureOut">
               <a:rPr lang="zh-CN" altLang="en-US" smtClean="0"/>
-              <a:t>2019/12/15</a:t>
+              <a:t>2019/12/16</a:t>
             </a:fld>
             <a:endParaRPr lang="zh-CN" altLang="en-US"/>
           </a:p>
@@ -3145,7 +3146,7 @@
           <a:p>
             <a:fld id="{DBC79F21-86C7-4C96-8B86-0DACC1911D43}" type="datetimeFigureOut">
               <a:rPr lang="zh-CN" altLang="en-US" smtClean="0"/>
-              <a:t>2019/12/15</a:t>
+              <a:t>2019/12/16</a:t>
             </a:fld>
             <a:endParaRPr lang="zh-CN" altLang="en-US"/>
           </a:p>
@@ -3456,7 +3457,7 @@
           <a:p>
             <a:fld id="{DBC79F21-86C7-4C96-8B86-0DACC1911D43}" type="datetimeFigureOut">
               <a:rPr lang="zh-CN" altLang="en-US" smtClean="0"/>
-              <a:t>2019/12/15</a:t>
+              <a:t>2019/12/16</a:t>
             </a:fld>
             <a:endParaRPr lang="zh-CN" altLang="en-US"/>
           </a:p>
@@ -3744,7 +3745,7 @@
           <a:p>
             <a:fld id="{DBC79F21-86C7-4C96-8B86-0DACC1911D43}" type="datetimeFigureOut">
               <a:rPr lang="zh-CN" altLang="en-US" smtClean="0"/>
-              <a:t>2019/12/15</a:t>
+              <a:t>2019/12/16</a:t>
             </a:fld>
             <a:endParaRPr lang="zh-CN" altLang="en-US"/>
           </a:p>
@@ -3985,7 +3986,7 @@
           <a:p>
             <a:fld id="{DBC79F21-86C7-4C96-8B86-0DACC1911D43}" type="datetimeFigureOut">
               <a:rPr lang="zh-CN" altLang="en-US" smtClean="0"/>
-              <a:t>2019/12/15</a:t>
+              <a:t>2019/12/16</a:t>
             </a:fld>
             <a:endParaRPr lang="zh-CN" altLang="en-US"/>
           </a:p>
@@ -4423,7 +4424,10 @@
           <a:bodyPr/>
           <a:lstStyle/>
           <a:p>
-            <a:endParaRPr lang="zh-CN" altLang="en-US"/>
+            <a:r>
+              <a:rPr lang="zh-CN" altLang="en-US" dirty="0"/>
+              <a:t>深度学习入门</a:t>
+            </a:r>
           </a:p>
         </p:txBody>
       </p:sp>
@@ -4448,7 +4452,10 @@
           <a:bodyPr/>
           <a:lstStyle/>
           <a:p>
-            <a:endParaRPr lang="zh-CN" altLang="en-US"/>
+            <a:r>
+              <a:rPr lang="zh-CN" altLang="en-US" dirty="0"/>
+              <a:t>相关配图</a:t>
+            </a:r>
           </a:p>
         </p:txBody>
       </p:sp>
@@ -4456,6 +4463,2307 @@
     <p:extLst>
       <p:ext uri="{BB962C8B-B14F-4D97-AF65-F5344CB8AC3E}">
         <p14:creationId xmlns:p14="http://schemas.microsoft.com/office/powerpoint/2010/main" val="3132041183"/>
+      </p:ext>
+    </p:extLst>
+  </p:cSld>
+  <p:clrMapOvr>
+    <a:masterClrMapping/>
+  </p:clrMapOvr>
+</p:sld>
+</file>
+
+<file path=ppt/slides/slide10.xml><?xml version="1.0" encoding="utf-8"?>
+<p:sld xmlns:a="http://schemas.openxmlformats.org/drawingml/2006/main" xmlns:r="http://schemas.openxmlformats.org/officeDocument/2006/relationships" xmlns:p="http://schemas.openxmlformats.org/presentationml/2006/main">
+  <p:cSld>
+    <p:spTree>
+      <p:nvGrpSpPr>
+        <p:cNvPr id="1" name=""/>
+        <p:cNvGrpSpPr/>
+        <p:nvPr/>
+      </p:nvGrpSpPr>
+      <p:grpSpPr>
+        <a:xfrm>
+          <a:off x="0" y="0"/>
+          <a:ext cx="0" cy="0"/>
+          <a:chOff x="0" y="0"/>
+          <a:chExt cx="0" cy="0"/>
+        </a:xfrm>
+      </p:grpSpPr>
+      <p:sp>
+        <p:nvSpPr>
+          <p:cNvPr id="2" name="椭圆 1">
+            <a:extLst>
+              <a:ext uri="{FF2B5EF4-FFF2-40B4-BE49-F238E27FC236}">
+                <a16:creationId xmlns:a16="http://schemas.microsoft.com/office/drawing/2014/main" id="{1D3DACB2-A292-4554-8149-C02F8A2CC161}"/>
+              </a:ext>
+            </a:extLst>
+          </p:cNvPr>
+          <p:cNvSpPr/>
+          <p:nvPr/>
+        </p:nvSpPr>
+        <p:spPr>
+          <a:xfrm>
+            <a:off x="5232254" y="1265113"/>
+            <a:ext cx="168118" cy="168118"/>
+          </a:xfrm>
+          <a:prstGeom prst="ellipse">
+            <a:avLst/>
+          </a:prstGeom>
+          <a:solidFill>
+            <a:schemeClr val="bg1"/>
+          </a:solidFill>
+          <a:ln>
+            <a:solidFill>
+              <a:schemeClr val="tx1"/>
+            </a:solidFill>
+          </a:ln>
+        </p:spPr>
+        <p:style>
+          <a:lnRef idx="2">
+            <a:schemeClr val="accent1">
+              <a:shade val="50000"/>
+            </a:schemeClr>
+          </a:lnRef>
+          <a:fillRef idx="1">
+            <a:schemeClr val="accent1"/>
+          </a:fillRef>
+          <a:effectRef idx="0">
+            <a:schemeClr val="accent1"/>
+          </a:effectRef>
+          <a:fontRef idx="minor">
+            <a:schemeClr val="lt1"/>
+          </a:fontRef>
+        </p:style>
+        <p:txBody>
+          <a:bodyPr rtlCol="0" anchor="ctr"/>
+          <a:lstStyle/>
+          <a:p>
+            <a:pPr algn="ctr"/>
+            <a:endParaRPr lang="zh-CN" altLang="en-US"/>
+          </a:p>
+        </p:txBody>
+      </p:sp>
+      <p:cxnSp>
+        <p:nvCxnSpPr>
+          <p:cNvPr id="3" name="直接箭头连接符 2">
+            <a:extLst>
+              <a:ext uri="{FF2B5EF4-FFF2-40B4-BE49-F238E27FC236}">
+                <a16:creationId xmlns:a16="http://schemas.microsoft.com/office/drawing/2014/main" id="{46E1CE88-B851-4BA2-A3A2-C09802B725C0}"/>
+              </a:ext>
+            </a:extLst>
+          </p:cNvPr>
+          <p:cNvCxnSpPr>
+            <a:cxnSpLocks/>
+            <a:endCxn id="2" idx="2"/>
+          </p:cNvCxnSpPr>
+          <p:nvPr/>
+        </p:nvCxnSpPr>
+        <p:spPr>
+          <a:xfrm>
+            <a:off x="4958514" y="1091844"/>
+            <a:ext cx="273740" cy="257328"/>
+          </a:xfrm>
+          <a:prstGeom prst="straightConnector1">
+            <a:avLst/>
+          </a:prstGeom>
+          <a:ln w="9525" cap="flat" cmpd="sng" algn="ctr">
+            <a:solidFill>
+              <a:schemeClr val="accent3"/>
+            </a:solidFill>
+            <a:prstDash val="solid"/>
+            <a:round/>
+            <a:headEnd type="none" w="med" len="med"/>
+            <a:tailEnd type="arrow" w="med" len="med"/>
+          </a:ln>
+        </p:spPr>
+        <p:style>
+          <a:lnRef idx="0">
+            <a:scrgbClr r="0" g="0" b="0"/>
+          </a:lnRef>
+          <a:fillRef idx="0">
+            <a:scrgbClr r="0" g="0" b="0"/>
+          </a:fillRef>
+          <a:effectRef idx="0">
+            <a:scrgbClr r="0" g="0" b="0"/>
+          </a:effectRef>
+          <a:fontRef idx="minor">
+            <a:schemeClr val="tx1"/>
+          </a:fontRef>
+        </p:style>
+      </p:cxnSp>
+      <p:cxnSp>
+        <p:nvCxnSpPr>
+          <p:cNvPr id="4" name="直接箭头连接符 3">
+            <a:extLst>
+              <a:ext uri="{FF2B5EF4-FFF2-40B4-BE49-F238E27FC236}">
+                <a16:creationId xmlns:a16="http://schemas.microsoft.com/office/drawing/2014/main" id="{184F5B90-7F0C-45A0-A682-1E30CAD13336}"/>
+              </a:ext>
+            </a:extLst>
+          </p:cNvPr>
+          <p:cNvCxnSpPr>
+            <a:cxnSpLocks/>
+            <a:stCxn id="2" idx="6"/>
+          </p:cNvCxnSpPr>
+          <p:nvPr/>
+        </p:nvCxnSpPr>
+        <p:spPr>
+          <a:xfrm>
+            <a:off x="5400372" y="1349172"/>
+            <a:ext cx="331023" cy="0"/>
+          </a:xfrm>
+          <a:prstGeom prst="straightConnector1">
+            <a:avLst/>
+          </a:prstGeom>
+          <a:ln w="9525" cap="flat" cmpd="sng" algn="ctr">
+            <a:solidFill>
+              <a:schemeClr val="accent3"/>
+            </a:solidFill>
+            <a:prstDash val="solid"/>
+            <a:round/>
+            <a:headEnd type="none" w="med" len="med"/>
+            <a:tailEnd type="arrow" w="med" len="med"/>
+          </a:ln>
+        </p:spPr>
+        <p:style>
+          <a:lnRef idx="0">
+            <a:scrgbClr r="0" g="0" b="0"/>
+          </a:lnRef>
+          <a:fillRef idx="0">
+            <a:scrgbClr r="0" g="0" b="0"/>
+          </a:fillRef>
+          <a:effectRef idx="0">
+            <a:scrgbClr r="0" g="0" b="0"/>
+          </a:effectRef>
+          <a:fontRef idx="minor">
+            <a:schemeClr val="tx1"/>
+          </a:fontRef>
+        </p:style>
+      </p:cxnSp>
+      <mc:AlternateContent xmlns:mc="http://schemas.openxmlformats.org/markup-compatibility/2006">
+        <mc:Choice xmlns:a14="http://schemas.microsoft.com/office/drawing/2010/main" Requires="a14">
+          <p:sp>
+            <p:nvSpPr>
+              <p:cNvPr id="5" name="文本框 4">
+                <a:extLst>
+                  <a:ext uri="{FF2B5EF4-FFF2-40B4-BE49-F238E27FC236}">
+                    <a16:creationId xmlns:a16="http://schemas.microsoft.com/office/drawing/2014/main" id="{D8A5DA06-A879-42C2-87A6-71DEBCC04437}"/>
+                  </a:ext>
+                </a:extLst>
+              </p:cNvPr>
+              <p:cNvSpPr txBox="1"/>
+              <p:nvPr/>
+            </p:nvSpPr>
+            <p:spPr>
+              <a:xfrm>
+                <a:off x="5117956" y="1278451"/>
+                <a:ext cx="396876" cy="123111"/>
+              </a:xfrm>
+              <a:prstGeom prst="rect">
+                <a:avLst/>
+              </a:prstGeom>
+              <a:noFill/>
+            </p:spPr>
+            <p:txBody>
+              <a:bodyPr wrap="square" lIns="0" tIns="0" rIns="0" bIns="0" rtlCol="0">
+                <a:spAutoFit/>
+              </a:bodyPr>
+              <a:lstStyle/>
+              <a:p>
+                <a:pPr/>
+                <a14:m>
+                  <m:oMathPara xmlns:m="http://schemas.openxmlformats.org/officeDocument/2006/math">
+                    <m:oMathParaPr>
+                      <m:jc m:val="centerGroup"/>
+                    </m:oMathParaPr>
+                    <m:oMath xmlns:m="http://schemas.openxmlformats.org/officeDocument/2006/math">
+                      <m:r>
+                        <a:rPr lang="en-US" altLang="zh-CN" sz="800" b="0" i="1" smtClean="0">
+                          <a:latin typeface="Cambria Math" panose="02040503050406030204" pitchFamily="18" charset="0"/>
+                        </a:rPr>
+                        <m:t>+</m:t>
+                      </m:r>
+                    </m:oMath>
+                  </m:oMathPara>
+                </a14:m>
+                <a:endParaRPr lang="zh-CN" altLang="en-US" sz="1400" dirty="0"/>
+              </a:p>
+            </p:txBody>
+          </p:sp>
+        </mc:Choice>
+        <mc:Fallback>
+          <p:sp>
+            <p:nvSpPr>
+              <p:cNvPr id="5" name="文本框 4">
+                <a:extLst>
+                  <a:ext uri="{FF2B5EF4-FFF2-40B4-BE49-F238E27FC236}">
+                    <a16:creationId xmlns:a16="http://schemas.microsoft.com/office/drawing/2014/main" id="{D8A5DA06-A879-42C2-87A6-71DEBCC04437}"/>
+                  </a:ext>
+                </a:extLst>
+              </p:cNvPr>
+              <p:cNvSpPr txBox="1">
+                <a:spLocks noRot="1" noChangeAspect="1" noMove="1" noResize="1" noEditPoints="1" noAdjustHandles="1" noChangeArrowheads="1" noChangeShapeType="1" noTextEdit="1"/>
+              </p:cNvSpPr>
+              <p:nvPr/>
+            </p:nvSpPr>
+            <p:spPr>
+              <a:xfrm>
+                <a:off x="5117956" y="1278451"/>
+                <a:ext cx="396876" cy="123111"/>
+              </a:xfrm>
+              <a:prstGeom prst="rect">
+                <a:avLst/>
+              </a:prstGeom>
+              <a:blipFill>
+                <a:blip r:embed="rId2"/>
+                <a:stretch>
+                  <a:fillRect b="-15000"/>
+                </a:stretch>
+              </a:blipFill>
+            </p:spPr>
+            <p:txBody>
+              <a:bodyPr/>
+              <a:lstStyle/>
+              <a:p>
+                <a:r>
+                  <a:rPr lang="zh-CN" altLang="en-US">
+                    <a:noFill/>
+                  </a:rPr>
+                  <a:t> </a:t>
+                </a:r>
+              </a:p>
+            </p:txBody>
+          </p:sp>
+        </mc:Fallback>
+      </mc:AlternateContent>
+      <mc:AlternateContent xmlns:mc="http://schemas.openxmlformats.org/markup-compatibility/2006">
+        <mc:Choice xmlns:a14="http://schemas.microsoft.com/office/drawing/2010/main" Requires="a14">
+          <p:sp>
+            <p:nvSpPr>
+              <p:cNvPr id="8" name="文本框 7">
+                <a:extLst>
+                  <a:ext uri="{FF2B5EF4-FFF2-40B4-BE49-F238E27FC236}">
+                    <a16:creationId xmlns:a16="http://schemas.microsoft.com/office/drawing/2014/main" id="{5995A170-03E7-45D7-9925-6125E5598963}"/>
+                  </a:ext>
+                </a:extLst>
+              </p:cNvPr>
+              <p:cNvSpPr txBox="1"/>
+              <p:nvPr/>
+            </p:nvSpPr>
+            <p:spPr>
+              <a:xfrm>
+                <a:off x="5038909" y="1040815"/>
+                <a:ext cx="86434" cy="123111"/>
+              </a:xfrm>
+              <a:prstGeom prst="rect">
+                <a:avLst/>
+              </a:prstGeom>
+              <a:noFill/>
+            </p:spPr>
+            <p:txBody>
+              <a:bodyPr wrap="none" lIns="0" tIns="0" rIns="0" bIns="0" rtlCol="0">
+                <a:spAutoFit/>
+              </a:bodyPr>
+              <a:lstStyle/>
+              <a:p>
+                <a:pPr/>
+                <a14:m>
+                  <m:oMathPara xmlns:m="http://schemas.openxmlformats.org/officeDocument/2006/math">
+                    <m:oMathParaPr>
+                      <m:jc m:val="centerGroup"/>
+                    </m:oMathParaPr>
+                    <m:oMath xmlns:m="http://schemas.openxmlformats.org/officeDocument/2006/math">
+                      <m:r>
+                        <a:rPr lang="en-US" altLang="zh-CN" sz="800" b="0" i="1" smtClean="0">
+                          <a:latin typeface="Cambria Math" panose="02040503050406030204" pitchFamily="18" charset="0"/>
+                        </a:rPr>
+                        <m:t>𝑥</m:t>
+                      </m:r>
+                    </m:oMath>
+                  </m:oMathPara>
+                </a14:m>
+                <a:endParaRPr lang="zh-CN" altLang="en-US" sz="800" dirty="0"/>
+              </a:p>
+            </p:txBody>
+          </p:sp>
+        </mc:Choice>
+        <mc:Fallback>
+          <p:sp>
+            <p:nvSpPr>
+              <p:cNvPr id="8" name="文本框 7">
+                <a:extLst>
+                  <a:ext uri="{FF2B5EF4-FFF2-40B4-BE49-F238E27FC236}">
+                    <a16:creationId xmlns:a16="http://schemas.microsoft.com/office/drawing/2014/main" id="{5995A170-03E7-45D7-9925-6125E5598963}"/>
+                  </a:ext>
+                </a:extLst>
+              </p:cNvPr>
+              <p:cNvSpPr txBox="1">
+                <a:spLocks noRot="1" noChangeAspect="1" noMove="1" noResize="1" noEditPoints="1" noAdjustHandles="1" noChangeArrowheads="1" noChangeShapeType="1" noTextEdit="1"/>
+              </p:cNvSpPr>
+              <p:nvPr/>
+            </p:nvSpPr>
+            <p:spPr>
+              <a:xfrm>
+                <a:off x="5038909" y="1040815"/>
+                <a:ext cx="86434" cy="123111"/>
+              </a:xfrm>
+              <a:prstGeom prst="rect">
+                <a:avLst/>
+              </a:prstGeom>
+              <a:blipFill>
+                <a:blip r:embed="rId3"/>
+                <a:stretch>
+                  <a:fillRect l="-21429" r="-7143"/>
+                </a:stretch>
+              </a:blipFill>
+            </p:spPr>
+            <p:txBody>
+              <a:bodyPr/>
+              <a:lstStyle/>
+              <a:p>
+                <a:r>
+                  <a:rPr lang="zh-CN" altLang="en-US">
+                    <a:noFill/>
+                  </a:rPr>
+                  <a:t> </a:t>
+                </a:r>
+              </a:p>
+            </p:txBody>
+          </p:sp>
+        </mc:Fallback>
+      </mc:AlternateContent>
+      <mc:AlternateContent xmlns:mc="http://schemas.openxmlformats.org/markup-compatibility/2006">
+        <mc:Choice xmlns:a14="http://schemas.microsoft.com/office/drawing/2010/main" Requires="a14">
+          <p:sp>
+            <p:nvSpPr>
+              <p:cNvPr id="10" name="文本框 9">
+                <a:extLst>
+                  <a:ext uri="{FF2B5EF4-FFF2-40B4-BE49-F238E27FC236}">
+                    <a16:creationId xmlns:a16="http://schemas.microsoft.com/office/drawing/2014/main" id="{55B5FE80-0D51-46EB-9CEF-D560E43A73E1}"/>
+                  </a:ext>
+                </a:extLst>
+              </p:cNvPr>
+              <p:cNvSpPr txBox="1"/>
+              <p:nvPr/>
+            </p:nvSpPr>
+            <p:spPr>
+              <a:xfrm>
+                <a:off x="5501992" y="1226061"/>
+                <a:ext cx="80278" cy="123111"/>
+              </a:xfrm>
+              <a:prstGeom prst="rect">
+                <a:avLst/>
+              </a:prstGeom>
+              <a:noFill/>
+            </p:spPr>
+            <p:txBody>
+              <a:bodyPr wrap="none" lIns="0" tIns="0" rIns="0" bIns="0" rtlCol="0">
+                <a:spAutoFit/>
+              </a:bodyPr>
+              <a:lstStyle/>
+              <a:p>
+                <a:pPr/>
+                <a14:m>
+                  <m:oMathPara xmlns:m="http://schemas.openxmlformats.org/officeDocument/2006/math">
+                    <m:oMathParaPr>
+                      <m:jc m:val="centerGroup"/>
+                    </m:oMathParaPr>
+                    <m:oMath xmlns:m="http://schemas.openxmlformats.org/officeDocument/2006/math">
+                      <m:r>
+                        <a:rPr lang="en-US" altLang="zh-CN" sz="800" b="0" i="1" smtClean="0">
+                          <a:latin typeface="Cambria Math" panose="02040503050406030204" pitchFamily="18" charset="0"/>
+                        </a:rPr>
+                        <m:t>𝑧</m:t>
+                      </m:r>
+                    </m:oMath>
+                  </m:oMathPara>
+                </a14:m>
+                <a:endParaRPr lang="zh-CN" altLang="en-US" sz="800" dirty="0"/>
+              </a:p>
+            </p:txBody>
+          </p:sp>
+        </mc:Choice>
+        <mc:Fallback>
+          <p:sp>
+            <p:nvSpPr>
+              <p:cNvPr id="10" name="文本框 9">
+                <a:extLst>
+                  <a:ext uri="{FF2B5EF4-FFF2-40B4-BE49-F238E27FC236}">
+                    <a16:creationId xmlns:a16="http://schemas.microsoft.com/office/drawing/2014/main" id="{55B5FE80-0D51-46EB-9CEF-D560E43A73E1}"/>
+                  </a:ext>
+                </a:extLst>
+              </p:cNvPr>
+              <p:cNvSpPr txBox="1">
+                <a:spLocks noRot="1" noChangeAspect="1" noMove="1" noResize="1" noEditPoints="1" noAdjustHandles="1" noChangeArrowheads="1" noChangeShapeType="1" noTextEdit="1"/>
+              </p:cNvSpPr>
+              <p:nvPr/>
+            </p:nvSpPr>
+            <p:spPr>
+              <a:xfrm>
+                <a:off x="5501992" y="1226061"/>
+                <a:ext cx="80278" cy="123111"/>
+              </a:xfrm>
+              <a:prstGeom prst="rect">
+                <a:avLst/>
+              </a:prstGeom>
+              <a:blipFill>
+                <a:blip r:embed="rId4"/>
+                <a:stretch>
+                  <a:fillRect l="-23077" r="-7692" b="-5000"/>
+                </a:stretch>
+              </a:blipFill>
+            </p:spPr>
+            <p:txBody>
+              <a:bodyPr/>
+              <a:lstStyle/>
+              <a:p>
+                <a:r>
+                  <a:rPr lang="zh-CN" altLang="en-US">
+                    <a:noFill/>
+                  </a:rPr>
+                  <a:t> </a:t>
+                </a:r>
+              </a:p>
+            </p:txBody>
+          </p:sp>
+        </mc:Fallback>
+      </mc:AlternateContent>
+      <p:cxnSp>
+        <p:nvCxnSpPr>
+          <p:cNvPr id="17" name="直接箭头连接符 16">
+            <a:extLst>
+              <a:ext uri="{FF2B5EF4-FFF2-40B4-BE49-F238E27FC236}">
+                <a16:creationId xmlns:a16="http://schemas.microsoft.com/office/drawing/2014/main" id="{822F73E2-9C6F-4DC8-B2D1-9FCDE30B2A40}"/>
+              </a:ext>
+            </a:extLst>
+          </p:cNvPr>
+          <p:cNvCxnSpPr>
+            <a:cxnSpLocks/>
+            <a:endCxn id="2" idx="3"/>
+          </p:cNvCxnSpPr>
+          <p:nvPr/>
+        </p:nvCxnSpPr>
+        <p:spPr>
+          <a:xfrm flipV="1">
+            <a:off x="4945063" y="1408611"/>
+            <a:ext cx="311811" cy="197889"/>
+          </a:xfrm>
+          <a:prstGeom prst="straightConnector1">
+            <a:avLst/>
+          </a:prstGeom>
+          <a:ln w="9525" cap="flat" cmpd="sng" algn="ctr">
+            <a:solidFill>
+              <a:schemeClr val="accent3"/>
+            </a:solidFill>
+            <a:prstDash val="solid"/>
+            <a:round/>
+            <a:headEnd type="none" w="med" len="med"/>
+            <a:tailEnd type="arrow" w="med" len="med"/>
+          </a:ln>
+        </p:spPr>
+        <p:style>
+          <a:lnRef idx="0">
+            <a:scrgbClr r="0" g="0" b="0"/>
+          </a:lnRef>
+          <a:fillRef idx="0">
+            <a:scrgbClr r="0" g="0" b="0"/>
+          </a:fillRef>
+          <a:effectRef idx="0">
+            <a:scrgbClr r="0" g="0" b="0"/>
+          </a:effectRef>
+          <a:fontRef idx="minor">
+            <a:schemeClr val="tx1"/>
+          </a:fontRef>
+        </p:style>
+      </p:cxnSp>
+      <mc:AlternateContent xmlns:mc="http://schemas.openxmlformats.org/markup-compatibility/2006">
+        <mc:Choice xmlns:a14="http://schemas.microsoft.com/office/drawing/2010/main" Requires="a14">
+          <p:sp>
+            <p:nvSpPr>
+              <p:cNvPr id="18" name="文本框 17">
+                <a:extLst>
+                  <a:ext uri="{FF2B5EF4-FFF2-40B4-BE49-F238E27FC236}">
+                    <a16:creationId xmlns:a16="http://schemas.microsoft.com/office/drawing/2014/main" id="{400EC75A-0559-41B1-B712-8AAA24614072}"/>
+                  </a:ext>
+                </a:extLst>
+              </p:cNvPr>
+              <p:cNvSpPr txBox="1"/>
+              <p:nvPr/>
+            </p:nvSpPr>
+            <p:spPr>
+              <a:xfrm>
+                <a:off x="4991532" y="1420047"/>
+                <a:ext cx="88294" cy="123111"/>
+              </a:xfrm>
+              <a:prstGeom prst="rect">
+                <a:avLst/>
+              </a:prstGeom>
+              <a:noFill/>
+            </p:spPr>
+            <p:txBody>
+              <a:bodyPr wrap="none" lIns="0" tIns="0" rIns="0" bIns="0" rtlCol="0">
+                <a:spAutoFit/>
+              </a:bodyPr>
+              <a:lstStyle/>
+              <a:p>
+                <a:pPr/>
+                <a14:m>
+                  <m:oMathPara xmlns:m="http://schemas.openxmlformats.org/officeDocument/2006/math">
+                    <m:oMathParaPr>
+                      <m:jc m:val="centerGroup"/>
+                    </m:oMathParaPr>
+                    <m:oMath xmlns:m="http://schemas.openxmlformats.org/officeDocument/2006/math">
+                      <m:r>
+                        <a:rPr lang="en-US" altLang="zh-CN" sz="800" b="0" i="1" smtClean="0">
+                          <a:latin typeface="Cambria Math" panose="02040503050406030204" pitchFamily="18" charset="0"/>
+                        </a:rPr>
+                        <m:t>𝑦</m:t>
+                      </m:r>
+                    </m:oMath>
+                  </m:oMathPara>
+                </a14:m>
+                <a:endParaRPr lang="zh-CN" altLang="en-US" sz="800" dirty="0"/>
+              </a:p>
+            </p:txBody>
+          </p:sp>
+        </mc:Choice>
+        <mc:Fallback>
+          <p:sp>
+            <p:nvSpPr>
+              <p:cNvPr id="18" name="文本框 17">
+                <a:extLst>
+                  <a:ext uri="{FF2B5EF4-FFF2-40B4-BE49-F238E27FC236}">
+                    <a16:creationId xmlns:a16="http://schemas.microsoft.com/office/drawing/2014/main" id="{400EC75A-0559-41B1-B712-8AAA24614072}"/>
+                  </a:ext>
+                </a:extLst>
+              </p:cNvPr>
+              <p:cNvSpPr txBox="1">
+                <a:spLocks noRot="1" noChangeAspect="1" noMove="1" noResize="1" noEditPoints="1" noAdjustHandles="1" noChangeArrowheads="1" noChangeShapeType="1" noTextEdit="1"/>
+              </p:cNvSpPr>
+              <p:nvPr/>
+            </p:nvSpPr>
+            <p:spPr>
+              <a:xfrm>
+                <a:off x="4991532" y="1420047"/>
+                <a:ext cx="88294" cy="123111"/>
+              </a:xfrm>
+              <a:prstGeom prst="rect">
+                <a:avLst/>
+              </a:prstGeom>
+              <a:blipFill>
+                <a:blip r:embed="rId5"/>
+                <a:stretch>
+                  <a:fillRect l="-35714" r="-28571" b="-30000"/>
+                </a:stretch>
+              </a:blipFill>
+            </p:spPr>
+            <p:txBody>
+              <a:bodyPr/>
+              <a:lstStyle/>
+              <a:p>
+                <a:r>
+                  <a:rPr lang="zh-CN" altLang="en-US">
+                    <a:noFill/>
+                  </a:rPr>
+                  <a:t> </a:t>
+                </a:r>
+              </a:p>
+            </p:txBody>
+          </p:sp>
+        </mc:Fallback>
+      </mc:AlternateContent>
+      <p:sp>
+        <p:nvSpPr>
+          <p:cNvPr id="22" name="椭圆 21">
+            <a:extLst>
+              <a:ext uri="{FF2B5EF4-FFF2-40B4-BE49-F238E27FC236}">
+                <a16:creationId xmlns:a16="http://schemas.microsoft.com/office/drawing/2014/main" id="{3E714B2F-CF56-4142-AF5A-6F77C28670B5}"/>
+              </a:ext>
+            </a:extLst>
+          </p:cNvPr>
+          <p:cNvSpPr/>
+          <p:nvPr/>
+        </p:nvSpPr>
+        <p:spPr>
+          <a:xfrm>
+            <a:off x="6328915" y="1239622"/>
+            <a:ext cx="168118" cy="168118"/>
+          </a:xfrm>
+          <a:prstGeom prst="ellipse">
+            <a:avLst/>
+          </a:prstGeom>
+          <a:solidFill>
+            <a:schemeClr val="bg1"/>
+          </a:solidFill>
+          <a:ln>
+            <a:solidFill>
+              <a:schemeClr val="tx1"/>
+            </a:solidFill>
+          </a:ln>
+        </p:spPr>
+        <p:style>
+          <a:lnRef idx="2">
+            <a:schemeClr val="accent1">
+              <a:shade val="50000"/>
+            </a:schemeClr>
+          </a:lnRef>
+          <a:fillRef idx="1">
+            <a:schemeClr val="accent1"/>
+          </a:fillRef>
+          <a:effectRef idx="0">
+            <a:schemeClr val="accent1"/>
+          </a:effectRef>
+          <a:fontRef idx="minor">
+            <a:schemeClr val="lt1"/>
+          </a:fontRef>
+        </p:style>
+        <p:txBody>
+          <a:bodyPr rtlCol="0" anchor="ctr"/>
+          <a:lstStyle/>
+          <a:p>
+            <a:pPr algn="ctr"/>
+            <a:endParaRPr lang="zh-CN" altLang="en-US"/>
+          </a:p>
+        </p:txBody>
+      </p:sp>
+      <mc:AlternateContent xmlns:mc="http://schemas.openxmlformats.org/markup-compatibility/2006">
+        <mc:Choice xmlns:a14="http://schemas.microsoft.com/office/drawing/2010/main" Requires="a14">
+          <p:sp>
+            <p:nvSpPr>
+              <p:cNvPr id="25" name="文本框 24">
+                <a:extLst>
+                  <a:ext uri="{FF2B5EF4-FFF2-40B4-BE49-F238E27FC236}">
+                    <a16:creationId xmlns:a16="http://schemas.microsoft.com/office/drawing/2014/main" id="{C0F0A7D3-8246-4637-924C-D42978E36523}"/>
+                  </a:ext>
+                </a:extLst>
+              </p:cNvPr>
+              <p:cNvSpPr txBox="1"/>
+              <p:nvPr/>
+            </p:nvSpPr>
+            <p:spPr>
+              <a:xfrm>
+                <a:off x="6215100" y="1258391"/>
+                <a:ext cx="396876" cy="123111"/>
+              </a:xfrm>
+              <a:prstGeom prst="rect">
+                <a:avLst/>
+              </a:prstGeom>
+              <a:noFill/>
+            </p:spPr>
+            <p:txBody>
+              <a:bodyPr wrap="square" lIns="0" tIns="0" rIns="0" bIns="0" rtlCol="0">
+                <a:spAutoFit/>
+              </a:bodyPr>
+              <a:lstStyle/>
+              <a:p>
+                <a:pPr/>
+                <a14:m>
+                  <m:oMathPara xmlns:m="http://schemas.openxmlformats.org/officeDocument/2006/math">
+                    <m:oMathParaPr>
+                      <m:jc m:val="centerGroup"/>
+                    </m:oMathParaPr>
+                    <m:oMath xmlns:m="http://schemas.openxmlformats.org/officeDocument/2006/math">
+                      <m:r>
+                        <a:rPr lang="en-US" altLang="zh-CN" sz="800" b="0" i="1" smtClean="0">
+                          <a:latin typeface="Cambria Math" panose="02040503050406030204" pitchFamily="18" charset="0"/>
+                        </a:rPr>
+                        <m:t>+</m:t>
+                      </m:r>
+                    </m:oMath>
+                  </m:oMathPara>
+                </a14:m>
+                <a:endParaRPr lang="zh-CN" altLang="en-US" sz="1400" dirty="0"/>
+              </a:p>
+            </p:txBody>
+          </p:sp>
+        </mc:Choice>
+        <mc:Fallback>
+          <p:sp>
+            <p:nvSpPr>
+              <p:cNvPr id="25" name="文本框 24">
+                <a:extLst>
+                  <a:ext uri="{FF2B5EF4-FFF2-40B4-BE49-F238E27FC236}">
+                    <a16:creationId xmlns:a16="http://schemas.microsoft.com/office/drawing/2014/main" id="{C0F0A7D3-8246-4637-924C-D42978E36523}"/>
+                  </a:ext>
+                </a:extLst>
+              </p:cNvPr>
+              <p:cNvSpPr txBox="1">
+                <a:spLocks noRot="1" noChangeAspect="1" noMove="1" noResize="1" noEditPoints="1" noAdjustHandles="1" noChangeArrowheads="1" noChangeShapeType="1" noTextEdit="1"/>
+              </p:cNvSpPr>
+              <p:nvPr/>
+            </p:nvSpPr>
+            <p:spPr>
+              <a:xfrm>
+                <a:off x="6215100" y="1258391"/>
+                <a:ext cx="396876" cy="123111"/>
+              </a:xfrm>
+              <a:prstGeom prst="rect">
+                <a:avLst/>
+              </a:prstGeom>
+              <a:blipFill>
+                <a:blip r:embed="rId2"/>
+                <a:stretch>
+                  <a:fillRect b="-9524"/>
+                </a:stretch>
+              </a:blipFill>
+            </p:spPr>
+            <p:txBody>
+              <a:bodyPr/>
+              <a:lstStyle/>
+              <a:p>
+                <a:r>
+                  <a:rPr lang="zh-CN" altLang="en-US">
+                    <a:noFill/>
+                  </a:rPr>
+                  <a:t> </a:t>
+                </a:r>
+              </a:p>
+            </p:txBody>
+          </p:sp>
+        </mc:Fallback>
+      </mc:AlternateContent>
+      <p:cxnSp>
+        <p:nvCxnSpPr>
+          <p:cNvPr id="26" name="直接箭头连接符 25">
+            <a:extLst>
+              <a:ext uri="{FF2B5EF4-FFF2-40B4-BE49-F238E27FC236}">
+                <a16:creationId xmlns:a16="http://schemas.microsoft.com/office/drawing/2014/main" id="{D19F8D7E-9FD8-432D-9055-3419D7657464}"/>
+              </a:ext>
+            </a:extLst>
+          </p:cNvPr>
+          <p:cNvCxnSpPr>
+            <a:cxnSpLocks/>
+            <a:stCxn id="22" idx="1"/>
+          </p:cNvCxnSpPr>
+          <p:nvPr/>
+        </p:nvCxnSpPr>
+        <p:spPr>
+          <a:xfrm flipH="1" flipV="1">
+            <a:off x="5934833" y="1055098"/>
+            <a:ext cx="418702" cy="209144"/>
+          </a:xfrm>
+          <a:prstGeom prst="straightConnector1">
+            <a:avLst/>
+          </a:prstGeom>
+          <a:ln w="9525" cap="flat" cmpd="sng" algn="ctr">
+            <a:solidFill>
+              <a:schemeClr val="accent2"/>
+            </a:solidFill>
+            <a:prstDash val="solid"/>
+            <a:round/>
+            <a:headEnd type="none" w="med" len="med"/>
+            <a:tailEnd type="arrow" w="med" len="med"/>
+          </a:ln>
+        </p:spPr>
+        <p:style>
+          <a:lnRef idx="0">
+            <a:scrgbClr r="0" g="0" b="0"/>
+          </a:lnRef>
+          <a:fillRef idx="0">
+            <a:scrgbClr r="0" g="0" b="0"/>
+          </a:fillRef>
+          <a:effectRef idx="0">
+            <a:scrgbClr r="0" g="0" b="0"/>
+          </a:effectRef>
+          <a:fontRef idx="minor">
+            <a:schemeClr val="tx1"/>
+          </a:fontRef>
+        </p:style>
+      </p:cxnSp>
+      <p:cxnSp>
+        <p:nvCxnSpPr>
+          <p:cNvPr id="27" name="直接箭头连接符 26">
+            <a:extLst>
+              <a:ext uri="{FF2B5EF4-FFF2-40B4-BE49-F238E27FC236}">
+                <a16:creationId xmlns:a16="http://schemas.microsoft.com/office/drawing/2014/main" id="{05EDD84F-973B-465C-8E27-DAEEE0A6794C}"/>
+              </a:ext>
+            </a:extLst>
+          </p:cNvPr>
+          <p:cNvCxnSpPr>
+            <a:cxnSpLocks/>
+            <a:endCxn id="22" idx="6"/>
+          </p:cNvCxnSpPr>
+          <p:nvPr/>
+        </p:nvCxnSpPr>
+        <p:spPr>
+          <a:xfrm flipH="1">
+            <a:off x="6497033" y="1323681"/>
+            <a:ext cx="483961" cy="0"/>
+          </a:xfrm>
+          <a:prstGeom prst="straightConnector1">
+            <a:avLst/>
+          </a:prstGeom>
+          <a:ln w="9525" cap="flat" cmpd="sng" algn="ctr">
+            <a:solidFill>
+              <a:schemeClr val="accent2"/>
+            </a:solidFill>
+            <a:prstDash val="solid"/>
+            <a:round/>
+            <a:headEnd type="none" w="med" len="med"/>
+            <a:tailEnd type="arrow" w="med" len="med"/>
+          </a:ln>
+        </p:spPr>
+        <p:style>
+          <a:lnRef idx="0">
+            <a:scrgbClr r="0" g="0" b="0"/>
+          </a:lnRef>
+          <a:fillRef idx="0">
+            <a:scrgbClr r="0" g="0" b="0"/>
+          </a:fillRef>
+          <a:effectRef idx="0">
+            <a:scrgbClr r="0" g="0" b="0"/>
+          </a:effectRef>
+          <a:fontRef idx="minor">
+            <a:schemeClr val="tx1"/>
+          </a:fontRef>
+        </p:style>
+      </p:cxnSp>
+      <p:cxnSp>
+        <p:nvCxnSpPr>
+          <p:cNvPr id="39" name="直接箭头连接符 38">
+            <a:extLst>
+              <a:ext uri="{FF2B5EF4-FFF2-40B4-BE49-F238E27FC236}">
+                <a16:creationId xmlns:a16="http://schemas.microsoft.com/office/drawing/2014/main" id="{932FCBA6-E26F-4414-B616-9D27BF1AF449}"/>
+              </a:ext>
+            </a:extLst>
+          </p:cNvPr>
+          <p:cNvCxnSpPr>
+            <a:cxnSpLocks/>
+            <a:stCxn id="22" idx="3"/>
+          </p:cNvCxnSpPr>
+          <p:nvPr/>
+        </p:nvCxnSpPr>
+        <p:spPr>
+          <a:xfrm flipH="1">
+            <a:off x="5966582" y="1383120"/>
+            <a:ext cx="386953" cy="196966"/>
+          </a:xfrm>
+          <a:prstGeom prst="straightConnector1">
+            <a:avLst/>
+          </a:prstGeom>
+          <a:ln w="9525" cap="flat" cmpd="sng" algn="ctr">
+            <a:solidFill>
+              <a:schemeClr val="accent2"/>
+            </a:solidFill>
+            <a:prstDash val="solid"/>
+            <a:round/>
+            <a:headEnd type="none" w="med" len="med"/>
+            <a:tailEnd type="arrow" w="med" len="med"/>
+          </a:ln>
+        </p:spPr>
+        <p:style>
+          <a:lnRef idx="0">
+            <a:scrgbClr r="0" g="0" b="0"/>
+          </a:lnRef>
+          <a:fillRef idx="0">
+            <a:scrgbClr r="0" g="0" b="0"/>
+          </a:fillRef>
+          <a:effectRef idx="0">
+            <a:scrgbClr r="0" g="0" b="0"/>
+          </a:effectRef>
+          <a:fontRef idx="minor">
+            <a:schemeClr val="tx1"/>
+          </a:fontRef>
+        </p:style>
+      </p:cxnSp>
+      <mc:AlternateContent xmlns:mc="http://schemas.openxmlformats.org/markup-compatibility/2006">
+        <mc:Choice xmlns:a14="http://schemas.microsoft.com/office/drawing/2010/main" Requires="a14">
+          <p:sp>
+            <p:nvSpPr>
+              <p:cNvPr id="46" name="文本框 45">
+                <a:extLst>
+                  <a:ext uri="{FF2B5EF4-FFF2-40B4-BE49-F238E27FC236}">
+                    <a16:creationId xmlns:a16="http://schemas.microsoft.com/office/drawing/2014/main" id="{168653C4-F9D3-4EA5-96AB-EC7FACF1D231}"/>
+                  </a:ext>
+                </a:extLst>
+              </p:cNvPr>
+              <p:cNvSpPr txBox="1"/>
+              <p:nvPr/>
+            </p:nvSpPr>
+            <p:spPr>
+              <a:xfrm>
+                <a:off x="6713596" y="1349172"/>
+                <a:ext cx="143180" cy="234038"/>
+              </a:xfrm>
+              <a:prstGeom prst="rect">
+                <a:avLst/>
+              </a:prstGeom>
+              <a:noFill/>
+            </p:spPr>
+            <p:txBody>
+              <a:bodyPr wrap="none" lIns="0" tIns="0" rIns="0" bIns="0" rtlCol="0">
+                <a:spAutoFit/>
+              </a:bodyPr>
+              <a:lstStyle/>
+              <a:p>
+                <a:pPr/>
+                <a14:m>
+                  <m:oMathPara xmlns:m="http://schemas.openxmlformats.org/officeDocument/2006/math">
+                    <m:oMathParaPr>
+                      <m:jc m:val="centerGroup"/>
+                    </m:oMathParaPr>
+                    <m:oMath xmlns:m="http://schemas.openxmlformats.org/officeDocument/2006/math">
+                      <m:f>
+                        <m:fPr>
+                          <m:ctrlPr>
+                            <a:rPr lang="en-US" altLang="zh-CN" sz="800" i="1" smtClean="0">
+                              <a:latin typeface="Cambria Math" panose="02040503050406030204" pitchFamily="18" charset="0"/>
+                            </a:rPr>
+                          </m:ctrlPr>
+                        </m:fPr>
+                        <m:num>
+                          <m:r>
+                            <a:rPr lang="en-US" altLang="zh-CN" sz="800" i="1">
+                              <a:latin typeface="Cambria Math" panose="02040503050406030204" pitchFamily="18" charset="0"/>
+                            </a:rPr>
+                            <m:t>𝜕</m:t>
+                          </m:r>
+                          <m:r>
+                            <a:rPr lang="en-US" altLang="zh-CN" sz="800" b="0" i="1" smtClean="0">
+                              <a:latin typeface="Cambria Math" panose="02040503050406030204" pitchFamily="18" charset="0"/>
+                            </a:rPr>
+                            <m:t>𝐿</m:t>
+                          </m:r>
+                        </m:num>
+                        <m:den>
+                          <m:r>
+                            <a:rPr lang="en-US" altLang="zh-CN" sz="800" i="1">
+                              <a:latin typeface="Cambria Math" panose="02040503050406030204" pitchFamily="18" charset="0"/>
+                            </a:rPr>
+                            <m:t>𝜕</m:t>
+                          </m:r>
+                          <m:r>
+                            <a:rPr lang="en-US" altLang="zh-CN" sz="800" i="1">
+                              <a:latin typeface="Cambria Math" panose="02040503050406030204" pitchFamily="18" charset="0"/>
+                            </a:rPr>
+                            <m:t>𝑧</m:t>
+                          </m:r>
+                        </m:den>
+                      </m:f>
+                    </m:oMath>
+                  </m:oMathPara>
+                </a14:m>
+                <a:endParaRPr lang="zh-CN" altLang="en-US" sz="800" dirty="0"/>
+              </a:p>
+            </p:txBody>
+          </p:sp>
+        </mc:Choice>
+        <mc:Fallback>
+          <p:sp>
+            <p:nvSpPr>
+              <p:cNvPr id="46" name="文本框 45">
+                <a:extLst>
+                  <a:ext uri="{FF2B5EF4-FFF2-40B4-BE49-F238E27FC236}">
+                    <a16:creationId xmlns:a16="http://schemas.microsoft.com/office/drawing/2014/main" id="{168653C4-F9D3-4EA5-96AB-EC7FACF1D231}"/>
+                  </a:ext>
+                </a:extLst>
+              </p:cNvPr>
+              <p:cNvSpPr txBox="1">
+                <a:spLocks noRot="1" noChangeAspect="1" noMove="1" noResize="1" noEditPoints="1" noAdjustHandles="1" noChangeArrowheads="1" noChangeShapeType="1" noTextEdit="1"/>
+              </p:cNvSpPr>
+              <p:nvPr/>
+            </p:nvSpPr>
+            <p:spPr>
+              <a:xfrm>
+                <a:off x="6713596" y="1349172"/>
+                <a:ext cx="143180" cy="234038"/>
+              </a:xfrm>
+              <a:prstGeom prst="rect">
+                <a:avLst/>
+              </a:prstGeom>
+              <a:blipFill>
+                <a:blip r:embed="rId6"/>
+                <a:stretch>
+                  <a:fillRect l="-16667" t="-2564" r="-8333" b="-15385"/>
+                </a:stretch>
+              </a:blipFill>
+            </p:spPr>
+            <p:txBody>
+              <a:bodyPr/>
+              <a:lstStyle/>
+              <a:p>
+                <a:r>
+                  <a:rPr lang="zh-CN" altLang="en-US">
+                    <a:noFill/>
+                  </a:rPr>
+                  <a:t> </a:t>
+                </a:r>
+              </a:p>
+            </p:txBody>
+          </p:sp>
+        </mc:Fallback>
+      </mc:AlternateContent>
+      <mc:AlternateContent xmlns:mc="http://schemas.openxmlformats.org/markup-compatibility/2006">
+        <mc:Choice xmlns:a14="http://schemas.microsoft.com/office/drawing/2010/main" Requires="a14">
+          <p:sp>
+            <p:nvSpPr>
+              <p:cNvPr id="47" name="文本框 46">
+                <a:extLst>
+                  <a:ext uri="{FF2B5EF4-FFF2-40B4-BE49-F238E27FC236}">
+                    <a16:creationId xmlns:a16="http://schemas.microsoft.com/office/drawing/2014/main" id="{787EAD41-FE92-4868-A05D-29F9129ED440}"/>
+                  </a:ext>
+                </a:extLst>
+              </p:cNvPr>
+              <p:cNvSpPr txBox="1"/>
+              <p:nvPr/>
+            </p:nvSpPr>
+            <p:spPr>
+              <a:xfrm>
+                <a:off x="5970683" y="1595330"/>
+                <a:ext cx="273793" cy="234038"/>
+              </a:xfrm>
+              <a:prstGeom prst="rect">
+                <a:avLst/>
+              </a:prstGeom>
+              <a:noFill/>
+            </p:spPr>
+            <p:txBody>
+              <a:bodyPr wrap="none" lIns="0" tIns="0" rIns="0" bIns="0" rtlCol="0">
+                <a:spAutoFit/>
+              </a:bodyPr>
+              <a:lstStyle/>
+              <a:p>
+                <a:pPr/>
+                <a14:m>
+                  <m:oMathPara xmlns:m="http://schemas.openxmlformats.org/officeDocument/2006/math">
+                    <m:oMathParaPr>
+                      <m:jc m:val="centerGroup"/>
+                    </m:oMathParaPr>
+                    <m:oMath xmlns:m="http://schemas.openxmlformats.org/officeDocument/2006/math">
+                      <m:f>
+                        <m:fPr>
+                          <m:ctrlPr>
+                            <a:rPr lang="en-US" altLang="zh-CN" sz="800" i="1" smtClean="0">
+                              <a:latin typeface="Cambria Math" panose="02040503050406030204" pitchFamily="18" charset="0"/>
+                            </a:rPr>
+                          </m:ctrlPr>
+                        </m:fPr>
+                        <m:num>
+                          <m:r>
+                            <a:rPr lang="en-US" altLang="zh-CN" sz="800" i="1">
+                              <a:latin typeface="Cambria Math" panose="02040503050406030204" pitchFamily="18" charset="0"/>
+                            </a:rPr>
+                            <m:t>𝜕</m:t>
+                          </m:r>
+                          <m:r>
+                            <a:rPr lang="en-US" altLang="zh-CN" sz="800" b="0" i="1" smtClean="0">
+                              <a:latin typeface="Cambria Math" panose="02040503050406030204" pitchFamily="18" charset="0"/>
+                            </a:rPr>
+                            <m:t>𝐿</m:t>
+                          </m:r>
+                        </m:num>
+                        <m:den>
+                          <m:r>
+                            <a:rPr lang="en-US" altLang="zh-CN" sz="800" i="1">
+                              <a:latin typeface="Cambria Math" panose="02040503050406030204" pitchFamily="18" charset="0"/>
+                            </a:rPr>
+                            <m:t>𝜕</m:t>
+                          </m:r>
+                          <m:r>
+                            <a:rPr lang="en-US" altLang="zh-CN" sz="800" i="1">
+                              <a:latin typeface="Cambria Math" panose="02040503050406030204" pitchFamily="18" charset="0"/>
+                            </a:rPr>
+                            <m:t>𝑧</m:t>
+                          </m:r>
+                        </m:den>
+                      </m:f>
+                      <m:r>
+                        <a:rPr lang="en-US" altLang="zh-CN" sz="800" i="1">
+                          <a:latin typeface="Cambria Math" panose="02040503050406030204" pitchFamily="18" charset="0"/>
+                          <a:ea typeface="Cambria Math" panose="02040503050406030204" pitchFamily="18" charset="0"/>
+                        </a:rPr>
+                        <m:t>∙</m:t>
+                      </m:r>
+                      <m:r>
+                        <a:rPr lang="en-US" altLang="zh-CN" sz="800" b="0" i="1" smtClean="0">
+                          <a:latin typeface="Cambria Math" panose="02040503050406030204" pitchFamily="18" charset="0"/>
+                          <a:ea typeface="Cambria Math" panose="02040503050406030204" pitchFamily="18" charset="0"/>
+                        </a:rPr>
+                        <m:t>1</m:t>
+                      </m:r>
+                    </m:oMath>
+                  </m:oMathPara>
+                </a14:m>
+                <a:endParaRPr lang="zh-CN" altLang="en-US" sz="800" dirty="0"/>
+              </a:p>
+            </p:txBody>
+          </p:sp>
+        </mc:Choice>
+        <mc:Fallback>
+          <p:sp>
+            <p:nvSpPr>
+              <p:cNvPr id="47" name="文本框 46">
+                <a:extLst>
+                  <a:ext uri="{FF2B5EF4-FFF2-40B4-BE49-F238E27FC236}">
+                    <a16:creationId xmlns:a16="http://schemas.microsoft.com/office/drawing/2014/main" id="{787EAD41-FE92-4868-A05D-29F9129ED440}"/>
+                  </a:ext>
+                </a:extLst>
+              </p:cNvPr>
+              <p:cNvSpPr txBox="1">
+                <a:spLocks noRot="1" noChangeAspect="1" noMove="1" noResize="1" noEditPoints="1" noAdjustHandles="1" noChangeArrowheads="1" noChangeShapeType="1" noTextEdit="1"/>
+              </p:cNvSpPr>
+              <p:nvPr/>
+            </p:nvSpPr>
+            <p:spPr>
+              <a:xfrm>
+                <a:off x="5970683" y="1595330"/>
+                <a:ext cx="273793" cy="234038"/>
+              </a:xfrm>
+              <a:prstGeom prst="rect">
+                <a:avLst/>
+              </a:prstGeom>
+              <a:blipFill>
+                <a:blip r:embed="rId7"/>
+                <a:stretch>
+                  <a:fillRect l="-6667" t="-5263" r="-6667" b="-15789"/>
+                </a:stretch>
+              </a:blipFill>
+            </p:spPr>
+            <p:txBody>
+              <a:bodyPr/>
+              <a:lstStyle/>
+              <a:p>
+                <a:r>
+                  <a:rPr lang="zh-CN" altLang="en-US">
+                    <a:noFill/>
+                  </a:rPr>
+                  <a:t> </a:t>
+                </a:r>
+              </a:p>
+            </p:txBody>
+          </p:sp>
+        </mc:Fallback>
+      </mc:AlternateContent>
+      <mc:AlternateContent xmlns:mc="http://schemas.openxmlformats.org/markup-compatibility/2006">
+        <mc:Choice xmlns:a14="http://schemas.microsoft.com/office/drawing/2010/main" Requires="a14">
+          <p:sp>
+            <p:nvSpPr>
+              <p:cNvPr id="48" name="文本框 47">
+                <a:extLst>
+                  <a:ext uri="{FF2B5EF4-FFF2-40B4-BE49-F238E27FC236}">
+                    <a16:creationId xmlns:a16="http://schemas.microsoft.com/office/drawing/2014/main" id="{39628061-5503-41FE-8595-75DF5D01DA87}"/>
+                  </a:ext>
+                </a:extLst>
+              </p:cNvPr>
+              <p:cNvSpPr txBox="1"/>
+              <p:nvPr/>
+            </p:nvSpPr>
+            <p:spPr>
+              <a:xfrm>
+                <a:off x="5970300" y="1115134"/>
+                <a:ext cx="273793" cy="234038"/>
+              </a:xfrm>
+              <a:prstGeom prst="rect">
+                <a:avLst/>
+              </a:prstGeom>
+              <a:noFill/>
+            </p:spPr>
+            <p:txBody>
+              <a:bodyPr wrap="none" lIns="0" tIns="0" rIns="0" bIns="0" rtlCol="0">
+                <a:spAutoFit/>
+              </a:bodyPr>
+              <a:lstStyle/>
+              <a:p>
+                <a:pPr/>
+                <a14:m>
+                  <m:oMathPara xmlns:m="http://schemas.openxmlformats.org/officeDocument/2006/math">
+                    <m:oMathParaPr>
+                      <m:jc m:val="centerGroup"/>
+                    </m:oMathParaPr>
+                    <m:oMath xmlns:m="http://schemas.openxmlformats.org/officeDocument/2006/math">
+                      <m:f>
+                        <m:fPr>
+                          <m:ctrlPr>
+                            <a:rPr lang="en-US" altLang="zh-CN" sz="800" i="1" smtClean="0">
+                              <a:latin typeface="Cambria Math" panose="02040503050406030204" pitchFamily="18" charset="0"/>
+                            </a:rPr>
+                          </m:ctrlPr>
+                        </m:fPr>
+                        <m:num>
+                          <m:r>
+                            <a:rPr lang="en-US" altLang="zh-CN" sz="800" i="1">
+                              <a:latin typeface="Cambria Math" panose="02040503050406030204" pitchFamily="18" charset="0"/>
+                            </a:rPr>
+                            <m:t>𝜕</m:t>
+                          </m:r>
+                          <m:r>
+                            <a:rPr lang="en-US" altLang="zh-CN" sz="800" b="0" i="1" smtClean="0">
+                              <a:latin typeface="Cambria Math" panose="02040503050406030204" pitchFamily="18" charset="0"/>
+                            </a:rPr>
+                            <m:t>𝐿</m:t>
+                          </m:r>
+                        </m:num>
+                        <m:den>
+                          <m:r>
+                            <a:rPr lang="en-US" altLang="zh-CN" sz="800" i="1">
+                              <a:latin typeface="Cambria Math" panose="02040503050406030204" pitchFamily="18" charset="0"/>
+                            </a:rPr>
+                            <m:t>𝜕</m:t>
+                          </m:r>
+                          <m:r>
+                            <a:rPr lang="en-US" altLang="zh-CN" sz="800" i="1">
+                              <a:latin typeface="Cambria Math" panose="02040503050406030204" pitchFamily="18" charset="0"/>
+                            </a:rPr>
+                            <m:t>𝑧</m:t>
+                          </m:r>
+                        </m:den>
+                      </m:f>
+                      <m:r>
+                        <a:rPr lang="en-US" altLang="zh-CN" sz="800" i="1">
+                          <a:latin typeface="Cambria Math" panose="02040503050406030204" pitchFamily="18" charset="0"/>
+                          <a:ea typeface="Cambria Math" panose="02040503050406030204" pitchFamily="18" charset="0"/>
+                        </a:rPr>
+                        <m:t>∙</m:t>
+                      </m:r>
+                      <m:r>
+                        <a:rPr lang="en-US" altLang="zh-CN" sz="800" b="0" i="1" smtClean="0">
+                          <a:latin typeface="Cambria Math" panose="02040503050406030204" pitchFamily="18" charset="0"/>
+                          <a:ea typeface="Cambria Math" panose="02040503050406030204" pitchFamily="18" charset="0"/>
+                        </a:rPr>
+                        <m:t>1</m:t>
+                      </m:r>
+                    </m:oMath>
+                  </m:oMathPara>
+                </a14:m>
+                <a:endParaRPr lang="zh-CN" altLang="en-US" sz="800" dirty="0"/>
+              </a:p>
+            </p:txBody>
+          </p:sp>
+        </mc:Choice>
+        <mc:Fallback>
+          <p:sp>
+            <p:nvSpPr>
+              <p:cNvPr id="48" name="文本框 47">
+                <a:extLst>
+                  <a:ext uri="{FF2B5EF4-FFF2-40B4-BE49-F238E27FC236}">
+                    <a16:creationId xmlns:a16="http://schemas.microsoft.com/office/drawing/2014/main" id="{39628061-5503-41FE-8595-75DF5D01DA87}"/>
+                  </a:ext>
+                </a:extLst>
+              </p:cNvPr>
+              <p:cNvSpPr txBox="1">
+                <a:spLocks noRot="1" noChangeAspect="1" noMove="1" noResize="1" noEditPoints="1" noAdjustHandles="1" noChangeArrowheads="1" noChangeShapeType="1" noTextEdit="1"/>
+              </p:cNvSpPr>
+              <p:nvPr/>
+            </p:nvSpPr>
+            <p:spPr>
+              <a:xfrm>
+                <a:off x="5970300" y="1115134"/>
+                <a:ext cx="273793" cy="234038"/>
+              </a:xfrm>
+              <a:prstGeom prst="rect">
+                <a:avLst/>
+              </a:prstGeom>
+              <a:blipFill>
+                <a:blip r:embed="rId7"/>
+                <a:stretch>
+                  <a:fillRect l="-6667" t="-5263" r="-6667" b="-15789"/>
+                </a:stretch>
+              </a:blipFill>
+            </p:spPr>
+            <p:txBody>
+              <a:bodyPr/>
+              <a:lstStyle/>
+              <a:p>
+                <a:r>
+                  <a:rPr lang="zh-CN" altLang="en-US">
+                    <a:noFill/>
+                  </a:rPr>
+                  <a:t> </a:t>
+                </a:r>
+              </a:p>
+            </p:txBody>
+          </p:sp>
+        </mc:Fallback>
+      </mc:AlternateContent>
+      <p:sp>
+        <p:nvSpPr>
+          <p:cNvPr id="52" name="椭圆 51">
+            <a:extLst>
+              <a:ext uri="{FF2B5EF4-FFF2-40B4-BE49-F238E27FC236}">
+                <a16:creationId xmlns:a16="http://schemas.microsoft.com/office/drawing/2014/main" id="{9D753204-A64D-446B-A6C9-8A95CE6F7454}"/>
+              </a:ext>
+            </a:extLst>
+          </p:cNvPr>
+          <p:cNvSpPr/>
+          <p:nvPr/>
+        </p:nvSpPr>
+        <p:spPr>
+          <a:xfrm>
+            <a:off x="5367017" y="2708151"/>
+            <a:ext cx="168118" cy="168118"/>
+          </a:xfrm>
+          <a:prstGeom prst="ellipse">
+            <a:avLst/>
+          </a:prstGeom>
+          <a:solidFill>
+            <a:schemeClr val="bg1"/>
+          </a:solidFill>
+          <a:ln>
+            <a:solidFill>
+              <a:schemeClr val="tx1"/>
+            </a:solidFill>
+          </a:ln>
+        </p:spPr>
+        <p:style>
+          <a:lnRef idx="2">
+            <a:schemeClr val="accent1">
+              <a:shade val="50000"/>
+            </a:schemeClr>
+          </a:lnRef>
+          <a:fillRef idx="1">
+            <a:schemeClr val="accent1"/>
+          </a:fillRef>
+          <a:effectRef idx="0">
+            <a:schemeClr val="accent1"/>
+          </a:effectRef>
+          <a:fontRef idx="minor">
+            <a:schemeClr val="lt1"/>
+          </a:fontRef>
+        </p:style>
+        <p:txBody>
+          <a:bodyPr rtlCol="0" anchor="ctr"/>
+          <a:lstStyle/>
+          <a:p>
+            <a:pPr algn="ctr"/>
+            <a:endParaRPr lang="zh-CN" altLang="en-US"/>
+          </a:p>
+        </p:txBody>
+      </p:sp>
+      <p:cxnSp>
+        <p:nvCxnSpPr>
+          <p:cNvPr id="53" name="直接箭头连接符 52">
+            <a:extLst>
+              <a:ext uri="{FF2B5EF4-FFF2-40B4-BE49-F238E27FC236}">
+                <a16:creationId xmlns:a16="http://schemas.microsoft.com/office/drawing/2014/main" id="{2D2DF7B2-956F-47FC-8989-E35350E04F02}"/>
+              </a:ext>
+            </a:extLst>
+          </p:cNvPr>
+          <p:cNvCxnSpPr>
+            <a:cxnSpLocks/>
+            <a:endCxn id="52" idx="2"/>
+          </p:cNvCxnSpPr>
+          <p:nvPr/>
+        </p:nvCxnSpPr>
+        <p:spPr>
+          <a:xfrm>
+            <a:off x="5061232" y="2573445"/>
+            <a:ext cx="305785" cy="218765"/>
+          </a:xfrm>
+          <a:prstGeom prst="straightConnector1">
+            <a:avLst/>
+          </a:prstGeom>
+          <a:ln w="9525" cap="flat" cmpd="sng" algn="ctr">
+            <a:solidFill>
+              <a:schemeClr val="accent3"/>
+            </a:solidFill>
+            <a:prstDash val="solid"/>
+            <a:round/>
+            <a:headEnd type="none" w="med" len="med"/>
+            <a:tailEnd type="arrow" w="med" len="med"/>
+          </a:ln>
+        </p:spPr>
+        <p:style>
+          <a:lnRef idx="0">
+            <a:scrgbClr r="0" g="0" b="0"/>
+          </a:lnRef>
+          <a:fillRef idx="0">
+            <a:scrgbClr r="0" g="0" b="0"/>
+          </a:fillRef>
+          <a:effectRef idx="0">
+            <a:scrgbClr r="0" g="0" b="0"/>
+          </a:effectRef>
+          <a:fontRef idx="minor">
+            <a:schemeClr val="tx1"/>
+          </a:fontRef>
+        </p:style>
+      </p:cxnSp>
+      <p:cxnSp>
+        <p:nvCxnSpPr>
+          <p:cNvPr id="54" name="直接箭头连接符 53">
+            <a:extLst>
+              <a:ext uri="{FF2B5EF4-FFF2-40B4-BE49-F238E27FC236}">
+                <a16:creationId xmlns:a16="http://schemas.microsoft.com/office/drawing/2014/main" id="{9953C2EA-EF90-4A3C-ACFC-22AEA82E6A4A}"/>
+              </a:ext>
+            </a:extLst>
+          </p:cNvPr>
+          <p:cNvCxnSpPr>
+            <a:cxnSpLocks/>
+            <a:stCxn id="52" idx="6"/>
+            <a:endCxn id="62" idx="2"/>
+          </p:cNvCxnSpPr>
+          <p:nvPr/>
+        </p:nvCxnSpPr>
+        <p:spPr>
+          <a:xfrm>
+            <a:off x="5535135" y="2792210"/>
+            <a:ext cx="268382" cy="0"/>
+          </a:xfrm>
+          <a:prstGeom prst="straightConnector1">
+            <a:avLst/>
+          </a:prstGeom>
+          <a:ln w="9525" cap="flat" cmpd="sng" algn="ctr">
+            <a:solidFill>
+              <a:schemeClr val="accent3"/>
+            </a:solidFill>
+            <a:prstDash val="solid"/>
+            <a:round/>
+            <a:headEnd type="none" w="med" len="med"/>
+            <a:tailEnd type="arrow" w="med" len="med"/>
+          </a:ln>
+        </p:spPr>
+        <p:style>
+          <a:lnRef idx="0">
+            <a:scrgbClr r="0" g="0" b="0"/>
+          </a:lnRef>
+          <a:fillRef idx="0">
+            <a:scrgbClr r="0" g="0" b="0"/>
+          </a:fillRef>
+          <a:effectRef idx="0">
+            <a:scrgbClr r="0" g="0" b="0"/>
+          </a:effectRef>
+          <a:fontRef idx="minor">
+            <a:schemeClr val="tx1"/>
+          </a:fontRef>
+        </p:style>
+      </p:cxnSp>
+      <mc:AlternateContent xmlns:mc="http://schemas.openxmlformats.org/markup-compatibility/2006">
+        <mc:Choice xmlns:a14="http://schemas.microsoft.com/office/drawing/2010/main" Requires="a14">
+          <p:sp>
+            <p:nvSpPr>
+              <p:cNvPr id="55" name="文本框 54">
+                <a:extLst>
+                  <a:ext uri="{FF2B5EF4-FFF2-40B4-BE49-F238E27FC236}">
+                    <a16:creationId xmlns:a16="http://schemas.microsoft.com/office/drawing/2014/main" id="{E479A3C3-FFE0-4359-B0DB-260494395D74}"/>
+                  </a:ext>
+                </a:extLst>
+              </p:cNvPr>
+              <p:cNvSpPr txBox="1"/>
+              <p:nvPr/>
+            </p:nvSpPr>
+            <p:spPr>
+              <a:xfrm>
+                <a:off x="5252719" y="2721489"/>
+                <a:ext cx="396876" cy="123111"/>
+              </a:xfrm>
+              <a:prstGeom prst="rect">
+                <a:avLst/>
+              </a:prstGeom>
+              <a:noFill/>
+            </p:spPr>
+            <p:txBody>
+              <a:bodyPr wrap="square" lIns="0" tIns="0" rIns="0" bIns="0" rtlCol="0">
+                <a:spAutoFit/>
+              </a:bodyPr>
+              <a:lstStyle/>
+              <a:p>
+                <a:pPr/>
+                <a14:m>
+                  <m:oMathPara xmlns:m="http://schemas.openxmlformats.org/officeDocument/2006/math">
+                    <m:oMathParaPr>
+                      <m:jc m:val="centerGroup"/>
+                    </m:oMathParaPr>
+                    <m:oMath xmlns:m="http://schemas.openxmlformats.org/officeDocument/2006/math">
+                      <m:r>
+                        <a:rPr lang="en-US" altLang="zh-CN" sz="800" b="0" i="1" smtClean="0">
+                          <a:latin typeface="Cambria Math" panose="02040503050406030204" pitchFamily="18" charset="0"/>
+                        </a:rPr>
+                        <m:t>+</m:t>
+                      </m:r>
+                    </m:oMath>
+                  </m:oMathPara>
+                </a14:m>
+                <a:endParaRPr lang="zh-CN" altLang="en-US" sz="1400" dirty="0"/>
+              </a:p>
+            </p:txBody>
+          </p:sp>
+        </mc:Choice>
+        <mc:Fallback>
+          <p:sp>
+            <p:nvSpPr>
+              <p:cNvPr id="55" name="文本框 54">
+                <a:extLst>
+                  <a:ext uri="{FF2B5EF4-FFF2-40B4-BE49-F238E27FC236}">
+                    <a16:creationId xmlns:a16="http://schemas.microsoft.com/office/drawing/2014/main" id="{E479A3C3-FFE0-4359-B0DB-260494395D74}"/>
+                  </a:ext>
+                </a:extLst>
+              </p:cNvPr>
+              <p:cNvSpPr txBox="1">
+                <a:spLocks noRot="1" noChangeAspect="1" noMove="1" noResize="1" noEditPoints="1" noAdjustHandles="1" noChangeArrowheads="1" noChangeShapeType="1" noTextEdit="1"/>
+              </p:cNvSpPr>
+              <p:nvPr/>
+            </p:nvSpPr>
+            <p:spPr>
+              <a:xfrm>
+                <a:off x="5252719" y="2721489"/>
+                <a:ext cx="396876" cy="123111"/>
+              </a:xfrm>
+              <a:prstGeom prst="rect">
+                <a:avLst/>
+              </a:prstGeom>
+              <a:blipFill>
+                <a:blip r:embed="rId2"/>
+                <a:stretch>
+                  <a:fillRect b="-9524"/>
+                </a:stretch>
+              </a:blipFill>
+            </p:spPr>
+            <p:txBody>
+              <a:bodyPr/>
+              <a:lstStyle/>
+              <a:p>
+                <a:r>
+                  <a:rPr lang="zh-CN" altLang="en-US">
+                    <a:noFill/>
+                  </a:rPr>
+                  <a:t> </a:t>
+                </a:r>
+              </a:p>
+            </p:txBody>
+          </p:sp>
+        </mc:Fallback>
+      </mc:AlternateContent>
+      <mc:AlternateContent xmlns:mc="http://schemas.openxmlformats.org/markup-compatibility/2006">
+        <mc:Choice xmlns:a14="http://schemas.microsoft.com/office/drawing/2010/main" Requires="a14">
+          <p:sp>
+            <p:nvSpPr>
+              <p:cNvPr id="56" name="文本框 55">
+                <a:extLst>
+                  <a:ext uri="{FF2B5EF4-FFF2-40B4-BE49-F238E27FC236}">
+                    <a16:creationId xmlns:a16="http://schemas.microsoft.com/office/drawing/2014/main" id="{FA41A2D0-A273-448D-ACC9-CB0DFC4A30B9}"/>
+                  </a:ext>
+                </a:extLst>
+              </p:cNvPr>
+              <p:cNvSpPr txBox="1"/>
+              <p:nvPr/>
+            </p:nvSpPr>
+            <p:spPr>
+              <a:xfrm>
+                <a:off x="5173672" y="2483853"/>
+                <a:ext cx="86434" cy="123111"/>
+              </a:xfrm>
+              <a:prstGeom prst="rect">
+                <a:avLst/>
+              </a:prstGeom>
+              <a:noFill/>
+            </p:spPr>
+            <p:txBody>
+              <a:bodyPr wrap="none" lIns="0" tIns="0" rIns="0" bIns="0" rtlCol="0">
+                <a:spAutoFit/>
+              </a:bodyPr>
+              <a:lstStyle/>
+              <a:p>
+                <a:pPr/>
+                <a14:m>
+                  <m:oMathPara xmlns:m="http://schemas.openxmlformats.org/officeDocument/2006/math">
+                    <m:oMathParaPr>
+                      <m:jc m:val="centerGroup"/>
+                    </m:oMathParaPr>
+                    <m:oMath xmlns:m="http://schemas.openxmlformats.org/officeDocument/2006/math">
+                      <m:r>
+                        <a:rPr lang="en-US" altLang="zh-CN" sz="800" b="0" i="1" smtClean="0">
+                          <a:latin typeface="Cambria Math" panose="02040503050406030204" pitchFamily="18" charset="0"/>
+                        </a:rPr>
+                        <m:t>𝑥</m:t>
+                      </m:r>
+                    </m:oMath>
+                  </m:oMathPara>
+                </a14:m>
+                <a:endParaRPr lang="zh-CN" altLang="en-US" sz="800" dirty="0"/>
+              </a:p>
+            </p:txBody>
+          </p:sp>
+        </mc:Choice>
+        <mc:Fallback>
+          <p:sp>
+            <p:nvSpPr>
+              <p:cNvPr id="56" name="文本框 55">
+                <a:extLst>
+                  <a:ext uri="{FF2B5EF4-FFF2-40B4-BE49-F238E27FC236}">
+                    <a16:creationId xmlns:a16="http://schemas.microsoft.com/office/drawing/2014/main" id="{FA41A2D0-A273-448D-ACC9-CB0DFC4A30B9}"/>
+                  </a:ext>
+                </a:extLst>
+              </p:cNvPr>
+              <p:cNvSpPr txBox="1">
+                <a:spLocks noRot="1" noChangeAspect="1" noMove="1" noResize="1" noEditPoints="1" noAdjustHandles="1" noChangeArrowheads="1" noChangeShapeType="1" noTextEdit="1"/>
+              </p:cNvSpPr>
+              <p:nvPr/>
+            </p:nvSpPr>
+            <p:spPr>
+              <a:xfrm>
+                <a:off x="5173672" y="2483853"/>
+                <a:ext cx="86434" cy="123111"/>
+              </a:xfrm>
+              <a:prstGeom prst="rect">
+                <a:avLst/>
+              </a:prstGeom>
+              <a:blipFill>
+                <a:blip r:embed="rId8"/>
+                <a:stretch>
+                  <a:fillRect l="-21429" r="-7143"/>
+                </a:stretch>
+              </a:blipFill>
+            </p:spPr>
+            <p:txBody>
+              <a:bodyPr/>
+              <a:lstStyle/>
+              <a:p>
+                <a:r>
+                  <a:rPr lang="zh-CN" altLang="en-US">
+                    <a:noFill/>
+                  </a:rPr>
+                  <a:t> </a:t>
+                </a:r>
+              </a:p>
+            </p:txBody>
+          </p:sp>
+        </mc:Fallback>
+      </mc:AlternateContent>
+      <mc:AlternateContent xmlns:mc="http://schemas.openxmlformats.org/markup-compatibility/2006">
+        <mc:Choice xmlns:a14="http://schemas.microsoft.com/office/drawing/2010/main" Requires="a14">
+          <p:sp>
+            <p:nvSpPr>
+              <p:cNvPr id="57" name="文本框 56">
+                <a:extLst>
+                  <a:ext uri="{FF2B5EF4-FFF2-40B4-BE49-F238E27FC236}">
+                    <a16:creationId xmlns:a16="http://schemas.microsoft.com/office/drawing/2014/main" id="{482BA430-5380-4BE3-91AB-250E4AF9E4AC}"/>
+                  </a:ext>
+                </a:extLst>
+              </p:cNvPr>
+              <p:cNvSpPr txBox="1"/>
+              <p:nvPr/>
+            </p:nvSpPr>
+            <p:spPr>
+              <a:xfrm>
+                <a:off x="5636755" y="2669099"/>
+                <a:ext cx="80278" cy="123111"/>
+              </a:xfrm>
+              <a:prstGeom prst="rect">
+                <a:avLst/>
+              </a:prstGeom>
+              <a:noFill/>
+            </p:spPr>
+            <p:txBody>
+              <a:bodyPr wrap="none" lIns="0" tIns="0" rIns="0" bIns="0" rtlCol="0">
+                <a:spAutoFit/>
+              </a:bodyPr>
+              <a:lstStyle/>
+              <a:p>
+                <a:pPr/>
+                <a14:m>
+                  <m:oMathPara xmlns:m="http://schemas.openxmlformats.org/officeDocument/2006/math">
+                    <m:oMathParaPr>
+                      <m:jc m:val="centerGroup"/>
+                    </m:oMathParaPr>
+                    <m:oMath xmlns:m="http://schemas.openxmlformats.org/officeDocument/2006/math">
+                      <m:r>
+                        <a:rPr lang="en-US" altLang="zh-CN" sz="800" b="0" i="1" smtClean="0">
+                          <a:latin typeface="Cambria Math" panose="02040503050406030204" pitchFamily="18" charset="0"/>
+                        </a:rPr>
+                        <m:t>𝑧</m:t>
+                      </m:r>
+                    </m:oMath>
+                  </m:oMathPara>
+                </a14:m>
+                <a:endParaRPr lang="zh-CN" altLang="en-US" sz="800" dirty="0"/>
+              </a:p>
+            </p:txBody>
+          </p:sp>
+        </mc:Choice>
+        <mc:Fallback>
+          <p:sp>
+            <p:nvSpPr>
+              <p:cNvPr id="57" name="文本框 56">
+                <a:extLst>
+                  <a:ext uri="{FF2B5EF4-FFF2-40B4-BE49-F238E27FC236}">
+                    <a16:creationId xmlns:a16="http://schemas.microsoft.com/office/drawing/2014/main" id="{482BA430-5380-4BE3-91AB-250E4AF9E4AC}"/>
+                  </a:ext>
+                </a:extLst>
+              </p:cNvPr>
+              <p:cNvSpPr txBox="1">
+                <a:spLocks noRot="1" noChangeAspect="1" noMove="1" noResize="1" noEditPoints="1" noAdjustHandles="1" noChangeArrowheads="1" noChangeShapeType="1" noTextEdit="1"/>
+              </p:cNvSpPr>
+              <p:nvPr/>
+            </p:nvSpPr>
+            <p:spPr>
+              <a:xfrm>
+                <a:off x="5636755" y="2669099"/>
+                <a:ext cx="80278" cy="123111"/>
+              </a:xfrm>
+              <a:prstGeom prst="rect">
+                <a:avLst/>
+              </a:prstGeom>
+              <a:blipFill>
+                <a:blip r:embed="rId9"/>
+                <a:stretch>
+                  <a:fillRect l="-23077" r="-7692"/>
+                </a:stretch>
+              </a:blipFill>
+            </p:spPr>
+            <p:txBody>
+              <a:bodyPr/>
+              <a:lstStyle/>
+              <a:p>
+                <a:r>
+                  <a:rPr lang="zh-CN" altLang="en-US">
+                    <a:noFill/>
+                  </a:rPr>
+                  <a:t> </a:t>
+                </a:r>
+              </a:p>
+            </p:txBody>
+          </p:sp>
+        </mc:Fallback>
+      </mc:AlternateContent>
+      <p:cxnSp>
+        <p:nvCxnSpPr>
+          <p:cNvPr id="58" name="直接箭头连接符 57">
+            <a:extLst>
+              <a:ext uri="{FF2B5EF4-FFF2-40B4-BE49-F238E27FC236}">
+                <a16:creationId xmlns:a16="http://schemas.microsoft.com/office/drawing/2014/main" id="{26703D53-8907-4177-9DFE-6A0BF118C0CC}"/>
+              </a:ext>
+            </a:extLst>
+          </p:cNvPr>
+          <p:cNvCxnSpPr>
+            <a:cxnSpLocks/>
+            <a:endCxn id="52" idx="3"/>
+          </p:cNvCxnSpPr>
+          <p:nvPr/>
+        </p:nvCxnSpPr>
+        <p:spPr>
+          <a:xfrm flipV="1">
+            <a:off x="5079826" y="2851649"/>
+            <a:ext cx="311811" cy="197889"/>
+          </a:xfrm>
+          <a:prstGeom prst="straightConnector1">
+            <a:avLst/>
+          </a:prstGeom>
+          <a:ln w="9525" cap="flat" cmpd="sng" algn="ctr">
+            <a:solidFill>
+              <a:schemeClr val="accent3"/>
+            </a:solidFill>
+            <a:prstDash val="solid"/>
+            <a:round/>
+            <a:headEnd type="none" w="med" len="med"/>
+            <a:tailEnd type="arrow" w="med" len="med"/>
+          </a:ln>
+        </p:spPr>
+        <p:style>
+          <a:lnRef idx="0">
+            <a:scrgbClr r="0" g="0" b="0"/>
+          </a:lnRef>
+          <a:fillRef idx="0">
+            <a:scrgbClr r="0" g="0" b="0"/>
+          </a:fillRef>
+          <a:effectRef idx="0">
+            <a:scrgbClr r="0" g="0" b="0"/>
+          </a:effectRef>
+          <a:fontRef idx="minor">
+            <a:schemeClr val="tx1"/>
+          </a:fontRef>
+        </p:style>
+      </p:cxnSp>
+      <mc:AlternateContent xmlns:mc="http://schemas.openxmlformats.org/markup-compatibility/2006">
+        <mc:Choice xmlns:a14="http://schemas.microsoft.com/office/drawing/2010/main" Requires="a14">
+          <p:sp>
+            <p:nvSpPr>
+              <p:cNvPr id="59" name="文本框 58">
+                <a:extLst>
+                  <a:ext uri="{FF2B5EF4-FFF2-40B4-BE49-F238E27FC236}">
+                    <a16:creationId xmlns:a16="http://schemas.microsoft.com/office/drawing/2014/main" id="{06A20B96-3488-4042-8684-C72DA96B6DFF}"/>
+                  </a:ext>
+                </a:extLst>
+              </p:cNvPr>
+              <p:cNvSpPr txBox="1"/>
+              <p:nvPr/>
+            </p:nvSpPr>
+            <p:spPr>
+              <a:xfrm>
+                <a:off x="5126295" y="2863085"/>
+                <a:ext cx="88294" cy="123111"/>
+              </a:xfrm>
+              <a:prstGeom prst="rect">
+                <a:avLst/>
+              </a:prstGeom>
+              <a:noFill/>
+            </p:spPr>
+            <p:txBody>
+              <a:bodyPr wrap="none" lIns="0" tIns="0" rIns="0" bIns="0" rtlCol="0">
+                <a:spAutoFit/>
+              </a:bodyPr>
+              <a:lstStyle/>
+              <a:p>
+                <a:pPr/>
+                <a14:m>
+                  <m:oMathPara xmlns:m="http://schemas.openxmlformats.org/officeDocument/2006/math">
+                    <m:oMathParaPr>
+                      <m:jc m:val="centerGroup"/>
+                    </m:oMathParaPr>
+                    <m:oMath xmlns:m="http://schemas.openxmlformats.org/officeDocument/2006/math">
+                      <m:r>
+                        <a:rPr lang="en-US" altLang="zh-CN" sz="800" b="0" i="1" smtClean="0">
+                          <a:latin typeface="Cambria Math" panose="02040503050406030204" pitchFamily="18" charset="0"/>
+                        </a:rPr>
+                        <m:t>𝑦</m:t>
+                      </m:r>
+                    </m:oMath>
+                  </m:oMathPara>
+                </a14:m>
+                <a:endParaRPr lang="zh-CN" altLang="en-US" sz="800" dirty="0"/>
+              </a:p>
+            </p:txBody>
+          </p:sp>
+        </mc:Choice>
+        <mc:Fallback>
+          <p:sp>
+            <p:nvSpPr>
+              <p:cNvPr id="59" name="文本框 58">
+                <a:extLst>
+                  <a:ext uri="{FF2B5EF4-FFF2-40B4-BE49-F238E27FC236}">
+                    <a16:creationId xmlns:a16="http://schemas.microsoft.com/office/drawing/2014/main" id="{06A20B96-3488-4042-8684-C72DA96B6DFF}"/>
+                  </a:ext>
+                </a:extLst>
+              </p:cNvPr>
+              <p:cNvSpPr txBox="1">
+                <a:spLocks noRot="1" noChangeAspect="1" noMove="1" noResize="1" noEditPoints="1" noAdjustHandles="1" noChangeArrowheads="1" noChangeShapeType="1" noTextEdit="1"/>
+              </p:cNvSpPr>
+              <p:nvPr/>
+            </p:nvSpPr>
+            <p:spPr>
+              <a:xfrm>
+                <a:off x="5126295" y="2863085"/>
+                <a:ext cx="88294" cy="123111"/>
+              </a:xfrm>
+              <a:prstGeom prst="rect">
+                <a:avLst/>
+              </a:prstGeom>
+              <a:blipFill>
+                <a:blip r:embed="rId5"/>
+                <a:stretch>
+                  <a:fillRect l="-35714" r="-28571" b="-30000"/>
+                </a:stretch>
+              </a:blipFill>
+            </p:spPr>
+            <p:txBody>
+              <a:bodyPr/>
+              <a:lstStyle/>
+              <a:p>
+                <a:r>
+                  <a:rPr lang="zh-CN" altLang="en-US">
+                    <a:noFill/>
+                  </a:rPr>
+                  <a:t> </a:t>
+                </a:r>
+              </a:p>
+            </p:txBody>
+          </p:sp>
+        </mc:Fallback>
+      </mc:AlternateContent>
+      <p:sp>
+        <p:nvSpPr>
+          <p:cNvPr id="60" name="云形 59">
+            <a:extLst>
+              <a:ext uri="{FF2B5EF4-FFF2-40B4-BE49-F238E27FC236}">
+                <a16:creationId xmlns:a16="http://schemas.microsoft.com/office/drawing/2014/main" id="{EB32A554-C345-48A1-B59C-739CDF5D0E83}"/>
+              </a:ext>
+            </a:extLst>
+          </p:cNvPr>
+          <p:cNvSpPr/>
+          <p:nvPr/>
+        </p:nvSpPr>
+        <p:spPr>
+          <a:xfrm>
+            <a:off x="4654551" y="2316164"/>
+            <a:ext cx="481674" cy="328646"/>
+          </a:xfrm>
+          <a:prstGeom prst="cloud">
+            <a:avLst/>
+          </a:prstGeom>
+          <a:solidFill>
+            <a:schemeClr val="bg1">
+              <a:lumMod val="95000"/>
+            </a:schemeClr>
+          </a:solidFill>
+        </p:spPr>
+        <p:style>
+          <a:lnRef idx="2">
+            <a:schemeClr val="accent1">
+              <a:shade val="50000"/>
+            </a:schemeClr>
+          </a:lnRef>
+          <a:fillRef idx="1">
+            <a:schemeClr val="accent1"/>
+          </a:fillRef>
+          <a:effectRef idx="0">
+            <a:schemeClr val="accent1"/>
+          </a:effectRef>
+          <a:fontRef idx="minor">
+            <a:schemeClr val="lt1"/>
+          </a:fontRef>
+        </p:style>
+        <p:txBody>
+          <a:bodyPr rtlCol="0" anchor="ctr"/>
+          <a:lstStyle/>
+          <a:p>
+            <a:pPr algn="ctr"/>
+            <a:endParaRPr lang="zh-CN" altLang="en-US"/>
+          </a:p>
+        </p:txBody>
+      </p:sp>
+      <p:sp>
+        <p:nvSpPr>
+          <p:cNvPr id="61" name="云形 60">
+            <a:extLst>
+              <a:ext uri="{FF2B5EF4-FFF2-40B4-BE49-F238E27FC236}">
+                <a16:creationId xmlns:a16="http://schemas.microsoft.com/office/drawing/2014/main" id="{F0C55C95-FF73-401C-9B21-C04DE81E7520}"/>
+              </a:ext>
+            </a:extLst>
+          </p:cNvPr>
+          <p:cNvSpPr/>
+          <p:nvPr/>
+        </p:nvSpPr>
+        <p:spPr>
+          <a:xfrm>
+            <a:off x="4611603" y="2924640"/>
+            <a:ext cx="481674" cy="328646"/>
+          </a:xfrm>
+          <a:prstGeom prst="cloud">
+            <a:avLst/>
+          </a:prstGeom>
+          <a:solidFill>
+            <a:schemeClr val="bg1">
+              <a:lumMod val="95000"/>
+            </a:schemeClr>
+          </a:solidFill>
+        </p:spPr>
+        <p:style>
+          <a:lnRef idx="2">
+            <a:schemeClr val="accent1">
+              <a:shade val="50000"/>
+            </a:schemeClr>
+          </a:lnRef>
+          <a:fillRef idx="1">
+            <a:schemeClr val="accent1"/>
+          </a:fillRef>
+          <a:effectRef idx="0">
+            <a:schemeClr val="accent1"/>
+          </a:effectRef>
+          <a:fontRef idx="minor">
+            <a:schemeClr val="lt1"/>
+          </a:fontRef>
+        </p:style>
+        <p:txBody>
+          <a:bodyPr rtlCol="0" anchor="ctr"/>
+          <a:lstStyle/>
+          <a:p>
+            <a:pPr algn="ctr"/>
+            <a:endParaRPr lang="zh-CN" altLang="en-US"/>
+          </a:p>
+        </p:txBody>
+      </p:sp>
+      <p:sp>
+        <p:nvSpPr>
+          <p:cNvPr id="62" name="云形 61">
+            <a:extLst>
+              <a:ext uri="{FF2B5EF4-FFF2-40B4-BE49-F238E27FC236}">
+                <a16:creationId xmlns:a16="http://schemas.microsoft.com/office/drawing/2014/main" id="{C824BCFB-9745-40DA-990D-3231500A6657}"/>
+              </a:ext>
+            </a:extLst>
+          </p:cNvPr>
+          <p:cNvSpPr/>
+          <p:nvPr/>
+        </p:nvSpPr>
+        <p:spPr>
+          <a:xfrm>
+            <a:off x="5802023" y="2627887"/>
+            <a:ext cx="481674" cy="328646"/>
+          </a:xfrm>
+          <a:prstGeom prst="cloud">
+            <a:avLst/>
+          </a:prstGeom>
+          <a:solidFill>
+            <a:schemeClr val="bg1">
+              <a:lumMod val="95000"/>
+            </a:schemeClr>
+          </a:solidFill>
+        </p:spPr>
+        <p:style>
+          <a:lnRef idx="2">
+            <a:schemeClr val="accent1">
+              <a:shade val="50000"/>
+            </a:schemeClr>
+          </a:lnRef>
+          <a:fillRef idx="1">
+            <a:schemeClr val="accent1"/>
+          </a:fillRef>
+          <a:effectRef idx="0">
+            <a:schemeClr val="accent1"/>
+          </a:effectRef>
+          <a:fontRef idx="minor">
+            <a:schemeClr val="lt1"/>
+          </a:fontRef>
+        </p:style>
+        <p:txBody>
+          <a:bodyPr rtlCol="0" anchor="ctr"/>
+          <a:lstStyle/>
+          <a:p>
+            <a:pPr algn="ctr"/>
+            <a:endParaRPr lang="zh-CN" altLang="en-US"/>
+          </a:p>
+        </p:txBody>
+      </p:sp>
+      <p:cxnSp>
+        <p:nvCxnSpPr>
+          <p:cNvPr id="63" name="直接箭头连接符 62">
+            <a:extLst>
+              <a:ext uri="{FF2B5EF4-FFF2-40B4-BE49-F238E27FC236}">
+                <a16:creationId xmlns:a16="http://schemas.microsoft.com/office/drawing/2014/main" id="{4569819D-1673-44D7-9B23-ECDBB6531973}"/>
+              </a:ext>
+            </a:extLst>
+          </p:cNvPr>
+          <p:cNvCxnSpPr>
+            <a:cxnSpLocks/>
+            <a:stCxn id="62" idx="0"/>
+            <a:endCxn id="71" idx="1"/>
+          </p:cNvCxnSpPr>
+          <p:nvPr/>
+        </p:nvCxnSpPr>
+        <p:spPr>
+          <a:xfrm flipV="1">
+            <a:off x="6283296" y="2790094"/>
+            <a:ext cx="248640" cy="2116"/>
+          </a:xfrm>
+          <a:prstGeom prst="straightConnector1">
+            <a:avLst/>
+          </a:prstGeom>
+          <a:ln w="9525" cap="flat" cmpd="sng" algn="ctr">
+            <a:solidFill>
+              <a:schemeClr val="accent3"/>
+            </a:solidFill>
+            <a:prstDash val="solid"/>
+            <a:round/>
+            <a:headEnd type="none" w="med" len="med"/>
+            <a:tailEnd type="arrow" w="med" len="med"/>
+          </a:ln>
+        </p:spPr>
+        <p:style>
+          <a:lnRef idx="0">
+            <a:scrgbClr r="0" g="0" b="0"/>
+          </a:lnRef>
+          <a:fillRef idx="0">
+            <a:scrgbClr r="0" g="0" b="0"/>
+          </a:fillRef>
+          <a:effectRef idx="0">
+            <a:scrgbClr r="0" g="0" b="0"/>
+          </a:effectRef>
+          <a:fontRef idx="minor">
+            <a:schemeClr val="tx1"/>
+          </a:fontRef>
+        </p:style>
+      </p:cxnSp>
+      <p:sp>
+        <p:nvSpPr>
+          <p:cNvPr id="68" name="文本框 67">
+            <a:extLst>
+              <a:ext uri="{FF2B5EF4-FFF2-40B4-BE49-F238E27FC236}">
+                <a16:creationId xmlns:a16="http://schemas.microsoft.com/office/drawing/2014/main" id="{728ABC23-2659-4D96-8FAE-7B8148448542}"/>
+              </a:ext>
+            </a:extLst>
+          </p:cNvPr>
+          <p:cNvSpPr txBox="1"/>
+          <p:nvPr/>
+        </p:nvSpPr>
+        <p:spPr>
+          <a:xfrm>
+            <a:off x="4629704" y="2345353"/>
+            <a:ext cx="543739" cy="200055"/>
+          </a:xfrm>
+          <a:prstGeom prst="rect">
+            <a:avLst/>
+          </a:prstGeom>
+          <a:noFill/>
+        </p:spPr>
+        <p:txBody>
+          <a:bodyPr wrap="none" rtlCol="0">
+            <a:spAutoFit/>
+          </a:bodyPr>
+          <a:lstStyle/>
+          <a:p>
+            <a:r>
+              <a:rPr lang="zh-CN" altLang="en-US" sz="700" dirty="0"/>
+              <a:t>某种计算</a:t>
+            </a:r>
+          </a:p>
+        </p:txBody>
+      </p:sp>
+      <p:sp>
+        <p:nvSpPr>
+          <p:cNvPr id="69" name="文本框 68">
+            <a:extLst>
+              <a:ext uri="{FF2B5EF4-FFF2-40B4-BE49-F238E27FC236}">
+                <a16:creationId xmlns:a16="http://schemas.microsoft.com/office/drawing/2014/main" id="{78255BC4-5DD5-4B0B-A2DA-A2C1108A1719}"/>
+              </a:ext>
+            </a:extLst>
+          </p:cNvPr>
+          <p:cNvSpPr txBox="1"/>
+          <p:nvPr/>
+        </p:nvSpPr>
+        <p:spPr>
+          <a:xfrm>
+            <a:off x="4594644" y="2956559"/>
+            <a:ext cx="543739" cy="200055"/>
+          </a:xfrm>
+          <a:prstGeom prst="rect">
+            <a:avLst/>
+          </a:prstGeom>
+          <a:noFill/>
+        </p:spPr>
+        <p:txBody>
+          <a:bodyPr wrap="none" rtlCol="0">
+            <a:spAutoFit/>
+          </a:bodyPr>
+          <a:lstStyle/>
+          <a:p>
+            <a:r>
+              <a:rPr lang="zh-CN" altLang="en-US" sz="700" dirty="0"/>
+              <a:t>某种计算</a:t>
+            </a:r>
+          </a:p>
+        </p:txBody>
+      </p:sp>
+      <p:sp>
+        <p:nvSpPr>
+          <p:cNvPr id="70" name="文本框 69">
+            <a:extLst>
+              <a:ext uri="{FF2B5EF4-FFF2-40B4-BE49-F238E27FC236}">
+                <a16:creationId xmlns:a16="http://schemas.microsoft.com/office/drawing/2014/main" id="{CD676612-E2C6-4816-A35A-93F91D19CCF5}"/>
+              </a:ext>
+            </a:extLst>
+          </p:cNvPr>
+          <p:cNvSpPr txBox="1"/>
+          <p:nvPr/>
+        </p:nvSpPr>
+        <p:spPr>
+          <a:xfrm>
+            <a:off x="5783034" y="2658746"/>
+            <a:ext cx="543739" cy="200055"/>
+          </a:xfrm>
+          <a:prstGeom prst="rect">
+            <a:avLst/>
+          </a:prstGeom>
+          <a:noFill/>
+        </p:spPr>
+        <p:txBody>
+          <a:bodyPr wrap="none" rtlCol="0">
+            <a:spAutoFit/>
+          </a:bodyPr>
+          <a:lstStyle/>
+          <a:p>
+            <a:r>
+              <a:rPr lang="zh-CN" altLang="en-US" sz="700" dirty="0"/>
+              <a:t>某种计算</a:t>
+            </a:r>
+          </a:p>
+        </p:txBody>
+      </p:sp>
+      <mc:AlternateContent xmlns:mc="http://schemas.openxmlformats.org/markup-compatibility/2006">
+        <mc:Choice xmlns:a14="http://schemas.microsoft.com/office/drawing/2010/main" Requires="a14">
+          <p:sp>
+            <p:nvSpPr>
+              <p:cNvPr id="71" name="文本框 70">
+                <a:extLst>
+                  <a:ext uri="{FF2B5EF4-FFF2-40B4-BE49-F238E27FC236}">
+                    <a16:creationId xmlns:a16="http://schemas.microsoft.com/office/drawing/2014/main" id="{FCBCE8DD-0E8D-4CF0-ABAB-B9171238644D}"/>
+                  </a:ext>
+                </a:extLst>
+              </p:cNvPr>
+              <p:cNvSpPr txBox="1"/>
+              <p:nvPr/>
+            </p:nvSpPr>
+            <p:spPr>
+              <a:xfrm>
+                <a:off x="6531936" y="2728538"/>
+                <a:ext cx="85472" cy="123111"/>
+              </a:xfrm>
+              <a:prstGeom prst="rect">
+                <a:avLst/>
+              </a:prstGeom>
+              <a:noFill/>
+            </p:spPr>
+            <p:txBody>
+              <a:bodyPr wrap="none" lIns="0" tIns="0" rIns="0" bIns="0" rtlCol="0">
+                <a:spAutoFit/>
+              </a:bodyPr>
+              <a:lstStyle/>
+              <a:p>
+                <a:pPr/>
+                <a14:m>
+                  <m:oMathPara xmlns:m="http://schemas.openxmlformats.org/officeDocument/2006/math">
+                    <m:oMathParaPr>
+                      <m:jc m:val="centerGroup"/>
+                    </m:oMathParaPr>
+                    <m:oMath xmlns:m="http://schemas.openxmlformats.org/officeDocument/2006/math">
+                      <m:r>
+                        <a:rPr lang="en-US" altLang="zh-CN" sz="800" b="0" i="1" smtClean="0">
+                          <a:latin typeface="Cambria Math" panose="02040503050406030204" pitchFamily="18" charset="0"/>
+                        </a:rPr>
+                        <m:t>𝐿</m:t>
+                      </m:r>
+                    </m:oMath>
+                  </m:oMathPara>
+                </a14:m>
+                <a:endParaRPr lang="zh-CN" altLang="en-US" sz="800" dirty="0"/>
+              </a:p>
+            </p:txBody>
+          </p:sp>
+        </mc:Choice>
+        <mc:Fallback>
+          <p:sp>
+            <p:nvSpPr>
+              <p:cNvPr id="71" name="文本框 70">
+                <a:extLst>
+                  <a:ext uri="{FF2B5EF4-FFF2-40B4-BE49-F238E27FC236}">
+                    <a16:creationId xmlns:a16="http://schemas.microsoft.com/office/drawing/2014/main" id="{FCBCE8DD-0E8D-4CF0-ABAB-B9171238644D}"/>
+                  </a:ext>
+                </a:extLst>
+              </p:cNvPr>
+              <p:cNvSpPr txBox="1">
+                <a:spLocks noRot="1" noChangeAspect="1" noMove="1" noResize="1" noEditPoints="1" noAdjustHandles="1" noChangeArrowheads="1" noChangeShapeType="1" noTextEdit="1"/>
+              </p:cNvSpPr>
+              <p:nvPr/>
+            </p:nvSpPr>
+            <p:spPr>
+              <a:xfrm>
+                <a:off x="6531936" y="2728538"/>
+                <a:ext cx="85472" cy="123111"/>
+              </a:xfrm>
+              <a:prstGeom prst="rect">
+                <a:avLst/>
+              </a:prstGeom>
+              <a:blipFill>
+                <a:blip r:embed="rId10"/>
+                <a:stretch>
+                  <a:fillRect l="-28571" r="-21429" b="-10000"/>
+                </a:stretch>
+              </a:blipFill>
+            </p:spPr>
+            <p:txBody>
+              <a:bodyPr/>
+              <a:lstStyle/>
+              <a:p>
+                <a:r>
+                  <a:rPr lang="zh-CN" altLang="en-US">
+                    <a:noFill/>
+                  </a:rPr>
+                  <a:t> </a:t>
+                </a:r>
+              </a:p>
+            </p:txBody>
+          </p:sp>
+        </mc:Fallback>
+      </mc:AlternateContent>
+    </p:spTree>
+    <p:extLst>
+      <p:ext uri="{BB962C8B-B14F-4D97-AF65-F5344CB8AC3E}">
+        <p14:creationId xmlns:p14="http://schemas.microsoft.com/office/powerpoint/2010/main" val="2017717516"/>
       </p:ext>
     </p:extLst>
   </p:cSld>
@@ -38249,8 +40557,8 @@
           </a:fontRef>
         </p:style>
       </p:cxnSp>
-      <mc:AlternateContent xmlns:mc="http://schemas.openxmlformats.org/markup-compatibility/2006">
-        <mc:Choice xmlns:a14="http://schemas.microsoft.com/office/drawing/2010/main" Requires="a14">
+      <mc:AlternateContent xmlns:mc="http://schemas.openxmlformats.org/markup-compatibility/2006" xmlns:a14="http://schemas.microsoft.com/office/drawing/2010/main">
+        <mc:Choice Requires="a14">
           <p:sp>
             <p:nvSpPr>
               <p:cNvPr id="12" name="文本框 11">
@@ -38300,7 +40608,7 @@
             </p:txBody>
           </p:sp>
         </mc:Choice>
-        <mc:Fallback>
+        <mc:Fallback xmlns="">
           <p:sp>
             <p:nvSpPr>
               <p:cNvPr id="12" name="文本框 11">
@@ -38441,8 +40749,8 @@
           </a:fontRef>
         </p:style>
       </p:cxnSp>
-      <mc:AlternateContent xmlns:mc="http://schemas.openxmlformats.org/markup-compatibility/2006">
-        <mc:Choice xmlns:a14="http://schemas.microsoft.com/office/drawing/2010/main" Requires="a14">
+      <mc:AlternateContent xmlns:mc="http://schemas.openxmlformats.org/markup-compatibility/2006" xmlns:a14="http://schemas.microsoft.com/office/drawing/2010/main">
+        <mc:Choice Requires="a14">
           <p:sp>
             <p:nvSpPr>
               <p:cNvPr id="26" name="文本框 25">
@@ -38471,6 +40779,7 @@
               </a:bodyPr>
               <a:lstStyle/>
               <a:p>
+                <a:pPr/>
                 <a14:m>
                   <m:oMathPara xmlns:m="http://schemas.openxmlformats.org/officeDocument/2006/math">
                     <m:oMathParaPr>
@@ -38491,7 +40800,7 @@
             </p:txBody>
           </p:sp>
         </mc:Choice>
-        <mc:Fallback>
+        <mc:Fallback xmlns="">
           <p:sp>
             <p:nvSpPr>
               <p:cNvPr id="26" name="文本框 25">
@@ -38536,8 +40845,8 @@
           </p:sp>
         </mc:Fallback>
       </mc:AlternateContent>
-      <mc:AlternateContent xmlns:mc="http://schemas.openxmlformats.org/markup-compatibility/2006">
-        <mc:Choice xmlns:a14="http://schemas.microsoft.com/office/drawing/2010/main" Requires="a14">
+      <mc:AlternateContent xmlns:mc="http://schemas.openxmlformats.org/markup-compatibility/2006" xmlns:a14="http://schemas.microsoft.com/office/drawing/2010/main">
+        <mc:Choice Requires="a14">
           <p:sp>
             <p:nvSpPr>
               <p:cNvPr id="27" name="文本框 26">
@@ -38566,6 +40875,7 @@
               </a:bodyPr>
               <a:lstStyle/>
               <a:p>
+                <a:pPr/>
                 <a14:m>
                   <m:oMathPara xmlns:m="http://schemas.openxmlformats.org/officeDocument/2006/math">
                     <m:oMathParaPr>
@@ -38623,7 +40933,7 @@
             </p:txBody>
           </p:sp>
         </mc:Choice>
-        <mc:Fallback>
+        <mc:Fallback xmlns="">
           <p:sp>
             <p:nvSpPr>
               <p:cNvPr id="27" name="文本框 26">
@@ -38668,8 +40978,8 @@
           </p:sp>
         </mc:Fallback>
       </mc:AlternateContent>
-      <mc:AlternateContent xmlns:mc="http://schemas.openxmlformats.org/markup-compatibility/2006">
-        <mc:Choice xmlns:a14="http://schemas.microsoft.com/office/drawing/2010/main" Requires="a14">
+      <mc:AlternateContent xmlns:mc="http://schemas.openxmlformats.org/markup-compatibility/2006" xmlns:a14="http://schemas.microsoft.com/office/drawing/2010/main">
+        <mc:Choice Requires="a14">
           <p:sp>
             <p:nvSpPr>
               <p:cNvPr id="28" name="文本框 27">
@@ -38698,6 +41008,7 @@
               </a:bodyPr>
               <a:lstStyle/>
               <a:p>
+                <a:pPr/>
                 <a14:m>
                   <m:oMathPara xmlns:m="http://schemas.openxmlformats.org/officeDocument/2006/math">
                     <m:oMathParaPr>
@@ -38718,7 +41029,7 @@
             </p:txBody>
           </p:sp>
         </mc:Choice>
-        <mc:Fallback>
+        <mc:Fallback xmlns="">
           <p:sp>
             <p:nvSpPr>
               <p:cNvPr id="28" name="文本框 27">
@@ -38763,8 +41074,8 @@
           </p:sp>
         </mc:Fallback>
       </mc:AlternateContent>
-      <mc:AlternateContent xmlns:mc="http://schemas.openxmlformats.org/markup-compatibility/2006">
-        <mc:Choice xmlns:a14="http://schemas.microsoft.com/office/drawing/2010/main" Requires="a14">
+      <mc:AlternateContent xmlns:mc="http://schemas.openxmlformats.org/markup-compatibility/2006" xmlns:a14="http://schemas.microsoft.com/office/drawing/2010/main">
+        <mc:Choice Requires="a14">
           <p:sp>
             <p:nvSpPr>
               <p:cNvPr id="29" name="文本框 28">
@@ -38793,6 +41104,7 @@
               </a:bodyPr>
               <a:lstStyle/>
               <a:p>
+                <a:pPr/>
                 <a14:m>
                   <m:oMathPara xmlns:m="http://schemas.openxmlformats.org/officeDocument/2006/math">
                     <m:oMathParaPr>
@@ -38813,7 +41125,7 @@
             </p:txBody>
           </p:sp>
         </mc:Choice>
-        <mc:Fallback>
+        <mc:Fallback xmlns="">
           <p:sp>
             <p:nvSpPr>
               <p:cNvPr id="29" name="文本框 28">
@@ -39009,8 +41321,8 @@
           </a:fontRef>
         </p:style>
       </p:cxnSp>
-      <mc:AlternateContent xmlns:mc="http://schemas.openxmlformats.org/markup-compatibility/2006">
-        <mc:Choice xmlns:a14="http://schemas.microsoft.com/office/drawing/2010/main" Requires="a14">
+      <mc:AlternateContent xmlns:mc="http://schemas.openxmlformats.org/markup-compatibility/2006" xmlns:a14="http://schemas.microsoft.com/office/drawing/2010/main">
+        <mc:Choice Requires="a14">
           <p:sp>
             <p:nvSpPr>
               <p:cNvPr id="33" name="文本框 32">
@@ -39060,7 +41372,7 @@
             </p:txBody>
           </p:sp>
         </mc:Choice>
-        <mc:Fallback>
+        <mc:Fallback xmlns="">
           <p:sp>
             <p:nvSpPr>
               <p:cNvPr id="33" name="文本框 32">
@@ -39202,8 +41514,8 @@
           </a:fontRef>
         </p:style>
       </p:cxnSp>
-      <mc:AlternateContent xmlns:mc="http://schemas.openxmlformats.org/markup-compatibility/2006">
-        <mc:Choice xmlns:a14="http://schemas.microsoft.com/office/drawing/2010/main" Requires="a14">
+      <mc:AlternateContent xmlns:mc="http://schemas.openxmlformats.org/markup-compatibility/2006" xmlns:a14="http://schemas.microsoft.com/office/drawing/2010/main">
+        <mc:Choice Requires="a14">
           <p:sp>
             <p:nvSpPr>
               <p:cNvPr id="36" name="文本框 35">
@@ -39232,6 +41544,7 @@
               </a:bodyPr>
               <a:lstStyle/>
               <a:p>
+                <a:pPr/>
                 <a14:m>
                   <m:oMathPara xmlns:m="http://schemas.openxmlformats.org/officeDocument/2006/math">
                     <m:oMathParaPr>
@@ -39252,7 +41565,7 @@
             </p:txBody>
           </p:sp>
         </mc:Choice>
-        <mc:Fallback>
+        <mc:Fallback xmlns="">
           <p:sp>
             <p:nvSpPr>
               <p:cNvPr id="36" name="文本框 35">
@@ -39297,8 +41610,8 @@
           </p:sp>
         </mc:Fallback>
       </mc:AlternateContent>
-      <mc:AlternateContent xmlns:mc="http://schemas.openxmlformats.org/markup-compatibility/2006">
-        <mc:Choice xmlns:a14="http://schemas.microsoft.com/office/drawing/2010/main" Requires="a14">
+      <mc:AlternateContent xmlns:mc="http://schemas.openxmlformats.org/markup-compatibility/2006" xmlns:a14="http://schemas.microsoft.com/office/drawing/2010/main">
+        <mc:Choice Requires="a14">
           <p:sp>
             <p:nvSpPr>
               <p:cNvPr id="37" name="文本框 36">
@@ -39327,6 +41640,7 @@
               </a:bodyPr>
               <a:lstStyle/>
               <a:p>
+                <a:pPr/>
                 <a14:m>
                   <m:oMathPara xmlns:m="http://schemas.openxmlformats.org/officeDocument/2006/math">
                     <m:oMathParaPr>
@@ -39452,7 +41766,7 @@
             </p:txBody>
           </p:sp>
         </mc:Choice>
-        <mc:Fallback>
+        <mc:Fallback xmlns="">
           <p:sp>
             <p:nvSpPr>
               <p:cNvPr id="37" name="文本框 36">
@@ -39497,8 +41811,8 @@
           </p:sp>
         </mc:Fallback>
       </mc:AlternateContent>
-      <mc:AlternateContent xmlns:mc="http://schemas.openxmlformats.org/markup-compatibility/2006">
-        <mc:Choice xmlns:a14="http://schemas.microsoft.com/office/drawing/2010/main" Requires="a14">
+      <mc:AlternateContent xmlns:mc="http://schemas.openxmlformats.org/markup-compatibility/2006" xmlns:a14="http://schemas.microsoft.com/office/drawing/2010/main">
+        <mc:Choice Requires="a14">
           <p:sp>
             <p:nvSpPr>
               <p:cNvPr id="38" name="文本框 37">
@@ -39527,6 +41841,7 @@
               </a:bodyPr>
               <a:lstStyle/>
               <a:p>
+                <a:pPr/>
                 <a14:m>
                   <m:oMathPara xmlns:m="http://schemas.openxmlformats.org/officeDocument/2006/math">
                     <m:oMathParaPr>
@@ -39547,7 +41862,7 @@
             </p:txBody>
           </p:sp>
         </mc:Choice>
-        <mc:Fallback>
+        <mc:Fallback xmlns="">
           <p:sp>
             <p:nvSpPr>
               <p:cNvPr id="38" name="文本框 37">
@@ -39592,8 +41907,8 @@
           </p:sp>
         </mc:Fallback>
       </mc:AlternateContent>
-      <mc:AlternateContent xmlns:mc="http://schemas.openxmlformats.org/markup-compatibility/2006">
-        <mc:Choice xmlns:a14="http://schemas.microsoft.com/office/drawing/2010/main" Requires="a14">
+      <mc:AlternateContent xmlns:mc="http://schemas.openxmlformats.org/markup-compatibility/2006" xmlns:a14="http://schemas.microsoft.com/office/drawing/2010/main">
+        <mc:Choice Requires="a14">
           <p:sp>
             <p:nvSpPr>
               <p:cNvPr id="39" name="文本框 38">
@@ -39622,6 +41937,7 @@
               </a:bodyPr>
               <a:lstStyle/>
               <a:p>
+                <a:pPr/>
                 <a14:m>
                   <m:oMathPara xmlns:m="http://schemas.openxmlformats.org/officeDocument/2006/math">
                     <m:oMathParaPr>
@@ -39710,7 +42026,7 @@
             </p:txBody>
           </p:sp>
         </mc:Choice>
-        <mc:Fallback>
+        <mc:Fallback xmlns="">
           <p:sp>
             <p:nvSpPr>
               <p:cNvPr id="39" name="文本框 38">
@@ -39905,8 +42221,8 @@
           </a:fontRef>
         </p:style>
       </p:cxnSp>
-      <mc:AlternateContent xmlns:mc="http://schemas.openxmlformats.org/markup-compatibility/2006">
-        <mc:Choice xmlns:a14="http://schemas.microsoft.com/office/drawing/2010/main" Requires="a14">
+      <mc:AlternateContent xmlns:mc="http://schemas.openxmlformats.org/markup-compatibility/2006" xmlns:a14="http://schemas.microsoft.com/office/drawing/2010/main">
+        <mc:Choice Requires="a14">
           <p:sp>
             <p:nvSpPr>
               <p:cNvPr id="43" name="文本框 42">
@@ -39935,6 +42251,7 @@
               </a:bodyPr>
               <a:lstStyle/>
               <a:p>
+                <a:pPr/>
                 <a14:m>
                   <m:oMathPara xmlns:m="http://schemas.openxmlformats.org/officeDocument/2006/math">
                     <m:oMathParaPr>
@@ -39955,7 +42272,7 @@
             </p:txBody>
           </p:sp>
         </mc:Choice>
-        <mc:Fallback>
+        <mc:Fallback xmlns="">
           <p:sp>
             <p:nvSpPr>
               <p:cNvPr id="43" name="文本框 42">
@@ -40000,8 +42317,8 @@
           </p:sp>
         </mc:Fallback>
       </mc:AlternateContent>
-      <mc:AlternateContent xmlns:mc="http://schemas.openxmlformats.org/markup-compatibility/2006">
-        <mc:Choice xmlns:a14="http://schemas.microsoft.com/office/drawing/2010/main" Requires="a14">
+      <mc:AlternateContent xmlns:mc="http://schemas.openxmlformats.org/markup-compatibility/2006" xmlns:a14="http://schemas.microsoft.com/office/drawing/2010/main">
+        <mc:Choice Requires="a14">
           <p:sp>
             <p:nvSpPr>
               <p:cNvPr id="44" name="文本框 43">
@@ -40030,6 +42347,7 @@
               </a:bodyPr>
               <a:lstStyle/>
               <a:p>
+                <a:pPr/>
                 <a14:m>
                   <m:oMathPara xmlns:m="http://schemas.openxmlformats.org/officeDocument/2006/math">
                     <m:oMathParaPr>
@@ -40081,7 +42399,7 @@
             </p:txBody>
           </p:sp>
         </mc:Choice>
-        <mc:Fallback>
+        <mc:Fallback xmlns="">
           <p:sp>
             <p:nvSpPr>
               <p:cNvPr id="44" name="文本框 43">
@@ -40174,8 +42492,8 @@
           </a:fontRef>
         </p:style>
       </p:cxnSp>
-      <mc:AlternateContent xmlns:mc="http://schemas.openxmlformats.org/markup-compatibility/2006">
-        <mc:Choice xmlns:a14="http://schemas.microsoft.com/office/drawing/2010/main" Requires="a14">
+      <mc:AlternateContent xmlns:mc="http://schemas.openxmlformats.org/markup-compatibility/2006" xmlns:a14="http://schemas.microsoft.com/office/drawing/2010/main">
+        <mc:Choice Requires="a14">
           <p:sp>
             <p:nvSpPr>
               <p:cNvPr id="56" name="文本框 55">
@@ -40204,6 +42522,7 @@
               </a:bodyPr>
               <a:lstStyle/>
               <a:p>
+                <a:pPr/>
                 <a14:m>
                   <m:oMathPara xmlns:m="http://schemas.openxmlformats.org/officeDocument/2006/math">
                     <m:oMathParaPr>
@@ -40224,7 +42543,7 @@
             </p:txBody>
           </p:sp>
         </mc:Choice>
-        <mc:Fallback>
+        <mc:Fallback xmlns="">
           <p:sp>
             <p:nvSpPr>
               <p:cNvPr id="56" name="文本框 55">
@@ -40269,8 +42588,8 @@
           </p:sp>
         </mc:Fallback>
       </mc:AlternateContent>
-      <mc:AlternateContent xmlns:mc="http://schemas.openxmlformats.org/markup-compatibility/2006">
-        <mc:Choice xmlns:a14="http://schemas.microsoft.com/office/drawing/2010/main" Requires="a14">
+      <mc:AlternateContent xmlns:mc="http://schemas.openxmlformats.org/markup-compatibility/2006" xmlns:a14="http://schemas.microsoft.com/office/drawing/2010/main">
+        <mc:Choice Requires="a14">
           <p:sp>
             <p:nvSpPr>
               <p:cNvPr id="57" name="文本框 56">
@@ -40320,7 +42639,7 @@
             </p:txBody>
           </p:sp>
         </mc:Choice>
-        <mc:Fallback>
+        <mc:Fallback xmlns="">
           <p:sp>
             <p:nvSpPr>
               <p:cNvPr id="57" name="文本框 56">
@@ -40347,6 +42666,1579 @@
                 <a:blip r:embed="rId16"/>
                 <a:stretch>
                   <a:fillRect b="-13333"/>
+                </a:stretch>
+              </a:blipFill>
+            </p:spPr>
+            <p:txBody>
+              <a:bodyPr/>
+              <a:lstStyle/>
+              <a:p>
+                <a:r>
+                  <a:rPr lang="zh-CN" altLang="en-US">
+                    <a:noFill/>
+                  </a:rPr>
+                  <a:t> </a:t>
+                </a:r>
+              </a:p>
+            </p:txBody>
+          </p:sp>
+        </mc:Fallback>
+      </mc:AlternateContent>
+      <p:sp>
+        <p:nvSpPr>
+          <p:cNvPr id="45" name="椭圆 44">
+            <a:extLst>
+              <a:ext uri="{FF2B5EF4-FFF2-40B4-BE49-F238E27FC236}">
+                <a16:creationId xmlns:a16="http://schemas.microsoft.com/office/drawing/2014/main" id="{626C9F72-35CF-4C89-9696-5D66B7694D40}"/>
+              </a:ext>
+            </a:extLst>
+          </p:cNvPr>
+          <p:cNvSpPr/>
+          <p:nvPr/>
+        </p:nvSpPr>
+        <p:spPr>
+          <a:xfrm>
+            <a:off x="5232254" y="1265113"/>
+            <a:ext cx="168118" cy="168118"/>
+          </a:xfrm>
+          <a:prstGeom prst="ellipse">
+            <a:avLst/>
+          </a:prstGeom>
+          <a:solidFill>
+            <a:schemeClr val="bg1"/>
+          </a:solidFill>
+          <a:ln>
+            <a:solidFill>
+              <a:schemeClr val="tx1"/>
+            </a:solidFill>
+          </a:ln>
+        </p:spPr>
+        <p:style>
+          <a:lnRef idx="2">
+            <a:schemeClr val="accent1">
+              <a:shade val="50000"/>
+            </a:schemeClr>
+          </a:lnRef>
+          <a:fillRef idx="1">
+            <a:schemeClr val="accent1"/>
+          </a:fillRef>
+          <a:effectRef idx="0">
+            <a:schemeClr val="accent1"/>
+          </a:effectRef>
+          <a:fontRef idx="minor">
+            <a:schemeClr val="lt1"/>
+          </a:fontRef>
+        </p:style>
+        <p:txBody>
+          <a:bodyPr rtlCol="0" anchor="ctr"/>
+          <a:lstStyle/>
+          <a:p>
+            <a:pPr algn="ctr"/>
+            <a:endParaRPr lang="zh-CN" altLang="en-US"/>
+          </a:p>
+        </p:txBody>
+      </p:sp>
+      <p:cxnSp>
+        <p:nvCxnSpPr>
+          <p:cNvPr id="46" name="直接箭头连接符 45">
+            <a:extLst>
+              <a:ext uri="{FF2B5EF4-FFF2-40B4-BE49-F238E27FC236}">
+                <a16:creationId xmlns:a16="http://schemas.microsoft.com/office/drawing/2014/main" id="{6B328917-7A78-40D5-9AB1-C0DF36018A2A}"/>
+              </a:ext>
+            </a:extLst>
+          </p:cNvPr>
+          <p:cNvCxnSpPr>
+            <a:cxnSpLocks/>
+            <a:endCxn id="45" idx="2"/>
+          </p:cNvCxnSpPr>
+          <p:nvPr/>
+        </p:nvCxnSpPr>
+        <p:spPr>
+          <a:xfrm>
+            <a:off x="4845565" y="989295"/>
+            <a:ext cx="386689" cy="359877"/>
+          </a:xfrm>
+          <a:prstGeom prst="straightConnector1">
+            <a:avLst/>
+          </a:prstGeom>
+          <a:ln w="9525" cap="flat" cmpd="sng" algn="ctr">
+            <a:solidFill>
+              <a:schemeClr val="accent3"/>
+            </a:solidFill>
+            <a:prstDash val="solid"/>
+            <a:round/>
+            <a:headEnd type="none" w="med" len="med"/>
+            <a:tailEnd type="arrow" w="med" len="med"/>
+          </a:ln>
+        </p:spPr>
+        <p:style>
+          <a:lnRef idx="0">
+            <a:scrgbClr r="0" g="0" b="0"/>
+          </a:lnRef>
+          <a:fillRef idx="0">
+            <a:scrgbClr r="0" g="0" b="0"/>
+          </a:fillRef>
+          <a:effectRef idx="0">
+            <a:scrgbClr r="0" g="0" b="0"/>
+          </a:effectRef>
+          <a:fontRef idx="minor">
+            <a:schemeClr val="tx1"/>
+          </a:fontRef>
+        </p:style>
+      </p:cxnSp>
+      <p:cxnSp>
+        <p:nvCxnSpPr>
+          <p:cNvPr id="47" name="直接箭头连接符 46">
+            <a:extLst>
+              <a:ext uri="{FF2B5EF4-FFF2-40B4-BE49-F238E27FC236}">
+                <a16:creationId xmlns:a16="http://schemas.microsoft.com/office/drawing/2014/main" id="{989719C1-390E-4595-AD45-BB859E83644B}"/>
+              </a:ext>
+            </a:extLst>
+          </p:cNvPr>
+          <p:cNvCxnSpPr>
+            <a:cxnSpLocks/>
+            <a:stCxn id="45" idx="6"/>
+            <a:endCxn id="58" idx="2"/>
+          </p:cNvCxnSpPr>
+          <p:nvPr/>
+        </p:nvCxnSpPr>
+        <p:spPr>
+          <a:xfrm>
+            <a:off x="5400372" y="1349172"/>
+            <a:ext cx="496441" cy="3050"/>
+          </a:xfrm>
+          <a:prstGeom prst="straightConnector1">
+            <a:avLst/>
+          </a:prstGeom>
+          <a:ln w="9525" cap="flat" cmpd="sng" algn="ctr">
+            <a:solidFill>
+              <a:schemeClr val="accent3"/>
+            </a:solidFill>
+            <a:prstDash val="solid"/>
+            <a:round/>
+            <a:headEnd type="none" w="med" len="med"/>
+            <a:tailEnd type="arrow" w="med" len="med"/>
+          </a:ln>
+        </p:spPr>
+        <p:style>
+          <a:lnRef idx="0">
+            <a:scrgbClr r="0" g="0" b="0"/>
+          </a:lnRef>
+          <a:fillRef idx="0">
+            <a:scrgbClr r="0" g="0" b="0"/>
+          </a:fillRef>
+          <a:effectRef idx="0">
+            <a:scrgbClr r="0" g="0" b="0"/>
+          </a:effectRef>
+          <a:fontRef idx="minor">
+            <a:schemeClr val="tx1"/>
+          </a:fontRef>
+        </p:style>
+      </p:cxnSp>
+      <mc:AlternateContent xmlns:mc="http://schemas.openxmlformats.org/markup-compatibility/2006">
+        <mc:Choice xmlns:a14="http://schemas.microsoft.com/office/drawing/2010/main" Requires="a14">
+          <p:sp>
+            <p:nvSpPr>
+              <p:cNvPr id="48" name="文本框 47">
+                <a:extLst>
+                  <a:ext uri="{FF2B5EF4-FFF2-40B4-BE49-F238E27FC236}">
+                    <a16:creationId xmlns:a16="http://schemas.microsoft.com/office/drawing/2014/main" id="{EC01EF37-BC71-49B3-8E93-E4139F1DBE63}"/>
+                  </a:ext>
+                </a:extLst>
+              </p:cNvPr>
+              <p:cNvSpPr txBox="1"/>
+              <p:nvPr/>
+            </p:nvSpPr>
+            <p:spPr>
+              <a:xfrm>
+                <a:off x="5117956" y="1278451"/>
+                <a:ext cx="396876" cy="123111"/>
+              </a:xfrm>
+              <a:prstGeom prst="rect">
+                <a:avLst/>
+              </a:prstGeom>
+              <a:noFill/>
+            </p:spPr>
+            <p:txBody>
+              <a:bodyPr wrap="square" lIns="0" tIns="0" rIns="0" bIns="0" rtlCol="0">
+                <a:spAutoFit/>
+              </a:bodyPr>
+              <a:lstStyle/>
+              <a:p>
+                <a:pPr/>
+                <a14:m>
+                  <m:oMathPara xmlns:m="http://schemas.openxmlformats.org/officeDocument/2006/math">
+                    <m:oMathParaPr>
+                      <m:jc m:val="centerGroup"/>
+                    </m:oMathParaPr>
+                    <m:oMath xmlns:m="http://schemas.openxmlformats.org/officeDocument/2006/math">
+                      <m:r>
+                        <a:rPr lang="en-US" altLang="zh-CN" sz="800" b="0" i="1" smtClean="0">
+                          <a:latin typeface="Cambria Math" panose="02040503050406030204" pitchFamily="18" charset="0"/>
+                        </a:rPr>
+                        <m:t>+</m:t>
+                      </m:r>
+                    </m:oMath>
+                  </m:oMathPara>
+                </a14:m>
+                <a:endParaRPr lang="zh-CN" altLang="en-US" sz="1400" dirty="0"/>
+              </a:p>
+            </p:txBody>
+          </p:sp>
+        </mc:Choice>
+        <mc:Fallback>
+          <p:sp>
+            <p:nvSpPr>
+              <p:cNvPr id="48" name="文本框 47">
+                <a:extLst>
+                  <a:ext uri="{FF2B5EF4-FFF2-40B4-BE49-F238E27FC236}">
+                    <a16:creationId xmlns:a16="http://schemas.microsoft.com/office/drawing/2014/main" id="{EC01EF37-BC71-49B3-8E93-E4139F1DBE63}"/>
+                  </a:ext>
+                </a:extLst>
+              </p:cNvPr>
+              <p:cNvSpPr txBox="1">
+                <a:spLocks noRot="1" noChangeAspect="1" noMove="1" noResize="1" noEditPoints="1" noAdjustHandles="1" noChangeArrowheads="1" noChangeShapeType="1" noTextEdit="1"/>
+              </p:cNvSpPr>
+              <p:nvPr/>
+            </p:nvSpPr>
+            <p:spPr>
+              <a:xfrm>
+                <a:off x="5117956" y="1278451"/>
+                <a:ext cx="396876" cy="123111"/>
+              </a:xfrm>
+              <a:prstGeom prst="rect">
+                <a:avLst/>
+              </a:prstGeom>
+              <a:blipFill>
+                <a:blip r:embed="rId17"/>
+                <a:stretch>
+                  <a:fillRect b="-15000"/>
+                </a:stretch>
+              </a:blipFill>
+            </p:spPr>
+            <p:txBody>
+              <a:bodyPr/>
+              <a:lstStyle/>
+              <a:p>
+                <a:r>
+                  <a:rPr lang="zh-CN" altLang="en-US">
+                    <a:noFill/>
+                  </a:rPr>
+                  <a:t> </a:t>
+                </a:r>
+              </a:p>
+            </p:txBody>
+          </p:sp>
+        </mc:Fallback>
+      </mc:AlternateContent>
+      <p:cxnSp>
+        <p:nvCxnSpPr>
+          <p:cNvPr id="49" name="直接箭头连接符 48">
+            <a:extLst>
+              <a:ext uri="{FF2B5EF4-FFF2-40B4-BE49-F238E27FC236}">
+                <a16:creationId xmlns:a16="http://schemas.microsoft.com/office/drawing/2014/main" id="{B00B86A2-D342-4DD2-9939-E8FD6D7FF078}"/>
+              </a:ext>
+            </a:extLst>
+          </p:cNvPr>
+          <p:cNvCxnSpPr>
+            <a:cxnSpLocks/>
+            <a:stCxn id="45" idx="3"/>
+          </p:cNvCxnSpPr>
+          <p:nvPr/>
+        </p:nvCxnSpPr>
+        <p:spPr>
+          <a:xfrm flipH="1" flipV="1">
+            <a:off x="4805103" y="1019175"/>
+            <a:ext cx="451771" cy="389436"/>
+          </a:xfrm>
+          <a:prstGeom prst="straightConnector1">
+            <a:avLst/>
+          </a:prstGeom>
+          <a:ln w="9525" cap="flat" cmpd="sng" algn="ctr">
+            <a:solidFill>
+              <a:schemeClr val="accent2"/>
+            </a:solidFill>
+            <a:prstDash val="solid"/>
+            <a:round/>
+            <a:headEnd type="none" w="med" len="med"/>
+            <a:tailEnd type="arrow" w="med" len="med"/>
+          </a:ln>
+        </p:spPr>
+        <p:style>
+          <a:lnRef idx="0">
+            <a:scrgbClr r="0" g="0" b="0"/>
+          </a:lnRef>
+          <a:fillRef idx="0">
+            <a:scrgbClr r="0" g="0" b="0"/>
+          </a:fillRef>
+          <a:effectRef idx="0">
+            <a:scrgbClr r="0" g="0" b="0"/>
+          </a:effectRef>
+          <a:fontRef idx="minor">
+            <a:schemeClr val="tx1"/>
+          </a:fontRef>
+        </p:style>
+      </p:cxnSp>
+      <p:cxnSp>
+        <p:nvCxnSpPr>
+          <p:cNvPr id="50" name="直接箭头连接符 49">
+            <a:extLst>
+              <a:ext uri="{FF2B5EF4-FFF2-40B4-BE49-F238E27FC236}">
+                <a16:creationId xmlns:a16="http://schemas.microsoft.com/office/drawing/2014/main" id="{4E58C8DD-E6CF-449F-914B-D1128C94C3E0}"/>
+              </a:ext>
+            </a:extLst>
+          </p:cNvPr>
+          <p:cNvCxnSpPr>
+            <a:cxnSpLocks/>
+            <a:stCxn id="58" idx="3"/>
+            <a:endCxn id="45" idx="5"/>
+          </p:cNvCxnSpPr>
+          <p:nvPr/>
+        </p:nvCxnSpPr>
+        <p:spPr>
+          <a:xfrm flipH="1" flipV="1">
+            <a:off x="5375752" y="1408611"/>
+            <a:ext cx="545681" cy="3050"/>
+          </a:xfrm>
+          <a:prstGeom prst="straightConnector1">
+            <a:avLst/>
+          </a:prstGeom>
+          <a:ln w="9525" cap="flat" cmpd="sng" algn="ctr">
+            <a:solidFill>
+              <a:schemeClr val="accent2"/>
+            </a:solidFill>
+            <a:prstDash val="solid"/>
+            <a:round/>
+            <a:headEnd type="none" w="med" len="med"/>
+            <a:tailEnd type="arrow" w="med" len="med"/>
+          </a:ln>
+        </p:spPr>
+        <p:style>
+          <a:lnRef idx="0">
+            <a:scrgbClr r="0" g="0" b="0"/>
+          </a:lnRef>
+          <a:fillRef idx="0">
+            <a:scrgbClr r="0" g="0" b="0"/>
+          </a:fillRef>
+          <a:effectRef idx="0">
+            <a:scrgbClr r="0" g="0" b="0"/>
+          </a:effectRef>
+          <a:fontRef idx="minor">
+            <a:schemeClr val="tx1"/>
+          </a:fontRef>
+        </p:style>
+      </p:cxnSp>
+      <mc:AlternateContent xmlns:mc="http://schemas.openxmlformats.org/markup-compatibility/2006">
+        <mc:Choice xmlns:a14="http://schemas.microsoft.com/office/drawing/2010/main" Requires="a14">
+          <p:sp>
+            <p:nvSpPr>
+              <p:cNvPr id="51" name="文本框 50">
+                <a:extLst>
+                  <a:ext uri="{FF2B5EF4-FFF2-40B4-BE49-F238E27FC236}">
+                    <a16:creationId xmlns:a16="http://schemas.microsoft.com/office/drawing/2014/main" id="{B2A03294-53C3-4175-8CD2-CEC725C9BCC9}"/>
+                  </a:ext>
+                </a:extLst>
+              </p:cNvPr>
+              <p:cNvSpPr txBox="1"/>
+              <p:nvPr/>
+            </p:nvSpPr>
+            <p:spPr>
+              <a:xfrm>
+                <a:off x="5038909" y="1040815"/>
+                <a:ext cx="86434" cy="123111"/>
+              </a:xfrm>
+              <a:prstGeom prst="rect">
+                <a:avLst/>
+              </a:prstGeom>
+              <a:noFill/>
+            </p:spPr>
+            <p:txBody>
+              <a:bodyPr wrap="none" lIns="0" tIns="0" rIns="0" bIns="0" rtlCol="0">
+                <a:spAutoFit/>
+              </a:bodyPr>
+              <a:lstStyle/>
+              <a:p>
+                <a:pPr/>
+                <a14:m>
+                  <m:oMathPara xmlns:m="http://schemas.openxmlformats.org/officeDocument/2006/math">
+                    <m:oMathParaPr>
+                      <m:jc m:val="centerGroup"/>
+                    </m:oMathParaPr>
+                    <m:oMath xmlns:m="http://schemas.openxmlformats.org/officeDocument/2006/math">
+                      <m:r>
+                        <a:rPr lang="en-US" altLang="zh-CN" sz="800" b="0" i="1" smtClean="0">
+                          <a:latin typeface="Cambria Math" panose="02040503050406030204" pitchFamily="18" charset="0"/>
+                        </a:rPr>
+                        <m:t>𝑥</m:t>
+                      </m:r>
+                    </m:oMath>
+                  </m:oMathPara>
+                </a14:m>
+                <a:endParaRPr lang="zh-CN" altLang="en-US" sz="800" dirty="0"/>
+              </a:p>
+            </p:txBody>
+          </p:sp>
+        </mc:Choice>
+        <mc:Fallback>
+          <p:sp>
+            <p:nvSpPr>
+              <p:cNvPr id="51" name="文本框 50">
+                <a:extLst>
+                  <a:ext uri="{FF2B5EF4-FFF2-40B4-BE49-F238E27FC236}">
+                    <a16:creationId xmlns:a16="http://schemas.microsoft.com/office/drawing/2014/main" id="{B2A03294-53C3-4175-8CD2-CEC725C9BCC9}"/>
+                  </a:ext>
+                </a:extLst>
+              </p:cNvPr>
+              <p:cNvSpPr txBox="1">
+                <a:spLocks noRot="1" noChangeAspect="1" noMove="1" noResize="1" noEditPoints="1" noAdjustHandles="1" noChangeArrowheads="1" noChangeShapeType="1" noTextEdit="1"/>
+              </p:cNvSpPr>
+              <p:nvPr/>
+            </p:nvSpPr>
+            <p:spPr>
+              <a:xfrm>
+                <a:off x="5038909" y="1040815"/>
+                <a:ext cx="86434" cy="123111"/>
+              </a:xfrm>
+              <a:prstGeom prst="rect">
+                <a:avLst/>
+              </a:prstGeom>
+              <a:blipFill>
+                <a:blip r:embed="rId18"/>
+                <a:stretch>
+                  <a:fillRect l="-21429" r="-7143"/>
+                </a:stretch>
+              </a:blipFill>
+            </p:spPr>
+            <p:txBody>
+              <a:bodyPr/>
+              <a:lstStyle/>
+              <a:p>
+                <a:r>
+                  <a:rPr lang="zh-CN" altLang="en-US">
+                    <a:noFill/>
+                  </a:rPr>
+                  <a:t> </a:t>
+                </a:r>
+              </a:p>
+            </p:txBody>
+          </p:sp>
+        </mc:Fallback>
+      </mc:AlternateContent>
+      <mc:AlternateContent xmlns:mc="http://schemas.openxmlformats.org/markup-compatibility/2006">
+        <mc:Choice xmlns:a14="http://schemas.microsoft.com/office/drawing/2010/main" Requires="a14">
+          <p:sp>
+            <p:nvSpPr>
+              <p:cNvPr id="53" name="文本框 52">
+                <a:extLst>
+                  <a:ext uri="{FF2B5EF4-FFF2-40B4-BE49-F238E27FC236}">
+                    <a16:creationId xmlns:a16="http://schemas.microsoft.com/office/drawing/2014/main" id="{00442B35-DDD6-4E1A-92B7-8322730569B9}"/>
+                  </a:ext>
+                </a:extLst>
+              </p:cNvPr>
+              <p:cNvSpPr txBox="1"/>
+              <p:nvPr/>
+            </p:nvSpPr>
+            <p:spPr>
+              <a:xfrm rot="1544652">
+                <a:off x="4647928" y="1254795"/>
+                <a:ext cx="541751" cy="123111"/>
+              </a:xfrm>
+              <a:prstGeom prst="rect">
+                <a:avLst/>
+              </a:prstGeom>
+              <a:noFill/>
+            </p:spPr>
+            <p:txBody>
+              <a:bodyPr wrap="none" lIns="0" tIns="0" rIns="0" bIns="0" rtlCol="0">
+                <a:spAutoFit/>
+              </a:bodyPr>
+              <a:lstStyle/>
+              <a:p>
+                <a:pPr/>
+                <a14:m>
+                  <m:oMathPara xmlns:m="http://schemas.openxmlformats.org/officeDocument/2006/math">
+                    <m:oMathParaPr>
+                      <m:jc m:val="centerGroup"/>
+                    </m:oMathParaPr>
+                    <m:oMath xmlns:m="http://schemas.openxmlformats.org/officeDocument/2006/math">
+                      <m:r>
+                        <a:rPr lang="en-US" altLang="zh-CN" sz="800" b="0" i="1" smtClean="0">
+                          <a:latin typeface="Cambria Math" panose="02040503050406030204" pitchFamily="18" charset="0"/>
+                        </a:rPr>
+                        <m:t>2(</m:t>
+                      </m:r>
+                      <m:r>
+                        <a:rPr lang="en-US" altLang="zh-CN" sz="800" b="0" i="1" smtClean="0">
+                          <a:latin typeface="Cambria Math" panose="02040503050406030204" pitchFamily="18" charset="0"/>
+                        </a:rPr>
+                        <m:t>𝑥</m:t>
+                      </m:r>
+                      <m:r>
+                        <a:rPr lang="en-US" altLang="zh-CN" sz="800" b="0" i="1" smtClean="0">
+                          <a:latin typeface="Cambria Math" panose="02040503050406030204" pitchFamily="18" charset="0"/>
+                        </a:rPr>
+                        <m:t>+</m:t>
+                      </m:r>
+                      <m:r>
+                        <a:rPr lang="en-US" altLang="zh-CN" sz="800" b="0" i="1" smtClean="0">
+                          <a:latin typeface="Cambria Math" panose="02040503050406030204" pitchFamily="18" charset="0"/>
+                        </a:rPr>
+                        <m:t>𝑦</m:t>
+                      </m:r>
+                      <m:r>
+                        <a:rPr lang="en-US" altLang="zh-CN" sz="800" b="0" i="1" smtClean="0">
+                          <a:latin typeface="Cambria Math" panose="02040503050406030204" pitchFamily="18" charset="0"/>
+                        </a:rPr>
+                        <m:t>)∙1</m:t>
+                      </m:r>
+                    </m:oMath>
+                  </m:oMathPara>
+                </a14:m>
+                <a:endParaRPr lang="zh-CN" altLang="en-US" sz="800" dirty="0"/>
+              </a:p>
+            </p:txBody>
+          </p:sp>
+        </mc:Choice>
+        <mc:Fallback>
+          <p:sp>
+            <p:nvSpPr>
+              <p:cNvPr id="53" name="文本框 52">
+                <a:extLst>
+                  <a:ext uri="{FF2B5EF4-FFF2-40B4-BE49-F238E27FC236}">
+                    <a16:creationId xmlns:a16="http://schemas.microsoft.com/office/drawing/2014/main" id="{00442B35-DDD6-4E1A-92B7-8322730569B9}"/>
+                  </a:ext>
+                </a:extLst>
+              </p:cNvPr>
+              <p:cNvSpPr txBox="1">
+                <a:spLocks noRot="1" noChangeAspect="1" noMove="1" noResize="1" noEditPoints="1" noAdjustHandles="1" noChangeArrowheads="1" noChangeShapeType="1" noTextEdit="1"/>
+              </p:cNvSpPr>
+              <p:nvPr/>
+            </p:nvSpPr>
+            <p:spPr>
+              <a:xfrm rot="1544652">
+                <a:off x="4647928" y="1254795"/>
+                <a:ext cx="541751" cy="123111"/>
+              </a:xfrm>
+              <a:prstGeom prst="rect">
+                <a:avLst/>
+              </a:prstGeom>
+              <a:blipFill>
+                <a:blip r:embed="rId19"/>
+                <a:stretch>
+                  <a:fillRect l="-3333" r="-1111" b="-3448"/>
+                </a:stretch>
+              </a:blipFill>
+            </p:spPr>
+            <p:txBody>
+              <a:bodyPr/>
+              <a:lstStyle/>
+              <a:p>
+                <a:r>
+                  <a:rPr lang="zh-CN" altLang="en-US">
+                    <a:noFill/>
+                  </a:rPr>
+                  <a:t> </a:t>
+                </a:r>
+              </a:p>
+            </p:txBody>
+          </p:sp>
+        </mc:Fallback>
+      </mc:AlternateContent>
+      <mc:AlternateContent xmlns:mc="http://schemas.openxmlformats.org/markup-compatibility/2006">
+        <mc:Choice xmlns:a14="http://schemas.microsoft.com/office/drawing/2010/main" Requires="a14">
+          <p:sp>
+            <p:nvSpPr>
+              <p:cNvPr id="54" name="文本框 53">
+                <a:extLst>
+                  <a:ext uri="{FF2B5EF4-FFF2-40B4-BE49-F238E27FC236}">
+                    <a16:creationId xmlns:a16="http://schemas.microsoft.com/office/drawing/2014/main" id="{ACF24B82-F881-4CE5-85E7-034282E6AC09}"/>
+                  </a:ext>
+                </a:extLst>
+              </p:cNvPr>
+              <p:cNvSpPr txBox="1"/>
+              <p:nvPr/>
+            </p:nvSpPr>
+            <p:spPr>
+              <a:xfrm>
+                <a:off x="5588319" y="1226061"/>
+                <a:ext cx="71430" cy="123111"/>
+              </a:xfrm>
+              <a:prstGeom prst="rect">
+                <a:avLst/>
+              </a:prstGeom>
+              <a:noFill/>
+            </p:spPr>
+            <p:txBody>
+              <a:bodyPr wrap="none" lIns="0" tIns="0" rIns="0" bIns="0" rtlCol="0">
+                <a:spAutoFit/>
+              </a:bodyPr>
+              <a:lstStyle/>
+              <a:p>
+                <a:pPr/>
+                <a14:m>
+                  <m:oMathPara xmlns:m="http://schemas.openxmlformats.org/officeDocument/2006/math">
+                    <m:oMathParaPr>
+                      <m:jc m:val="centerGroup"/>
+                    </m:oMathParaPr>
+                    <m:oMath xmlns:m="http://schemas.openxmlformats.org/officeDocument/2006/math">
+                      <m:r>
+                        <a:rPr lang="en-US" altLang="zh-CN" sz="800" b="0" i="1" smtClean="0">
+                          <a:latin typeface="Cambria Math" panose="02040503050406030204" pitchFamily="18" charset="0"/>
+                        </a:rPr>
+                        <m:t>𝑡</m:t>
+                      </m:r>
+                    </m:oMath>
+                  </m:oMathPara>
+                </a14:m>
+                <a:endParaRPr lang="zh-CN" altLang="en-US" sz="800" dirty="0"/>
+              </a:p>
+            </p:txBody>
+          </p:sp>
+        </mc:Choice>
+        <mc:Fallback>
+          <p:sp>
+            <p:nvSpPr>
+              <p:cNvPr id="54" name="文本框 53">
+                <a:extLst>
+                  <a:ext uri="{FF2B5EF4-FFF2-40B4-BE49-F238E27FC236}">
+                    <a16:creationId xmlns:a16="http://schemas.microsoft.com/office/drawing/2014/main" id="{ACF24B82-F881-4CE5-85E7-034282E6AC09}"/>
+                  </a:ext>
+                </a:extLst>
+              </p:cNvPr>
+              <p:cNvSpPr txBox="1">
+                <a:spLocks noRot="1" noChangeAspect="1" noMove="1" noResize="1" noEditPoints="1" noAdjustHandles="1" noChangeArrowheads="1" noChangeShapeType="1" noTextEdit="1"/>
+              </p:cNvSpPr>
+              <p:nvPr/>
+            </p:nvSpPr>
+            <p:spPr>
+              <a:xfrm>
+                <a:off x="5588319" y="1226061"/>
+                <a:ext cx="71430" cy="123111"/>
+              </a:xfrm>
+              <a:prstGeom prst="rect">
+                <a:avLst/>
+              </a:prstGeom>
+              <a:blipFill>
+                <a:blip r:embed="rId20"/>
+                <a:stretch>
+                  <a:fillRect l="-36364" r="-27273" b="-10000"/>
+                </a:stretch>
+              </a:blipFill>
+            </p:spPr>
+            <p:txBody>
+              <a:bodyPr/>
+              <a:lstStyle/>
+              <a:p>
+                <a:r>
+                  <a:rPr lang="zh-CN" altLang="en-US">
+                    <a:noFill/>
+                  </a:rPr>
+                  <a:t> </a:t>
+                </a:r>
+              </a:p>
+            </p:txBody>
+          </p:sp>
+        </mc:Fallback>
+      </mc:AlternateContent>
+      <mc:AlternateContent xmlns:mc="http://schemas.openxmlformats.org/markup-compatibility/2006">
+        <mc:Choice xmlns:a14="http://schemas.microsoft.com/office/drawing/2010/main" Requires="a14">
+          <p:sp>
+            <p:nvSpPr>
+              <p:cNvPr id="55" name="文本框 54">
+                <a:extLst>
+                  <a:ext uri="{FF2B5EF4-FFF2-40B4-BE49-F238E27FC236}">
+                    <a16:creationId xmlns:a16="http://schemas.microsoft.com/office/drawing/2014/main" id="{6766799C-FDD6-47E2-B7BB-CB024CAE4E29}"/>
+                  </a:ext>
+                </a:extLst>
+              </p:cNvPr>
+              <p:cNvSpPr txBox="1"/>
+              <p:nvPr/>
+            </p:nvSpPr>
+            <p:spPr>
+              <a:xfrm>
+                <a:off x="5487601" y="1437650"/>
+                <a:ext cx="258148" cy="123111"/>
+              </a:xfrm>
+              <a:prstGeom prst="rect">
+                <a:avLst/>
+              </a:prstGeom>
+              <a:noFill/>
+            </p:spPr>
+            <p:txBody>
+              <a:bodyPr wrap="none" lIns="0" tIns="0" rIns="0" bIns="0" rtlCol="0">
+                <a:spAutoFit/>
+              </a:bodyPr>
+              <a:lstStyle/>
+              <a:p>
+                <a:pPr/>
+                <a14:m>
+                  <m:oMathPara xmlns:m="http://schemas.openxmlformats.org/officeDocument/2006/math">
+                    <m:oMathParaPr>
+                      <m:jc m:val="centerGroup"/>
+                    </m:oMathParaPr>
+                    <m:oMath xmlns:m="http://schemas.openxmlformats.org/officeDocument/2006/math">
+                      <m:r>
+                        <a:rPr lang="en-US" altLang="zh-CN" sz="800" b="0" i="1" smtClean="0">
+                          <a:latin typeface="Cambria Math" panose="02040503050406030204" pitchFamily="18" charset="0"/>
+                        </a:rPr>
+                        <m:t>1</m:t>
+                      </m:r>
+                      <m:r>
+                        <a:rPr lang="en-US" altLang="zh-CN" sz="800" b="0" i="1" smtClean="0">
+                          <a:latin typeface="Cambria Math" panose="02040503050406030204" pitchFamily="18" charset="0"/>
+                          <a:ea typeface="Cambria Math" panose="02040503050406030204" pitchFamily="18" charset="0"/>
+                        </a:rPr>
+                        <m:t>∙2</m:t>
+                      </m:r>
+                      <m:r>
+                        <a:rPr lang="en-US" altLang="zh-CN" sz="800" b="0" i="1" smtClean="0">
+                          <a:latin typeface="Cambria Math" panose="02040503050406030204" pitchFamily="18" charset="0"/>
+                          <a:ea typeface="Cambria Math" panose="02040503050406030204" pitchFamily="18" charset="0"/>
+                        </a:rPr>
+                        <m:t>𝑡</m:t>
+                      </m:r>
+                    </m:oMath>
+                  </m:oMathPara>
+                </a14:m>
+                <a:endParaRPr lang="en-US" altLang="zh-CN" sz="800" b="0" dirty="0">
+                  <a:ea typeface="Cambria Math" panose="02040503050406030204" pitchFamily="18" charset="0"/>
+                </a:endParaRPr>
+              </a:p>
+            </p:txBody>
+          </p:sp>
+        </mc:Choice>
+        <mc:Fallback>
+          <p:sp>
+            <p:nvSpPr>
+              <p:cNvPr id="55" name="文本框 54">
+                <a:extLst>
+                  <a:ext uri="{FF2B5EF4-FFF2-40B4-BE49-F238E27FC236}">
+                    <a16:creationId xmlns:a16="http://schemas.microsoft.com/office/drawing/2014/main" id="{6766799C-FDD6-47E2-B7BB-CB024CAE4E29}"/>
+                  </a:ext>
+                </a:extLst>
+              </p:cNvPr>
+              <p:cNvSpPr txBox="1">
+                <a:spLocks noRot="1" noChangeAspect="1" noMove="1" noResize="1" noEditPoints="1" noAdjustHandles="1" noChangeArrowheads="1" noChangeShapeType="1" noTextEdit="1"/>
+              </p:cNvSpPr>
+              <p:nvPr/>
+            </p:nvSpPr>
+            <p:spPr>
+              <a:xfrm>
+                <a:off x="5487601" y="1437650"/>
+                <a:ext cx="258148" cy="123111"/>
+              </a:xfrm>
+              <a:prstGeom prst="rect">
+                <a:avLst/>
+              </a:prstGeom>
+              <a:blipFill>
+                <a:blip r:embed="rId21"/>
+                <a:stretch>
+                  <a:fillRect l="-9302" r="-6977" b="-10000"/>
+                </a:stretch>
+              </a:blipFill>
+            </p:spPr>
+            <p:txBody>
+              <a:bodyPr/>
+              <a:lstStyle/>
+              <a:p>
+                <a:r>
+                  <a:rPr lang="zh-CN" altLang="en-US">
+                    <a:noFill/>
+                  </a:rPr>
+                  <a:t> </a:t>
+                </a:r>
+              </a:p>
+            </p:txBody>
+          </p:sp>
+        </mc:Fallback>
+      </mc:AlternateContent>
+      <p:sp>
+        <p:nvSpPr>
+          <p:cNvPr id="58" name="椭圆 57">
+            <a:extLst>
+              <a:ext uri="{FF2B5EF4-FFF2-40B4-BE49-F238E27FC236}">
+                <a16:creationId xmlns:a16="http://schemas.microsoft.com/office/drawing/2014/main" id="{C7EF7CEF-DD3B-43B4-AA36-DC57D617F176}"/>
+              </a:ext>
+            </a:extLst>
+          </p:cNvPr>
+          <p:cNvSpPr/>
+          <p:nvPr/>
+        </p:nvSpPr>
+        <p:spPr>
+          <a:xfrm>
+            <a:off x="5896813" y="1268163"/>
+            <a:ext cx="168118" cy="168118"/>
+          </a:xfrm>
+          <a:prstGeom prst="ellipse">
+            <a:avLst/>
+          </a:prstGeom>
+          <a:solidFill>
+            <a:schemeClr val="bg1"/>
+          </a:solidFill>
+          <a:ln>
+            <a:solidFill>
+              <a:schemeClr val="tx1"/>
+            </a:solidFill>
+          </a:ln>
+        </p:spPr>
+        <p:style>
+          <a:lnRef idx="2">
+            <a:schemeClr val="accent1">
+              <a:shade val="50000"/>
+            </a:schemeClr>
+          </a:lnRef>
+          <a:fillRef idx="1">
+            <a:schemeClr val="accent1"/>
+          </a:fillRef>
+          <a:effectRef idx="0">
+            <a:schemeClr val="accent1"/>
+          </a:effectRef>
+          <a:fontRef idx="minor">
+            <a:schemeClr val="lt1"/>
+          </a:fontRef>
+        </p:style>
+        <p:txBody>
+          <a:bodyPr rtlCol="0" anchor="ctr"/>
+          <a:lstStyle/>
+          <a:p>
+            <a:pPr algn="ctr"/>
+            <a:endParaRPr lang="zh-CN" altLang="en-US"/>
+          </a:p>
+        </p:txBody>
+      </p:sp>
+      <p:cxnSp>
+        <p:nvCxnSpPr>
+          <p:cNvPr id="59" name="直接箭头连接符 58">
+            <a:extLst>
+              <a:ext uri="{FF2B5EF4-FFF2-40B4-BE49-F238E27FC236}">
+                <a16:creationId xmlns:a16="http://schemas.microsoft.com/office/drawing/2014/main" id="{BB026E50-51F4-4484-A771-8F5CF5A22BD9}"/>
+              </a:ext>
+            </a:extLst>
+          </p:cNvPr>
+          <p:cNvCxnSpPr>
+            <a:cxnSpLocks/>
+            <a:stCxn id="58" idx="6"/>
+          </p:cNvCxnSpPr>
+          <p:nvPr/>
+        </p:nvCxnSpPr>
+        <p:spPr>
+          <a:xfrm>
+            <a:off x="6064931" y="1352222"/>
+            <a:ext cx="481126" cy="0"/>
+          </a:xfrm>
+          <a:prstGeom prst="straightConnector1">
+            <a:avLst/>
+          </a:prstGeom>
+          <a:ln w="9525" cap="flat" cmpd="sng" algn="ctr">
+            <a:solidFill>
+              <a:schemeClr val="accent3"/>
+            </a:solidFill>
+            <a:prstDash val="solid"/>
+            <a:round/>
+            <a:headEnd type="none" w="med" len="med"/>
+            <a:tailEnd type="arrow" w="med" len="med"/>
+          </a:ln>
+        </p:spPr>
+        <p:style>
+          <a:lnRef idx="0">
+            <a:scrgbClr r="0" g="0" b="0"/>
+          </a:lnRef>
+          <a:fillRef idx="0">
+            <a:scrgbClr r="0" g="0" b="0"/>
+          </a:fillRef>
+          <a:effectRef idx="0">
+            <a:scrgbClr r="0" g="0" b="0"/>
+          </a:effectRef>
+          <a:fontRef idx="minor">
+            <a:schemeClr val="tx1"/>
+          </a:fontRef>
+        </p:style>
+      </p:cxnSp>
+      <p:cxnSp>
+        <p:nvCxnSpPr>
+          <p:cNvPr id="60" name="直接箭头连接符 59">
+            <a:extLst>
+              <a:ext uri="{FF2B5EF4-FFF2-40B4-BE49-F238E27FC236}">
+                <a16:creationId xmlns:a16="http://schemas.microsoft.com/office/drawing/2014/main" id="{B48A3E3C-2572-43AB-B7BF-A5A5B710374C}"/>
+              </a:ext>
+            </a:extLst>
+          </p:cNvPr>
+          <p:cNvCxnSpPr>
+            <a:cxnSpLocks/>
+            <a:endCxn id="58" idx="5"/>
+          </p:cNvCxnSpPr>
+          <p:nvPr/>
+        </p:nvCxnSpPr>
+        <p:spPr>
+          <a:xfrm flipH="1">
+            <a:off x="6040311" y="1411661"/>
+            <a:ext cx="530366" cy="0"/>
+          </a:xfrm>
+          <a:prstGeom prst="straightConnector1">
+            <a:avLst/>
+          </a:prstGeom>
+          <a:ln w="9525" cap="flat" cmpd="sng" algn="ctr">
+            <a:solidFill>
+              <a:schemeClr val="accent2"/>
+            </a:solidFill>
+            <a:prstDash val="solid"/>
+            <a:round/>
+            <a:headEnd type="none" w="med" len="med"/>
+            <a:tailEnd type="arrow" w="med" len="med"/>
+          </a:ln>
+        </p:spPr>
+        <p:style>
+          <a:lnRef idx="0">
+            <a:scrgbClr r="0" g="0" b="0"/>
+          </a:lnRef>
+          <a:fillRef idx="0">
+            <a:scrgbClr r="0" g="0" b="0"/>
+          </a:fillRef>
+          <a:effectRef idx="0">
+            <a:scrgbClr r="0" g="0" b="0"/>
+          </a:effectRef>
+          <a:fontRef idx="minor">
+            <a:schemeClr val="tx1"/>
+          </a:fontRef>
+        </p:style>
+      </p:cxnSp>
+      <mc:AlternateContent xmlns:mc="http://schemas.openxmlformats.org/markup-compatibility/2006">
+        <mc:Choice xmlns:a14="http://schemas.microsoft.com/office/drawing/2010/main" Requires="a14">
+          <p:sp>
+            <p:nvSpPr>
+              <p:cNvPr id="61" name="文本框 60">
+                <a:extLst>
+                  <a:ext uri="{FF2B5EF4-FFF2-40B4-BE49-F238E27FC236}">
+                    <a16:creationId xmlns:a16="http://schemas.microsoft.com/office/drawing/2014/main" id="{500FBC43-100E-4DFE-A7DF-C3C8E001932E}"/>
+                  </a:ext>
+                </a:extLst>
+              </p:cNvPr>
+              <p:cNvSpPr txBox="1"/>
+              <p:nvPr/>
+            </p:nvSpPr>
+            <p:spPr>
+              <a:xfrm>
+                <a:off x="6252878" y="1229111"/>
+                <a:ext cx="80278" cy="123111"/>
+              </a:xfrm>
+              <a:prstGeom prst="rect">
+                <a:avLst/>
+              </a:prstGeom>
+              <a:noFill/>
+            </p:spPr>
+            <p:txBody>
+              <a:bodyPr wrap="none" lIns="0" tIns="0" rIns="0" bIns="0" rtlCol="0">
+                <a:spAutoFit/>
+              </a:bodyPr>
+              <a:lstStyle/>
+              <a:p>
+                <a:pPr/>
+                <a14:m>
+                  <m:oMathPara xmlns:m="http://schemas.openxmlformats.org/officeDocument/2006/math">
+                    <m:oMathParaPr>
+                      <m:jc m:val="centerGroup"/>
+                    </m:oMathParaPr>
+                    <m:oMath xmlns:m="http://schemas.openxmlformats.org/officeDocument/2006/math">
+                      <m:r>
+                        <a:rPr lang="en-US" altLang="zh-CN" sz="800" b="0" i="1" smtClean="0">
+                          <a:latin typeface="Cambria Math" panose="02040503050406030204" pitchFamily="18" charset="0"/>
+                        </a:rPr>
+                        <m:t>𝑧</m:t>
+                      </m:r>
+                    </m:oMath>
+                  </m:oMathPara>
+                </a14:m>
+                <a:endParaRPr lang="zh-CN" altLang="en-US" sz="800" dirty="0"/>
+              </a:p>
+            </p:txBody>
+          </p:sp>
+        </mc:Choice>
+        <mc:Fallback>
+          <p:sp>
+            <p:nvSpPr>
+              <p:cNvPr id="61" name="文本框 60">
+                <a:extLst>
+                  <a:ext uri="{FF2B5EF4-FFF2-40B4-BE49-F238E27FC236}">
+                    <a16:creationId xmlns:a16="http://schemas.microsoft.com/office/drawing/2014/main" id="{500FBC43-100E-4DFE-A7DF-C3C8E001932E}"/>
+                  </a:ext>
+                </a:extLst>
+              </p:cNvPr>
+              <p:cNvSpPr txBox="1">
+                <a:spLocks noRot="1" noChangeAspect="1" noMove="1" noResize="1" noEditPoints="1" noAdjustHandles="1" noChangeArrowheads="1" noChangeShapeType="1" noTextEdit="1"/>
+              </p:cNvSpPr>
+              <p:nvPr/>
+            </p:nvSpPr>
+            <p:spPr>
+              <a:xfrm>
+                <a:off x="6252878" y="1229111"/>
+                <a:ext cx="80278" cy="123111"/>
+              </a:xfrm>
+              <a:prstGeom prst="rect">
+                <a:avLst/>
+              </a:prstGeom>
+              <a:blipFill>
+                <a:blip r:embed="rId22"/>
+                <a:stretch>
+                  <a:fillRect l="-23077" r="-7692"/>
+                </a:stretch>
+              </a:blipFill>
+            </p:spPr>
+            <p:txBody>
+              <a:bodyPr/>
+              <a:lstStyle/>
+              <a:p>
+                <a:r>
+                  <a:rPr lang="zh-CN" altLang="en-US">
+                    <a:noFill/>
+                  </a:rPr>
+                  <a:t> </a:t>
+                </a:r>
+              </a:p>
+            </p:txBody>
+          </p:sp>
+        </mc:Fallback>
+      </mc:AlternateContent>
+      <mc:AlternateContent xmlns:mc="http://schemas.openxmlformats.org/markup-compatibility/2006">
+        <mc:Choice xmlns:a14="http://schemas.microsoft.com/office/drawing/2010/main" Requires="a14">
+          <p:sp>
+            <p:nvSpPr>
+              <p:cNvPr id="62" name="文本框 61">
+                <a:extLst>
+                  <a:ext uri="{FF2B5EF4-FFF2-40B4-BE49-F238E27FC236}">
+                    <a16:creationId xmlns:a16="http://schemas.microsoft.com/office/drawing/2014/main" id="{BF095109-680A-430B-95D7-4CF73D779D96}"/>
+                  </a:ext>
+                </a:extLst>
+              </p:cNvPr>
+              <p:cNvSpPr txBox="1"/>
+              <p:nvPr/>
+            </p:nvSpPr>
+            <p:spPr>
+              <a:xfrm>
+                <a:off x="6233002" y="1433231"/>
+                <a:ext cx="84959" cy="123111"/>
+              </a:xfrm>
+              <a:prstGeom prst="rect">
+                <a:avLst/>
+              </a:prstGeom>
+              <a:noFill/>
+            </p:spPr>
+            <p:txBody>
+              <a:bodyPr wrap="none" lIns="0" tIns="0" rIns="0" bIns="0" rtlCol="0">
+                <a:spAutoFit/>
+              </a:bodyPr>
+              <a:lstStyle/>
+              <a:p>
+                <a:pPr/>
+                <a14:m>
+                  <m:oMathPara xmlns:m="http://schemas.openxmlformats.org/officeDocument/2006/math">
+                    <m:oMathParaPr>
+                      <m:jc m:val="centerGroup"/>
+                    </m:oMathParaPr>
+                    <m:oMath xmlns:m="http://schemas.openxmlformats.org/officeDocument/2006/math">
+                      <m:r>
+                        <a:rPr lang="en-US" altLang="zh-CN" sz="800" b="0" i="1" smtClean="0">
+                          <a:latin typeface="Cambria Math" panose="02040503050406030204" pitchFamily="18" charset="0"/>
+                        </a:rPr>
+                        <m:t>1</m:t>
+                      </m:r>
+                    </m:oMath>
+                  </m:oMathPara>
+                </a14:m>
+                <a:endParaRPr lang="zh-CN" altLang="en-US" sz="800" dirty="0"/>
+              </a:p>
+            </p:txBody>
+          </p:sp>
+        </mc:Choice>
+        <mc:Fallback>
+          <p:sp>
+            <p:nvSpPr>
+              <p:cNvPr id="62" name="文本框 61">
+                <a:extLst>
+                  <a:ext uri="{FF2B5EF4-FFF2-40B4-BE49-F238E27FC236}">
+                    <a16:creationId xmlns:a16="http://schemas.microsoft.com/office/drawing/2014/main" id="{BF095109-680A-430B-95D7-4CF73D779D96}"/>
+                  </a:ext>
+                </a:extLst>
+              </p:cNvPr>
+              <p:cNvSpPr txBox="1">
+                <a:spLocks noRot="1" noChangeAspect="1" noMove="1" noResize="1" noEditPoints="1" noAdjustHandles="1" noChangeArrowheads="1" noChangeShapeType="1" noTextEdit="1"/>
+              </p:cNvSpPr>
+              <p:nvPr/>
+            </p:nvSpPr>
+            <p:spPr>
+              <a:xfrm>
+                <a:off x="6233002" y="1433231"/>
+                <a:ext cx="84959" cy="123111"/>
+              </a:xfrm>
+              <a:prstGeom prst="rect">
+                <a:avLst/>
+              </a:prstGeom>
+              <a:blipFill>
+                <a:blip r:embed="rId23"/>
+                <a:stretch>
+                  <a:fillRect l="-28571" r="-21429" b="-10000"/>
+                </a:stretch>
+              </a:blipFill>
+            </p:spPr>
+            <p:txBody>
+              <a:bodyPr/>
+              <a:lstStyle/>
+              <a:p>
+                <a:r>
+                  <a:rPr lang="zh-CN" altLang="en-US">
+                    <a:noFill/>
+                  </a:rPr>
+                  <a:t> </a:t>
+                </a:r>
+              </a:p>
+            </p:txBody>
+          </p:sp>
+        </mc:Fallback>
+      </mc:AlternateContent>
+      <p:cxnSp>
+        <p:nvCxnSpPr>
+          <p:cNvPr id="63" name="直接箭头连接符 62">
+            <a:extLst>
+              <a:ext uri="{FF2B5EF4-FFF2-40B4-BE49-F238E27FC236}">
+                <a16:creationId xmlns:a16="http://schemas.microsoft.com/office/drawing/2014/main" id="{66BED1DA-E77E-447C-841F-1B73D032830F}"/>
+              </a:ext>
+            </a:extLst>
+          </p:cNvPr>
+          <p:cNvCxnSpPr>
+            <a:cxnSpLocks/>
+            <a:endCxn id="45" idx="3"/>
+          </p:cNvCxnSpPr>
+          <p:nvPr/>
+        </p:nvCxnSpPr>
+        <p:spPr>
+          <a:xfrm flipV="1">
+            <a:off x="4856360" y="1408611"/>
+            <a:ext cx="400514" cy="285685"/>
+          </a:xfrm>
+          <a:prstGeom prst="straightConnector1">
+            <a:avLst/>
+          </a:prstGeom>
+          <a:ln w="9525" cap="flat" cmpd="sng" algn="ctr">
+            <a:solidFill>
+              <a:schemeClr val="accent3"/>
+            </a:solidFill>
+            <a:prstDash val="solid"/>
+            <a:round/>
+            <a:headEnd type="none" w="med" len="med"/>
+            <a:tailEnd type="arrow" w="med" len="med"/>
+          </a:ln>
+        </p:spPr>
+        <p:style>
+          <a:lnRef idx="0">
+            <a:scrgbClr r="0" g="0" b="0"/>
+          </a:lnRef>
+          <a:fillRef idx="0">
+            <a:scrgbClr r="0" g="0" b="0"/>
+          </a:fillRef>
+          <a:effectRef idx="0">
+            <a:scrgbClr r="0" g="0" b="0"/>
+          </a:effectRef>
+          <a:fontRef idx="minor">
+            <a:schemeClr val="tx1"/>
+          </a:fontRef>
+        </p:style>
+      </p:cxnSp>
+      <mc:AlternateContent xmlns:mc="http://schemas.openxmlformats.org/markup-compatibility/2006">
+        <mc:Choice xmlns:a14="http://schemas.microsoft.com/office/drawing/2010/main" Requires="a14">
+          <p:sp>
+            <p:nvSpPr>
+              <p:cNvPr id="64" name="文本框 63">
+                <a:extLst>
+                  <a:ext uri="{FF2B5EF4-FFF2-40B4-BE49-F238E27FC236}">
+                    <a16:creationId xmlns:a16="http://schemas.microsoft.com/office/drawing/2014/main" id="{87080599-3664-4A7F-894D-316504B0818E}"/>
+                  </a:ext>
+                </a:extLst>
+              </p:cNvPr>
+              <p:cNvSpPr txBox="1"/>
+              <p:nvPr/>
+            </p:nvSpPr>
+            <p:spPr>
+              <a:xfrm>
+                <a:off x="4823121" y="1539758"/>
+                <a:ext cx="88294" cy="123111"/>
+              </a:xfrm>
+              <a:prstGeom prst="rect">
+                <a:avLst/>
+              </a:prstGeom>
+              <a:noFill/>
+            </p:spPr>
+            <p:txBody>
+              <a:bodyPr wrap="none" lIns="0" tIns="0" rIns="0" bIns="0" rtlCol="0">
+                <a:spAutoFit/>
+              </a:bodyPr>
+              <a:lstStyle/>
+              <a:p>
+                <a:pPr/>
+                <a14:m>
+                  <m:oMathPara xmlns:m="http://schemas.openxmlformats.org/officeDocument/2006/math">
+                    <m:oMathParaPr>
+                      <m:jc m:val="centerGroup"/>
+                    </m:oMathParaPr>
+                    <m:oMath xmlns:m="http://schemas.openxmlformats.org/officeDocument/2006/math">
+                      <m:r>
+                        <a:rPr lang="en-US" altLang="zh-CN" sz="800" b="0" i="1" smtClean="0">
+                          <a:latin typeface="Cambria Math" panose="02040503050406030204" pitchFamily="18" charset="0"/>
+                        </a:rPr>
+                        <m:t>𝑦</m:t>
+                      </m:r>
+                    </m:oMath>
+                  </m:oMathPara>
+                </a14:m>
+                <a:endParaRPr lang="zh-CN" altLang="en-US" sz="800" dirty="0"/>
+              </a:p>
+            </p:txBody>
+          </p:sp>
+        </mc:Choice>
+        <mc:Fallback>
+          <p:sp>
+            <p:nvSpPr>
+              <p:cNvPr id="64" name="文本框 63">
+                <a:extLst>
+                  <a:ext uri="{FF2B5EF4-FFF2-40B4-BE49-F238E27FC236}">
+                    <a16:creationId xmlns:a16="http://schemas.microsoft.com/office/drawing/2014/main" id="{87080599-3664-4A7F-894D-316504B0818E}"/>
+                  </a:ext>
+                </a:extLst>
+              </p:cNvPr>
+              <p:cNvSpPr txBox="1">
+                <a:spLocks noRot="1" noChangeAspect="1" noMove="1" noResize="1" noEditPoints="1" noAdjustHandles="1" noChangeArrowheads="1" noChangeShapeType="1" noTextEdit="1"/>
+              </p:cNvSpPr>
+              <p:nvPr/>
+            </p:nvSpPr>
+            <p:spPr>
+              <a:xfrm>
+                <a:off x="4823121" y="1539758"/>
+                <a:ext cx="88294" cy="123111"/>
+              </a:xfrm>
+              <a:prstGeom prst="rect">
+                <a:avLst/>
+              </a:prstGeom>
+              <a:blipFill>
+                <a:blip r:embed="rId24"/>
+                <a:stretch>
+                  <a:fillRect l="-26667" r="-26667" b="-30000"/>
+                </a:stretch>
+              </a:blipFill>
+            </p:spPr>
+            <p:txBody>
+              <a:bodyPr/>
+              <a:lstStyle/>
+              <a:p>
+                <a:r>
+                  <a:rPr lang="zh-CN" altLang="en-US">
+                    <a:noFill/>
+                  </a:rPr>
+                  <a:t> </a:t>
+                </a:r>
+              </a:p>
+            </p:txBody>
+          </p:sp>
+        </mc:Fallback>
+      </mc:AlternateContent>
+      <mc:AlternateContent xmlns:mc="http://schemas.openxmlformats.org/markup-compatibility/2006">
+        <mc:Choice xmlns:a14="http://schemas.microsoft.com/office/drawing/2010/main" Requires="a14">
+          <p:sp>
+            <p:nvSpPr>
+              <p:cNvPr id="65" name="文本框 64">
+                <a:extLst>
+                  <a:ext uri="{FF2B5EF4-FFF2-40B4-BE49-F238E27FC236}">
+                    <a16:creationId xmlns:a16="http://schemas.microsoft.com/office/drawing/2014/main" id="{3B23B8EA-FBC4-46F8-91F0-49B0F274BF05}"/>
+                  </a:ext>
+                </a:extLst>
+              </p:cNvPr>
+              <p:cNvSpPr txBox="1"/>
+              <p:nvPr/>
+            </p:nvSpPr>
+            <p:spPr>
+              <a:xfrm>
+                <a:off x="5782434" y="1303005"/>
+                <a:ext cx="396876" cy="92333"/>
+              </a:xfrm>
+              <a:prstGeom prst="rect">
+                <a:avLst/>
+              </a:prstGeom>
+              <a:noFill/>
+            </p:spPr>
+            <p:txBody>
+              <a:bodyPr wrap="square" lIns="0" tIns="0" rIns="0" bIns="0" rtlCol="0">
+                <a:spAutoFit/>
+              </a:bodyPr>
+              <a:lstStyle/>
+              <a:p>
+                <a:pPr/>
+                <a14:m>
+                  <m:oMathPara xmlns:m="http://schemas.openxmlformats.org/officeDocument/2006/math">
+                    <m:oMathParaPr>
+                      <m:jc m:val="centerGroup"/>
+                    </m:oMathParaPr>
+                    <m:oMath xmlns:m="http://schemas.openxmlformats.org/officeDocument/2006/math">
+                      <m:r>
+                        <a:rPr lang="en-US" altLang="zh-CN" sz="600" b="0" i="1" smtClean="0">
+                          <a:latin typeface="Cambria Math" panose="02040503050406030204" pitchFamily="18" charset="0"/>
+                        </a:rPr>
+                        <m:t>∗∗2</m:t>
+                      </m:r>
+                    </m:oMath>
+                  </m:oMathPara>
+                </a14:m>
+                <a:endParaRPr lang="zh-CN" altLang="en-US" sz="1400" dirty="0"/>
+              </a:p>
+            </p:txBody>
+          </p:sp>
+        </mc:Choice>
+        <mc:Fallback>
+          <p:sp>
+            <p:nvSpPr>
+              <p:cNvPr id="65" name="文本框 64">
+                <a:extLst>
+                  <a:ext uri="{FF2B5EF4-FFF2-40B4-BE49-F238E27FC236}">
+                    <a16:creationId xmlns:a16="http://schemas.microsoft.com/office/drawing/2014/main" id="{3B23B8EA-FBC4-46F8-91F0-49B0F274BF05}"/>
+                  </a:ext>
+                </a:extLst>
+              </p:cNvPr>
+              <p:cNvSpPr txBox="1">
+                <a:spLocks noRot="1" noChangeAspect="1" noMove="1" noResize="1" noEditPoints="1" noAdjustHandles="1" noChangeArrowheads="1" noChangeShapeType="1" noTextEdit="1"/>
+              </p:cNvSpPr>
+              <p:nvPr/>
+            </p:nvSpPr>
+            <p:spPr>
+              <a:xfrm>
+                <a:off x="5782434" y="1303005"/>
+                <a:ext cx="396876" cy="92333"/>
+              </a:xfrm>
+              <a:prstGeom prst="rect">
+                <a:avLst/>
+              </a:prstGeom>
+              <a:blipFill>
+                <a:blip r:embed="rId25"/>
+                <a:stretch>
+                  <a:fillRect b="-13333"/>
+                </a:stretch>
+              </a:blipFill>
+            </p:spPr>
+            <p:txBody>
+              <a:bodyPr/>
+              <a:lstStyle/>
+              <a:p>
+                <a:r>
+                  <a:rPr lang="zh-CN" altLang="en-US">
+                    <a:noFill/>
+                  </a:rPr>
+                  <a:t> </a:t>
+                </a:r>
+              </a:p>
+            </p:txBody>
+          </p:sp>
+        </mc:Fallback>
+      </mc:AlternateContent>
+      <mc:AlternateContent xmlns:mc="http://schemas.openxmlformats.org/markup-compatibility/2006">
+        <mc:Choice xmlns:a14="http://schemas.microsoft.com/office/drawing/2010/main" Requires="a14">
+          <p:sp>
+            <p:nvSpPr>
+              <p:cNvPr id="3" name="文本框 2">
+                <a:extLst>
+                  <a:ext uri="{FF2B5EF4-FFF2-40B4-BE49-F238E27FC236}">
+                    <a16:creationId xmlns:a16="http://schemas.microsoft.com/office/drawing/2014/main" id="{894B4798-3BB4-475C-A7A2-ACB7BC239BE6}"/>
+                  </a:ext>
+                </a:extLst>
+              </p:cNvPr>
+              <p:cNvSpPr txBox="1"/>
+              <p:nvPr/>
+            </p:nvSpPr>
+            <p:spPr>
+              <a:xfrm rot="5400000">
+                <a:off x="5497748" y="1573062"/>
+                <a:ext cx="252571" cy="123111"/>
+              </a:xfrm>
+              <a:prstGeom prst="rect">
+                <a:avLst/>
+              </a:prstGeom>
+              <a:noFill/>
+            </p:spPr>
+            <p:txBody>
+              <a:bodyPr wrap="square" lIns="0" tIns="0" rIns="0" bIns="0" rtlCol="0">
+                <a:spAutoFit/>
+              </a:bodyPr>
+              <a:lstStyle/>
+              <a:p>
+                <a14:m>
+                  <m:oMathPara xmlns:m="http://schemas.openxmlformats.org/officeDocument/2006/math">
+                    <m:oMathParaPr>
+                      <m:jc m:val="centerGroup"/>
+                    </m:oMathParaPr>
+                    <m:oMath xmlns:m="http://schemas.openxmlformats.org/officeDocument/2006/math">
+                      <m:r>
+                        <a:rPr lang="en-US" altLang="zh-CN" sz="800" i="1" smtClean="0">
+                          <a:latin typeface="Cambria Math" panose="02040503050406030204" pitchFamily="18" charset="0"/>
+                          <a:ea typeface="Cambria Math" panose="02040503050406030204" pitchFamily="18" charset="0"/>
+                        </a:rPr>
+                        <m:t>=</m:t>
+                      </m:r>
+                    </m:oMath>
+                  </m:oMathPara>
+                </a14:m>
+                <a:endParaRPr lang="zh-CN" altLang="en-US" dirty="0"/>
+              </a:p>
+            </p:txBody>
+          </p:sp>
+        </mc:Choice>
+        <mc:Fallback>
+          <p:sp>
+            <p:nvSpPr>
+              <p:cNvPr id="3" name="文本框 2">
+                <a:extLst>
+                  <a:ext uri="{FF2B5EF4-FFF2-40B4-BE49-F238E27FC236}">
+                    <a16:creationId xmlns:a16="http://schemas.microsoft.com/office/drawing/2014/main" id="{894B4798-3BB4-475C-A7A2-ACB7BC239BE6}"/>
+                  </a:ext>
+                </a:extLst>
+              </p:cNvPr>
+              <p:cNvSpPr txBox="1">
+                <a:spLocks noRot="1" noChangeAspect="1" noMove="1" noResize="1" noEditPoints="1" noAdjustHandles="1" noChangeArrowheads="1" noChangeShapeType="1" noTextEdit="1"/>
+              </p:cNvSpPr>
+              <p:nvPr/>
+            </p:nvSpPr>
+            <p:spPr>
+              <a:xfrm rot="5400000">
+                <a:off x="5497748" y="1573062"/>
+                <a:ext cx="252571" cy="123111"/>
+              </a:xfrm>
+              <a:prstGeom prst="rect">
+                <a:avLst/>
+              </a:prstGeom>
+              <a:blipFill>
+                <a:blip r:embed="rId26"/>
+                <a:stretch>
+                  <a:fillRect/>
+                </a:stretch>
+              </a:blipFill>
+            </p:spPr>
+            <p:txBody>
+              <a:bodyPr/>
+              <a:lstStyle/>
+              <a:p>
+                <a:r>
+                  <a:rPr lang="zh-CN" altLang="en-US">
+                    <a:noFill/>
+                  </a:rPr>
+                  <a:t> </a:t>
+                </a:r>
+              </a:p>
+            </p:txBody>
+          </p:sp>
+        </mc:Fallback>
+      </mc:AlternateContent>
+      <mc:AlternateContent xmlns:mc="http://schemas.openxmlformats.org/markup-compatibility/2006">
+        <mc:Choice xmlns:a14="http://schemas.microsoft.com/office/drawing/2010/main" Requires="a14">
+          <p:sp>
+            <p:nvSpPr>
+              <p:cNvPr id="66" name="文本框 65">
+                <a:extLst>
+                  <a:ext uri="{FF2B5EF4-FFF2-40B4-BE49-F238E27FC236}">
+                    <a16:creationId xmlns:a16="http://schemas.microsoft.com/office/drawing/2014/main" id="{5277F31F-E77F-44DB-B9B7-0451707DA147}"/>
+                  </a:ext>
+                </a:extLst>
+              </p:cNvPr>
+              <p:cNvSpPr txBox="1"/>
+              <p:nvPr/>
+            </p:nvSpPr>
+            <p:spPr>
+              <a:xfrm>
+                <a:off x="5418464" y="1704145"/>
+                <a:ext cx="411138" cy="123111"/>
+              </a:xfrm>
+              <a:prstGeom prst="rect">
+                <a:avLst/>
+              </a:prstGeom>
+              <a:noFill/>
+            </p:spPr>
+            <p:txBody>
+              <a:bodyPr wrap="none" lIns="0" tIns="0" rIns="0" bIns="0" rtlCol="0">
+                <a:spAutoFit/>
+              </a:bodyPr>
+              <a:lstStyle/>
+              <a:p>
+                <a:pPr/>
+                <a14:m>
+                  <m:oMathPara xmlns:m="http://schemas.openxmlformats.org/officeDocument/2006/math">
+                    <m:oMathParaPr>
+                      <m:jc m:val="centerGroup"/>
+                    </m:oMathParaPr>
+                    <m:oMath xmlns:m="http://schemas.openxmlformats.org/officeDocument/2006/math">
+                      <m:r>
+                        <a:rPr lang="en-US" altLang="zh-CN" sz="800" b="0" i="1" smtClean="0">
+                          <a:latin typeface="Cambria Math" panose="02040503050406030204" pitchFamily="18" charset="0"/>
+                          <a:ea typeface="Cambria Math" panose="02040503050406030204" pitchFamily="18" charset="0"/>
+                        </a:rPr>
+                        <m:t>2(</m:t>
+                      </m:r>
+                      <m:r>
+                        <a:rPr lang="en-US" altLang="zh-CN" sz="800" b="0" i="1" smtClean="0">
+                          <a:latin typeface="Cambria Math" panose="02040503050406030204" pitchFamily="18" charset="0"/>
+                          <a:ea typeface="Cambria Math" panose="02040503050406030204" pitchFamily="18" charset="0"/>
+                        </a:rPr>
+                        <m:t>𝑥</m:t>
+                      </m:r>
+                      <m:r>
+                        <a:rPr lang="en-US" altLang="zh-CN" sz="800" b="0" i="1" smtClean="0">
+                          <a:latin typeface="Cambria Math" panose="02040503050406030204" pitchFamily="18" charset="0"/>
+                          <a:ea typeface="Cambria Math" panose="02040503050406030204" pitchFamily="18" charset="0"/>
+                        </a:rPr>
+                        <m:t>+</m:t>
+                      </m:r>
+                      <m:r>
+                        <a:rPr lang="en-US" altLang="zh-CN" sz="800" b="0" i="1" smtClean="0">
+                          <a:latin typeface="Cambria Math" panose="02040503050406030204" pitchFamily="18" charset="0"/>
+                          <a:ea typeface="Cambria Math" panose="02040503050406030204" pitchFamily="18" charset="0"/>
+                        </a:rPr>
+                        <m:t>𝑦</m:t>
+                      </m:r>
+                      <m:r>
+                        <a:rPr lang="en-US" altLang="zh-CN" sz="800" b="0" i="1" smtClean="0">
+                          <a:latin typeface="Cambria Math" panose="02040503050406030204" pitchFamily="18" charset="0"/>
+                          <a:ea typeface="Cambria Math" panose="02040503050406030204" pitchFamily="18" charset="0"/>
+                        </a:rPr>
+                        <m:t>)</m:t>
+                      </m:r>
+                    </m:oMath>
+                  </m:oMathPara>
+                </a14:m>
+                <a:endParaRPr lang="en-US" altLang="zh-CN" sz="800" b="0" dirty="0">
+                  <a:ea typeface="Cambria Math" panose="02040503050406030204" pitchFamily="18" charset="0"/>
+                </a:endParaRPr>
+              </a:p>
+            </p:txBody>
+          </p:sp>
+        </mc:Choice>
+        <mc:Fallback>
+          <p:sp>
+            <p:nvSpPr>
+              <p:cNvPr id="66" name="文本框 65">
+                <a:extLst>
+                  <a:ext uri="{FF2B5EF4-FFF2-40B4-BE49-F238E27FC236}">
+                    <a16:creationId xmlns:a16="http://schemas.microsoft.com/office/drawing/2014/main" id="{5277F31F-E77F-44DB-B9B7-0451707DA147}"/>
+                  </a:ext>
+                </a:extLst>
+              </p:cNvPr>
+              <p:cNvSpPr txBox="1">
+                <a:spLocks noRot="1" noChangeAspect="1" noMove="1" noResize="1" noEditPoints="1" noAdjustHandles="1" noChangeArrowheads="1" noChangeShapeType="1" noTextEdit="1"/>
+              </p:cNvSpPr>
+              <p:nvPr/>
+            </p:nvSpPr>
+            <p:spPr>
+              <a:xfrm>
+                <a:off x="5418464" y="1704145"/>
+                <a:ext cx="411138" cy="123111"/>
+              </a:xfrm>
+              <a:prstGeom prst="rect">
+                <a:avLst/>
+              </a:prstGeom>
+              <a:blipFill>
+                <a:blip r:embed="rId27"/>
+                <a:stretch>
+                  <a:fillRect l="-4478" t="-5000" r="-8955" b="-40000"/>
                 </a:stretch>
               </a:blipFill>
             </p:spPr>

--- a/back_up_images/矢量图片.pptx
+++ b/back_up_images/矢量图片.pptx
@@ -218,7 +218,7 @@
           <a:p>
             <a:fld id="{3C7B4C04-3ED7-48CA-BB0C-33AE8D501C43}" type="datetimeFigureOut">
               <a:rPr lang="zh-CN" altLang="en-US" smtClean="0"/>
-              <a:t>2019/12/16</a:t>
+              <a:t>2019/12/17</a:t>
             </a:fld>
             <a:endParaRPr lang="zh-CN" altLang="en-US"/>
           </a:p>
@@ -1336,7 +1336,7 @@
           <a:p>
             <a:fld id="{DBC79F21-86C7-4C96-8B86-0DACC1911D43}" type="datetimeFigureOut">
               <a:rPr lang="zh-CN" altLang="en-US" smtClean="0"/>
-              <a:t>2019/12/16</a:t>
+              <a:t>2019/12/17</a:t>
             </a:fld>
             <a:endParaRPr lang="zh-CN" altLang="en-US"/>
           </a:p>
@@ -1534,7 +1534,7 @@
           <a:p>
             <a:fld id="{DBC79F21-86C7-4C96-8B86-0DACC1911D43}" type="datetimeFigureOut">
               <a:rPr lang="zh-CN" altLang="en-US" smtClean="0"/>
-              <a:t>2019/12/16</a:t>
+              <a:t>2019/12/17</a:t>
             </a:fld>
             <a:endParaRPr lang="zh-CN" altLang="en-US"/>
           </a:p>
@@ -1742,7 +1742,7 @@
           <a:p>
             <a:fld id="{DBC79F21-86C7-4C96-8B86-0DACC1911D43}" type="datetimeFigureOut">
               <a:rPr lang="zh-CN" altLang="en-US" smtClean="0"/>
-              <a:t>2019/12/16</a:t>
+              <a:t>2019/12/17</a:t>
             </a:fld>
             <a:endParaRPr lang="zh-CN" altLang="en-US"/>
           </a:p>
@@ -1940,7 +1940,7 @@
           <a:p>
             <a:fld id="{DBC79F21-86C7-4C96-8B86-0DACC1911D43}" type="datetimeFigureOut">
               <a:rPr lang="zh-CN" altLang="en-US" smtClean="0"/>
-              <a:t>2019/12/16</a:t>
+              <a:t>2019/12/17</a:t>
             </a:fld>
             <a:endParaRPr lang="zh-CN" altLang="en-US"/>
           </a:p>
@@ -2215,7 +2215,7 @@
           <a:p>
             <a:fld id="{DBC79F21-86C7-4C96-8B86-0DACC1911D43}" type="datetimeFigureOut">
               <a:rPr lang="zh-CN" altLang="en-US" smtClean="0"/>
-              <a:t>2019/12/16</a:t>
+              <a:t>2019/12/17</a:t>
             </a:fld>
             <a:endParaRPr lang="zh-CN" altLang="en-US"/>
           </a:p>
@@ -2480,7 +2480,7 @@
           <a:p>
             <a:fld id="{DBC79F21-86C7-4C96-8B86-0DACC1911D43}" type="datetimeFigureOut">
               <a:rPr lang="zh-CN" altLang="en-US" smtClean="0"/>
-              <a:t>2019/12/16</a:t>
+              <a:t>2019/12/17</a:t>
             </a:fld>
             <a:endParaRPr lang="zh-CN" altLang="en-US"/>
           </a:p>
@@ -2892,7 +2892,7 @@
           <a:p>
             <a:fld id="{DBC79F21-86C7-4C96-8B86-0DACC1911D43}" type="datetimeFigureOut">
               <a:rPr lang="zh-CN" altLang="en-US" smtClean="0"/>
-              <a:t>2019/12/16</a:t>
+              <a:t>2019/12/17</a:t>
             </a:fld>
             <a:endParaRPr lang="zh-CN" altLang="en-US"/>
           </a:p>
@@ -3033,7 +3033,7 @@
           <a:p>
             <a:fld id="{DBC79F21-86C7-4C96-8B86-0DACC1911D43}" type="datetimeFigureOut">
               <a:rPr lang="zh-CN" altLang="en-US" smtClean="0"/>
-              <a:t>2019/12/16</a:t>
+              <a:t>2019/12/17</a:t>
             </a:fld>
             <a:endParaRPr lang="zh-CN" altLang="en-US"/>
           </a:p>
@@ -3146,7 +3146,7 @@
           <a:p>
             <a:fld id="{DBC79F21-86C7-4C96-8B86-0DACC1911D43}" type="datetimeFigureOut">
               <a:rPr lang="zh-CN" altLang="en-US" smtClean="0"/>
-              <a:t>2019/12/16</a:t>
+              <a:t>2019/12/17</a:t>
             </a:fld>
             <a:endParaRPr lang="zh-CN" altLang="en-US"/>
           </a:p>
@@ -3457,7 +3457,7 @@
           <a:p>
             <a:fld id="{DBC79F21-86C7-4C96-8B86-0DACC1911D43}" type="datetimeFigureOut">
               <a:rPr lang="zh-CN" altLang="en-US" smtClean="0"/>
-              <a:t>2019/12/16</a:t>
+              <a:t>2019/12/17</a:t>
             </a:fld>
             <a:endParaRPr lang="zh-CN" altLang="en-US"/>
           </a:p>
@@ -3745,7 +3745,7 @@
           <a:p>
             <a:fld id="{DBC79F21-86C7-4C96-8B86-0DACC1911D43}" type="datetimeFigureOut">
               <a:rPr lang="zh-CN" altLang="en-US" smtClean="0"/>
-              <a:t>2019/12/16</a:t>
+              <a:t>2019/12/17</a:t>
             </a:fld>
             <a:endParaRPr lang="zh-CN" altLang="en-US"/>
           </a:p>
@@ -3986,7 +3986,7 @@
           <a:p>
             <a:fld id="{DBC79F21-86C7-4C96-8B86-0DACC1911D43}" type="datetimeFigureOut">
               <a:rPr lang="zh-CN" altLang="en-US" smtClean="0"/>
-              <a:t>2019/12/16</a:t>
+              <a:t>2019/12/17</a:t>
             </a:fld>
             <a:endParaRPr lang="zh-CN" altLang="en-US"/>
           </a:p>
@@ -4639,8 +4639,8 @@
           </a:fontRef>
         </p:style>
       </p:cxnSp>
-      <mc:AlternateContent xmlns:mc="http://schemas.openxmlformats.org/markup-compatibility/2006">
-        <mc:Choice xmlns:a14="http://schemas.microsoft.com/office/drawing/2010/main" Requires="a14">
+      <mc:AlternateContent xmlns:mc="http://schemas.openxmlformats.org/markup-compatibility/2006" xmlns:a14="http://schemas.microsoft.com/office/drawing/2010/main">
+        <mc:Choice Requires="a14">
           <p:sp>
             <p:nvSpPr>
               <p:cNvPr id="5" name="文本框 4">
@@ -4690,7 +4690,7 @@
             </p:txBody>
           </p:sp>
         </mc:Choice>
-        <mc:Fallback>
+        <mc:Fallback xmlns="">
           <p:sp>
             <p:nvSpPr>
               <p:cNvPr id="5" name="文本框 4">
@@ -4735,8 +4735,8 @@
           </p:sp>
         </mc:Fallback>
       </mc:AlternateContent>
-      <mc:AlternateContent xmlns:mc="http://schemas.openxmlformats.org/markup-compatibility/2006">
-        <mc:Choice xmlns:a14="http://schemas.microsoft.com/office/drawing/2010/main" Requires="a14">
+      <mc:AlternateContent xmlns:mc="http://schemas.openxmlformats.org/markup-compatibility/2006" xmlns:a14="http://schemas.microsoft.com/office/drawing/2010/main">
+        <mc:Choice Requires="a14">
           <p:sp>
             <p:nvSpPr>
               <p:cNvPr id="8" name="文本框 7">
@@ -4786,7 +4786,7 @@
             </p:txBody>
           </p:sp>
         </mc:Choice>
-        <mc:Fallback>
+        <mc:Fallback xmlns="">
           <p:sp>
             <p:nvSpPr>
               <p:cNvPr id="8" name="文本框 7">
@@ -4831,8 +4831,8 @@
           </p:sp>
         </mc:Fallback>
       </mc:AlternateContent>
-      <mc:AlternateContent xmlns:mc="http://schemas.openxmlformats.org/markup-compatibility/2006">
-        <mc:Choice xmlns:a14="http://schemas.microsoft.com/office/drawing/2010/main" Requires="a14">
+      <mc:AlternateContent xmlns:mc="http://schemas.openxmlformats.org/markup-compatibility/2006" xmlns:a14="http://schemas.microsoft.com/office/drawing/2010/main">
+        <mc:Choice Requires="a14">
           <p:sp>
             <p:nvSpPr>
               <p:cNvPr id="10" name="文本框 9">
@@ -4882,7 +4882,7 @@
             </p:txBody>
           </p:sp>
         </mc:Choice>
-        <mc:Fallback>
+        <mc:Fallback xmlns="">
           <p:sp>
             <p:nvSpPr>
               <p:cNvPr id="10" name="文本框 9">
@@ -4975,8 +4975,8 @@
           </a:fontRef>
         </p:style>
       </p:cxnSp>
-      <mc:AlternateContent xmlns:mc="http://schemas.openxmlformats.org/markup-compatibility/2006">
-        <mc:Choice xmlns:a14="http://schemas.microsoft.com/office/drawing/2010/main" Requires="a14">
+      <mc:AlternateContent xmlns:mc="http://schemas.openxmlformats.org/markup-compatibility/2006" xmlns:a14="http://schemas.microsoft.com/office/drawing/2010/main">
+        <mc:Choice Requires="a14">
           <p:sp>
             <p:nvSpPr>
               <p:cNvPr id="18" name="文本框 17">
@@ -5026,7 +5026,7 @@
             </p:txBody>
           </p:sp>
         </mc:Choice>
-        <mc:Fallback>
+        <mc:Fallback xmlns="">
           <p:sp>
             <p:nvSpPr>
               <p:cNvPr id="18" name="文本框 17">
@@ -5125,8 +5125,8 @@
           </a:p>
         </p:txBody>
       </p:sp>
-      <mc:AlternateContent xmlns:mc="http://schemas.openxmlformats.org/markup-compatibility/2006">
-        <mc:Choice xmlns:a14="http://schemas.microsoft.com/office/drawing/2010/main" Requires="a14">
+      <mc:AlternateContent xmlns:mc="http://schemas.openxmlformats.org/markup-compatibility/2006" xmlns:a14="http://schemas.microsoft.com/office/drawing/2010/main">
+        <mc:Choice Requires="a14">
           <p:sp>
             <p:nvSpPr>
               <p:cNvPr id="25" name="文本框 24">
@@ -5176,7 +5176,7 @@
             </p:txBody>
           </p:sp>
         </mc:Choice>
-        <mc:Fallback>
+        <mc:Fallback xmlns="">
           <p:sp>
             <p:nvSpPr>
               <p:cNvPr id="25" name="文本框 24">
@@ -5365,8 +5365,8 @@
           </a:fontRef>
         </p:style>
       </p:cxnSp>
-      <mc:AlternateContent xmlns:mc="http://schemas.openxmlformats.org/markup-compatibility/2006">
-        <mc:Choice xmlns:a14="http://schemas.microsoft.com/office/drawing/2010/main" Requires="a14">
+      <mc:AlternateContent xmlns:mc="http://schemas.openxmlformats.org/markup-compatibility/2006" xmlns:a14="http://schemas.microsoft.com/office/drawing/2010/main">
+        <mc:Choice Requires="a14">
           <p:sp>
             <p:nvSpPr>
               <p:cNvPr id="46" name="文本框 45">
@@ -5447,7 +5447,7 @@
             </p:txBody>
           </p:sp>
         </mc:Choice>
-        <mc:Fallback>
+        <mc:Fallback xmlns="">
           <p:sp>
             <p:nvSpPr>
               <p:cNvPr id="46" name="文本框 45">
@@ -5492,8 +5492,8 @@
           </p:sp>
         </mc:Fallback>
       </mc:AlternateContent>
-      <mc:AlternateContent xmlns:mc="http://schemas.openxmlformats.org/markup-compatibility/2006">
-        <mc:Choice xmlns:a14="http://schemas.microsoft.com/office/drawing/2010/main" Requires="a14">
+      <mc:AlternateContent xmlns:mc="http://schemas.openxmlformats.org/markup-compatibility/2006" xmlns:a14="http://schemas.microsoft.com/office/drawing/2010/main">
+        <mc:Choice Requires="a14">
           <p:sp>
             <p:nvSpPr>
               <p:cNvPr id="47" name="文本框 46">
@@ -5588,7 +5588,7 @@
             </p:txBody>
           </p:sp>
         </mc:Choice>
-        <mc:Fallback>
+        <mc:Fallback xmlns="">
           <p:sp>
             <p:nvSpPr>
               <p:cNvPr id="47" name="文本框 46">
@@ -5633,8 +5633,8 @@
           </p:sp>
         </mc:Fallback>
       </mc:AlternateContent>
-      <mc:AlternateContent xmlns:mc="http://schemas.openxmlformats.org/markup-compatibility/2006">
-        <mc:Choice xmlns:a14="http://schemas.microsoft.com/office/drawing/2010/main" Requires="a14">
+      <mc:AlternateContent xmlns:mc="http://schemas.openxmlformats.org/markup-compatibility/2006" xmlns:a14="http://schemas.microsoft.com/office/drawing/2010/main">
+        <mc:Choice Requires="a14">
           <p:sp>
             <p:nvSpPr>
               <p:cNvPr id="48" name="文本框 47">
@@ -5729,7 +5729,7 @@
             </p:txBody>
           </p:sp>
         </mc:Choice>
-        <mc:Fallback>
+        <mc:Fallback xmlns="">
           <p:sp>
             <p:nvSpPr>
               <p:cNvPr id="48" name="文本框 47">
@@ -5925,8 +5925,8 @@
           </a:fontRef>
         </p:style>
       </p:cxnSp>
-      <mc:AlternateContent xmlns:mc="http://schemas.openxmlformats.org/markup-compatibility/2006">
-        <mc:Choice xmlns:a14="http://schemas.microsoft.com/office/drawing/2010/main" Requires="a14">
+      <mc:AlternateContent xmlns:mc="http://schemas.openxmlformats.org/markup-compatibility/2006" xmlns:a14="http://schemas.microsoft.com/office/drawing/2010/main">
+        <mc:Choice Requires="a14">
           <p:sp>
             <p:nvSpPr>
               <p:cNvPr id="55" name="文本框 54">
@@ -5976,7 +5976,7 @@
             </p:txBody>
           </p:sp>
         </mc:Choice>
-        <mc:Fallback>
+        <mc:Fallback xmlns="">
           <p:sp>
             <p:nvSpPr>
               <p:cNvPr id="55" name="文本框 54">
@@ -6021,8 +6021,8 @@
           </p:sp>
         </mc:Fallback>
       </mc:AlternateContent>
-      <mc:AlternateContent xmlns:mc="http://schemas.openxmlformats.org/markup-compatibility/2006">
-        <mc:Choice xmlns:a14="http://schemas.microsoft.com/office/drawing/2010/main" Requires="a14">
+      <mc:AlternateContent xmlns:mc="http://schemas.openxmlformats.org/markup-compatibility/2006" xmlns:a14="http://schemas.microsoft.com/office/drawing/2010/main">
+        <mc:Choice Requires="a14">
           <p:sp>
             <p:nvSpPr>
               <p:cNvPr id="56" name="文本框 55">
@@ -6072,7 +6072,7 @@
             </p:txBody>
           </p:sp>
         </mc:Choice>
-        <mc:Fallback>
+        <mc:Fallback xmlns="">
           <p:sp>
             <p:nvSpPr>
               <p:cNvPr id="56" name="文本框 55">
@@ -6117,8 +6117,8 @@
           </p:sp>
         </mc:Fallback>
       </mc:AlternateContent>
-      <mc:AlternateContent xmlns:mc="http://schemas.openxmlformats.org/markup-compatibility/2006">
-        <mc:Choice xmlns:a14="http://schemas.microsoft.com/office/drawing/2010/main" Requires="a14">
+      <mc:AlternateContent xmlns:mc="http://schemas.openxmlformats.org/markup-compatibility/2006" xmlns:a14="http://schemas.microsoft.com/office/drawing/2010/main">
+        <mc:Choice Requires="a14">
           <p:sp>
             <p:nvSpPr>
               <p:cNvPr id="57" name="文本框 56">
@@ -6168,7 +6168,7 @@
             </p:txBody>
           </p:sp>
         </mc:Choice>
-        <mc:Fallback>
+        <mc:Fallback xmlns="">
           <p:sp>
             <p:nvSpPr>
               <p:cNvPr id="57" name="文本框 56">
@@ -6261,8 +6261,8 @@
           </a:fontRef>
         </p:style>
       </p:cxnSp>
-      <mc:AlternateContent xmlns:mc="http://schemas.openxmlformats.org/markup-compatibility/2006">
-        <mc:Choice xmlns:a14="http://schemas.microsoft.com/office/drawing/2010/main" Requires="a14">
+      <mc:AlternateContent xmlns:mc="http://schemas.openxmlformats.org/markup-compatibility/2006" xmlns:a14="http://schemas.microsoft.com/office/drawing/2010/main">
+        <mc:Choice Requires="a14">
           <p:sp>
             <p:nvSpPr>
               <p:cNvPr id="59" name="文本框 58">
@@ -6312,7 +6312,7 @@
             </p:txBody>
           </p:sp>
         </mc:Choice>
-        <mc:Fallback>
+        <mc:Fallback xmlns="">
           <p:sp>
             <p:nvSpPr>
               <p:cNvPr id="59" name="文本框 58">
@@ -6664,8 +6664,8 @@
           </a:p>
         </p:txBody>
       </p:sp>
-      <mc:AlternateContent xmlns:mc="http://schemas.openxmlformats.org/markup-compatibility/2006">
-        <mc:Choice xmlns:a14="http://schemas.microsoft.com/office/drawing/2010/main" Requires="a14">
+      <mc:AlternateContent xmlns:mc="http://schemas.openxmlformats.org/markup-compatibility/2006" xmlns:a14="http://schemas.microsoft.com/office/drawing/2010/main">
+        <mc:Choice Requires="a14">
           <p:sp>
             <p:nvSpPr>
               <p:cNvPr id="71" name="文本框 70">
@@ -6715,7 +6715,7 @@
             </p:txBody>
           </p:sp>
         </mc:Choice>
-        <mc:Fallback>
+        <mc:Fallback xmlns="">
           <p:sp>
             <p:nvSpPr>
               <p:cNvPr id="71" name="文本框 70">
@@ -6742,6 +6742,3778 @@
                 <a:blip r:embed="rId10"/>
                 <a:stretch>
                   <a:fillRect l="-28571" r="-21429" b="-10000"/>
+                </a:stretch>
+              </a:blipFill>
+            </p:spPr>
+            <p:txBody>
+              <a:bodyPr/>
+              <a:lstStyle/>
+              <a:p>
+                <a:r>
+                  <a:rPr lang="zh-CN" altLang="en-US">
+                    <a:noFill/>
+                  </a:rPr>
+                  <a:t> </a:t>
+                </a:r>
+              </a:p>
+            </p:txBody>
+          </p:sp>
+        </mc:Fallback>
+      </mc:AlternateContent>
+      <p:sp>
+        <p:nvSpPr>
+          <p:cNvPr id="34" name="椭圆 33">
+            <a:extLst>
+              <a:ext uri="{FF2B5EF4-FFF2-40B4-BE49-F238E27FC236}">
+                <a16:creationId xmlns:a16="http://schemas.microsoft.com/office/drawing/2014/main" id="{B9DB8E42-ED2D-4EE3-96D9-79F352BEEF72}"/>
+              </a:ext>
+            </a:extLst>
+          </p:cNvPr>
+          <p:cNvSpPr/>
+          <p:nvPr/>
+        </p:nvSpPr>
+        <p:spPr>
+          <a:xfrm>
+            <a:off x="5232254" y="352253"/>
+            <a:ext cx="168118" cy="168118"/>
+          </a:xfrm>
+          <a:prstGeom prst="ellipse">
+            <a:avLst/>
+          </a:prstGeom>
+          <a:solidFill>
+            <a:schemeClr val="bg1"/>
+          </a:solidFill>
+          <a:ln>
+            <a:solidFill>
+              <a:schemeClr val="tx1"/>
+            </a:solidFill>
+          </a:ln>
+        </p:spPr>
+        <p:style>
+          <a:lnRef idx="2">
+            <a:schemeClr val="accent1">
+              <a:shade val="50000"/>
+            </a:schemeClr>
+          </a:lnRef>
+          <a:fillRef idx="1">
+            <a:schemeClr val="accent1"/>
+          </a:fillRef>
+          <a:effectRef idx="0">
+            <a:schemeClr val="accent1"/>
+          </a:effectRef>
+          <a:fontRef idx="minor">
+            <a:schemeClr val="lt1"/>
+          </a:fontRef>
+        </p:style>
+        <p:txBody>
+          <a:bodyPr rtlCol="0" anchor="ctr"/>
+          <a:lstStyle/>
+          <a:p>
+            <a:pPr algn="ctr"/>
+            <a:endParaRPr lang="zh-CN" altLang="en-US"/>
+          </a:p>
+        </p:txBody>
+      </p:sp>
+      <p:cxnSp>
+        <p:nvCxnSpPr>
+          <p:cNvPr id="35" name="直接箭头连接符 34">
+            <a:extLst>
+              <a:ext uri="{FF2B5EF4-FFF2-40B4-BE49-F238E27FC236}">
+                <a16:creationId xmlns:a16="http://schemas.microsoft.com/office/drawing/2014/main" id="{DD53D918-E2B5-406B-B31F-407C76AD98CD}"/>
+              </a:ext>
+            </a:extLst>
+          </p:cNvPr>
+          <p:cNvCxnSpPr>
+            <a:cxnSpLocks/>
+            <a:endCxn id="34" idx="2"/>
+          </p:cNvCxnSpPr>
+          <p:nvPr/>
+        </p:nvCxnSpPr>
+        <p:spPr>
+          <a:xfrm>
+            <a:off x="4958514" y="178984"/>
+            <a:ext cx="273740" cy="257328"/>
+          </a:xfrm>
+          <a:prstGeom prst="straightConnector1">
+            <a:avLst/>
+          </a:prstGeom>
+          <a:ln w="9525" cap="flat" cmpd="sng" algn="ctr">
+            <a:solidFill>
+              <a:schemeClr val="accent3"/>
+            </a:solidFill>
+            <a:prstDash val="solid"/>
+            <a:round/>
+            <a:headEnd type="none" w="med" len="med"/>
+            <a:tailEnd type="arrow" w="med" len="med"/>
+          </a:ln>
+        </p:spPr>
+        <p:style>
+          <a:lnRef idx="0">
+            <a:scrgbClr r="0" g="0" b="0"/>
+          </a:lnRef>
+          <a:fillRef idx="0">
+            <a:scrgbClr r="0" g="0" b="0"/>
+          </a:fillRef>
+          <a:effectRef idx="0">
+            <a:scrgbClr r="0" g="0" b="0"/>
+          </a:effectRef>
+          <a:fontRef idx="minor">
+            <a:schemeClr val="tx1"/>
+          </a:fontRef>
+        </p:style>
+      </p:cxnSp>
+      <p:cxnSp>
+        <p:nvCxnSpPr>
+          <p:cNvPr id="36" name="直接箭头连接符 35">
+            <a:extLst>
+              <a:ext uri="{FF2B5EF4-FFF2-40B4-BE49-F238E27FC236}">
+                <a16:creationId xmlns:a16="http://schemas.microsoft.com/office/drawing/2014/main" id="{7DF085CB-F3D5-496D-95B9-D72A9D88DDE5}"/>
+              </a:ext>
+            </a:extLst>
+          </p:cNvPr>
+          <p:cNvCxnSpPr>
+            <a:cxnSpLocks/>
+            <a:stCxn id="34" idx="6"/>
+          </p:cNvCxnSpPr>
+          <p:nvPr/>
+        </p:nvCxnSpPr>
+        <p:spPr>
+          <a:xfrm>
+            <a:off x="5400372" y="436312"/>
+            <a:ext cx="331023" cy="0"/>
+          </a:xfrm>
+          <a:prstGeom prst="straightConnector1">
+            <a:avLst/>
+          </a:prstGeom>
+          <a:ln w="9525" cap="flat" cmpd="sng" algn="ctr">
+            <a:solidFill>
+              <a:schemeClr val="accent3"/>
+            </a:solidFill>
+            <a:prstDash val="solid"/>
+            <a:round/>
+            <a:headEnd type="none" w="med" len="med"/>
+            <a:tailEnd type="arrow" w="med" len="med"/>
+          </a:ln>
+        </p:spPr>
+        <p:style>
+          <a:lnRef idx="0">
+            <a:scrgbClr r="0" g="0" b="0"/>
+          </a:lnRef>
+          <a:fillRef idx="0">
+            <a:scrgbClr r="0" g="0" b="0"/>
+          </a:fillRef>
+          <a:effectRef idx="0">
+            <a:scrgbClr r="0" g="0" b="0"/>
+          </a:effectRef>
+          <a:fontRef idx="minor">
+            <a:schemeClr val="tx1"/>
+          </a:fontRef>
+        </p:style>
+      </p:cxnSp>
+      <mc:AlternateContent xmlns:mc="http://schemas.openxmlformats.org/markup-compatibility/2006">
+        <mc:Choice xmlns:a14="http://schemas.microsoft.com/office/drawing/2010/main" Requires="a14">
+          <p:sp>
+            <p:nvSpPr>
+              <p:cNvPr id="37" name="文本框 36">
+                <a:extLst>
+                  <a:ext uri="{FF2B5EF4-FFF2-40B4-BE49-F238E27FC236}">
+                    <a16:creationId xmlns:a16="http://schemas.microsoft.com/office/drawing/2014/main" id="{A86B16C2-68DA-4F2F-B6CE-362BA66048E1}"/>
+                  </a:ext>
+                </a:extLst>
+              </p:cNvPr>
+              <p:cNvSpPr txBox="1"/>
+              <p:nvPr/>
+            </p:nvSpPr>
+            <p:spPr>
+              <a:xfrm>
+                <a:off x="5117956" y="365591"/>
+                <a:ext cx="396876" cy="123111"/>
+              </a:xfrm>
+              <a:prstGeom prst="rect">
+                <a:avLst/>
+              </a:prstGeom>
+              <a:noFill/>
+            </p:spPr>
+            <p:txBody>
+              <a:bodyPr wrap="square" lIns="0" tIns="0" rIns="0" bIns="0" rtlCol="0">
+                <a:spAutoFit/>
+              </a:bodyPr>
+              <a:lstStyle/>
+              <a:p>
+                <a:pPr/>
+                <a14:m>
+                  <m:oMathPara xmlns:m="http://schemas.openxmlformats.org/officeDocument/2006/math">
+                    <m:oMathParaPr>
+                      <m:jc m:val="centerGroup"/>
+                    </m:oMathParaPr>
+                    <m:oMath xmlns:m="http://schemas.openxmlformats.org/officeDocument/2006/math">
+                      <m:r>
+                        <a:rPr lang="en-US" altLang="zh-CN" sz="800" b="0" i="1" smtClean="0">
+                          <a:latin typeface="Cambria Math" panose="02040503050406030204" pitchFamily="18" charset="0"/>
+                        </a:rPr>
+                        <m:t>+</m:t>
+                      </m:r>
+                    </m:oMath>
+                  </m:oMathPara>
+                </a14:m>
+                <a:endParaRPr lang="zh-CN" altLang="en-US" sz="1400" dirty="0"/>
+              </a:p>
+            </p:txBody>
+          </p:sp>
+        </mc:Choice>
+        <mc:Fallback>
+          <p:sp>
+            <p:nvSpPr>
+              <p:cNvPr id="37" name="文本框 36">
+                <a:extLst>
+                  <a:ext uri="{FF2B5EF4-FFF2-40B4-BE49-F238E27FC236}">
+                    <a16:creationId xmlns:a16="http://schemas.microsoft.com/office/drawing/2014/main" id="{A86B16C2-68DA-4F2F-B6CE-362BA66048E1}"/>
+                  </a:ext>
+                </a:extLst>
+              </p:cNvPr>
+              <p:cNvSpPr txBox="1">
+                <a:spLocks noRot="1" noChangeAspect="1" noMove="1" noResize="1" noEditPoints="1" noAdjustHandles="1" noChangeArrowheads="1" noChangeShapeType="1" noTextEdit="1"/>
+              </p:cNvSpPr>
+              <p:nvPr/>
+            </p:nvSpPr>
+            <p:spPr>
+              <a:xfrm>
+                <a:off x="5117956" y="365591"/>
+                <a:ext cx="396876" cy="123111"/>
+              </a:xfrm>
+              <a:prstGeom prst="rect">
+                <a:avLst/>
+              </a:prstGeom>
+              <a:blipFill>
+                <a:blip r:embed="rId11"/>
+                <a:stretch>
+                  <a:fillRect b="-15000"/>
+                </a:stretch>
+              </a:blipFill>
+            </p:spPr>
+            <p:txBody>
+              <a:bodyPr/>
+              <a:lstStyle/>
+              <a:p>
+                <a:r>
+                  <a:rPr lang="zh-CN" altLang="en-US">
+                    <a:noFill/>
+                  </a:rPr>
+                  <a:t> </a:t>
+                </a:r>
+              </a:p>
+            </p:txBody>
+          </p:sp>
+        </mc:Fallback>
+      </mc:AlternateContent>
+      <mc:AlternateContent xmlns:mc="http://schemas.openxmlformats.org/markup-compatibility/2006">
+        <mc:Choice xmlns:a14="http://schemas.microsoft.com/office/drawing/2010/main" Requires="a14">
+          <p:sp>
+            <p:nvSpPr>
+              <p:cNvPr id="38" name="文本框 37">
+                <a:extLst>
+                  <a:ext uri="{FF2B5EF4-FFF2-40B4-BE49-F238E27FC236}">
+                    <a16:creationId xmlns:a16="http://schemas.microsoft.com/office/drawing/2014/main" id="{D5106427-6C7F-41D8-8F0D-306FC8B1A5EC}"/>
+                  </a:ext>
+                </a:extLst>
+              </p:cNvPr>
+              <p:cNvSpPr txBox="1"/>
+              <p:nvPr/>
+            </p:nvSpPr>
+            <p:spPr>
+              <a:xfrm>
+                <a:off x="5038909" y="127955"/>
+                <a:ext cx="141064" cy="123111"/>
+              </a:xfrm>
+              <a:prstGeom prst="rect">
+                <a:avLst/>
+              </a:prstGeom>
+              <a:noFill/>
+            </p:spPr>
+            <p:txBody>
+              <a:bodyPr wrap="none" lIns="0" tIns="0" rIns="0" bIns="0" rtlCol="0">
+                <a:spAutoFit/>
+              </a:bodyPr>
+              <a:lstStyle/>
+              <a:p>
+                <a:pPr/>
+                <a14:m>
+                  <m:oMathPara xmlns:m="http://schemas.openxmlformats.org/officeDocument/2006/math">
+                    <m:oMathParaPr>
+                      <m:jc m:val="centerGroup"/>
+                    </m:oMathParaPr>
+                    <m:oMath xmlns:m="http://schemas.openxmlformats.org/officeDocument/2006/math">
+                      <m:r>
+                        <a:rPr lang="en-US" altLang="zh-CN" sz="800" i="1">
+                          <a:latin typeface="Cambria Math" panose="02040503050406030204" pitchFamily="18" charset="0"/>
+                        </a:rPr>
+                        <m:t>1</m:t>
+                      </m:r>
+                      <m:r>
+                        <a:rPr lang="en-US" altLang="zh-CN" sz="800" i="1" smtClean="0">
+                          <a:latin typeface="Cambria Math" panose="02040503050406030204" pitchFamily="18" charset="0"/>
+                        </a:rPr>
+                        <m:t>0</m:t>
+                      </m:r>
+                    </m:oMath>
+                  </m:oMathPara>
+                </a14:m>
+                <a:endParaRPr lang="zh-CN" altLang="en-US" sz="800" dirty="0"/>
+              </a:p>
+            </p:txBody>
+          </p:sp>
+        </mc:Choice>
+        <mc:Fallback>
+          <p:sp>
+            <p:nvSpPr>
+              <p:cNvPr id="38" name="文本框 37">
+                <a:extLst>
+                  <a:ext uri="{FF2B5EF4-FFF2-40B4-BE49-F238E27FC236}">
+                    <a16:creationId xmlns:a16="http://schemas.microsoft.com/office/drawing/2014/main" id="{D5106427-6C7F-41D8-8F0D-306FC8B1A5EC}"/>
+                  </a:ext>
+                </a:extLst>
+              </p:cNvPr>
+              <p:cNvSpPr txBox="1">
+                <a:spLocks noRot="1" noChangeAspect="1" noMove="1" noResize="1" noEditPoints="1" noAdjustHandles="1" noChangeArrowheads="1" noChangeShapeType="1" noTextEdit="1"/>
+              </p:cNvSpPr>
+              <p:nvPr/>
+            </p:nvSpPr>
+            <p:spPr>
+              <a:xfrm>
+                <a:off x="5038909" y="127955"/>
+                <a:ext cx="141064" cy="123111"/>
+              </a:xfrm>
+              <a:prstGeom prst="rect">
+                <a:avLst/>
+              </a:prstGeom>
+              <a:blipFill>
+                <a:blip r:embed="rId12"/>
+                <a:stretch>
+                  <a:fillRect l="-17391" r="-13043" b="-10000"/>
+                </a:stretch>
+              </a:blipFill>
+            </p:spPr>
+            <p:txBody>
+              <a:bodyPr/>
+              <a:lstStyle/>
+              <a:p>
+                <a:r>
+                  <a:rPr lang="zh-CN" altLang="en-US">
+                    <a:noFill/>
+                  </a:rPr>
+                  <a:t> </a:t>
+                </a:r>
+              </a:p>
+            </p:txBody>
+          </p:sp>
+        </mc:Fallback>
+      </mc:AlternateContent>
+      <mc:AlternateContent xmlns:mc="http://schemas.openxmlformats.org/markup-compatibility/2006">
+        <mc:Choice xmlns:a14="http://schemas.microsoft.com/office/drawing/2010/main" Requires="a14">
+          <p:sp>
+            <p:nvSpPr>
+              <p:cNvPr id="40" name="文本框 39">
+                <a:extLst>
+                  <a:ext uri="{FF2B5EF4-FFF2-40B4-BE49-F238E27FC236}">
+                    <a16:creationId xmlns:a16="http://schemas.microsoft.com/office/drawing/2014/main" id="{8972E5B4-37E6-4C97-ADC3-3A16048295EF}"/>
+                  </a:ext>
+                </a:extLst>
+              </p:cNvPr>
+              <p:cNvSpPr txBox="1"/>
+              <p:nvPr/>
+            </p:nvSpPr>
+            <p:spPr>
+              <a:xfrm>
+                <a:off x="5501992" y="313201"/>
+                <a:ext cx="141064" cy="123111"/>
+              </a:xfrm>
+              <a:prstGeom prst="rect">
+                <a:avLst/>
+              </a:prstGeom>
+              <a:noFill/>
+            </p:spPr>
+            <p:txBody>
+              <a:bodyPr wrap="none" lIns="0" tIns="0" rIns="0" bIns="0" rtlCol="0">
+                <a:spAutoFit/>
+              </a:bodyPr>
+              <a:lstStyle/>
+              <a:p>
+                <a:pPr/>
+                <a14:m>
+                  <m:oMathPara xmlns:m="http://schemas.openxmlformats.org/officeDocument/2006/math">
+                    <m:oMathParaPr>
+                      <m:jc m:val="centerGroup"/>
+                    </m:oMathParaPr>
+                    <m:oMath xmlns:m="http://schemas.openxmlformats.org/officeDocument/2006/math">
+                      <m:r>
+                        <a:rPr lang="en-US" altLang="zh-CN" sz="800" i="1">
+                          <a:latin typeface="Cambria Math" panose="02040503050406030204" pitchFamily="18" charset="0"/>
+                        </a:rPr>
+                        <m:t>1</m:t>
+                      </m:r>
+                      <m:r>
+                        <a:rPr lang="en-US" altLang="zh-CN" sz="800" i="1" smtClean="0">
+                          <a:latin typeface="Cambria Math" panose="02040503050406030204" pitchFamily="18" charset="0"/>
+                        </a:rPr>
+                        <m:t>5</m:t>
+                      </m:r>
+                    </m:oMath>
+                  </m:oMathPara>
+                </a14:m>
+                <a:endParaRPr lang="zh-CN" altLang="en-US" sz="800" dirty="0"/>
+              </a:p>
+            </p:txBody>
+          </p:sp>
+        </mc:Choice>
+        <mc:Fallback>
+          <p:sp>
+            <p:nvSpPr>
+              <p:cNvPr id="40" name="文本框 39">
+                <a:extLst>
+                  <a:ext uri="{FF2B5EF4-FFF2-40B4-BE49-F238E27FC236}">
+                    <a16:creationId xmlns:a16="http://schemas.microsoft.com/office/drawing/2014/main" id="{8972E5B4-37E6-4C97-ADC3-3A16048295EF}"/>
+                  </a:ext>
+                </a:extLst>
+              </p:cNvPr>
+              <p:cNvSpPr txBox="1">
+                <a:spLocks noRot="1" noChangeAspect="1" noMove="1" noResize="1" noEditPoints="1" noAdjustHandles="1" noChangeArrowheads="1" noChangeShapeType="1" noTextEdit="1"/>
+              </p:cNvSpPr>
+              <p:nvPr/>
+            </p:nvSpPr>
+            <p:spPr>
+              <a:xfrm>
+                <a:off x="5501992" y="313201"/>
+                <a:ext cx="141064" cy="123111"/>
+              </a:xfrm>
+              <a:prstGeom prst="rect">
+                <a:avLst/>
+              </a:prstGeom>
+              <a:blipFill>
+                <a:blip r:embed="rId13"/>
+                <a:stretch>
+                  <a:fillRect l="-17391" r="-13043" b="-9524"/>
+                </a:stretch>
+              </a:blipFill>
+            </p:spPr>
+            <p:txBody>
+              <a:bodyPr/>
+              <a:lstStyle/>
+              <a:p>
+                <a:r>
+                  <a:rPr lang="zh-CN" altLang="en-US">
+                    <a:noFill/>
+                  </a:rPr>
+                  <a:t> </a:t>
+                </a:r>
+              </a:p>
+            </p:txBody>
+          </p:sp>
+        </mc:Fallback>
+      </mc:AlternateContent>
+      <p:cxnSp>
+        <p:nvCxnSpPr>
+          <p:cNvPr id="41" name="直接箭头连接符 40">
+            <a:extLst>
+              <a:ext uri="{FF2B5EF4-FFF2-40B4-BE49-F238E27FC236}">
+                <a16:creationId xmlns:a16="http://schemas.microsoft.com/office/drawing/2014/main" id="{836048B3-CDAD-4F3A-9518-B3CA346A3C7B}"/>
+              </a:ext>
+            </a:extLst>
+          </p:cNvPr>
+          <p:cNvCxnSpPr>
+            <a:cxnSpLocks/>
+            <a:endCxn id="34" idx="3"/>
+          </p:cNvCxnSpPr>
+          <p:nvPr/>
+        </p:nvCxnSpPr>
+        <p:spPr>
+          <a:xfrm flipV="1">
+            <a:off x="4945063" y="495751"/>
+            <a:ext cx="311811" cy="197889"/>
+          </a:xfrm>
+          <a:prstGeom prst="straightConnector1">
+            <a:avLst/>
+          </a:prstGeom>
+          <a:ln w="9525" cap="flat" cmpd="sng" algn="ctr">
+            <a:solidFill>
+              <a:schemeClr val="accent3"/>
+            </a:solidFill>
+            <a:prstDash val="solid"/>
+            <a:round/>
+            <a:headEnd type="none" w="med" len="med"/>
+            <a:tailEnd type="arrow" w="med" len="med"/>
+          </a:ln>
+        </p:spPr>
+        <p:style>
+          <a:lnRef idx="0">
+            <a:scrgbClr r="0" g="0" b="0"/>
+          </a:lnRef>
+          <a:fillRef idx="0">
+            <a:scrgbClr r="0" g="0" b="0"/>
+          </a:fillRef>
+          <a:effectRef idx="0">
+            <a:scrgbClr r="0" g="0" b="0"/>
+          </a:effectRef>
+          <a:fontRef idx="minor">
+            <a:schemeClr val="tx1"/>
+          </a:fontRef>
+        </p:style>
+      </p:cxnSp>
+      <mc:AlternateContent xmlns:mc="http://schemas.openxmlformats.org/markup-compatibility/2006">
+        <mc:Choice xmlns:a14="http://schemas.microsoft.com/office/drawing/2010/main" Requires="a14">
+          <p:sp>
+            <p:nvSpPr>
+              <p:cNvPr id="42" name="文本框 41">
+                <a:extLst>
+                  <a:ext uri="{FF2B5EF4-FFF2-40B4-BE49-F238E27FC236}">
+                    <a16:creationId xmlns:a16="http://schemas.microsoft.com/office/drawing/2014/main" id="{34F54584-EE29-40DD-96C3-4E7B39893F3D}"/>
+                  </a:ext>
+                </a:extLst>
+              </p:cNvPr>
+              <p:cNvSpPr txBox="1"/>
+              <p:nvPr/>
+            </p:nvSpPr>
+            <p:spPr>
+              <a:xfrm>
+                <a:off x="4991532" y="507187"/>
+                <a:ext cx="84960" cy="123111"/>
+              </a:xfrm>
+              <a:prstGeom prst="rect">
+                <a:avLst/>
+              </a:prstGeom>
+              <a:noFill/>
+            </p:spPr>
+            <p:txBody>
+              <a:bodyPr wrap="none" lIns="0" tIns="0" rIns="0" bIns="0" rtlCol="0">
+                <a:spAutoFit/>
+              </a:bodyPr>
+              <a:lstStyle/>
+              <a:p>
+                <a:pPr/>
+                <a14:m>
+                  <m:oMathPara xmlns:m="http://schemas.openxmlformats.org/officeDocument/2006/math">
+                    <m:oMathParaPr>
+                      <m:jc m:val="centerGroup"/>
+                    </m:oMathParaPr>
+                    <m:oMath xmlns:m="http://schemas.openxmlformats.org/officeDocument/2006/math">
+                      <m:r>
+                        <a:rPr lang="en-US" altLang="zh-CN" sz="800" i="1">
+                          <a:latin typeface="Cambria Math" panose="02040503050406030204" pitchFamily="18" charset="0"/>
+                        </a:rPr>
+                        <m:t>5</m:t>
+                      </m:r>
+                    </m:oMath>
+                  </m:oMathPara>
+                </a14:m>
+                <a:endParaRPr lang="zh-CN" altLang="en-US" sz="800" dirty="0"/>
+              </a:p>
+            </p:txBody>
+          </p:sp>
+        </mc:Choice>
+        <mc:Fallback>
+          <p:sp>
+            <p:nvSpPr>
+              <p:cNvPr id="42" name="文本框 41">
+                <a:extLst>
+                  <a:ext uri="{FF2B5EF4-FFF2-40B4-BE49-F238E27FC236}">
+                    <a16:creationId xmlns:a16="http://schemas.microsoft.com/office/drawing/2014/main" id="{34F54584-EE29-40DD-96C3-4E7B39893F3D}"/>
+                  </a:ext>
+                </a:extLst>
+              </p:cNvPr>
+              <p:cNvSpPr txBox="1">
+                <a:spLocks noRot="1" noChangeAspect="1" noMove="1" noResize="1" noEditPoints="1" noAdjustHandles="1" noChangeArrowheads="1" noChangeShapeType="1" noTextEdit="1"/>
+              </p:cNvSpPr>
+              <p:nvPr/>
+            </p:nvSpPr>
+            <p:spPr>
+              <a:xfrm>
+                <a:off x="4991532" y="507187"/>
+                <a:ext cx="84960" cy="123111"/>
+              </a:xfrm>
+              <a:prstGeom prst="rect">
+                <a:avLst/>
+              </a:prstGeom>
+              <a:blipFill>
+                <a:blip r:embed="rId14"/>
+                <a:stretch>
+                  <a:fillRect l="-35714" r="-21429" b="-15000"/>
+                </a:stretch>
+              </a:blipFill>
+            </p:spPr>
+            <p:txBody>
+              <a:bodyPr/>
+              <a:lstStyle/>
+              <a:p>
+                <a:r>
+                  <a:rPr lang="zh-CN" altLang="en-US">
+                    <a:noFill/>
+                  </a:rPr>
+                  <a:t> </a:t>
+                </a:r>
+              </a:p>
+            </p:txBody>
+          </p:sp>
+        </mc:Fallback>
+      </mc:AlternateContent>
+      <p:sp>
+        <p:nvSpPr>
+          <p:cNvPr id="43" name="椭圆 42">
+            <a:extLst>
+              <a:ext uri="{FF2B5EF4-FFF2-40B4-BE49-F238E27FC236}">
+                <a16:creationId xmlns:a16="http://schemas.microsoft.com/office/drawing/2014/main" id="{260C6904-CCD1-4234-A59C-750CF625689B}"/>
+              </a:ext>
+            </a:extLst>
+          </p:cNvPr>
+          <p:cNvSpPr/>
+          <p:nvPr/>
+        </p:nvSpPr>
+        <p:spPr>
+          <a:xfrm>
+            <a:off x="6328915" y="326762"/>
+            <a:ext cx="168118" cy="168118"/>
+          </a:xfrm>
+          <a:prstGeom prst="ellipse">
+            <a:avLst/>
+          </a:prstGeom>
+          <a:solidFill>
+            <a:schemeClr val="bg1"/>
+          </a:solidFill>
+          <a:ln>
+            <a:solidFill>
+              <a:schemeClr val="tx1"/>
+            </a:solidFill>
+          </a:ln>
+        </p:spPr>
+        <p:style>
+          <a:lnRef idx="2">
+            <a:schemeClr val="accent1">
+              <a:shade val="50000"/>
+            </a:schemeClr>
+          </a:lnRef>
+          <a:fillRef idx="1">
+            <a:schemeClr val="accent1"/>
+          </a:fillRef>
+          <a:effectRef idx="0">
+            <a:schemeClr val="accent1"/>
+          </a:effectRef>
+          <a:fontRef idx="minor">
+            <a:schemeClr val="lt1"/>
+          </a:fontRef>
+        </p:style>
+        <p:txBody>
+          <a:bodyPr rtlCol="0" anchor="ctr"/>
+          <a:lstStyle/>
+          <a:p>
+            <a:pPr algn="ctr"/>
+            <a:endParaRPr lang="zh-CN" altLang="en-US"/>
+          </a:p>
+        </p:txBody>
+      </p:sp>
+      <mc:AlternateContent xmlns:mc="http://schemas.openxmlformats.org/markup-compatibility/2006">
+        <mc:Choice xmlns:a14="http://schemas.microsoft.com/office/drawing/2010/main" Requires="a14">
+          <p:sp>
+            <p:nvSpPr>
+              <p:cNvPr id="44" name="文本框 43">
+                <a:extLst>
+                  <a:ext uri="{FF2B5EF4-FFF2-40B4-BE49-F238E27FC236}">
+                    <a16:creationId xmlns:a16="http://schemas.microsoft.com/office/drawing/2014/main" id="{41D935DB-D00B-46D5-8BE9-A55763F675CC}"/>
+                  </a:ext>
+                </a:extLst>
+              </p:cNvPr>
+              <p:cNvSpPr txBox="1"/>
+              <p:nvPr/>
+            </p:nvSpPr>
+            <p:spPr>
+              <a:xfrm>
+                <a:off x="6215100" y="345531"/>
+                <a:ext cx="396876" cy="123111"/>
+              </a:xfrm>
+              <a:prstGeom prst="rect">
+                <a:avLst/>
+              </a:prstGeom>
+              <a:noFill/>
+            </p:spPr>
+            <p:txBody>
+              <a:bodyPr wrap="square" lIns="0" tIns="0" rIns="0" bIns="0" rtlCol="0">
+                <a:spAutoFit/>
+              </a:bodyPr>
+              <a:lstStyle/>
+              <a:p>
+                <a:pPr/>
+                <a14:m>
+                  <m:oMathPara xmlns:m="http://schemas.openxmlformats.org/officeDocument/2006/math">
+                    <m:oMathParaPr>
+                      <m:jc m:val="centerGroup"/>
+                    </m:oMathParaPr>
+                    <m:oMath xmlns:m="http://schemas.openxmlformats.org/officeDocument/2006/math">
+                      <m:r>
+                        <a:rPr lang="en-US" altLang="zh-CN" sz="800" b="0" i="1" smtClean="0">
+                          <a:latin typeface="Cambria Math" panose="02040503050406030204" pitchFamily="18" charset="0"/>
+                        </a:rPr>
+                        <m:t>+</m:t>
+                      </m:r>
+                    </m:oMath>
+                  </m:oMathPara>
+                </a14:m>
+                <a:endParaRPr lang="zh-CN" altLang="en-US" sz="1400" dirty="0"/>
+              </a:p>
+            </p:txBody>
+          </p:sp>
+        </mc:Choice>
+        <mc:Fallback>
+          <p:sp>
+            <p:nvSpPr>
+              <p:cNvPr id="44" name="文本框 43">
+                <a:extLst>
+                  <a:ext uri="{FF2B5EF4-FFF2-40B4-BE49-F238E27FC236}">
+                    <a16:creationId xmlns:a16="http://schemas.microsoft.com/office/drawing/2014/main" id="{41D935DB-D00B-46D5-8BE9-A55763F675CC}"/>
+                  </a:ext>
+                </a:extLst>
+              </p:cNvPr>
+              <p:cNvSpPr txBox="1">
+                <a:spLocks noRot="1" noChangeAspect="1" noMove="1" noResize="1" noEditPoints="1" noAdjustHandles="1" noChangeArrowheads="1" noChangeShapeType="1" noTextEdit="1"/>
+              </p:cNvSpPr>
+              <p:nvPr/>
+            </p:nvSpPr>
+            <p:spPr>
+              <a:xfrm>
+                <a:off x="6215100" y="345531"/>
+                <a:ext cx="396876" cy="123111"/>
+              </a:xfrm>
+              <a:prstGeom prst="rect">
+                <a:avLst/>
+              </a:prstGeom>
+              <a:blipFill>
+                <a:blip r:embed="rId11"/>
+                <a:stretch>
+                  <a:fillRect b="-15000"/>
+                </a:stretch>
+              </a:blipFill>
+            </p:spPr>
+            <p:txBody>
+              <a:bodyPr/>
+              <a:lstStyle/>
+              <a:p>
+                <a:r>
+                  <a:rPr lang="zh-CN" altLang="en-US">
+                    <a:noFill/>
+                  </a:rPr>
+                  <a:t> </a:t>
+                </a:r>
+              </a:p>
+            </p:txBody>
+          </p:sp>
+        </mc:Fallback>
+      </mc:AlternateContent>
+      <p:cxnSp>
+        <p:nvCxnSpPr>
+          <p:cNvPr id="45" name="直接箭头连接符 44">
+            <a:extLst>
+              <a:ext uri="{FF2B5EF4-FFF2-40B4-BE49-F238E27FC236}">
+                <a16:creationId xmlns:a16="http://schemas.microsoft.com/office/drawing/2014/main" id="{7670DA20-C788-47D5-8057-FAF66B8913A0}"/>
+              </a:ext>
+            </a:extLst>
+          </p:cNvPr>
+          <p:cNvCxnSpPr>
+            <a:cxnSpLocks/>
+            <a:stCxn id="43" idx="1"/>
+          </p:cNvCxnSpPr>
+          <p:nvPr/>
+        </p:nvCxnSpPr>
+        <p:spPr>
+          <a:xfrm flipH="1" flipV="1">
+            <a:off x="5934833" y="142238"/>
+            <a:ext cx="418702" cy="209144"/>
+          </a:xfrm>
+          <a:prstGeom prst="straightConnector1">
+            <a:avLst/>
+          </a:prstGeom>
+          <a:ln w="9525" cap="flat" cmpd="sng" algn="ctr">
+            <a:solidFill>
+              <a:schemeClr val="accent2"/>
+            </a:solidFill>
+            <a:prstDash val="solid"/>
+            <a:round/>
+            <a:headEnd type="none" w="med" len="med"/>
+            <a:tailEnd type="arrow" w="med" len="med"/>
+          </a:ln>
+        </p:spPr>
+        <p:style>
+          <a:lnRef idx="0">
+            <a:scrgbClr r="0" g="0" b="0"/>
+          </a:lnRef>
+          <a:fillRef idx="0">
+            <a:scrgbClr r="0" g="0" b="0"/>
+          </a:fillRef>
+          <a:effectRef idx="0">
+            <a:scrgbClr r="0" g="0" b="0"/>
+          </a:effectRef>
+          <a:fontRef idx="minor">
+            <a:schemeClr val="tx1"/>
+          </a:fontRef>
+        </p:style>
+      </p:cxnSp>
+      <p:cxnSp>
+        <p:nvCxnSpPr>
+          <p:cNvPr id="49" name="直接箭头连接符 48">
+            <a:extLst>
+              <a:ext uri="{FF2B5EF4-FFF2-40B4-BE49-F238E27FC236}">
+                <a16:creationId xmlns:a16="http://schemas.microsoft.com/office/drawing/2014/main" id="{CD3E3BFC-B657-469C-978B-C960A03D997D}"/>
+              </a:ext>
+            </a:extLst>
+          </p:cNvPr>
+          <p:cNvCxnSpPr>
+            <a:cxnSpLocks/>
+            <a:endCxn id="43" idx="6"/>
+          </p:cNvCxnSpPr>
+          <p:nvPr/>
+        </p:nvCxnSpPr>
+        <p:spPr>
+          <a:xfrm flipH="1">
+            <a:off x="6497033" y="410821"/>
+            <a:ext cx="483961" cy="0"/>
+          </a:xfrm>
+          <a:prstGeom prst="straightConnector1">
+            <a:avLst/>
+          </a:prstGeom>
+          <a:ln w="9525" cap="flat" cmpd="sng" algn="ctr">
+            <a:solidFill>
+              <a:schemeClr val="accent2"/>
+            </a:solidFill>
+            <a:prstDash val="solid"/>
+            <a:round/>
+            <a:headEnd type="none" w="med" len="med"/>
+            <a:tailEnd type="arrow" w="med" len="med"/>
+          </a:ln>
+        </p:spPr>
+        <p:style>
+          <a:lnRef idx="0">
+            <a:scrgbClr r="0" g="0" b="0"/>
+          </a:lnRef>
+          <a:fillRef idx="0">
+            <a:scrgbClr r="0" g="0" b="0"/>
+          </a:fillRef>
+          <a:effectRef idx="0">
+            <a:scrgbClr r="0" g="0" b="0"/>
+          </a:effectRef>
+          <a:fontRef idx="minor">
+            <a:schemeClr val="tx1"/>
+          </a:fontRef>
+        </p:style>
+      </p:cxnSp>
+      <p:cxnSp>
+        <p:nvCxnSpPr>
+          <p:cNvPr id="50" name="直接箭头连接符 49">
+            <a:extLst>
+              <a:ext uri="{FF2B5EF4-FFF2-40B4-BE49-F238E27FC236}">
+                <a16:creationId xmlns:a16="http://schemas.microsoft.com/office/drawing/2014/main" id="{EBFAFE48-757D-400D-B46A-474DC99224F2}"/>
+              </a:ext>
+            </a:extLst>
+          </p:cNvPr>
+          <p:cNvCxnSpPr>
+            <a:cxnSpLocks/>
+            <a:stCxn id="43" idx="3"/>
+          </p:cNvCxnSpPr>
+          <p:nvPr/>
+        </p:nvCxnSpPr>
+        <p:spPr>
+          <a:xfrm flipH="1">
+            <a:off x="5966582" y="470260"/>
+            <a:ext cx="386953" cy="196966"/>
+          </a:xfrm>
+          <a:prstGeom prst="straightConnector1">
+            <a:avLst/>
+          </a:prstGeom>
+          <a:ln w="9525" cap="flat" cmpd="sng" algn="ctr">
+            <a:solidFill>
+              <a:schemeClr val="accent2"/>
+            </a:solidFill>
+            <a:prstDash val="solid"/>
+            <a:round/>
+            <a:headEnd type="none" w="med" len="med"/>
+            <a:tailEnd type="arrow" w="med" len="med"/>
+          </a:ln>
+        </p:spPr>
+        <p:style>
+          <a:lnRef idx="0">
+            <a:scrgbClr r="0" g="0" b="0"/>
+          </a:lnRef>
+          <a:fillRef idx="0">
+            <a:scrgbClr r="0" g="0" b="0"/>
+          </a:fillRef>
+          <a:effectRef idx="0">
+            <a:scrgbClr r="0" g="0" b="0"/>
+          </a:effectRef>
+          <a:fontRef idx="minor">
+            <a:schemeClr val="tx1"/>
+          </a:fontRef>
+        </p:style>
+      </p:cxnSp>
+      <mc:AlternateContent xmlns:mc="http://schemas.openxmlformats.org/markup-compatibility/2006">
+        <mc:Choice xmlns:a14="http://schemas.microsoft.com/office/drawing/2010/main" Requires="a14">
+          <p:sp>
+            <p:nvSpPr>
+              <p:cNvPr id="65" name="文本框 64">
+                <a:extLst>
+                  <a:ext uri="{FF2B5EF4-FFF2-40B4-BE49-F238E27FC236}">
+                    <a16:creationId xmlns:a16="http://schemas.microsoft.com/office/drawing/2014/main" id="{90D21102-1413-49A5-A21B-64ACF27B7F47}"/>
+                  </a:ext>
+                </a:extLst>
+              </p:cNvPr>
+              <p:cNvSpPr txBox="1"/>
+              <p:nvPr/>
+            </p:nvSpPr>
+            <p:spPr>
+              <a:xfrm>
+                <a:off x="5976961" y="235893"/>
+                <a:ext cx="161904" cy="123111"/>
+              </a:xfrm>
+              <a:prstGeom prst="rect">
+                <a:avLst/>
+              </a:prstGeom>
+              <a:noFill/>
+            </p:spPr>
+            <p:txBody>
+              <a:bodyPr wrap="none" lIns="0" tIns="0" rIns="0" bIns="0" rtlCol="0">
+                <a:spAutoFit/>
+              </a:bodyPr>
+              <a:lstStyle/>
+              <a:p>
+                <a:pPr/>
+                <a14:m>
+                  <m:oMathPara xmlns:m="http://schemas.openxmlformats.org/officeDocument/2006/math">
+                    <m:oMathParaPr>
+                      <m:jc m:val="centerGroup"/>
+                    </m:oMathParaPr>
+                    <m:oMath xmlns:m="http://schemas.openxmlformats.org/officeDocument/2006/math">
+                      <m:r>
+                        <a:rPr lang="en-US" altLang="zh-CN" sz="800" b="0" i="1" smtClean="0">
+                          <a:latin typeface="Cambria Math" panose="02040503050406030204" pitchFamily="18" charset="0"/>
+                          <a:ea typeface="Cambria Math" panose="02040503050406030204" pitchFamily="18" charset="0"/>
+                        </a:rPr>
+                        <m:t>1</m:t>
+                      </m:r>
+                      <m:r>
+                        <a:rPr lang="en-US" altLang="zh-CN" sz="800" b="0" i="1" smtClean="0">
+                          <a:latin typeface="Cambria Math" panose="02040503050406030204" pitchFamily="18" charset="0"/>
+                          <a:ea typeface="Cambria Math" panose="02040503050406030204" pitchFamily="18" charset="0"/>
+                        </a:rPr>
+                        <m:t>.3</m:t>
+                      </m:r>
+                    </m:oMath>
+                  </m:oMathPara>
+                </a14:m>
+                <a:endParaRPr lang="zh-CN" altLang="en-US" sz="800" dirty="0"/>
+              </a:p>
+            </p:txBody>
+          </p:sp>
+        </mc:Choice>
+        <mc:Fallback>
+          <p:sp>
+            <p:nvSpPr>
+              <p:cNvPr id="65" name="文本框 64">
+                <a:extLst>
+                  <a:ext uri="{FF2B5EF4-FFF2-40B4-BE49-F238E27FC236}">
+                    <a16:creationId xmlns:a16="http://schemas.microsoft.com/office/drawing/2014/main" id="{90D21102-1413-49A5-A21B-64ACF27B7F47}"/>
+                  </a:ext>
+                </a:extLst>
+              </p:cNvPr>
+              <p:cNvSpPr txBox="1">
+                <a:spLocks noRot="1" noChangeAspect="1" noMove="1" noResize="1" noEditPoints="1" noAdjustHandles="1" noChangeArrowheads="1" noChangeShapeType="1" noTextEdit="1"/>
+              </p:cNvSpPr>
+              <p:nvPr/>
+            </p:nvSpPr>
+            <p:spPr>
+              <a:xfrm>
+                <a:off x="5976961" y="235893"/>
+                <a:ext cx="161904" cy="123111"/>
+              </a:xfrm>
+              <a:prstGeom prst="rect">
+                <a:avLst/>
+              </a:prstGeom>
+              <a:blipFill>
+                <a:blip r:embed="rId15"/>
+                <a:stretch>
+                  <a:fillRect l="-14815" r="-11111" b="-10000"/>
+                </a:stretch>
+              </a:blipFill>
+            </p:spPr>
+            <p:txBody>
+              <a:bodyPr/>
+              <a:lstStyle/>
+              <a:p>
+                <a:r>
+                  <a:rPr lang="zh-CN" altLang="en-US">
+                    <a:noFill/>
+                  </a:rPr>
+                  <a:t> </a:t>
+                </a:r>
+              </a:p>
+            </p:txBody>
+          </p:sp>
+        </mc:Fallback>
+      </mc:AlternateContent>
+      <mc:AlternateContent xmlns:mc="http://schemas.openxmlformats.org/markup-compatibility/2006">
+        <mc:Choice xmlns:a14="http://schemas.microsoft.com/office/drawing/2010/main" Requires="a14">
+          <p:sp>
+            <p:nvSpPr>
+              <p:cNvPr id="66" name="文本框 65">
+                <a:extLst>
+                  <a:ext uri="{FF2B5EF4-FFF2-40B4-BE49-F238E27FC236}">
+                    <a16:creationId xmlns:a16="http://schemas.microsoft.com/office/drawing/2014/main" id="{88CEC6A3-9DA6-4CC8-8B6E-6E3C99CFAEAA}"/>
+                  </a:ext>
+                </a:extLst>
+              </p:cNvPr>
+              <p:cNvSpPr txBox="1"/>
+              <p:nvPr/>
+            </p:nvSpPr>
+            <p:spPr>
+              <a:xfrm>
+                <a:off x="6095745" y="608265"/>
+                <a:ext cx="161904" cy="123111"/>
+              </a:xfrm>
+              <a:prstGeom prst="rect">
+                <a:avLst/>
+              </a:prstGeom>
+              <a:noFill/>
+            </p:spPr>
+            <p:txBody>
+              <a:bodyPr wrap="none" lIns="0" tIns="0" rIns="0" bIns="0" rtlCol="0">
+                <a:spAutoFit/>
+              </a:bodyPr>
+              <a:lstStyle/>
+              <a:p>
+                <a:pPr/>
+                <a14:m>
+                  <m:oMathPara xmlns:m="http://schemas.openxmlformats.org/officeDocument/2006/math">
+                    <m:oMathParaPr>
+                      <m:jc m:val="centerGroup"/>
+                    </m:oMathParaPr>
+                    <m:oMath xmlns:m="http://schemas.openxmlformats.org/officeDocument/2006/math">
+                      <m:r>
+                        <a:rPr lang="en-US" altLang="zh-CN" sz="800" b="0" i="1" smtClean="0">
+                          <a:latin typeface="Cambria Math" panose="02040503050406030204" pitchFamily="18" charset="0"/>
+                          <a:ea typeface="Cambria Math" panose="02040503050406030204" pitchFamily="18" charset="0"/>
+                        </a:rPr>
+                        <m:t>1</m:t>
+                      </m:r>
+                      <m:r>
+                        <a:rPr lang="en-US" altLang="zh-CN" sz="800" b="0" i="1" smtClean="0">
+                          <a:latin typeface="Cambria Math" panose="02040503050406030204" pitchFamily="18" charset="0"/>
+                          <a:ea typeface="Cambria Math" panose="02040503050406030204" pitchFamily="18" charset="0"/>
+                        </a:rPr>
+                        <m:t>.3</m:t>
+                      </m:r>
+                    </m:oMath>
+                  </m:oMathPara>
+                </a14:m>
+                <a:endParaRPr lang="zh-CN" altLang="en-US" sz="800" dirty="0"/>
+              </a:p>
+            </p:txBody>
+          </p:sp>
+        </mc:Choice>
+        <mc:Fallback>
+          <p:sp>
+            <p:nvSpPr>
+              <p:cNvPr id="66" name="文本框 65">
+                <a:extLst>
+                  <a:ext uri="{FF2B5EF4-FFF2-40B4-BE49-F238E27FC236}">
+                    <a16:creationId xmlns:a16="http://schemas.microsoft.com/office/drawing/2014/main" id="{88CEC6A3-9DA6-4CC8-8B6E-6E3C99CFAEAA}"/>
+                  </a:ext>
+                </a:extLst>
+              </p:cNvPr>
+              <p:cNvSpPr txBox="1">
+                <a:spLocks noRot="1" noChangeAspect="1" noMove="1" noResize="1" noEditPoints="1" noAdjustHandles="1" noChangeArrowheads="1" noChangeShapeType="1" noTextEdit="1"/>
+              </p:cNvSpPr>
+              <p:nvPr/>
+            </p:nvSpPr>
+            <p:spPr>
+              <a:xfrm>
+                <a:off x="6095745" y="608265"/>
+                <a:ext cx="161904" cy="123111"/>
+              </a:xfrm>
+              <a:prstGeom prst="rect">
+                <a:avLst/>
+              </a:prstGeom>
+              <a:blipFill>
+                <a:blip r:embed="rId16"/>
+                <a:stretch>
+                  <a:fillRect l="-14815" r="-11111" b="-10000"/>
+                </a:stretch>
+              </a:blipFill>
+            </p:spPr>
+            <p:txBody>
+              <a:bodyPr/>
+              <a:lstStyle/>
+              <a:p>
+                <a:r>
+                  <a:rPr lang="zh-CN" altLang="en-US">
+                    <a:noFill/>
+                  </a:rPr>
+                  <a:t> </a:t>
+                </a:r>
+              </a:p>
+            </p:txBody>
+          </p:sp>
+        </mc:Fallback>
+      </mc:AlternateContent>
+      <mc:AlternateContent xmlns:mc="http://schemas.openxmlformats.org/markup-compatibility/2006">
+        <mc:Choice xmlns:a14="http://schemas.microsoft.com/office/drawing/2010/main" Requires="a14">
+          <p:sp>
+            <p:nvSpPr>
+              <p:cNvPr id="67" name="文本框 66">
+                <a:extLst>
+                  <a:ext uri="{FF2B5EF4-FFF2-40B4-BE49-F238E27FC236}">
+                    <a16:creationId xmlns:a16="http://schemas.microsoft.com/office/drawing/2014/main" id="{BEA0DB45-E3AC-4CF7-B5A5-B5227A1EA051}"/>
+                  </a:ext>
+                </a:extLst>
+              </p:cNvPr>
+              <p:cNvSpPr txBox="1"/>
+              <p:nvPr/>
+            </p:nvSpPr>
+            <p:spPr>
+              <a:xfrm>
+                <a:off x="6706176" y="414556"/>
+                <a:ext cx="161904" cy="123111"/>
+              </a:xfrm>
+              <a:prstGeom prst="rect">
+                <a:avLst/>
+              </a:prstGeom>
+              <a:noFill/>
+            </p:spPr>
+            <p:txBody>
+              <a:bodyPr wrap="none" lIns="0" tIns="0" rIns="0" bIns="0" rtlCol="0">
+                <a:spAutoFit/>
+              </a:bodyPr>
+              <a:lstStyle/>
+              <a:p>
+                <a:pPr/>
+                <a14:m>
+                  <m:oMathPara xmlns:m="http://schemas.openxmlformats.org/officeDocument/2006/math">
+                    <m:oMathParaPr>
+                      <m:jc m:val="centerGroup"/>
+                    </m:oMathParaPr>
+                    <m:oMath xmlns:m="http://schemas.openxmlformats.org/officeDocument/2006/math">
+                      <m:r>
+                        <a:rPr lang="en-US" altLang="zh-CN" sz="800" b="0" i="1" smtClean="0">
+                          <a:latin typeface="Cambria Math" panose="02040503050406030204" pitchFamily="18" charset="0"/>
+                          <a:ea typeface="Cambria Math" panose="02040503050406030204" pitchFamily="18" charset="0"/>
+                        </a:rPr>
+                        <m:t>1</m:t>
+                      </m:r>
+                      <m:r>
+                        <a:rPr lang="en-US" altLang="zh-CN" sz="800" b="0" i="1" smtClean="0">
+                          <a:latin typeface="Cambria Math" panose="02040503050406030204" pitchFamily="18" charset="0"/>
+                          <a:ea typeface="Cambria Math" panose="02040503050406030204" pitchFamily="18" charset="0"/>
+                        </a:rPr>
+                        <m:t>.3</m:t>
+                      </m:r>
+                    </m:oMath>
+                  </m:oMathPara>
+                </a14:m>
+                <a:endParaRPr lang="zh-CN" altLang="en-US" sz="800" dirty="0"/>
+              </a:p>
+            </p:txBody>
+          </p:sp>
+        </mc:Choice>
+        <mc:Fallback>
+          <p:sp>
+            <p:nvSpPr>
+              <p:cNvPr id="67" name="文本框 66">
+                <a:extLst>
+                  <a:ext uri="{FF2B5EF4-FFF2-40B4-BE49-F238E27FC236}">
+                    <a16:creationId xmlns:a16="http://schemas.microsoft.com/office/drawing/2014/main" id="{BEA0DB45-E3AC-4CF7-B5A5-B5227A1EA051}"/>
+                  </a:ext>
+                </a:extLst>
+              </p:cNvPr>
+              <p:cNvSpPr txBox="1">
+                <a:spLocks noRot="1" noChangeAspect="1" noMove="1" noResize="1" noEditPoints="1" noAdjustHandles="1" noChangeArrowheads="1" noChangeShapeType="1" noTextEdit="1"/>
+              </p:cNvSpPr>
+              <p:nvPr/>
+            </p:nvSpPr>
+            <p:spPr>
+              <a:xfrm>
+                <a:off x="6706176" y="414556"/>
+                <a:ext cx="161904" cy="123111"/>
+              </a:xfrm>
+              <a:prstGeom prst="rect">
+                <a:avLst/>
+              </a:prstGeom>
+              <a:blipFill>
+                <a:blip r:embed="rId16"/>
+                <a:stretch>
+                  <a:fillRect l="-14815" r="-11111" b="-10000"/>
+                </a:stretch>
+              </a:blipFill>
+            </p:spPr>
+            <p:txBody>
+              <a:bodyPr/>
+              <a:lstStyle/>
+              <a:p>
+                <a:r>
+                  <a:rPr lang="zh-CN" altLang="en-US">
+                    <a:noFill/>
+                  </a:rPr>
+                  <a:t> </a:t>
+                </a:r>
+              </a:p>
+            </p:txBody>
+          </p:sp>
+        </mc:Fallback>
+      </mc:AlternateContent>
+      <p:sp>
+        <p:nvSpPr>
+          <p:cNvPr id="72" name="椭圆 71">
+            <a:extLst>
+              <a:ext uri="{FF2B5EF4-FFF2-40B4-BE49-F238E27FC236}">
+                <a16:creationId xmlns:a16="http://schemas.microsoft.com/office/drawing/2014/main" id="{021477FA-6887-43C9-911C-7753B4DB0C09}"/>
+              </a:ext>
+            </a:extLst>
+          </p:cNvPr>
+          <p:cNvSpPr/>
+          <p:nvPr/>
+        </p:nvSpPr>
+        <p:spPr>
+          <a:xfrm>
+            <a:off x="8510347" y="1808431"/>
+            <a:ext cx="168118" cy="168118"/>
+          </a:xfrm>
+          <a:prstGeom prst="ellipse">
+            <a:avLst/>
+          </a:prstGeom>
+          <a:solidFill>
+            <a:schemeClr val="bg1"/>
+          </a:solidFill>
+          <a:ln>
+            <a:solidFill>
+              <a:schemeClr val="tx1"/>
+            </a:solidFill>
+          </a:ln>
+        </p:spPr>
+        <p:style>
+          <a:lnRef idx="2">
+            <a:schemeClr val="accent1">
+              <a:shade val="50000"/>
+            </a:schemeClr>
+          </a:lnRef>
+          <a:fillRef idx="1">
+            <a:schemeClr val="accent1"/>
+          </a:fillRef>
+          <a:effectRef idx="0">
+            <a:schemeClr val="accent1"/>
+          </a:effectRef>
+          <a:fontRef idx="minor">
+            <a:schemeClr val="lt1"/>
+          </a:fontRef>
+        </p:style>
+        <p:txBody>
+          <a:bodyPr rtlCol="0" anchor="ctr"/>
+          <a:lstStyle/>
+          <a:p>
+            <a:pPr algn="ctr"/>
+            <a:endParaRPr lang="zh-CN" altLang="en-US"/>
+          </a:p>
+        </p:txBody>
+      </p:sp>
+      <p:cxnSp>
+        <p:nvCxnSpPr>
+          <p:cNvPr id="73" name="直接箭头连接符 72">
+            <a:extLst>
+              <a:ext uri="{FF2B5EF4-FFF2-40B4-BE49-F238E27FC236}">
+                <a16:creationId xmlns:a16="http://schemas.microsoft.com/office/drawing/2014/main" id="{E9408070-491F-4F26-875F-3B3FF4780935}"/>
+              </a:ext>
+            </a:extLst>
+          </p:cNvPr>
+          <p:cNvCxnSpPr>
+            <a:cxnSpLocks/>
+            <a:endCxn id="72" idx="2"/>
+          </p:cNvCxnSpPr>
+          <p:nvPr/>
+        </p:nvCxnSpPr>
+        <p:spPr>
+          <a:xfrm>
+            <a:off x="8236607" y="1635162"/>
+            <a:ext cx="273740" cy="257328"/>
+          </a:xfrm>
+          <a:prstGeom prst="straightConnector1">
+            <a:avLst/>
+          </a:prstGeom>
+          <a:ln w="9525" cap="flat" cmpd="sng" algn="ctr">
+            <a:solidFill>
+              <a:schemeClr val="accent3"/>
+            </a:solidFill>
+            <a:prstDash val="solid"/>
+            <a:round/>
+            <a:headEnd type="none" w="med" len="med"/>
+            <a:tailEnd type="arrow" w="med" len="med"/>
+          </a:ln>
+        </p:spPr>
+        <p:style>
+          <a:lnRef idx="0">
+            <a:scrgbClr r="0" g="0" b="0"/>
+          </a:lnRef>
+          <a:fillRef idx="0">
+            <a:scrgbClr r="0" g="0" b="0"/>
+          </a:fillRef>
+          <a:effectRef idx="0">
+            <a:scrgbClr r="0" g="0" b="0"/>
+          </a:effectRef>
+          <a:fontRef idx="minor">
+            <a:schemeClr val="tx1"/>
+          </a:fontRef>
+        </p:style>
+      </p:cxnSp>
+      <p:cxnSp>
+        <p:nvCxnSpPr>
+          <p:cNvPr id="74" name="直接箭头连接符 73">
+            <a:extLst>
+              <a:ext uri="{FF2B5EF4-FFF2-40B4-BE49-F238E27FC236}">
+                <a16:creationId xmlns:a16="http://schemas.microsoft.com/office/drawing/2014/main" id="{8C284E16-87E8-478A-AD64-90CB86408A0C}"/>
+              </a:ext>
+            </a:extLst>
+          </p:cNvPr>
+          <p:cNvCxnSpPr>
+            <a:cxnSpLocks/>
+            <a:stCxn id="72" idx="6"/>
+          </p:cNvCxnSpPr>
+          <p:nvPr/>
+        </p:nvCxnSpPr>
+        <p:spPr>
+          <a:xfrm>
+            <a:off x="8678465" y="1892490"/>
+            <a:ext cx="331023" cy="0"/>
+          </a:xfrm>
+          <a:prstGeom prst="straightConnector1">
+            <a:avLst/>
+          </a:prstGeom>
+          <a:ln w="9525" cap="flat" cmpd="sng" algn="ctr">
+            <a:solidFill>
+              <a:schemeClr val="accent3"/>
+            </a:solidFill>
+            <a:prstDash val="solid"/>
+            <a:round/>
+            <a:headEnd type="none" w="med" len="med"/>
+            <a:tailEnd type="arrow" w="med" len="med"/>
+          </a:ln>
+        </p:spPr>
+        <p:style>
+          <a:lnRef idx="0">
+            <a:scrgbClr r="0" g="0" b="0"/>
+          </a:lnRef>
+          <a:fillRef idx="0">
+            <a:scrgbClr r="0" g="0" b="0"/>
+          </a:fillRef>
+          <a:effectRef idx="0">
+            <a:scrgbClr r="0" g="0" b="0"/>
+          </a:effectRef>
+          <a:fontRef idx="minor">
+            <a:schemeClr val="tx1"/>
+          </a:fontRef>
+        </p:style>
+      </p:cxnSp>
+      <mc:AlternateContent xmlns:mc="http://schemas.openxmlformats.org/markup-compatibility/2006">
+        <mc:Choice xmlns:a14="http://schemas.microsoft.com/office/drawing/2010/main" Requires="a14">
+          <p:sp>
+            <p:nvSpPr>
+              <p:cNvPr id="75" name="文本框 74">
+                <a:extLst>
+                  <a:ext uri="{FF2B5EF4-FFF2-40B4-BE49-F238E27FC236}">
+                    <a16:creationId xmlns:a16="http://schemas.microsoft.com/office/drawing/2014/main" id="{0196BA31-1E5F-4AD3-81ED-1B3D473FA38A}"/>
+                  </a:ext>
+                </a:extLst>
+              </p:cNvPr>
+              <p:cNvSpPr txBox="1"/>
+              <p:nvPr/>
+            </p:nvSpPr>
+            <p:spPr>
+              <a:xfrm>
+                <a:off x="8396049" y="1821769"/>
+                <a:ext cx="396876" cy="123111"/>
+              </a:xfrm>
+              <a:prstGeom prst="rect">
+                <a:avLst/>
+              </a:prstGeom>
+              <a:noFill/>
+            </p:spPr>
+            <p:txBody>
+              <a:bodyPr wrap="square" lIns="0" tIns="0" rIns="0" bIns="0" rtlCol="0">
+                <a:spAutoFit/>
+              </a:bodyPr>
+              <a:lstStyle/>
+              <a:p>
+                <a:pPr/>
+                <a14:m>
+                  <m:oMathPara xmlns:m="http://schemas.openxmlformats.org/officeDocument/2006/math">
+                    <m:oMathParaPr>
+                      <m:jc m:val="centerGroup"/>
+                    </m:oMathParaPr>
+                    <m:oMath xmlns:m="http://schemas.openxmlformats.org/officeDocument/2006/math">
+                      <m:r>
+                        <a:rPr lang="en-US" altLang="zh-CN" sz="800" b="0" i="1" smtClean="0">
+                          <a:latin typeface="Cambria Math" panose="02040503050406030204" pitchFamily="18" charset="0"/>
+                          <a:ea typeface="Cambria Math" panose="02040503050406030204" pitchFamily="18" charset="0"/>
+                        </a:rPr>
+                        <m:t>×</m:t>
+                      </m:r>
+                    </m:oMath>
+                  </m:oMathPara>
+                </a14:m>
+                <a:endParaRPr lang="zh-CN" altLang="en-US" sz="1400" dirty="0"/>
+              </a:p>
+            </p:txBody>
+          </p:sp>
+        </mc:Choice>
+        <mc:Fallback>
+          <p:sp>
+            <p:nvSpPr>
+              <p:cNvPr id="75" name="文本框 74">
+                <a:extLst>
+                  <a:ext uri="{FF2B5EF4-FFF2-40B4-BE49-F238E27FC236}">
+                    <a16:creationId xmlns:a16="http://schemas.microsoft.com/office/drawing/2014/main" id="{0196BA31-1E5F-4AD3-81ED-1B3D473FA38A}"/>
+                  </a:ext>
+                </a:extLst>
+              </p:cNvPr>
+              <p:cNvSpPr txBox="1">
+                <a:spLocks noRot="1" noChangeAspect="1" noMove="1" noResize="1" noEditPoints="1" noAdjustHandles="1" noChangeArrowheads="1" noChangeShapeType="1" noTextEdit="1"/>
+              </p:cNvSpPr>
+              <p:nvPr/>
+            </p:nvSpPr>
+            <p:spPr>
+              <a:xfrm>
+                <a:off x="8396049" y="1821769"/>
+                <a:ext cx="396876" cy="123111"/>
+              </a:xfrm>
+              <a:prstGeom prst="rect">
+                <a:avLst/>
+              </a:prstGeom>
+              <a:blipFill>
+                <a:blip r:embed="rId17"/>
+                <a:stretch>
+                  <a:fillRect b="-5000"/>
+                </a:stretch>
+              </a:blipFill>
+            </p:spPr>
+            <p:txBody>
+              <a:bodyPr/>
+              <a:lstStyle/>
+              <a:p>
+                <a:r>
+                  <a:rPr lang="zh-CN" altLang="en-US">
+                    <a:noFill/>
+                  </a:rPr>
+                  <a:t> </a:t>
+                </a:r>
+              </a:p>
+            </p:txBody>
+          </p:sp>
+        </mc:Fallback>
+      </mc:AlternateContent>
+      <mc:AlternateContent xmlns:mc="http://schemas.openxmlformats.org/markup-compatibility/2006">
+        <mc:Choice xmlns:a14="http://schemas.microsoft.com/office/drawing/2010/main" Requires="a14">
+          <p:sp>
+            <p:nvSpPr>
+              <p:cNvPr id="76" name="文本框 75">
+                <a:extLst>
+                  <a:ext uri="{FF2B5EF4-FFF2-40B4-BE49-F238E27FC236}">
+                    <a16:creationId xmlns:a16="http://schemas.microsoft.com/office/drawing/2014/main" id="{DF024736-62F3-46A7-ADDF-F3E092DE373B}"/>
+                  </a:ext>
+                </a:extLst>
+              </p:cNvPr>
+              <p:cNvSpPr txBox="1"/>
+              <p:nvPr/>
+            </p:nvSpPr>
+            <p:spPr>
+              <a:xfrm>
+                <a:off x="8317002" y="1584133"/>
+                <a:ext cx="86434" cy="123111"/>
+              </a:xfrm>
+              <a:prstGeom prst="rect">
+                <a:avLst/>
+              </a:prstGeom>
+              <a:noFill/>
+            </p:spPr>
+            <p:txBody>
+              <a:bodyPr wrap="none" lIns="0" tIns="0" rIns="0" bIns="0" rtlCol="0">
+                <a:spAutoFit/>
+              </a:bodyPr>
+              <a:lstStyle/>
+              <a:p>
+                <a:pPr/>
+                <a14:m>
+                  <m:oMathPara xmlns:m="http://schemas.openxmlformats.org/officeDocument/2006/math">
+                    <m:oMathParaPr>
+                      <m:jc m:val="centerGroup"/>
+                    </m:oMathParaPr>
+                    <m:oMath xmlns:m="http://schemas.openxmlformats.org/officeDocument/2006/math">
+                      <m:r>
+                        <a:rPr lang="en-US" altLang="zh-CN" sz="800" b="0" i="1" smtClean="0">
+                          <a:latin typeface="Cambria Math" panose="02040503050406030204" pitchFamily="18" charset="0"/>
+                        </a:rPr>
+                        <m:t>𝑥</m:t>
+                      </m:r>
+                    </m:oMath>
+                  </m:oMathPara>
+                </a14:m>
+                <a:endParaRPr lang="zh-CN" altLang="en-US" sz="800" dirty="0"/>
+              </a:p>
+            </p:txBody>
+          </p:sp>
+        </mc:Choice>
+        <mc:Fallback>
+          <p:sp>
+            <p:nvSpPr>
+              <p:cNvPr id="76" name="文本框 75">
+                <a:extLst>
+                  <a:ext uri="{FF2B5EF4-FFF2-40B4-BE49-F238E27FC236}">
+                    <a16:creationId xmlns:a16="http://schemas.microsoft.com/office/drawing/2014/main" id="{DF024736-62F3-46A7-ADDF-F3E092DE373B}"/>
+                  </a:ext>
+                </a:extLst>
+              </p:cNvPr>
+              <p:cNvSpPr txBox="1">
+                <a:spLocks noRot="1" noChangeAspect="1" noMove="1" noResize="1" noEditPoints="1" noAdjustHandles="1" noChangeArrowheads="1" noChangeShapeType="1" noTextEdit="1"/>
+              </p:cNvSpPr>
+              <p:nvPr/>
+            </p:nvSpPr>
+            <p:spPr>
+              <a:xfrm>
+                <a:off x="8317002" y="1584133"/>
+                <a:ext cx="86434" cy="123111"/>
+              </a:xfrm>
+              <a:prstGeom prst="rect">
+                <a:avLst/>
+              </a:prstGeom>
+              <a:blipFill>
+                <a:blip r:embed="rId18"/>
+                <a:stretch>
+                  <a:fillRect l="-13333" r="-6667"/>
+                </a:stretch>
+              </a:blipFill>
+            </p:spPr>
+            <p:txBody>
+              <a:bodyPr/>
+              <a:lstStyle/>
+              <a:p>
+                <a:r>
+                  <a:rPr lang="zh-CN" altLang="en-US">
+                    <a:noFill/>
+                  </a:rPr>
+                  <a:t> </a:t>
+                </a:r>
+              </a:p>
+            </p:txBody>
+          </p:sp>
+        </mc:Fallback>
+      </mc:AlternateContent>
+      <mc:AlternateContent xmlns:mc="http://schemas.openxmlformats.org/markup-compatibility/2006">
+        <mc:Choice xmlns:a14="http://schemas.microsoft.com/office/drawing/2010/main" Requires="a14">
+          <p:sp>
+            <p:nvSpPr>
+              <p:cNvPr id="77" name="文本框 76">
+                <a:extLst>
+                  <a:ext uri="{FF2B5EF4-FFF2-40B4-BE49-F238E27FC236}">
+                    <a16:creationId xmlns:a16="http://schemas.microsoft.com/office/drawing/2014/main" id="{1F3D09E9-C42B-4A80-B600-672335AB5816}"/>
+                  </a:ext>
+                </a:extLst>
+              </p:cNvPr>
+              <p:cNvSpPr txBox="1"/>
+              <p:nvPr/>
+            </p:nvSpPr>
+            <p:spPr>
+              <a:xfrm>
+                <a:off x="8780085" y="1769379"/>
+                <a:ext cx="80278" cy="123111"/>
+              </a:xfrm>
+              <a:prstGeom prst="rect">
+                <a:avLst/>
+              </a:prstGeom>
+              <a:noFill/>
+            </p:spPr>
+            <p:txBody>
+              <a:bodyPr wrap="none" lIns="0" tIns="0" rIns="0" bIns="0" rtlCol="0">
+                <a:spAutoFit/>
+              </a:bodyPr>
+              <a:lstStyle/>
+              <a:p>
+                <a:pPr/>
+                <a14:m>
+                  <m:oMathPara xmlns:m="http://schemas.openxmlformats.org/officeDocument/2006/math">
+                    <m:oMathParaPr>
+                      <m:jc m:val="centerGroup"/>
+                    </m:oMathParaPr>
+                    <m:oMath xmlns:m="http://schemas.openxmlformats.org/officeDocument/2006/math">
+                      <m:r>
+                        <a:rPr lang="en-US" altLang="zh-CN" sz="800" b="0" i="1" smtClean="0">
+                          <a:latin typeface="Cambria Math" panose="02040503050406030204" pitchFamily="18" charset="0"/>
+                        </a:rPr>
+                        <m:t>𝑧</m:t>
+                      </m:r>
+                    </m:oMath>
+                  </m:oMathPara>
+                </a14:m>
+                <a:endParaRPr lang="zh-CN" altLang="en-US" sz="800" dirty="0"/>
+              </a:p>
+            </p:txBody>
+          </p:sp>
+        </mc:Choice>
+        <mc:Fallback>
+          <p:sp>
+            <p:nvSpPr>
+              <p:cNvPr id="77" name="文本框 76">
+                <a:extLst>
+                  <a:ext uri="{FF2B5EF4-FFF2-40B4-BE49-F238E27FC236}">
+                    <a16:creationId xmlns:a16="http://schemas.microsoft.com/office/drawing/2014/main" id="{1F3D09E9-C42B-4A80-B600-672335AB5816}"/>
+                  </a:ext>
+                </a:extLst>
+              </p:cNvPr>
+              <p:cNvSpPr txBox="1">
+                <a:spLocks noRot="1" noChangeAspect="1" noMove="1" noResize="1" noEditPoints="1" noAdjustHandles="1" noChangeArrowheads="1" noChangeShapeType="1" noTextEdit="1"/>
+              </p:cNvSpPr>
+              <p:nvPr/>
+            </p:nvSpPr>
+            <p:spPr>
+              <a:xfrm>
+                <a:off x="8780085" y="1769379"/>
+                <a:ext cx="80278" cy="123111"/>
+              </a:xfrm>
+              <a:prstGeom prst="rect">
+                <a:avLst/>
+              </a:prstGeom>
+              <a:blipFill>
+                <a:blip r:embed="rId19"/>
+                <a:stretch>
+                  <a:fillRect l="-15385" r="-15385" b="-5000"/>
+                </a:stretch>
+              </a:blipFill>
+            </p:spPr>
+            <p:txBody>
+              <a:bodyPr/>
+              <a:lstStyle/>
+              <a:p>
+                <a:r>
+                  <a:rPr lang="zh-CN" altLang="en-US">
+                    <a:noFill/>
+                  </a:rPr>
+                  <a:t> </a:t>
+                </a:r>
+              </a:p>
+            </p:txBody>
+          </p:sp>
+        </mc:Fallback>
+      </mc:AlternateContent>
+      <p:cxnSp>
+        <p:nvCxnSpPr>
+          <p:cNvPr id="78" name="直接箭头连接符 77">
+            <a:extLst>
+              <a:ext uri="{FF2B5EF4-FFF2-40B4-BE49-F238E27FC236}">
+                <a16:creationId xmlns:a16="http://schemas.microsoft.com/office/drawing/2014/main" id="{F22EB4BE-CE48-4E36-AB89-4ACC0FAEDE42}"/>
+              </a:ext>
+            </a:extLst>
+          </p:cNvPr>
+          <p:cNvCxnSpPr>
+            <a:cxnSpLocks/>
+            <a:endCxn id="72" idx="3"/>
+          </p:cNvCxnSpPr>
+          <p:nvPr/>
+        </p:nvCxnSpPr>
+        <p:spPr>
+          <a:xfrm flipV="1">
+            <a:off x="8223156" y="1951929"/>
+            <a:ext cx="311811" cy="197889"/>
+          </a:xfrm>
+          <a:prstGeom prst="straightConnector1">
+            <a:avLst/>
+          </a:prstGeom>
+          <a:ln w="9525" cap="flat" cmpd="sng" algn="ctr">
+            <a:solidFill>
+              <a:schemeClr val="accent3"/>
+            </a:solidFill>
+            <a:prstDash val="solid"/>
+            <a:round/>
+            <a:headEnd type="none" w="med" len="med"/>
+            <a:tailEnd type="arrow" w="med" len="med"/>
+          </a:ln>
+        </p:spPr>
+        <p:style>
+          <a:lnRef idx="0">
+            <a:scrgbClr r="0" g="0" b="0"/>
+          </a:lnRef>
+          <a:fillRef idx="0">
+            <a:scrgbClr r="0" g="0" b="0"/>
+          </a:fillRef>
+          <a:effectRef idx="0">
+            <a:scrgbClr r="0" g="0" b="0"/>
+          </a:effectRef>
+          <a:fontRef idx="minor">
+            <a:schemeClr val="tx1"/>
+          </a:fontRef>
+        </p:style>
+      </p:cxnSp>
+      <mc:AlternateContent xmlns:mc="http://schemas.openxmlformats.org/markup-compatibility/2006">
+        <mc:Choice xmlns:a14="http://schemas.microsoft.com/office/drawing/2010/main" Requires="a14">
+          <p:sp>
+            <p:nvSpPr>
+              <p:cNvPr id="79" name="文本框 78">
+                <a:extLst>
+                  <a:ext uri="{FF2B5EF4-FFF2-40B4-BE49-F238E27FC236}">
+                    <a16:creationId xmlns:a16="http://schemas.microsoft.com/office/drawing/2014/main" id="{F0A58817-70E6-473F-B3E2-F2BDC82D9742}"/>
+                  </a:ext>
+                </a:extLst>
+              </p:cNvPr>
+              <p:cNvSpPr txBox="1"/>
+              <p:nvPr/>
+            </p:nvSpPr>
+            <p:spPr>
+              <a:xfrm>
+                <a:off x="8269625" y="1963365"/>
+                <a:ext cx="88294" cy="123111"/>
+              </a:xfrm>
+              <a:prstGeom prst="rect">
+                <a:avLst/>
+              </a:prstGeom>
+              <a:noFill/>
+            </p:spPr>
+            <p:txBody>
+              <a:bodyPr wrap="none" lIns="0" tIns="0" rIns="0" bIns="0" rtlCol="0">
+                <a:spAutoFit/>
+              </a:bodyPr>
+              <a:lstStyle/>
+              <a:p>
+                <a:pPr/>
+                <a14:m>
+                  <m:oMathPara xmlns:m="http://schemas.openxmlformats.org/officeDocument/2006/math">
+                    <m:oMathParaPr>
+                      <m:jc m:val="centerGroup"/>
+                    </m:oMathParaPr>
+                    <m:oMath xmlns:m="http://schemas.openxmlformats.org/officeDocument/2006/math">
+                      <m:r>
+                        <a:rPr lang="en-US" altLang="zh-CN" sz="800" b="0" i="1" smtClean="0">
+                          <a:latin typeface="Cambria Math" panose="02040503050406030204" pitchFamily="18" charset="0"/>
+                        </a:rPr>
+                        <m:t>𝑦</m:t>
+                      </m:r>
+                    </m:oMath>
+                  </m:oMathPara>
+                </a14:m>
+                <a:endParaRPr lang="zh-CN" altLang="en-US" sz="800" dirty="0"/>
+              </a:p>
+            </p:txBody>
+          </p:sp>
+        </mc:Choice>
+        <mc:Fallback>
+          <p:sp>
+            <p:nvSpPr>
+              <p:cNvPr id="79" name="文本框 78">
+                <a:extLst>
+                  <a:ext uri="{FF2B5EF4-FFF2-40B4-BE49-F238E27FC236}">
+                    <a16:creationId xmlns:a16="http://schemas.microsoft.com/office/drawing/2014/main" id="{F0A58817-70E6-473F-B3E2-F2BDC82D9742}"/>
+                  </a:ext>
+                </a:extLst>
+              </p:cNvPr>
+              <p:cNvSpPr txBox="1">
+                <a:spLocks noRot="1" noChangeAspect="1" noMove="1" noResize="1" noEditPoints="1" noAdjustHandles="1" noChangeArrowheads="1" noChangeShapeType="1" noTextEdit="1"/>
+              </p:cNvSpPr>
+              <p:nvPr/>
+            </p:nvSpPr>
+            <p:spPr>
+              <a:xfrm>
+                <a:off x="8269625" y="1963365"/>
+                <a:ext cx="88294" cy="123111"/>
+              </a:xfrm>
+              <a:prstGeom prst="rect">
+                <a:avLst/>
+              </a:prstGeom>
+              <a:blipFill>
+                <a:blip r:embed="rId20"/>
+                <a:stretch>
+                  <a:fillRect l="-35714" r="-28571" b="-35000"/>
+                </a:stretch>
+              </a:blipFill>
+            </p:spPr>
+            <p:txBody>
+              <a:bodyPr/>
+              <a:lstStyle/>
+              <a:p>
+                <a:r>
+                  <a:rPr lang="zh-CN" altLang="en-US">
+                    <a:noFill/>
+                  </a:rPr>
+                  <a:t> </a:t>
+                </a:r>
+              </a:p>
+            </p:txBody>
+          </p:sp>
+        </mc:Fallback>
+      </mc:AlternateContent>
+      <p:sp>
+        <p:nvSpPr>
+          <p:cNvPr id="80" name="椭圆 79">
+            <a:extLst>
+              <a:ext uri="{FF2B5EF4-FFF2-40B4-BE49-F238E27FC236}">
+                <a16:creationId xmlns:a16="http://schemas.microsoft.com/office/drawing/2014/main" id="{6AE4135A-85A1-462F-A2A1-B55713930035}"/>
+              </a:ext>
+            </a:extLst>
+          </p:cNvPr>
+          <p:cNvSpPr/>
+          <p:nvPr/>
+        </p:nvSpPr>
+        <p:spPr>
+          <a:xfrm>
+            <a:off x="9607008" y="1782940"/>
+            <a:ext cx="168118" cy="168118"/>
+          </a:xfrm>
+          <a:prstGeom prst="ellipse">
+            <a:avLst/>
+          </a:prstGeom>
+          <a:solidFill>
+            <a:schemeClr val="bg1"/>
+          </a:solidFill>
+          <a:ln>
+            <a:solidFill>
+              <a:schemeClr val="tx1"/>
+            </a:solidFill>
+          </a:ln>
+        </p:spPr>
+        <p:style>
+          <a:lnRef idx="2">
+            <a:schemeClr val="accent1">
+              <a:shade val="50000"/>
+            </a:schemeClr>
+          </a:lnRef>
+          <a:fillRef idx="1">
+            <a:schemeClr val="accent1"/>
+          </a:fillRef>
+          <a:effectRef idx="0">
+            <a:schemeClr val="accent1"/>
+          </a:effectRef>
+          <a:fontRef idx="minor">
+            <a:schemeClr val="lt1"/>
+          </a:fontRef>
+        </p:style>
+        <p:txBody>
+          <a:bodyPr rtlCol="0" anchor="ctr"/>
+          <a:lstStyle/>
+          <a:p>
+            <a:pPr algn="ctr"/>
+            <a:endParaRPr lang="zh-CN" altLang="en-US"/>
+          </a:p>
+        </p:txBody>
+      </p:sp>
+      <p:cxnSp>
+        <p:nvCxnSpPr>
+          <p:cNvPr id="82" name="直接箭头连接符 81">
+            <a:extLst>
+              <a:ext uri="{FF2B5EF4-FFF2-40B4-BE49-F238E27FC236}">
+                <a16:creationId xmlns:a16="http://schemas.microsoft.com/office/drawing/2014/main" id="{4E77E65E-DD0F-4C47-8A6C-D208BFB36D4E}"/>
+              </a:ext>
+            </a:extLst>
+          </p:cNvPr>
+          <p:cNvCxnSpPr>
+            <a:cxnSpLocks/>
+            <a:stCxn id="80" idx="1"/>
+          </p:cNvCxnSpPr>
+          <p:nvPr/>
+        </p:nvCxnSpPr>
+        <p:spPr>
+          <a:xfrm flipH="1" flipV="1">
+            <a:off x="9212926" y="1598416"/>
+            <a:ext cx="418702" cy="209144"/>
+          </a:xfrm>
+          <a:prstGeom prst="straightConnector1">
+            <a:avLst/>
+          </a:prstGeom>
+          <a:ln w="9525" cap="flat" cmpd="sng" algn="ctr">
+            <a:solidFill>
+              <a:schemeClr val="accent2"/>
+            </a:solidFill>
+            <a:prstDash val="solid"/>
+            <a:round/>
+            <a:headEnd type="none" w="med" len="med"/>
+            <a:tailEnd type="arrow" w="med" len="med"/>
+          </a:ln>
+        </p:spPr>
+        <p:style>
+          <a:lnRef idx="0">
+            <a:scrgbClr r="0" g="0" b="0"/>
+          </a:lnRef>
+          <a:fillRef idx="0">
+            <a:scrgbClr r="0" g="0" b="0"/>
+          </a:fillRef>
+          <a:effectRef idx="0">
+            <a:scrgbClr r="0" g="0" b="0"/>
+          </a:effectRef>
+          <a:fontRef idx="minor">
+            <a:schemeClr val="tx1"/>
+          </a:fontRef>
+        </p:style>
+      </p:cxnSp>
+      <p:cxnSp>
+        <p:nvCxnSpPr>
+          <p:cNvPr id="83" name="直接箭头连接符 82">
+            <a:extLst>
+              <a:ext uri="{FF2B5EF4-FFF2-40B4-BE49-F238E27FC236}">
+                <a16:creationId xmlns:a16="http://schemas.microsoft.com/office/drawing/2014/main" id="{D726A635-EB39-4949-8657-1762FFF84D84}"/>
+              </a:ext>
+            </a:extLst>
+          </p:cNvPr>
+          <p:cNvCxnSpPr>
+            <a:cxnSpLocks/>
+            <a:endCxn id="80" idx="6"/>
+          </p:cNvCxnSpPr>
+          <p:nvPr/>
+        </p:nvCxnSpPr>
+        <p:spPr>
+          <a:xfrm flipH="1">
+            <a:off x="9775126" y="1866999"/>
+            <a:ext cx="483961" cy="0"/>
+          </a:xfrm>
+          <a:prstGeom prst="straightConnector1">
+            <a:avLst/>
+          </a:prstGeom>
+          <a:ln w="9525" cap="flat" cmpd="sng" algn="ctr">
+            <a:solidFill>
+              <a:schemeClr val="accent2"/>
+            </a:solidFill>
+            <a:prstDash val="solid"/>
+            <a:round/>
+            <a:headEnd type="none" w="med" len="med"/>
+            <a:tailEnd type="arrow" w="med" len="med"/>
+          </a:ln>
+        </p:spPr>
+        <p:style>
+          <a:lnRef idx="0">
+            <a:scrgbClr r="0" g="0" b="0"/>
+          </a:lnRef>
+          <a:fillRef idx="0">
+            <a:scrgbClr r="0" g="0" b="0"/>
+          </a:fillRef>
+          <a:effectRef idx="0">
+            <a:scrgbClr r="0" g="0" b="0"/>
+          </a:effectRef>
+          <a:fontRef idx="minor">
+            <a:schemeClr val="tx1"/>
+          </a:fontRef>
+        </p:style>
+      </p:cxnSp>
+      <p:cxnSp>
+        <p:nvCxnSpPr>
+          <p:cNvPr id="84" name="直接箭头连接符 83">
+            <a:extLst>
+              <a:ext uri="{FF2B5EF4-FFF2-40B4-BE49-F238E27FC236}">
+                <a16:creationId xmlns:a16="http://schemas.microsoft.com/office/drawing/2014/main" id="{858DD09A-E3F2-4ECA-A179-898BDA990D7F}"/>
+              </a:ext>
+            </a:extLst>
+          </p:cNvPr>
+          <p:cNvCxnSpPr>
+            <a:cxnSpLocks/>
+            <a:stCxn id="80" idx="3"/>
+          </p:cNvCxnSpPr>
+          <p:nvPr/>
+        </p:nvCxnSpPr>
+        <p:spPr>
+          <a:xfrm flipH="1">
+            <a:off x="9244675" y="1926438"/>
+            <a:ext cx="386953" cy="196966"/>
+          </a:xfrm>
+          <a:prstGeom prst="straightConnector1">
+            <a:avLst/>
+          </a:prstGeom>
+          <a:ln w="9525" cap="flat" cmpd="sng" algn="ctr">
+            <a:solidFill>
+              <a:schemeClr val="accent2"/>
+            </a:solidFill>
+            <a:prstDash val="solid"/>
+            <a:round/>
+            <a:headEnd type="none" w="med" len="med"/>
+            <a:tailEnd type="arrow" w="med" len="med"/>
+          </a:ln>
+        </p:spPr>
+        <p:style>
+          <a:lnRef idx="0">
+            <a:scrgbClr r="0" g="0" b="0"/>
+          </a:lnRef>
+          <a:fillRef idx="0">
+            <a:scrgbClr r="0" g="0" b="0"/>
+          </a:fillRef>
+          <a:effectRef idx="0">
+            <a:scrgbClr r="0" g="0" b="0"/>
+          </a:effectRef>
+          <a:fontRef idx="minor">
+            <a:schemeClr val="tx1"/>
+          </a:fontRef>
+        </p:style>
+      </p:cxnSp>
+      <mc:AlternateContent xmlns:mc="http://schemas.openxmlformats.org/markup-compatibility/2006">
+        <mc:Choice xmlns:a14="http://schemas.microsoft.com/office/drawing/2010/main" Requires="a14">
+          <p:sp>
+            <p:nvSpPr>
+              <p:cNvPr id="85" name="文本框 84">
+                <a:extLst>
+                  <a:ext uri="{FF2B5EF4-FFF2-40B4-BE49-F238E27FC236}">
+                    <a16:creationId xmlns:a16="http://schemas.microsoft.com/office/drawing/2014/main" id="{D7F6FD78-BD81-4BF7-895A-3DFA29D6B463}"/>
+                  </a:ext>
+                </a:extLst>
+              </p:cNvPr>
+              <p:cNvSpPr txBox="1"/>
+              <p:nvPr/>
+            </p:nvSpPr>
+            <p:spPr>
+              <a:xfrm>
+                <a:off x="9991689" y="1892490"/>
+                <a:ext cx="143180" cy="234038"/>
+              </a:xfrm>
+              <a:prstGeom prst="rect">
+                <a:avLst/>
+              </a:prstGeom>
+              <a:noFill/>
+            </p:spPr>
+            <p:txBody>
+              <a:bodyPr wrap="none" lIns="0" tIns="0" rIns="0" bIns="0" rtlCol="0">
+                <a:spAutoFit/>
+              </a:bodyPr>
+              <a:lstStyle/>
+              <a:p>
+                <a:pPr/>
+                <a14:m>
+                  <m:oMathPara xmlns:m="http://schemas.openxmlformats.org/officeDocument/2006/math">
+                    <m:oMathParaPr>
+                      <m:jc m:val="centerGroup"/>
+                    </m:oMathParaPr>
+                    <m:oMath xmlns:m="http://schemas.openxmlformats.org/officeDocument/2006/math">
+                      <m:f>
+                        <m:fPr>
+                          <m:ctrlPr>
+                            <a:rPr lang="en-US" altLang="zh-CN" sz="800" i="1" smtClean="0">
+                              <a:latin typeface="Cambria Math" panose="02040503050406030204" pitchFamily="18" charset="0"/>
+                            </a:rPr>
+                          </m:ctrlPr>
+                        </m:fPr>
+                        <m:num>
+                          <m:r>
+                            <a:rPr lang="en-US" altLang="zh-CN" sz="800" i="1">
+                              <a:latin typeface="Cambria Math" panose="02040503050406030204" pitchFamily="18" charset="0"/>
+                            </a:rPr>
+                            <m:t>𝜕</m:t>
+                          </m:r>
+                          <m:r>
+                            <a:rPr lang="en-US" altLang="zh-CN" sz="800" b="0" i="1" smtClean="0">
+                              <a:latin typeface="Cambria Math" panose="02040503050406030204" pitchFamily="18" charset="0"/>
+                            </a:rPr>
+                            <m:t>𝐿</m:t>
+                          </m:r>
+                        </m:num>
+                        <m:den>
+                          <m:r>
+                            <a:rPr lang="en-US" altLang="zh-CN" sz="800" i="1">
+                              <a:latin typeface="Cambria Math" panose="02040503050406030204" pitchFamily="18" charset="0"/>
+                            </a:rPr>
+                            <m:t>𝜕</m:t>
+                          </m:r>
+                          <m:r>
+                            <a:rPr lang="en-US" altLang="zh-CN" sz="800" i="1">
+                              <a:latin typeface="Cambria Math" panose="02040503050406030204" pitchFamily="18" charset="0"/>
+                            </a:rPr>
+                            <m:t>𝑧</m:t>
+                          </m:r>
+                        </m:den>
+                      </m:f>
+                    </m:oMath>
+                  </m:oMathPara>
+                </a14:m>
+                <a:endParaRPr lang="zh-CN" altLang="en-US" sz="800" dirty="0"/>
+              </a:p>
+            </p:txBody>
+          </p:sp>
+        </mc:Choice>
+        <mc:Fallback>
+          <p:sp>
+            <p:nvSpPr>
+              <p:cNvPr id="85" name="文本框 84">
+                <a:extLst>
+                  <a:ext uri="{FF2B5EF4-FFF2-40B4-BE49-F238E27FC236}">
+                    <a16:creationId xmlns:a16="http://schemas.microsoft.com/office/drawing/2014/main" id="{D7F6FD78-BD81-4BF7-895A-3DFA29D6B463}"/>
+                  </a:ext>
+                </a:extLst>
+              </p:cNvPr>
+              <p:cNvSpPr txBox="1">
+                <a:spLocks noRot="1" noChangeAspect="1" noMove="1" noResize="1" noEditPoints="1" noAdjustHandles="1" noChangeArrowheads="1" noChangeShapeType="1" noTextEdit="1"/>
+              </p:cNvSpPr>
+              <p:nvPr/>
+            </p:nvSpPr>
+            <p:spPr>
+              <a:xfrm>
+                <a:off x="9991689" y="1892490"/>
+                <a:ext cx="143180" cy="234038"/>
+              </a:xfrm>
+              <a:prstGeom prst="rect">
+                <a:avLst/>
+              </a:prstGeom>
+              <a:blipFill>
+                <a:blip r:embed="rId21"/>
+                <a:stretch>
+                  <a:fillRect l="-16667" t="-2564" r="-8333" b="-15385"/>
+                </a:stretch>
+              </a:blipFill>
+            </p:spPr>
+            <p:txBody>
+              <a:bodyPr/>
+              <a:lstStyle/>
+              <a:p>
+                <a:r>
+                  <a:rPr lang="zh-CN" altLang="en-US">
+                    <a:noFill/>
+                  </a:rPr>
+                  <a:t> </a:t>
+                </a:r>
+              </a:p>
+            </p:txBody>
+          </p:sp>
+        </mc:Fallback>
+      </mc:AlternateContent>
+      <mc:AlternateContent xmlns:mc="http://schemas.openxmlformats.org/markup-compatibility/2006">
+        <mc:Choice xmlns:a14="http://schemas.microsoft.com/office/drawing/2010/main" Requires="a14">
+          <p:sp>
+            <p:nvSpPr>
+              <p:cNvPr id="86" name="文本框 85">
+                <a:extLst>
+                  <a:ext uri="{FF2B5EF4-FFF2-40B4-BE49-F238E27FC236}">
+                    <a16:creationId xmlns:a16="http://schemas.microsoft.com/office/drawing/2014/main" id="{7B6BC53E-23A2-4E4F-83E2-A20C06CE75BE}"/>
+                  </a:ext>
+                </a:extLst>
+              </p:cNvPr>
+              <p:cNvSpPr txBox="1"/>
+              <p:nvPr/>
+            </p:nvSpPr>
+            <p:spPr>
+              <a:xfrm>
+                <a:off x="9248776" y="2138648"/>
+                <a:ext cx="275268" cy="234038"/>
+              </a:xfrm>
+              <a:prstGeom prst="rect">
+                <a:avLst/>
+              </a:prstGeom>
+              <a:noFill/>
+            </p:spPr>
+            <p:txBody>
+              <a:bodyPr wrap="none" lIns="0" tIns="0" rIns="0" bIns="0" rtlCol="0">
+                <a:spAutoFit/>
+              </a:bodyPr>
+              <a:lstStyle/>
+              <a:p>
+                <a:pPr/>
+                <a14:m>
+                  <m:oMathPara xmlns:m="http://schemas.openxmlformats.org/officeDocument/2006/math">
+                    <m:oMathParaPr>
+                      <m:jc m:val="centerGroup"/>
+                    </m:oMathParaPr>
+                    <m:oMath xmlns:m="http://schemas.openxmlformats.org/officeDocument/2006/math">
+                      <m:f>
+                        <m:fPr>
+                          <m:ctrlPr>
+                            <a:rPr lang="en-US" altLang="zh-CN" sz="800" i="1" smtClean="0">
+                              <a:latin typeface="Cambria Math" panose="02040503050406030204" pitchFamily="18" charset="0"/>
+                            </a:rPr>
+                          </m:ctrlPr>
+                        </m:fPr>
+                        <m:num>
+                          <m:r>
+                            <a:rPr lang="en-US" altLang="zh-CN" sz="800" i="1">
+                              <a:latin typeface="Cambria Math" panose="02040503050406030204" pitchFamily="18" charset="0"/>
+                            </a:rPr>
+                            <m:t>𝜕</m:t>
+                          </m:r>
+                          <m:r>
+                            <a:rPr lang="en-US" altLang="zh-CN" sz="800" b="0" i="1" smtClean="0">
+                              <a:latin typeface="Cambria Math" panose="02040503050406030204" pitchFamily="18" charset="0"/>
+                            </a:rPr>
+                            <m:t>𝐿</m:t>
+                          </m:r>
+                        </m:num>
+                        <m:den>
+                          <m:r>
+                            <a:rPr lang="en-US" altLang="zh-CN" sz="800" i="1">
+                              <a:latin typeface="Cambria Math" panose="02040503050406030204" pitchFamily="18" charset="0"/>
+                            </a:rPr>
+                            <m:t>𝜕</m:t>
+                          </m:r>
+                          <m:r>
+                            <a:rPr lang="en-US" altLang="zh-CN" sz="800" i="1">
+                              <a:latin typeface="Cambria Math" panose="02040503050406030204" pitchFamily="18" charset="0"/>
+                            </a:rPr>
+                            <m:t>𝑧</m:t>
+                          </m:r>
+                        </m:den>
+                      </m:f>
+                      <m:r>
+                        <a:rPr lang="en-US" altLang="zh-CN" sz="800" i="1">
+                          <a:latin typeface="Cambria Math" panose="02040503050406030204" pitchFamily="18" charset="0"/>
+                          <a:ea typeface="Cambria Math" panose="02040503050406030204" pitchFamily="18" charset="0"/>
+                        </a:rPr>
+                        <m:t>∙</m:t>
+                      </m:r>
+                      <m:r>
+                        <a:rPr lang="en-US" altLang="zh-CN" sz="800" b="0" i="1" smtClean="0">
+                          <a:latin typeface="Cambria Math" panose="02040503050406030204" pitchFamily="18" charset="0"/>
+                          <a:ea typeface="Cambria Math" panose="02040503050406030204" pitchFamily="18" charset="0"/>
+                        </a:rPr>
+                        <m:t>𝑥</m:t>
+                      </m:r>
+                    </m:oMath>
+                  </m:oMathPara>
+                </a14:m>
+                <a:endParaRPr lang="zh-CN" altLang="en-US" sz="800" dirty="0"/>
+              </a:p>
+            </p:txBody>
+          </p:sp>
+        </mc:Choice>
+        <mc:Fallback>
+          <p:sp>
+            <p:nvSpPr>
+              <p:cNvPr id="86" name="文本框 85">
+                <a:extLst>
+                  <a:ext uri="{FF2B5EF4-FFF2-40B4-BE49-F238E27FC236}">
+                    <a16:creationId xmlns:a16="http://schemas.microsoft.com/office/drawing/2014/main" id="{7B6BC53E-23A2-4E4F-83E2-A20C06CE75BE}"/>
+                  </a:ext>
+                </a:extLst>
+              </p:cNvPr>
+              <p:cNvSpPr txBox="1">
+                <a:spLocks noRot="1" noChangeAspect="1" noMove="1" noResize="1" noEditPoints="1" noAdjustHandles="1" noChangeArrowheads="1" noChangeShapeType="1" noTextEdit="1"/>
+              </p:cNvSpPr>
+              <p:nvPr/>
+            </p:nvSpPr>
+            <p:spPr>
+              <a:xfrm>
+                <a:off x="9248776" y="2138648"/>
+                <a:ext cx="275268" cy="234038"/>
+              </a:xfrm>
+              <a:prstGeom prst="rect">
+                <a:avLst/>
+              </a:prstGeom>
+              <a:blipFill>
+                <a:blip r:embed="rId22"/>
+                <a:stretch>
+                  <a:fillRect l="-6667" t="-5263" r="-4444" b="-15789"/>
+                </a:stretch>
+              </a:blipFill>
+            </p:spPr>
+            <p:txBody>
+              <a:bodyPr/>
+              <a:lstStyle/>
+              <a:p>
+                <a:r>
+                  <a:rPr lang="zh-CN" altLang="en-US">
+                    <a:noFill/>
+                  </a:rPr>
+                  <a:t> </a:t>
+                </a:r>
+              </a:p>
+            </p:txBody>
+          </p:sp>
+        </mc:Fallback>
+      </mc:AlternateContent>
+      <mc:AlternateContent xmlns:mc="http://schemas.openxmlformats.org/markup-compatibility/2006">
+        <mc:Choice xmlns:a14="http://schemas.microsoft.com/office/drawing/2010/main" Requires="a14">
+          <p:sp>
+            <p:nvSpPr>
+              <p:cNvPr id="87" name="文本框 86">
+                <a:extLst>
+                  <a:ext uri="{FF2B5EF4-FFF2-40B4-BE49-F238E27FC236}">
+                    <a16:creationId xmlns:a16="http://schemas.microsoft.com/office/drawing/2014/main" id="{63151C4E-6027-49D4-B90C-5C27791FF77A}"/>
+                  </a:ext>
+                </a:extLst>
+              </p:cNvPr>
+              <p:cNvSpPr txBox="1"/>
+              <p:nvPr/>
+            </p:nvSpPr>
+            <p:spPr>
+              <a:xfrm>
+                <a:off x="9248393" y="1658452"/>
+                <a:ext cx="277127" cy="234038"/>
+              </a:xfrm>
+              <a:prstGeom prst="rect">
+                <a:avLst/>
+              </a:prstGeom>
+              <a:noFill/>
+            </p:spPr>
+            <p:txBody>
+              <a:bodyPr wrap="none" lIns="0" tIns="0" rIns="0" bIns="0" rtlCol="0">
+                <a:spAutoFit/>
+              </a:bodyPr>
+              <a:lstStyle/>
+              <a:p>
+                <a:pPr/>
+                <a14:m>
+                  <m:oMathPara xmlns:m="http://schemas.openxmlformats.org/officeDocument/2006/math">
+                    <m:oMathParaPr>
+                      <m:jc m:val="centerGroup"/>
+                    </m:oMathParaPr>
+                    <m:oMath xmlns:m="http://schemas.openxmlformats.org/officeDocument/2006/math">
+                      <m:f>
+                        <m:fPr>
+                          <m:ctrlPr>
+                            <a:rPr lang="en-US" altLang="zh-CN" sz="800" i="1" smtClean="0">
+                              <a:latin typeface="Cambria Math" panose="02040503050406030204" pitchFamily="18" charset="0"/>
+                            </a:rPr>
+                          </m:ctrlPr>
+                        </m:fPr>
+                        <m:num>
+                          <m:r>
+                            <a:rPr lang="en-US" altLang="zh-CN" sz="800" i="1">
+                              <a:latin typeface="Cambria Math" panose="02040503050406030204" pitchFamily="18" charset="0"/>
+                            </a:rPr>
+                            <m:t>𝜕</m:t>
+                          </m:r>
+                          <m:r>
+                            <a:rPr lang="en-US" altLang="zh-CN" sz="800" b="0" i="1" smtClean="0">
+                              <a:latin typeface="Cambria Math" panose="02040503050406030204" pitchFamily="18" charset="0"/>
+                            </a:rPr>
+                            <m:t>𝐿</m:t>
+                          </m:r>
+                        </m:num>
+                        <m:den>
+                          <m:r>
+                            <a:rPr lang="en-US" altLang="zh-CN" sz="800" i="1">
+                              <a:latin typeface="Cambria Math" panose="02040503050406030204" pitchFamily="18" charset="0"/>
+                            </a:rPr>
+                            <m:t>𝜕</m:t>
+                          </m:r>
+                          <m:r>
+                            <a:rPr lang="en-US" altLang="zh-CN" sz="800" i="1">
+                              <a:latin typeface="Cambria Math" panose="02040503050406030204" pitchFamily="18" charset="0"/>
+                            </a:rPr>
+                            <m:t>𝑧</m:t>
+                          </m:r>
+                        </m:den>
+                      </m:f>
+                      <m:r>
+                        <a:rPr lang="en-US" altLang="zh-CN" sz="800" i="1">
+                          <a:latin typeface="Cambria Math" panose="02040503050406030204" pitchFamily="18" charset="0"/>
+                          <a:ea typeface="Cambria Math" panose="02040503050406030204" pitchFamily="18" charset="0"/>
+                        </a:rPr>
+                        <m:t>∙</m:t>
+                      </m:r>
+                      <m:r>
+                        <a:rPr lang="en-US" altLang="zh-CN" sz="800" b="0" i="1" smtClean="0">
+                          <a:latin typeface="Cambria Math" panose="02040503050406030204" pitchFamily="18" charset="0"/>
+                          <a:ea typeface="Cambria Math" panose="02040503050406030204" pitchFamily="18" charset="0"/>
+                        </a:rPr>
+                        <m:t>𝑦</m:t>
+                      </m:r>
+                    </m:oMath>
+                  </m:oMathPara>
+                </a14:m>
+                <a:endParaRPr lang="zh-CN" altLang="en-US" sz="800" dirty="0"/>
+              </a:p>
+            </p:txBody>
+          </p:sp>
+        </mc:Choice>
+        <mc:Fallback>
+          <p:sp>
+            <p:nvSpPr>
+              <p:cNvPr id="87" name="文本框 86">
+                <a:extLst>
+                  <a:ext uri="{FF2B5EF4-FFF2-40B4-BE49-F238E27FC236}">
+                    <a16:creationId xmlns:a16="http://schemas.microsoft.com/office/drawing/2014/main" id="{63151C4E-6027-49D4-B90C-5C27791FF77A}"/>
+                  </a:ext>
+                </a:extLst>
+              </p:cNvPr>
+              <p:cNvSpPr txBox="1">
+                <a:spLocks noRot="1" noChangeAspect="1" noMove="1" noResize="1" noEditPoints="1" noAdjustHandles="1" noChangeArrowheads="1" noChangeShapeType="1" noTextEdit="1"/>
+              </p:cNvSpPr>
+              <p:nvPr/>
+            </p:nvSpPr>
+            <p:spPr>
+              <a:xfrm>
+                <a:off x="9248393" y="1658452"/>
+                <a:ext cx="277127" cy="234038"/>
+              </a:xfrm>
+              <a:prstGeom prst="rect">
+                <a:avLst/>
+              </a:prstGeom>
+              <a:blipFill>
+                <a:blip r:embed="rId23"/>
+                <a:stretch>
+                  <a:fillRect l="-8696" t="-2632" r="-8696" b="-18421"/>
+                </a:stretch>
+              </a:blipFill>
+            </p:spPr>
+            <p:txBody>
+              <a:bodyPr/>
+              <a:lstStyle/>
+              <a:p>
+                <a:r>
+                  <a:rPr lang="zh-CN" altLang="en-US">
+                    <a:noFill/>
+                  </a:rPr>
+                  <a:t> </a:t>
+                </a:r>
+              </a:p>
+            </p:txBody>
+          </p:sp>
+        </mc:Fallback>
+      </mc:AlternateContent>
+      <mc:AlternateContent xmlns:mc="http://schemas.openxmlformats.org/markup-compatibility/2006">
+        <mc:Choice xmlns:a14="http://schemas.microsoft.com/office/drawing/2010/main" Requires="a14">
+          <p:sp>
+            <p:nvSpPr>
+              <p:cNvPr id="88" name="文本框 87">
+                <a:extLst>
+                  <a:ext uri="{FF2B5EF4-FFF2-40B4-BE49-F238E27FC236}">
+                    <a16:creationId xmlns:a16="http://schemas.microsoft.com/office/drawing/2014/main" id="{E45199AB-48D7-460C-A45A-85609EC1AB84}"/>
+                  </a:ext>
+                </a:extLst>
+              </p:cNvPr>
+              <p:cNvSpPr txBox="1"/>
+              <p:nvPr/>
+            </p:nvSpPr>
+            <p:spPr>
+              <a:xfrm>
+                <a:off x="9490473" y="1805444"/>
+                <a:ext cx="396876" cy="123111"/>
+              </a:xfrm>
+              <a:prstGeom prst="rect">
+                <a:avLst/>
+              </a:prstGeom>
+              <a:noFill/>
+            </p:spPr>
+            <p:txBody>
+              <a:bodyPr wrap="square" lIns="0" tIns="0" rIns="0" bIns="0" rtlCol="0">
+                <a:spAutoFit/>
+              </a:bodyPr>
+              <a:lstStyle/>
+              <a:p>
+                <a:pPr/>
+                <a14:m>
+                  <m:oMathPara xmlns:m="http://schemas.openxmlformats.org/officeDocument/2006/math">
+                    <m:oMathParaPr>
+                      <m:jc m:val="centerGroup"/>
+                    </m:oMathParaPr>
+                    <m:oMath xmlns:m="http://schemas.openxmlformats.org/officeDocument/2006/math">
+                      <m:r>
+                        <a:rPr lang="en-US" altLang="zh-CN" sz="800" b="0" i="1" smtClean="0">
+                          <a:latin typeface="Cambria Math" panose="02040503050406030204" pitchFamily="18" charset="0"/>
+                          <a:ea typeface="Cambria Math" panose="02040503050406030204" pitchFamily="18" charset="0"/>
+                        </a:rPr>
+                        <m:t>×</m:t>
+                      </m:r>
+                    </m:oMath>
+                  </m:oMathPara>
+                </a14:m>
+                <a:endParaRPr lang="zh-CN" altLang="en-US" sz="1400" dirty="0"/>
+              </a:p>
+            </p:txBody>
+          </p:sp>
+        </mc:Choice>
+        <mc:Fallback>
+          <p:sp>
+            <p:nvSpPr>
+              <p:cNvPr id="88" name="文本框 87">
+                <a:extLst>
+                  <a:ext uri="{FF2B5EF4-FFF2-40B4-BE49-F238E27FC236}">
+                    <a16:creationId xmlns:a16="http://schemas.microsoft.com/office/drawing/2014/main" id="{E45199AB-48D7-460C-A45A-85609EC1AB84}"/>
+                  </a:ext>
+                </a:extLst>
+              </p:cNvPr>
+              <p:cNvSpPr txBox="1">
+                <a:spLocks noRot="1" noChangeAspect="1" noMove="1" noResize="1" noEditPoints="1" noAdjustHandles="1" noChangeArrowheads="1" noChangeShapeType="1" noTextEdit="1"/>
+              </p:cNvSpPr>
+              <p:nvPr/>
+            </p:nvSpPr>
+            <p:spPr>
+              <a:xfrm>
+                <a:off x="9490473" y="1805444"/>
+                <a:ext cx="396876" cy="123111"/>
+              </a:xfrm>
+              <a:prstGeom prst="rect">
+                <a:avLst/>
+              </a:prstGeom>
+              <a:blipFill>
+                <a:blip r:embed="rId17"/>
+                <a:stretch>
+                  <a:fillRect b="-5000"/>
+                </a:stretch>
+              </a:blipFill>
+            </p:spPr>
+            <p:txBody>
+              <a:bodyPr/>
+              <a:lstStyle/>
+              <a:p>
+                <a:r>
+                  <a:rPr lang="zh-CN" altLang="en-US">
+                    <a:noFill/>
+                  </a:rPr>
+                  <a:t> </a:t>
+                </a:r>
+              </a:p>
+            </p:txBody>
+          </p:sp>
+        </mc:Fallback>
+      </mc:AlternateContent>
+      <p:sp>
+        <p:nvSpPr>
+          <p:cNvPr id="89" name="椭圆 88">
+            <a:extLst>
+              <a:ext uri="{FF2B5EF4-FFF2-40B4-BE49-F238E27FC236}">
+                <a16:creationId xmlns:a16="http://schemas.microsoft.com/office/drawing/2014/main" id="{5F2FD2FB-641F-4D32-9BD1-1B792CEC3158}"/>
+              </a:ext>
+            </a:extLst>
+          </p:cNvPr>
+          <p:cNvSpPr/>
+          <p:nvPr/>
+        </p:nvSpPr>
+        <p:spPr>
+          <a:xfrm>
+            <a:off x="8517734" y="2776756"/>
+            <a:ext cx="168118" cy="168118"/>
+          </a:xfrm>
+          <a:prstGeom prst="ellipse">
+            <a:avLst/>
+          </a:prstGeom>
+          <a:solidFill>
+            <a:schemeClr val="bg1"/>
+          </a:solidFill>
+          <a:ln>
+            <a:solidFill>
+              <a:schemeClr val="tx1"/>
+            </a:solidFill>
+          </a:ln>
+        </p:spPr>
+        <p:style>
+          <a:lnRef idx="2">
+            <a:schemeClr val="accent1">
+              <a:shade val="50000"/>
+            </a:schemeClr>
+          </a:lnRef>
+          <a:fillRef idx="1">
+            <a:schemeClr val="accent1"/>
+          </a:fillRef>
+          <a:effectRef idx="0">
+            <a:schemeClr val="accent1"/>
+          </a:effectRef>
+          <a:fontRef idx="minor">
+            <a:schemeClr val="lt1"/>
+          </a:fontRef>
+        </p:style>
+        <p:txBody>
+          <a:bodyPr rtlCol="0" anchor="ctr"/>
+          <a:lstStyle/>
+          <a:p>
+            <a:pPr algn="ctr"/>
+            <a:endParaRPr lang="zh-CN" altLang="en-US"/>
+          </a:p>
+        </p:txBody>
+      </p:sp>
+      <p:cxnSp>
+        <p:nvCxnSpPr>
+          <p:cNvPr id="90" name="直接箭头连接符 89">
+            <a:extLst>
+              <a:ext uri="{FF2B5EF4-FFF2-40B4-BE49-F238E27FC236}">
+                <a16:creationId xmlns:a16="http://schemas.microsoft.com/office/drawing/2014/main" id="{8C448D15-4812-4776-8C2F-DB343964EC05}"/>
+              </a:ext>
+            </a:extLst>
+          </p:cNvPr>
+          <p:cNvCxnSpPr>
+            <a:cxnSpLocks/>
+            <a:endCxn id="89" idx="2"/>
+          </p:cNvCxnSpPr>
+          <p:nvPr/>
+        </p:nvCxnSpPr>
+        <p:spPr>
+          <a:xfrm>
+            <a:off x="8243994" y="2603487"/>
+            <a:ext cx="273740" cy="257328"/>
+          </a:xfrm>
+          <a:prstGeom prst="straightConnector1">
+            <a:avLst/>
+          </a:prstGeom>
+          <a:ln w="9525" cap="flat" cmpd="sng" algn="ctr">
+            <a:solidFill>
+              <a:schemeClr val="accent3"/>
+            </a:solidFill>
+            <a:prstDash val="solid"/>
+            <a:round/>
+            <a:headEnd type="none" w="med" len="med"/>
+            <a:tailEnd type="arrow" w="med" len="med"/>
+          </a:ln>
+        </p:spPr>
+        <p:style>
+          <a:lnRef idx="0">
+            <a:scrgbClr r="0" g="0" b="0"/>
+          </a:lnRef>
+          <a:fillRef idx="0">
+            <a:scrgbClr r="0" g="0" b="0"/>
+          </a:fillRef>
+          <a:effectRef idx="0">
+            <a:scrgbClr r="0" g="0" b="0"/>
+          </a:effectRef>
+          <a:fontRef idx="minor">
+            <a:schemeClr val="tx1"/>
+          </a:fontRef>
+        </p:style>
+      </p:cxnSp>
+      <p:cxnSp>
+        <p:nvCxnSpPr>
+          <p:cNvPr id="91" name="直接箭头连接符 90">
+            <a:extLst>
+              <a:ext uri="{FF2B5EF4-FFF2-40B4-BE49-F238E27FC236}">
+                <a16:creationId xmlns:a16="http://schemas.microsoft.com/office/drawing/2014/main" id="{F833F046-60EA-47A5-84B4-D916C50BCB28}"/>
+              </a:ext>
+            </a:extLst>
+          </p:cNvPr>
+          <p:cNvCxnSpPr>
+            <a:cxnSpLocks/>
+            <a:stCxn id="89" idx="6"/>
+          </p:cNvCxnSpPr>
+          <p:nvPr/>
+        </p:nvCxnSpPr>
+        <p:spPr>
+          <a:xfrm>
+            <a:off x="8685852" y="2860815"/>
+            <a:ext cx="331023" cy="0"/>
+          </a:xfrm>
+          <a:prstGeom prst="straightConnector1">
+            <a:avLst/>
+          </a:prstGeom>
+          <a:ln w="9525" cap="flat" cmpd="sng" algn="ctr">
+            <a:solidFill>
+              <a:schemeClr val="accent3"/>
+            </a:solidFill>
+            <a:prstDash val="solid"/>
+            <a:round/>
+            <a:headEnd type="none" w="med" len="med"/>
+            <a:tailEnd type="arrow" w="med" len="med"/>
+          </a:ln>
+        </p:spPr>
+        <p:style>
+          <a:lnRef idx="0">
+            <a:scrgbClr r="0" g="0" b="0"/>
+          </a:lnRef>
+          <a:fillRef idx="0">
+            <a:scrgbClr r="0" g="0" b="0"/>
+          </a:fillRef>
+          <a:effectRef idx="0">
+            <a:scrgbClr r="0" g="0" b="0"/>
+          </a:effectRef>
+          <a:fontRef idx="minor">
+            <a:schemeClr val="tx1"/>
+          </a:fontRef>
+        </p:style>
+      </p:cxnSp>
+      <mc:AlternateContent xmlns:mc="http://schemas.openxmlformats.org/markup-compatibility/2006">
+        <mc:Choice xmlns:a14="http://schemas.microsoft.com/office/drawing/2010/main" Requires="a14">
+          <p:sp>
+            <p:nvSpPr>
+              <p:cNvPr id="92" name="文本框 91">
+                <a:extLst>
+                  <a:ext uri="{FF2B5EF4-FFF2-40B4-BE49-F238E27FC236}">
+                    <a16:creationId xmlns:a16="http://schemas.microsoft.com/office/drawing/2014/main" id="{6573DF98-49DA-4463-87A3-AF87D49068EB}"/>
+                  </a:ext>
+                </a:extLst>
+              </p:cNvPr>
+              <p:cNvSpPr txBox="1"/>
+              <p:nvPr/>
+            </p:nvSpPr>
+            <p:spPr>
+              <a:xfrm>
+                <a:off x="8403436" y="2790094"/>
+                <a:ext cx="396876" cy="123111"/>
+              </a:xfrm>
+              <a:prstGeom prst="rect">
+                <a:avLst/>
+              </a:prstGeom>
+              <a:noFill/>
+            </p:spPr>
+            <p:txBody>
+              <a:bodyPr wrap="square" lIns="0" tIns="0" rIns="0" bIns="0" rtlCol="0">
+                <a:spAutoFit/>
+              </a:bodyPr>
+              <a:lstStyle/>
+              <a:p>
+                <a:pPr/>
+                <a14:m>
+                  <m:oMathPara xmlns:m="http://schemas.openxmlformats.org/officeDocument/2006/math">
+                    <m:oMathParaPr>
+                      <m:jc m:val="centerGroup"/>
+                    </m:oMathParaPr>
+                    <m:oMath xmlns:m="http://schemas.openxmlformats.org/officeDocument/2006/math">
+                      <m:r>
+                        <a:rPr lang="en-US" altLang="zh-CN" sz="800" b="0" i="1" smtClean="0">
+                          <a:latin typeface="Cambria Math" panose="02040503050406030204" pitchFamily="18" charset="0"/>
+                          <a:ea typeface="Cambria Math" panose="02040503050406030204" pitchFamily="18" charset="0"/>
+                        </a:rPr>
+                        <m:t>×</m:t>
+                      </m:r>
+                    </m:oMath>
+                  </m:oMathPara>
+                </a14:m>
+                <a:endParaRPr lang="zh-CN" altLang="en-US" sz="1400" dirty="0"/>
+              </a:p>
+            </p:txBody>
+          </p:sp>
+        </mc:Choice>
+        <mc:Fallback>
+          <p:sp>
+            <p:nvSpPr>
+              <p:cNvPr id="92" name="文本框 91">
+                <a:extLst>
+                  <a:ext uri="{FF2B5EF4-FFF2-40B4-BE49-F238E27FC236}">
+                    <a16:creationId xmlns:a16="http://schemas.microsoft.com/office/drawing/2014/main" id="{6573DF98-49DA-4463-87A3-AF87D49068EB}"/>
+                  </a:ext>
+                </a:extLst>
+              </p:cNvPr>
+              <p:cNvSpPr txBox="1">
+                <a:spLocks noRot="1" noChangeAspect="1" noMove="1" noResize="1" noEditPoints="1" noAdjustHandles="1" noChangeArrowheads="1" noChangeShapeType="1" noTextEdit="1"/>
+              </p:cNvSpPr>
+              <p:nvPr/>
+            </p:nvSpPr>
+            <p:spPr>
+              <a:xfrm>
+                <a:off x="8403436" y="2790094"/>
+                <a:ext cx="396876" cy="123111"/>
+              </a:xfrm>
+              <a:prstGeom prst="rect">
+                <a:avLst/>
+              </a:prstGeom>
+              <a:blipFill>
+                <a:blip r:embed="rId17"/>
+                <a:stretch>
+                  <a:fillRect b="-5000"/>
+                </a:stretch>
+              </a:blipFill>
+            </p:spPr>
+            <p:txBody>
+              <a:bodyPr/>
+              <a:lstStyle/>
+              <a:p>
+                <a:r>
+                  <a:rPr lang="zh-CN" altLang="en-US">
+                    <a:noFill/>
+                  </a:rPr>
+                  <a:t> </a:t>
+                </a:r>
+              </a:p>
+            </p:txBody>
+          </p:sp>
+        </mc:Fallback>
+      </mc:AlternateContent>
+      <mc:AlternateContent xmlns:mc="http://schemas.openxmlformats.org/markup-compatibility/2006">
+        <mc:Choice xmlns:a14="http://schemas.microsoft.com/office/drawing/2010/main" Requires="a14">
+          <p:sp>
+            <p:nvSpPr>
+              <p:cNvPr id="93" name="文本框 92">
+                <a:extLst>
+                  <a:ext uri="{FF2B5EF4-FFF2-40B4-BE49-F238E27FC236}">
+                    <a16:creationId xmlns:a16="http://schemas.microsoft.com/office/drawing/2014/main" id="{FABC0DD3-0CAB-4819-B64C-63158632981C}"/>
+                  </a:ext>
+                </a:extLst>
+              </p:cNvPr>
+              <p:cNvSpPr txBox="1"/>
+              <p:nvPr/>
+            </p:nvSpPr>
+            <p:spPr>
+              <a:xfrm>
+                <a:off x="8324389" y="2552458"/>
+                <a:ext cx="141064" cy="123111"/>
+              </a:xfrm>
+              <a:prstGeom prst="rect">
+                <a:avLst/>
+              </a:prstGeom>
+              <a:noFill/>
+            </p:spPr>
+            <p:txBody>
+              <a:bodyPr wrap="none" lIns="0" tIns="0" rIns="0" bIns="0" rtlCol="0">
+                <a:spAutoFit/>
+              </a:bodyPr>
+              <a:lstStyle/>
+              <a:p>
+                <a:pPr/>
+                <a14:m>
+                  <m:oMathPara xmlns:m="http://schemas.openxmlformats.org/officeDocument/2006/math">
+                    <m:oMathParaPr>
+                      <m:jc m:val="centerGroup"/>
+                    </m:oMathParaPr>
+                    <m:oMath xmlns:m="http://schemas.openxmlformats.org/officeDocument/2006/math">
+                      <m:r>
+                        <a:rPr lang="en-US" altLang="zh-CN" sz="800" i="1">
+                          <a:latin typeface="Cambria Math" panose="02040503050406030204" pitchFamily="18" charset="0"/>
+                        </a:rPr>
+                        <m:t>1</m:t>
+                      </m:r>
+                      <m:r>
+                        <a:rPr lang="en-US" altLang="zh-CN" sz="800" i="1" smtClean="0">
+                          <a:latin typeface="Cambria Math" panose="02040503050406030204" pitchFamily="18" charset="0"/>
+                        </a:rPr>
+                        <m:t>0</m:t>
+                      </m:r>
+                    </m:oMath>
+                  </m:oMathPara>
+                </a14:m>
+                <a:endParaRPr lang="zh-CN" altLang="en-US" sz="800" dirty="0"/>
+              </a:p>
+            </p:txBody>
+          </p:sp>
+        </mc:Choice>
+        <mc:Fallback>
+          <p:sp>
+            <p:nvSpPr>
+              <p:cNvPr id="93" name="文本框 92">
+                <a:extLst>
+                  <a:ext uri="{FF2B5EF4-FFF2-40B4-BE49-F238E27FC236}">
+                    <a16:creationId xmlns:a16="http://schemas.microsoft.com/office/drawing/2014/main" id="{FABC0DD3-0CAB-4819-B64C-63158632981C}"/>
+                  </a:ext>
+                </a:extLst>
+              </p:cNvPr>
+              <p:cNvSpPr txBox="1">
+                <a:spLocks noRot="1" noChangeAspect="1" noMove="1" noResize="1" noEditPoints="1" noAdjustHandles="1" noChangeArrowheads="1" noChangeShapeType="1" noTextEdit="1"/>
+              </p:cNvSpPr>
+              <p:nvPr/>
+            </p:nvSpPr>
+            <p:spPr>
+              <a:xfrm>
+                <a:off x="8324389" y="2552458"/>
+                <a:ext cx="141064" cy="123111"/>
+              </a:xfrm>
+              <a:prstGeom prst="rect">
+                <a:avLst/>
+              </a:prstGeom>
+              <a:blipFill>
+                <a:blip r:embed="rId12"/>
+                <a:stretch>
+                  <a:fillRect l="-17391" r="-13043" b="-10000"/>
+                </a:stretch>
+              </a:blipFill>
+            </p:spPr>
+            <p:txBody>
+              <a:bodyPr/>
+              <a:lstStyle/>
+              <a:p>
+                <a:r>
+                  <a:rPr lang="zh-CN" altLang="en-US">
+                    <a:noFill/>
+                  </a:rPr>
+                  <a:t> </a:t>
+                </a:r>
+              </a:p>
+            </p:txBody>
+          </p:sp>
+        </mc:Fallback>
+      </mc:AlternateContent>
+      <mc:AlternateContent xmlns:mc="http://schemas.openxmlformats.org/markup-compatibility/2006">
+        <mc:Choice xmlns:a14="http://schemas.microsoft.com/office/drawing/2010/main" Requires="a14">
+          <p:sp>
+            <p:nvSpPr>
+              <p:cNvPr id="94" name="文本框 93">
+                <a:extLst>
+                  <a:ext uri="{FF2B5EF4-FFF2-40B4-BE49-F238E27FC236}">
+                    <a16:creationId xmlns:a16="http://schemas.microsoft.com/office/drawing/2014/main" id="{F7EC426D-237D-47E0-B649-4449531DF682}"/>
+                  </a:ext>
+                </a:extLst>
+              </p:cNvPr>
+              <p:cNvSpPr txBox="1"/>
+              <p:nvPr/>
+            </p:nvSpPr>
+            <p:spPr>
+              <a:xfrm>
+                <a:off x="8787472" y="2737704"/>
+                <a:ext cx="141064" cy="123111"/>
+              </a:xfrm>
+              <a:prstGeom prst="rect">
+                <a:avLst/>
+              </a:prstGeom>
+              <a:noFill/>
+            </p:spPr>
+            <p:txBody>
+              <a:bodyPr wrap="none" lIns="0" tIns="0" rIns="0" bIns="0" rtlCol="0">
+                <a:spAutoFit/>
+              </a:bodyPr>
+              <a:lstStyle/>
+              <a:p>
+                <a:pPr/>
+                <a14:m>
+                  <m:oMathPara xmlns:m="http://schemas.openxmlformats.org/officeDocument/2006/math">
+                    <m:oMathParaPr>
+                      <m:jc m:val="centerGroup"/>
+                    </m:oMathParaPr>
+                    <m:oMath xmlns:m="http://schemas.openxmlformats.org/officeDocument/2006/math">
+                      <m:r>
+                        <a:rPr lang="en-US" altLang="zh-CN" sz="800" i="1">
+                          <a:latin typeface="Cambria Math" panose="02040503050406030204" pitchFamily="18" charset="0"/>
+                        </a:rPr>
+                        <m:t>5</m:t>
+                      </m:r>
+                      <m:r>
+                        <a:rPr lang="en-US" altLang="zh-CN" sz="800" i="1" smtClean="0">
+                          <a:latin typeface="Cambria Math" panose="02040503050406030204" pitchFamily="18" charset="0"/>
+                        </a:rPr>
+                        <m:t>0</m:t>
+                      </m:r>
+                    </m:oMath>
+                  </m:oMathPara>
+                </a14:m>
+                <a:endParaRPr lang="zh-CN" altLang="en-US" sz="800" dirty="0"/>
+              </a:p>
+            </p:txBody>
+          </p:sp>
+        </mc:Choice>
+        <mc:Fallback>
+          <p:sp>
+            <p:nvSpPr>
+              <p:cNvPr id="94" name="文本框 93">
+                <a:extLst>
+                  <a:ext uri="{FF2B5EF4-FFF2-40B4-BE49-F238E27FC236}">
+                    <a16:creationId xmlns:a16="http://schemas.microsoft.com/office/drawing/2014/main" id="{F7EC426D-237D-47E0-B649-4449531DF682}"/>
+                  </a:ext>
+                </a:extLst>
+              </p:cNvPr>
+              <p:cNvSpPr txBox="1">
+                <a:spLocks noRot="1" noChangeAspect="1" noMove="1" noResize="1" noEditPoints="1" noAdjustHandles="1" noChangeArrowheads="1" noChangeShapeType="1" noTextEdit="1"/>
+              </p:cNvSpPr>
+              <p:nvPr/>
+            </p:nvSpPr>
+            <p:spPr>
+              <a:xfrm>
+                <a:off x="8787472" y="2737704"/>
+                <a:ext cx="141064" cy="123111"/>
+              </a:xfrm>
+              <a:prstGeom prst="rect">
+                <a:avLst/>
+              </a:prstGeom>
+              <a:blipFill>
+                <a:blip r:embed="rId24"/>
+                <a:stretch>
+                  <a:fillRect l="-21739" r="-13043" b="-15000"/>
+                </a:stretch>
+              </a:blipFill>
+            </p:spPr>
+            <p:txBody>
+              <a:bodyPr/>
+              <a:lstStyle/>
+              <a:p>
+                <a:r>
+                  <a:rPr lang="zh-CN" altLang="en-US">
+                    <a:noFill/>
+                  </a:rPr>
+                  <a:t> </a:t>
+                </a:r>
+              </a:p>
+            </p:txBody>
+          </p:sp>
+        </mc:Fallback>
+      </mc:AlternateContent>
+      <p:cxnSp>
+        <p:nvCxnSpPr>
+          <p:cNvPr id="95" name="直接箭头连接符 94">
+            <a:extLst>
+              <a:ext uri="{FF2B5EF4-FFF2-40B4-BE49-F238E27FC236}">
+                <a16:creationId xmlns:a16="http://schemas.microsoft.com/office/drawing/2014/main" id="{D1D1077E-969E-4D43-94B8-4C96080BDF9F}"/>
+              </a:ext>
+            </a:extLst>
+          </p:cNvPr>
+          <p:cNvCxnSpPr>
+            <a:cxnSpLocks/>
+            <a:endCxn id="89" idx="3"/>
+          </p:cNvCxnSpPr>
+          <p:nvPr/>
+        </p:nvCxnSpPr>
+        <p:spPr>
+          <a:xfrm flipV="1">
+            <a:off x="8230543" y="2920254"/>
+            <a:ext cx="311811" cy="197889"/>
+          </a:xfrm>
+          <a:prstGeom prst="straightConnector1">
+            <a:avLst/>
+          </a:prstGeom>
+          <a:ln w="9525" cap="flat" cmpd="sng" algn="ctr">
+            <a:solidFill>
+              <a:schemeClr val="accent3"/>
+            </a:solidFill>
+            <a:prstDash val="solid"/>
+            <a:round/>
+            <a:headEnd type="none" w="med" len="med"/>
+            <a:tailEnd type="arrow" w="med" len="med"/>
+          </a:ln>
+        </p:spPr>
+        <p:style>
+          <a:lnRef idx="0">
+            <a:scrgbClr r="0" g="0" b="0"/>
+          </a:lnRef>
+          <a:fillRef idx="0">
+            <a:scrgbClr r="0" g="0" b="0"/>
+          </a:fillRef>
+          <a:effectRef idx="0">
+            <a:scrgbClr r="0" g="0" b="0"/>
+          </a:effectRef>
+          <a:fontRef idx="minor">
+            <a:schemeClr val="tx1"/>
+          </a:fontRef>
+        </p:style>
+      </p:cxnSp>
+      <mc:AlternateContent xmlns:mc="http://schemas.openxmlformats.org/markup-compatibility/2006">
+        <mc:Choice xmlns:a14="http://schemas.microsoft.com/office/drawing/2010/main" Requires="a14">
+          <p:sp>
+            <p:nvSpPr>
+              <p:cNvPr id="96" name="文本框 95">
+                <a:extLst>
+                  <a:ext uri="{FF2B5EF4-FFF2-40B4-BE49-F238E27FC236}">
+                    <a16:creationId xmlns:a16="http://schemas.microsoft.com/office/drawing/2014/main" id="{72FB9E8F-1EE4-4808-BB31-EF579CE0FAD0}"/>
+                  </a:ext>
+                </a:extLst>
+              </p:cNvPr>
+              <p:cNvSpPr txBox="1"/>
+              <p:nvPr/>
+            </p:nvSpPr>
+            <p:spPr>
+              <a:xfrm>
+                <a:off x="8277012" y="2931690"/>
+                <a:ext cx="84959" cy="123111"/>
+              </a:xfrm>
+              <a:prstGeom prst="rect">
+                <a:avLst/>
+              </a:prstGeom>
+              <a:noFill/>
+            </p:spPr>
+            <p:txBody>
+              <a:bodyPr wrap="none" lIns="0" tIns="0" rIns="0" bIns="0" rtlCol="0">
+                <a:spAutoFit/>
+              </a:bodyPr>
+              <a:lstStyle/>
+              <a:p>
+                <a:pPr/>
+                <a14:m>
+                  <m:oMathPara xmlns:m="http://schemas.openxmlformats.org/officeDocument/2006/math">
+                    <m:oMathParaPr>
+                      <m:jc m:val="centerGroup"/>
+                    </m:oMathParaPr>
+                    <m:oMath xmlns:m="http://schemas.openxmlformats.org/officeDocument/2006/math">
+                      <m:r>
+                        <a:rPr lang="en-US" altLang="zh-CN" sz="800" i="1">
+                          <a:latin typeface="Cambria Math" panose="02040503050406030204" pitchFamily="18" charset="0"/>
+                        </a:rPr>
+                        <m:t>5</m:t>
+                      </m:r>
+                    </m:oMath>
+                  </m:oMathPara>
+                </a14:m>
+                <a:endParaRPr lang="zh-CN" altLang="en-US" sz="800" dirty="0"/>
+              </a:p>
+            </p:txBody>
+          </p:sp>
+        </mc:Choice>
+        <mc:Fallback>
+          <p:sp>
+            <p:nvSpPr>
+              <p:cNvPr id="96" name="文本框 95">
+                <a:extLst>
+                  <a:ext uri="{FF2B5EF4-FFF2-40B4-BE49-F238E27FC236}">
+                    <a16:creationId xmlns:a16="http://schemas.microsoft.com/office/drawing/2014/main" id="{72FB9E8F-1EE4-4808-BB31-EF579CE0FAD0}"/>
+                  </a:ext>
+                </a:extLst>
+              </p:cNvPr>
+              <p:cNvSpPr txBox="1">
+                <a:spLocks noRot="1" noChangeAspect="1" noMove="1" noResize="1" noEditPoints="1" noAdjustHandles="1" noChangeArrowheads="1" noChangeShapeType="1" noTextEdit="1"/>
+              </p:cNvSpPr>
+              <p:nvPr/>
+            </p:nvSpPr>
+            <p:spPr>
+              <a:xfrm>
+                <a:off x="8277012" y="2931690"/>
+                <a:ext cx="84959" cy="123111"/>
+              </a:xfrm>
+              <a:prstGeom prst="rect">
+                <a:avLst/>
+              </a:prstGeom>
+              <a:blipFill>
+                <a:blip r:embed="rId25"/>
+                <a:stretch>
+                  <a:fillRect l="-35714" r="-21429" b="-10000"/>
+                </a:stretch>
+              </a:blipFill>
+            </p:spPr>
+            <p:txBody>
+              <a:bodyPr/>
+              <a:lstStyle/>
+              <a:p>
+                <a:r>
+                  <a:rPr lang="zh-CN" altLang="en-US">
+                    <a:noFill/>
+                  </a:rPr>
+                  <a:t> </a:t>
+                </a:r>
+              </a:p>
+            </p:txBody>
+          </p:sp>
+        </mc:Fallback>
+      </mc:AlternateContent>
+      <p:sp>
+        <p:nvSpPr>
+          <p:cNvPr id="97" name="椭圆 96">
+            <a:extLst>
+              <a:ext uri="{FF2B5EF4-FFF2-40B4-BE49-F238E27FC236}">
+                <a16:creationId xmlns:a16="http://schemas.microsoft.com/office/drawing/2014/main" id="{6BDEBCC0-8997-48A0-A193-B6832837C65C}"/>
+              </a:ext>
+            </a:extLst>
+          </p:cNvPr>
+          <p:cNvSpPr/>
+          <p:nvPr/>
+        </p:nvSpPr>
+        <p:spPr>
+          <a:xfrm>
+            <a:off x="9614395" y="2751265"/>
+            <a:ext cx="168118" cy="168118"/>
+          </a:xfrm>
+          <a:prstGeom prst="ellipse">
+            <a:avLst/>
+          </a:prstGeom>
+          <a:solidFill>
+            <a:schemeClr val="bg1"/>
+          </a:solidFill>
+          <a:ln>
+            <a:solidFill>
+              <a:schemeClr val="tx1"/>
+            </a:solidFill>
+          </a:ln>
+        </p:spPr>
+        <p:style>
+          <a:lnRef idx="2">
+            <a:schemeClr val="accent1">
+              <a:shade val="50000"/>
+            </a:schemeClr>
+          </a:lnRef>
+          <a:fillRef idx="1">
+            <a:schemeClr val="accent1"/>
+          </a:fillRef>
+          <a:effectRef idx="0">
+            <a:schemeClr val="accent1"/>
+          </a:effectRef>
+          <a:fontRef idx="minor">
+            <a:schemeClr val="lt1"/>
+          </a:fontRef>
+        </p:style>
+        <p:txBody>
+          <a:bodyPr rtlCol="0" anchor="ctr"/>
+          <a:lstStyle/>
+          <a:p>
+            <a:pPr algn="ctr"/>
+            <a:endParaRPr lang="zh-CN" altLang="en-US"/>
+          </a:p>
+        </p:txBody>
+      </p:sp>
+      <p:cxnSp>
+        <p:nvCxnSpPr>
+          <p:cNvPr id="98" name="直接箭头连接符 97">
+            <a:extLst>
+              <a:ext uri="{FF2B5EF4-FFF2-40B4-BE49-F238E27FC236}">
+                <a16:creationId xmlns:a16="http://schemas.microsoft.com/office/drawing/2014/main" id="{8F17CC7D-0732-485F-869B-516808D66AFE}"/>
+              </a:ext>
+            </a:extLst>
+          </p:cNvPr>
+          <p:cNvCxnSpPr>
+            <a:cxnSpLocks/>
+            <a:stCxn id="97" idx="1"/>
+          </p:cNvCxnSpPr>
+          <p:nvPr/>
+        </p:nvCxnSpPr>
+        <p:spPr>
+          <a:xfrm flipH="1" flipV="1">
+            <a:off x="9220313" y="2566741"/>
+            <a:ext cx="418702" cy="209144"/>
+          </a:xfrm>
+          <a:prstGeom prst="straightConnector1">
+            <a:avLst/>
+          </a:prstGeom>
+          <a:ln w="9525" cap="flat" cmpd="sng" algn="ctr">
+            <a:solidFill>
+              <a:schemeClr val="accent2"/>
+            </a:solidFill>
+            <a:prstDash val="solid"/>
+            <a:round/>
+            <a:headEnd type="none" w="med" len="med"/>
+            <a:tailEnd type="arrow" w="med" len="med"/>
+          </a:ln>
+        </p:spPr>
+        <p:style>
+          <a:lnRef idx="0">
+            <a:scrgbClr r="0" g="0" b="0"/>
+          </a:lnRef>
+          <a:fillRef idx="0">
+            <a:scrgbClr r="0" g="0" b="0"/>
+          </a:fillRef>
+          <a:effectRef idx="0">
+            <a:scrgbClr r="0" g="0" b="0"/>
+          </a:effectRef>
+          <a:fontRef idx="minor">
+            <a:schemeClr val="tx1"/>
+          </a:fontRef>
+        </p:style>
+      </p:cxnSp>
+      <p:cxnSp>
+        <p:nvCxnSpPr>
+          <p:cNvPr id="99" name="直接箭头连接符 98">
+            <a:extLst>
+              <a:ext uri="{FF2B5EF4-FFF2-40B4-BE49-F238E27FC236}">
+                <a16:creationId xmlns:a16="http://schemas.microsoft.com/office/drawing/2014/main" id="{285BC9E8-D9AD-45B9-BC89-05F9EE9054FF}"/>
+              </a:ext>
+            </a:extLst>
+          </p:cNvPr>
+          <p:cNvCxnSpPr>
+            <a:cxnSpLocks/>
+            <a:endCxn id="97" idx="6"/>
+          </p:cNvCxnSpPr>
+          <p:nvPr/>
+        </p:nvCxnSpPr>
+        <p:spPr>
+          <a:xfrm flipH="1">
+            <a:off x="9782513" y="2835324"/>
+            <a:ext cx="483961" cy="0"/>
+          </a:xfrm>
+          <a:prstGeom prst="straightConnector1">
+            <a:avLst/>
+          </a:prstGeom>
+          <a:ln w="9525" cap="flat" cmpd="sng" algn="ctr">
+            <a:solidFill>
+              <a:schemeClr val="accent2"/>
+            </a:solidFill>
+            <a:prstDash val="solid"/>
+            <a:round/>
+            <a:headEnd type="none" w="med" len="med"/>
+            <a:tailEnd type="arrow" w="med" len="med"/>
+          </a:ln>
+        </p:spPr>
+        <p:style>
+          <a:lnRef idx="0">
+            <a:scrgbClr r="0" g="0" b="0"/>
+          </a:lnRef>
+          <a:fillRef idx="0">
+            <a:scrgbClr r="0" g="0" b="0"/>
+          </a:fillRef>
+          <a:effectRef idx="0">
+            <a:scrgbClr r="0" g="0" b="0"/>
+          </a:effectRef>
+          <a:fontRef idx="minor">
+            <a:schemeClr val="tx1"/>
+          </a:fontRef>
+        </p:style>
+      </p:cxnSp>
+      <p:cxnSp>
+        <p:nvCxnSpPr>
+          <p:cNvPr id="100" name="直接箭头连接符 99">
+            <a:extLst>
+              <a:ext uri="{FF2B5EF4-FFF2-40B4-BE49-F238E27FC236}">
+                <a16:creationId xmlns:a16="http://schemas.microsoft.com/office/drawing/2014/main" id="{7BB79FCE-F7F1-417D-9516-9FA05ECD809F}"/>
+              </a:ext>
+            </a:extLst>
+          </p:cNvPr>
+          <p:cNvCxnSpPr>
+            <a:cxnSpLocks/>
+            <a:stCxn id="97" idx="3"/>
+          </p:cNvCxnSpPr>
+          <p:nvPr/>
+        </p:nvCxnSpPr>
+        <p:spPr>
+          <a:xfrm flipH="1">
+            <a:off x="9252062" y="2894763"/>
+            <a:ext cx="386953" cy="196966"/>
+          </a:xfrm>
+          <a:prstGeom prst="straightConnector1">
+            <a:avLst/>
+          </a:prstGeom>
+          <a:ln w="9525" cap="flat" cmpd="sng" algn="ctr">
+            <a:solidFill>
+              <a:schemeClr val="accent2"/>
+            </a:solidFill>
+            <a:prstDash val="solid"/>
+            <a:round/>
+            <a:headEnd type="none" w="med" len="med"/>
+            <a:tailEnd type="arrow" w="med" len="med"/>
+          </a:ln>
+        </p:spPr>
+        <p:style>
+          <a:lnRef idx="0">
+            <a:scrgbClr r="0" g="0" b="0"/>
+          </a:lnRef>
+          <a:fillRef idx="0">
+            <a:scrgbClr r="0" g="0" b="0"/>
+          </a:fillRef>
+          <a:effectRef idx="0">
+            <a:scrgbClr r="0" g="0" b="0"/>
+          </a:effectRef>
+          <a:fontRef idx="minor">
+            <a:schemeClr val="tx1"/>
+          </a:fontRef>
+        </p:style>
+      </p:cxnSp>
+      <mc:AlternateContent xmlns:mc="http://schemas.openxmlformats.org/markup-compatibility/2006">
+        <mc:Choice xmlns:a14="http://schemas.microsoft.com/office/drawing/2010/main" Requires="a14">
+          <p:sp>
+            <p:nvSpPr>
+              <p:cNvPr id="101" name="文本框 100">
+                <a:extLst>
+                  <a:ext uri="{FF2B5EF4-FFF2-40B4-BE49-F238E27FC236}">
+                    <a16:creationId xmlns:a16="http://schemas.microsoft.com/office/drawing/2014/main" id="{653A12EE-5C1C-4025-9536-8972226739A8}"/>
+                  </a:ext>
+                </a:extLst>
+              </p:cNvPr>
+              <p:cNvSpPr txBox="1"/>
+              <p:nvPr/>
+            </p:nvSpPr>
+            <p:spPr>
+              <a:xfrm>
+                <a:off x="9999076" y="2860815"/>
+                <a:ext cx="161904" cy="123111"/>
+              </a:xfrm>
+              <a:prstGeom prst="rect">
+                <a:avLst/>
+              </a:prstGeom>
+              <a:noFill/>
+            </p:spPr>
+            <p:txBody>
+              <a:bodyPr wrap="none" lIns="0" tIns="0" rIns="0" bIns="0" rtlCol="0">
+                <a:spAutoFit/>
+              </a:bodyPr>
+              <a:lstStyle/>
+              <a:p>
+                <a:pPr/>
+                <a14:m>
+                  <m:oMathPara xmlns:m="http://schemas.openxmlformats.org/officeDocument/2006/math">
+                    <m:oMathParaPr>
+                      <m:jc m:val="centerGroup"/>
+                    </m:oMathParaPr>
+                    <m:oMath xmlns:m="http://schemas.openxmlformats.org/officeDocument/2006/math">
+                      <m:r>
+                        <a:rPr lang="en-US" altLang="zh-CN" sz="800" i="1" smtClean="0">
+                          <a:latin typeface="Cambria Math" panose="02040503050406030204" pitchFamily="18" charset="0"/>
+                        </a:rPr>
+                        <m:t>1</m:t>
+                      </m:r>
+                      <m:r>
+                        <a:rPr lang="en-US" altLang="zh-CN" sz="800" b="0" i="1" smtClean="0">
+                          <a:latin typeface="Cambria Math" panose="02040503050406030204" pitchFamily="18" charset="0"/>
+                        </a:rPr>
+                        <m:t>.3</m:t>
+                      </m:r>
+                    </m:oMath>
+                  </m:oMathPara>
+                </a14:m>
+                <a:endParaRPr lang="zh-CN" altLang="en-US" sz="800" dirty="0"/>
+              </a:p>
+            </p:txBody>
+          </p:sp>
+        </mc:Choice>
+        <mc:Fallback>
+          <p:sp>
+            <p:nvSpPr>
+              <p:cNvPr id="101" name="文本框 100">
+                <a:extLst>
+                  <a:ext uri="{FF2B5EF4-FFF2-40B4-BE49-F238E27FC236}">
+                    <a16:creationId xmlns:a16="http://schemas.microsoft.com/office/drawing/2014/main" id="{653A12EE-5C1C-4025-9536-8972226739A8}"/>
+                  </a:ext>
+                </a:extLst>
+              </p:cNvPr>
+              <p:cNvSpPr txBox="1">
+                <a:spLocks noRot="1" noChangeAspect="1" noMove="1" noResize="1" noEditPoints="1" noAdjustHandles="1" noChangeArrowheads="1" noChangeShapeType="1" noTextEdit="1"/>
+              </p:cNvSpPr>
+              <p:nvPr/>
+            </p:nvSpPr>
+            <p:spPr>
+              <a:xfrm>
+                <a:off x="9999076" y="2860815"/>
+                <a:ext cx="161904" cy="123111"/>
+              </a:xfrm>
+              <a:prstGeom prst="rect">
+                <a:avLst/>
+              </a:prstGeom>
+              <a:blipFill>
+                <a:blip r:embed="rId16"/>
+                <a:stretch>
+                  <a:fillRect l="-14815" r="-11111" b="-10000"/>
+                </a:stretch>
+              </a:blipFill>
+            </p:spPr>
+            <p:txBody>
+              <a:bodyPr/>
+              <a:lstStyle/>
+              <a:p>
+                <a:r>
+                  <a:rPr lang="zh-CN" altLang="en-US">
+                    <a:noFill/>
+                  </a:rPr>
+                  <a:t> </a:t>
+                </a:r>
+              </a:p>
+            </p:txBody>
+          </p:sp>
+        </mc:Fallback>
+      </mc:AlternateContent>
+      <mc:AlternateContent xmlns:mc="http://schemas.openxmlformats.org/markup-compatibility/2006">
+        <mc:Choice xmlns:a14="http://schemas.microsoft.com/office/drawing/2010/main" Requires="a14">
+          <p:sp>
+            <p:nvSpPr>
+              <p:cNvPr id="103" name="文本框 102">
+                <a:extLst>
+                  <a:ext uri="{FF2B5EF4-FFF2-40B4-BE49-F238E27FC236}">
+                    <a16:creationId xmlns:a16="http://schemas.microsoft.com/office/drawing/2014/main" id="{2CE3164F-7FDF-41CE-8BBE-D94184698F79}"/>
+                  </a:ext>
+                </a:extLst>
+              </p:cNvPr>
+              <p:cNvSpPr txBox="1"/>
+              <p:nvPr/>
+            </p:nvSpPr>
+            <p:spPr>
+              <a:xfrm rot="1488803">
+                <a:off x="9073646" y="2658150"/>
+                <a:ext cx="528991" cy="107722"/>
+              </a:xfrm>
+              <a:prstGeom prst="rect">
+                <a:avLst/>
+              </a:prstGeom>
+              <a:noFill/>
+            </p:spPr>
+            <p:txBody>
+              <a:bodyPr wrap="none" lIns="0" tIns="0" rIns="0" bIns="0" rtlCol="0">
+                <a:spAutoFit/>
+              </a:bodyPr>
+              <a:lstStyle/>
+              <a:p>
+                <a:pPr/>
+                <a14:m>
+                  <m:oMathPara xmlns:m="http://schemas.openxmlformats.org/officeDocument/2006/math">
+                    <m:oMathParaPr>
+                      <m:jc m:val="centerGroup"/>
+                    </m:oMathParaPr>
+                    <m:oMath xmlns:m="http://schemas.openxmlformats.org/officeDocument/2006/math">
+                      <m:r>
+                        <a:rPr lang="en-US" altLang="zh-CN" sz="700" i="1">
+                          <a:latin typeface="Cambria Math" panose="02040503050406030204" pitchFamily="18" charset="0"/>
+                        </a:rPr>
+                        <m:t>1</m:t>
+                      </m:r>
+                      <m:r>
+                        <a:rPr lang="en-US" altLang="zh-CN" sz="700" i="1" smtClean="0">
+                          <a:latin typeface="Cambria Math" panose="02040503050406030204" pitchFamily="18" charset="0"/>
+                        </a:rPr>
+                        <m:t>.</m:t>
+                      </m:r>
+                      <m:r>
+                        <a:rPr lang="en-US" altLang="zh-CN" sz="700" i="1">
+                          <a:latin typeface="Cambria Math" panose="02040503050406030204" pitchFamily="18" charset="0"/>
+                        </a:rPr>
+                        <m:t>3</m:t>
+                      </m:r>
+                      <m:r>
+                        <a:rPr lang="en-US" altLang="zh-CN" sz="700" i="1" smtClean="0">
+                          <a:latin typeface="Cambria Math" panose="02040503050406030204" pitchFamily="18" charset="0"/>
+                          <a:ea typeface="Cambria Math" panose="02040503050406030204" pitchFamily="18" charset="0"/>
+                        </a:rPr>
+                        <m:t>×</m:t>
+                      </m:r>
+                      <m:r>
+                        <a:rPr lang="en-US" altLang="zh-CN" sz="700" i="1">
+                          <a:latin typeface="Cambria Math" panose="02040503050406030204" pitchFamily="18" charset="0"/>
+                          <a:ea typeface="Cambria Math" panose="02040503050406030204" pitchFamily="18" charset="0"/>
+                        </a:rPr>
+                        <m:t>5</m:t>
+                      </m:r>
+                      <m:r>
+                        <a:rPr lang="en-US" altLang="zh-CN" sz="700" i="1" smtClean="0">
+                          <a:latin typeface="Cambria Math" panose="02040503050406030204" pitchFamily="18" charset="0"/>
+                          <a:ea typeface="Cambria Math" panose="02040503050406030204" pitchFamily="18" charset="0"/>
+                        </a:rPr>
+                        <m:t>=</m:t>
+                      </m:r>
+                      <m:r>
+                        <a:rPr lang="en-US" altLang="zh-CN" sz="700" i="1">
+                          <a:latin typeface="Cambria Math" panose="02040503050406030204" pitchFamily="18" charset="0"/>
+                          <a:ea typeface="Cambria Math" panose="02040503050406030204" pitchFamily="18" charset="0"/>
+                        </a:rPr>
+                        <m:t>6</m:t>
+                      </m:r>
+                      <m:r>
+                        <a:rPr lang="en-US" altLang="zh-CN" sz="700" i="1" smtClean="0">
+                          <a:latin typeface="Cambria Math" panose="02040503050406030204" pitchFamily="18" charset="0"/>
+                          <a:ea typeface="Cambria Math" panose="02040503050406030204" pitchFamily="18" charset="0"/>
+                        </a:rPr>
+                        <m:t>.</m:t>
+                      </m:r>
+                      <m:r>
+                        <a:rPr lang="en-US" altLang="zh-CN" sz="700" i="1">
+                          <a:latin typeface="Cambria Math" panose="02040503050406030204" pitchFamily="18" charset="0"/>
+                          <a:ea typeface="Cambria Math" panose="02040503050406030204" pitchFamily="18" charset="0"/>
+                        </a:rPr>
+                        <m:t>5</m:t>
+                      </m:r>
+                    </m:oMath>
+                  </m:oMathPara>
+                </a14:m>
+                <a:endParaRPr lang="zh-CN" altLang="en-US" sz="800" dirty="0"/>
+              </a:p>
+            </p:txBody>
+          </p:sp>
+        </mc:Choice>
+        <mc:Fallback>
+          <p:sp>
+            <p:nvSpPr>
+              <p:cNvPr id="103" name="文本框 102">
+                <a:extLst>
+                  <a:ext uri="{FF2B5EF4-FFF2-40B4-BE49-F238E27FC236}">
+                    <a16:creationId xmlns:a16="http://schemas.microsoft.com/office/drawing/2014/main" id="{2CE3164F-7FDF-41CE-8BBE-D94184698F79}"/>
+                  </a:ext>
+                </a:extLst>
+              </p:cNvPr>
+              <p:cNvSpPr txBox="1">
+                <a:spLocks noRot="1" noChangeAspect="1" noMove="1" noResize="1" noEditPoints="1" noAdjustHandles="1" noChangeArrowheads="1" noChangeShapeType="1" noTextEdit="1"/>
+              </p:cNvSpPr>
+              <p:nvPr/>
+            </p:nvSpPr>
+            <p:spPr>
+              <a:xfrm rot="1488803">
+                <a:off x="9073646" y="2658150"/>
+                <a:ext cx="528991" cy="107722"/>
+              </a:xfrm>
+              <a:prstGeom prst="rect">
+                <a:avLst/>
+              </a:prstGeom>
+              <a:blipFill>
+                <a:blip r:embed="rId26"/>
+                <a:stretch>
+                  <a:fillRect l="-3448" r="-3448" b="-3704"/>
+                </a:stretch>
+              </a:blipFill>
+            </p:spPr>
+            <p:txBody>
+              <a:bodyPr/>
+              <a:lstStyle/>
+              <a:p>
+                <a:r>
+                  <a:rPr lang="zh-CN" altLang="en-US">
+                    <a:noFill/>
+                  </a:rPr>
+                  <a:t> </a:t>
+                </a:r>
+              </a:p>
+            </p:txBody>
+          </p:sp>
+        </mc:Fallback>
+      </mc:AlternateContent>
+      <mc:AlternateContent xmlns:mc="http://schemas.openxmlformats.org/markup-compatibility/2006">
+        <mc:Choice xmlns:a14="http://schemas.microsoft.com/office/drawing/2010/main" Requires="a14">
+          <p:sp>
+            <p:nvSpPr>
+              <p:cNvPr id="104" name="文本框 103">
+                <a:extLst>
+                  <a:ext uri="{FF2B5EF4-FFF2-40B4-BE49-F238E27FC236}">
+                    <a16:creationId xmlns:a16="http://schemas.microsoft.com/office/drawing/2014/main" id="{C802FA0C-E2BF-45B0-9760-CF328C16A28C}"/>
+                  </a:ext>
+                </a:extLst>
+              </p:cNvPr>
+              <p:cNvSpPr txBox="1"/>
+              <p:nvPr/>
+            </p:nvSpPr>
+            <p:spPr>
+              <a:xfrm>
+                <a:off x="9497860" y="2773769"/>
+                <a:ext cx="396876" cy="123111"/>
+              </a:xfrm>
+              <a:prstGeom prst="rect">
+                <a:avLst/>
+              </a:prstGeom>
+              <a:noFill/>
+            </p:spPr>
+            <p:txBody>
+              <a:bodyPr wrap="square" lIns="0" tIns="0" rIns="0" bIns="0" rtlCol="0">
+                <a:spAutoFit/>
+              </a:bodyPr>
+              <a:lstStyle/>
+              <a:p>
+                <a:pPr/>
+                <a14:m>
+                  <m:oMathPara xmlns:m="http://schemas.openxmlformats.org/officeDocument/2006/math">
+                    <m:oMathParaPr>
+                      <m:jc m:val="centerGroup"/>
+                    </m:oMathParaPr>
+                    <m:oMath xmlns:m="http://schemas.openxmlformats.org/officeDocument/2006/math">
+                      <m:r>
+                        <a:rPr lang="en-US" altLang="zh-CN" sz="800" b="0" i="1" smtClean="0">
+                          <a:latin typeface="Cambria Math" panose="02040503050406030204" pitchFamily="18" charset="0"/>
+                          <a:ea typeface="Cambria Math" panose="02040503050406030204" pitchFamily="18" charset="0"/>
+                        </a:rPr>
+                        <m:t>×</m:t>
+                      </m:r>
+                    </m:oMath>
+                  </m:oMathPara>
+                </a14:m>
+                <a:endParaRPr lang="zh-CN" altLang="en-US" sz="1400" dirty="0"/>
+              </a:p>
+            </p:txBody>
+          </p:sp>
+        </mc:Choice>
+        <mc:Fallback>
+          <p:sp>
+            <p:nvSpPr>
+              <p:cNvPr id="104" name="文本框 103">
+                <a:extLst>
+                  <a:ext uri="{FF2B5EF4-FFF2-40B4-BE49-F238E27FC236}">
+                    <a16:creationId xmlns:a16="http://schemas.microsoft.com/office/drawing/2014/main" id="{C802FA0C-E2BF-45B0-9760-CF328C16A28C}"/>
+                  </a:ext>
+                </a:extLst>
+              </p:cNvPr>
+              <p:cNvSpPr txBox="1">
+                <a:spLocks noRot="1" noChangeAspect="1" noMove="1" noResize="1" noEditPoints="1" noAdjustHandles="1" noChangeArrowheads="1" noChangeShapeType="1" noTextEdit="1"/>
+              </p:cNvSpPr>
+              <p:nvPr/>
+            </p:nvSpPr>
+            <p:spPr>
+              <a:xfrm>
+                <a:off x="9497860" y="2773769"/>
+                <a:ext cx="396876" cy="123111"/>
+              </a:xfrm>
+              <a:prstGeom prst="rect">
+                <a:avLst/>
+              </a:prstGeom>
+              <a:blipFill>
+                <a:blip r:embed="rId17"/>
+                <a:stretch>
+                  <a:fillRect b="-5000"/>
+                </a:stretch>
+              </a:blipFill>
+            </p:spPr>
+            <p:txBody>
+              <a:bodyPr/>
+              <a:lstStyle/>
+              <a:p>
+                <a:r>
+                  <a:rPr lang="zh-CN" altLang="en-US">
+                    <a:noFill/>
+                  </a:rPr>
+                  <a:t> </a:t>
+                </a:r>
+              </a:p>
+            </p:txBody>
+          </p:sp>
+        </mc:Fallback>
+      </mc:AlternateContent>
+      <mc:AlternateContent xmlns:mc="http://schemas.openxmlformats.org/markup-compatibility/2006">
+        <mc:Choice xmlns:a14="http://schemas.microsoft.com/office/drawing/2010/main" Requires="a14">
+          <p:sp>
+            <p:nvSpPr>
+              <p:cNvPr id="105" name="文本框 104">
+                <a:extLst>
+                  <a:ext uri="{FF2B5EF4-FFF2-40B4-BE49-F238E27FC236}">
+                    <a16:creationId xmlns:a16="http://schemas.microsoft.com/office/drawing/2014/main" id="{D79A014E-8783-42E6-B802-777BC3112EC8}"/>
+                  </a:ext>
+                </a:extLst>
+              </p:cNvPr>
+              <p:cNvSpPr txBox="1"/>
+              <p:nvPr/>
+            </p:nvSpPr>
+            <p:spPr>
+              <a:xfrm rot="20008173">
+                <a:off x="9152703" y="3058487"/>
+                <a:ext cx="561051" cy="107722"/>
+              </a:xfrm>
+              <a:prstGeom prst="rect">
+                <a:avLst/>
+              </a:prstGeom>
+              <a:noFill/>
+            </p:spPr>
+            <p:txBody>
+              <a:bodyPr wrap="none" lIns="0" tIns="0" rIns="0" bIns="0" rtlCol="0">
+                <a:spAutoFit/>
+              </a:bodyPr>
+              <a:lstStyle/>
+              <a:p>
+                <a:pPr/>
+                <a14:m>
+                  <m:oMathPara xmlns:m="http://schemas.openxmlformats.org/officeDocument/2006/math">
+                    <m:oMathParaPr>
+                      <m:jc m:val="centerGroup"/>
+                    </m:oMathParaPr>
+                    <m:oMath xmlns:m="http://schemas.openxmlformats.org/officeDocument/2006/math">
+                      <m:r>
+                        <a:rPr lang="en-US" altLang="zh-CN" sz="700" i="1">
+                          <a:latin typeface="Cambria Math" panose="02040503050406030204" pitchFamily="18" charset="0"/>
+                        </a:rPr>
+                        <m:t>1</m:t>
+                      </m:r>
+                      <m:r>
+                        <a:rPr lang="en-US" altLang="zh-CN" sz="700" i="1" smtClean="0">
+                          <a:latin typeface="Cambria Math" panose="02040503050406030204" pitchFamily="18" charset="0"/>
+                        </a:rPr>
+                        <m:t>.</m:t>
+                      </m:r>
+                      <m:r>
+                        <a:rPr lang="en-US" altLang="zh-CN" sz="700" i="1">
+                          <a:latin typeface="Cambria Math" panose="02040503050406030204" pitchFamily="18" charset="0"/>
+                        </a:rPr>
+                        <m:t>3</m:t>
+                      </m:r>
+                      <m:r>
+                        <a:rPr lang="en-US" altLang="zh-CN" sz="700" i="1" smtClean="0">
+                          <a:latin typeface="Cambria Math" panose="02040503050406030204" pitchFamily="18" charset="0"/>
+                          <a:ea typeface="Cambria Math" panose="02040503050406030204" pitchFamily="18" charset="0"/>
+                        </a:rPr>
+                        <m:t>×</m:t>
+                      </m:r>
+                      <m:r>
+                        <a:rPr lang="en-US" altLang="zh-CN" sz="700" i="1">
+                          <a:latin typeface="Cambria Math" panose="02040503050406030204" pitchFamily="18" charset="0"/>
+                          <a:ea typeface="Cambria Math" panose="02040503050406030204" pitchFamily="18" charset="0"/>
+                        </a:rPr>
+                        <m:t>1</m:t>
+                      </m:r>
+                      <m:r>
+                        <a:rPr lang="en-US" altLang="zh-CN" sz="700" i="1" smtClean="0">
+                          <a:latin typeface="Cambria Math" panose="02040503050406030204" pitchFamily="18" charset="0"/>
+                          <a:ea typeface="Cambria Math" panose="02040503050406030204" pitchFamily="18" charset="0"/>
+                        </a:rPr>
+                        <m:t>0=</m:t>
+                      </m:r>
+                      <m:r>
+                        <a:rPr lang="en-US" altLang="zh-CN" sz="700" i="1">
+                          <a:latin typeface="Cambria Math" panose="02040503050406030204" pitchFamily="18" charset="0"/>
+                          <a:ea typeface="Cambria Math" panose="02040503050406030204" pitchFamily="18" charset="0"/>
+                        </a:rPr>
+                        <m:t>1</m:t>
+                      </m:r>
+                      <m:r>
+                        <a:rPr lang="en-US" altLang="zh-CN" sz="700" i="1" smtClean="0">
+                          <a:latin typeface="Cambria Math" panose="02040503050406030204" pitchFamily="18" charset="0"/>
+                          <a:ea typeface="Cambria Math" panose="02040503050406030204" pitchFamily="18" charset="0"/>
+                        </a:rPr>
+                        <m:t>3</m:t>
+                      </m:r>
+                    </m:oMath>
+                  </m:oMathPara>
+                </a14:m>
+                <a:endParaRPr lang="zh-CN" altLang="en-US" sz="800" dirty="0"/>
+              </a:p>
+            </p:txBody>
+          </p:sp>
+        </mc:Choice>
+        <mc:Fallback>
+          <p:sp>
+            <p:nvSpPr>
+              <p:cNvPr id="105" name="文本框 104">
+                <a:extLst>
+                  <a:ext uri="{FF2B5EF4-FFF2-40B4-BE49-F238E27FC236}">
+                    <a16:creationId xmlns:a16="http://schemas.microsoft.com/office/drawing/2014/main" id="{D79A014E-8783-42E6-B802-777BC3112EC8}"/>
+                  </a:ext>
+                </a:extLst>
+              </p:cNvPr>
+              <p:cNvSpPr txBox="1">
+                <a:spLocks noRot="1" noChangeAspect="1" noMove="1" noResize="1" noEditPoints="1" noAdjustHandles="1" noChangeArrowheads="1" noChangeShapeType="1" noTextEdit="1"/>
+              </p:cNvSpPr>
+              <p:nvPr/>
+            </p:nvSpPr>
+            <p:spPr>
+              <a:xfrm rot="20008173">
+                <a:off x="9152703" y="3058487"/>
+                <a:ext cx="561051" cy="107722"/>
+              </a:xfrm>
+              <a:prstGeom prst="rect">
+                <a:avLst/>
+              </a:prstGeom>
+              <a:blipFill>
+                <a:blip r:embed="rId27"/>
+                <a:stretch>
+                  <a:fillRect l="-2198" r="-2198" b="-3448"/>
                 </a:stretch>
               </a:blipFill>
             </p:spPr>
@@ -42835,8 +46607,8 @@
           </a:fontRef>
         </p:style>
       </p:cxnSp>
-      <mc:AlternateContent xmlns:mc="http://schemas.openxmlformats.org/markup-compatibility/2006">
-        <mc:Choice xmlns:a14="http://schemas.microsoft.com/office/drawing/2010/main" Requires="a14">
+      <mc:AlternateContent xmlns:mc="http://schemas.openxmlformats.org/markup-compatibility/2006" xmlns:a14="http://schemas.microsoft.com/office/drawing/2010/main">
+        <mc:Choice Requires="a14">
           <p:sp>
             <p:nvSpPr>
               <p:cNvPr id="48" name="文本框 47">
@@ -42886,7 +46658,7 @@
             </p:txBody>
           </p:sp>
         </mc:Choice>
-        <mc:Fallback>
+        <mc:Fallback xmlns="">
           <p:sp>
             <p:nvSpPr>
               <p:cNvPr id="48" name="文本框 47">
@@ -43028,8 +46800,8 @@
           </a:fontRef>
         </p:style>
       </p:cxnSp>
-      <mc:AlternateContent xmlns:mc="http://schemas.openxmlformats.org/markup-compatibility/2006">
-        <mc:Choice xmlns:a14="http://schemas.microsoft.com/office/drawing/2010/main" Requires="a14">
+      <mc:AlternateContent xmlns:mc="http://schemas.openxmlformats.org/markup-compatibility/2006" xmlns:a14="http://schemas.microsoft.com/office/drawing/2010/main">
+        <mc:Choice Requires="a14">
           <p:sp>
             <p:nvSpPr>
               <p:cNvPr id="51" name="文本框 50">
@@ -43079,7 +46851,7 @@
             </p:txBody>
           </p:sp>
         </mc:Choice>
-        <mc:Fallback>
+        <mc:Fallback xmlns="">
           <p:sp>
             <p:nvSpPr>
               <p:cNvPr id="51" name="文本框 50">
@@ -43124,8 +46896,8 @@
           </p:sp>
         </mc:Fallback>
       </mc:AlternateContent>
-      <mc:AlternateContent xmlns:mc="http://schemas.openxmlformats.org/markup-compatibility/2006">
-        <mc:Choice xmlns:a14="http://schemas.microsoft.com/office/drawing/2010/main" Requires="a14">
+      <mc:AlternateContent xmlns:mc="http://schemas.openxmlformats.org/markup-compatibility/2006" xmlns:a14="http://schemas.microsoft.com/office/drawing/2010/main">
+        <mc:Choice Requires="a14">
           <p:sp>
             <p:nvSpPr>
               <p:cNvPr id="53" name="文本框 52">
@@ -43199,7 +46971,7 @@
             </p:txBody>
           </p:sp>
         </mc:Choice>
-        <mc:Fallback>
+        <mc:Fallback xmlns="">
           <p:sp>
             <p:nvSpPr>
               <p:cNvPr id="53" name="文本框 52">
@@ -43244,8 +47016,8 @@
           </p:sp>
         </mc:Fallback>
       </mc:AlternateContent>
-      <mc:AlternateContent xmlns:mc="http://schemas.openxmlformats.org/markup-compatibility/2006">
-        <mc:Choice xmlns:a14="http://schemas.microsoft.com/office/drawing/2010/main" Requires="a14">
+      <mc:AlternateContent xmlns:mc="http://schemas.openxmlformats.org/markup-compatibility/2006" xmlns:a14="http://schemas.microsoft.com/office/drawing/2010/main">
+        <mc:Choice Requires="a14">
           <p:sp>
             <p:nvSpPr>
               <p:cNvPr id="54" name="文本框 53">
@@ -43295,7 +47067,7 @@
             </p:txBody>
           </p:sp>
         </mc:Choice>
-        <mc:Fallback>
+        <mc:Fallback xmlns="">
           <p:sp>
             <p:nvSpPr>
               <p:cNvPr id="54" name="文本框 53">
@@ -43340,8 +47112,8 @@
           </p:sp>
         </mc:Fallback>
       </mc:AlternateContent>
-      <mc:AlternateContent xmlns:mc="http://schemas.openxmlformats.org/markup-compatibility/2006">
-        <mc:Choice xmlns:a14="http://schemas.microsoft.com/office/drawing/2010/main" Requires="a14">
+      <mc:AlternateContent xmlns:mc="http://schemas.openxmlformats.org/markup-compatibility/2006" xmlns:a14="http://schemas.microsoft.com/office/drawing/2010/main">
+        <mc:Choice Requires="a14">
           <p:sp>
             <p:nvSpPr>
               <p:cNvPr id="55" name="文本框 54">
@@ -43407,7 +47179,7 @@
             </p:txBody>
           </p:sp>
         </mc:Choice>
-        <mc:Fallback>
+        <mc:Fallback xmlns="">
           <p:sp>
             <p:nvSpPr>
               <p:cNvPr id="55" name="文本框 54">
@@ -43602,8 +47374,8 @@
           </a:fontRef>
         </p:style>
       </p:cxnSp>
-      <mc:AlternateContent xmlns:mc="http://schemas.openxmlformats.org/markup-compatibility/2006">
-        <mc:Choice xmlns:a14="http://schemas.microsoft.com/office/drawing/2010/main" Requires="a14">
+      <mc:AlternateContent xmlns:mc="http://schemas.openxmlformats.org/markup-compatibility/2006" xmlns:a14="http://schemas.microsoft.com/office/drawing/2010/main">
+        <mc:Choice Requires="a14">
           <p:sp>
             <p:nvSpPr>
               <p:cNvPr id="61" name="文本框 60">
@@ -43653,7 +47425,7 @@
             </p:txBody>
           </p:sp>
         </mc:Choice>
-        <mc:Fallback>
+        <mc:Fallback xmlns="">
           <p:sp>
             <p:nvSpPr>
               <p:cNvPr id="61" name="文本框 60">
@@ -43698,8 +47470,8 @@
           </p:sp>
         </mc:Fallback>
       </mc:AlternateContent>
-      <mc:AlternateContent xmlns:mc="http://schemas.openxmlformats.org/markup-compatibility/2006">
-        <mc:Choice xmlns:a14="http://schemas.microsoft.com/office/drawing/2010/main" Requires="a14">
+      <mc:AlternateContent xmlns:mc="http://schemas.openxmlformats.org/markup-compatibility/2006" xmlns:a14="http://schemas.microsoft.com/office/drawing/2010/main">
+        <mc:Choice Requires="a14">
           <p:sp>
             <p:nvSpPr>
               <p:cNvPr id="62" name="文本框 61">
@@ -43749,7 +47521,7 @@
             </p:txBody>
           </p:sp>
         </mc:Choice>
-        <mc:Fallback>
+        <mc:Fallback xmlns="">
           <p:sp>
             <p:nvSpPr>
               <p:cNvPr id="62" name="文本框 61">
@@ -43842,8 +47614,8 @@
           </a:fontRef>
         </p:style>
       </p:cxnSp>
-      <mc:AlternateContent xmlns:mc="http://schemas.openxmlformats.org/markup-compatibility/2006">
-        <mc:Choice xmlns:a14="http://schemas.microsoft.com/office/drawing/2010/main" Requires="a14">
+      <mc:AlternateContent xmlns:mc="http://schemas.openxmlformats.org/markup-compatibility/2006" xmlns:a14="http://schemas.microsoft.com/office/drawing/2010/main">
+        <mc:Choice Requires="a14">
           <p:sp>
             <p:nvSpPr>
               <p:cNvPr id="64" name="文本框 63">
@@ -43893,7 +47665,7 @@
             </p:txBody>
           </p:sp>
         </mc:Choice>
-        <mc:Fallback>
+        <mc:Fallback xmlns="">
           <p:sp>
             <p:nvSpPr>
               <p:cNvPr id="64" name="文本框 63">
@@ -43938,8 +47710,8 @@
           </p:sp>
         </mc:Fallback>
       </mc:AlternateContent>
-      <mc:AlternateContent xmlns:mc="http://schemas.openxmlformats.org/markup-compatibility/2006">
-        <mc:Choice xmlns:a14="http://schemas.microsoft.com/office/drawing/2010/main" Requires="a14">
+      <mc:AlternateContent xmlns:mc="http://schemas.openxmlformats.org/markup-compatibility/2006" xmlns:a14="http://schemas.microsoft.com/office/drawing/2010/main">
+        <mc:Choice Requires="a14">
           <p:sp>
             <p:nvSpPr>
               <p:cNvPr id="65" name="文本框 64">
@@ -43989,7 +47761,7 @@
             </p:txBody>
           </p:sp>
         </mc:Choice>
-        <mc:Fallback>
+        <mc:Fallback xmlns="">
           <p:sp>
             <p:nvSpPr>
               <p:cNvPr id="65" name="文本框 64">
@@ -44034,8 +47806,8 @@
           </p:sp>
         </mc:Fallback>
       </mc:AlternateContent>
-      <mc:AlternateContent xmlns:mc="http://schemas.openxmlformats.org/markup-compatibility/2006">
-        <mc:Choice xmlns:a14="http://schemas.microsoft.com/office/drawing/2010/main" Requires="a14">
+      <mc:AlternateContent xmlns:mc="http://schemas.openxmlformats.org/markup-compatibility/2006" xmlns:a14="http://schemas.microsoft.com/office/drawing/2010/main">
+        <mc:Choice Requires="a14">
           <p:sp>
             <p:nvSpPr>
               <p:cNvPr id="3" name="文本框 2">
@@ -44064,6 +47836,7 @@
               </a:bodyPr>
               <a:lstStyle/>
               <a:p>
+                <a:pPr/>
                 <a14:m>
                   <m:oMathPara xmlns:m="http://schemas.openxmlformats.org/officeDocument/2006/math">
                     <m:oMathParaPr>
@@ -44085,7 +47858,7 @@
             </p:txBody>
           </p:sp>
         </mc:Choice>
-        <mc:Fallback>
+        <mc:Fallback xmlns="">
           <p:sp>
             <p:nvSpPr>
               <p:cNvPr id="3" name="文本框 2">
@@ -44130,8 +47903,8 @@
           </p:sp>
         </mc:Fallback>
       </mc:AlternateContent>
-      <mc:AlternateContent xmlns:mc="http://schemas.openxmlformats.org/markup-compatibility/2006">
-        <mc:Choice xmlns:a14="http://schemas.microsoft.com/office/drawing/2010/main" Requires="a14">
+      <mc:AlternateContent xmlns:mc="http://schemas.openxmlformats.org/markup-compatibility/2006" xmlns:a14="http://schemas.microsoft.com/office/drawing/2010/main">
+        <mc:Choice Requires="a14">
           <p:sp>
             <p:nvSpPr>
               <p:cNvPr id="66" name="文本框 65">
@@ -44212,7 +47985,7 @@
             </p:txBody>
           </p:sp>
         </mc:Choice>
-        <mc:Fallback>
+        <mc:Fallback xmlns="">
           <p:sp>
             <p:nvSpPr>
               <p:cNvPr id="66" name="文本框 65">

--- a/back_up_images/矢量图片.pptx
+++ b/back_up_images/矢量图片.pptx
@@ -1189,6 +1189,93 @@
 </p:notes>
 </file>
 
+<file path=ppt/notesSlides/notesSlide9.xml><?xml version="1.0" encoding="utf-8"?>
+<p:notes xmlns:a="http://schemas.openxmlformats.org/drawingml/2006/main" xmlns:r="http://schemas.openxmlformats.org/officeDocument/2006/relationships" xmlns:p="http://schemas.openxmlformats.org/presentationml/2006/main">
+  <p:cSld>
+    <p:spTree>
+      <p:nvGrpSpPr>
+        <p:cNvPr id="1" name=""/>
+        <p:cNvGrpSpPr/>
+        <p:nvPr/>
+      </p:nvGrpSpPr>
+      <p:grpSpPr>
+        <a:xfrm>
+          <a:off x="0" y="0"/>
+          <a:ext cx="0" cy="0"/>
+          <a:chOff x="0" y="0"/>
+          <a:chExt cx="0" cy="0"/>
+        </a:xfrm>
+      </p:grpSpPr>
+      <p:sp>
+        <p:nvSpPr>
+          <p:cNvPr id="2" name="幻灯片图像占位符 1"/>
+          <p:cNvSpPr>
+            <a:spLocks noGrp="1" noRot="1" noChangeAspect="1"/>
+          </p:cNvSpPr>
+          <p:nvPr>
+            <p:ph type="sldImg"/>
+          </p:nvPr>
+        </p:nvSpPr>
+        <p:spPr/>
+      </p:sp>
+      <p:sp>
+        <p:nvSpPr>
+          <p:cNvPr id="3" name="备注占位符 2"/>
+          <p:cNvSpPr>
+            <a:spLocks noGrp="1"/>
+          </p:cNvSpPr>
+          <p:nvPr>
+            <p:ph type="body" idx="1"/>
+          </p:nvPr>
+        </p:nvSpPr>
+        <p:spPr/>
+        <p:txBody>
+          <a:bodyPr/>
+          <a:lstStyle/>
+          <a:p>
+            <a:r>
+              <a:rPr lang="zh-CN" altLang="en-US" dirty="0"/>
+              <a:t>乘法层和加法层</a:t>
+            </a:r>
+          </a:p>
+        </p:txBody>
+      </p:sp>
+      <p:sp>
+        <p:nvSpPr>
+          <p:cNvPr id="4" name="灯片编号占位符 3"/>
+          <p:cNvSpPr>
+            <a:spLocks noGrp="1"/>
+          </p:cNvSpPr>
+          <p:nvPr>
+            <p:ph type="sldNum" sz="quarter" idx="5"/>
+          </p:nvPr>
+        </p:nvSpPr>
+        <p:spPr/>
+        <p:txBody>
+          <a:bodyPr/>
+          <a:lstStyle/>
+          <a:p>
+            <a:fld id="{E4007852-6C40-4984-A056-F399EDC19CB2}" type="slidenum">
+              <a:rPr lang="zh-CN" altLang="en-US" smtClean="0"/>
+              <a:t>10</a:t>
+            </a:fld>
+            <a:endParaRPr lang="zh-CN" altLang="en-US"/>
+          </a:p>
+        </p:txBody>
+      </p:sp>
+    </p:spTree>
+    <p:extLst>
+      <p:ext uri="{BB962C8B-B14F-4D97-AF65-F5344CB8AC3E}">
+        <p14:creationId xmlns:p14="http://schemas.microsoft.com/office/powerpoint/2010/main" val="2783470122"/>
+      </p:ext>
+    </p:extLst>
+  </p:cSld>
+  <p:clrMapOvr>
+    <a:masterClrMapping/>
+  </p:clrMapOvr>
+</p:notes>
+</file>
+
 <file path=ppt/slideLayouts/slideLayout1.xml><?xml version="1.0" encoding="utf-8"?>
 <p:sldLayout xmlns:a="http://schemas.openxmlformats.org/drawingml/2006/main" xmlns:r="http://schemas.openxmlformats.org/officeDocument/2006/relationships" xmlns:p="http://schemas.openxmlformats.org/presentationml/2006/main" type="title" preserve="1">
   <p:cSld name="标题幻灯片">
@@ -4714,7 +4801,7 @@
                 <a:avLst/>
               </a:prstGeom>
               <a:blipFill>
-                <a:blip r:embed="rId2"/>
+                <a:blip r:embed="rId3"/>
                 <a:stretch>
                   <a:fillRect b="-15000"/>
                 </a:stretch>
@@ -4810,7 +4897,7 @@
                 <a:avLst/>
               </a:prstGeom>
               <a:blipFill>
-                <a:blip r:embed="rId3"/>
+                <a:blip r:embed="rId4"/>
                 <a:stretch>
                   <a:fillRect l="-21429" r="-7143"/>
                 </a:stretch>
@@ -4906,7 +4993,7 @@
                 <a:avLst/>
               </a:prstGeom>
               <a:blipFill>
-                <a:blip r:embed="rId4"/>
+                <a:blip r:embed="rId5"/>
                 <a:stretch>
                   <a:fillRect l="-23077" r="-7692" b="-5000"/>
                 </a:stretch>
@@ -5050,7 +5137,7 @@
                 <a:avLst/>
               </a:prstGeom>
               <a:blipFill>
-                <a:blip r:embed="rId5"/>
+                <a:blip r:embed="rId6"/>
                 <a:stretch>
                   <a:fillRect l="-35714" r="-28571" b="-30000"/>
                 </a:stretch>
@@ -5200,7 +5287,7 @@
                 <a:avLst/>
               </a:prstGeom>
               <a:blipFill>
-                <a:blip r:embed="rId2"/>
+                <a:blip r:embed="rId3"/>
                 <a:stretch>
                   <a:fillRect b="-9524"/>
                 </a:stretch>
@@ -5471,7 +5558,7 @@
                 <a:avLst/>
               </a:prstGeom>
               <a:blipFill>
-                <a:blip r:embed="rId6"/>
+                <a:blip r:embed="rId7"/>
                 <a:stretch>
                   <a:fillRect l="-16667" t="-2564" r="-8333" b="-15385"/>
                 </a:stretch>
@@ -5612,7 +5699,7 @@
                 <a:avLst/>
               </a:prstGeom>
               <a:blipFill>
-                <a:blip r:embed="rId7"/>
+                <a:blip r:embed="rId8"/>
                 <a:stretch>
                   <a:fillRect l="-6667" t="-5263" r="-6667" b="-15789"/>
                 </a:stretch>
@@ -5753,7 +5840,7 @@
                 <a:avLst/>
               </a:prstGeom>
               <a:blipFill>
-                <a:blip r:embed="rId7"/>
+                <a:blip r:embed="rId8"/>
                 <a:stretch>
                   <a:fillRect l="-6667" t="-5263" r="-6667" b="-15789"/>
                 </a:stretch>
@@ -6000,7 +6087,7 @@
                 <a:avLst/>
               </a:prstGeom>
               <a:blipFill>
-                <a:blip r:embed="rId2"/>
+                <a:blip r:embed="rId3"/>
                 <a:stretch>
                   <a:fillRect b="-9524"/>
                 </a:stretch>
@@ -6096,7 +6183,7 @@
                 <a:avLst/>
               </a:prstGeom>
               <a:blipFill>
-                <a:blip r:embed="rId8"/>
+                <a:blip r:embed="rId9"/>
                 <a:stretch>
                   <a:fillRect l="-21429" r="-7143"/>
                 </a:stretch>
@@ -6192,7 +6279,7 @@
                 <a:avLst/>
               </a:prstGeom>
               <a:blipFill>
-                <a:blip r:embed="rId9"/>
+                <a:blip r:embed="rId10"/>
                 <a:stretch>
                   <a:fillRect l="-23077" r="-7692"/>
                 </a:stretch>
@@ -6336,7 +6423,7 @@
                 <a:avLst/>
               </a:prstGeom>
               <a:blipFill>
-                <a:blip r:embed="rId5"/>
+                <a:blip r:embed="rId6"/>
                 <a:stretch>
                   <a:fillRect l="-35714" r="-28571" b="-30000"/>
                 </a:stretch>
@@ -6739,7 +6826,7 @@
                 <a:avLst/>
               </a:prstGeom>
               <a:blipFill>
-                <a:blip r:embed="rId10"/>
+                <a:blip r:embed="rId11"/>
                 <a:stretch>
                   <a:fillRect l="-28571" r="-21429" b="-10000"/>
                 </a:stretch>
@@ -6910,8 +6997,8 @@
           </a:fontRef>
         </p:style>
       </p:cxnSp>
-      <mc:AlternateContent xmlns:mc="http://schemas.openxmlformats.org/markup-compatibility/2006">
-        <mc:Choice xmlns:a14="http://schemas.microsoft.com/office/drawing/2010/main" Requires="a14">
+      <mc:AlternateContent xmlns:mc="http://schemas.openxmlformats.org/markup-compatibility/2006" xmlns:a14="http://schemas.microsoft.com/office/drawing/2010/main">
+        <mc:Choice Requires="a14">
           <p:sp>
             <p:nvSpPr>
               <p:cNvPr id="37" name="文本框 36">
@@ -6961,7 +7048,7 @@
             </p:txBody>
           </p:sp>
         </mc:Choice>
-        <mc:Fallback>
+        <mc:Fallback xmlns="">
           <p:sp>
             <p:nvSpPr>
               <p:cNvPr id="37" name="文本框 36">
@@ -6985,7 +7072,7 @@
                 <a:avLst/>
               </a:prstGeom>
               <a:blipFill>
-                <a:blip r:embed="rId11"/>
+                <a:blip r:embed="rId12"/>
                 <a:stretch>
                   <a:fillRect b="-15000"/>
                 </a:stretch>
@@ -7006,8 +7093,8 @@
           </p:sp>
         </mc:Fallback>
       </mc:AlternateContent>
-      <mc:AlternateContent xmlns:mc="http://schemas.openxmlformats.org/markup-compatibility/2006">
-        <mc:Choice xmlns:a14="http://schemas.microsoft.com/office/drawing/2010/main" Requires="a14">
+      <mc:AlternateContent xmlns:mc="http://schemas.openxmlformats.org/markup-compatibility/2006" xmlns:a14="http://schemas.microsoft.com/office/drawing/2010/main">
+        <mc:Choice Requires="a14">
           <p:sp>
             <p:nvSpPr>
               <p:cNvPr id="38" name="文本框 37">
@@ -7063,7 +7150,7 @@
             </p:txBody>
           </p:sp>
         </mc:Choice>
-        <mc:Fallback>
+        <mc:Fallback xmlns="">
           <p:sp>
             <p:nvSpPr>
               <p:cNvPr id="38" name="文本框 37">
@@ -7087,7 +7174,7 @@
                 <a:avLst/>
               </a:prstGeom>
               <a:blipFill>
-                <a:blip r:embed="rId12"/>
+                <a:blip r:embed="rId13"/>
                 <a:stretch>
                   <a:fillRect l="-17391" r="-13043" b="-10000"/>
                 </a:stretch>
@@ -7108,8 +7195,8 @@
           </p:sp>
         </mc:Fallback>
       </mc:AlternateContent>
-      <mc:AlternateContent xmlns:mc="http://schemas.openxmlformats.org/markup-compatibility/2006">
-        <mc:Choice xmlns:a14="http://schemas.microsoft.com/office/drawing/2010/main" Requires="a14">
+      <mc:AlternateContent xmlns:mc="http://schemas.openxmlformats.org/markup-compatibility/2006" xmlns:a14="http://schemas.microsoft.com/office/drawing/2010/main">
+        <mc:Choice Requires="a14">
           <p:sp>
             <p:nvSpPr>
               <p:cNvPr id="40" name="文本框 39">
@@ -7165,7 +7252,7 @@
             </p:txBody>
           </p:sp>
         </mc:Choice>
-        <mc:Fallback>
+        <mc:Fallback xmlns="">
           <p:sp>
             <p:nvSpPr>
               <p:cNvPr id="40" name="文本框 39">
@@ -7189,7 +7276,7 @@
                 <a:avLst/>
               </a:prstGeom>
               <a:blipFill>
-                <a:blip r:embed="rId13"/>
+                <a:blip r:embed="rId14"/>
                 <a:stretch>
                   <a:fillRect l="-17391" r="-13043" b="-9524"/>
                 </a:stretch>
@@ -7258,8 +7345,8 @@
           </a:fontRef>
         </p:style>
       </p:cxnSp>
-      <mc:AlternateContent xmlns:mc="http://schemas.openxmlformats.org/markup-compatibility/2006">
-        <mc:Choice xmlns:a14="http://schemas.microsoft.com/office/drawing/2010/main" Requires="a14">
+      <mc:AlternateContent xmlns:mc="http://schemas.openxmlformats.org/markup-compatibility/2006" xmlns:a14="http://schemas.microsoft.com/office/drawing/2010/main">
+        <mc:Choice Requires="a14">
           <p:sp>
             <p:nvSpPr>
               <p:cNvPr id="42" name="文本框 41">
@@ -7309,7 +7396,7 @@
             </p:txBody>
           </p:sp>
         </mc:Choice>
-        <mc:Fallback>
+        <mc:Fallback xmlns="">
           <p:sp>
             <p:nvSpPr>
               <p:cNvPr id="42" name="文本框 41">
@@ -7333,7 +7420,7 @@
                 <a:avLst/>
               </a:prstGeom>
               <a:blipFill>
-                <a:blip r:embed="rId14"/>
+                <a:blip r:embed="rId15"/>
                 <a:stretch>
                   <a:fillRect l="-35714" r="-21429" b="-15000"/>
                 </a:stretch>
@@ -7408,8 +7495,8 @@
           </a:p>
         </p:txBody>
       </p:sp>
-      <mc:AlternateContent xmlns:mc="http://schemas.openxmlformats.org/markup-compatibility/2006">
-        <mc:Choice xmlns:a14="http://schemas.microsoft.com/office/drawing/2010/main" Requires="a14">
+      <mc:AlternateContent xmlns:mc="http://schemas.openxmlformats.org/markup-compatibility/2006" xmlns:a14="http://schemas.microsoft.com/office/drawing/2010/main">
+        <mc:Choice Requires="a14">
           <p:sp>
             <p:nvSpPr>
               <p:cNvPr id="44" name="文本框 43">
@@ -7459,7 +7546,7 @@
             </p:txBody>
           </p:sp>
         </mc:Choice>
-        <mc:Fallback>
+        <mc:Fallback xmlns="">
           <p:sp>
             <p:nvSpPr>
               <p:cNvPr id="44" name="文本框 43">
@@ -7483,7 +7570,7 @@
                 <a:avLst/>
               </a:prstGeom>
               <a:blipFill>
-                <a:blip r:embed="rId11"/>
+                <a:blip r:embed="rId12"/>
                 <a:stretch>
                   <a:fillRect b="-15000"/>
                 </a:stretch>
@@ -7648,8 +7735,8 @@
           </a:fontRef>
         </p:style>
       </p:cxnSp>
-      <mc:AlternateContent xmlns:mc="http://schemas.openxmlformats.org/markup-compatibility/2006">
-        <mc:Choice xmlns:a14="http://schemas.microsoft.com/office/drawing/2010/main" Requires="a14">
+      <mc:AlternateContent xmlns:mc="http://schemas.openxmlformats.org/markup-compatibility/2006" xmlns:a14="http://schemas.microsoft.com/office/drawing/2010/main">
+        <mc:Choice Requires="a14">
           <p:sp>
             <p:nvSpPr>
               <p:cNvPr id="65" name="文本框 64">
@@ -7690,14 +7777,7 @@
                           <a:latin typeface="Cambria Math" panose="02040503050406030204" pitchFamily="18" charset="0"/>
                           <a:ea typeface="Cambria Math" panose="02040503050406030204" pitchFamily="18" charset="0"/>
                         </a:rPr>
-                        <m:t>1</m:t>
-                      </m:r>
-                      <m:r>
-                        <a:rPr lang="en-US" altLang="zh-CN" sz="800" b="0" i="1" smtClean="0">
-                          <a:latin typeface="Cambria Math" panose="02040503050406030204" pitchFamily="18" charset="0"/>
-                          <a:ea typeface="Cambria Math" panose="02040503050406030204" pitchFamily="18" charset="0"/>
-                        </a:rPr>
-                        <m:t>.3</m:t>
+                        <m:t>1.3</m:t>
                       </m:r>
                     </m:oMath>
                   </m:oMathPara>
@@ -7707,7 +7787,7 @@
             </p:txBody>
           </p:sp>
         </mc:Choice>
-        <mc:Fallback>
+        <mc:Fallback xmlns="">
           <p:sp>
             <p:nvSpPr>
               <p:cNvPr id="65" name="文本框 64">
@@ -7731,7 +7811,7 @@
                 <a:avLst/>
               </a:prstGeom>
               <a:blipFill>
-                <a:blip r:embed="rId15"/>
+                <a:blip r:embed="rId16"/>
                 <a:stretch>
                   <a:fillRect l="-14815" r="-11111" b="-10000"/>
                 </a:stretch>
@@ -7752,8 +7832,8 @@
           </p:sp>
         </mc:Fallback>
       </mc:AlternateContent>
-      <mc:AlternateContent xmlns:mc="http://schemas.openxmlformats.org/markup-compatibility/2006">
-        <mc:Choice xmlns:a14="http://schemas.microsoft.com/office/drawing/2010/main" Requires="a14">
+      <mc:AlternateContent xmlns:mc="http://schemas.openxmlformats.org/markup-compatibility/2006" xmlns:a14="http://schemas.microsoft.com/office/drawing/2010/main">
+        <mc:Choice Requires="a14">
           <p:sp>
             <p:nvSpPr>
               <p:cNvPr id="66" name="文本框 65">
@@ -7794,14 +7874,7 @@
                           <a:latin typeface="Cambria Math" panose="02040503050406030204" pitchFamily="18" charset="0"/>
                           <a:ea typeface="Cambria Math" panose="02040503050406030204" pitchFamily="18" charset="0"/>
                         </a:rPr>
-                        <m:t>1</m:t>
-                      </m:r>
-                      <m:r>
-                        <a:rPr lang="en-US" altLang="zh-CN" sz="800" b="0" i="1" smtClean="0">
-                          <a:latin typeface="Cambria Math" panose="02040503050406030204" pitchFamily="18" charset="0"/>
-                          <a:ea typeface="Cambria Math" panose="02040503050406030204" pitchFamily="18" charset="0"/>
-                        </a:rPr>
-                        <m:t>.3</m:t>
+                        <m:t>1.3</m:t>
                       </m:r>
                     </m:oMath>
                   </m:oMathPara>
@@ -7811,7 +7884,7 @@
             </p:txBody>
           </p:sp>
         </mc:Choice>
-        <mc:Fallback>
+        <mc:Fallback xmlns="">
           <p:sp>
             <p:nvSpPr>
               <p:cNvPr id="66" name="文本框 65">
@@ -7835,7 +7908,7 @@
                 <a:avLst/>
               </a:prstGeom>
               <a:blipFill>
-                <a:blip r:embed="rId16"/>
+                <a:blip r:embed="rId17"/>
                 <a:stretch>
                   <a:fillRect l="-14815" r="-11111" b="-10000"/>
                 </a:stretch>
@@ -7856,8 +7929,8 @@
           </p:sp>
         </mc:Fallback>
       </mc:AlternateContent>
-      <mc:AlternateContent xmlns:mc="http://schemas.openxmlformats.org/markup-compatibility/2006">
-        <mc:Choice xmlns:a14="http://schemas.microsoft.com/office/drawing/2010/main" Requires="a14">
+      <mc:AlternateContent xmlns:mc="http://schemas.openxmlformats.org/markup-compatibility/2006" xmlns:a14="http://schemas.microsoft.com/office/drawing/2010/main">
+        <mc:Choice Requires="a14">
           <p:sp>
             <p:nvSpPr>
               <p:cNvPr id="67" name="文本框 66">
@@ -7898,14 +7971,7 @@
                           <a:latin typeface="Cambria Math" panose="02040503050406030204" pitchFamily="18" charset="0"/>
                           <a:ea typeface="Cambria Math" panose="02040503050406030204" pitchFamily="18" charset="0"/>
                         </a:rPr>
-                        <m:t>1</m:t>
-                      </m:r>
-                      <m:r>
-                        <a:rPr lang="en-US" altLang="zh-CN" sz="800" b="0" i="1" smtClean="0">
-                          <a:latin typeface="Cambria Math" panose="02040503050406030204" pitchFamily="18" charset="0"/>
-                          <a:ea typeface="Cambria Math" panose="02040503050406030204" pitchFamily="18" charset="0"/>
-                        </a:rPr>
-                        <m:t>.3</m:t>
+                        <m:t>1.3</m:t>
                       </m:r>
                     </m:oMath>
                   </m:oMathPara>
@@ -7915,7 +7981,7 @@
             </p:txBody>
           </p:sp>
         </mc:Choice>
-        <mc:Fallback>
+        <mc:Fallback xmlns="">
           <p:sp>
             <p:nvSpPr>
               <p:cNvPr id="67" name="文本框 66">
@@ -7939,7 +8005,7 @@
                 <a:avLst/>
               </a:prstGeom>
               <a:blipFill>
-                <a:blip r:embed="rId16"/>
+                <a:blip r:embed="rId17"/>
                 <a:stretch>
                   <a:fillRect l="-14815" r="-11111" b="-10000"/>
                 </a:stretch>
@@ -8110,8 +8176,8 @@
           </a:fontRef>
         </p:style>
       </p:cxnSp>
-      <mc:AlternateContent xmlns:mc="http://schemas.openxmlformats.org/markup-compatibility/2006">
-        <mc:Choice xmlns:a14="http://schemas.microsoft.com/office/drawing/2010/main" Requires="a14">
+      <mc:AlternateContent xmlns:mc="http://schemas.openxmlformats.org/markup-compatibility/2006" xmlns:a14="http://schemas.microsoft.com/office/drawing/2010/main">
+        <mc:Choice Requires="a14">
           <p:sp>
             <p:nvSpPr>
               <p:cNvPr id="75" name="文本框 74">
@@ -8162,7 +8228,7 @@
             </p:txBody>
           </p:sp>
         </mc:Choice>
-        <mc:Fallback>
+        <mc:Fallback xmlns="">
           <p:sp>
             <p:nvSpPr>
               <p:cNvPr id="75" name="文本框 74">
@@ -8186,7 +8252,7 @@
                 <a:avLst/>
               </a:prstGeom>
               <a:blipFill>
-                <a:blip r:embed="rId17"/>
+                <a:blip r:embed="rId18"/>
                 <a:stretch>
                   <a:fillRect b="-5000"/>
                 </a:stretch>
@@ -8207,8 +8273,8 @@
           </p:sp>
         </mc:Fallback>
       </mc:AlternateContent>
-      <mc:AlternateContent xmlns:mc="http://schemas.openxmlformats.org/markup-compatibility/2006">
-        <mc:Choice xmlns:a14="http://schemas.microsoft.com/office/drawing/2010/main" Requires="a14">
+      <mc:AlternateContent xmlns:mc="http://schemas.openxmlformats.org/markup-compatibility/2006" xmlns:a14="http://schemas.microsoft.com/office/drawing/2010/main">
+        <mc:Choice Requires="a14">
           <p:sp>
             <p:nvSpPr>
               <p:cNvPr id="76" name="文本框 75">
@@ -8258,7 +8324,7 @@
             </p:txBody>
           </p:sp>
         </mc:Choice>
-        <mc:Fallback>
+        <mc:Fallback xmlns="">
           <p:sp>
             <p:nvSpPr>
               <p:cNvPr id="76" name="文本框 75">
@@ -8282,7 +8348,7 @@
                 <a:avLst/>
               </a:prstGeom>
               <a:blipFill>
-                <a:blip r:embed="rId18"/>
+                <a:blip r:embed="rId19"/>
                 <a:stretch>
                   <a:fillRect l="-13333" r="-6667"/>
                 </a:stretch>
@@ -8303,8 +8369,8 @@
           </p:sp>
         </mc:Fallback>
       </mc:AlternateContent>
-      <mc:AlternateContent xmlns:mc="http://schemas.openxmlformats.org/markup-compatibility/2006">
-        <mc:Choice xmlns:a14="http://schemas.microsoft.com/office/drawing/2010/main" Requires="a14">
+      <mc:AlternateContent xmlns:mc="http://schemas.openxmlformats.org/markup-compatibility/2006" xmlns:a14="http://schemas.microsoft.com/office/drawing/2010/main">
+        <mc:Choice Requires="a14">
           <p:sp>
             <p:nvSpPr>
               <p:cNvPr id="77" name="文本框 76">
@@ -8354,7 +8420,7 @@
             </p:txBody>
           </p:sp>
         </mc:Choice>
-        <mc:Fallback>
+        <mc:Fallback xmlns="">
           <p:sp>
             <p:nvSpPr>
               <p:cNvPr id="77" name="文本框 76">
@@ -8378,7 +8444,7 @@
                 <a:avLst/>
               </a:prstGeom>
               <a:blipFill>
-                <a:blip r:embed="rId19"/>
+                <a:blip r:embed="rId20"/>
                 <a:stretch>
                   <a:fillRect l="-15385" r="-15385" b="-5000"/>
                 </a:stretch>
@@ -8447,8 +8513,8 @@
           </a:fontRef>
         </p:style>
       </p:cxnSp>
-      <mc:AlternateContent xmlns:mc="http://schemas.openxmlformats.org/markup-compatibility/2006">
-        <mc:Choice xmlns:a14="http://schemas.microsoft.com/office/drawing/2010/main" Requires="a14">
+      <mc:AlternateContent xmlns:mc="http://schemas.openxmlformats.org/markup-compatibility/2006" xmlns:a14="http://schemas.microsoft.com/office/drawing/2010/main">
+        <mc:Choice Requires="a14">
           <p:sp>
             <p:nvSpPr>
               <p:cNvPr id="79" name="文本框 78">
@@ -8498,7 +8564,7 @@
             </p:txBody>
           </p:sp>
         </mc:Choice>
-        <mc:Fallback>
+        <mc:Fallback xmlns="">
           <p:sp>
             <p:nvSpPr>
               <p:cNvPr id="79" name="文本框 78">
@@ -8522,7 +8588,7 @@
                 <a:avLst/>
               </a:prstGeom>
               <a:blipFill>
-                <a:blip r:embed="rId20"/>
+                <a:blip r:embed="rId21"/>
                 <a:stretch>
                   <a:fillRect l="-35714" r="-28571" b="-35000"/>
                 </a:stretch>
@@ -8741,8 +8807,8 @@
           </a:fontRef>
         </p:style>
       </p:cxnSp>
-      <mc:AlternateContent xmlns:mc="http://schemas.openxmlformats.org/markup-compatibility/2006">
-        <mc:Choice xmlns:a14="http://schemas.microsoft.com/office/drawing/2010/main" Requires="a14">
+      <mc:AlternateContent xmlns:mc="http://schemas.openxmlformats.org/markup-compatibility/2006" xmlns:a14="http://schemas.microsoft.com/office/drawing/2010/main">
+        <mc:Choice Requires="a14">
           <p:sp>
             <p:nvSpPr>
               <p:cNvPr id="85" name="文本框 84">
@@ -8823,7 +8889,7 @@
             </p:txBody>
           </p:sp>
         </mc:Choice>
-        <mc:Fallback>
+        <mc:Fallback xmlns="">
           <p:sp>
             <p:nvSpPr>
               <p:cNvPr id="85" name="文本框 84">
@@ -8847,7 +8913,7 @@
                 <a:avLst/>
               </a:prstGeom>
               <a:blipFill>
-                <a:blip r:embed="rId21"/>
+                <a:blip r:embed="rId22"/>
                 <a:stretch>
                   <a:fillRect l="-16667" t="-2564" r="-8333" b="-15385"/>
                 </a:stretch>
@@ -8868,8 +8934,8 @@
           </p:sp>
         </mc:Fallback>
       </mc:AlternateContent>
-      <mc:AlternateContent xmlns:mc="http://schemas.openxmlformats.org/markup-compatibility/2006">
-        <mc:Choice xmlns:a14="http://schemas.microsoft.com/office/drawing/2010/main" Requires="a14">
+      <mc:AlternateContent xmlns:mc="http://schemas.openxmlformats.org/markup-compatibility/2006" xmlns:a14="http://schemas.microsoft.com/office/drawing/2010/main">
+        <mc:Choice Requires="a14">
           <p:sp>
             <p:nvSpPr>
               <p:cNvPr id="86" name="文本框 85">
@@ -8964,7 +9030,7 @@
             </p:txBody>
           </p:sp>
         </mc:Choice>
-        <mc:Fallback>
+        <mc:Fallback xmlns="">
           <p:sp>
             <p:nvSpPr>
               <p:cNvPr id="86" name="文本框 85">
@@ -8988,7 +9054,7 @@
                 <a:avLst/>
               </a:prstGeom>
               <a:blipFill>
-                <a:blip r:embed="rId22"/>
+                <a:blip r:embed="rId23"/>
                 <a:stretch>
                   <a:fillRect l="-6667" t="-5263" r="-4444" b="-15789"/>
                 </a:stretch>
@@ -9009,8 +9075,8 @@
           </p:sp>
         </mc:Fallback>
       </mc:AlternateContent>
-      <mc:AlternateContent xmlns:mc="http://schemas.openxmlformats.org/markup-compatibility/2006">
-        <mc:Choice xmlns:a14="http://schemas.microsoft.com/office/drawing/2010/main" Requires="a14">
+      <mc:AlternateContent xmlns:mc="http://schemas.openxmlformats.org/markup-compatibility/2006" xmlns:a14="http://schemas.microsoft.com/office/drawing/2010/main">
+        <mc:Choice Requires="a14">
           <p:sp>
             <p:nvSpPr>
               <p:cNvPr id="87" name="文本框 86">
@@ -9105,7 +9171,7 @@
             </p:txBody>
           </p:sp>
         </mc:Choice>
-        <mc:Fallback>
+        <mc:Fallback xmlns="">
           <p:sp>
             <p:nvSpPr>
               <p:cNvPr id="87" name="文本框 86">
@@ -9129,7 +9195,7 @@
                 <a:avLst/>
               </a:prstGeom>
               <a:blipFill>
-                <a:blip r:embed="rId23"/>
+                <a:blip r:embed="rId24"/>
                 <a:stretch>
                   <a:fillRect l="-8696" t="-2632" r="-8696" b="-18421"/>
                 </a:stretch>
@@ -9150,8 +9216,8 @@
           </p:sp>
         </mc:Fallback>
       </mc:AlternateContent>
-      <mc:AlternateContent xmlns:mc="http://schemas.openxmlformats.org/markup-compatibility/2006">
-        <mc:Choice xmlns:a14="http://schemas.microsoft.com/office/drawing/2010/main" Requires="a14">
+      <mc:AlternateContent xmlns:mc="http://schemas.openxmlformats.org/markup-compatibility/2006" xmlns:a14="http://schemas.microsoft.com/office/drawing/2010/main">
+        <mc:Choice Requires="a14">
           <p:sp>
             <p:nvSpPr>
               <p:cNvPr id="88" name="文本框 87">
@@ -9202,7 +9268,7 @@
             </p:txBody>
           </p:sp>
         </mc:Choice>
-        <mc:Fallback>
+        <mc:Fallback xmlns="">
           <p:sp>
             <p:nvSpPr>
               <p:cNvPr id="88" name="文本框 87">
@@ -9226,7 +9292,7 @@
                 <a:avLst/>
               </a:prstGeom>
               <a:blipFill>
-                <a:blip r:embed="rId17"/>
+                <a:blip r:embed="rId18"/>
                 <a:stretch>
                   <a:fillRect b="-5000"/>
                 </a:stretch>
@@ -9397,8 +9463,8 @@
           </a:fontRef>
         </p:style>
       </p:cxnSp>
-      <mc:AlternateContent xmlns:mc="http://schemas.openxmlformats.org/markup-compatibility/2006">
-        <mc:Choice xmlns:a14="http://schemas.microsoft.com/office/drawing/2010/main" Requires="a14">
+      <mc:AlternateContent xmlns:mc="http://schemas.openxmlformats.org/markup-compatibility/2006" xmlns:a14="http://schemas.microsoft.com/office/drawing/2010/main">
+        <mc:Choice Requires="a14">
           <p:sp>
             <p:nvSpPr>
               <p:cNvPr id="92" name="文本框 91">
@@ -9449,7 +9515,7 @@
             </p:txBody>
           </p:sp>
         </mc:Choice>
-        <mc:Fallback>
+        <mc:Fallback xmlns="">
           <p:sp>
             <p:nvSpPr>
               <p:cNvPr id="92" name="文本框 91">
@@ -9473,7 +9539,7 @@
                 <a:avLst/>
               </a:prstGeom>
               <a:blipFill>
-                <a:blip r:embed="rId17"/>
+                <a:blip r:embed="rId18"/>
                 <a:stretch>
                   <a:fillRect b="-5000"/>
                 </a:stretch>
@@ -9494,8 +9560,8 @@
           </p:sp>
         </mc:Fallback>
       </mc:AlternateContent>
-      <mc:AlternateContent xmlns:mc="http://schemas.openxmlformats.org/markup-compatibility/2006">
-        <mc:Choice xmlns:a14="http://schemas.microsoft.com/office/drawing/2010/main" Requires="a14">
+      <mc:AlternateContent xmlns:mc="http://schemas.openxmlformats.org/markup-compatibility/2006" xmlns:a14="http://schemas.microsoft.com/office/drawing/2010/main">
+        <mc:Choice Requires="a14">
           <p:sp>
             <p:nvSpPr>
               <p:cNvPr id="93" name="文本框 92">
@@ -9551,7 +9617,7 @@
             </p:txBody>
           </p:sp>
         </mc:Choice>
-        <mc:Fallback>
+        <mc:Fallback xmlns="">
           <p:sp>
             <p:nvSpPr>
               <p:cNvPr id="93" name="文本框 92">
@@ -9575,7 +9641,7 @@
                 <a:avLst/>
               </a:prstGeom>
               <a:blipFill>
-                <a:blip r:embed="rId12"/>
+                <a:blip r:embed="rId13"/>
                 <a:stretch>
                   <a:fillRect l="-17391" r="-13043" b="-10000"/>
                 </a:stretch>
@@ -9596,8 +9662,8 @@
           </p:sp>
         </mc:Fallback>
       </mc:AlternateContent>
-      <mc:AlternateContent xmlns:mc="http://schemas.openxmlformats.org/markup-compatibility/2006">
-        <mc:Choice xmlns:a14="http://schemas.microsoft.com/office/drawing/2010/main" Requires="a14">
+      <mc:AlternateContent xmlns:mc="http://schemas.openxmlformats.org/markup-compatibility/2006" xmlns:a14="http://schemas.microsoft.com/office/drawing/2010/main">
+        <mc:Choice Requires="a14">
           <p:sp>
             <p:nvSpPr>
               <p:cNvPr id="94" name="文本框 93">
@@ -9653,7 +9719,7 @@
             </p:txBody>
           </p:sp>
         </mc:Choice>
-        <mc:Fallback>
+        <mc:Fallback xmlns="">
           <p:sp>
             <p:nvSpPr>
               <p:cNvPr id="94" name="文本框 93">
@@ -9677,7 +9743,7 @@
                 <a:avLst/>
               </a:prstGeom>
               <a:blipFill>
-                <a:blip r:embed="rId24"/>
+                <a:blip r:embed="rId25"/>
                 <a:stretch>
                   <a:fillRect l="-21739" r="-13043" b="-15000"/>
                 </a:stretch>
@@ -9746,8 +9812,8 @@
           </a:fontRef>
         </p:style>
       </p:cxnSp>
-      <mc:AlternateContent xmlns:mc="http://schemas.openxmlformats.org/markup-compatibility/2006">
-        <mc:Choice xmlns:a14="http://schemas.microsoft.com/office/drawing/2010/main" Requires="a14">
+      <mc:AlternateContent xmlns:mc="http://schemas.openxmlformats.org/markup-compatibility/2006" xmlns:a14="http://schemas.microsoft.com/office/drawing/2010/main">
+        <mc:Choice Requires="a14">
           <p:sp>
             <p:nvSpPr>
               <p:cNvPr id="96" name="文本框 95">
@@ -9797,7 +9863,7 @@
             </p:txBody>
           </p:sp>
         </mc:Choice>
-        <mc:Fallback>
+        <mc:Fallback xmlns="">
           <p:sp>
             <p:nvSpPr>
               <p:cNvPr id="96" name="文本框 95">
@@ -9821,7 +9887,7 @@
                 <a:avLst/>
               </a:prstGeom>
               <a:blipFill>
-                <a:blip r:embed="rId25"/>
+                <a:blip r:embed="rId26"/>
                 <a:stretch>
                   <a:fillRect l="-35714" r="-21429" b="-10000"/>
                 </a:stretch>
@@ -10040,8 +10106,8 @@
           </a:fontRef>
         </p:style>
       </p:cxnSp>
-      <mc:AlternateContent xmlns:mc="http://schemas.openxmlformats.org/markup-compatibility/2006">
-        <mc:Choice xmlns:a14="http://schemas.microsoft.com/office/drawing/2010/main" Requires="a14">
+      <mc:AlternateContent xmlns:mc="http://schemas.openxmlformats.org/markup-compatibility/2006" xmlns:a14="http://schemas.microsoft.com/office/drawing/2010/main">
+        <mc:Choice Requires="a14">
           <p:sp>
             <p:nvSpPr>
               <p:cNvPr id="101" name="文本框 100">
@@ -10097,7 +10163,7 @@
             </p:txBody>
           </p:sp>
         </mc:Choice>
-        <mc:Fallback>
+        <mc:Fallback xmlns="">
           <p:sp>
             <p:nvSpPr>
               <p:cNvPr id="101" name="文本框 100">
@@ -10121,7 +10187,7 @@
                 <a:avLst/>
               </a:prstGeom>
               <a:blipFill>
-                <a:blip r:embed="rId16"/>
+                <a:blip r:embed="rId17"/>
                 <a:stretch>
                   <a:fillRect l="-14815" r="-11111" b="-10000"/>
                 </a:stretch>
@@ -10142,8 +10208,8 @@
           </p:sp>
         </mc:Fallback>
       </mc:AlternateContent>
-      <mc:AlternateContent xmlns:mc="http://schemas.openxmlformats.org/markup-compatibility/2006">
-        <mc:Choice xmlns:a14="http://schemas.microsoft.com/office/drawing/2010/main" Requires="a14">
+      <mc:AlternateContent xmlns:mc="http://schemas.openxmlformats.org/markup-compatibility/2006" xmlns:a14="http://schemas.microsoft.com/office/drawing/2010/main">
+        <mc:Choice Requires="a14">
           <p:sp>
             <p:nvSpPr>
               <p:cNvPr id="103" name="文本框 102">
@@ -10247,7 +10313,7 @@
             </p:txBody>
           </p:sp>
         </mc:Choice>
-        <mc:Fallback>
+        <mc:Fallback xmlns="">
           <p:sp>
             <p:nvSpPr>
               <p:cNvPr id="103" name="文本框 102">
@@ -10271,7 +10337,7 @@
                 <a:avLst/>
               </a:prstGeom>
               <a:blipFill>
-                <a:blip r:embed="rId26"/>
+                <a:blip r:embed="rId27"/>
                 <a:stretch>
                   <a:fillRect l="-3448" r="-3448" b="-3704"/>
                 </a:stretch>
@@ -10292,8 +10358,8 @@
           </p:sp>
         </mc:Fallback>
       </mc:AlternateContent>
-      <mc:AlternateContent xmlns:mc="http://schemas.openxmlformats.org/markup-compatibility/2006">
-        <mc:Choice xmlns:a14="http://schemas.microsoft.com/office/drawing/2010/main" Requires="a14">
+      <mc:AlternateContent xmlns:mc="http://schemas.openxmlformats.org/markup-compatibility/2006" xmlns:a14="http://schemas.microsoft.com/office/drawing/2010/main">
+        <mc:Choice Requires="a14">
           <p:sp>
             <p:nvSpPr>
               <p:cNvPr id="104" name="文本框 103">
@@ -10344,7 +10410,7 @@
             </p:txBody>
           </p:sp>
         </mc:Choice>
-        <mc:Fallback>
+        <mc:Fallback xmlns="">
           <p:sp>
             <p:nvSpPr>
               <p:cNvPr id="104" name="文本框 103">
@@ -10368,7 +10434,7 @@
                 <a:avLst/>
               </a:prstGeom>
               <a:blipFill>
-                <a:blip r:embed="rId17"/>
+                <a:blip r:embed="rId18"/>
                 <a:stretch>
                   <a:fillRect b="-5000"/>
                 </a:stretch>
@@ -10389,8 +10455,8 @@
           </p:sp>
         </mc:Fallback>
       </mc:AlternateContent>
-      <mc:AlternateContent xmlns:mc="http://schemas.openxmlformats.org/markup-compatibility/2006">
-        <mc:Choice xmlns:a14="http://schemas.microsoft.com/office/drawing/2010/main" Requires="a14">
+      <mc:AlternateContent xmlns:mc="http://schemas.openxmlformats.org/markup-compatibility/2006" xmlns:a14="http://schemas.microsoft.com/office/drawing/2010/main">
+        <mc:Choice Requires="a14">
           <p:sp>
             <p:nvSpPr>
               <p:cNvPr id="105" name="文本框 104">
@@ -10487,7 +10553,7 @@
             </p:txBody>
           </p:sp>
         </mc:Choice>
-        <mc:Fallback>
+        <mc:Fallback xmlns="">
           <p:sp>
             <p:nvSpPr>
               <p:cNvPr id="105" name="文本框 104">
@@ -10511,7 +10577,7 @@
                 <a:avLst/>
               </a:prstGeom>
               <a:blipFill>
-                <a:blip r:embed="rId27"/>
+                <a:blip r:embed="rId28"/>
                 <a:stretch>
                   <a:fillRect l="-2198" r="-2198" b="-3448"/>
                 </a:stretch>
@@ -10532,6 +10598,1306 @@
           </p:sp>
         </mc:Fallback>
       </mc:AlternateContent>
+      <p:sp>
+        <p:nvSpPr>
+          <p:cNvPr id="102" name="椭圆 101">
+            <a:extLst>
+              <a:ext uri="{FF2B5EF4-FFF2-40B4-BE49-F238E27FC236}">
+                <a16:creationId xmlns:a16="http://schemas.microsoft.com/office/drawing/2014/main" id="{19A4197B-D8A7-457A-8C8F-13CA2F955FEE}"/>
+              </a:ext>
+            </a:extLst>
+          </p:cNvPr>
+          <p:cNvSpPr/>
+          <p:nvPr/>
+        </p:nvSpPr>
+        <p:spPr>
+          <a:xfrm>
+            <a:off x="8965848" y="3804441"/>
+            <a:ext cx="168118" cy="168118"/>
+          </a:xfrm>
+          <a:prstGeom prst="ellipse">
+            <a:avLst/>
+          </a:prstGeom>
+          <a:solidFill>
+            <a:schemeClr val="bg1"/>
+          </a:solidFill>
+          <a:ln>
+            <a:solidFill>
+              <a:schemeClr val="tx1"/>
+            </a:solidFill>
+          </a:ln>
+        </p:spPr>
+        <p:style>
+          <a:lnRef idx="2">
+            <a:schemeClr val="accent1">
+              <a:shade val="50000"/>
+            </a:schemeClr>
+          </a:lnRef>
+          <a:fillRef idx="1">
+            <a:schemeClr val="accent1"/>
+          </a:fillRef>
+          <a:effectRef idx="0">
+            <a:schemeClr val="accent1"/>
+          </a:effectRef>
+          <a:fontRef idx="minor">
+            <a:schemeClr val="lt1"/>
+          </a:fontRef>
+        </p:style>
+        <p:txBody>
+          <a:bodyPr rtlCol="0" anchor="ctr"/>
+          <a:lstStyle/>
+          <a:p>
+            <a:pPr algn="ctr"/>
+            <a:endParaRPr lang="zh-CN" altLang="en-US"/>
+          </a:p>
+        </p:txBody>
+      </p:sp>
+      <p:pic>
+        <p:nvPicPr>
+          <p:cNvPr id="106" name="图片 105" descr="图片包含 游戏机, 画, 食物&#10;&#10;描述已自动生成">
+            <a:extLst>
+              <a:ext uri="{FF2B5EF4-FFF2-40B4-BE49-F238E27FC236}">
+                <a16:creationId xmlns:a16="http://schemas.microsoft.com/office/drawing/2014/main" id="{814E742C-BD4C-409A-BDFF-9B69DBFFF38F}"/>
+              </a:ext>
+            </a:extLst>
+          </p:cNvPr>
+          <p:cNvPicPr>
+            <a:picLocks noChangeAspect="1"/>
+          </p:cNvPicPr>
+          <p:nvPr/>
+        </p:nvPicPr>
+        <p:blipFill>
+          <a:blip r:embed="rId29">
+            <a:extLst>
+              <a:ext uri="{28A0092B-C50C-407E-A947-70E740481C1C}">
+                <a14:useLocalDpi xmlns:a14="http://schemas.microsoft.com/office/drawing/2010/main" val="0"/>
+              </a:ext>
+            </a:extLst>
+          </a:blip>
+          <a:stretch>
+            <a:fillRect/>
+          </a:stretch>
+        </p:blipFill>
+        <p:spPr>
+          <a:xfrm>
+            <a:off x="8285756" y="3761361"/>
+            <a:ext cx="198966" cy="254279"/>
+          </a:xfrm>
+          <a:prstGeom prst="rect">
+            <a:avLst/>
+          </a:prstGeom>
+        </p:spPr>
+      </p:pic>
+      <p:cxnSp>
+        <p:nvCxnSpPr>
+          <p:cNvPr id="107" name="直接箭头连接符 106">
+            <a:extLst>
+              <a:ext uri="{FF2B5EF4-FFF2-40B4-BE49-F238E27FC236}">
+                <a16:creationId xmlns:a16="http://schemas.microsoft.com/office/drawing/2014/main" id="{73B427B8-6F91-483F-94A1-2A58098AD326}"/>
+              </a:ext>
+            </a:extLst>
+          </p:cNvPr>
+          <p:cNvCxnSpPr>
+            <a:cxnSpLocks/>
+            <a:stCxn id="106" idx="3"/>
+            <a:endCxn id="102" idx="2"/>
+          </p:cNvCxnSpPr>
+          <p:nvPr/>
+        </p:nvCxnSpPr>
+        <p:spPr>
+          <a:xfrm flipV="1">
+            <a:off x="8484722" y="3888500"/>
+            <a:ext cx="481126" cy="1"/>
+          </a:xfrm>
+          <a:prstGeom prst="straightConnector1">
+            <a:avLst/>
+          </a:prstGeom>
+          <a:ln w="9525" cap="flat" cmpd="sng" algn="ctr">
+            <a:solidFill>
+              <a:schemeClr val="accent3"/>
+            </a:solidFill>
+            <a:prstDash val="solid"/>
+            <a:round/>
+            <a:headEnd type="none" w="med" len="med"/>
+            <a:tailEnd type="arrow" w="med" len="med"/>
+          </a:ln>
+        </p:spPr>
+        <p:style>
+          <a:lnRef idx="0">
+            <a:scrgbClr r="0" g="0" b="0"/>
+          </a:lnRef>
+          <a:fillRef idx="0">
+            <a:scrgbClr r="0" g="0" b="0"/>
+          </a:fillRef>
+          <a:effectRef idx="0">
+            <a:scrgbClr r="0" g="0" b="0"/>
+          </a:effectRef>
+          <a:fontRef idx="minor">
+            <a:schemeClr val="tx1"/>
+          </a:fontRef>
+        </p:style>
+      </p:cxnSp>
+      <p:sp>
+        <p:nvSpPr>
+          <p:cNvPr id="108" name="椭圆 107">
+            <a:extLst>
+              <a:ext uri="{FF2B5EF4-FFF2-40B4-BE49-F238E27FC236}">
+                <a16:creationId xmlns:a16="http://schemas.microsoft.com/office/drawing/2014/main" id="{4A72EF47-C1AC-443B-B851-1C273D6E536F}"/>
+              </a:ext>
+            </a:extLst>
+          </p:cNvPr>
+          <p:cNvSpPr/>
+          <p:nvPr/>
+        </p:nvSpPr>
+        <p:spPr>
+          <a:xfrm>
+            <a:off x="9615092" y="3804441"/>
+            <a:ext cx="168118" cy="168118"/>
+          </a:xfrm>
+          <a:prstGeom prst="ellipse">
+            <a:avLst/>
+          </a:prstGeom>
+          <a:solidFill>
+            <a:schemeClr val="bg1"/>
+          </a:solidFill>
+          <a:ln>
+            <a:solidFill>
+              <a:schemeClr val="tx1"/>
+            </a:solidFill>
+          </a:ln>
+        </p:spPr>
+        <p:style>
+          <a:lnRef idx="2">
+            <a:schemeClr val="accent1">
+              <a:shade val="50000"/>
+            </a:schemeClr>
+          </a:lnRef>
+          <a:fillRef idx="1">
+            <a:schemeClr val="accent1"/>
+          </a:fillRef>
+          <a:effectRef idx="0">
+            <a:schemeClr val="accent1"/>
+          </a:effectRef>
+          <a:fontRef idx="minor">
+            <a:schemeClr val="lt1"/>
+          </a:fontRef>
+        </p:style>
+        <p:txBody>
+          <a:bodyPr rtlCol="0" anchor="ctr"/>
+          <a:lstStyle/>
+          <a:p>
+            <a:pPr algn="ctr"/>
+            <a:endParaRPr lang="zh-CN" altLang="en-US"/>
+          </a:p>
+        </p:txBody>
+      </p:sp>
+      <p:cxnSp>
+        <p:nvCxnSpPr>
+          <p:cNvPr id="109" name="直接箭头连接符 108">
+            <a:extLst>
+              <a:ext uri="{FF2B5EF4-FFF2-40B4-BE49-F238E27FC236}">
+                <a16:creationId xmlns:a16="http://schemas.microsoft.com/office/drawing/2014/main" id="{C1EFE078-917D-4241-A0DE-EF11319A6BD7}"/>
+              </a:ext>
+            </a:extLst>
+          </p:cNvPr>
+          <p:cNvCxnSpPr>
+            <a:cxnSpLocks/>
+            <a:stCxn id="102" idx="6"/>
+            <a:endCxn id="108" idx="2"/>
+          </p:cNvCxnSpPr>
+          <p:nvPr/>
+        </p:nvCxnSpPr>
+        <p:spPr>
+          <a:xfrm>
+            <a:off x="9133966" y="3888500"/>
+            <a:ext cx="481126" cy="0"/>
+          </a:xfrm>
+          <a:prstGeom prst="straightConnector1">
+            <a:avLst/>
+          </a:prstGeom>
+          <a:ln w="9525" cap="flat" cmpd="sng" algn="ctr">
+            <a:solidFill>
+              <a:schemeClr val="accent3"/>
+            </a:solidFill>
+            <a:prstDash val="solid"/>
+            <a:round/>
+            <a:headEnd type="none" w="med" len="med"/>
+            <a:tailEnd type="arrow" w="med" len="med"/>
+          </a:ln>
+        </p:spPr>
+        <p:style>
+          <a:lnRef idx="0">
+            <a:scrgbClr r="0" g="0" b="0"/>
+          </a:lnRef>
+          <a:fillRef idx="0">
+            <a:scrgbClr r="0" g="0" b="0"/>
+          </a:fillRef>
+          <a:effectRef idx="0">
+            <a:scrgbClr r="0" g="0" b="0"/>
+          </a:effectRef>
+          <a:fontRef idx="minor">
+            <a:schemeClr val="tx1"/>
+          </a:fontRef>
+        </p:style>
+      </p:cxnSp>
+      <p:cxnSp>
+        <p:nvCxnSpPr>
+          <p:cNvPr id="110" name="直接箭头连接符 109">
+            <a:extLst>
+              <a:ext uri="{FF2B5EF4-FFF2-40B4-BE49-F238E27FC236}">
+                <a16:creationId xmlns:a16="http://schemas.microsoft.com/office/drawing/2014/main" id="{69C1A887-83BE-4401-979D-72425AB3B0BF}"/>
+              </a:ext>
+            </a:extLst>
+          </p:cNvPr>
+          <p:cNvCxnSpPr>
+            <a:cxnSpLocks/>
+            <a:stCxn id="108" idx="6"/>
+          </p:cNvCxnSpPr>
+          <p:nvPr/>
+        </p:nvCxnSpPr>
+        <p:spPr>
+          <a:xfrm>
+            <a:off x="9783210" y="3888500"/>
+            <a:ext cx="481126" cy="0"/>
+          </a:xfrm>
+          <a:prstGeom prst="straightConnector1">
+            <a:avLst/>
+          </a:prstGeom>
+          <a:ln w="9525" cap="flat" cmpd="sng" algn="ctr">
+            <a:solidFill>
+              <a:schemeClr val="accent3"/>
+            </a:solidFill>
+            <a:prstDash val="solid"/>
+            <a:round/>
+            <a:headEnd type="none" w="med" len="med"/>
+            <a:tailEnd type="arrow" w="med" len="med"/>
+          </a:ln>
+        </p:spPr>
+        <p:style>
+          <a:lnRef idx="0">
+            <a:scrgbClr r="0" g="0" b="0"/>
+          </a:lnRef>
+          <a:fillRef idx="0">
+            <a:scrgbClr r="0" g="0" b="0"/>
+          </a:fillRef>
+          <a:effectRef idx="0">
+            <a:scrgbClr r="0" g="0" b="0"/>
+          </a:effectRef>
+          <a:fontRef idx="minor">
+            <a:schemeClr val="tx1"/>
+          </a:fontRef>
+        </p:style>
+      </p:cxnSp>
+      <p:pic>
+        <p:nvPicPr>
+          <p:cNvPr id="111" name="Picture 2">
+            <a:extLst>
+              <a:ext uri="{FF2B5EF4-FFF2-40B4-BE49-F238E27FC236}">
+                <a16:creationId xmlns:a16="http://schemas.microsoft.com/office/drawing/2014/main" id="{F6AA9375-2219-48A8-8FCA-4188531B07DE}"/>
+              </a:ext>
+            </a:extLst>
+          </p:cNvPr>
+          <p:cNvPicPr>
+            <a:picLocks noChangeAspect="1" noChangeArrowheads="1"/>
+          </p:cNvPicPr>
+          <p:nvPr/>
+        </p:nvPicPr>
+        <p:blipFill>
+          <a:blip r:embed="rId30">
+            <a:extLst>
+              <a:ext uri="{28A0092B-C50C-407E-A947-70E740481C1C}">
+                <a14:useLocalDpi xmlns:a14="http://schemas.microsoft.com/office/drawing/2010/main" val="0"/>
+              </a:ext>
+            </a:extLst>
+          </a:blip>
+          <a:srcRect/>
+          <a:stretch>
+            <a:fillRect/>
+          </a:stretch>
+        </p:blipFill>
+        <p:spPr bwMode="auto">
+          <a:xfrm>
+            <a:off x="10264735" y="3776317"/>
+            <a:ext cx="213783" cy="213783"/>
+          </a:xfrm>
+          <a:prstGeom prst="rect">
+            <a:avLst/>
+          </a:prstGeom>
+          <a:noFill/>
+          <a:extLst>
+            <a:ext uri="{909E8E84-426E-40DD-AFC4-6F175D3DCCD1}">
+              <a14:hiddenFill xmlns:a14="http://schemas.microsoft.com/office/drawing/2010/main">
+                <a:solidFill>
+                  <a:srgbClr val="FFFFFF"/>
+                </a:solidFill>
+              </a14:hiddenFill>
+            </a:ext>
+          </a:extLst>
+        </p:spPr>
+      </p:pic>
+      <p:sp>
+        <p:nvSpPr>
+          <p:cNvPr id="112" name="文本框 111">
+            <a:extLst>
+              <a:ext uri="{FF2B5EF4-FFF2-40B4-BE49-F238E27FC236}">
+                <a16:creationId xmlns:a16="http://schemas.microsoft.com/office/drawing/2014/main" id="{C3343F1A-9BD4-4FB8-9262-58E2D0718FBF}"/>
+              </a:ext>
+            </a:extLst>
+          </p:cNvPr>
+          <p:cNvSpPr txBox="1"/>
+          <p:nvPr/>
+        </p:nvSpPr>
+        <p:spPr>
+          <a:xfrm>
+            <a:off x="8512361" y="3653639"/>
+            <a:ext cx="351244" cy="215444"/>
+          </a:xfrm>
+          <a:prstGeom prst="rect">
+            <a:avLst/>
+          </a:prstGeom>
+          <a:noFill/>
+        </p:spPr>
+        <p:txBody>
+          <a:bodyPr wrap="square" rtlCol="0">
+            <a:spAutoFit/>
+          </a:bodyPr>
+          <a:lstStyle/>
+          <a:p>
+            <a:r>
+              <a:rPr lang="en-US" altLang="zh-CN" sz="800" dirty="0"/>
+              <a:t>100</a:t>
+            </a:r>
+            <a:endParaRPr lang="zh-CN" altLang="en-US" sz="800" dirty="0"/>
+          </a:p>
+        </p:txBody>
+      </p:sp>
+      <p:sp>
+        <p:nvSpPr>
+          <p:cNvPr id="113" name="文本框 112">
+            <a:extLst>
+              <a:ext uri="{FF2B5EF4-FFF2-40B4-BE49-F238E27FC236}">
+                <a16:creationId xmlns:a16="http://schemas.microsoft.com/office/drawing/2014/main" id="{D5F9E94F-8CB4-4504-B7F4-405ECD633150}"/>
+              </a:ext>
+            </a:extLst>
+          </p:cNvPr>
+          <p:cNvSpPr txBox="1"/>
+          <p:nvPr/>
+        </p:nvSpPr>
+        <p:spPr>
+          <a:xfrm>
+            <a:off x="9212926" y="3653639"/>
+            <a:ext cx="351244" cy="215444"/>
+          </a:xfrm>
+          <a:prstGeom prst="rect">
+            <a:avLst/>
+          </a:prstGeom>
+          <a:noFill/>
+        </p:spPr>
+        <p:txBody>
+          <a:bodyPr wrap="square" rtlCol="0">
+            <a:spAutoFit/>
+          </a:bodyPr>
+          <a:lstStyle/>
+          <a:p>
+            <a:r>
+              <a:rPr lang="en-US" altLang="zh-CN" sz="800" dirty="0"/>
+              <a:t>200</a:t>
+            </a:r>
+            <a:endParaRPr lang="zh-CN" altLang="en-US" sz="800" dirty="0"/>
+          </a:p>
+        </p:txBody>
+      </p:sp>
+      <p:sp>
+        <p:nvSpPr>
+          <p:cNvPr id="114" name="文本框 113">
+            <a:extLst>
+              <a:ext uri="{FF2B5EF4-FFF2-40B4-BE49-F238E27FC236}">
+                <a16:creationId xmlns:a16="http://schemas.microsoft.com/office/drawing/2014/main" id="{FCC24BBA-4236-44C4-928F-9EED4032861C}"/>
+              </a:ext>
+            </a:extLst>
+          </p:cNvPr>
+          <p:cNvSpPr txBox="1"/>
+          <p:nvPr/>
+        </p:nvSpPr>
+        <p:spPr>
+          <a:xfrm>
+            <a:off x="9850860" y="3653639"/>
+            <a:ext cx="351244" cy="215444"/>
+          </a:xfrm>
+          <a:prstGeom prst="rect">
+            <a:avLst/>
+          </a:prstGeom>
+          <a:noFill/>
+        </p:spPr>
+        <p:txBody>
+          <a:bodyPr wrap="square" rtlCol="0">
+            <a:spAutoFit/>
+          </a:bodyPr>
+          <a:lstStyle/>
+          <a:p>
+            <a:r>
+              <a:rPr lang="en-US" altLang="zh-CN" sz="800" dirty="0"/>
+              <a:t>220</a:t>
+            </a:r>
+            <a:endParaRPr lang="zh-CN" altLang="en-US" sz="800" dirty="0"/>
+          </a:p>
+        </p:txBody>
+      </p:sp>
+      <mc:AlternateContent xmlns:mc="http://schemas.openxmlformats.org/markup-compatibility/2006">
+        <mc:Choice xmlns:a14="http://schemas.microsoft.com/office/drawing/2010/main" Requires="a14">
+          <p:sp>
+            <p:nvSpPr>
+              <p:cNvPr id="115" name="文本框 114">
+                <a:extLst>
+                  <a:ext uri="{FF2B5EF4-FFF2-40B4-BE49-F238E27FC236}">
+                    <a16:creationId xmlns:a16="http://schemas.microsoft.com/office/drawing/2014/main" id="{832B1A9A-CFB5-4383-8AA9-1A7110F1FB00}"/>
+                  </a:ext>
+                </a:extLst>
+              </p:cNvPr>
+              <p:cNvSpPr txBox="1"/>
+              <p:nvPr/>
+            </p:nvSpPr>
+            <p:spPr>
+              <a:xfrm>
+                <a:off x="8848541" y="3845593"/>
+                <a:ext cx="396876" cy="76944"/>
+              </a:xfrm>
+              <a:prstGeom prst="rect">
+                <a:avLst/>
+              </a:prstGeom>
+              <a:noFill/>
+            </p:spPr>
+            <p:txBody>
+              <a:bodyPr wrap="square" lIns="0" tIns="0" rIns="0" bIns="0" rtlCol="0">
+                <a:spAutoFit/>
+              </a:bodyPr>
+              <a:lstStyle/>
+              <a:p>
+                <a:pPr/>
+                <a14:m>
+                  <m:oMathPara xmlns:m="http://schemas.openxmlformats.org/officeDocument/2006/math">
+                    <m:oMathParaPr>
+                      <m:jc m:val="centerGroup"/>
+                    </m:oMathParaPr>
+                    <m:oMath xmlns:m="http://schemas.openxmlformats.org/officeDocument/2006/math">
+                      <m:r>
+                        <a:rPr lang="en-US" altLang="zh-CN" sz="500" i="1" smtClean="0">
+                          <a:latin typeface="Cambria Math" panose="02040503050406030204" pitchFamily="18" charset="0"/>
+                          <a:ea typeface="Cambria Math" panose="02040503050406030204" pitchFamily="18" charset="0"/>
+                        </a:rPr>
+                        <m:t>×</m:t>
+                      </m:r>
+                    </m:oMath>
+                  </m:oMathPara>
+                </a14:m>
+                <a:endParaRPr lang="zh-CN" altLang="en-US" sz="1400" dirty="0"/>
+              </a:p>
+            </p:txBody>
+          </p:sp>
+        </mc:Choice>
+        <mc:Fallback>
+          <p:sp>
+            <p:nvSpPr>
+              <p:cNvPr id="115" name="文本框 114">
+                <a:extLst>
+                  <a:ext uri="{FF2B5EF4-FFF2-40B4-BE49-F238E27FC236}">
+                    <a16:creationId xmlns:a16="http://schemas.microsoft.com/office/drawing/2014/main" id="{832B1A9A-CFB5-4383-8AA9-1A7110F1FB00}"/>
+                  </a:ext>
+                </a:extLst>
+              </p:cNvPr>
+              <p:cNvSpPr txBox="1">
+                <a:spLocks noRot="1" noChangeAspect="1" noMove="1" noResize="1" noEditPoints="1" noAdjustHandles="1" noChangeArrowheads="1" noChangeShapeType="1" noTextEdit="1"/>
+              </p:cNvSpPr>
+              <p:nvPr/>
+            </p:nvSpPr>
+            <p:spPr>
+              <a:xfrm>
+                <a:off x="8848541" y="3845593"/>
+                <a:ext cx="396876" cy="76944"/>
+              </a:xfrm>
+              <a:prstGeom prst="rect">
+                <a:avLst/>
+              </a:prstGeom>
+              <a:blipFill>
+                <a:blip r:embed="rId31"/>
+                <a:stretch>
+                  <a:fillRect b="-8333"/>
+                </a:stretch>
+              </a:blipFill>
+            </p:spPr>
+            <p:txBody>
+              <a:bodyPr/>
+              <a:lstStyle/>
+              <a:p>
+                <a:r>
+                  <a:rPr lang="zh-CN" altLang="en-US">
+                    <a:noFill/>
+                  </a:rPr>
+                  <a:t> </a:t>
+                </a:r>
+              </a:p>
+            </p:txBody>
+          </p:sp>
+        </mc:Fallback>
+      </mc:AlternateContent>
+      <mc:AlternateContent xmlns:mc="http://schemas.openxmlformats.org/markup-compatibility/2006">
+        <mc:Choice xmlns:a14="http://schemas.microsoft.com/office/drawing/2010/main" Requires="a14">
+          <p:sp>
+            <p:nvSpPr>
+              <p:cNvPr id="116" name="文本框 115">
+                <a:extLst>
+                  <a:ext uri="{FF2B5EF4-FFF2-40B4-BE49-F238E27FC236}">
+                    <a16:creationId xmlns:a16="http://schemas.microsoft.com/office/drawing/2014/main" id="{16A1ADB3-58B9-4A19-937D-439ECDB2712A}"/>
+                  </a:ext>
+                </a:extLst>
+              </p:cNvPr>
+              <p:cNvSpPr txBox="1"/>
+              <p:nvPr/>
+            </p:nvSpPr>
+            <p:spPr>
+              <a:xfrm>
+                <a:off x="9500713" y="3844736"/>
+                <a:ext cx="396876" cy="76944"/>
+              </a:xfrm>
+              <a:prstGeom prst="rect">
+                <a:avLst/>
+              </a:prstGeom>
+              <a:noFill/>
+            </p:spPr>
+            <p:txBody>
+              <a:bodyPr wrap="square" lIns="0" tIns="0" rIns="0" bIns="0" rtlCol="0">
+                <a:spAutoFit/>
+              </a:bodyPr>
+              <a:lstStyle/>
+              <a:p>
+                <a:pPr/>
+                <a14:m>
+                  <m:oMathPara xmlns:m="http://schemas.openxmlformats.org/officeDocument/2006/math">
+                    <m:oMathParaPr>
+                      <m:jc m:val="centerGroup"/>
+                    </m:oMathParaPr>
+                    <m:oMath xmlns:m="http://schemas.openxmlformats.org/officeDocument/2006/math">
+                      <m:r>
+                        <a:rPr lang="en-US" altLang="zh-CN" sz="500" i="1" smtClean="0">
+                          <a:latin typeface="Cambria Math" panose="02040503050406030204" pitchFamily="18" charset="0"/>
+                          <a:ea typeface="Cambria Math" panose="02040503050406030204" pitchFamily="18" charset="0"/>
+                        </a:rPr>
+                        <m:t>×</m:t>
+                      </m:r>
+                    </m:oMath>
+                  </m:oMathPara>
+                </a14:m>
+                <a:endParaRPr lang="zh-CN" altLang="en-US" sz="1200" dirty="0"/>
+              </a:p>
+            </p:txBody>
+          </p:sp>
+        </mc:Choice>
+        <mc:Fallback>
+          <p:sp>
+            <p:nvSpPr>
+              <p:cNvPr id="116" name="文本框 115">
+                <a:extLst>
+                  <a:ext uri="{FF2B5EF4-FFF2-40B4-BE49-F238E27FC236}">
+                    <a16:creationId xmlns:a16="http://schemas.microsoft.com/office/drawing/2014/main" id="{16A1ADB3-58B9-4A19-937D-439ECDB2712A}"/>
+                  </a:ext>
+                </a:extLst>
+              </p:cNvPr>
+              <p:cNvSpPr txBox="1">
+                <a:spLocks noRot="1" noChangeAspect="1" noMove="1" noResize="1" noEditPoints="1" noAdjustHandles="1" noChangeArrowheads="1" noChangeShapeType="1" noTextEdit="1"/>
+              </p:cNvSpPr>
+              <p:nvPr/>
+            </p:nvSpPr>
+            <p:spPr>
+              <a:xfrm>
+                <a:off x="9500713" y="3844736"/>
+                <a:ext cx="396876" cy="76944"/>
+              </a:xfrm>
+              <a:prstGeom prst="rect">
+                <a:avLst/>
+              </a:prstGeom>
+              <a:blipFill>
+                <a:blip r:embed="rId31"/>
+                <a:stretch>
+                  <a:fillRect b="-8333"/>
+                </a:stretch>
+              </a:blipFill>
+            </p:spPr>
+            <p:txBody>
+              <a:bodyPr/>
+              <a:lstStyle/>
+              <a:p>
+                <a:r>
+                  <a:rPr lang="zh-CN" altLang="en-US">
+                    <a:noFill/>
+                  </a:rPr>
+                  <a:t> </a:t>
+                </a:r>
+              </a:p>
+            </p:txBody>
+          </p:sp>
+        </mc:Fallback>
+      </mc:AlternateContent>
+      <p:sp>
+        <p:nvSpPr>
+          <p:cNvPr id="117" name="文本框 116">
+            <a:extLst>
+              <a:ext uri="{FF2B5EF4-FFF2-40B4-BE49-F238E27FC236}">
+                <a16:creationId xmlns:a16="http://schemas.microsoft.com/office/drawing/2014/main" id="{35425D94-B020-45FF-A08C-2EE2DA93A400}"/>
+              </a:ext>
+            </a:extLst>
+          </p:cNvPr>
+          <p:cNvSpPr txBox="1"/>
+          <p:nvPr/>
+        </p:nvSpPr>
+        <p:spPr>
+          <a:xfrm>
+            <a:off x="8122634" y="4135079"/>
+            <a:ext cx="602651" cy="215444"/>
+          </a:xfrm>
+          <a:prstGeom prst="rect">
+            <a:avLst/>
+          </a:prstGeom>
+          <a:noFill/>
+        </p:spPr>
+        <p:txBody>
+          <a:bodyPr wrap="square" rtlCol="0">
+            <a:spAutoFit/>
+          </a:bodyPr>
+          <a:lstStyle/>
+          <a:p>
+            <a:r>
+              <a:rPr lang="zh-CN" altLang="en-US" sz="800" dirty="0"/>
+              <a:t>苹果个数</a:t>
+            </a:r>
+          </a:p>
+        </p:txBody>
+      </p:sp>
+      <p:cxnSp>
+        <p:nvCxnSpPr>
+          <p:cNvPr id="118" name="连接符: 肘形 117">
+            <a:extLst>
+              <a:ext uri="{FF2B5EF4-FFF2-40B4-BE49-F238E27FC236}">
+                <a16:creationId xmlns:a16="http://schemas.microsoft.com/office/drawing/2014/main" id="{838F8D7E-6476-4701-B5DA-60E078843B79}"/>
+              </a:ext>
+            </a:extLst>
+          </p:cNvPr>
+          <p:cNvCxnSpPr>
+            <a:cxnSpLocks/>
+            <a:stCxn id="117" idx="3"/>
+            <a:endCxn id="102" idx="4"/>
+          </p:cNvCxnSpPr>
+          <p:nvPr/>
+        </p:nvCxnSpPr>
+        <p:spPr>
+          <a:xfrm flipV="1">
+            <a:off x="8725285" y="3972559"/>
+            <a:ext cx="324622" cy="270242"/>
+          </a:xfrm>
+          <a:prstGeom prst="bentConnector2">
+            <a:avLst/>
+          </a:prstGeom>
+          <a:ln w="9525" cap="flat" cmpd="sng" algn="ctr">
+            <a:solidFill>
+              <a:schemeClr val="accent3"/>
+            </a:solidFill>
+            <a:prstDash val="solid"/>
+            <a:round/>
+            <a:headEnd type="none" w="med" len="med"/>
+            <a:tailEnd type="arrow" w="med" len="med"/>
+          </a:ln>
+        </p:spPr>
+        <p:style>
+          <a:lnRef idx="0">
+            <a:scrgbClr r="0" g="0" b="0"/>
+          </a:lnRef>
+          <a:fillRef idx="0">
+            <a:scrgbClr r="0" g="0" b="0"/>
+          </a:fillRef>
+          <a:effectRef idx="0">
+            <a:scrgbClr r="0" g="0" b="0"/>
+          </a:effectRef>
+          <a:fontRef idx="minor">
+            <a:schemeClr val="tx1"/>
+          </a:fontRef>
+        </p:style>
+      </p:cxnSp>
+      <p:sp>
+        <p:nvSpPr>
+          <p:cNvPr id="119" name="文本框 118">
+            <a:extLst>
+              <a:ext uri="{FF2B5EF4-FFF2-40B4-BE49-F238E27FC236}">
+                <a16:creationId xmlns:a16="http://schemas.microsoft.com/office/drawing/2014/main" id="{C96AF6C5-67AB-4A4A-8FA7-6788084E817F}"/>
+              </a:ext>
+            </a:extLst>
+          </p:cNvPr>
+          <p:cNvSpPr txBox="1"/>
+          <p:nvPr/>
+        </p:nvSpPr>
+        <p:spPr>
+          <a:xfrm>
+            <a:off x="8761798" y="4067309"/>
+            <a:ext cx="351244" cy="215444"/>
+          </a:xfrm>
+          <a:prstGeom prst="rect">
+            <a:avLst/>
+          </a:prstGeom>
+          <a:noFill/>
+        </p:spPr>
+        <p:txBody>
+          <a:bodyPr wrap="square" rtlCol="0">
+            <a:spAutoFit/>
+          </a:bodyPr>
+          <a:lstStyle/>
+          <a:p>
+            <a:r>
+              <a:rPr lang="en-US" altLang="zh-CN" sz="800" dirty="0"/>
+              <a:t>2</a:t>
+            </a:r>
+            <a:endParaRPr lang="zh-CN" altLang="en-US" sz="800" dirty="0"/>
+          </a:p>
+        </p:txBody>
+      </p:sp>
+      <p:sp>
+        <p:nvSpPr>
+          <p:cNvPr id="120" name="文本框 119">
+            <a:extLst>
+              <a:ext uri="{FF2B5EF4-FFF2-40B4-BE49-F238E27FC236}">
+                <a16:creationId xmlns:a16="http://schemas.microsoft.com/office/drawing/2014/main" id="{DDAF0622-7155-4E02-8569-2B91A1004340}"/>
+              </a:ext>
+            </a:extLst>
+          </p:cNvPr>
+          <p:cNvSpPr txBox="1"/>
+          <p:nvPr/>
+        </p:nvSpPr>
+        <p:spPr>
+          <a:xfrm>
+            <a:off x="8122633" y="4469962"/>
+            <a:ext cx="602651" cy="215444"/>
+          </a:xfrm>
+          <a:prstGeom prst="rect">
+            <a:avLst/>
+          </a:prstGeom>
+          <a:noFill/>
+        </p:spPr>
+        <p:txBody>
+          <a:bodyPr wrap="square" rtlCol="0">
+            <a:spAutoFit/>
+          </a:bodyPr>
+          <a:lstStyle/>
+          <a:p>
+            <a:r>
+              <a:rPr lang="zh-CN" altLang="en-US" sz="800" dirty="0"/>
+              <a:t>增值税</a:t>
+            </a:r>
+          </a:p>
+        </p:txBody>
+      </p:sp>
+      <p:cxnSp>
+        <p:nvCxnSpPr>
+          <p:cNvPr id="121" name="连接符: 肘形 120">
+            <a:extLst>
+              <a:ext uri="{FF2B5EF4-FFF2-40B4-BE49-F238E27FC236}">
+                <a16:creationId xmlns:a16="http://schemas.microsoft.com/office/drawing/2014/main" id="{8AF662F6-8BCE-4B0D-9309-58512AD59FB1}"/>
+              </a:ext>
+            </a:extLst>
+          </p:cNvPr>
+          <p:cNvCxnSpPr>
+            <a:cxnSpLocks/>
+            <a:stCxn id="120" idx="3"/>
+            <a:endCxn id="108" idx="4"/>
+          </p:cNvCxnSpPr>
+          <p:nvPr/>
+        </p:nvCxnSpPr>
+        <p:spPr>
+          <a:xfrm flipV="1">
+            <a:off x="8725284" y="3972559"/>
+            <a:ext cx="973867" cy="605125"/>
+          </a:xfrm>
+          <a:prstGeom prst="bentConnector2">
+            <a:avLst/>
+          </a:prstGeom>
+          <a:ln w="9525" cap="flat" cmpd="sng" algn="ctr">
+            <a:solidFill>
+              <a:schemeClr val="accent3"/>
+            </a:solidFill>
+            <a:prstDash val="solid"/>
+            <a:round/>
+            <a:headEnd type="none" w="med" len="med"/>
+            <a:tailEnd type="arrow" w="med" len="med"/>
+          </a:ln>
+        </p:spPr>
+        <p:style>
+          <a:lnRef idx="0">
+            <a:scrgbClr r="0" g="0" b="0"/>
+          </a:lnRef>
+          <a:fillRef idx="0">
+            <a:scrgbClr r="0" g="0" b="0"/>
+          </a:fillRef>
+          <a:effectRef idx="0">
+            <a:scrgbClr r="0" g="0" b="0"/>
+          </a:effectRef>
+          <a:fontRef idx="minor">
+            <a:schemeClr val="tx1"/>
+          </a:fontRef>
+        </p:style>
+      </p:cxnSp>
+      <p:sp>
+        <p:nvSpPr>
+          <p:cNvPr id="122" name="文本框 121">
+            <a:extLst>
+              <a:ext uri="{FF2B5EF4-FFF2-40B4-BE49-F238E27FC236}">
+                <a16:creationId xmlns:a16="http://schemas.microsoft.com/office/drawing/2014/main" id="{C1735EEB-94E6-4455-AF7F-5D9C4D228D64}"/>
+              </a:ext>
+            </a:extLst>
+          </p:cNvPr>
+          <p:cNvSpPr txBox="1"/>
+          <p:nvPr/>
+        </p:nvSpPr>
+        <p:spPr>
+          <a:xfrm>
+            <a:off x="9069795" y="4393977"/>
+            <a:ext cx="351244" cy="215444"/>
+          </a:xfrm>
+          <a:prstGeom prst="rect">
+            <a:avLst/>
+          </a:prstGeom>
+          <a:noFill/>
+        </p:spPr>
+        <p:txBody>
+          <a:bodyPr wrap="square" rtlCol="0">
+            <a:spAutoFit/>
+          </a:bodyPr>
+          <a:lstStyle/>
+          <a:p>
+            <a:r>
+              <a:rPr lang="en-US" altLang="zh-CN" sz="800" dirty="0"/>
+              <a:t>1.1</a:t>
+            </a:r>
+            <a:endParaRPr lang="zh-CN" altLang="en-US" sz="800" dirty="0"/>
+          </a:p>
+        </p:txBody>
+      </p:sp>
+      <p:cxnSp>
+        <p:nvCxnSpPr>
+          <p:cNvPr id="123" name="直接箭头连接符 122">
+            <a:extLst>
+              <a:ext uri="{FF2B5EF4-FFF2-40B4-BE49-F238E27FC236}">
+                <a16:creationId xmlns:a16="http://schemas.microsoft.com/office/drawing/2014/main" id="{1F96AFDF-C9B1-4E08-B780-85CC1F610918}"/>
+              </a:ext>
+            </a:extLst>
+          </p:cNvPr>
+          <p:cNvCxnSpPr>
+            <a:cxnSpLocks/>
+            <a:stCxn id="102" idx="3"/>
+          </p:cNvCxnSpPr>
+          <p:nvPr/>
+        </p:nvCxnSpPr>
+        <p:spPr>
+          <a:xfrm flipH="1" flipV="1">
+            <a:off x="8478901" y="3942679"/>
+            <a:ext cx="511567" cy="5260"/>
+          </a:xfrm>
+          <a:prstGeom prst="straightConnector1">
+            <a:avLst/>
+          </a:prstGeom>
+          <a:ln w="9525" cap="flat" cmpd="sng" algn="ctr">
+            <a:solidFill>
+              <a:schemeClr val="accent2"/>
+            </a:solidFill>
+            <a:prstDash val="solid"/>
+            <a:round/>
+            <a:headEnd type="none" w="med" len="med"/>
+            <a:tailEnd type="arrow" w="med" len="med"/>
+          </a:ln>
+        </p:spPr>
+        <p:style>
+          <a:lnRef idx="0">
+            <a:scrgbClr r="0" g="0" b="0"/>
+          </a:lnRef>
+          <a:fillRef idx="0">
+            <a:scrgbClr r="0" g="0" b="0"/>
+          </a:fillRef>
+          <a:effectRef idx="0">
+            <a:scrgbClr r="0" g="0" b="0"/>
+          </a:effectRef>
+          <a:fontRef idx="minor">
+            <a:schemeClr val="tx1"/>
+          </a:fontRef>
+        </p:style>
+      </p:cxnSp>
+      <p:cxnSp>
+        <p:nvCxnSpPr>
+          <p:cNvPr id="124" name="直接箭头连接符 123">
+            <a:extLst>
+              <a:ext uri="{FF2B5EF4-FFF2-40B4-BE49-F238E27FC236}">
+                <a16:creationId xmlns:a16="http://schemas.microsoft.com/office/drawing/2014/main" id="{548FEAC1-1E81-49E1-B2A2-58390FAEF04B}"/>
+              </a:ext>
+            </a:extLst>
+          </p:cNvPr>
+          <p:cNvCxnSpPr>
+            <a:cxnSpLocks/>
+            <a:stCxn id="108" idx="3"/>
+            <a:endCxn id="102" idx="5"/>
+          </p:cNvCxnSpPr>
+          <p:nvPr/>
+        </p:nvCxnSpPr>
+        <p:spPr>
+          <a:xfrm flipH="1">
+            <a:off x="9109346" y="3947939"/>
+            <a:ext cx="530366" cy="0"/>
+          </a:xfrm>
+          <a:prstGeom prst="straightConnector1">
+            <a:avLst/>
+          </a:prstGeom>
+          <a:ln w="9525" cap="flat" cmpd="sng" algn="ctr">
+            <a:solidFill>
+              <a:schemeClr val="accent2"/>
+            </a:solidFill>
+            <a:prstDash val="solid"/>
+            <a:round/>
+            <a:headEnd type="none" w="med" len="med"/>
+            <a:tailEnd type="arrow" w="med" len="med"/>
+          </a:ln>
+        </p:spPr>
+        <p:style>
+          <a:lnRef idx="0">
+            <a:scrgbClr r="0" g="0" b="0"/>
+          </a:lnRef>
+          <a:fillRef idx="0">
+            <a:scrgbClr r="0" g="0" b="0"/>
+          </a:fillRef>
+          <a:effectRef idx="0">
+            <a:scrgbClr r="0" g="0" b="0"/>
+          </a:effectRef>
+          <a:fontRef idx="minor">
+            <a:schemeClr val="tx1"/>
+          </a:fontRef>
+        </p:style>
+      </p:cxnSp>
+      <p:cxnSp>
+        <p:nvCxnSpPr>
+          <p:cNvPr id="125" name="直接箭头连接符 124">
+            <a:extLst>
+              <a:ext uri="{FF2B5EF4-FFF2-40B4-BE49-F238E27FC236}">
+                <a16:creationId xmlns:a16="http://schemas.microsoft.com/office/drawing/2014/main" id="{84DA7719-D174-4E35-856A-23AA11DCCA61}"/>
+              </a:ext>
+            </a:extLst>
+          </p:cNvPr>
+          <p:cNvCxnSpPr>
+            <a:cxnSpLocks/>
+            <a:endCxn id="108" idx="5"/>
+          </p:cNvCxnSpPr>
+          <p:nvPr/>
+        </p:nvCxnSpPr>
+        <p:spPr>
+          <a:xfrm flipH="1">
+            <a:off x="9758590" y="3947441"/>
+            <a:ext cx="498311" cy="498"/>
+          </a:xfrm>
+          <a:prstGeom prst="straightConnector1">
+            <a:avLst/>
+          </a:prstGeom>
+          <a:ln w="9525" cap="flat" cmpd="sng" algn="ctr">
+            <a:solidFill>
+              <a:schemeClr val="accent2"/>
+            </a:solidFill>
+            <a:prstDash val="solid"/>
+            <a:round/>
+            <a:headEnd type="none" w="med" len="med"/>
+            <a:tailEnd type="arrow" w="med" len="med"/>
+          </a:ln>
+        </p:spPr>
+        <p:style>
+          <a:lnRef idx="0">
+            <a:scrgbClr r="0" g="0" b="0"/>
+          </a:lnRef>
+          <a:fillRef idx="0">
+            <a:scrgbClr r="0" g="0" b="0"/>
+          </a:fillRef>
+          <a:effectRef idx="0">
+            <a:scrgbClr r="0" g="0" b="0"/>
+          </a:effectRef>
+          <a:fontRef idx="minor">
+            <a:schemeClr val="tx1"/>
+          </a:fontRef>
+        </p:style>
+      </p:cxnSp>
+      <p:sp>
+        <p:nvSpPr>
+          <p:cNvPr id="126" name="文本框 125">
+            <a:extLst>
+              <a:ext uri="{FF2B5EF4-FFF2-40B4-BE49-F238E27FC236}">
+                <a16:creationId xmlns:a16="http://schemas.microsoft.com/office/drawing/2014/main" id="{2C5A1805-DD45-4703-9982-4E8C39E50B30}"/>
+              </a:ext>
+            </a:extLst>
+          </p:cNvPr>
+          <p:cNvSpPr txBox="1"/>
+          <p:nvPr/>
+        </p:nvSpPr>
+        <p:spPr>
+          <a:xfrm>
+            <a:off x="8567562" y="3885165"/>
+            <a:ext cx="351244" cy="215444"/>
+          </a:xfrm>
+          <a:prstGeom prst="rect">
+            <a:avLst/>
+          </a:prstGeom>
+          <a:noFill/>
+        </p:spPr>
+        <p:txBody>
+          <a:bodyPr wrap="square" rtlCol="0">
+            <a:spAutoFit/>
+          </a:bodyPr>
+          <a:lstStyle/>
+          <a:p>
+            <a:r>
+              <a:rPr lang="en-US" altLang="zh-CN" sz="800" dirty="0"/>
+              <a:t>2.2</a:t>
+            </a:r>
+            <a:endParaRPr lang="zh-CN" altLang="en-US" sz="800" dirty="0"/>
+          </a:p>
+        </p:txBody>
+      </p:sp>
+      <p:sp>
+        <p:nvSpPr>
+          <p:cNvPr id="127" name="文本框 126">
+            <a:extLst>
+              <a:ext uri="{FF2B5EF4-FFF2-40B4-BE49-F238E27FC236}">
+                <a16:creationId xmlns:a16="http://schemas.microsoft.com/office/drawing/2014/main" id="{A4429CBF-A643-44E7-9074-4AAFB822B8DB}"/>
+              </a:ext>
+            </a:extLst>
+          </p:cNvPr>
+          <p:cNvSpPr txBox="1"/>
+          <p:nvPr/>
+        </p:nvSpPr>
+        <p:spPr>
+          <a:xfrm>
+            <a:off x="9243495" y="3884065"/>
+            <a:ext cx="351244" cy="215444"/>
+          </a:xfrm>
+          <a:prstGeom prst="rect">
+            <a:avLst/>
+          </a:prstGeom>
+          <a:noFill/>
+        </p:spPr>
+        <p:txBody>
+          <a:bodyPr wrap="square" rtlCol="0">
+            <a:spAutoFit/>
+          </a:bodyPr>
+          <a:lstStyle/>
+          <a:p>
+            <a:r>
+              <a:rPr lang="en-US" altLang="zh-CN" sz="800" dirty="0"/>
+              <a:t>1.1</a:t>
+            </a:r>
+            <a:endParaRPr lang="zh-CN" altLang="en-US" sz="800" dirty="0"/>
+          </a:p>
+        </p:txBody>
+      </p:sp>
+      <p:sp>
+        <p:nvSpPr>
+          <p:cNvPr id="128" name="文本框 127">
+            <a:extLst>
+              <a:ext uri="{FF2B5EF4-FFF2-40B4-BE49-F238E27FC236}">
+                <a16:creationId xmlns:a16="http://schemas.microsoft.com/office/drawing/2014/main" id="{5C7F7002-E213-4CCE-9A0B-9AA3E7F979F1}"/>
+              </a:ext>
+            </a:extLst>
+          </p:cNvPr>
+          <p:cNvSpPr txBox="1"/>
+          <p:nvPr/>
+        </p:nvSpPr>
+        <p:spPr>
+          <a:xfrm>
+            <a:off x="9894943" y="3882378"/>
+            <a:ext cx="351244" cy="215444"/>
+          </a:xfrm>
+          <a:prstGeom prst="rect">
+            <a:avLst/>
+          </a:prstGeom>
+          <a:noFill/>
+        </p:spPr>
+        <p:txBody>
+          <a:bodyPr wrap="square" rtlCol="0">
+            <a:spAutoFit/>
+          </a:bodyPr>
+          <a:lstStyle/>
+          <a:p>
+            <a:r>
+              <a:rPr lang="en-US" altLang="zh-CN" sz="800" dirty="0"/>
+              <a:t>1</a:t>
+            </a:r>
+            <a:endParaRPr lang="zh-CN" altLang="en-US" sz="800" dirty="0"/>
+          </a:p>
+        </p:txBody>
+      </p:sp>
+      <p:cxnSp>
+        <p:nvCxnSpPr>
+          <p:cNvPr id="9" name="连接符: 肘形 8">
+            <a:extLst>
+              <a:ext uri="{FF2B5EF4-FFF2-40B4-BE49-F238E27FC236}">
+                <a16:creationId xmlns:a16="http://schemas.microsoft.com/office/drawing/2014/main" id="{F87C25C0-15E6-4E66-AD17-8E8A58A16D0F}"/>
+              </a:ext>
+            </a:extLst>
+          </p:cNvPr>
+          <p:cNvCxnSpPr>
+            <a:cxnSpLocks/>
+            <a:stCxn id="102" idx="5"/>
+          </p:cNvCxnSpPr>
+          <p:nvPr/>
+        </p:nvCxnSpPr>
+        <p:spPr>
+          <a:xfrm rot="5400000">
+            <a:off x="8728124" y="3941541"/>
+            <a:ext cx="374824" cy="387621"/>
+          </a:xfrm>
+          <a:prstGeom prst="bentConnector2">
+            <a:avLst/>
+          </a:prstGeom>
+          <a:ln w="9525" cap="flat" cmpd="sng" algn="ctr">
+            <a:solidFill>
+              <a:schemeClr val="accent2"/>
+            </a:solidFill>
+            <a:prstDash val="solid"/>
+            <a:round/>
+            <a:headEnd type="none" w="med" len="med"/>
+            <a:tailEnd type="arrow" w="med" len="med"/>
+          </a:ln>
+        </p:spPr>
+        <p:style>
+          <a:lnRef idx="0">
+            <a:scrgbClr r="0" g="0" b="0"/>
+          </a:lnRef>
+          <a:fillRef idx="0">
+            <a:scrgbClr r="0" g="0" b="0"/>
+          </a:fillRef>
+          <a:effectRef idx="0">
+            <a:scrgbClr r="0" g="0" b="0"/>
+          </a:effectRef>
+          <a:fontRef idx="minor">
+            <a:schemeClr val="tx1"/>
+          </a:fontRef>
+        </p:style>
+      </p:cxnSp>
+      <p:sp>
+        <p:nvSpPr>
+          <p:cNvPr id="130" name="文本框 129">
+            <a:extLst>
+              <a:ext uri="{FF2B5EF4-FFF2-40B4-BE49-F238E27FC236}">
+                <a16:creationId xmlns:a16="http://schemas.microsoft.com/office/drawing/2014/main" id="{A0AC83D2-FBE0-4443-AB22-6143E188D19E}"/>
+              </a:ext>
+            </a:extLst>
+          </p:cNvPr>
+          <p:cNvSpPr txBox="1"/>
+          <p:nvPr/>
+        </p:nvSpPr>
+        <p:spPr>
+          <a:xfrm>
+            <a:off x="8752914" y="4268100"/>
+            <a:ext cx="351244" cy="215444"/>
+          </a:xfrm>
+          <a:prstGeom prst="rect">
+            <a:avLst/>
+          </a:prstGeom>
+          <a:noFill/>
+        </p:spPr>
+        <p:txBody>
+          <a:bodyPr wrap="square" rtlCol="0">
+            <a:spAutoFit/>
+          </a:bodyPr>
+          <a:lstStyle/>
+          <a:p>
+            <a:r>
+              <a:rPr lang="en-US" altLang="zh-CN" sz="800" dirty="0"/>
+              <a:t>110</a:t>
+            </a:r>
+            <a:endParaRPr lang="zh-CN" altLang="en-US" sz="800" dirty="0"/>
+          </a:p>
+        </p:txBody>
+      </p:sp>
+      <p:cxnSp>
+        <p:nvCxnSpPr>
+          <p:cNvPr id="131" name="连接符: 肘形 130">
+            <a:extLst>
+              <a:ext uri="{FF2B5EF4-FFF2-40B4-BE49-F238E27FC236}">
+                <a16:creationId xmlns:a16="http://schemas.microsoft.com/office/drawing/2014/main" id="{C459062D-3A2A-4024-A90C-B7FA73ADA5A0}"/>
+              </a:ext>
+            </a:extLst>
+          </p:cNvPr>
+          <p:cNvCxnSpPr>
+            <a:cxnSpLocks/>
+            <a:stCxn id="108" idx="5"/>
+          </p:cNvCxnSpPr>
+          <p:nvPr/>
+        </p:nvCxnSpPr>
+        <p:spPr>
+          <a:xfrm rot="5400000">
+            <a:off x="8897170" y="3766145"/>
+            <a:ext cx="679627" cy="1043215"/>
+          </a:xfrm>
+          <a:prstGeom prst="bentConnector2">
+            <a:avLst/>
+          </a:prstGeom>
+          <a:ln w="9525" cap="flat" cmpd="sng" algn="ctr">
+            <a:solidFill>
+              <a:schemeClr val="accent2"/>
+            </a:solidFill>
+            <a:prstDash val="solid"/>
+            <a:round/>
+            <a:headEnd type="none" w="med" len="med"/>
+            <a:tailEnd type="arrow" w="med" len="med"/>
+          </a:ln>
+        </p:spPr>
+        <p:style>
+          <a:lnRef idx="0">
+            <a:scrgbClr r="0" g="0" b="0"/>
+          </a:lnRef>
+          <a:fillRef idx="0">
+            <a:scrgbClr r="0" g="0" b="0"/>
+          </a:fillRef>
+          <a:effectRef idx="0">
+            <a:scrgbClr r="0" g="0" b="0"/>
+          </a:effectRef>
+          <a:fontRef idx="minor">
+            <a:schemeClr val="tx1"/>
+          </a:fontRef>
+        </p:style>
+      </p:cxnSp>
+      <p:sp>
+        <p:nvSpPr>
+          <p:cNvPr id="132" name="文本框 131">
+            <a:extLst>
+              <a:ext uri="{FF2B5EF4-FFF2-40B4-BE49-F238E27FC236}">
+                <a16:creationId xmlns:a16="http://schemas.microsoft.com/office/drawing/2014/main" id="{F3423F11-41FB-49D2-9339-A24E0779CA6D}"/>
+              </a:ext>
+            </a:extLst>
+          </p:cNvPr>
+          <p:cNvSpPr txBox="1"/>
+          <p:nvPr/>
+        </p:nvSpPr>
+        <p:spPr>
+          <a:xfrm>
+            <a:off x="9062949" y="4579928"/>
+            <a:ext cx="351244" cy="215444"/>
+          </a:xfrm>
+          <a:prstGeom prst="rect">
+            <a:avLst/>
+          </a:prstGeom>
+          <a:noFill/>
+        </p:spPr>
+        <p:txBody>
+          <a:bodyPr wrap="square" rtlCol="0">
+            <a:spAutoFit/>
+          </a:bodyPr>
+          <a:lstStyle/>
+          <a:p>
+            <a:r>
+              <a:rPr lang="en-US" altLang="zh-CN" sz="800" dirty="0"/>
+              <a:t>200</a:t>
+            </a:r>
+            <a:endParaRPr lang="zh-CN" altLang="en-US" sz="800" dirty="0"/>
+          </a:p>
+        </p:txBody>
+      </p:sp>
     </p:spTree>
     <p:extLst>
       <p:ext uri="{BB962C8B-B14F-4D97-AF65-F5344CB8AC3E}">
